--- a/slides/On-Campus/02_03_CharactersAndStrings.pptx
+++ b/slides/On-Campus/02_03_CharactersAndStrings.pptx
@@ -5,26 +5,30 @@
     <p:sldMasterId id="2147483648" r:id="rId1"/>
   </p:sldMasterIdLst>
   <p:notesMasterIdLst>
-    <p:notesMasterId r:id="rId16"/>
+    <p:notesMasterId r:id="rId20"/>
   </p:notesMasterIdLst>
   <p:handoutMasterIdLst>
-    <p:handoutMasterId r:id="rId17"/>
+    <p:handoutMasterId r:id="rId21"/>
   </p:handoutMasterIdLst>
   <p:sldIdLst>
     <p:sldId id="256" r:id="rId2"/>
     <p:sldId id="266" r:id="rId3"/>
     <p:sldId id="267" r:id="rId4"/>
     <p:sldId id="268" r:id="rId5"/>
-    <p:sldId id="257" r:id="rId6"/>
-    <p:sldId id="258" r:id="rId7"/>
-    <p:sldId id="259" r:id="rId8"/>
-    <p:sldId id="260" r:id="rId9"/>
-    <p:sldId id="269" r:id="rId10"/>
-    <p:sldId id="261" r:id="rId11"/>
-    <p:sldId id="262" r:id="rId12"/>
-    <p:sldId id="263" r:id="rId13"/>
-    <p:sldId id="264" r:id="rId14"/>
-    <p:sldId id="265" r:id="rId15"/>
+    <p:sldId id="270" r:id="rId6"/>
+    <p:sldId id="271" r:id="rId7"/>
+    <p:sldId id="272" r:id="rId8"/>
+    <p:sldId id="257" r:id="rId9"/>
+    <p:sldId id="258" r:id="rId10"/>
+    <p:sldId id="259" r:id="rId11"/>
+    <p:sldId id="260" r:id="rId12"/>
+    <p:sldId id="269" r:id="rId13"/>
+    <p:sldId id="261" r:id="rId14"/>
+    <p:sldId id="262" r:id="rId15"/>
+    <p:sldId id="263" r:id="rId16"/>
+    <p:sldId id="264" r:id="rId17"/>
+    <p:sldId id="265" r:id="rId18"/>
+    <p:sldId id="273" r:id="rId19"/>
   </p:sldIdLst>
   <p:sldSz cx="13817600" cy="7772400"/>
   <p:notesSz cx="6858000" cy="9144000"/>
@@ -227,7 +231,7 @@
           <a:p>
             <a:fld id="{4D7E51A5-B478-1E40-8CBB-0DAA8831E99D}" type="datetimeFigureOut">
               <a:rPr lang="en-US" smtClean="0"/>
-              <a:t>8/16/21</a:t>
+              <a:t>9/1/2021</a:t>
             </a:fld>
             <a:endParaRPr lang="en-US"/>
           </a:p>
@@ -392,7 +396,7 @@
           <a:p>
             <a:fld id="{D0ED587F-861E-6740-9643-E3DDAE89B8D6}" type="datetimeFigureOut">
               <a:rPr lang="en-US" smtClean="0"/>
-              <a:t>8/16/21</a:t>
+              <a:t>9/1/2021</a:t>
             </a:fld>
             <a:endParaRPr lang="en-US"/>
           </a:p>
@@ -6713,10 +6717,3178 @@
       </p:transition>
     </mc:Fallback>
   </mc:AlternateContent>
+  <p:timing>
+    <p:tnLst>
+      <p:par>
+        <p:cTn id="1" dur="indefinite" restart="never" nodeType="tmRoot"/>
+      </p:par>
+    </p:tnLst>
+  </p:timing>
 </p:sld>
 </file>
 
 <file path=ppt/slides/slide10.xml><?xml version="1.0" encoding="utf-8"?>
+<p:sld xmlns:a="http://schemas.openxmlformats.org/drawingml/2006/main" xmlns:r="http://schemas.openxmlformats.org/officeDocument/2006/relationships" xmlns:p="http://schemas.openxmlformats.org/presentationml/2006/main">
+  <p:cSld>
+    <p:spTree>
+      <p:nvGrpSpPr>
+        <p:cNvPr id="1" name=""/>
+        <p:cNvGrpSpPr/>
+        <p:nvPr/>
+      </p:nvGrpSpPr>
+      <p:grpSpPr>
+        <a:xfrm>
+          <a:off x="0" y="0"/>
+          <a:ext cx="0" cy="0"/>
+          <a:chOff x="0" y="0"/>
+          <a:chExt cx="0" cy="0"/>
+        </a:xfrm>
+      </p:grpSpPr>
+      <p:grpSp>
+        <p:nvGrpSpPr>
+          <p:cNvPr id="44" name="Group 43">
+            <a:extLst>
+              <a:ext uri="{FF2B5EF4-FFF2-40B4-BE49-F238E27FC236}">
+                <a16:creationId xmlns:a16="http://schemas.microsoft.com/office/drawing/2014/main" id="{34E2910E-02E1-B442-9431-A8BE0470EC08}"/>
+              </a:ext>
+            </a:extLst>
+          </p:cNvPr>
+          <p:cNvGrpSpPr/>
+          <p:nvPr/>
+        </p:nvGrpSpPr>
+        <p:grpSpPr>
+          <a:xfrm>
+            <a:off x="623603" y="1702820"/>
+            <a:ext cx="826959" cy="5507726"/>
+            <a:chOff x="623603" y="1702820"/>
+            <a:chExt cx="826959" cy="5507726"/>
+          </a:xfrm>
+        </p:grpSpPr>
+        <p:sp>
+          <p:nvSpPr>
+            <p:cNvPr id="23" name="Rectangle 22">
+              <a:extLst>
+                <a:ext uri="{FF2B5EF4-FFF2-40B4-BE49-F238E27FC236}">
+                  <a16:creationId xmlns:a16="http://schemas.microsoft.com/office/drawing/2014/main" id="{C66CAF25-80B2-5C48-8F1B-76F18A3F34CE}"/>
+                </a:ext>
+              </a:extLst>
+            </p:cNvPr>
+            <p:cNvSpPr/>
+            <p:nvPr/>
+          </p:nvSpPr>
+          <p:spPr>
+            <a:xfrm>
+              <a:off x="628071" y="1702820"/>
+              <a:ext cx="817604" cy="609600"/>
+            </a:xfrm>
+            <a:prstGeom prst="rect">
+              <a:avLst/>
+            </a:prstGeom>
+            <a:noFill/>
+            <a:ln>
+              <a:solidFill>
+                <a:srgbClr val="092529"/>
+              </a:solidFill>
+            </a:ln>
+            <a:effectLst/>
+          </p:spPr>
+          <p:style>
+            <a:lnRef idx="1">
+              <a:schemeClr val="accent1"/>
+            </a:lnRef>
+            <a:fillRef idx="3">
+              <a:schemeClr val="accent1"/>
+            </a:fillRef>
+            <a:effectRef idx="2">
+              <a:schemeClr val="accent1"/>
+            </a:effectRef>
+            <a:fontRef idx="minor">
+              <a:schemeClr val="lt1"/>
+            </a:fontRef>
+          </p:style>
+          <p:txBody>
+            <a:bodyPr lIns="274320" tIns="182880" rIns="274320" bIns="182880" rtlCol="0" anchor="ctr"/>
+            <a:lstStyle/>
+            <a:p>
+              <a:pPr algn="ctr"/>
+              <a:endParaRPr lang="en-US" dirty="0">
+                <a:solidFill>
+                  <a:srgbClr val="092529"/>
+                </a:solidFill>
+                <a:latin typeface="Proxima Nova" charset="0"/>
+                <a:ea typeface="Proxima Nova" charset="0"/>
+                <a:cs typeface="Proxima Nova" charset="0"/>
+              </a:endParaRPr>
+            </a:p>
+          </p:txBody>
+        </p:sp>
+        <p:sp>
+          <p:nvSpPr>
+            <p:cNvPr id="7" name="Rectangle 6">
+              <a:extLst>
+                <a:ext uri="{FF2B5EF4-FFF2-40B4-BE49-F238E27FC236}">
+                  <a16:creationId xmlns:a16="http://schemas.microsoft.com/office/drawing/2014/main" id="{56C9DD25-AADF-9A4D-A6CD-A96AA09AB653}"/>
+                </a:ext>
+              </a:extLst>
+            </p:cNvPr>
+            <p:cNvSpPr/>
+            <p:nvPr/>
+          </p:nvSpPr>
+          <p:spPr>
+            <a:xfrm>
+              <a:off x="628076" y="5983624"/>
+              <a:ext cx="817600" cy="609600"/>
+            </a:xfrm>
+            <a:prstGeom prst="rect">
+              <a:avLst/>
+            </a:prstGeom>
+            <a:noFill/>
+            <a:ln>
+              <a:solidFill>
+                <a:srgbClr val="092529"/>
+              </a:solidFill>
+            </a:ln>
+            <a:effectLst/>
+          </p:spPr>
+          <p:style>
+            <a:lnRef idx="1">
+              <a:schemeClr val="accent1"/>
+            </a:lnRef>
+            <a:fillRef idx="3">
+              <a:schemeClr val="accent1"/>
+            </a:fillRef>
+            <a:effectRef idx="2">
+              <a:schemeClr val="accent1"/>
+            </a:effectRef>
+            <a:fontRef idx="minor">
+              <a:schemeClr val="lt1"/>
+            </a:fontRef>
+          </p:style>
+          <p:txBody>
+            <a:bodyPr lIns="274320" tIns="182880" rIns="274320" bIns="182880" rtlCol="0" anchor="ctr"/>
+            <a:lstStyle/>
+            <a:p>
+              <a:pPr algn="ctr"/>
+              <a:endParaRPr lang="en-US" dirty="0">
+                <a:latin typeface="Proxima Nova" charset="0"/>
+                <a:ea typeface="Proxima Nova" charset="0"/>
+                <a:cs typeface="Proxima Nova" charset="0"/>
+              </a:endParaRPr>
+            </a:p>
+          </p:txBody>
+        </p:sp>
+        <p:sp>
+          <p:nvSpPr>
+            <p:cNvPr id="8" name="Rectangle 7">
+              <a:extLst>
+                <a:ext uri="{FF2B5EF4-FFF2-40B4-BE49-F238E27FC236}">
+                  <a16:creationId xmlns:a16="http://schemas.microsoft.com/office/drawing/2014/main" id="{FF4EF5EE-9203-3C47-9DB8-F001FAD14560}"/>
+                </a:ext>
+              </a:extLst>
+            </p:cNvPr>
+            <p:cNvSpPr/>
+            <p:nvPr/>
+          </p:nvSpPr>
+          <p:spPr>
+            <a:xfrm>
+              <a:off x="628076" y="6600946"/>
+              <a:ext cx="817600" cy="609600"/>
+            </a:xfrm>
+            <a:prstGeom prst="rect">
+              <a:avLst/>
+            </a:prstGeom>
+            <a:noFill/>
+            <a:ln>
+              <a:solidFill>
+                <a:srgbClr val="092529"/>
+              </a:solidFill>
+            </a:ln>
+            <a:effectLst/>
+          </p:spPr>
+          <p:style>
+            <a:lnRef idx="1">
+              <a:schemeClr val="accent1"/>
+            </a:lnRef>
+            <a:fillRef idx="3">
+              <a:schemeClr val="accent1"/>
+            </a:fillRef>
+            <a:effectRef idx="2">
+              <a:schemeClr val="accent1"/>
+            </a:effectRef>
+            <a:fontRef idx="minor">
+              <a:schemeClr val="lt1"/>
+            </a:fontRef>
+          </p:style>
+          <p:txBody>
+            <a:bodyPr lIns="274320" tIns="182880" rIns="274320" bIns="182880" rtlCol="0" anchor="ctr"/>
+            <a:lstStyle/>
+            <a:p>
+              <a:pPr algn="ctr"/>
+              <a:endParaRPr lang="en-US" dirty="0">
+                <a:latin typeface="Proxima Nova" charset="0"/>
+                <a:ea typeface="Proxima Nova" charset="0"/>
+                <a:cs typeface="Proxima Nova" charset="0"/>
+              </a:endParaRPr>
+            </a:p>
+          </p:txBody>
+        </p:sp>
+        <p:sp>
+          <p:nvSpPr>
+            <p:cNvPr id="10" name="Rectangle 9">
+              <a:extLst>
+                <a:ext uri="{FF2B5EF4-FFF2-40B4-BE49-F238E27FC236}">
+                  <a16:creationId xmlns:a16="http://schemas.microsoft.com/office/drawing/2014/main" id="{02953D41-75F3-164C-9349-B88003606B80}"/>
+                </a:ext>
+              </a:extLst>
+            </p:cNvPr>
+            <p:cNvSpPr/>
+            <p:nvPr/>
+          </p:nvSpPr>
+          <p:spPr>
+            <a:xfrm>
+              <a:off x="630115" y="2309933"/>
+              <a:ext cx="817604" cy="609600"/>
+            </a:xfrm>
+            <a:prstGeom prst="rect">
+              <a:avLst/>
+            </a:prstGeom>
+            <a:noFill/>
+            <a:ln>
+              <a:solidFill>
+                <a:srgbClr val="092529"/>
+              </a:solidFill>
+            </a:ln>
+            <a:effectLst/>
+          </p:spPr>
+          <p:style>
+            <a:lnRef idx="1">
+              <a:schemeClr val="accent1"/>
+            </a:lnRef>
+            <a:fillRef idx="3">
+              <a:schemeClr val="accent1"/>
+            </a:fillRef>
+            <a:effectRef idx="2">
+              <a:schemeClr val="accent1"/>
+            </a:effectRef>
+            <a:fontRef idx="minor">
+              <a:schemeClr val="lt1"/>
+            </a:fontRef>
+          </p:style>
+          <p:txBody>
+            <a:bodyPr lIns="274320" tIns="182880" rIns="274320" bIns="182880" rtlCol="0" anchor="ctr"/>
+            <a:lstStyle/>
+            <a:p>
+              <a:pPr algn="ctr"/>
+              <a:endParaRPr lang="en-US" dirty="0">
+                <a:solidFill>
+                  <a:srgbClr val="092529"/>
+                </a:solidFill>
+                <a:latin typeface="Proxima Nova" charset="0"/>
+                <a:ea typeface="Proxima Nova" charset="0"/>
+                <a:cs typeface="Proxima Nova" charset="0"/>
+              </a:endParaRPr>
+            </a:p>
+          </p:txBody>
+        </p:sp>
+        <p:sp>
+          <p:nvSpPr>
+            <p:cNvPr id="11" name="Rectangle 10">
+              <a:extLst>
+                <a:ext uri="{FF2B5EF4-FFF2-40B4-BE49-F238E27FC236}">
+                  <a16:creationId xmlns:a16="http://schemas.microsoft.com/office/drawing/2014/main" id="{9E47066F-4B1A-0043-9D45-E14D1862623A}"/>
+                </a:ext>
+              </a:extLst>
+            </p:cNvPr>
+            <p:cNvSpPr/>
+            <p:nvPr/>
+          </p:nvSpPr>
+          <p:spPr>
+            <a:xfrm>
+              <a:off x="628071" y="2919533"/>
+              <a:ext cx="817603" cy="609600"/>
+            </a:xfrm>
+            <a:prstGeom prst="rect">
+              <a:avLst/>
+            </a:prstGeom>
+            <a:noFill/>
+            <a:ln>
+              <a:solidFill>
+                <a:srgbClr val="092529"/>
+              </a:solidFill>
+            </a:ln>
+            <a:effectLst/>
+          </p:spPr>
+          <p:style>
+            <a:lnRef idx="1">
+              <a:schemeClr val="accent1"/>
+            </a:lnRef>
+            <a:fillRef idx="3">
+              <a:schemeClr val="accent1"/>
+            </a:fillRef>
+            <a:effectRef idx="2">
+              <a:schemeClr val="accent1"/>
+            </a:effectRef>
+            <a:fontRef idx="minor">
+              <a:schemeClr val="lt1"/>
+            </a:fontRef>
+          </p:style>
+          <p:txBody>
+            <a:bodyPr lIns="274320" tIns="182880" rIns="274320" bIns="182880" rtlCol="0" anchor="ctr"/>
+            <a:lstStyle/>
+            <a:p>
+              <a:pPr algn="ctr"/>
+              <a:endParaRPr lang="en-US" dirty="0">
+                <a:solidFill>
+                  <a:srgbClr val="092529"/>
+                </a:solidFill>
+                <a:latin typeface="Proxima Nova" charset="0"/>
+                <a:ea typeface="Proxima Nova" charset="0"/>
+                <a:cs typeface="Proxima Nova" charset="0"/>
+              </a:endParaRPr>
+            </a:p>
+          </p:txBody>
+        </p:sp>
+        <p:sp>
+          <p:nvSpPr>
+            <p:cNvPr id="24" name="Rectangle 23">
+              <a:extLst>
+                <a:ext uri="{FF2B5EF4-FFF2-40B4-BE49-F238E27FC236}">
+                  <a16:creationId xmlns:a16="http://schemas.microsoft.com/office/drawing/2014/main" id="{53CED06C-1C8B-9D46-9328-6E8E0CED0E9E}"/>
+                </a:ext>
+              </a:extLst>
+            </p:cNvPr>
+            <p:cNvSpPr/>
+            <p:nvPr/>
+          </p:nvSpPr>
+          <p:spPr>
+            <a:xfrm>
+              <a:off x="628070" y="3527053"/>
+              <a:ext cx="818557" cy="609600"/>
+            </a:xfrm>
+            <a:prstGeom prst="rect">
+              <a:avLst/>
+            </a:prstGeom>
+            <a:noFill/>
+            <a:ln>
+              <a:solidFill>
+                <a:srgbClr val="092529"/>
+              </a:solidFill>
+            </a:ln>
+            <a:effectLst/>
+          </p:spPr>
+          <p:style>
+            <a:lnRef idx="1">
+              <a:schemeClr val="accent1"/>
+            </a:lnRef>
+            <a:fillRef idx="3">
+              <a:schemeClr val="accent1"/>
+            </a:fillRef>
+            <a:effectRef idx="2">
+              <a:schemeClr val="accent1"/>
+            </a:effectRef>
+            <a:fontRef idx="minor">
+              <a:schemeClr val="lt1"/>
+            </a:fontRef>
+          </p:style>
+          <p:txBody>
+            <a:bodyPr lIns="274320" tIns="182880" rIns="274320" bIns="182880" rtlCol="0" anchor="ctr"/>
+            <a:lstStyle/>
+            <a:p>
+              <a:pPr algn="ctr"/>
+              <a:endParaRPr lang="en-US" dirty="0">
+                <a:solidFill>
+                  <a:srgbClr val="092529"/>
+                </a:solidFill>
+                <a:latin typeface="Proxima Nova" charset="0"/>
+                <a:ea typeface="Proxima Nova" charset="0"/>
+                <a:cs typeface="Proxima Nova" charset="0"/>
+              </a:endParaRPr>
+            </a:p>
+          </p:txBody>
+        </p:sp>
+        <p:sp>
+          <p:nvSpPr>
+            <p:cNvPr id="26" name="Rectangle 25">
+              <a:extLst>
+                <a:ext uri="{FF2B5EF4-FFF2-40B4-BE49-F238E27FC236}">
+                  <a16:creationId xmlns:a16="http://schemas.microsoft.com/office/drawing/2014/main" id="{7482CD69-BCEE-6A40-A4E1-93DC313D4232}"/>
+                </a:ext>
+              </a:extLst>
+            </p:cNvPr>
+            <p:cNvSpPr/>
+            <p:nvPr/>
+          </p:nvSpPr>
+          <p:spPr>
+            <a:xfrm>
+              <a:off x="623603" y="4138189"/>
+              <a:ext cx="824116" cy="609600"/>
+            </a:xfrm>
+            <a:prstGeom prst="rect">
+              <a:avLst/>
+            </a:prstGeom>
+            <a:noFill/>
+            <a:ln>
+              <a:solidFill>
+                <a:srgbClr val="092529"/>
+              </a:solidFill>
+            </a:ln>
+            <a:effectLst/>
+          </p:spPr>
+          <p:style>
+            <a:lnRef idx="1">
+              <a:schemeClr val="accent1"/>
+            </a:lnRef>
+            <a:fillRef idx="3">
+              <a:schemeClr val="accent1"/>
+            </a:fillRef>
+            <a:effectRef idx="2">
+              <a:schemeClr val="accent1"/>
+            </a:effectRef>
+            <a:fontRef idx="minor">
+              <a:schemeClr val="lt1"/>
+            </a:fontRef>
+          </p:style>
+          <p:txBody>
+            <a:bodyPr lIns="274320" tIns="182880" rIns="274320" bIns="182880" rtlCol="0" anchor="ctr"/>
+            <a:lstStyle/>
+            <a:p>
+              <a:pPr algn="ctr"/>
+              <a:endParaRPr lang="en-US" dirty="0">
+                <a:solidFill>
+                  <a:srgbClr val="092529"/>
+                </a:solidFill>
+                <a:latin typeface="Proxima Nova" charset="0"/>
+                <a:ea typeface="Proxima Nova" charset="0"/>
+                <a:cs typeface="Proxima Nova" charset="0"/>
+              </a:endParaRPr>
+            </a:p>
+          </p:txBody>
+        </p:sp>
+        <p:sp>
+          <p:nvSpPr>
+            <p:cNvPr id="27" name="Rectangle 26">
+              <a:extLst>
+                <a:ext uri="{FF2B5EF4-FFF2-40B4-BE49-F238E27FC236}">
+                  <a16:creationId xmlns:a16="http://schemas.microsoft.com/office/drawing/2014/main" id="{2D708CE3-1886-904D-8333-9845B6740B51}"/>
+                </a:ext>
+              </a:extLst>
+            </p:cNvPr>
+            <p:cNvSpPr/>
+            <p:nvPr/>
+          </p:nvSpPr>
+          <p:spPr>
+            <a:xfrm>
+              <a:off x="623603" y="4747482"/>
+              <a:ext cx="821874" cy="609600"/>
+            </a:xfrm>
+            <a:prstGeom prst="rect">
+              <a:avLst/>
+            </a:prstGeom>
+            <a:noFill/>
+            <a:ln>
+              <a:solidFill>
+                <a:srgbClr val="092529"/>
+              </a:solidFill>
+            </a:ln>
+            <a:effectLst/>
+          </p:spPr>
+          <p:style>
+            <a:lnRef idx="1">
+              <a:schemeClr val="accent1"/>
+            </a:lnRef>
+            <a:fillRef idx="3">
+              <a:schemeClr val="accent1"/>
+            </a:fillRef>
+            <a:effectRef idx="2">
+              <a:schemeClr val="accent1"/>
+            </a:effectRef>
+            <a:fontRef idx="minor">
+              <a:schemeClr val="lt1"/>
+            </a:fontRef>
+          </p:style>
+          <p:txBody>
+            <a:bodyPr lIns="274320" tIns="182880" rIns="274320" bIns="182880" rtlCol="0" anchor="ctr"/>
+            <a:lstStyle/>
+            <a:p>
+              <a:pPr algn="ctr"/>
+              <a:endParaRPr lang="en-US" dirty="0">
+                <a:solidFill>
+                  <a:srgbClr val="092529"/>
+                </a:solidFill>
+                <a:latin typeface="Proxima Nova" charset="0"/>
+                <a:ea typeface="Proxima Nova" charset="0"/>
+                <a:cs typeface="Proxima Nova" charset="0"/>
+              </a:endParaRPr>
+            </a:p>
+          </p:txBody>
+        </p:sp>
+        <p:sp>
+          <p:nvSpPr>
+            <p:cNvPr id="28" name="Rectangle 27">
+              <a:extLst>
+                <a:ext uri="{FF2B5EF4-FFF2-40B4-BE49-F238E27FC236}">
+                  <a16:creationId xmlns:a16="http://schemas.microsoft.com/office/drawing/2014/main" id="{19C4F894-8436-DD48-A0D2-7325E15636D2}"/>
+                </a:ext>
+              </a:extLst>
+            </p:cNvPr>
+            <p:cNvSpPr/>
+            <p:nvPr/>
+          </p:nvSpPr>
+          <p:spPr>
+            <a:xfrm>
+              <a:off x="626448" y="5362240"/>
+              <a:ext cx="824114" cy="621384"/>
+            </a:xfrm>
+            <a:prstGeom prst="rect">
+              <a:avLst/>
+            </a:prstGeom>
+            <a:noFill/>
+            <a:ln>
+              <a:solidFill>
+                <a:srgbClr val="092529"/>
+              </a:solidFill>
+            </a:ln>
+            <a:effectLst/>
+          </p:spPr>
+          <p:style>
+            <a:lnRef idx="1">
+              <a:schemeClr val="accent1"/>
+            </a:lnRef>
+            <a:fillRef idx="3">
+              <a:schemeClr val="accent1"/>
+            </a:fillRef>
+            <a:effectRef idx="2">
+              <a:schemeClr val="accent1"/>
+            </a:effectRef>
+            <a:fontRef idx="minor">
+              <a:schemeClr val="lt1"/>
+            </a:fontRef>
+          </p:style>
+          <p:txBody>
+            <a:bodyPr lIns="274320" tIns="182880" rIns="274320" bIns="182880" rtlCol="0" anchor="ctr"/>
+            <a:lstStyle/>
+            <a:p>
+              <a:pPr algn="ctr"/>
+              <a:endParaRPr lang="en-US" dirty="0">
+                <a:solidFill>
+                  <a:srgbClr val="092529"/>
+                </a:solidFill>
+                <a:latin typeface="Proxima Nova" charset="0"/>
+                <a:ea typeface="Proxima Nova" charset="0"/>
+                <a:cs typeface="Proxima Nova" charset="0"/>
+              </a:endParaRPr>
+            </a:p>
+          </p:txBody>
+        </p:sp>
+      </p:grpSp>
+      <p:sp>
+        <p:nvSpPr>
+          <p:cNvPr id="2" name="Title 1">
+            <a:extLst>
+              <a:ext uri="{FF2B5EF4-FFF2-40B4-BE49-F238E27FC236}">
+                <a16:creationId xmlns:a16="http://schemas.microsoft.com/office/drawing/2014/main" id="{62496EE1-91DF-A248-9B43-4F40C75FB429}"/>
+              </a:ext>
+            </a:extLst>
+          </p:cNvPr>
+          <p:cNvSpPr>
+            <a:spLocks noGrp="1"/>
+          </p:cNvSpPr>
+          <p:nvPr>
+            <p:ph type="title"/>
+          </p:nvPr>
+        </p:nvSpPr>
+        <p:spPr/>
+        <p:txBody>
+          <a:bodyPr/>
+          <a:lstStyle/>
+          <a:p>
+            <a:r>
+              <a:rPr lang="en-US" dirty="0"/>
+              <a:t>First, Let’s Think About Memory</a:t>
+            </a:r>
+          </a:p>
+        </p:txBody>
+      </p:sp>
+      <p:sp>
+        <p:nvSpPr>
+          <p:cNvPr id="3" name="Text Placeholder 2">
+            <a:extLst>
+              <a:ext uri="{FF2B5EF4-FFF2-40B4-BE49-F238E27FC236}">
+                <a16:creationId xmlns:a16="http://schemas.microsoft.com/office/drawing/2014/main" id="{8A86AEB4-9C35-E24B-A426-6F41C33DF58C}"/>
+              </a:ext>
+            </a:extLst>
+          </p:cNvPr>
+          <p:cNvSpPr>
+            <a:spLocks noGrp="1"/>
+          </p:cNvSpPr>
+          <p:nvPr>
+            <p:ph type="body" sz="quarter" idx="10"/>
+          </p:nvPr>
+        </p:nvSpPr>
+        <p:spPr>
+          <a:xfrm>
+            <a:off x="6908800" y="1776683"/>
+            <a:ext cx="6280728" cy="4186659"/>
+          </a:xfrm>
+        </p:spPr>
+        <p:txBody>
+          <a:bodyPr/>
+          <a:lstStyle/>
+          <a:p>
+            <a:r>
+              <a:rPr lang="en-US" dirty="0"/>
+              <a:t>Storing variables in memory</a:t>
+            </a:r>
+          </a:p>
+          <a:p>
+            <a:pPr lvl="1"/>
+            <a:r>
+              <a:rPr lang="en-US" dirty="0"/>
+              <a:t>Wherever the computer decides</a:t>
+            </a:r>
+          </a:p>
+          <a:p>
+            <a:pPr lvl="1"/>
+            <a:r>
+              <a:rPr lang="en-US" dirty="0"/>
+              <a:t>Value stored in the location</a:t>
+            </a:r>
+          </a:p>
+          <a:p>
+            <a:pPr lvl="1"/>
+            <a:r>
+              <a:rPr lang="en-US" dirty="0"/>
+              <a:t>Variable name points towards location</a:t>
+            </a:r>
+          </a:p>
+          <a:p>
+            <a:r>
+              <a:rPr lang="en-US" dirty="0"/>
+              <a:t>Example</a:t>
+            </a:r>
+          </a:p>
+          <a:p>
+            <a:pPr lvl="1"/>
+            <a:r>
+              <a:rPr lang="en-US" dirty="0">
+                <a:latin typeface="Consolas" panose="020B0609020204030204" pitchFamily="49" charset="0"/>
+                <a:cs typeface="Consolas" panose="020B0609020204030204" pitchFamily="49" charset="0"/>
+              </a:rPr>
+              <a:t>char c = ‘C’;</a:t>
+            </a:r>
+          </a:p>
+          <a:p>
+            <a:pPr lvl="1"/>
+            <a:r>
+              <a:rPr lang="en-US" dirty="0">
+                <a:latin typeface="Consolas" panose="020B0609020204030204" pitchFamily="49" charset="0"/>
+                <a:cs typeface="Consolas" panose="020B0609020204030204" pitchFamily="49" charset="0"/>
+              </a:rPr>
+              <a:t>char m = ‘M’;</a:t>
+            </a:r>
+          </a:p>
+          <a:p>
+            <a:pPr lvl="1"/>
+            <a:endParaRPr lang="en-US" dirty="0">
+              <a:latin typeface="Consolas" panose="020B0609020204030204" pitchFamily="49" charset="0"/>
+              <a:cs typeface="Consolas" panose="020B0609020204030204" pitchFamily="49" charset="0"/>
+            </a:endParaRPr>
+          </a:p>
+          <a:p>
+            <a:r>
+              <a:rPr lang="en-US" dirty="0">
+                <a:latin typeface="Consolas" panose="020B0609020204030204" pitchFamily="49" charset="0"/>
+                <a:cs typeface="Consolas" panose="020B0609020204030204" pitchFamily="49" charset="0"/>
+              </a:rPr>
+              <a:t>What about Strings?</a:t>
+            </a:r>
+          </a:p>
+          <a:p>
+            <a:pPr lvl="1"/>
+            <a:r>
+              <a:rPr lang="en-US" dirty="0">
+                <a:latin typeface="Consolas" panose="020B0609020204030204" pitchFamily="49" charset="0"/>
+                <a:cs typeface="Consolas" panose="020B0609020204030204" pitchFamily="49" charset="0"/>
+              </a:rPr>
+              <a:t>String mascot = </a:t>
+            </a:r>
+            <a:r>
+              <a:rPr lang="en-US">
+                <a:latin typeface="Consolas" panose="020B0609020204030204" pitchFamily="49" charset="0"/>
+                <a:cs typeface="Consolas" panose="020B0609020204030204" pitchFamily="49" charset="0"/>
+              </a:rPr>
+              <a:t>“CAM”;</a:t>
+            </a:r>
+            <a:endParaRPr lang="en-US" dirty="0">
+              <a:latin typeface="Consolas" panose="020B0609020204030204" pitchFamily="49" charset="0"/>
+              <a:cs typeface="Consolas" panose="020B0609020204030204" pitchFamily="49" charset="0"/>
+            </a:endParaRPr>
+          </a:p>
+        </p:txBody>
+      </p:sp>
+      <p:sp>
+        <p:nvSpPr>
+          <p:cNvPr id="4" name="Rectangle 3">
+            <a:extLst>
+              <a:ext uri="{FF2B5EF4-FFF2-40B4-BE49-F238E27FC236}">
+                <a16:creationId xmlns:a16="http://schemas.microsoft.com/office/drawing/2014/main" id="{C75CBA6C-C0A0-D142-9E1A-803295EDEDC8}"/>
+              </a:ext>
+            </a:extLst>
+          </p:cNvPr>
+          <p:cNvSpPr/>
+          <p:nvPr/>
+        </p:nvSpPr>
+        <p:spPr>
+          <a:xfrm>
+            <a:off x="632098" y="4137126"/>
+            <a:ext cx="811905" cy="622684"/>
+          </a:xfrm>
+          <a:prstGeom prst="rect">
+            <a:avLst/>
+          </a:prstGeom>
+          <a:solidFill>
+            <a:schemeClr val="bg2"/>
+          </a:solidFill>
+          <a:ln>
+            <a:solidFill>
+              <a:srgbClr val="092529"/>
+            </a:solidFill>
+          </a:ln>
+          <a:effectLst/>
+        </p:spPr>
+        <p:style>
+          <a:lnRef idx="1">
+            <a:schemeClr val="accent1"/>
+          </a:lnRef>
+          <a:fillRef idx="3">
+            <a:schemeClr val="accent1"/>
+          </a:fillRef>
+          <a:effectRef idx="2">
+            <a:schemeClr val="accent1"/>
+          </a:effectRef>
+          <a:fontRef idx="minor">
+            <a:schemeClr val="lt1"/>
+          </a:fontRef>
+        </p:style>
+        <p:txBody>
+          <a:bodyPr lIns="274320" tIns="182880" rIns="274320" bIns="182880" rtlCol="0" anchor="ctr"/>
+          <a:lstStyle/>
+          <a:p>
+            <a:pPr algn="ctr"/>
+            <a:r>
+              <a:rPr lang="en-US" dirty="0">
+                <a:solidFill>
+                  <a:srgbClr val="092529"/>
+                </a:solidFill>
+                <a:latin typeface="Proxima Nova" charset="0"/>
+                <a:ea typeface="Proxima Nova" charset="0"/>
+                <a:cs typeface="Proxima Nova" charset="0"/>
+              </a:rPr>
+              <a:t>C</a:t>
+            </a:r>
+          </a:p>
+        </p:txBody>
+      </p:sp>
+      <p:sp>
+        <p:nvSpPr>
+          <p:cNvPr id="5" name="Rectangle 4">
+            <a:extLst>
+              <a:ext uri="{FF2B5EF4-FFF2-40B4-BE49-F238E27FC236}">
+                <a16:creationId xmlns:a16="http://schemas.microsoft.com/office/drawing/2014/main" id="{48462044-FBFD-3C40-BDF4-2F3902E7DB16}"/>
+              </a:ext>
+            </a:extLst>
+          </p:cNvPr>
+          <p:cNvSpPr/>
+          <p:nvPr/>
+        </p:nvSpPr>
+        <p:spPr>
+          <a:xfrm>
+            <a:off x="626448" y="4764968"/>
+            <a:ext cx="817634" cy="580093"/>
+          </a:xfrm>
+          <a:prstGeom prst="rect">
+            <a:avLst/>
+          </a:prstGeom>
+          <a:solidFill>
+            <a:schemeClr val="bg2"/>
+          </a:solidFill>
+          <a:ln>
+            <a:solidFill>
+              <a:srgbClr val="092529"/>
+            </a:solidFill>
+          </a:ln>
+          <a:effectLst/>
+        </p:spPr>
+        <p:style>
+          <a:lnRef idx="1">
+            <a:schemeClr val="accent1"/>
+          </a:lnRef>
+          <a:fillRef idx="3">
+            <a:schemeClr val="accent1"/>
+          </a:fillRef>
+          <a:effectRef idx="2">
+            <a:schemeClr val="accent1"/>
+          </a:effectRef>
+          <a:fontRef idx="minor">
+            <a:schemeClr val="lt1"/>
+          </a:fontRef>
+        </p:style>
+        <p:txBody>
+          <a:bodyPr lIns="274320" tIns="182880" rIns="274320" bIns="182880" rtlCol="0" anchor="ctr"/>
+          <a:lstStyle/>
+          <a:p>
+            <a:pPr algn="ctr"/>
+            <a:r>
+              <a:rPr lang="en-US" dirty="0">
+                <a:solidFill>
+                  <a:srgbClr val="092529"/>
+                </a:solidFill>
+                <a:latin typeface="Proxima Nova" charset="0"/>
+                <a:ea typeface="Proxima Nova" charset="0"/>
+                <a:cs typeface="Proxima Nova" charset="0"/>
+              </a:rPr>
+              <a:t>A</a:t>
+            </a:r>
+          </a:p>
+        </p:txBody>
+      </p:sp>
+      <p:sp>
+        <p:nvSpPr>
+          <p:cNvPr id="6" name="Rectangle 5">
+            <a:extLst>
+              <a:ext uri="{FF2B5EF4-FFF2-40B4-BE49-F238E27FC236}">
+                <a16:creationId xmlns:a16="http://schemas.microsoft.com/office/drawing/2014/main" id="{9781D4B2-DA0F-7142-8E97-03A462B5D81B}"/>
+              </a:ext>
+            </a:extLst>
+          </p:cNvPr>
+          <p:cNvSpPr/>
+          <p:nvPr/>
+        </p:nvSpPr>
+        <p:spPr>
+          <a:xfrm>
+            <a:off x="626403" y="5356184"/>
+            <a:ext cx="817600" cy="626859"/>
+          </a:xfrm>
+          <a:prstGeom prst="rect">
+            <a:avLst/>
+          </a:prstGeom>
+          <a:solidFill>
+            <a:schemeClr val="bg2"/>
+          </a:solidFill>
+          <a:ln>
+            <a:solidFill>
+              <a:srgbClr val="092529"/>
+            </a:solidFill>
+          </a:ln>
+          <a:effectLst/>
+        </p:spPr>
+        <p:style>
+          <a:lnRef idx="1">
+            <a:schemeClr val="accent1"/>
+          </a:lnRef>
+          <a:fillRef idx="3">
+            <a:schemeClr val="accent1"/>
+          </a:fillRef>
+          <a:effectRef idx="2">
+            <a:schemeClr val="accent1"/>
+          </a:effectRef>
+          <a:fontRef idx="minor">
+            <a:schemeClr val="lt1"/>
+          </a:fontRef>
+        </p:style>
+        <p:txBody>
+          <a:bodyPr lIns="274320" tIns="182880" rIns="274320" bIns="182880" rtlCol="0" anchor="ctr"/>
+          <a:lstStyle/>
+          <a:p>
+            <a:pPr algn="ctr"/>
+            <a:r>
+              <a:rPr lang="en-US" dirty="0">
+                <a:solidFill>
+                  <a:srgbClr val="092529"/>
+                </a:solidFill>
+                <a:latin typeface="Proxima Nova" charset="0"/>
+                <a:ea typeface="Proxima Nova" charset="0"/>
+                <a:cs typeface="Proxima Nova" charset="0"/>
+              </a:rPr>
+              <a:t>M</a:t>
+            </a:r>
+          </a:p>
+        </p:txBody>
+      </p:sp>
+      <p:sp>
+        <p:nvSpPr>
+          <p:cNvPr id="9" name="Rectangle 8">
+            <a:extLst>
+              <a:ext uri="{FF2B5EF4-FFF2-40B4-BE49-F238E27FC236}">
+                <a16:creationId xmlns:a16="http://schemas.microsoft.com/office/drawing/2014/main" id="{37E9A6C2-956E-B74F-AAF7-A77D3CE2E27F}"/>
+              </a:ext>
+            </a:extLst>
+          </p:cNvPr>
+          <p:cNvSpPr/>
+          <p:nvPr/>
+        </p:nvSpPr>
+        <p:spPr>
+          <a:xfrm>
+            <a:off x="628070" y="1706681"/>
+            <a:ext cx="815977" cy="609600"/>
+          </a:xfrm>
+          <a:prstGeom prst="rect">
+            <a:avLst/>
+          </a:prstGeom>
+          <a:noFill/>
+          <a:ln>
+            <a:solidFill>
+              <a:srgbClr val="092529"/>
+            </a:solidFill>
+          </a:ln>
+          <a:effectLst/>
+        </p:spPr>
+        <p:style>
+          <a:lnRef idx="1">
+            <a:schemeClr val="accent1"/>
+          </a:lnRef>
+          <a:fillRef idx="3">
+            <a:schemeClr val="accent1"/>
+          </a:fillRef>
+          <a:effectRef idx="2">
+            <a:schemeClr val="accent1"/>
+          </a:effectRef>
+          <a:fontRef idx="minor">
+            <a:schemeClr val="lt1"/>
+          </a:fontRef>
+        </p:style>
+        <p:txBody>
+          <a:bodyPr lIns="274320" tIns="182880" rIns="274320" bIns="182880" rtlCol="0" anchor="ctr"/>
+          <a:lstStyle/>
+          <a:p>
+            <a:pPr algn="ctr"/>
+            <a:r>
+              <a:rPr lang="en-US" dirty="0">
+                <a:solidFill>
+                  <a:srgbClr val="092529"/>
+                </a:solidFill>
+                <a:latin typeface="Proxima Nova" charset="0"/>
+                <a:ea typeface="Proxima Nova" charset="0"/>
+                <a:cs typeface="Proxima Nova" charset="0"/>
+              </a:rPr>
+              <a:t>C</a:t>
+            </a:r>
+          </a:p>
+        </p:txBody>
+      </p:sp>
+      <p:sp>
+        <p:nvSpPr>
+          <p:cNvPr id="12" name="Rectangle 11">
+            <a:extLst>
+              <a:ext uri="{FF2B5EF4-FFF2-40B4-BE49-F238E27FC236}">
+                <a16:creationId xmlns:a16="http://schemas.microsoft.com/office/drawing/2014/main" id="{A812FE80-3656-C046-9837-9C34FB2F95D2}"/>
+              </a:ext>
+            </a:extLst>
+          </p:cNvPr>
+          <p:cNvSpPr/>
+          <p:nvPr/>
+        </p:nvSpPr>
+        <p:spPr>
+          <a:xfrm>
+            <a:off x="642306" y="6601526"/>
+            <a:ext cx="824114" cy="609600"/>
+          </a:xfrm>
+          <a:prstGeom prst="rect">
+            <a:avLst/>
+          </a:prstGeom>
+          <a:noFill/>
+          <a:ln>
+            <a:solidFill>
+              <a:srgbClr val="092529"/>
+            </a:solidFill>
+          </a:ln>
+          <a:effectLst/>
+        </p:spPr>
+        <p:style>
+          <a:lnRef idx="1">
+            <a:schemeClr val="accent1"/>
+          </a:lnRef>
+          <a:fillRef idx="3">
+            <a:schemeClr val="accent1"/>
+          </a:fillRef>
+          <a:effectRef idx="2">
+            <a:schemeClr val="accent1"/>
+          </a:effectRef>
+          <a:fontRef idx="minor">
+            <a:schemeClr val="lt1"/>
+          </a:fontRef>
+        </p:style>
+        <p:txBody>
+          <a:bodyPr lIns="274320" tIns="182880" rIns="274320" bIns="182880" rtlCol="0" anchor="ctr"/>
+          <a:lstStyle/>
+          <a:p>
+            <a:pPr algn="ctr"/>
+            <a:r>
+              <a:rPr lang="en-US" dirty="0">
+                <a:solidFill>
+                  <a:srgbClr val="092529"/>
+                </a:solidFill>
+                <a:latin typeface="Proxima Nova" charset="0"/>
+                <a:ea typeface="Proxima Nova" charset="0"/>
+                <a:cs typeface="Proxima Nova" charset="0"/>
+              </a:rPr>
+              <a:t>M</a:t>
+            </a:r>
+          </a:p>
+        </p:txBody>
+      </p:sp>
+      <p:sp>
+        <p:nvSpPr>
+          <p:cNvPr id="14" name="Rectangle 13">
+            <a:extLst>
+              <a:ext uri="{FF2B5EF4-FFF2-40B4-BE49-F238E27FC236}">
+                <a16:creationId xmlns:a16="http://schemas.microsoft.com/office/drawing/2014/main" id="{66A8E50E-1ECF-F248-8EFD-5664AA8263DF}"/>
+              </a:ext>
+            </a:extLst>
+          </p:cNvPr>
+          <p:cNvSpPr/>
+          <p:nvPr/>
+        </p:nvSpPr>
+        <p:spPr>
+          <a:xfrm>
+            <a:off x="2723614" y="1663320"/>
+            <a:ext cx="1172116" cy="400110"/>
+          </a:xfrm>
+          <a:prstGeom prst="rect">
+            <a:avLst/>
+          </a:prstGeom>
+        </p:spPr>
+        <p:txBody>
+          <a:bodyPr wrap="none">
+            <a:spAutoFit/>
+          </a:bodyPr>
+          <a:lstStyle/>
+          <a:p>
+            <a:r>
+              <a:rPr lang="en-US" dirty="0">
+                <a:latin typeface="Consolas" panose="020B0609020204030204" pitchFamily="49" charset="0"/>
+                <a:cs typeface="Consolas" panose="020B0609020204030204" pitchFamily="49" charset="0"/>
+              </a:rPr>
+              <a:t>char c </a:t>
+            </a:r>
+            <a:endParaRPr lang="en-US" dirty="0"/>
+          </a:p>
+        </p:txBody>
+      </p:sp>
+      <p:cxnSp>
+        <p:nvCxnSpPr>
+          <p:cNvPr id="18" name="Straight Arrow Connector 17">
+            <a:extLst>
+              <a:ext uri="{FF2B5EF4-FFF2-40B4-BE49-F238E27FC236}">
+                <a16:creationId xmlns:a16="http://schemas.microsoft.com/office/drawing/2014/main" id="{E62A37CE-3C65-7C4B-B284-02123CB5FBD7}"/>
+              </a:ext>
+            </a:extLst>
+          </p:cNvPr>
+          <p:cNvCxnSpPr>
+            <a:cxnSpLocks/>
+            <a:stCxn id="14" idx="1"/>
+            <a:endCxn id="9" idx="3"/>
+          </p:cNvCxnSpPr>
+          <p:nvPr/>
+        </p:nvCxnSpPr>
+        <p:spPr>
+          <a:xfrm flipH="1">
+            <a:off x="1444047" y="1863375"/>
+            <a:ext cx="1279567" cy="148106"/>
+          </a:xfrm>
+          <a:prstGeom prst="straightConnector1">
+            <a:avLst/>
+          </a:prstGeom>
+          <a:ln>
+            <a:solidFill>
+              <a:srgbClr val="092529"/>
+            </a:solidFill>
+            <a:tailEnd type="triangle"/>
+          </a:ln>
+        </p:spPr>
+        <p:style>
+          <a:lnRef idx="2">
+            <a:schemeClr val="accent1"/>
+          </a:lnRef>
+          <a:fillRef idx="0">
+            <a:schemeClr val="accent1"/>
+          </a:fillRef>
+          <a:effectRef idx="1">
+            <a:schemeClr val="accent1"/>
+          </a:effectRef>
+          <a:fontRef idx="minor">
+            <a:schemeClr val="tx1"/>
+          </a:fontRef>
+        </p:style>
+      </p:cxnSp>
+      <p:sp>
+        <p:nvSpPr>
+          <p:cNvPr id="19" name="Rectangle 18">
+            <a:extLst>
+              <a:ext uri="{FF2B5EF4-FFF2-40B4-BE49-F238E27FC236}">
+                <a16:creationId xmlns:a16="http://schemas.microsoft.com/office/drawing/2014/main" id="{559B5B15-056C-2742-84BF-9FE475FF6523}"/>
+              </a:ext>
+            </a:extLst>
+          </p:cNvPr>
+          <p:cNvSpPr/>
+          <p:nvPr/>
+        </p:nvSpPr>
+        <p:spPr>
+          <a:xfrm>
+            <a:off x="2723614" y="2148836"/>
+            <a:ext cx="1172116" cy="400110"/>
+          </a:xfrm>
+          <a:prstGeom prst="rect">
+            <a:avLst/>
+          </a:prstGeom>
+        </p:spPr>
+        <p:txBody>
+          <a:bodyPr wrap="none">
+            <a:spAutoFit/>
+          </a:bodyPr>
+          <a:lstStyle/>
+          <a:p>
+            <a:r>
+              <a:rPr lang="en-US" dirty="0">
+                <a:latin typeface="Consolas" panose="020B0609020204030204" pitchFamily="49" charset="0"/>
+                <a:cs typeface="Consolas" panose="020B0609020204030204" pitchFamily="49" charset="0"/>
+              </a:rPr>
+              <a:t>char m </a:t>
+            </a:r>
+            <a:endParaRPr lang="en-US" dirty="0"/>
+          </a:p>
+        </p:txBody>
+      </p:sp>
+      <p:cxnSp>
+        <p:nvCxnSpPr>
+          <p:cNvPr id="22" name="Straight Arrow Connector 21">
+            <a:extLst>
+              <a:ext uri="{FF2B5EF4-FFF2-40B4-BE49-F238E27FC236}">
+                <a16:creationId xmlns:a16="http://schemas.microsoft.com/office/drawing/2014/main" id="{DEC9785B-BF18-AA44-A778-3B9B6135EE01}"/>
+              </a:ext>
+            </a:extLst>
+          </p:cNvPr>
+          <p:cNvCxnSpPr>
+            <a:cxnSpLocks/>
+            <a:stCxn id="19" idx="1"/>
+            <a:endCxn id="12" idx="3"/>
+          </p:cNvCxnSpPr>
+          <p:nvPr/>
+        </p:nvCxnSpPr>
+        <p:spPr>
+          <a:xfrm flipH="1">
+            <a:off x="1466420" y="2348891"/>
+            <a:ext cx="1257194" cy="4557435"/>
+          </a:xfrm>
+          <a:prstGeom prst="straightConnector1">
+            <a:avLst/>
+          </a:prstGeom>
+          <a:ln>
+            <a:solidFill>
+              <a:srgbClr val="092529"/>
+            </a:solidFill>
+            <a:tailEnd type="triangle"/>
+          </a:ln>
+        </p:spPr>
+        <p:style>
+          <a:lnRef idx="2">
+            <a:schemeClr val="accent1"/>
+          </a:lnRef>
+          <a:fillRef idx="0">
+            <a:schemeClr val="accent1"/>
+          </a:fillRef>
+          <a:effectRef idx="1">
+            <a:schemeClr val="accent1"/>
+          </a:effectRef>
+          <a:fontRef idx="minor">
+            <a:schemeClr val="tx1"/>
+          </a:fontRef>
+        </p:style>
+      </p:cxnSp>
+      <p:sp>
+        <p:nvSpPr>
+          <p:cNvPr id="30" name="Rectangle 29">
+            <a:extLst>
+              <a:ext uri="{FF2B5EF4-FFF2-40B4-BE49-F238E27FC236}">
+                <a16:creationId xmlns:a16="http://schemas.microsoft.com/office/drawing/2014/main" id="{02C615D1-A5E5-224B-9710-B7E3DCAFEDFA}"/>
+              </a:ext>
+            </a:extLst>
+          </p:cNvPr>
+          <p:cNvSpPr/>
+          <p:nvPr/>
+        </p:nvSpPr>
+        <p:spPr>
+          <a:xfrm>
+            <a:off x="3309672" y="3870012"/>
+            <a:ext cx="2159566" cy="400110"/>
+          </a:xfrm>
+          <a:prstGeom prst="rect">
+            <a:avLst/>
+          </a:prstGeom>
+        </p:spPr>
+        <p:txBody>
+          <a:bodyPr wrap="none">
+            <a:spAutoFit/>
+          </a:bodyPr>
+          <a:lstStyle/>
+          <a:p>
+            <a:r>
+              <a:rPr lang="en-US" dirty="0">
+                <a:latin typeface="Consolas" panose="020B0609020204030204" pitchFamily="49" charset="0"/>
+                <a:cs typeface="Consolas" panose="020B0609020204030204" pitchFamily="49" charset="0"/>
+              </a:rPr>
+              <a:t>String mascot </a:t>
+            </a:r>
+            <a:endParaRPr lang="en-US" dirty="0"/>
+          </a:p>
+        </p:txBody>
+      </p:sp>
+      <p:cxnSp>
+        <p:nvCxnSpPr>
+          <p:cNvPr id="32" name="Straight Arrow Connector 31">
+            <a:extLst>
+              <a:ext uri="{FF2B5EF4-FFF2-40B4-BE49-F238E27FC236}">
+                <a16:creationId xmlns:a16="http://schemas.microsoft.com/office/drawing/2014/main" id="{D659AF9F-EC5D-2345-A73A-5B539A9B3450}"/>
+              </a:ext>
+            </a:extLst>
+          </p:cNvPr>
+          <p:cNvCxnSpPr>
+            <a:cxnSpLocks/>
+            <a:stCxn id="30" idx="1"/>
+            <a:endCxn id="4" idx="3"/>
+          </p:cNvCxnSpPr>
+          <p:nvPr/>
+        </p:nvCxnSpPr>
+        <p:spPr>
+          <a:xfrm flipH="1">
+            <a:off x="1444003" y="4070067"/>
+            <a:ext cx="1865669" cy="378401"/>
+          </a:xfrm>
+          <a:prstGeom prst="straightConnector1">
+            <a:avLst/>
+          </a:prstGeom>
+          <a:ln>
+            <a:solidFill>
+              <a:srgbClr val="092529"/>
+            </a:solidFill>
+            <a:tailEnd type="triangle"/>
+          </a:ln>
+        </p:spPr>
+        <p:style>
+          <a:lnRef idx="2">
+            <a:schemeClr val="accent1"/>
+          </a:lnRef>
+          <a:fillRef idx="0">
+            <a:schemeClr val="accent1"/>
+          </a:fillRef>
+          <a:effectRef idx="1">
+            <a:schemeClr val="accent1"/>
+          </a:effectRef>
+          <a:fontRef idx="minor">
+            <a:schemeClr val="tx1"/>
+          </a:fontRef>
+        </p:style>
+      </p:cxnSp>
+    </p:spTree>
+    <p:extLst>
+      <p:ext uri="{BB962C8B-B14F-4D97-AF65-F5344CB8AC3E}">
+        <p14:creationId xmlns:p14="http://schemas.microsoft.com/office/powerpoint/2010/main" val="1168442721"/>
+      </p:ext>
+    </p:extLst>
+  </p:cSld>
+  <p:clrMapOvr>
+    <a:masterClrMapping/>
+  </p:clrMapOvr>
+  <mc:AlternateContent xmlns:mc="http://schemas.openxmlformats.org/markup-compatibility/2006" xmlns:p14="http://schemas.microsoft.com/office/powerpoint/2010/main">
+    <mc:Choice Requires="p14">
+      <p:transition p14:dur="300">
+        <p:fade/>
+      </p:transition>
+    </mc:Choice>
+    <mc:Fallback xmlns="">
+      <p:transition>
+        <p:fade/>
+      </p:transition>
+    </mc:Fallback>
+  </mc:AlternateContent>
+  <p:timing>
+    <p:tnLst>
+      <p:par>
+        <p:cTn id="1" dur="indefinite" restart="never" nodeType="tmRoot">
+          <p:childTnLst>
+            <p:seq concurrent="1" nextAc="seek">
+              <p:cTn id="2" dur="indefinite" nodeType="mainSeq">
+                <p:childTnLst>
+                  <p:par>
+                    <p:cTn id="3" fill="hold">
+                      <p:stCondLst>
+                        <p:cond delay="indefinite"/>
+                      </p:stCondLst>
+                      <p:childTnLst>
+                        <p:par>
+                          <p:cTn id="4" fill="hold">
+                            <p:stCondLst>
+                              <p:cond delay="0"/>
+                            </p:stCondLst>
+                            <p:childTnLst>
+                              <p:par>
+                                <p:cTn id="5" presetID="9" presetClass="entr" presetSubtype="0" fill="hold" grpId="0" nodeType="clickEffect">
+                                  <p:stCondLst>
+                                    <p:cond delay="0"/>
+                                  </p:stCondLst>
+                                  <p:childTnLst>
+                                    <p:set>
+                                      <p:cBhvr>
+                                        <p:cTn id="6" dur="1" fill="hold">
+                                          <p:stCondLst>
+                                            <p:cond delay="0"/>
+                                          </p:stCondLst>
+                                        </p:cTn>
+                                        <p:tgtEl>
+                                          <p:spTgt spid="14"/>
+                                        </p:tgtEl>
+                                        <p:attrNameLst>
+                                          <p:attrName>style.visibility</p:attrName>
+                                        </p:attrNameLst>
+                                      </p:cBhvr>
+                                      <p:to>
+                                        <p:strVal val="visible"/>
+                                      </p:to>
+                                    </p:set>
+                                    <p:animEffect transition="in" filter="dissolve">
+                                      <p:cBhvr>
+                                        <p:cTn id="7" dur="500"/>
+                                        <p:tgtEl>
+                                          <p:spTgt spid="14"/>
+                                        </p:tgtEl>
+                                      </p:cBhvr>
+                                    </p:animEffect>
+                                  </p:childTnLst>
+                                </p:cTn>
+                              </p:par>
+                              <p:par>
+                                <p:cTn id="8" presetID="9" presetClass="entr" presetSubtype="0" fill="hold" nodeType="withEffect">
+                                  <p:stCondLst>
+                                    <p:cond delay="0"/>
+                                  </p:stCondLst>
+                                  <p:childTnLst>
+                                    <p:set>
+                                      <p:cBhvr>
+                                        <p:cTn id="9" dur="1" fill="hold">
+                                          <p:stCondLst>
+                                            <p:cond delay="0"/>
+                                          </p:stCondLst>
+                                        </p:cTn>
+                                        <p:tgtEl>
+                                          <p:spTgt spid="18"/>
+                                        </p:tgtEl>
+                                        <p:attrNameLst>
+                                          <p:attrName>style.visibility</p:attrName>
+                                        </p:attrNameLst>
+                                      </p:cBhvr>
+                                      <p:to>
+                                        <p:strVal val="visible"/>
+                                      </p:to>
+                                    </p:set>
+                                    <p:animEffect transition="in" filter="dissolve">
+                                      <p:cBhvr>
+                                        <p:cTn id="10" dur="500"/>
+                                        <p:tgtEl>
+                                          <p:spTgt spid="18"/>
+                                        </p:tgtEl>
+                                      </p:cBhvr>
+                                    </p:animEffect>
+                                  </p:childTnLst>
+                                </p:cTn>
+                              </p:par>
+                              <p:par>
+                                <p:cTn id="11" presetID="9" presetClass="entr" presetSubtype="0" fill="hold" grpId="0" nodeType="withEffect">
+                                  <p:stCondLst>
+                                    <p:cond delay="0"/>
+                                  </p:stCondLst>
+                                  <p:childTnLst>
+                                    <p:set>
+                                      <p:cBhvr>
+                                        <p:cTn id="12" dur="1" fill="hold">
+                                          <p:stCondLst>
+                                            <p:cond delay="0"/>
+                                          </p:stCondLst>
+                                        </p:cTn>
+                                        <p:tgtEl>
+                                          <p:spTgt spid="9"/>
+                                        </p:tgtEl>
+                                        <p:attrNameLst>
+                                          <p:attrName>style.visibility</p:attrName>
+                                        </p:attrNameLst>
+                                      </p:cBhvr>
+                                      <p:to>
+                                        <p:strVal val="visible"/>
+                                      </p:to>
+                                    </p:set>
+                                    <p:animEffect transition="in" filter="dissolve">
+                                      <p:cBhvr>
+                                        <p:cTn id="13" dur="500"/>
+                                        <p:tgtEl>
+                                          <p:spTgt spid="9"/>
+                                        </p:tgtEl>
+                                      </p:cBhvr>
+                                    </p:animEffect>
+                                  </p:childTnLst>
+                                </p:cTn>
+                              </p:par>
+                            </p:childTnLst>
+                          </p:cTn>
+                        </p:par>
+                      </p:childTnLst>
+                    </p:cTn>
+                  </p:par>
+                  <p:par>
+                    <p:cTn id="14" fill="hold">
+                      <p:stCondLst>
+                        <p:cond delay="indefinite"/>
+                      </p:stCondLst>
+                      <p:childTnLst>
+                        <p:par>
+                          <p:cTn id="15" fill="hold">
+                            <p:stCondLst>
+                              <p:cond delay="0"/>
+                            </p:stCondLst>
+                            <p:childTnLst>
+                              <p:par>
+                                <p:cTn id="16" presetID="9" presetClass="entr" presetSubtype="0" fill="hold" nodeType="clickEffect">
+                                  <p:stCondLst>
+                                    <p:cond delay="0"/>
+                                  </p:stCondLst>
+                                  <p:childTnLst>
+                                    <p:set>
+                                      <p:cBhvr>
+                                        <p:cTn id="17" dur="1" fill="hold">
+                                          <p:stCondLst>
+                                            <p:cond delay="0"/>
+                                          </p:stCondLst>
+                                        </p:cTn>
+                                        <p:tgtEl>
+                                          <p:spTgt spid="22"/>
+                                        </p:tgtEl>
+                                        <p:attrNameLst>
+                                          <p:attrName>style.visibility</p:attrName>
+                                        </p:attrNameLst>
+                                      </p:cBhvr>
+                                      <p:to>
+                                        <p:strVal val="visible"/>
+                                      </p:to>
+                                    </p:set>
+                                    <p:animEffect transition="in" filter="dissolve">
+                                      <p:cBhvr>
+                                        <p:cTn id="18" dur="500"/>
+                                        <p:tgtEl>
+                                          <p:spTgt spid="22"/>
+                                        </p:tgtEl>
+                                      </p:cBhvr>
+                                    </p:animEffect>
+                                  </p:childTnLst>
+                                </p:cTn>
+                              </p:par>
+                              <p:par>
+                                <p:cTn id="19" presetID="9" presetClass="entr" presetSubtype="0" fill="hold" grpId="0" nodeType="withEffect">
+                                  <p:stCondLst>
+                                    <p:cond delay="0"/>
+                                  </p:stCondLst>
+                                  <p:childTnLst>
+                                    <p:set>
+                                      <p:cBhvr>
+                                        <p:cTn id="20" dur="1" fill="hold">
+                                          <p:stCondLst>
+                                            <p:cond delay="0"/>
+                                          </p:stCondLst>
+                                        </p:cTn>
+                                        <p:tgtEl>
+                                          <p:spTgt spid="12"/>
+                                        </p:tgtEl>
+                                        <p:attrNameLst>
+                                          <p:attrName>style.visibility</p:attrName>
+                                        </p:attrNameLst>
+                                      </p:cBhvr>
+                                      <p:to>
+                                        <p:strVal val="visible"/>
+                                      </p:to>
+                                    </p:set>
+                                    <p:animEffect transition="in" filter="dissolve">
+                                      <p:cBhvr>
+                                        <p:cTn id="21" dur="500"/>
+                                        <p:tgtEl>
+                                          <p:spTgt spid="12"/>
+                                        </p:tgtEl>
+                                      </p:cBhvr>
+                                    </p:animEffect>
+                                  </p:childTnLst>
+                                </p:cTn>
+                              </p:par>
+                              <p:par>
+                                <p:cTn id="22" presetID="9" presetClass="entr" presetSubtype="0" fill="hold" grpId="0" nodeType="withEffect">
+                                  <p:stCondLst>
+                                    <p:cond delay="0"/>
+                                  </p:stCondLst>
+                                  <p:childTnLst>
+                                    <p:set>
+                                      <p:cBhvr>
+                                        <p:cTn id="23" dur="1" fill="hold">
+                                          <p:stCondLst>
+                                            <p:cond delay="0"/>
+                                          </p:stCondLst>
+                                        </p:cTn>
+                                        <p:tgtEl>
+                                          <p:spTgt spid="19"/>
+                                        </p:tgtEl>
+                                        <p:attrNameLst>
+                                          <p:attrName>style.visibility</p:attrName>
+                                        </p:attrNameLst>
+                                      </p:cBhvr>
+                                      <p:to>
+                                        <p:strVal val="visible"/>
+                                      </p:to>
+                                    </p:set>
+                                    <p:animEffect transition="in" filter="dissolve">
+                                      <p:cBhvr>
+                                        <p:cTn id="24" dur="500"/>
+                                        <p:tgtEl>
+                                          <p:spTgt spid="19"/>
+                                        </p:tgtEl>
+                                      </p:cBhvr>
+                                    </p:animEffect>
+                                  </p:childTnLst>
+                                </p:cTn>
+                              </p:par>
+                            </p:childTnLst>
+                          </p:cTn>
+                        </p:par>
+                      </p:childTnLst>
+                    </p:cTn>
+                  </p:par>
+                  <p:par>
+                    <p:cTn id="25" fill="hold">
+                      <p:stCondLst>
+                        <p:cond delay="indefinite"/>
+                      </p:stCondLst>
+                      <p:childTnLst>
+                        <p:par>
+                          <p:cTn id="26" fill="hold">
+                            <p:stCondLst>
+                              <p:cond delay="0"/>
+                            </p:stCondLst>
+                            <p:childTnLst>
+                              <p:par>
+                                <p:cTn id="27" presetID="9" presetClass="entr" presetSubtype="0" fill="hold" grpId="0" nodeType="clickEffect">
+                                  <p:stCondLst>
+                                    <p:cond delay="0"/>
+                                  </p:stCondLst>
+                                  <p:childTnLst>
+                                    <p:set>
+                                      <p:cBhvr>
+                                        <p:cTn id="28" dur="1" fill="hold">
+                                          <p:stCondLst>
+                                            <p:cond delay="0"/>
+                                          </p:stCondLst>
+                                        </p:cTn>
+                                        <p:tgtEl>
+                                          <p:spTgt spid="30"/>
+                                        </p:tgtEl>
+                                        <p:attrNameLst>
+                                          <p:attrName>style.visibility</p:attrName>
+                                        </p:attrNameLst>
+                                      </p:cBhvr>
+                                      <p:to>
+                                        <p:strVal val="visible"/>
+                                      </p:to>
+                                    </p:set>
+                                    <p:animEffect transition="in" filter="dissolve">
+                                      <p:cBhvr>
+                                        <p:cTn id="29" dur="500"/>
+                                        <p:tgtEl>
+                                          <p:spTgt spid="30"/>
+                                        </p:tgtEl>
+                                      </p:cBhvr>
+                                    </p:animEffect>
+                                  </p:childTnLst>
+                                </p:cTn>
+                              </p:par>
+                              <p:par>
+                                <p:cTn id="30" presetID="9" presetClass="entr" presetSubtype="0" fill="hold" nodeType="withEffect">
+                                  <p:stCondLst>
+                                    <p:cond delay="0"/>
+                                  </p:stCondLst>
+                                  <p:childTnLst>
+                                    <p:set>
+                                      <p:cBhvr>
+                                        <p:cTn id="31" dur="1" fill="hold">
+                                          <p:stCondLst>
+                                            <p:cond delay="0"/>
+                                          </p:stCondLst>
+                                        </p:cTn>
+                                        <p:tgtEl>
+                                          <p:spTgt spid="32"/>
+                                        </p:tgtEl>
+                                        <p:attrNameLst>
+                                          <p:attrName>style.visibility</p:attrName>
+                                        </p:attrNameLst>
+                                      </p:cBhvr>
+                                      <p:to>
+                                        <p:strVal val="visible"/>
+                                      </p:to>
+                                    </p:set>
+                                    <p:animEffect transition="in" filter="dissolve">
+                                      <p:cBhvr>
+                                        <p:cTn id="32" dur="500"/>
+                                        <p:tgtEl>
+                                          <p:spTgt spid="32"/>
+                                        </p:tgtEl>
+                                      </p:cBhvr>
+                                    </p:animEffect>
+                                  </p:childTnLst>
+                                </p:cTn>
+                              </p:par>
+                            </p:childTnLst>
+                          </p:cTn>
+                        </p:par>
+                      </p:childTnLst>
+                    </p:cTn>
+                  </p:par>
+                  <p:par>
+                    <p:cTn id="33" fill="hold">
+                      <p:stCondLst>
+                        <p:cond delay="indefinite"/>
+                      </p:stCondLst>
+                      <p:childTnLst>
+                        <p:par>
+                          <p:cTn id="34" fill="hold">
+                            <p:stCondLst>
+                              <p:cond delay="0"/>
+                            </p:stCondLst>
+                            <p:childTnLst>
+                              <p:par>
+                                <p:cTn id="35" presetID="9" presetClass="entr" presetSubtype="0" fill="hold" grpId="0" nodeType="clickEffect">
+                                  <p:stCondLst>
+                                    <p:cond delay="0"/>
+                                  </p:stCondLst>
+                                  <p:childTnLst>
+                                    <p:set>
+                                      <p:cBhvr>
+                                        <p:cTn id="36" dur="1" fill="hold">
+                                          <p:stCondLst>
+                                            <p:cond delay="0"/>
+                                          </p:stCondLst>
+                                        </p:cTn>
+                                        <p:tgtEl>
+                                          <p:spTgt spid="4"/>
+                                        </p:tgtEl>
+                                        <p:attrNameLst>
+                                          <p:attrName>style.visibility</p:attrName>
+                                        </p:attrNameLst>
+                                      </p:cBhvr>
+                                      <p:to>
+                                        <p:strVal val="visible"/>
+                                      </p:to>
+                                    </p:set>
+                                    <p:animEffect transition="in" filter="dissolve">
+                                      <p:cBhvr>
+                                        <p:cTn id="37" dur="500"/>
+                                        <p:tgtEl>
+                                          <p:spTgt spid="4"/>
+                                        </p:tgtEl>
+                                      </p:cBhvr>
+                                    </p:animEffect>
+                                  </p:childTnLst>
+                                </p:cTn>
+                              </p:par>
+                              <p:par>
+                                <p:cTn id="38" presetID="9" presetClass="entr" presetSubtype="0" fill="hold" grpId="0" nodeType="withEffect">
+                                  <p:stCondLst>
+                                    <p:cond delay="0"/>
+                                  </p:stCondLst>
+                                  <p:childTnLst>
+                                    <p:set>
+                                      <p:cBhvr>
+                                        <p:cTn id="39" dur="1" fill="hold">
+                                          <p:stCondLst>
+                                            <p:cond delay="0"/>
+                                          </p:stCondLst>
+                                        </p:cTn>
+                                        <p:tgtEl>
+                                          <p:spTgt spid="5"/>
+                                        </p:tgtEl>
+                                        <p:attrNameLst>
+                                          <p:attrName>style.visibility</p:attrName>
+                                        </p:attrNameLst>
+                                      </p:cBhvr>
+                                      <p:to>
+                                        <p:strVal val="visible"/>
+                                      </p:to>
+                                    </p:set>
+                                    <p:animEffect transition="in" filter="dissolve">
+                                      <p:cBhvr>
+                                        <p:cTn id="40" dur="500"/>
+                                        <p:tgtEl>
+                                          <p:spTgt spid="5"/>
+                                        </p:tgtEl>
+                                      </p:cBhvr>
+                                    </p:animEffect>
+                                  </p:childTnLst>
+                                </p:cTn>
+                              </p:par>
+                              <p:par>
+                                <p:cTn id="41" presetID="9" presetClass="entr" presetSubtype="0" fill="hold" grpId="0" nodeType="withEffect">
+                                  <p:stCondLst>
+                                    <p:cond delay="0"/>
+                                  </p:stCondLst>
+                                  <p:childTnLst>
+                                    <p:set>
+                                      <p:cBhvr>
+                                        <p:cTn id="42" dur="1" fill="hold">
+                                          <p:stCondLst>
+                                            <p:cond delay="0"/>
+                                          </p:stCondLst>
+                                        </p:cTn>
+                                        <p:tgtEl>
+                                          <p:spTgt spid="6"/>
+                                        </p:tgtEl>
+                                        <p:attrNameLst>
+                                          <p:attrName>style.visibility</p:attrName>
+                                        </p:attrNameLst>
+                                      </p:cBhvr>
+                                      <p:to>
+                                        <p:strVal val="visible"/>
+                                      </p:to>
+                                    </p:set>
+                                    <p:animEffect transition="in" filter="dissolve">
+                                      <p:cBhvr>
+                                        <p:cTn id="43" dur="500"/>
+                                        <p:tgtEl>
+                                          <p:spTgt spid="6"/>
+                                        </p:tgtEl>
+                                      </p:cBhvr>
+                                    </p:animEffect>
+                                  </p:childTnLst>
+                                </p:cTn>
+                              </p:par>
+                            </p:childTnLst>
+                          </p:cTn>
+                        </p:par>
+                      </p:childTnLst>
+                    </p:cTn>
+                  </p:par>
+                </p:childTnLst>
+              </p:cTn>
+              <p:prevCondLst>
+                <p:cond evt="onPrev" delay="0">
+                  <p:tgtEl>
+                    <p:sldTgt/>
+                  </p:tgtEl>
+                </p:cond>
+              </p:prevCondLst>
+              <p:nextCondLst>
+                <p:cond evt="onNext" delay="0">
+                  <p:tgtEl>
+                    <p:sldTgt/>
+                  </p:tgtEl>
+                </p:cond>
+              </p:nextCondLst>
+            </p:seq>
+          </p:childTnLst>
+        </p:cTn>
+      </p:par>
+    </p:tnLst>
+    <p:bldLst>
+      <p:bldP spid="4" grpId="0" animBg="1"/>
+      <p:bldP spid="5" grpId="0" animBg="1"/>
+      <p:bldP spid="6" grpId="0" animBg="1"/>
+      <p:bldP spid="9" grpId="0" animBg="1"/>
+      <p:bldP spid="12" grpId="0" animBg="1"/>
+      <p:bldP spid="14" grpId="0"/>
+      <p:bldP spid="19" grpId="0"/>
+      <p:bldP spid="30" grpId="0"/>
+    </p:bldLst>
+  </p:timing>
+</p:sld>
+</file>
+
+<file path=ppt/slides/slide11.xml><?xml version="1.0" encoding="utf-8"?>
+<p:sld xmlns:a="http://schemas.openxmlformats.org/drawingml/2006/main" xmlns:r="http://schemas.openxmlformats.org/officeDocument/2006/relationships" xmlns:p="http://schemas.openxmlformats.org/presentationml/2006/main">
+  <p:cSld>
+    <p:spTree>
+      <p:nvGrpSpPr>
+        <p:cNvPr id="1" name=""/>
+        <p:cNvGrpSpPr/>
+        <p:nvPr/>
+      </p:nvGrpSpPr>
+      <p:grpSpPr>
+        <a:xfrm>
+          <a:off x="0" y="0"/>
+          <a:ext cx="0" cy="0"/>
+          <a:chOff x="0" y="0"/>
+          <a:chExt cx="0" cy="0"/>
+        </a:xfrm>
+      </p:grpSpPr>
+      <p:sp>
+        <p:nvSpPr>
+          <p:cNvPr id="2" name="Title 1">
+            <a:extLst>
+              <a:ext uri="{FF2B5EF4-FFF2-40B4-BE49-F238E27FC236}">
+                <a16:creationId xmlns:a16="http://schemas.microsoft.com/office/drawing/2014/main" id="{93D7BED9-2A09-C041-A78C-9C9689C54B33}"/>
+              </a:ext>
+            </a:extLst>
+          </p:cNvPr>
+          <p:cNvSpPr>
+            <a:spLocks noGrp="1"/>
+          </p:cNvSpPr>
+          <p:nvPr>
+            <p:ph type="title"/>
+          </p:nvPr>
+        </p:nvSpPr>
+        <p:spPr/>
+        <p:txBody>
+          <a:bodyPr/>
+          <a:lstStyle/>
+          <a:p>
+            <a:r>
+              <a:rPr lang="en-US" dirty="0"/>
+              <a:t>String Methods</a:t>
+            </a:r>
+          </a:p>
+        </p:txBody>
+      </p:sp>
+      <p:sp>
+        <p:nvSpPr>
+          <p:cNvPr id="3" name="Text Placeholder 2">
+            <a:extLst>
+              <a:ext uri="{FF2B5EF4-FFF2-40B4-BE49-F238E27FC236}">
+                <a16:creationId xmlns:a16="http://schemas.microsoft.com/office/drawing/2014/main" id="{5917E1AE-69D5-6C45-B867-FE376B246A13}"/>
+              </a:ext>
+            </a:extLst>
+          </p:cNvPr>
+          <p:cNvSpPr>
+            <a:spLocks noGrp="1"/>
+          </p:cNvSpPr>
+          <p:nvPr>
+            <p:ph type="body" sz="quarter" idx="10"/>
+          </p:nvPr>
+        </p:nvSpPr>
+        <p:spPr>
+          <a:xfrm>
+            <a:off x="7305627" y="1766200"/>
+            <a:ext cx="5280770" cy="5047985"/>
+          </a:xfrm>
+        </p:spPr>
+        <p:txBody>
+          <a:bodyPr/>
+          <a:lstStyle/>
+          <a:p>
+            <a:r>
+              <a:rPr lang="en-US" dirty="0"/>
+              <a:t>Ordered Collection of characters </a:t>
+            </a:r>
+          </a:p>
+          <a:p>
+            <a:pPr lvl="1"/>
+            <a:r>
+              <a:rPr lang="en-US" dirty="0"/>
+              <a:t>Indexed – starting at 0</a:t>
+            </a:r>
+          </a:p>
+          <a:p>
+            <a:pPr lvl="1"/>
+            <a:r>
+              <a:rPr lang="en-US" dirty="0"/>
+              <a:t>‘C’ is at index 0</a:t>
+            </a:r>
+          </a:p>
+          <a:p>
+            <a:pPr lvl="1"/>
+            <a:r>
+              <a:rPr lang="en-US" dirty="0"/>
+              <a:t>‘A’ is at index 1</a:t>
+            </a:r>
+          </a:p>
+          <a:p>
+            <a:r>
+              <a:rPr lang="en-US" b="1" dirty="0">
+                <a:latin typeface="Consolas" panose="020B0609020204030204" pitchFamily="49" charset="0"/>
+                <a:cs typeface="Consolas" panose="020B0609020204030204" pitchFamily="49" charset="0"/>
+              </a:rPr>
+              <a:t>char character = </a:t>
+            </a:r>
+            <a:r>
+              <a:rPr lang="en-US" b="1" dirty="0" err="1">
+                <a:latin typeface="Consolas" panose="020B0609020204030204" pitchFamily="49" charset="0"/>
+                <a:cs typeface="Consolas" panose="020B0609020204030204" pitchFamily="49" charset="0"/>
+              </a:rPr>
+              <a:t>mascot.charAt</a:t>
+            </a:r>
+            <a:r>
+              <a:rPr lang="en-US" b="1" dirty="0">
+                <a:latin typeface="Consolas" panose="020B0609020204030204" pitchFamily="49" charset="0"/>
+                <a:cs typeface="Consolas" panose="020B0609020204030204" pitchFamily="49" charset="0"/>
+              </a:rPr>
+              <a:t>(2);</a:t>
+            </a:r>
+          </a:p>
+          <a:p>
+            <a:pPr lvl="1"/>
+            <a:r>
+              <a:rPr lang="en-US" dirty="0"/>
+              <a:t>returns ’M’ (character)</a:t>
+            </a:r>
+          </a:p>
+          <a:p>
+            <a:r>
+              <a:rPr lang="en-US" dirty="0"/>
+              <a:t>How many  characters?</a:t>
+            </a:r>
+          </a:p>
+          <a:p>
+            <a:pPr lvl="1"/>
+            <a:r>
+              <a:rPr lang="en-US" b="1" dirty="0">
+                <a:latin typeface="Consolas" panose="020B0609020204030204" pitchFamily="49" charset="0"/>
+                <a:cs typeface="Consolas" panose="020B0609020204030204" pitchFamily="49" charset="0"/>
+              </a:rPr>
+              <a:t>int </a:t>
+            </a:r>
+            <a:r>
+              <a:rPr lang="en-US" b="1" dirty="0" err="1">
+                <a:latin typeface="Consolas" panose="020B0609020204030204" pitchFamily="49" charset="0"/>
+                <a:cs typeface="Consolas" panose="020B0609020204030204" pitchFamily="49" charset="0"/>
+              </a:rPr>
+              <a:t>len</a:t>
+            </a:r>
+            <a:r>
+              <a:rPr lang="en-US" b="1" dirty="0">
+                <a:latin typeface="Consolas" panose="020B0609020204030204" pitchFamily="49" charset="0"/>
+                <a:cs typeface="Consolas" panose="020B0609020204030204" pitchFamily="49" charset="0"/>
+              </a:rPr>
+              <a:t> = </a:t>
+            </a:r>
+            <a:r>
+              <a:rPr lang="en-US" b="1" dirty="0" err="1">
+                <a:latin typeface="Consolas" panose="020B0609020204030204" pitchFamily="49" charset="0"/>
+                <a:cs typeface="Consolas" panose="020B0609020204030204" pitchFamily="49" charset="0"/>
+              </a:rPr>
+              <a:t>mascot.length</a:t>
+            </a:r>
+            <a:r>
+              <a:rPr lang="en-US" b="1" dirty="0">
+                <a:latin typeface="Consolas" panose="020B0609020204030204" pitchFamily="49" charset="0"/>
+                <a:cs typeface="Consolas" panose="020B0609020204030204" pitchFamily="49" charset="0"/>
+              </a:rPr>
+              <a:t>(); </a:t>
+            </a:r>
+            <a:r>
+              <a:rPr lang="en-US" dirty="0">
+                <a:latin typeface="Consolas" panose="020B0609020204030204" pitchFamily="49" charset="0"/>
+                <a:cs typeface="Consolas" panose="020B0609020204030204" pitchFamily="49" charset="0"/>
+              </a:rPr>
+              <a:t>// 3</a:t>
+            </a:r>
+          </a:p>
+          <a:p>
+            <a:r>
+              <a:rPr lang="en-US" dirty="0">
+                <a:latin typeface="Consolas" panose="020B0609020204030204" pitchFamily="49" charset="0"/>
+                <a:cs typeface="Consolas" panose="020B0609020204030204" pitchFamily="49" charset="0"/>
+              </a:rPr>
+              <a:t>No matter how large the string</a:t>
+            </a:r>
+          </a:p>
+          <a:p>
+            <a:pPr lvl="1"/>
+            <a:r>
+              <a:rPr lang="en-US" dirty="0">
+                <a:latin typeface="Consolas" panose="020B0609020204030204" pitchFamily="49" charset="0"/>
+                <a:cs typeface="Consolas" panose="020B0609020204030204" pitchFamily="49" charset="0"/>
+              </a:rPr>
+              <a:t>Starts at 0</a:t>
+            </a:r>
+          </a:p>
+          <a:p>
+            <a:pPr lvl="1"/>
+            <a:r>
+              <a:rPr lang="en-US" dirty="0">
+                <a:latin typeface="Consolas" panose="020B0609020204030204" pitchFamily="49" charset="0"/>
+                <a:cs typeface="Consolas" panose="020B0609020204030204" pitchFamily="49" charset="0"/>
+              </a:rPr>
+              <a:t>Has a length</a:t>
+            </a:r>
+          </a:p>
+          <a:p>
+            <a:pPr lvl="1"/>
+            <a:r>
+              <a:rPr lang="en-US" dirty="0">
+                <a:latin typeface="Consolas" panose="020B0609020204030204" pitchFamily="49" charset="0"/>
+                <a:cs typeface="Consolas" panose="020B0609020204030204" pitchFamily="49" charset="0"/>
+              </a:rPr>
+              <a:t>Always know first and last index!</a:t>
+            </a:r>
+          </a:p>
+        </p:txBody>
+      </p:sp>
+      <p:grpSp>
+        <p:nvGrpSpPr>
+          <p:cNvPr id="14" name="Group 13">
+            <a:extLst>
+              <a:ext uri="{FF2B5EF4-FFF2-40B4-BE49-F238E27FC236}">
+                <a16:creationId xmlns:a16="http://schemas.microsoft.com/office/drawing/2014/main" id="{EAB19C45-ADE0-3040-B366-BDF1D14F6976}"/>
+              </a:ext>
+            </a:extLst>
+          </p:cNvPr>
+          <p:cNvGrpSpPr/>
+          <p:nvPr/>
+        </p:nvGrpSpPr>
+        <p:grpSpPr>
+          <a:xfrm>
+            <a:off x="2293922" y="1776683"/>
+            <a:ext cx="818750" cy="3683493"/>
+            <a:chOff x="627877" y="3527053"/>
+            <a:chExt cx="818750" cy="3683493"/>
+          </a:xfrm>
+        </p:grpSpPr>
+        <p:sp>
+          <p:nvSpPr>
+            <p:cNvPr id="16" name="Rectangle 15">
+              <a:extLst>
+                <a:ext uri="{FF2B5EF4-FFF2-40B4-BE49-F238E27FC236}">
+                  <a16:creationId xmlns:a16="http://schemas.microsoft.com/office/drawing/2014/main" id="{6559C00B-5EA7-304A-B376-BC9035720B1D}"/>
+                </a:ext>
+              </a:extLst>
+            </p:cNvPr>
+            <p:cNvSpPr/>
+            <p:nvPr/>
+          </p:nvSpPr>
+          <p:spPr>
+            <a:xfrm>
+              <a:off x="628076" y="5983624"/>
+              <a:ext cx="817600" cy="609600"/>
+            </a:xfrm>
+            <a:prstGeom prst="rect">
+              <a:avLst/>
+            </a:prstGeom>
+            <a:noFill/>
+            <a:ln>
+              <a:solidFill>
+                <a:srgbClr val="092529"/>
+              </a:solidFill>
+            </a:ln>
+            <a:effectLst/>
+          </p:spPr>
+          <p:style>
+            <a:lnRef idx="1">
+              <a:schemeClr val="accent1"/>
+            </a:lnRef>
+            <a:fillRef idx="3">
+              <a:schemeClr val="accent1"/>
+            </a:fillRef>
+            <a:effectRef idx="2">
+              <a:schemeClr val="accent1"/>
+            </a:effectRef>
+            <a:fontRef idx="minor">
+              <a:schemeClr val="lt1"/>
+            </a:fontRef>
+          </p:style>
+          <p:txBody>
+            <a:bodyPr lIns="274320" tIns="182880" rIns="274320" bIns="182880" rtlCol="0" anchor="ctr"/>
+            <a:lstStyle/>
+            <a:p>
+              <a:pPr algn="ctr"/>
+              <a:endParaRPr lang="en-US" dirty="0">
+                <a:latin typeface="Proxima Nova" charset="0"/>
+                <a:ea typeface="Proxima Nova" charset="0"/>
+                <a:cs typeface="Proxima Nova" charset="0"/>
+              </a:endParaRPr>
+            </a:p>
+          </p:txBody>
+        </p:sp>
+        <p:sp>
+          <p:nvSpPr>
+            <p:cNvPr id="17" name="Rectangle 16">
+              <a:extLst>
+                <a:ext uri="{FF2B5EF4-FFF2-40B4-BE49-F238E27FC236}">
+                  <a16:creationId xmlns:a16="http://schemas.microsoft.com/office/drawing/2014/main" id="{2DE0AEEE-4A4D-4D44-BBDE-5CC9D5EB151C}"/>
+                </a:ext>
+              </a:extLst>
+            </p:cNvPr>
+            <p:cNvSpPr/>
+            <p:nvPr/>
+          </p:nvSpPr>
+          <p:spPr>
+            <a:xfrm>
+              <a:off x="628076" y="6600946"/>
+              <a:ext cx="817600" cy="609600"/>
+            </a:xfrm>
+            <a:prstGeom prst="rect">
+              <a:avLst/>
+            </a:prstGeom>
+            <a:noFill/>
+            <a:ln>
+              <a:solidFill>
+                <a:srgbClr val="092529"/>
+              </a:solidFill>
+            </a:ln>
+            <a:effectLst/>
+          </p:spPr>
+          <p:style>
+            <a:lnRef idx="1">
+              <a:schemeClr val="accent1"/>
+            </a:lnRef>
+            <a:fillRef idx="3">
+              <a:schemeClr val="accent1"/>
+            </a:fillRef>
+            <a:effectRef idx="2">
+              <a:schemeClr val="accent1"/>
+            </a:effectRef>
+            <a:fontRef idx="minor">
+              <a:schemeClr val="lt1"/>
+            </a:fontRef>
+          </p:style>
+          <p:txBody>
+            <a:bodyPr lIns="274320" tIns="182880" rIns="274320" bIns="182880" rtlCol="0" anchor="ctr"/>
+            <a:lstStyle/>
+            <a:p>
+              <a:pPr algn="ctr"/>
+              <a:endParaRPr lang="en-US" dirty="0">
+                <a:latin typeface="Proxima Nova" charset="0"/>
+                <a:ea typeface="Proxima Nova" charset="0"/>
+                <a:cs typeface="Proxima Nova" charset="0"/>
+              </a:endParaRPr>
+            </a:p>
+          </p:txBody>
+        </p:sp>
+        <p:sp>
+          <p:nvSpPr>
+            <p:cNvPr id="20" name="Rectangle 19">
+              <a:extLst>
+                <a:ext uri="{FF2B5EF4-FFF2-40B4-BE49-F238E27FC236}">
+                  <a16:creationId xmlns:a16="http://schemas.microsoft.com/office/drawing/2014/main" id="{2058EC7F-C8E3-A245-8065-66B10DD8BDD7}"/>
+                </a:ext>
+              </a:extLst>
+            </p:cNvPr>
+            <p:cNvSpPr/>
+            <p:nvPr/>
+          </p:nvSpPr>
+          <p:spPr>
+            <a:xfrm>
+              <a:off x="628070" y="3527053"/>
+              <a:ext cx="818557" cy="609600"/>
+            </a:xfrm>
+            <a:prstGeom prst="rect">
+              <a:avLst/>
+            </a:prstGeom>
+            <a:noFill/>
+            <a:ln>
+              <a:solidFill>
+                <a:srgbClr val="092529"/>
+              </a:solidFill>
+            </a:ln>
+            <a:effectLst/>
+          </p:spPr>
+          <p:style>
+            <a:lnRef idx="1">
+              <a:schemeClr val="accent1"/>
+            </a:lnRef>
+            <a:fillRef idx="3">
+              <a:schemeClr val="accent1"/>
+            </a:fillRef>
+            <a:effectRef idx="2">
+              <a:schemeClr val="accent1"/>
+            </a:effectRef>
+            <a:fontRef idx="minor">
+              <a:schemeClr val="lt1"/>
+            </a:fontRef>
+          </p:style>
+          <p:txBody>
+            <a:bodyPr lIns="274320" tIns="182880" rIns="274320" bIns="182880" rtlCol="0" anchor="ctr"/>
+            <a:lstStyle/>
+            <a:p>
+              <a:pPr algn="ctr"/>
+              <a:endParaRPr lang="en-US" dirty="0">
+                <a:solidFill>
+                  <a:srgbClr val="092529"/>
+                </a:solidFill>
+                <a:latin typeface="Proxima Nova" charset="0"/>
+                <a:ea typeface="Proxima Nova" charset="0"/>
+                <a:cs typeface="Proxima Nova" charset="0"/>
+              </a:endParaRPr>
+            </a:p>
+          </p:txBody>
+        </p:sp>
+        <p:sp>
+          <p:nvSpPr>
+            <p:cNvPr id="21" name="Rectangle 20">
+              <a:extLst>
+                <a:ext uri="{FF2B5EF4-FFF2-40B4-BE49-F238E27FC236}">
+                  <a16:creationId xmlns:a16="http://schemas.microsoft.com/office/drawing/2014/main" id="{F2BA3641-017E-3B41-963F-F37A0E6BC9ED}"/>
+                </a:ext>
+              </a:extLst>
+            </p:cNvPr>
+            <p:cNvSpPr/>
+            <p:nvPr/>
+          </p:nvSpPr>
+          <p:spPr>
+            <a:xfrm>
+              <a:off x="630119" y="4138189"/>
+              <a:ext cx="815358" cy="609600"/>
+            </a:xfrm>
+            <a:prstGeom prst="rect">
+              <a:avLst/>
+            </a:prstGeom>
+            <a:solidFill>
+              <a:schemeClr val="bg2"/>
+            </a:solidFill>
+            <a:ln>
+              <a:solidFill>
+                <a:srgbClr val="092529"/>
+              </a:solidFill>
+            </a:ln>
+            <a:effectLst/>
+          </p:spPr>
+          <p:style>
+            <a:lnRef idx="1">
+              <a:schemeClr val="accent1"/>
+            </a:lnRef>
+            <a:fillRef idx="3">
+              <a:schemeClr val="accent1"/>
+            </a:fillRef>
+            <a:effectRef idx="2">
+              <a:schemeClr val="accent1"/>
+            </a:effectRef>
+            <a:fontRef idx="minor">
+              <a:schemeClr val="lt1"/>
+            </a:fontRef>
+          </p:style>
+          <p:txBody>
+            <a:bodyPr lIns="274320" tIns="182880" rIns="274320" bIns="182880" rtlCol="0" anchor="ctr"/>
+            <a:lstStyle/>
+            <a:p>
+              <a:pPr algn="ctr"/>
+              <a:r>
+                <a:rPr lang="en-US" dirty="0">
+                  <a:solidFill>
+                    <a:srgbClr val="092529"/>
+                  </a:solidFill>
+                  <a:latin typeface="Proxima Nova" charset="0"/>
+                  <a:ea typeface="Proxima Nova" charset="0"/>
+                  <a:cs typeface="Proxima Nova" charset="0"/>
+                </a:rPr>
+                <a:t>C</a:t>
+              </a:r>
+            </a:p>
+          </p:txBody>
+        </p:sp>
+        <p:sp>
+          <p:nvSpPr>
+            <p:cNvPr id="22" name="Rectangle 21">
+              <a:extLst>
+                <a:ext uri="{FF2B5EF4-FFF2-40B4-BE49-F238E27FC236}">
+                  <a16:creationId xmlns:a16="http://schemas.microsoft.com/office/drawing/2014/main" id="{2D04C594-0B21-9144-8148-98954382F84F}"/>
+                </a:ext>
+              </a:extLst>
+            </p:cNvPr>
+            <p:cNvSpPr/>
+            <p:nvPr/>
+          </p:nvSpPr>
+          <p:spPr>
+            <a:xfrm>
+              <a:off x="627877" y="4747482"/>
+              <a:ext cx="817600" cy="609600"/>
+            </a:xfrm>
+            <a:prstGeom prst="rect">
+              <a:avLst/>
+            </a:prstGeom>
+            <a:solidFill>
+              <a:schemeClr val="bg2"/>
+            </a:solidFill>
+            <a:ln>
+              <a:solidFill>
+                <a:srgbClr val="092529"/>
+              </a:solidFill>
+            </a:ln>
+            <a:effectLst/>
+          </p:spPr>
+          <p:style>
+            <a:lnRef idx="1">
+              <a:schemeClr val="accent1"/>
+            </a:lnRef>
+            <a:fillRef idx="3">
+              <a:schemeClr val="accent1"/>
+            </a:fillRef>
+            <a:effectRef idx="2">
+              <a:schemeClr val="accent1"/>
+            </a:effectRef>
+            <a:fontRef idx="minor">
+              <a:schemeClr val="lt1"/>
+            </a:fontRef>
+          </p:style>
+          <p:txBody>
+            <a:bodyPr lIns="274320" tIns="182880" rIns="274320" bIns="182880" rtlCol="0" anchor="ctr"/>
+            <a:lstStyle/>
+            <a:p>
+              <a:pPr algn="ctr"/>
+              <a:r>
+                <a:rPr lang="en-US" dirty="0">
+                  <a:solidFill>
+                    <a:srgbClr val="092529"/>
+                  </a:solidFill>
+                  <a:latin typeface="Proxima Nova" charset="0"/>
+                  <a:ea typeface="Proxima Nova" charset="0"/>
+                  <a:cs typeface="Proxima Nova" charset="0"/>
+                </a:rPr>
+                <a:t>A</a:t>
+              </a:r>
+            </a:p>
+          </p:txBody>
+        </p:sp>
+        <p:sp>
+          <p:nvSpPr>
+            <p:cNvPr id="23" name="Rectangle 22">
+              <a:extLst>
+                <a:ext uri="{FF2B5EF4-FFF2-40B4-BE49-F238E27FC236}">
+                  <a16:creationId xmlns:a16="http://schemas.microsoft.com/office/drawing/2014/main" id="{DBCB9C67-3270-2E49-8F23-3C75153769A0}"/>
+                </a:ext>
+              </a:extLst>
+            </p:cNvPr>
+            <p:cNvSpPr/>
+            <p:nvPr/>
+          </p:nvSpPr>
+          <p:spPr>
+            <a:xfrm>
+              <a:off x="627878" y="5362240"/>
+              <a:ext cx="817600" cy="621384"/>
+            </a:xfrm>
+            <a:prstGeom prst="rect">
+              <a:avLst/>
+            </a:prstGeom>
+            <a:solidFill>
+              <a:schemeClr val="bg2"/>
+            </a:solidFill>
+            <a:ln>
+              <a:solidFill>
+                <a:srgbClr val="092529"/>
+              </a:solidFill>
+            </a:ln>
+            <a:effectLst/>
+          </p:spPr>
+          <p:style>
+            <a:lnRef idx="1">
+              <a:schemeClr val="accent1"/>
+            </a:lnRef>
+            <a:fillRef idx="3">
+              <a:schemeClr val="accent1"/>
+            </a:fillRef>
+            <a:effectRef idx="2">
+              <a:schemeClr val="accent1"/>
+            </a:effectRef>
+            <a:fontRef idx="minor">
+              <a:schemeClr val="lt1"/>
+            </a:fontRef>
+          </p:style>
+          <p:txBody>
+            <a:bodyPr lIns="274320" tIns="182880" rIns="274320" bIns="182880" rtlCol="0" anchor="ctr"/>
+            <a:lstStyle/>
+            <a:p>
+              <a:pPr algn="ctr"/>
+              <a:r>
+                <a:rPr lang="en-US" dirty="0">
+                  <a:solidFill>
+                    <a:srgbClr val="092529"/>
+                  </a:solidFill>
+                  <a:latin typeface="Proxima Nova" charset="0"/>
+                  <a:ea typeface="Proxima Nova" charset="0"/>
+                  <a:cs typeface="Proxima Nova" charset="0"/>
+                </a:rPr>
+                <a:t>M</a:t>
+              </a:r>
+            </a:p>
+          </p:txBody>
+        </p:sp>
+      </p:grpSp>
+      <p:sp>
+        <p:nvSpPr>
+          <p:cNvPr id="32" name="Rectangle 31">
+            <a:extLst>
+              <a:ext uri="{FF2B5EF4-FFF2-40B4-BE49-F238E27FC236}">
+                <a16:creationId xmlns:a16="http://schemas.microsoft.com/office/drawing/2014/main" id="{A4FF52A0-2581-A24A-8868-15213DD579C5}"/>
+              </a:ext>
+            </a:extLst>
+          </p:cNvPr>
+          <p:cNvSpPr/>
+          <p:nvPr/>
+        </p:nvSpPr>
+        <p:spPr>
+          <a:xfrm>
+            <a:off x="4352409" y="2209820"/>
+            <a:ext cx="2159566" cy="400110"/>
+          </a:xfrm>
+          <a:prstGeom prst="rect">
+            <a:avLst/>
+          </a:prstGeom>
+        </p:spPr>
+        <p:txBody>
+          <a:bodyPr wrap="none">
+            <a:spAutoFit/>
+          </a:bodyPr>
+          <a:lstStyle/>
+          <a:p>
+            <a:r>
+              <a:rPr lang="en-US" dirty="0">
+                <a:latin typeface="Consolas" panose="020B0609020204030204" pitchFamily="49" charset="0"/>
+                <a:cs typeface="Consolas" panose="020B0609020204030204" pitchFamily="49" charset="0"/>
+              </a:rPr>
+              <a:t>String mascot </a:t>
+            </a:r>
+            <a:endParaRPr lang="en-US" dirty="0"/>
+          </a:p>
+        </p:txBody>
+      </p:sp>
+      <p:cxnSp>
+        <p:nvCxnSpPr>
+          <p:cNvPr id="33" name="Straight Arrow Connector 32">
+            <a:extLst>
+              <a:ext uri="{FF2B5EF4-FFF2-40B4-BE49-F238E27FC236}">
+                <a16:creationId xmlns:a16="http://schemas.microsoft.com/office/drawing/2014/main" id="{5BB30EB3-96B3-BC40-8252-1A7DBE075253}"/>
+              </a:ext>
+            </a:extLst>
+          </p:cNvPr>
+          <p:cNvCxnSpPr>
+            <a:cxnSpLocks/>
+            <a:stCxn id="32" idx="1"/>
+            <a:endCxn id="21" idx="3"/>
+          </p:cNvCxnSpPr>
+          <p:nvPr/>
+        </p:nvCxnSpPr>
+        <p:spPr>
+          <a:xfrm flipH="1">
+            <a:off x="3111522" y="2409875"/>
+            <a:ext cx="1240887" cy="282744"/>
+          </a:xfrm>
+          <a:prstGeom prst="straightConnector1">
+            <a:avLst/>
+          </a:prstGeom>
+          <a:ln>
+            <a:solidFill>
+              <a:srgbClr val="092529"/>
+            </a:solidFill>
+            <a:tailEnd type="triangle"/>
+          </a:ln>
+        </p:spPr>
+        <p:style>
+          <a:lnRef idx="2">
+            <a:schemeClr val="accent1"/>
+          </a:lnRef>
+          <a:fillRef idx="0">
+            <a:schemeClr val="accent1"/>
+          </a:fillRef>
+          <a:effectRef idx="1">
+            <a:schemeClr val="accent1"/>
+          </a:effectRef>
+          <a:fontRef idx="minor">
+            <a:schemeClr val="tx1"/>
+          </a:fontRef>
+        </p:style>
+      </p:cxnSp>
+      <p:sp>
+        <p:nvSpPr>
+          <p:cNvPr id="39" name="TextBox 38">
+            <a:extLst>
+              <a:ext uri="{FF2B5EF4-FFF2-40B4-BE49-F238E27FC236}">
+                <a16:creationId xmlns:a16="http://schemas.microsoft.com/office/drawing/2014/main" id="{EAAC909A-1BDA-0B41-9B2F-697E2A118358}"/>
+              </a:ext>
+            </a:extLst>
+          </p:cNvPr>
+          <p:cNvSpPr txBox="1"/>
+          <p:nvPr/>
+        </p:nvSpPr>
+        <p:spPr>
+          <a:xfrm>
+            <a:off x="1935574" y="2513843"/>
+            <a:ext cx="288758" cy="400110"/>
+          </a:xfrm>
+          <a:prstGeom prst="rect">
+            <a:avLst/>
+          </a:prstGeom>
+          <a:noFill/>
+        </p:spPr>
+        <p:txBody>
+          <a:bodyPr wrap="square" rtlCol="0">
+            <a:spAutoFit/>
+          </a:bodyPr>
+          <a:lstStyle/>
+          <a:p>
+            <a:r>
+              <a:rPr lang="en-US" dirty="0"/>
+              <a:t>0</a:t>
+            </a:r>
+          </a:p>
+        </p:txBody>
+      </p:sp>
+      <p:sp>
+        <p:nvSpPr>
+          <p:cNvPr id="40" name="TextBox 39">
+            <a:extLst>
+              <a:ext uri="{FF2B5EF4-FFF2-40B4-BE49-F238E27FC236}">
+                <a16:creationId xmlns:a16="http://schemas.microsoft.com/office/drawing/2014/main" id="{50835E94-3F62-8D4A-994A-E6DA013D8551}"/>
+              </a:ext>
+            </a:extLst>
+          </p:cNvPr>
+          <p:cNvSpPr txBox="1"/>
+          <p:nvPr/>
+        </p:nvSpPr>
+        <p:spPr>
+          <a:xfrm>
+            <a:off x="1935574" y="3101857"/>
+            <a:ext cx="288758" cy="400110"/>
+          </a:xfrm>
+          <a:prstGeom prst="rect">
+            <a:avLst/>
+          </a:prstGeom>
+          <a:noFill/>
+        </p:spPr>
+        <p:txBody>
+          <a:bodyPr wrap="square" rtlCol="0">
+            <a:spAutoFit/>
+          </a:bodyPr>
+          <a:lstStyle/>
+          <a:p>
+            <a:r>
+              <a:rPr lang="en-US" dirty="0"/>
+              <a:t>1</a:t>
+            </a:r>
+          </a:p>
+        </p:txBody>
+      </p:sp>
+      <p:sp>
+        <p:nvSpPr>
+          <p:cNvPr id="41" name="TextBox 40">
+            <a:extLst>
+              <a:ext uri="{FF2B5EF4-FFF2-40B4-BE49-F238E27FC236}">
+                <a16:creationId xmlns:a16="http://schemas.microsoft.com/office/drawing/2014/main" id="{F3A9819C-0D4F-FD4D-B577-AC5C8E1D9FFB}"/>
+              </a:ext>
+            </a:extLst>
+          </p:cNvPr>
+          <p:cNvSpPr txBox="1"/>
+          <p:nvPr/>
+        </p:nvSpPr>
+        <p:spPr>
+          <a:xfrm>
+            <a:off x="1903489" y="3722507"/>
+            <a:ext cx="288758" cy="400110"/>
+          </a:xfrm>
+          <a:prstGeom prst="rect">
+            <a:avLst/>
+          </a:prstGeom>
+          <a:noFill/>
+        </p:spPr>
+        <p:txBody>
+          <a:bodyPr wrap="square" rtlCol="0">
+            <a:spAutoFit/>
+          </a:bodyPr>
+          <a:lstStyle/>
+          <a:p>
+            <a:r>
+              <a:rPr lang="en-US" dirty="0"/>
+              <a:t>2</a:t>
+            </a:r>
+          </a:p>
+        </p:txBody>
+      </p:sp>
+    </p:spTree>
+    <p:extLst>
+      <p:ext uri="{BB962C8B-B14F-4D97-AF65-F5344CB8AC3E}">
+        <p14:creationId xmlns:p14="http://schemas.microsoft.com/office/powerpoint/2010/main" val="709799232"/>
+      </p:ext>
+    </p:extLst>
+  </p:cSld>
+  <p:clrMapOvr>
+    <a:masterClrMapping/>
+  </p:clrMapOvr>
+  <mc:AlternateContent xmlns:mc="http://schemas.openxmlformats.org/markup-compatibility/2006" xmlns:p14="http://schemas.microsoft.com/office/powerpoint/2010/main">
+    <mc:Choice Requires="p14">
+      <p:transition p14:dur="300">
+        <p:fade/>
+      </p:transition>
+    </mc:Choice>
+    <mc:Fallback xmlns="">
+      <p:transition>
+        <p:fade/>
+      </p:transition>
+    </mc:Fallback>
+  </mc:AlternateContent>
+  <p:timing>
+    <p:tnLst>
+      <p:par>
+        <p:cTn id="1" dur="indefinite" restart="never" nodeType="tmRoot"/>
+      </p:par>
+    </p:tnLst>
+  </p:timing>
+</p:sld>
+</file>
+
+<file path=ppt/slides/slide12.xml><?xml version="1.0" encoding="utf-8"?>
+<p:sld xmlns:a="http://schemas.openxmlformats.org/drawingml/2006/main" xmlns:r="http://schemas.openxmlformats.org/officeDocument/2006/relationships" xmlns:p="http://schemas.openxmlformats.org/presentationml/2006/main">
+  <p:cSld>
+    <p:spTree>
+      <p:nvGrpSpPr>
+        <p:cNvPr id="1" name=""/>
+        <p:cNvGrpSpPr/>
+        <p:nvPr/>
+      </p:nvGrpSpPr>
+      <p:grpSpPr>
+        <a:xfrm>
+          <a:off x="0" y="0"/>
+          <a:ext cx="0" cy="0"/>
+          <a:chOff x="0" y="0"/>
+          <a:chExt cx="0" cy="0"/>
+        </a:xfrm>
+      </p:grpSpPr>
+      <p:sp>
+        <p:nvSpPr>
+          <p:cNvPr id="7" name="TextBox 6">
+            <a:extLst>
+              <a:ext uri="{FF2B5EF4-FFF2-40B4-BE49-F238E27FC236}">
+                <a16:creationId xmlns:a16="http://schemas.microsoft.com/office/drawing/2014/main" id="{EB6E76FE-64EC-624E-A234-65E6CF5F9F25}"/>
+              </a:ext>
+            </a:extLst>
+          </p:cNvPr>
+          <p:cNvSpPr txBox="1"/>
+          <p:nvPr/>
+        </p:nvSpPr>
+        <p:spPr>
+          <a:xfrm>
+            <a:off x="3632379" y="3178159"/>
+            <a:ext cx="6552841" cy="2246769"/>
+          </a:xfrm>
+          <a:prstGeom prst="rect">
+            <a:avLst/>
+          </a:prstGeom>
+          <a:noFill/>
+        </p:spPr>
+        <p:txBody>
+          <a:bodyPr wrap="square">
+            <a:spAutoFit/>
+          </a:bodyPr>
+          <a:lstStyle/>
+          <a:p>
+            <a:r>
+              <a:rPr lang="en-US" dirty="0">
+                <a:solidFill>
+                  <a:srgbClr val="CC7832"/>
+                </a:solidFill>
+                <a:effectLst/>
+              </a:rPr>
+              <a:t>public static </a:t>
+            </a:r>
+            <a:r>
+              <a:rPr lang="en-US" dirty="0"/>
+              <a:t>String </a:t>
+            </a:r>
+            <a:r>
+              <a:rPr lang="en-US" dirty="0" err="1">
+                <a:solidFill>
+                  <a:srgbClr val="FFC66D"/>
+                </a:solidFill>
+                <a:effectLst/>
+              </a:rPr>
+              <a:t>characterAddition</a:t>
+            </a:r>
+            <a:r>
+              <a:rPr lang="en-US" dirty="0"/>
+              <a:t>(String </a:t>
+            </a:r>
+            <a:r>
+              <a:rPr lang="en-US" i="1" dirty="0">
+                <a:solidFill>
+                  <a:srgbClr val="9876AA"/>
+                </a:solidFill>
+                <a:effectLst/>
+              </a:rPr>
+              <a:t>a</a:t>
+            </a:r>
+            <a:r>
+              <a:rPr lang="en-US" dirty="0">
+                <a:solidFill>
+                  <a:srgbClr val="CC7832"/>
+                </a:solidFill>
+                <a:effectLst/>
+              </a:rPr>
+              <a:t>, int </a:t>
+            </a:r>
+            <a:r>
+              <a:rPr lang="en-US" i="1" dirty="0">
+                <a:solidFill>
+                  <a:srgbClr val="9876AA"/>
+                </a:solidFill>
+                <a:effectLst/>
+              </a:rPr>
+              <a:t>b</a:t>
+            </a:r>
+            <a:r>
+              <a:rPr lang="en-US" dirty="0"/>
+              <a:t>) {</a:t>
+            </a:r>
+            <a:br>
+              <a:rPr lang="en-US" dirty="0"/>
+            </a:br>
+            <a:r>
+              <a:rPr lang="en-US" dirty="0"/>
+              <a:t>    </a:t>
+            </a:r>
+            <a:r>
+              <a:rPr lang="en-US" dirty="0">
+                <a:solidFill>
+                  <a:srgbClr val="CC7832"/>
+                </a:solidFill>
+                <a:effectLst/>
+              </a:rPr>
+              <a:t>return </a:t>
+            </a:r>
+            <a:r>
+              <a:rPr lang="en-US" i="1" dirty="0">
+                <a:solidFill>
+                  <a:srgbClr val="9876AA"/>
+                </a:solidFill>
+                <a:effectLst/>
+              </a:rPr>
+              <a:t>a </a:t>
+            </a:r>
+            <a:r>
+              <a:rPr lang="en-US" dirty="0"/>
+              <a:t>+ </a:t>
+            </a:r>
+            <a:r>
+              <a:rPr lang="en-US" i="1" dirty="0">
+                <a:solidFill>
+                  <a:srgbClr val="9876AA"/>
+                </a:solidFill>
+                <a:effectLst/>
+              </a:rPr>
+              <a:t>b</a:t>
+            </a:r>
+            <a:r>
+              <a:rPr lang="en-US" dirty="0">
+                <a:solidFill>
+                  <a:srgbClr val="CC7832"/>
+                </a:solidFill>
+                <a:effectLst/>
+              </a:rPr>
+              <a:t>;</a:t>
+            </a:r>
+            <a:br>
+              <a:rPr lang="en-US" dirty="0">
+                <a:solidFill>
+                  <a:srgbClr val="CC7832"/>
+                </a:solidFill>
+                <a:effectLst/>
+              </a:rPr>
+            </a:br>
+            <a:r>
+              <a:rPr lang="en-US" dirty="0"/>
+              <a:t>}</a:t>
+            </a:r>
+            <a:br>
+              <a:rPr lang="en-US" dirty="0"/>
+            </a:br>
+            <a:r>
+              <a:rPr lang="en-US" dirty="0"/>
+              <a:t/>
+            </a:r>
+            <a:br>
+              <a:rPr lang="en-US" dirty="0"/>
+            </a:br>
+            <a:r>
+              <a:rPr lang="en-US" dirty="0">
+                <a:solidFill>
+                  <a:srgbClr val="CC7832"/>
+                </a:solidFill>
+                <a:effectLst/>
+              </a:rPr>
+              <a:t>public static void </a:t>
+            </a:r>
+            <a:r>
+              <a:rPr lang="en-US" dirty="0">
+                <a:solidFill>
+                  <a:srgbClr val="FFC66D"/>
+                </a:solidFill>
+                <a:effectLst/>
+              </a:rPr>
+              <a:t>main</a:t>
+            </a:r>
+            <a:r>
+              <a:rPr lang="en-US" dirty="0"/>
+              <a:t>(String[] </a:t>
+            </a:r>
+            <a:r>
+              <a:rPr lang="en-US" i="1" dirty="0" err="1">
+                <a:solidFill>
+                  <a:srgbClr val="9876AA"/>
+                </a:solidFill>
+                <a:effectLst/>
+              </a:rPr>
+              <a:t>args</a:t>
+            </a:r>
+            <a:r>
+              <a:rPr lang="en-US" dirty="0"/>
+              <a:t>) {</a:t>
+            </a:r>
+            <a:br>
+              <a:rPr lang="en-US" dirty="0"/>
+            </a:br>
+            <a:r>
+              <a:rPr lang="en-US" dirty="0"/>
+              <a:t>    </a:t>
+            </a:r>
+            <a:r>
+              <a:rPr lang="en-US" dirty="0" err="1"/>
+              <a:t>System.</a:t>
+            </a:r>
+            <a:r>
+              <a:rPr lang="en-US" i="1" dirty="0" err="1">
+                <a:solidFill>
+                  <a:srgbClr val="9876AA"/>
+                </a:solidFill>
+                <a:effectLst/>
+              </a:rPr>
+              <a:t>out</a:t>
+            </a:r>
+            <a:r>
+              <a:rPr lang="en-US" dirty="0" err="1"/>
+              <a:t>.println</a:t>
+            </a:r>
+            <a:r>
+              <a:rPr lang="en-US" dirty="0"/>
+              <a:t>(</a:t>
+            </a:r>
+            <a:r>
+              <a:rPr lang="en-US" i="1" dirty="0" err="1">
+                <a:effectLst/>
+              </a:rPr>
+              <a:t>characterAddition</a:t>
+            </a:r>
+            <a:r>
+              <a:rPr lang="en-US" dirty="0"/>
+              <a:t>(</a:t>
+            </a:r>
+            <a:r>
+              <a:rPr lang="en-US" dirty="0">
+                <a:solidFill>
+                  <a:srgbClr val="6A8759"/>
+                </a:solidFill>
+                <a:effectLst/>
+              </a:rPr>
+              <a:t>"A"</a:t>
+            </a:r>
+            <a:r>
+              <a:rPr lang="en-US" dirty="0">
+                <a:solidFill>
+                  <a:srgbClr val="CC7832"/>
+                </a:solidFill>
+                <a:effectLst/>
+              </a:rPr>
+              <a:t>, </a:t>
+            </a:r>
+            <a:r>
+              <a:rPr lang="en-US" dirty="0">
+                <a:solidFill>
+                  <a:srgbClr val="6897BB"/>
+                </a:solidFill>
+                <a:effectLst/>
+              </a:rPr>
+              <a:t>2</a:t>
+            </a:r>
+            <a:r>
+              <a:rPr lang="en-US" dirty="0"/>
+              <a:t>))</a:t>
+            </a:r>
+            <a:r>
+              <a:rPr lang="en-US" dirty="0">
+                <a:solidFill>
+                  <a:srgbClr val="CC7832"/>
+                </a:solidFill>
+                <a:effectLst/>
+              </a:rPr>
+              <a:t>;</a:t>
+            </a:r>
+            <a:br>
+              <a:rPr lang="en-US" dirty="0">
+                <a:solidFill>
+                  <a:srgbClr val="CC7832"/>
+                </a:solidFill>
+                <a:effectLst/>
+              </a:rPr>
+            </a:br>
+            <a:r>
+              <a:rPr lang="en-US" dirty="0"/>
+              <a:t>}</a:t>
+            </a:r>
+          </a:p>
+        </p:txBody>
+      </p:sp>
+      <p:sp>
+        <p:nvSpPr>
+          <p:cNvPr id="2" name="Title 1">
+            <a:extLst>
+              <a:ext uri="{FF2B5EF4-FFF2-40B4-BE49-F238E27FC236}">
+                <a16:creationId xmlns:a16="http://schemas.microsoft.com/office/drawing/2014/main" id="{B536806E-AD3E-AD40-936F-590919B5FCEE}"/>
+              </a:ext>
+            </a:extLst>
+          </p:cNvPr>
+          <p:cNvSpPr>
+            <a:spLocks noGrp="1"/>
+          </p:cNvSpPr>
+          <p:nvPr>
+            <p:ph type="title"/>
+          </p:nvPr>
+        </p:nvSpPr>
+        <p:spPr/>
+        <p:txBody>
+          <a:bodyPr/>
+          <a:lstStyle/>
+          <a:p>
+            <a:r>
+              <a:rPr lang="en-US" dirty="0"/>
+              <a:t>Reading Check-in</a:t>
+            </a:r>
+          </a:p>
+        </p:txBody>
+      </p:sp>
+      <p:sp>
+        <p:nvSpPr>
+          <p:cNvPr id="3" name="Text Placeholder 2">
+            <a:extLst>
+              <a:ext uri="{FF2B5EF4-FFF2-40B4-BE49-F238E27FC236}">
+                <a16:creationId xmlns:a16="http://schemas.microsoft.com/office/drawing/2014/main" id="{BF92A239-A7CC-0648-A509-B3B45DB8F5FA}"/>
+              </a:ext>
+            </a:extLst>
+          </p:cNvPr>
+          <p:cNvSpPr>
+            <a:spLocks noGrp="1"/>
+          </p:cNvSpPr>
+          <p:nvPr>
+            <p:ph type="body" sz="quarter" idx="10"/>
+          </p:nvPr>
+        </p:nvSpPr>
+        <p:spPr>
+          <a:xfrm>
+            <a:off x="628075" y="1776683"/>
+            <a:ext cx="12561453" cy="494879"/>
+          </a:xfrm>
+        </p:spPr>
+        <p:txBody>
+          <a:bodyPr/>
+          <a:lstStyle/>
+          <a:p>
+            <a:pPr marL="0" indent="0">
+              <a:buNone/>
+            </a:pPr>
+            <a:r>
+              <a:rPr lang="en-US" b="1" dirty="0"/>
+              <a:t>Given the following Code, what is printed?</a:t>
+            </a:r>
+          </a:p>
+        </p:txBody>
+      </p:sp>
+      <p:sp>
+        <p:nvSpPr>
+          <p:cNvPr id="6" name="TextBox 5">
+            <a:extLst>
+              <a:ext uri="{FF2B5EF4-FFF2-40B4-BE49-F238E27FC236}">
+                <a16:creationId xmlns:a16="http://schemas.microsoft.com/office/drawing/2014/main" id="{86F2D266-8E20-E749-9EE9-69487CC8BB83}"/>
+              </a:ext>
+            </a:extLst>
+          </p:cNvPr>
+          <p:cNvSpPr txBox="1"/>
+          <p:nvPr/>
+        </p:nvSpPr>
+        <p:spPr>
+          <a:xfrm>
+            <a:off x="9440214" y="4301544"/>
+            <a:ext cx="748923" cy="646331"/>
+          </a:xfrm>
+          <a:prstGeom prst="rect">
+            <a:avLst/>
+          </a:prstGeom>
+          <a:noFill/>
+        </p:spPr>
+        <p:txBody>
+          <a:bodyPr wrap="none" rtlCol="0">
+            <a:spAutoFit/>
+          </a:bodyPr>
+          <a:lstStyle/>
+          <a:p>
+            <a:r>
+              <a:rPr lang="en-US" sz="3600" dirty="0">
+                <a:solidFill>
+                  <a:schemeClr val="accent1"/>
+                </a:solidFill>
+              </a:rPr>
+              <a:t>A2</a:t>
+            </a:r>
+          </a:p>
+        </p:txBody>
+      </p:sp>
+    </p:spTree>
+    <p:extLst>
+      <p:ext uri="{BB962C8B-B14F-4D97-AF65-F5344CB8AC3E}">
+        <p14:creationId xmlns:p14="http://schemas.microsoft.com/office/powerpoint/2010/main" val="1355525117"/>
+      </p:ext>
+    </p:extLst>
+  </p:cSld>
+  <p:clrMapOvr>
+    <a:masterClrMapping/>
+  </p:clrMapOvr>
+  <mc:AlternateContent xmlns:mc="http://schemas.openxmlformats.org/markup-compatibility/2006" xmlns:p14="http://schemas.microsoft.com/office/powerpoint/2010/main">
+    <mc:Choice Requires="p14">
+      <p:transition p14:dur="300">
+        <p:fade/>
+      </p:transition>
+    </mc:Choice>
+    <mc:Fallback xmlns="">
+      <p:transition>
+        <p:fade/>
+      </p:transition>
+    </mc:Fallback>
+  </mc:AlternateContent>
+  <p:timing>
+    <p:tnLst>
+      <p:par>
+        <p:cTn id="1" dur="indefinite" restart="never" nodeType="tmRoot">
+          <p:childTnLst>
+            <p:seq concurrent="1" nextAc="seek">
+              <p:cTn id="2" dur="indefinite" nodeType="mainSeq">
+                <p:childTnLst>
+                  <p:par>
+                    <p:cTn id="3" fill="hold">
+                      <p:stCondLst>
+                        <p:cond delay="indefinite"/>
+                      </p:stCondLst>
+                      <p:childTnLst>
+                        <p:par>
+                          <p:cTn id="4" fill="hold">
+                            <p:stCondLst>
+                              <p:cond delay="0"/>
+                            </p:stCondLst>
+                            <p:childTnLst>
+                              <p:par>
+                                <p:cTn id="5" presetID="45" presetClass="entr" presetSubtype="0" fill="hold" grpId="0" nodeType="clickEffect">
+                                  <p:stCondLst>
+                                    <p:cond delay="0"/>
+                                  </p:stCondLst>
+                                  <p:childTnLst>
+                                    <p:set>
+                                      <p:cBhvr>
+                                        <p:cTn id="6" dur="1" fill="hold">
+                                          <p:stCondLst>
+                                            <p:cond delay="0"/>
+                                          </p:stCondLst>
+                                        </p:cTn>
+                                        <p:tgtEl>
+                                          <p:spTgt spid="6"/>
+                                        </p:tgtEl>
+                                        <p:attrNameLst>
+                                          <p:attrName>style.visibility</p:attrName>
+                                        </p:attrNameLst>
+                                      </p:cBhvr>
+                                      <p:to>
+                                        <p:strVal val="visible"/>
+                                      </p:to>
+                                    </p:set>
+                                    <p:animEffect transition="in" filter="fade">
+                                      <p:cBhvr>
+                                        <p:cTn id="7" dur="2000"/>
+                                        <p:tgtEl>
+                                          <p:spTgt spid="6"/>
+                                        </p:tgtEl>
+                                      </p:cBhvr>
+                                    </p:animEffect>
+                                    <p:anim calcmode="lin" valueType="num">
+                                      <p:cBhvr>
+                                        <p:cTn id="8" dur="2000" fill="hold"/>
+                                        <p:tgtEl>
+                                          <p:spTgt spid="6"/>
+                                        </p:tgtEl>
+                                        <p:attrNameLst>
+                                          <p:attrName>ppt_w</p:attrName>
+                                        </p:attrNameLst>
+                                      </p:cBhvr>
+                                      <p:tavLst>
+                                        <p:tav tm="0" fmla="#ppt_w*sin(2.5*pi*$)">
+                                          <p:val>
+                                            <p:fltVal val="0"/>
+                                          </p:val>
+                                        </p:tav>
+                                        <p:tav tm="100000">
+                                          <p:val>
+                                            <p:fltVal val="1"/>
+                                          </p:val>
+                                        </p:tav>
+                                      </p:tavLst>
+                                    </p:anim>
+                                    <p:anim calcmode="lin" valueType="num">
+                                      <p:cBhvr>
+                                        <p:cTn id="9" dur="2000" fill="hold"/>
+                                        <p:tgtEl>
+                                          <p:spTgt spid="6"/>
+                                        </p:tgtEl>
+                                        <p:attrNameLst>
+                                          <p:attrName>ppt_h</p:attrName>
+                                        </p:attrNameLst>
+                                      </p:cBhvr>
+                                      <p:tavLst>
+                                        <p:tav tm="0">
+                                          <p:val>
+                                            <p:strVal val="#ppt_h"/>
+                                          </p:val>
+                                        </p:tav>
+                                        <p:tav tm="100000">
+                                          <p:val>
+                                            <p:strVal val="#ppt_h"/>
+                                          </p:val>
+                                        </p:tav>
+                                      </p:tavLst>
+                                    </p:anim>
+                                  </p:childTnLst>
+                                </p:cTn>
+                              </p:par>
+                            </p:childTnLst>
+                          </p:cTn>
+                        </p:par>
+                      </p:childTnLst>
+                    </p:cTn>
+                  </p:par>
+                </p:childTnLst>
+              </p:cTn>
+              <p:prevCondLst>
+                <p:cond evt="onPrev" delay="0">
+                  <p:tgtEl>
+                    <p:sldTgt/>
+                  </p:tgtEl>
+                </p:cond>
+              </p:prevCondLst>
+              <p:nextCondLst>
+                <p:cond evt="onNext" delay="0">
+                  <p:tgtEl>
+                    <p:sldTgt/>
+                  </p:tgtEl>
+                </p:cond>
+              </p:nextCondLst>
+            </p:seq>
+          </p:childTnLst>
+        </p:cTn>
+      </p:par>
+    </p:tnLst>
+    <p:bldLst>
+      <p:bldP spid="6" grpId="0"/>
+    </p:bldLst>
+  </p:timing>
+</p:sld>
+</file>
+
+<file path=ppt/slides/slide13.xml><?xml version="1.0" encoding="utf-8"?>
 <p:sld xmlns:a="http://schemas.openxmlformats.org/drawingml/2006/main" xmlns:r="http://schemas.openxmlformats.org/officeDocument/2006/relationships" xmlns:p="http://schemas.openxmlformats.org/presentationml/2006/main">
   <p:cSld>
     <p:spTree>
@@ -6821,53 +9993,6 @@
           </a:p>
         </p:txBody>
       </p:sp>
-      <p:pic>
-        <p:nvPicPr>
-          <p:cNvPr id="1026" name="Picture 2">
-            <a:extLst>
-              <a:ext uri="{FF2B5EF4-FFF2-40B4-BE49-F238E27FC236}">
-                <a16:creationId xmlns:a16="http://schemas.microsoft.com/office/drawing/2014/main" id="{BD4EDBCB-50BF-A44E-9ACE-664BDDA0ADF6}"/>
-              </a:ext>
-            </a:extLst>
-          </p:cNvPr>
-          <p:cNvPicPr>
-            <a:picLocks noChangeAspect="1" noChangeArrowheads="1"/>
-          </p:cNvPicPr>
-          <p:nvPr/>
-        </p:nvPicPr>
-        <p:blipFill>
-          <a:blip r:embed="rId2">
-            <a:extLst>
-              <a:ext uri="{28A0092B-C50C-407E-A947-70E740481C1C}">
-                <a14:useLocalDpi xmlns:a14="http://schemas.microsoft.com/office/drawing/2010/main" val="0"/>
-              </a:ext>
-            </a:extLst>
-          </a:blip>
-          <a:srcRect/>
-          <a:stretch>
-            <a:fillRect/>
-          </a:stretch>
-        </p:blipFill>
-        <p:spPr bwMode="auto">
-          <a:xfrm>
-            <a:off x="11391900" y="-1"/>
-            <a:ext cx="2425701" cy="2425701"/>
-          </a:xfrm>
-          <a:prstGeom prst="rect">
-            <a:avLst/>
-          </a:prstGeom>
-          <a:noFill/>
-          <a:extLst>
-            <a:ext uri="{909E8E84-426E-40DD-AFC4-6F175D3DCCD1}">
-              <a14:hiddenFill xmlns:a14="http://schemas.microsoft.com/office/drawing/2010/main">
-                <a:solidFill>
-                  <a:srgbClr val="FFFFFF"/>
-                </a:solidFill>
-              </a14:hiddenFill>
-            </a:ext>
-          </a:extLst>
-        </p:spPr>
-      </p:pic>
       <p:sp>
         <p:nvSpPr>
           <p:cNvPr id="6" name="Rectangle 5">
@@ -7632,7 +10757,7 @@
 </p:sld>
 </file>
 
-<file path=ppt/slides/slide11.xml><?xml version="1.0" encoding="utf-8"?>
+<file path=ppt/slides/slide14.xml><?xml version="1.0" encoding="utf-8"?>
 <p:sld xmlns:a="http://schemas.openxmlformats.org/drawingml/2006/main" xmlns:r="http://schemas.openxmlformats.org/officeDocument/2006/relationships" xmlns:p="http://schemas.openxmlformats.org/presentationml/2006/main">
   <p:cSld>
     <p:spTree>
@@ -7667,7 +10792,7 @@
         </p:nvSpPr>
         <p:spPr>
           <a:xfrm>
-            <a:off x="628075" y="448059"/>
+            <a:off x="628075" y="403991"/>
             <a:ext cx="12561453" cy="1015663"/>
           </a:xfrm>
         </p:spPr>
@@ -7713,7 +10838,7 @@
         <p:spPr>
           <a:xfrm>
             <a:off x="628075" y="1776683"/>
-            <a:ext cx="12561453" cy="5061129"/>
+            <a:ext cx="12561453" cy="4764381"/>
           </a:xfrm>
         </p:spPr>
         <p:txBody>
@@ -7805,17 +10930,26 @@
                 <a:latin typeface="Consolas" panose="020B0609020204030204" pitchFamily="49" charset="0"/>
                 <a:cs typeface="Consolas" panose="020B0609020204030204" pitchFamily="49" charset="0"/>
               </a:rPr>
-              <a:t>String heading1  = “&lt;h1&gt;” + txt + “&lt;/h1&gt;”;</a:t>
-            </a:r>
+              <a:t>String heading1  = “&lt;h1&gt;” + txt + “&lt;/h1</a:t>
+            </a:r>
+            <a:r>
+              <a:rPr lang="en-US" dirty="0" smtClean="0">
+                <a:latin typeface="Consolas" panose="020B0609020204030204" pitchFamily="49" charset="0"/>
+                <a:cs typeface="Consolas" panose="020B0609020204030204" pitchFamily="49" charset="0"/>
+              </a:rPr>
+              <a:t>&gt;”;</a:t>
+            </a:r>
+            <a:endParaRPr lang="en-US" dirty="0" smtClean="0"/>
           </a:p>
           <a:p>
             <a:pPr fontAlgn="base"/>
-            <a:br>
-              <a:rPr lang="en-US" dirty="0"/>
-            </a:br>
-            <a:r>
-              <a:rPr lang="en-US" dirty="0"/>
-              <a:t>However, that can be awkward - introducing </a:t>
+            <a:r>
+              <a:rPr lang="en-US" dirty="0" smtClean="0"/>
+              <a:t>However</a:t>
+            </a:r>
+            <a:r>
+              <a:rPr lang="en-US" dirty="0"/>
+              <a:t>, that can be awkward - introducing </a:t>
             </a:r>
             <a:r>
               <a:rPr lang="en-US" b="1" dirty="0" err="1"/>
@@ -7962,6 +11096,53 @@
           </a:p>
         </p:txBody>
       </p:sp>
+      <p:pic>
+        <p:nvPicPr>
+          <p:cNvPr id="4" name="Picture 2">
+            <a:extLst>
+              <a:ext uri="{FF2B5EF4-FFF2-40B4-BE49-F238E27FC236}">
+                <a16:creationId xmlns:a16="http://schemas.microsoft.com/office/drawing/2014/main" id="{BD4EDBCB-50BF-A44E-9ACE-664BDDA0ADF6}"/>
+              </a:ext>
+            </a:extLst>
+          </p:cNvPr>
+          <p:cNvPicPr>
+            <a:picLocks noChangeAspect="1" noChangeArrowheads="1"/>
+          </p:cNvPicPr>
+          <p:nvPr/>
+        </p:nvPicPr>
+        <p:blipFill>
+          <a:blip r:embed="rId2">
+            <a:extLst>
+              <a:ext uri="{28A0092B-C50C-407E-A947-70E740481C1C}">
+                <a14:useLocalDpi xmlns:a14="http://schemas.microsoft.com/office/drawing/2010/main" val="0"/>
+              </a:ext>
+            </a:extLst>
+          </a:blip>
+          <a:srcRect/>
+          <a:stretch>
+            <a:fillRect/>
+          </a:stretch>
+        </p:blipFill>
+        <p:spPr bwMode="auto">
+          <a:xfrm>
+            <a:off x="11391900" y="-44068"/>
+            <a:ext cx="2425701" cy="2425701"/>
+          </a:xfrm>
+          <a:prstGeom prst="rect">
+            <a:avLst/>
+          </a:prstGeom>
+          <a:noFill/>
+          <a:extLst>
+            <a:ext uri="{909E8E84-426E-40DD-AFC4-6F175D3DCCD1}">
+              <a14:hiddenFill xmlns:a14="http://schemas.microsoft.com/office/drawing/2010/main">
+                <a:solidFill>
+                  <a:srgbClr val="FFFFFF"/>
+                </a:solidFill>
+              </a14:hiddenFill>
+            </a:ext>
+          </a:extLst>
+        </p:spPr>
+      </p:pic>
     </p:spTree>
     <p:extLst>
       <p:ext uri="{BB962C8B-B14F-4D97-AF65-F5344CB8AC3E}">
@@ -7984,10 +11165,17 @@
       </p:transition>
     </mc:Fallback>
   </mc:AlternateContent>
+  <p:timing>
+    <p:tnLst>
+      <p:par>
+        <p:cTn id="1" dur="indefinite" restart="never" nodeType="tmRoot"/>
+      </p:par>
+    </p:tnLst>
+  </p:timing>
 </p:sld>
 </file>
 
-<file path=ppt/slides/slide12.xml><?xml version="1.0" encoding="utf-8"?>
+<file path=ppt/slides/slide15.xml><?xml version="1.0" encoding="utf-8"?>
 <p:sld xmlns:a="http://schemas.openxmlformats.org/drawingml/2006/main" xmlns:r="http://schemas.openxmlformats.org/officeDocument/2006/relationships" xmlns:p="http://schemas.openxmlformats.org/presentationml/2006/main">
   <p:cSld>
     <p:spTree>
@@ -8050,7 +11238,7 @@
         </p:nvSpPr>
         <p:spPr>
           <a:xfrm>
-            <a:off x="628072" y="1463722"/>
+            <a:off x="628076" y="1515547"/>
             <a:ext cx="6280725" cy="5632311"/>
           </a:xfrm>
         </p:spPr>
@@ -8254,7 +11442,21 @@
                 <a:latin typeface="Consolas" panose="020B0609020204030204" pitchFamily="49" charset="0"/>
                 <a:cs typeface="Consolas" panose="020B0609020204030204" pitchFamily="49" charset="0"/>
               </a:rPr>
-              <a:t> |%n", name) +</a:t>
+              <a:t> </a:t>
+            </a:r>
+            <a:r>
+              <a:rPr lang="en-US" sz="1400" dirty="0" smtClean="0">
+                <a:latin typeface="Consolas" panose="020B0609020204030204" pitchFamily="49" charset="0"/>
+                <a:cs typeface="Consolas" panose="020B0609020204030204" pitchFamily="49" charset="0"/>
+              </a:rPr>
+              <a:t>|\n</a:t>
+            </a:r>
+            <a:r>
+              <a:rPr lang="en-US" sz="1400" dirty="0">
+                <a:latin typeface="Consolas" panose="020B0609020204030204" pitchFamily="49" charset="0"/>
+                <a:cs typeface="Consolas" panose="020B0609020204030204" pitchFamily="49" charset="0"/>
+              </a:rPr>
+              <a:t>", name) +</a:t>
             </a:r>
           </a:p>
           <a:p>
@@ -9441,7 +12643,7 @@
 </p:sld>
 </file>
 
-<file path=ppt/slides/slide13.xml><?xml version="1.0" encoding="utf-8"?>
+<file path=ppt/slides/slide16.xml><?xml version="1.0" encoding="utf-8"?>
 <p:sld xmlns:a="http://schemas.openxmlformats.org/drawingml/2006/main" xmlns:r="http://schemas.openxmlformats.org/officeDocument/2006/relationships" xmlns:p="http://schemas.openxmlformats.org/presentationml/2006/main">
   <p:cSld>
     <p:spTree>
@@ -9986,7 +13188,7 @@
 </p:sld>
 </file>
 
-<file path=ppt/slides/slide14.xml><?xml version="1.0" encoding="utf-8"?>
+<file path=ppt/slides/slide17.xml><?xml version="1.0" encoding="utf-8"?>
 <p:sld xmlns:a="http://schemas.openxmlformats.org/drawingml/2006/main" xmlns:r="http://schemas.openxmlformats.org/officeDocument/2006/relationships" xmlns:p="http://schemas.openxmlformats.org/presentationml/2006/main">
   <p:cSld>
     <p:spTree>
@@ -10304,6 +13506,931 @@
       </p:transition>
     </mc:Fallback>
   </mc:AlternateContent>
+  <p:timing>
+    <p:tnLst>
+      <p:par>
+        <p:cTn id="1" dur="indefinite" restart="never" nodeType="tmRoot"/>
+      </p:par>
+    </p:tnLst>
+  </p:timing>
+</p:sld>
+</file>
+
+<file path=ppt/slides/slide18.xml><?xml version="1.0" encoding="utf-8"?>
+<p:sld xmlns:a="http://schemas.openxmlformats.org/drawingml/2006/main" xmlns:r="http://schemas.openxmlformats.org/officeDocument/2006/relationships" xmlns:p="http://schemas.openxmlformats.org/presentationml/2006/main">
+  <p:cSld>
+    <p:spTree>
+      <p:nvGrpSpPr>
+        <p:cNvPr id="1" name=""/>
+        <p:cNvGrpSpPr/>
+        <p:nvPr/>
+      </p:nvGrpSpPr>
+      <p:grpSpPr>
+        <a:xfrm>
+          <a:off x="0" y="0"/>
+          <a:ext cx="0" cy="0"/>
+          <a:chOff x="0" y="0"/>
+          <a:chExt cx="0" cy="0"/>
+        </a:xfrm>
+      </p:grpSpPr>
+      <p:sp>
+        <p:nvSpPr>
+          <p:cNvPr id="2" name="Title 1">
+            <a:extLst>
+              <a:ext uri="{FF2B5EF4-FFF2-40B4-BE49-F238E27FC236}">
+                <a16:creationId xmlns:a16="http://schemas.microsoft.com/office/drawing/2014/main" id="{B536806E-AD3E-AD40-936F-590919B5FCEE}"/>
+              </a:ext>
+            </a:extLst>
+          </p:cNvPr>
+          <p:cNvSpPr>
+            <a:spLocks noGrp="1"/>
+          </p:cNvSpPr>
+          <p:nvPr>
+            <p:ph type="title"/>
+          </p:nvPr>
+        </p:nvSpPr>
+        <p:spPr/>
+        <p:txBody>
+          <a:bodyPr/>
+          <a:lstStyle/>
+          <a:p>
+            <a:r>
+              <a:rPr lang="en-US" dirty="0" smtClean="0"/>
+              <a:t>Quick Practice</a:t>
+            </a:r>
+            <a:endParaRPr lang="en-US" dirty="0"/>
+          </a:p>
+        </p:txBody>
+      </p:sp>
+      <p:sp>
+        <p:nvSpPr>
+          <p:cNvPr id="5" name="TextBox 4">
+            <a:extLst>
+              <a:ext uri="{FF2B5EF4-FFF2-40B4-BE49-F238E27FC236}">
+                <a16:creationId xmlns:a16="http://schemas.microsoft.com/office/drawing/2014/main" id="{BC9EEA87-D34D-C34F-8D45-848ED96537EC}"/>
+              </a:ext>
+            </a:extLst>
+          </p:cNvPr>
+          <p:cNvSpPr txBox="1"/>
+          <p:nvPr/>
+        </p:nvSpPr>
+        <p:spPr>
+          <a:xfrm>
+            <a:off x="787960" y="1675865"/>
+            <a:ext cx="11506863" cy="400110"/>
+          </a:xfrm>
+          <a:prstGeom prst="rect">
+            <a:avLst/>
+          </a:prstGeom>
+          <a:noFill/>
+        </p:spPr>
+        <p:txBody>
+          <a:bodyPr wrap="square">
+            <a:spAutoFit/>
+          </a:bodyPr>
+          <a:lstStyle/>
+          <a:p>
+            <a:endParaRPr lang="en-US" dirty="0">
+              <a:latin typeface="Courier New" panose="02070309020205020404" pitchFamily="49" charset="0"/>
+              <a:cs typeface="Courier New" panose="02070309020205020404" pitchFamily="49" charset="0"/>
+            </a:endParaRPr>
+          </a:p>
+        </p:txBody>
+      </p:sp>
+      <p:sp>
+        <p:nvSpPr>
+          <p:cNvPr id="4" name="Rectangle 3"/>
+          <p:cNvSpPr/>
+          <p:nvPr/>
+        </p:nvSpPr>
+        <p:spPr>
+          <a:xfrm>
+            <a:off x="628075" y="1783924"/>
+            <a:ext cx="11209051" cy="4708981"/>
+          </a:xfrm>
+          <a:prstGeom prst="rect">
+            <a:avLst/>
+          </a:prstGeom>
+        </p:spPr>
+        <p:txBody>
+          <a:bodyPr wrap="square">
+            <a:spAutoFit/>
+          </a:bodyPr>
+          <a:lstStyle/>
+          <a:p>
+            <a:r>
+              <a:rPr lang="en-US" dirty="0">
+                <a:latin typeface="Courier New" panose="02070309020205020404" pitchFamily="49" charset="0"/>
+                <a:cs typeface="Courier New" panose="02070309020205020404" pitchFamily="49" charset="0"/>
+              </a:rPr>
+              <a:t>public class </a:t>
+            </a:r>
+            <a:r>
+              <a:rPr lang="en-US" dirty="0" err="1">
+                <a:latin typeface="Courier New" panose="02070309020205020404" pitchFamily="49" charset="0"/>
+                <a:cs typeface="Courier New" panose="02070309020205020404" pitchFamily="49" charset="0"/>
+              </a:rPr>
+              <a:t>StringFormatProgram</a:t>
+            </a:r>
+            <a:r>
+              <a:rPr lang="en-US" dirty="0">
+                <a:latin typeface="Courier New" panose="02070309020205020404" pitchFamily="49" charset="0"/>
+                <a:cs typeface="Courier New" panose="02070309020205020404" pitchFamily="49" charset="0"/>
+              </a:rPr>
+              <a:t> {</a:t>
+            </a:r>
+          </a:p>
+          <a:p>
+            <a:r>
+              <a:rPr lang="en-US" dirty="0">
+                <a:latin typeface="Courier New" panose="02070309020205020404" pitchFamily="49" charset="0"/>
+                <a:cs typeface="Courier New" panose="02070309020205020404" pitchFamily="49" charset="0"/>
+              </a:rPr>
+              <a:t>   public static void main(String[] </a:t>
+            </a:r>
+            <a:r>
+              <a:rPr lang="en-US" dirty="0" err="1">
+                <a:latin typeface="Courier New" panose="02070309020205020404" pitchFamily="49" charset="0"/>
+                <a:cs typeface="Courier New" panose="02070309020205020404" pitchFamily="49" charset="0"/>
+              </a:rPr>
+              <a:t>args</a:t>
+            </a:r>
+            <a:r>
+              <a:rPr lang="en-US" dirty="0">
+                <a:latin typeface="Courier New" panose="02070309020205020404" pitchFamily="49" charset="0"/>
+                <a:cs typeface="Courier New" panose="02070309020205020404" pitchFamily="49" charset="0"/>
+              </a:rPr>
+              <a:t>) {</a:t>
+            </a:r>
+          </a:p>
+          <a:p>
+            <a:r>
+              <a:rPr lang="en-US" dirty="0">
+                <a:latin typeface="Courier New" panose="02070309020205020404" pitchFamily="49" charset="0"/>
+                <a:cs typeface="Courier New" panose="02070309020205020404" pitchFamily="49" charset="0"/>
+              </a:rPr>
+              <a:t>      </a:t>
+            </a:r>
+            <a:r>
+              <a:rPr lang="en-US" dirty="0" err="1">
+                <a:latin typeface="Courier New" panose="02070309020205020404" pitchFamily="49" charset="0"/>
+                <a:cs typeface="Courier New" panose="02070309020205020404" pitchFamily="49" charset="0"/>
+              </a:rPr>
+              <a:t>int</a:t>
+            </a:r>
+            <a:r>
+              <a:rPr lang="en-US" dirty="0">
+                <a:latin typeface="Courier New" panose="02070309020205020404" pitchFamily="49" charset="0"/>
+                <a:cs typeface="Courier New" panose="02070309020205020404" pitchFamily="49" charset="0"/>
+              </a:rPr>
+              <a:t> value1 = 12;</a:t>
+            </a:r>
+          </a:p>
+          <a:p>
+            <a:r>
+              <a:rPr lang="en-US" dirty="0">
+                <a:latin typeface="Courier New" panose="02070309020205020404" pitchFamily="49" charset="0"/>
+                <a:cs typeface="Courier New" panose="02070309020205020404" pitchFamily="49" charset="0"/>
+              </a:rPr>
+              <a:t>      double value2 = 25.75986;</a:t>
+            </a:r>
+          </a:p>
+          <a:p>
+            <a:r>
+              <a:rPr lang="en-US" dirty="0">
+                <a:latin typeface="Courier New" panose="02070309020205020404" pitchFamily="49" charset="0"/>
+                <a:cs typeface="Courier New" panose="02070309020205020404" pitchFamily="49" charset="0"/>
+              </a:rPr>
+              <a:t>      String color = "red";</a:t>
+            </a:r>
+          </a:p>
+          <a:p>
+            <a:r>
+              <a:rPr lang="en-US" dirty="0">
+                <a:latin typeface="Courier New" panose="02070309020205020404" pitchFamily="49" charset="0"/>
+                <a:cs typeface="Courier New" panose="02070309020205020404" pitchFamily="49" charset="0"/>
+              </a:rPr>
+              <a:t>      </a:t>
+            </a:r>
+            <a:r>
+              <a:rPr lang="en-US" dirty="0" err="1">
+                <a:latin typeface="Courier New" panose="02070309020205020404" pitchFamily="49" charset="0"/>
+                <a:cs typeface="Courier New" panose="02070309020205020404" pitchFamily="49" charset="0"/>
+              </a:rPr>
+              <a:t>int</a:t>
+            </a:r>
+            <a:r>
+              <a:rPr lang="en-US" dirty="0">
+                <a:latin typeface="Courier New" panose="02070309020205020404" pitchFamily="49" charset="0"/>
+                <a:cs typeface="Courier New" panose="02070309020205020404" pitchFamily="49" charset="0"/>
+              </a:rPr>
+              <a:t> </a:t>
+            </a:r>
+            <a:r>
+              <a:rPr lang="en-US" dirty="0" err="1">
+                <a:latin typeface="Courier New" panose="02070309020205020404" pitchFamily="49" charset="0"/>
+                <a:cs typeface="Courier New" panose="02070309020205020404" pitchFamily="49" charset="0"/>
+              </a:rPr>
+              <a:t>len</a:t>
+            </a:r>
+            <a:r>
+              <a:rPr lang="en-US" dirty="0">
+                <a:latin typeface="Courier New" panose="02070309020205020404" pitchFamily="49" charset="0"/>
+                <a:cs typeface="Courier New" panose="02070309020205020404" pitchFamily="49" charset="0"/>
+              </a:rPr>
+              <a:t> = </a:t>
+            </a:r>
+            <a:r>
+              <a:rPr lang="en-US" dirty="0" err="1">
+                <a:latin typeface="Courier New" panose="02070309020205020404" pitchFamily="49" charset="0"/>
+                <a:cs typeface="Courier New" panose="02070309020205020404" pitchFamily="49" charset="0"/>
+              </a:rPr>
+              <a:t>color.length</a:t>
+            </a:r>
+            <a:r>
+              <a:rPr lang="en-US" dirty="0">
+                <a:latin typeface="Courier New" panose="02070309020205020404" pitchFamily="49" charset="0"/>
+                <a:cs typeface="Courier New" panose="02070309020205020404" pitchFamily="49" charset="0"/>
+              </a:rPr>
+              <a:t>();</a:t>
+            </a:r>
+          </a:p>
+          <a:p>
+            <a:r>
+              <a:rPr lang="en-US" dirty="0">
+                <a:latin typeface="Courier New" panose="02070309020205020404" pitchFamily="49" charset="0"/>
+                <a:cs typeface="Courier New" panose="02070309020205020404" pitchFamily="49" charset="0"/>
+              </a:rPr>
+              <a:t>      </a:t>
+            </a:r>
+            <a:r>
+              <a:rPr lang="en-US" dirty="0" err="1">
+                <a:latin typeface="Courier New" panose="02070309020205020404" pitchFamily="49" charset="0"/>
+                <a:cs typeface="Courier New" panose="02070309020205020404" pitchFamily="49" charset="0"/>
+              </a:rPr>
+              <a:t>System.out.println</a:t>
+            </a:r>
+            <a:r>
+              <a:rPr lang="en-US" dirty="0">
+                <a:latin typeface="Courier New" panose="02070309020205020404" pitchFamily="49" charset="0"/>
+                <a:cs typeface="Courier New" panose="02070309020205020404" pitchFamily="49" charset="0"/>
+              </a:rPr>
+              <a:t>("Length of color: " + </a:t>
+            </a:r>
+            <a:r>
+              <a:rPr lang="en-US" dirty="0" err="1">
+                <a:latin typeface="Courier New" panose="02070309020205020404" pitchFamily="49" charset="0"/>
+                <a:cs typeface="Courier New" panose="02070309020205020404" pitchFamily="49" charset="0"/>
+              </a:rPr>
+              <a:t>len</a:t>
+            </a:r>
+            <a:r>
+              <a:rPr lang="en-US" dirty="0">
+                <a:latin typeface="Courier New" panose="02070309020205020404" pitchFamily="49" charset="0"/>
+                <a:cs typeface="Courier New" panose="02070309020205020404" pitchFamily="49" charset="0"/>
+              </a:rPr>
+              <a:t>);</a:t>
+            </a:r>
+          </a:p>
+          <a:p>
+            <a:r>
+              <a:rPr lang="en-US" dirty="0">
+                <a:latin typeface="Courier New" panose="02070309020205020404" pitchFamily="49" charset="0"/>
+                <a:cs typeface="Courier New" panose="02070309020205020404" pitchFamily="49" charset="0"/>
+              </a:rPr>
+              <a:t>      </a:t>
+            </a:r>
+            <a:r>
+              <a:rPr lang="en-US" dirty="0" err="1">
+                <a:latin typeface="Courier New" panose="02070309020205020404" pitchFamily="49" charset="0"/>
+                <a:cs typeface="Courier New" panose="02070309020205020404" pitchFamily="49" charset="0"/>
+              </a:rPr>
+              <a:t>System.out.println</a:t>
+            </a:r>
+            <a:r>
+              <a:rPr lang="en-US" dirty="0">
+                <a:latin typeface="Courier New" panose="02070309020205020404" pitchFamily="49" charset="0"/>
+                <a:cs typeface="Courier New" panose="02070309020205020404" pitchFamily="49" charset="0"/>
+              </a:rPr>
+              <a:t>("First letter of color: " + </a:t>
+            </a:r>
+            <a:r>
+              <a:rPr lang="en-US" dirty="0" err="1">
+                <a:latin typeface="Courier New" panose="02070309020205020404" pitchFamily="49" charset="0"/>
+                <a:cs typeface="Courier New" panose="02070309020205020404" pitchFamily="49" charset="0"/>
+              </a:rPr>
+              <a:t>color.charAt</a:t>
+            </a:r>
+            <a:r>
+              <a:rPr lang="en-US" dirty="0">
+                <a:latin typeface="Courier New" panose="02070309020205020404" pitchFamily="49" charset="0"/>
+                <a:cs typeface="Courier New" panose="02070309020205020404" pitchFamily="49" charset="0"/>
+              </a:rPr>
+              <a:t>(0));</a:t>
+            </a:r>
+          </a:p>
+          <a:p>
+            <a:r>
+              <a:rPr lang="en-US" dirty="0">
+                <a:latin typeface="Courier New" panose="02070309020205020404" pitchFamily="49" charset="0"/>
+                <a:cs typeface="Courier New" panose="02070309020205020404" pitchFamily="49" charset="0"/>
+              </a:rPr>
+              <a:t>      </a:t>
+            </a:r>
+            <a:r>
+              <a:rPr lang="en-US" dirty="0" err="1">
+                <a:latin typeface="Courier New" panose="02070309020205020404" pitchFamily="49" charset="0"/>
+                <a:cs typeface="Courier New" panose="02070309020205020404" pitchFamily="49" charset="0"/>
+              </a:rPr>
+              <a:t>System.out.printf</a:t>
+            </a:r>
+            <a:r>
+              <a:rPr lang="en-US" dirty="0">
+                <a:latin typeface="Courier New" panose="02070309020205020404" pitchFamily="49" charset="0"/>
+                <a:cs typeface="Courier New" panose="02070309020205020404" pitchFamily="49" charset="0"/>
+              </a:rPr>
+              <a:t>("%d\n", value1);</a:t>
+            </a:r>
+          </a:p>
+          <a:p>
+            <a:r>
+              <a:rPr lang="en-US" dirty="0">
+                <a:latin typeface="Courier New" panose="02070309020205020404" pitchFamily="49" charset="0"/>
+                <a:cs typeface="Courier New" panose="02070309020205020404" pitchFamily="49" charset="0"/>
+              </a:rPr>
+              <a:t>      </a:t>
+            </a:r>
+            <a:r>
+              <a:rPr lang="en-US" dirty="0" err="1">
+                <a:latin typeface="Courier New" panose="02070309020205020404" pitchFamily="49" charset="0"/>
+                <a:cs typeface="Courier New" panose="02070309020205020404" pitchFamily="49" charset="0"/>
+              </a:rPr>
+              <a:t>System.out.printf</a:t>
+            </a:r>
+            <a:r>
+              <a:rPr lang="en-US" dirty="0">
+                <a:latin typeface="Courier New" panose="02070309020205020404" pitchFamily="49" charset="0"/>
+                <a:cs typeface="Courier New" panose="02070309020205020404" pitchFamily="49" charset="0"/>
+              </a:rPr>
+              <a:t>("%.2f\n", value2);</a:t>
+            </a:r>
+          </a:p>
+          <a:p>
+            <a:r>
+              <a:rPr lang="en-US" dirty="0">
+                <a:latin typeface="Courier New" panose="02070309020205020404" pitchFamily="49" charset="0"/>
+                <a:cs typeface="Courier New" panose="02070309020205020404" pitchFamily="49" charset="0"/>
+              </a:rPr>
+              <a:t>      </a:t>
+            </a:r>
+            <a:r>
+              <a:rPr lang="en-US" dirty="0" err="1">
+                <a:latin typeface="Courier New" panose="02070309020205020404" pitchFamily="49" charset="0"/>
+                <a:cs typeface="Courier New" panose="02070309020205020404" pitchFamily="49" charset="0"/>
+              </a:rPr>
+              <a:t>System.out.printf</a:t>
+            </a:r>
+            <a:r>
+              <a:rPr lang="en-US" dirty="0">
+                <a:latin typeface="Courier New" panose="02070309020205020404" pitchFamily="49" charset="0"/>
+                <a:cs typeface="Courier New" panose="02070309020205020404" pitchFamily="49" charset="0"/>
+              </a:rPr>
+              <a:t>("%20.2f\n", value2);</a:t>
+            </a:r>
+          </a:p>
+          <a:p>
+            <a:r>
+              <a:rPr lang="en-US" dirty="0">
+                <a:latin typeface="Courier New" panose="02070309020205020404" pitchFamily="49" charset="0"/>
+                <a:cs typeface="Courier New" panose="02070309020205020404" pitchFamily="49" charset="0"/>
+              </a:rPr>
+              <a:t>      </a:t>
+            </a:r>
+            <a:r>
+              <a:rPr lang="en-US" dirty="0" err="1">
+                <a:latin typeface="Courier New" panose="02070309020205020404" pitchFamily="49" charset="0"/>
+                <a:cs typeface="Courier New" panose="02070309020205020404" pitchFamily="49" charset="0"/>
+              </a:rPr>
+              <a:t>System.out.printf</a:t>
+            </a:r>
+            <a:r>
+              <a:rPr lang="en-US" dirty="0">
+                <a:latin typeface="Courier New" panose="02070309020205020404" pitchFamily="49" charset="0"/>
+                <a:cs typeface="Courier New" panose="02070309020205020404" pitchFamily="49" charset="0"/>
+              </a:rPr>
+              <a:t>("%s\n", color);</a:t>
+            </a:r>
+          </a:p>
+          <a:p>
+            <a:r>
+              <a:rPr lang="en-US" dirty="0">
+                <a:latin typeface="Courier New" panose="02070309020205020404" pitchFamily="49" charset="0"/>
+                <a:cs typeface="Courier New" panose="02070309020205020404" pitchFamily="49" charset="0"/>
+              </a:rPr>
+              <a:t>      </a:t>
+            </a:r>
+            <a:r>
+              <a:rPr lang="en-US" dirty="0" err="1">
+                <a:latin typeface="Courier New" panose="02070309020205020404" pitchFamily="49" charset="0"/>
+                <a:cs typeface="Courier New" panose="02070309020205020404" pitchFamily="49" charset="0"/>
+              </a:rPr>
+              <a:t>System.out.printf</a:t>
+            </a:r>
+            <a:r>
+              <a:rPr lang="en-US" dirty="0">
+                <a:latin typeface="Courier New" panose="02070309020205020404" pitchFamily="49" charset="0"/>
+                <a:cs typeface="Courier New" panose="02070309020205020404" pitchFamily="49" charset="0"/>
+              </a:rPr>
+              <a:t>("%S\n", color);</a:t>
+            </a:r>
+          </a:p>
+          <a:p>
+            <a:r>
+              <a:rPr lang="en-US" dirty="0">
+                <a:latin typeface="Courier New" panose="02070309020205020404" pitchFamily="49" charset="0"/>
+                <a:cs typeface="Courier New" panose="02070309020205020404" pitchFamily="49" charset="0"/>
+              </a:rPr>
+              <a:t>   }  </a:t>
+            </a:r>
+          </a:p>
+          <a:p>
+            <a:r>
+              <a:rPr lang="en-US" dirty="0">
+                <a:latin typeface="Courier New" panose="02070309020205020404" pitchFamily="49" charset="0"/>
+                <a:cs typeface="Courier New" panose="02070309020205020404" pitchFamily="49" charset="0"/>
+              </a:rPr>
+              <a:t>}</a:t>
+            </a:r>
+          </a:p>
+        </p:txBody>
+      </p:sp>
+      <p:sp>
+        <p:nvSpPr>
+          <p:cNvPr id="6" name="Rectangle 5">
+            <a:extLst>
+              <a:ext uri="{FF2B5EF4-FFF2-40B4-BE49-F238E27FC236}">
+                <a16:creationId xmlns:a16="http://schemas.microsoft.com/office/drawing/2014/main" id="{61A47B75-5CF5-8148-89FC-032FCDA5013B}"/>
+              </a:ext>
+            </a:extLst>
+          </p:cNvPr>
+          <p:cNvSpPr/>
+          <p:nvPr/>
+        </p:nvSpPr>
+        <p:spPr>
+          <a:xfrm>
+            <a:off x="10011613" y="1675865"/>
+            <a:ext cx="3177915" cy="921547"/>
+          </a:xfrm>
+          <a:prstGeom prst="rect">
+            <a:avLst/>
+          </a:prstGeom>
+          <a:solidFill>
+            <a:schemeClr val="bg2"/>
+          </a:solidFill>
+          <a:ln>
+            <a:noFill/>
+          </a:ln>
+          <a:effectLst/>
+        </p:spPr>
+        <p:style>
+          <a:lnRef idx="1">
+            <a:schemeClr val="accent1"/>
+          </a:lnRef>
+          <a:fillRef idx="3">
+            <a:schemeClr val="accent1"/>
+          </a:fillRef>
+          <a:effectRef idx="2">
+            <a:schemeClr val="accent1"/>
+          </a:effectRef>
+          <a:fontRef idx="minor">
+            <a:schemeClr val="lt1"/>
+          </a:fontRef>
+        </p:style>
+        <p:txBody>
+          <a:bodyPr lIns="274320" tIns="182880" rIns="274320" bIns="182880" rtlCol="0" anchor="ctr"/>
+          <a:lstStyle/>
+          <a:p>
+            <a:pPr algn="ctr"/>
+            <a:r>
+              <a:rPr lang="en-US" dirty="0" smtClean="0">
+                <a:solidFill>
+                  <a:srgbClr val="092529"/>
+                </a:solidFill>
+                <a:latin typeface="Proxima Nova" charset="0"/>
+                <a:ea typeface="Proxima Nova" charset="0"/>
+                <a:cs typeface="Proxima Nova" charset="0"/>
+              </a:rPr>
+              <a:t>What is the exactly output of this program?</a:t>
+            </a:r>
+            <a:endParaRPr lang="en-US" dirty="0">
+              <a:solidFill>
+                <a:srgbClr val="092529"/>
+              </a:solidFill>
+              <a:latin typeface="Proxima Nova" charset="0"/>
+              <a:ea typeface="Proxima Nova" charset="0"/>
+              <a:cs typeface="Proxima Nova" charset="0"/>
+            </a:endParaRPr>
+          </a:p>
+        </p:txBody>
+      </p:sp>
+      <p:sp>
+        <p:nvSpPr>
+          <p:cNvPr id="7" name="Rectangle 6">
+            <a:extLst>
+              <a:ext uri="{FF2B5EF4-FFF2-40B4-BE49-F238E27FC236}">
+                <a16:creationId xmlns:a16="http://schemas.microsoft.com/office/drawing/2014/main" id="{61A47B75-5CF5-8148-89FC-032FCDA5013B}"/>
+              </a:ext>
+            </a:extLst>
+          </p:cNvPr>
+          <p:cNvSpPr/>
+          <p:nvPr/>
+        </p:nvSpPr>
+        <p:spPr>
+          <a:xfrm>
+            <a:off x="10011612" y="2797730"/>
+            <a:ext cx="3177915" cy="1099897"/>
+          </a:xfrm>
+          <a:prstGeom prst="rect">
+            <a:avLst/>
+          </a:prstGeom>
+          <a:solidFill>
+            <a:schemeClr val="bg2"/>
+          </a:solidFill>
+          <a:ln>
+            <a:noFill/>
+          </a:ln>
+          <a:effectLst/>
+        </p:spPr>
+        <p:style>
+          <a:lnRef idx="1">
+            <a:schemeClr val="accent1"/>
+          </a:lnRef>
+          <a:fillRef idx="3">
+            <a:schemeClr val="accent1"/>
+          </a:fillRef>
+          <a:effectRef idx="2">
+            <a:schemeClr val="accent1"/>
+          </a:effectRef>
+          <a:fontRef idx="minor">
+            <a:schemeClr val="lt1"/>
+          </a:fontRef>
+        </p:style>
+        <p:txBody>
+          <a:bodyPr lIns="274320" tIns="182880" rIns="274320" bIns="182880" rtlCol="0" anchor="ctr"/>
+          <a:lstStyle/>
+          <a:p>
+            <a:pPr algn="ctr"/>
+            <a:r>
+              <a:rPr lang="en-US" dirty="0" smtClean="0">
+                <a:solidFill>
+                  <a:srgbClr val="092529"/>
+                </a:solidFill>
+                <a:latin typeface="Proxima Nova" charset="0"/>
+                <a:ea typeface="Proxima Nova" charset="0"/>
+                <a:cs typeface="Proxima Nova" charset="0"/>
+              </a:rPr>
+              <a:t>Change the </a:t>
+            </a:r>
+            <a:r>
+              <a:rPr lang="en-US" dirty="0" err="1" smtClean="0">
+                <a:solidFill>
+                  <a:srgbClr val="092529"/>
+                </a:solidFill>
+                <a:latin typeface="Proxima Nova" charset="0"/>
+                <a:ea typeface="Proxima Nova" charset="0"/>
+                <a:cs typeface="Proxima Nova" charset="0"/>
+              </a:rPr>
+              <a:t>System.out.println</a:t>
+            </a:r>
+            <a:r>
+              <a:rPr lang="en-US" dirty="0" smtClean="0">
+                <a:solidFill>
+                  <a:srgbClr val="092529"/>
+                </a:solidFill>
+                <a:latin typeface="Proxima Nova" charset="0"/>
+                <a:ea typeface="Proxima Nova" charset="0"/>
+                <a:cs typeface="Proxima Nova" charset="0"/>
+              </a:rPr>
+              <a:t> to </a:t>
+            </a:r>
+            <a:r>
+              <a:rPr lang="en-US" dirty="0" err="1" smtClean="0">
+                <a:solidFill>
+                  <a:srgbClr val="092529"/>
+                </a:solidFill>
+                <a:latin typeface="Proxima Nova" charset="0"/>
+                <a:ea typeface="Proxima Nova" charset="0"/>
+                <a:cs typeface="Proxima Nova" charset="0"/>
+              </a:rPr>
+              <a:t>System.out.p</a:t>
+            </a:r>
+            <a:r>
+              <a:rPr lang="en-US" dirty="0" err="1" smtClean="0">
+                <a:solidFill>
+                  <a:srgbClr val="092529"/>
+                </a:solidFill>
+                <a:latin typeface="Proxima Nova" charset="0"/>
+                <a:ea typeface="Proxima Nova" charset="0"/>
+                <a:cs typeface="Proxima Nova" charset="0"/>
+              </a:rPr>
+              <a:t>rintf</a:t>
+            </a:r>
+            <a:endParaRPr lang="en-US" dirty="0">
+              <a:solidFill>
+                <a:srgbClr val="092529"/>
+              </a:solidFill>
+              <a:latin typeface="Proxima Nova" charset="0"/>
+              <a:ea typeface="Proxima Nova" charset="0"/>
+              <a:cs typeface="Proxima Nova" charset="0"/>
+            </a:endParaRPr>
+          </a:p>
+        </p:txBody>
+      </p:sp>
+      <p:sp>
+        <p:nvSpPr>
+          <p:cNvPr id="8" name="Rectangle 7">
+            <a:extLst>
+              <a:ext uri="{FF2B5EF4-FFF2-40B4-BE49-F238E27FC236}">
+                <a16:creationId xmlns:a16="http://schemas.microsoft.com/office/drawing/2014/main" id="{61A47B75-5CF5-8148-89FC-032FCDA5013B}"/>
+              </a:ext>
+            </a:extLst>
+          </p:cNvPr>
+          <p:cNvSpPr/>
+          <p:nvPr/>
+        </p:nvSpPr>
+        <p:spPr>
+          <a:xfrm>
+            <a:off x="10011611" y="4639727"/>
+            <a:ext cx="3177915" cy="1111078"/>
+          </a:xfrm>
+          <a:prstGeom prst="rect">
+            <a:avLst/>
+          </a:prstGeom>
+          <a:solidFill>
+            <a:schemeClr val="bg2"/>
+          </a:solidFill>
+          <a:ln>
+            <a:noFill/>
+          </a:ln>
+          <a:effectLst/>
+        </p:spPr>
+        <p:style>
+          <a:lnRef idx="1">
+            <a:schemeClr val="accent1"/>
+          </a:lnRef>
+          <a:fillRef idx="3">
+            <a:schemeClr val="accent1"/>
+          </a:fillRef>
+          <a:effectRef idx="2">
+            <a:schemeClr val="accent1"/>
+          </a:effectRef>
+          <a:fontRef idx="minor">
+            <a:schemeClr val="lt1"/>
+          </a:fontRef>
+        </p:style>
+        <p:txBody>
+          <a:bodyPr lIns="274320" tIns="182880" rIns="274320" bIns="182880" rtlCol="0" anchor="ctr"/>
+          <a:lstStyle/>
+          <a:p>
+            <a:pPr algn="ctr"/>
+            <a:r>
+              <a:rPr lang="en-US" dirty="0" smtClean="0">
+                <a:solidFill>
+                  <a:srgbClr val="092529"/>
+                </a:solidFill>
+                <a:latin typeface="Proxima Nova" charset="0"/>
+                <a:ea typeface="Proxima Nova" charset="0"/>
+                <a:cs typeface="Proxima Nova" charset="0"/>
+              </a:rPr>
+              <a:t>Print the last character that is stored in the color variable</a:t>
+            </a:r>
+            <a:endParaRPr lang="en-US" dirty="0">
+              <a:solidFill>
+                <a:srgbClr val="092529"/>
+              </a:solidFill>
+              <a:latin typeface="Proxima Nova" charset="0"/>
+              <a:ea typeface="Proxima Nova" charset="0"/>
+              <a:cs typeface="Proxima Nova" charset="0"/>
+            </a:endParaRPr>
+          </a:p>
+        </p:txBody>
+      </p:sp>
+    </p:spTree>
+    <p:extLst>
+      <p:ext uri="{BB962C8B-B14F-4D97-AF65-F5344CB8AC3E}">
+        <p14:creationId xmlns:p14="http://schemas.microsoft.com/office/powerpoint/2010/main" val="2264662996"/>
+      </p:ext>
+    </p:extLst>
+  </p:cSld>
+  <p:clrMapOvr>
+    <a:masterClrMapping/>
+  </p:clrMapOvr>
+  <mc:AlternateContent xmlns:mc="http://schemas.openxmlformats.org/markup-compatibility/2006" xmlns:p14="http://schemas.microsoft.com/office/powerpoint/2010/main">
+    <mc:Choice Requires="p14">
+      <p:transition p14:dur="300">
+        <p:fade/>
+      </p:transition>
+    </mc:Choice>
+    <mc:Fallback xmlns="">
+      <p:transition>
+        <p:fade/>
+      </p:transition>
+    </mc:Fallback>
+  </mc:AlternateContent>
+  <p:timing>
+    <p:tnLst>
+      <p:par>
+        <p:cTn id="1" dur="indefinite" restart="never" nodeType="tmRoot">
+          <p:childTnLst>
+            <p:seq concurrent="1" nextAc="seek">
+              <p:cTn id="2" dur="indefinite" nodeType="mainSeq">
+                <p:childTnLst>
+                  <p:par>
+                    <p:cTn id="3" fill="hold">
+                      <p:stCondLst>
+                        <p:cond delay="indefinite"/>
+                      </p:stCondLst>
+                      <p:childTnLst>
+                        <p:par>
+                          <p:cTn id="4" fill="hold">
+                            <p:stCondLst>
+                              <p:cond delay="0"/>
+                            </p:stCondLst>
+                            <p:childTnLst>
+                              <p:par>
+                                <p:cTn id="5" presetID="9" presetClass="entr" presetSubtype="0" fill="hold" grpId="0" nodeType="clickEffect">
+                                  <p:stCondLst>
+                                    <p:cond delay="0"/>
+                                  </p:stCondLst>
+                                  <p:childTnLst>
+                                    <p:set>
+                                      <p:cBhvr>
+                                        <p:cTn id="6" dur="1" fill="hold">
+                                          <p:stCondLst>
+                                            <p:cond delay="0"/>
+                                          </p:stCondLst>
+                                        </p:cTn>
+                                        <p:tgtEl>
+                                          <p:spTgt spid="6"/>
+                                        </p:tgtEl>
+                                        <p:attrNameLst>
+                                          <p:attrName>style.visibility</p:attrName>
+                                        </p:attrNameLst>
+                                      </p:cBhvr>
+                                      <p:to>
+                                        <p:strVal val="visible"/>
+                                      </p:to>
+                                    </p:set>
+                                    <p:animEffect transition="in" filter="dissolve">
+                                      <p:cBhvr>
+                                        <p:cTn id="7" dur="500"/>
+                                        <p:tgtEl>
+                                          <p:spTgt spid="6"/>
+                                        </p:tgtEl>
+                                      </p:cBhvr>
+                                    </p:animEffect>
+                                  </p:childTnLst>
+                                </p:cTn>
+                              </p:par>
+                            </p:childTnLst>
+                          </p:cTn>
+                        </p:par>
+                      </p:childTnLst>
+                    </p:cTn>
+                  </p:par>
+                  <p:par>
+                    <p:cTn id="8" fill="hold">
+                      <p:stCondLst>
+                        <p:cond delay="indefinite"/>
+                      </p:stCondLst>
+                      <p:childTnLst>
+                        <p:par>
+                          <p:cTn id="9" fill="hold">
+                            <p:stCondLst>
+                              <p:cond delay="0"/>
+                            </p:stCondLst>
+                            <p:childTnLst>
+                              <p:par>
+                                <p:cTn id="10" presetID="9" presetClass="entr" presetSubtype="0" fill="hold" grpId="0" nodeType="clickEffect">
+                                  <p:stCondLst>
+                                    <p:cond delay="0"/>
+                                  </p:stCondLst>
+                                  <p:childTnLst>
+                                    <p:set>
+                                      <p:cBhvr>
+                                        <p:cTn id="11" dur="1" fill="hold">
+                                          <p:stCondLst>
+                                            <p:cond delay="0"/>
+                                          </p:stCondLst>
+                                        </p:cTn>
+                                        <p:tgtEl>
+                                          <p:spTgt spid="7"/>
+                                        </p:tgtEl>
+                                        <p:attrNameLst>
+                                          <p:attrName>style.visibility</p:attrName>
+                                        </p:attrNameLst>
+                                      </p:cBhvr>
+                                      <p:to>
+                                        <p:strVal val="visible"/>
+                                      </p:to>
+                                    </p:set>
+                                    <p:animEffect transition="in" filter="dissolve">
+                                      <p:cBhvr>
+                                        <p:cTn id="12" dur="500"/>
+                                        <p:tgtEl>
+                                          <p:spTgt spid="7"/>
+                                        </p:tgtEl>
+                                      </p:cBhvr>
+                                    </p:animEffect>
+                                  </p:childTnLst>
+                                </p:cTn>
+                              </p:par>
+                            </p:childTnLst>
+                          </p:cTn>
+                        </p:par>
+                      </p:childTnLst>
+                    </p:cTn>
+                  </p:par>
+                  <p:par>
+                    <p:cTn id="13" fill="hold">
+                      <p:stCondLst>
+                        <p:cond delay="indefinite"/>
+                      </p:stCondLst>
+                      <p:childTnLst>
+                        <p:par>
+                          <p:cTn id="14" fill="hold">
+                            <p:stCondLst>
+                              <p:cond delay="0"/>
+                            </p:stCondLst>
+                            <p:childTnLst>
+                              <p:par>
+                                <p:cTn id="15" presetID="9" presetClass="entr" presetSubtype="0" fill="hold" grpId="0" nodeType="clickEffect">
+                                  <p:stCondLst>
+                                    <p:cond delay="0"/>
+                                  </p:stCondLst>
+                                  <p:childTnLst>
+                                    <p:set>
+                                      <p:cBhvr>
+                                        <p:cTn id="16" dur="1" fill="hold">
+                                          <p:stCondLst>
+                                            <p:cond delay="0"/>
+                                          </p:stCondLst>
+                                        </p:cTn>
+                                        <p:tgtEl>
+                                          <p:spTgt spid="8"/>
+                                        </p:tgtEl>
+                                        <p:attrNameLst>
+                                          <p:attrName>style.visibility</p:attrName>
+                                        </p:attrNameLst>
+                                      </p:cBhvr>
+                                      <p:to>
+                                        <p:strVal val="visible"/>
+                                      </p:to>
+                                    </p:set>
+                                    <p:animEffect transition="in" filter="dissolve">
+                                      <p:cBhvr>
+                                        <p:cTn id="17" dur="500"/>
+                                        <p:tgtEl>
+                                          <p:spTgt spid="8"/>
+                                        </p:tgtEl>
+                                      </p:cBhvr>
+                                    </p:animEffect>
+                                  </p:childTnLst>
+                                </p:cTn>
+                              </p:par>
+                            </p:childTnLst>
+                          </p:cTn>
+                        </p:par>
+                      </p:childTnLst>
+                    </p:cTn>
+                  </p:par>
+                </p:childTnLst>
+              </p:cTn>
+              <p:prevCondLst>
+                <p:cond evt="onPrev" delay="0">
+                  <p:tgtEl>
+                    <p:sldTgt/>
+                  </p:tgtEl>
+                </p:cond>
+              </p:prevCondLst>
+              <p:nextCondLst>
+                <p:cond evt="onNext" delay="0">
+                  <p:tgtEl>
+                    <p:sldTgt/>
+                  </p:tgtEl>
+                </p:cond>
+              </p:nextCondLst>
+            </p:seq>
+          </p:childTnLst>
+        </p:cTn>
+      </p:par>
+    </p:tnLst>
+    <p:bldLst>
+      <p:bldP spid="6" grpId="0" animBg="1"/>
+      <p:bldP spid="7" grpId="0" animBg="1"/>
+      <p:bldP spid="8" grpId="0" animBg="1"/>
+    </p:bldLst>
+  </p:timing>
 </p:sld>
 </file>
 
@@ -10463,6 +14590,13 @@
       </p:transition>
     </mc:Fallback>
   </mc:AlternateContent>
+  <p:timing>
+    <p:tnLst>
+      <p:par>
+        <p:cTn id="1" dur="indefinite" restart="never" nodeType="tmRoot"/>
+      </p:par>
+    </p:tnLst>
+  </p:timing>
 </p:sld>
 </file>
 
@@ -11525,8 +15659,8 @@
               <a:t>char</a:t>
             </a:r>
             <a:r>
-              <a:rPr lang="en-US" dirty="0"/>
-              <a:t>)(</a:t>
+              <a:rPr lang="en-US" dirty="0" smtClean="0"/>
+              <a:t>) (</a:t>
             </a:r>
             <a:r>
               <a:rPr lang="en-US" i="1" dirty="0">
@@ -11572,6 +15706,10 @@
             <a:br>
               <a:rPr lang="en-US" dirty="0"/>
             </a:br>
+            <a:r>
+              <a:rPr lang="en-US" dirty="0"/>
+              <a:t/>
+            </a:r>
             <a:br>
               <a:rPr lang="en-US" dirty="0"/>
             </a:br>
@@ -11918,6 +16056,2312 @@
       </p:grpSpPr>
       <p:sp>
         <p:nvSpPr>
+          <p:cNvPr id="2" name="Title 1">
+            <a:extLst>
+              <a:ext uri="{FF2B5EF4-FFF2-40B4-BE49-F238E27FC236}">
+                <a16:creationId xmlns:a16="http://schemas.microsoft.com/office/drawing/2014/main" id="{B536806E-AD3E-AD40-936F-590919B5FCEE}"/>
+              </a:ext>
+            </a:extLst>
+          </p:cNvPr>
+          <p:cNvSpPr>
+            <a:spLocks noGrp="1"/>
+          </p:cNvSpPr>
+          <p:nvPr>
+            <p:ph type="title"/>
+          </p:nvPr>
+        </p:nvSpPr>
+        <p:spPr>
+          <a:xfrm>
+            <a:off x="628075" y="285697"/>
+            <a:ext cx="12561453" cy="1015663"/>
+          </a:xfrm>
+        </p:spPr>
+        <p:txBody>
+          <a:bodyPr/>
+          <a:lstStyle/>
+          <a:p>
+            <a:r>
+              <a:rPr lang="en-US" dirty="0" smtClean="0"/>
+              <a:t>Casting</a:t>
+            </a:r>
+            <a:endParaRPr lang="en-US" dirty="0"/>
+          </a:p>
+        </p:txBody>
+      </p:sp>
+      <p:sp>
+        <p:nvSpPr>
+          <p:cNvPr id="5" name="TextBox 4">
+            <a:extLst>
+              <a:ext uri="{FF2B5EF4-FFF2-40B4-BE49-F238E27FC236}">
+                <a16:creationId xmlns:a16="http://schemas.microsoft.com/office/drawing/2014/main" id="{BC9EEA87-D34D-C34F-8D45-848ED96537EC}"/>
+              </a:ext>
+            </a:extLst>
+          </p:cNvPr>
+          <p:cNvSpPr txBox="1"/>
+          <p:nvPr/>
+        </p:nvSpPr>
+        <p:spPr>
+          <a:xfrm>
+            <a:off x="1250669" y="4804656"/>
+            <a:ext cx="6909514" cy="2246769"/>
+          </a:xfrm>
+          <a:prstGeom prst="rect">
+            <a:avLst/>
+          </a:prstGeom>
+          <a:noFill/>
+        </p:spPr>
+        <p:txBody>
+          <a:bodyPr wrap="square">
+            <a:spAutoFit/>
+          </a:bodyPr>
+          <a:lstStyle/>
+          <a:p>
+            <a:r>
+              <a:rPr lang="en-US" dirty="0">
+                <a:solidFill>
+                  <a:srgbClr val="CC7832"/>
+                </a:solidFill>
+                <a:effectLst/>
+              </a:rPr>
+              <a:t>public static char </a:t>
+            </a:r>
+            <a:r>
+              <a:rPr lang="en-US" dirty="0" err="1">
+                <a:solidFill>
+                  <a:srgbClr val="FFC66D"/>
+                </a:solidFill>
+                <a:effectLst/>
+              </a:rPr>
+              <a:t>characterAddition</a:t>
+            </a:r>
+            <a:r>
+              <a:rPr lang="en-US" dirty="0"/>
+              <a:t>(</a:t>
+            </a:r>
+            <a:r>
+              <a:rPr lang="en-US" dirty="0">
+                <a:solidFill>
+                  <a:srgbClr val="CC7832"/>
+                </a:solidFill>
+                <a:effectLst/>
+              </a:rPr>
+              <a:t>char </a:t>
+            </a:r>
+            <a:r>
+              <a:rPr lang="en-US" i="1" dirty="0">
+                <a:solidFill>
+                  <a:srgbClr val="9876AA"/>
+                </a:solidFill>
+                <a:effectLst/>
+              </a:rPr>
+              <a:t>a</a:t>
+            </a:r>
+            <a:r>
+              <a:rPr lang="en-US" dirty="0">
+                <a:solidFill>
+                  <a:srgbClr val="CC7832"/>
+                </a:solidFill>
+                <a:effectLst/>
+              </a:rPr>
+              <a:t>, int </a:t>
+            </a:r>
+            <a:r>
+              <a:rPr lang="en-US" i="1" dirty="0">
+                <a:solidFill>
+                  <a:srgbClr val="9876AA"/>
+                </a:solidFill>
+                <a:effectLst/>
+              </a:rPr>
+              <a:t>b</a:t>
+            </a:r>
+            <a:r>
+              <a:rPr lang="en-US" dirty="0"/>
+              <a:t>) {</a:t>
+            </a:r>
+            <a:br>
+              <a:rPr lang="en-US" dirty="0"/>
+            </a:br>
+            <a:r>
+              <a:rPr lang="en-US" dirty="0"/>
+              <a:t>    </a:t>
+            </a:r>
+            <a:r>
+              <a:rPr lang="en-US" dirty="0">
+                <a:solidFill>
+                  <a:srgbClr val="CC7832"/>
+                </a:solidFill>
+                <a:effectLst/>
+              </a:rPr>
+              <a:t>return </a:t>
+            </a:r>
+            <a:r>
+              <a:rPr lang="en-US" dirty="0">
+                <a:solidFill>
+                  <a:srgbClr val="FF0000"/>
+                </a:solidFill>
+              </a:rPr>
+              <a:t>(</a:t>
+            </a:r>
+            <a:r>
+              <a:rPr lang="en-US" dirty="0">
+                <a:solidFill>
+                  <a:srgbClr val="FF0000"/>
+                </a:solidFill>
+                <a:effectLst/>
+              </a:rPr>
+              <a:t>char</a:t>
+            </a:r>
+            <a:r>
+              <a:rPr lang="en-US" dirty="0" smtClean="0">
+                <a:solidFill>
+                  <a:srgbClr val="FF0000"/>
+                </a:solidFill>
+              </a:rPr>
+              <a:t>) </a:t>
+            </a:r>
+            <a:r>
+              <a:rPr lang="en-US" dirty="0" smtClean="0"/>
+              <a:t>(</a:t>
+            </a:r>
+            <a:r>
+              <a:rPr lang="en-US" i="1" dirty="0">
+                <a:solidFill>
+                  <a:srgbClr val="9876AA"/>
+                </a:solidFill>
+                <a:effectLst/>
+              </a:rPr>
+              <a:t>a </a:t>
+            </a:r>
+            <a:r>
+              <a:rPr lang="en-US" dirty="0"/>
+              <a:t>+ </a:t>
+            </a:r>
+            <a:r>
+              <a:rPr lang="en-US" i="1" dirty="0">
+                <a:solidFill>
+                  <a:srgbClr val="9876AA"/>
+                </a:solidFill>
+                <a:effectLst/>
+              </a:rPr>
+              <a:t>b</a:t>
+            </a:r>
+            <a:r>
+              <a:rPr lang="en-US" dirty="0"/>
+              <a:t>)</a:t>
+            </a:r>
+            <a:r>
+              <a:rPr lang="en-US" dirty="0">
+                <a:solidFill>
+                  <a:srgbClr val="CC7832"/>
+                </a:solidFill>
+                <a:effectLst/>
+              </a:rPr>
+              <a:t>;</a:t>
+            </a:r>
+          </a:p>
+          <a:p>
+            <a:r>
+              <a:rPr lang="en-US" dirty="0"/>
+              <a:t>}</a:t>
+            </a:r>
+            <a:br>
+              <a:rPr lang="en-US" dirty="0"/>
+            </a:br>
+            <a:r>
+              <a:rPr lang="en-US" dirty="0"/>
+              <a:t/>
+            </a:r>
+            <a:br>
+              <a:rPr lang="en-US" dirty="0"/>
+            </a:br>
+            <a:r>
+              <a:rPr lang="en-US" dirty="0">
+                <a:solidFill>
+                  <a:srgbClr val="CC7832"/>
+                </a:solidFill>
+                <a:effectLst/>
+              </a:rPr>
+              <a:t>public static void </a:t>
+            </a:r>
+            <a:r>
+              <a:rPr lang="en-US" dirty="0">
+                <a:solidFill>
+                  <a:srgbClr val="FFC66D"/>
+                </a:solidFill>
+                <a:effectLst/>
+              </a:rPr>
+              <a:t>main</a:t>
+            </a:r>
+            <a:r>
+              <a:rPr lang="en-US" dirty="0"/>
+              <a:t>(String[] </a:t>
+            </a:r>
+            <a:r>
+              <a:rPr lang="en-US" i="1" dirty="0" err="1">
+                <a:solidFill>
+                  <a:srgbClr val="9876AA"/>
+                </a:solidFill>
+                <a:effectLst/>
+              </a:rPr>
+              <a:t>args</a:t>
+            </a:r>
+            <a:r>
+              <a:rPr lang="en-US" dirty="0"/>
+              <a:t>) {</a:t>
+            </a:r>
+            <a:br>
+              <a:rPr lang="en-US" dirty="0"/>
+            </a:br>
+            <a:r>
+              <a:rPr lang="en-US" dirty="0"/>
+              <a:t>    </a:t>
+            </a:r>
+            <a:r>
+              <a:rPr lang="en-US" dirty="0" err="1"/>
+              <a:t>System.</a:t>
+            </a:r>
+            <a:r>
+              <a:rPr lang="en-US" i="1" dirty="0" err="1">
+                <a:solidFill>
+                  <a:srgbClr val="9876AA"/>
+                </a:solidFill>
+                <a:effectLst/>
+              </a:rPr>
+              <a:t>out</a:t>
+            </a:r>
+            <a:r>
+              <a:rPr lang="en-US" dirty="0" err="1"/>
+              <a:t>.println</a:t>
+            </a:r>
+            <a:r>
+              <a:rPr lang="en-US" dirty="0"/>
+              <a:t>(</a:t>
+            </a:r>
+            <a:r>
+              <a:rPr lang="en-US" i="1" dirty="0" err="1">
+                <a:effectLst/>
+              </a:rPr>
+              <a:t>characterAddition</a:t>
+            </a:r>
+            <a:r>
+              <a:rPr lang="en-US" dirty="0"/>
+              <a:t>(</a:t>
+            </a:r>
+            <a:r>
+              <a:rPr lang="en-US" dirty="0">
+                <a:solidFill>
+                  <a:srgbClr val="6A8759"/>
+                </a:solidFill>
+                <a:effectLst/>
+              </a:rPr>
+              <a:t>'A'</a:t>
+            </a:r>
+            <a:r>
+              <a:rPr lang="en-US" dirty="0">
+                <a:solidFill>
+                  <a:srgbClr val="CC7832"/>
+                </a:solidFill>
+                <a:effectLst/>
+              </a:rPr>
+              <a:t>, </a:t>
+            </a:r>
+            <a:r>
+              <a:rPr lang="en-US" dirty="0">
+                <a:solidFill>
+                  <a:srgbClr val="6897BB"/>
+                </a:solidFill>
+                <a:effectLst/>
+              </a:rPr>
+              <a:t>2</a:t>
+            </a:r>
+            <a:r>
+              <a:rPr lang="en-US" dirty="0"/>
+              <a:t>))</a:t>
+            </a:r>
+            <a:r>
+              <a:rPr lang="en-US" dirty="0">
+                <a:solidFill>
+                  <a:srgbClr val="CC7832"/>
+                </a:solidFill>
+                <a:effectLst/>
+              </a:rPr>
+              <a:t>;</a:t>
+            </a:r>
+            <a:br>
+              <a:rPr lang="en-US" dirty="0">
+                <a:solidFill>
+                  <a:srgbClr val="CC7832"/>
+                </a:solidFill>
+                <a:effectLst/>
+              </a:rPr>
+            </a:br>
+            <a:r>
+              <a:rPr lang="en-US" dirty="0"/>
+              <a:t>}</a:t>
+            </a:r>
+          </a:p>
+        </p:txBody>
+      </p:sp>
+      <p:sp>
+        <p:nvSpPr>
+          <p:cNvPr id="8" name="Rectangle 2"/>
+          <p:cNvSpPr>
+            <a:spLocks noGrp="1" noChangeArrowheads="1"/>
+          </p:cNvSpPr>
+          <p:nvPr>
+            <p:ph type="body" sz="quarter" idx="10"/>
+          </p:nvPr>
+        </p:nvSpPr>
+        <p:spPr bwMode="auto">
+          <a:xfrm>
+            <a:off x="727227" y="1463722"/>
+            <a:ext cx="9139746" cy="3016210"/>
+          </a:xfrm>
+          <a:prstGeom prst="rect">
+            <a:avLst/>
+          </a:prstGeom>
+          <a:solidFill>
+            <a:srgbClr val="FFFFFF"/>
+          </a:solidFill>
+          <a:ln>
+            <a:noFill/>
+          </a:ln>
+          <a:effectLst/>
+          <a:extLst>
+            <a:ext uri="{91240B29-F687-4F45-9708-019B960494DF}">
+              <a14:hiddenLine xmlns:a14="http://schemas.microsoft.com/office/drawing/2010/main" w="9525">
+                <a:solidFill>
+                  <a:schemeClr val="tx1"/>
+                </a:solidFill>
+                <a:miter lim="800000"/>
+                <a:headEnd/>
+                <a:tailEnd/>
+              </a14:hiddenLine>
+            </a:ext>
+            <a:ext uri="{AF507438-7753-43E0-B8FC-AC1667EBCBE1}">
+              <a14:hiddenEffects xmlns:a14="http://schemas.microsoft.com/office/drawing/2010/main">
+                <a:effectLst>
+                  <a:outerShdw dist="35921" dir="2700000" algn="ctr" rotWithShape="0">
+                    <a:schemeClr val="bg2"/>
+                  </a:outerShdw>
+                </a:effectLst>
+              </a14:hiddenEffects>
+            </a:ext>
+          </a:extLst>
+        </p:spPr>
+        <p:txBody>
+          <a:bodyPr vert="horz" wrap="none" lIns="91440" tIns="45720" rIns="91440" bIns="45720" numCol="1" anchor="ctr" anchorCtr="0" compatLnSpc="1">
+            <a:prstTxWarp prst="textNoShape">
+              <a:avLst/>
+            </a:prstTxWarp>
+            <a:spAutoFit/>
+          </a:bodyPr>
+          <a:lstStyle>
+            <a:lvl1pPr eaLnBrk="0" fontAlgn="base" hangingPunct="0">
+              <a:spcBef>
+                <a:spcPct val="0"/>
+              </a:spcBef>
+              <a:spcAft>
+                <a:spcPct val="0"/>
+              </a:spcAft>
+              <a:defRPr>
+                <a:solidFill>
+                  <a:schemeClr val="tx1"/>
+                </a:solidFill>
+                <a:latin typeface="Arial" panose="020B0604020202020204" pitchFamily="34" charset="0"/>
+              </a:defRPr>
+            </a:lvl1pPr>
+            <a:lvl2pPr marL="457200" eaLnBrk="0" fontAlgn="base" hangingPunct="0">
+              <a:spcBef>
+                <a:spcPct val="0"/>
+              </a:spcBef>
+              <a:spcAft>
+                <a:spcPct val="0"/>
+              </a:spcAft>
+              <a:defRPr>
+                <a:solidFill>
+                  <a:schemeClr val="tx1"/>
+                </a:solidFill>
+                <a:latin typeface="Arial" panose="020B0604020202020204" pitchFamily="34" charset="0"/>
+              </a:defRPr>
+            </a:lvl2pPr>
+            <a:lvl3pPr marL="914400" eaLnBrk="0" fontAlgn="base" hangingPunct="0">
+              <a:spcBef>
+                <a:spcPct val="0"/>
+              </a:spcBef>
+              <a:spcAft>
+                <a:spcPct val="0"/>
+              </a:spcAft>
+              <a:defRPr>
+                <a:solidFill>
+                  <a:schemeClr val="tx1"/>
+                </a:solidFill>
+                <a:latin typeface="Arial" panose="020B0604020202020204" pitchFamily="34" charset="0"/>
+              </a:defRPr>
+            </a:lvl3pPr>
+            <a:lvl4pPr marL="1371600" eaLnBrk="0" fontAlgn="base" hangingPunct="0">
+              <a:spcBef>
+                <a:spcPct val="0"/>
+              </a:spcBef>
+              <a:spcAft>
+                <a:spcPct val="0"/>
+              </a:spcAft>
+              <a:defRPr>
+                <a:solidFill>
+                  <a:schemeClr val="tx1"/>
+                </a:solidFill>
+                <a:latin typeface="Arial" panose="020B0604020202020204" pitchFamily="34" charset="0"/>
+              </a:defRPr>
+            </a:lvl4pPr>
+            <a:lvl5pPr marL="1828800" eaLnBrk="0" fontAlgn="base" hangingPunct="0">
+              <a:spcBef>
+                <a:spcPct val="0"/>
+              </a:spcBef>
+              <a:spcAft>
+                <a:spcPct val="0"/>
+              </a:spcAft>
+              <a:defRPr>
+                <a:solidFill>
+                  <a:schemeClr val="tx1"/>
+                </a:solidFill>
+                <a:latin typeface="Arial" panose="020B0604020202020204" pitchFamily="34" charset="0"/>
+              </a:defRPr>
+            </a:lvl5pPr>
+            <a:lvl6pPr marL="2286000" eaLnBrk="0" fontAlgn="base" hangingPunct="0">
+              <a:spcBef>
+                <a:spcPct val="0"/>
+              </a:spcBef>
+              <a:spcAft>
+                <a:spcPct val="0"/>
+              </a:spcAft>
+              <a:defRPr>
+                <a:solidFill>
+                  <a:schemeClr val="tx1"/>
+                </a:solidFill>
+                <a:latin typeface="Arial" panose="020B0604020202020204" pitchFamily="34" charset="0"/>
+              </a:defRPr>
+            </a:lvl6pPr>
+            <a:lvl7pPr marL="2743200" eaLnBrk="0" fontAlgn="base" hangingPunct="0">
+              <a:spcBef>
+                <a:spcPct val="0"/>
+              </a:spcBef>
+              <a:spcAft>
+                <a:spcPct val="0"/>
+              </a:spcAft>
+              <a:defRPr>
+                <a:solidFill>
+                  <a:schemeClr val="tx1"/>
+                </a:solidFill>
+                <a:latin typeface="Arial" panose="020B0604020202020204" pitchFamily="34" charset="0"/>
+              </a:defRPr>
+            </a:lvl7pPr>
+            <a:lvl8pPr marL="3200400" eaLnBrk="0" fontAlgn="base" hangingPunct="0">
+              <a:spcBef>
+                <a:spcPct val="0"/>
+              </a:spcBef>
+              <a:spcAft>
+                <a:spcPct val="0"/>
+              </a:spcAft>
+              <a:defRPr>
+                <a:solidFill>
+                  <a:schemeClr val="tx1"/>
+                </a:solidFill>
+                <a:latin typeface="Arial" panose="020B0604020202020204" pitchFamily="34" charset="0"/>
+              </a:defRPr>
+            </a:lvl8pPr>
+            <a:lvl9pPr marL="3657600" eaLnBrk="0" fontAlgn="base" hangingPunct="0">
+              <a:spcBef>
+                <a:spcPct val="0"/>
+              </a:spcBef>
+              <a:spcAft>
+                <a:spcPct val="0"/>
+              </a:spcAft>
+              <a:defRPr>
+                <a:solidFill>
+                  <a:schemeClr val="tx1"/>
+                </a:solidFill>
+                <a:latin typeface="Arial" panose="020B0604020202020204" pitchFamily="34" charset="0"/>
+              </a:defRPr>
+            </a:lvl9pPr>
+          </a:lstStyle>
+          <a:p>
+            <a:pPr defTabSz="914400">
+              <a:lnSpc>
+                <a:spcPct val="100000"/>
+              </a:lnSpc>
+            </a:pPr>
+            <a:r>
+              <a:rPr lang="en-US" altLang="en-US" dirty="0">
+                <a:solidFill>
+                  <a:srgbClr val="092529"/>
+                </a:solidFill>
+                <a:latin typeface="Proxima Nova" charset="0"/>
+              </a:rPr>
+              <a:t>Type casting is when you assign a value of one primitive data type to another type.</a:t>
+            </a:r>
+          </a:p>
+          <a:p>
+            <a:pPr marL="0" marR="0" lvl="0" indent="0" algn="l" defTabSz="914400" rtl="0" eaLnBrk="0" fontAlgn="base" latinLnBrk="0" hangingPunct="0">
+              <a:lnSpc>
+                <a:spcPct val="100000"/>
+              </a:lnSpc>
+              <a:spcBef>
+                <a:spcPct val="0"/>
+              </a:spcBef>
+              <a:spcAft>
+                <a:spcPct val="0"/>
+              </a:spcAft>
+              <a:buClrTx/>
+              <a:buSzTx/>
+              <a:buFontTx/>
+              <a:buNone/>
+              <a:tabLst/>
+            </a:pPr>
+            <a:endParaRPr lang="en-US" altLang="en-US" dirty="0" smtClean="0">
+              <a:solidFill>
+                <a:srgbClr val="092529"/>
+              </a:solidFill>
+              <a:latin typeface="Proxima Nova" charset="0"/>
+            </a:endParaRPr>
+          </a:p>
+          <a:p>
+            <a:pPr defTabSz="914400">
+              <a:lnSpc>
+                <a:spcPct val="100000"/>
+              </a:lnSpc>
+            </a:pPr>
+            <a:r>
+              <a:rPr lang="en-US" altLang="en-US" dirty="0" smtClean="0">
+                <a:solidFill>
+                  <a:srgbClr val="092529"/>
+                </a:solidFill>
+                <a:latin typeface="Proxima Nova" charset="0"/>
+              </a:rPr>
+              <a:t>In </a:t>
+            </a:r>
+            <a:r>
+              <a:rPr lang="en-US" altLang="en-US" dirty="0">
+                <a:solidFill>
+                  <a:srgbClr val="092529"/>
+                </a:solidFill>
+                <a:latin typeface="Proxima Nova" charset="0"/>
+              </a:rPr>
+              <a:t>Java, there are two types of casting</a:t>
+            </a:r>
+            <a:r>
+              <a:rPr lang="en-US" altLang="en-US" dirty="0" smtClean="0">
+                <a:solidFill>
+                  <a:srgbClr val="092529"/>
+                </a:solidFill>
+                <a:latin typeface="Proxima Nova" charset="0"/>
+              </a:rPr>
+              <a:t>:</a:t>
+            </a:r>
+          </a:p>
+          <a:p>
+            <a:pPr marL="0" marR="0" lvl="0" indent="0" algn="l" defTabSz="914400" rtl="0" eaLnBrk="0" fontAlgn="base" latinLnBrk="0" hangingPunct="0">
+              <a:lnSpc>
+                <a:spcPct val="100000"/>
+              </a:lnSpc>
+              <a:spcBef>
+                <a:spcPct val="0"/>
+              </a:spcBef>
+              <a:spcAft>
+                <a:spcPct val="0"/>
+              </a:spcAft>
+              <a:buClrTx/>
+              <a:buSzTx/>
+              <a:buFontTx/>
+              <a:buNone/>
+              <a:tabLst/>
+            </a:pPr>
+            <a:endParaRPr lang="en-US" altLang="en-US" dirty="0">
+              <a:solidFill>
+                <a:srgbClr val="092529"/>
+              </a:solidFill>
+              <a:latin typeface="Proxima Nova" charset="0"/>
+            </a:endParaRPr>
+          </a:p>
+          <a:p>
+            <a:pPr lvl="1" defTabSz="914400">
+              <a:lnSpc>
+                <a:spcPct val="100000"/>
+              </a:lnSpc>
+            </a:pPr>
+            <a:r>
+              <a:rPr lang="en-US" altLang="en-US" dirty="0">
+                <a:solidFill>
+                  <a:srgbClr val="092529"/>
+                </a:solidFill>
+                <a:latin typeface="Proxima Nova" charset="0"/>
+              </a:rPr>
+              <a:t>Widening Casting (automatically) - converting a smaller type to a larger type size</a:t>
+            </a:r>
+            <a:br>
+              <a:rPr lang="en-US" altLang="en-US" dirty="0">
+                <a:solidFill>
+                  <a:srgbClr val="092529"/>
+                </a:solidFill>
+                <a:latin typeface="Proxima Nova" charset="0"/>
+              </a:rPr>
+            </a:br>
+            <a:r>
+              <a:rPr lang="en-US" altLang="en-US" dirty="0">
+                <a:solidFill>
+                  <a:srgbClr val="092529"/>
+                </a:solidFill>
+                <a:latin typeface="Proxima Nova" charset="0"/>
+              </a:rPr>
+              <a:t>byte -&gt; short -&gt; char -&gt; </a:t>
+            </a:r>
+            <a:r>
+              <a:rPr lang="en-US" altLang="en-US" dirty="0" err="1">
+                <a:solidFill>
+                  <a:srgbClr val="092529"/>
+                </a:solidFill>
+                <a:latin typeface="Proxima Nova" charset="0"/>
+              </a:rPr>
+              <a:t>int</a:t>
+            </a:r>
+            <a:r>
+              <a:rPr lang="en-US" altLang="en-US" dirty="0">
+                <a:solidFill>
+                  <a:srgbClr val="092529"/>
+                </a:solidFill>
+                <a:latin typeface="Proxima Nova" charset="0"/>
+              </a:rPr>
+              <a:t> -&gt; long -&gt; float -&gt; double</a:t>
+            </a:r>
+            <a:br>
+              <a:rPr lang="en-US" altLang="en-US" dirty="0">
+                <a:solidFill>
+                  <a:srgbClr val="092529"/>
+                </a:solidFill>
+                <a:latin typeface="Proxima Nova" charset="0"/>
+              </a:rPr>
+            </a:br>
+            <a:r>
+              <a:rPr lang="en-US" altLang="en-US" dirty="0">
+                <a:solidFill>
+                  <a:srgbClr val="092529"/>
+                </a:solidFill>
+                <a:latin typeface="Proxima Nova" charset="0"/>
+              </a:rPr>
+              <a:t/>
+            </a:r>
+            <a:br>
+              <a:rPr lang="en-US" altLang="en-US" dirty="0">
+                <a:solidFill>
+                  <a:srgbClr val="092529"/>
+                </a:solidFill>
+                <a:latin typeface="Proxima Nova" charset="0"/>
+              </a:rPr>
+            </a:br>
+            <a:endParaRPr lang="en-US" altLang="en-US" dirty="0">
+              <a:solidFill>
+                <a:srgbClr val="092529"/>
+              </a:solidFill>
+              <a:latin typeface="Proxima Nova" charset="0"/>
+            </a:endParaRPr>
+          </a:p>
+          <a:p>
+            <a:pPr lvl="1" defTabSz="914400">
+              <a:lnSpc>
+                <a:spcPct val="100000"/>
+              </a:lnSpc>
+            </a:pPr>
+            <a:r>
+              <a:rPr lang="en-US" altLang="en-US" dirty="0">
+                <a:solidFill>
+                  <a:srgbClr val="092529"/>
+                </a:solidFill>
+                <a:latin typeface="Proxima Nova" charset="0"/>
+              </a:rPr>
+              <a:t>Narrowing Casting (manually) - converting a larger type to a smaller size type</a:t>
+            </a:r>
+            <a:br>
+              <a:rPr lang="en-US" altLang="en-US" dirty="0">
+                <a:solidFill>
+                  <a:srgbClr val="092529"/>
+                </a:solidFill>
+                <a:latin typeface="Proxima Nova" charset="0"/>
+              </a:rPr>
+            </a:br>
+            <a:r>
+              <a:rPr lang="en-US" altLang="en-US" dirty="0">
+                <a:solidFill>
+                  <a:srgbClr val="092529"/>
+                </a:solidFill>
+                <a:latin typeface="Proxima Nova" charset="0"/>
+              </a:rPr>
+              <a:t>double -&gt; float -&gt; long -&gt; </a:t>
+            </a:r>
+            <a:r>
+              <a:rPr lang="en-US" altLang="en-US" dirty="0" err="1">
+                <a:solidFill>
+                  <a:srgbClr val="092529"/>
+                </a:solidFill>
+                <a:latin typeface="Proxima Nova" charset="0"/>
+              </a:rPr>
+              <a:t>int</a:t>
+            </a:r>
+            <a:r>
+              <a:rPr lang="en-US" altLang="en-US" dirty="0">
+                <a:solidFill>
+                  <a:srgbClr val="092529"/>
+                </a:solidFill>
+                <a:latin typeface="Proxima Nova" charset="0"/>
+              </a:rPr>
+              <a:t> -&gt; char -&gt; short -&gt; byte</a:t>
+            </a:r>
+          </a:p>
+          <a:p>
+            <a:pPr marL="0" marR="0" lvl="0" indent="0" algn="l" defTabSz="914400" rtl="0" eaLnBrk="0" fontAlgn="base" latinLnBrk="0" hangingPunct="0">
+              <a:lnSpc>
+                <a:spcPct val="100000"/>
+              </a:lnSpc>
+              <a:spcBef>
+                <a:spcPct val="0"/>
+              </a:spcBef>
+              <a:spcAft>
+                <a:spcPct val="0"/>
+              </a:spcAft>
+              <a:buClrTx/>
+              <a:buSzTx/>
+              <a:buFontTx/>
+              <a:buNone/>
+              <a:tabLst/>
+            </a:pPr>
+            <a:endParaRPr kumimoji="0" lang="en-US" altLang="en-US" sz="1800" b="0" i="0" u="none" strike="noStrike" cap="none" normalizeH="0" baseline="0" dirty="0" smtClean="0">
+              <a:ln>
+                <a:noFill/>
+              </a:ln>
+              <a:solidFill>
+                <a:schemeClr val="tx1"/>
+              </a:solidFill>
+              <a:effectLst/>
+              <a:latin typeface="Arial" panose="020B0604020202020204" pitchFamily="34" charset="0"/>
+            </a:endParaRPr>
+          </a:p>
+        </p:txBody>
+      </p:sp>
+    </p:spTree>
+    <p:extLst>
+      <p:ext uri="{BB962C8B-B14F-4D97-AF65-F5344CB8AC3E}">
+        <p14:creationId xmlns:p14="http://schemas.microsoft.com/office/powerpoint/2010/main" val="2322425887"/>
+      </p:ext>
+    </p:extLst>
+  </p:cSld>
+  <p:clrMapOvr>
+    <a:masterClrMapping/>
+  </p:clrMapOvr>
+  <mc:AlternateContent xmlns:mc="http://schemas.openxmlformats.org/markup-compatibility/2006" xmlns:p14="http://schemas.microsoft.com/office/powerpoint/2010/main">
+    <mc:Choice Requires="p14">
+      <p:transition p14:dur="300">
+        <p:fade/>
+      </p:transition>
+    </mc:Choice>
+    <mc:Fallback xmlns="">
+      <p:transition>
+        <p:fade/>
+      </p:transition>
+    </mc:Fallback>
+  </mc:AlternateContent>
+  <p:timing>
+    <p:tnLst>
+      <p:par>
+        <p:cTn id="1" dur="indefinite" restart="never" nodeType="tmRoot"/>
+      </p:par>
+    </p:tnLst>
+  </p:timing>
+</p:sld>
+</file>
+
+<file path=ppt/slides/slide6.xml><?xml version="1.0" encoding="utf-8"?>
+<p:sld xmlns:a="http://schemas.openxmlformats.org/drawingml/2006/main" xmlns:r="http://schemas.openxmlformats.org/officeDocument/2006/relationships" xmlns:p="http://schemas.openxmlformats.org/presentationml/2006/main">
+  <p:cSld>
+    <p:spTree>
+      <p:nvGrpSpPr>
+        <p:cNvPr id="1" name=""/>
+        <p:cNvGrpSpPr/>
+        <p:nvPr/>
+      </p:nvGrpSpPr>
+      <p:grpSpPr>
+        <a:xfrm>
+          <a:off x="0" y="0"/>
+          <a:ext cx="0" cy="0"/>
+          <a:chOff x="0" y="0"/>
+          <a:chExt cx="0" cy="0"/>
+        </a:xfrm>
+      </p:grpSpPr>
+      <p:sp>
+        <p:nvSpPr>
+          <p:cNvPr id="2" name="Title 1">
+            <a:extLst>
+              <a:ext uri="{FF2B5EF4-FFF2-40B4-BE49-F238E27FC236}">
+                <a16:creationId xmlns:a16="http://schemas.microsoft.com/office/drawing/2014/main" id="{B536806E-AD3E-AD40-936F-590919B5FCEE}"/>
+              </a:ext>
+            </a:extLst>
+          </p:cNvPr>
+          <p:cNvSpPr>
+            <a:spLocks noGrp="1"/>
+          </p:cNvSpPr>
+          <p:nvPr>
+            <p:ph type="title"/>
+          </p:nvPr>
+        </p:nvSpPr>
+        <p:spPr/>
+        <p:txBody>
+          <a:bodyPr/>
+          <a:lstStyle/>
+          <a:p>
+            <a:r>
+              <a:rPr lang="en-US" dirty="0" smtClean="0"/>
+              <a:t>Quick Practice</a:t>
+            </a:r>
+            <a:endParaRPr lang="en-US" dirty="0"/>
+          </a:p>
+        </p:txBody>
+      </p:sp>
+      <p:sp>
+        <p:nvSpPr>
+          <p:cNvPr id="5" name="TextBox 4">
+            <a:extLst>
+              <a:ext uri="{FF2B5EF4-FFF2-40B4-BE49-F238E27FC236}">
+                <a16:creationId xmlns:a16="http://schemas.microsoft.com/office/drawing/2014/main" id="{BC9EEA87-D34D-C34F-8D45-848ED96537EC}"/>
+              </a:ext>
+            </a:extLst>
+          </p:cNvPr>
+          <p:cNvSpPr txBox="1"/>
+          <p:nvPr/>
+        </p:nvSpPr>
+        <p:spPr>
+          <a:xfrm>
+            <a:off x="787961" y="1675865"/>
+            <a:ext cx="9711114" cy="4401205"/>
+          </a:xfrm>
+          <a:prstGeom prst="rect">
+            <a:avLst/>
+          </a:prstGeom>
+          <a:noFill/>
+        </p:spPr>
+        <p:txBody>
+          <a:bodyPr wrap="square">
+            <a:spAutoFit/>
+          </a:bodyPr>
+          <a:lstStyle/>
+          <a:p>
+            <a:r>
+              <a:rPr lang="en-US" dirty="0">
+                <a:latin typeface="Courier New" panose="02070309020205020404" pitchFamily="49" charset="0"/>
+                <a:cs typeface="Courier New" panose="02070309020205020404" pitchFamily="49" charset="0"/>
+              </a:rPr>
+              <a:t>public class </a:t>
+            </a:r>
+            <a:r>
+              <a:rPr lang="en-US" dirty="0" err="1">
+                <a:latin typeface="Courier New" panose="02070309020205020404" pitchFamily="49" charset="0"/>
+                <a:cs typeface="Courier New" panose="02070309020205020404" pitchFamily="49" charset="0"/>
+              </a:rPr>
+              <a:t>CastingProgram</a:t>
+            </a:r>
+            <a:r>
+              <a:rPr lang="en-US" dirty="0">
+                <a:latin typeface="Courier New" panose="02070309020205020404" pitchFamily="49" charset="0"/>
+                <a:cs typeface="Courier New" panose="02070309020205020404" pitchFamily="49" charset="0"/>
+              </a:rPr>
+              <a:t> </a:t>
+            </a:r>
+            <a:r>
+              <a:rPr lang="en-US" dirty="0" smtClean="0">
+                <a:latin typeface="Courier New" panose="02070309020205020404" pitchFamily="49" charset="0"/>
+                <a:cs typeface="Courier New" panose="02070309020205020404" pitchFamily="49" charset="0"/>
+              </a:rPr>
+              <a:t>{</a:t>
+            </a:r>
+          </a:p>
+          <a:p>
+            <a:endParaRPr lang="en-US" dirty="0">
+              <a:latin typeface="Courier New" panose="02070309020205020404" pitchFamily="49" charset="0"/>
+              <a:cs typeface="Courier New" panose="02070309020205020404" pitchFamily="49" charset="0"/>
+            </a:endParaRPr>
+          </a:p>
+          <a:p>
+            <a:r>
+              <a:rPr lang="en-US" dirty="0">
+                <a:latin typeface="Courier New" panose="02070309020205020404" pitchFamily="49" charset="0"/>
+                <a:cs typeface="Courier New" panose="02070309020205020404" pitchFamily="49" charset="0"/>
+              </a:rPr>
+              <a:t>   public static void main(String[] </a:t>
+            </a:r>
+            <a:r>
+              <a:rPr lang="en-US" dirty="0" err="1">
+                <a:latin typeface="Courier New" panose="02070309020205020404" pitchFamily="49" charset="0"/>
+                <a:cs typeface="Courier New" panose="02070309020205020404" pitchFamily="49" charset="0"/>
+              </a:rPr>
+              <a:t>args</a:t>
+            </a:r>
+            <a:r>
+              <a:rPr lang="en-US" dirty="0">
+                <a:latin typeface="Courier New" panose="02070309020205020404" pitchFamily="49" charset="0"/>
+                <a:cs typeface="Courier New" panose="02070309020205020404" pitchFamily="49" charset="0"/>
+              </a:rPr>
+              <a:t>) </a:t>
+            </a:r>
+            <a:r>
+              <a:rPr lang="en-US" dirty="0" smtClean="0">
+                <a:latin typeface="Courier New" panose="02070309020205020404" pitchFamily="49" charset="0"/>
+                <a:cs typeface="Courier New" panose="02070309020205020404" pitchFamily="49" charset="0"/>
+              </a:rPr>
+              <a:t>{</a:t>
+            </a:r>
+          </a:p>
+          <a:p>
+            <a:endParaRPr lang="en-US" dirty="0">
+              <a:latin typeface="Courier New" panose="02070309020205020404" pitchFamily="49" charset="0"/>
+              <a:cs typeface="Courier New" panose="02070309020205020404" pitchFamily="49" charset="0"/>
+            </a:endParaRPr>
+          </a:p>
+          <a:p>
+            <a:r>
+              <a:rPr lang="en-US" dirty="0">
+                <a:latin typeface="Courier New" panose="02070309020205020404" pitchFamily="49" charset="0"/>
+                <a:cs typeface="Courier New" panose="02070309020205020404" pitchFamily="49" charset="0"/>
+              </a:rPr>
+              <a:t>      </a:t>
+            </a:r>
+            <a:r>
+              <a:rPr lang="en-US" dirty="0" err="1">
+                <a:latin typeface="Courier New" panose="02070309020205020404" pitchFamily="49" charset="0"/>
+                <a:cs typeface="Courier New" panose="02070309020205020404" pitchFamily="49" charset="0"/>
+              </a:rPr>
+              <a:t>int</a:t>
+            </a:r>
+            <a:r>
+              <a:rPr lang="en-US" dirty="0">
+                <a:latin typeface="Courier New" panose="02070309020205020404" pitchFamily="49" charset="0"/>
+                <a:cs typeface="Courier New" panose="02070309020205020404" pitchFamily="49" charset="0"/>
+              </a:rPr>
+              <a:t> value1 = 12;</a:t>
+            </a:r>
+          </a:p>
+          <a:p>
+            <a:r>
+              <a:rPr lang="en-US" dirty="0">
+                <a:latin typeface="Courier New" panose="02070309020205020404" pitchFamily="49" charset="0"/>
+                <a:cs typeface="Courier New" panose="02070309020205020404" pitchFamily="49" charset="0"/>
+              </a:rPr>
+              <a:t>      double value2 = 25.75;</a:t>
+            </a:r>
+          </a:p>
+          <a:p>
+            <a:r>
+              <a:rPr lang="en-US" dirty="0">
+                <a:latin typeface="Courier New" panose="02070309020205020404" pitchFamily="49" charset="0"/>
+                <a:cs typeface="Courier New" panose="02070309020205020404" pitchFamily="49" charset="0"/>
+              </a:rPr>
+              <a:t>      double </a:t>
+            </a:r>
+            <a:r>
+              <a:rPr lang="en-US" dirty="0" err="1">
+                <a:latin typeface="Courier New" panose="02070309020205020404" pitchFamily="49" charset="0"/>
+                <a:cs typeface="Courier New" panose="02070309020205020404" pitchFamily="49" charset="0"/>
+              </a:rPr>
+              <a:t>resultDouble</a:t>
+            </a:r>
+            <a:r>
+              <a:rPr lang="en-US" dirty="0">
+                <a:latin typeface="Courier New" panose="02070309020205020404" pitchFamily="49" charset="0"/>
+                <a:cs typeface="Courier New" panose="02070309020205020404" pitchFamily="49" charset="0"/>
+              </a:rPr>
+              <a:t> = value1 + value2;</a:t>
+            </a:r>
+          </a:p>
+          <a:p>
+            <a:r>
+              <a:rPr lang="en-US" dirty="0">
+                <a:latin typeface="Courier New" panose="02070309020205020404" pitchFamily="49" charset="0"/>
+                <a:cs typeface="Courier New" panose="02070309020205020404" pitchFamily="49" charset="0"/>
+              </a:rPr>
+              <a:t>      </a:t>
+            </a:r>
+            <a:r>
+              <a:rPr lang="en-US" dirty="0" err="1">
+                <a:latin typeface="Courier New" panose="02070309020205020404" pitchFamily="49" charset="0"/>
+                <a:cs typeface="Courier New" panose="02070309020205020404" pitchFamily="49" charset="0"/>
+              </a:rPr>
+              <a:t>System.out.print</a:t>
+            </a:r>
+            <a:r>
+              <a:rPr lang="en-US" dirty="0">
+                <a:latin typeface="Courier New" panose="02070309020205020404" pitchFamily="49" charset="0"/>
+                <a:cs typeface="Courier New" panose="02070309020205020404" pitchFamily="49" charset="0"/>
+              </a:rPr>
+              <a:t>(value1 + " + " + value2 + " = ");</a:t>
+            </a:r>
+          </a:p>
+          <a:p>
+            <a:r>
+              <a:rPr lang="en-US" dirty="0">
+                <a:latin typeface="Courier New" panose="02070309020205020404" pitchFamily="49" charset="0"/>
+                <a:cs typeface="Courier New" panose="02070309020205020404" pitchFamily="49" charset="0"/>
+              </a:rPr>
+              <a:t>      </a:t>
+            </a:r>
+            <a:r>
+              <a:rPr lang="en-US" dirty="0" err="1">
+                <a:latin typeface="Courier New" panose="02070309020205020404" pitchFamily="49" charset="0"/>
+                <a:cs typeface="Courier New" panose="02070309020205020404" pitchFamily="49" charset="0"/>
+              </a:rPr>
+              <a:t>System.out.println</a:t>
+            </a:r>
+            <a:r>
+              <a:rPr lang="en-US" dirty="0">
+                <a:latin typeface="Courier New" panose="02070309020205020404" pitchFamily="49" charset="0"/>
+                <a:cs typeface="Courier New" panose="02070309020205020404" pitchFamily="49" charset="0"/>
+              </a:rPr>
+              <a:t>(</a:t>
+            </a:r>
+            <a:r>
+              <a:rPr lang="en-US" dirty="0" err="1">
+                <a:latin typeface="Courier New" panose="02070309020205020404" pitchFamily="49" charset="0"/>
+                <a:cs typeface="Courier New" panose="02070309020205020404" pitchFamily="49" charset="0"/>
+              </a:rPr>
+              <a:t>resultDouble</a:t>
+            </a:r>
+            <a:r>
+              <a:rPr lang="en-US" dirty="0">
+                <a:latin typeface="Courier New" panose="02070309020205020404" pitchFamily="49" charset="0"/>
+                <a:cs typeface="Courier New" panose="02070309020205020404" pitchFamily="49" charset="0"/>
+              </a:rPr>
+              <a:t>);</a:t>
+            </a:r>
+          </a:p>
+          <a:p>
+            <a:r>
+              <a:rPr lang="en-US" dirty="0">
+                <a:latin typeface="Courier New" panose="02070309020205020404" pitchFamily="49" charset="0"/>
+                <a:cs typeface="Courier New" panose="02070309020205020404" pitchFamily="49" charset="0"/>
+              </a:rPr>
+              <a:t>      </a:t>
+            </a:r>
+            <a:r>
+              <a:rPr lang="en-US" dirty="0" err="1">
+                <a:latin typeface="Courier New" panose="02070309020205020404" pitchFamily="49" charset="0"/>
+                <a:cs typeface="Courier New" panose="02070309020205020404" pitchFamily="49" charset="0"/>
+              </a:rPr>
+              <a:t>int</a:t>
+            </a:r>
+            <a:r>
+              <a:rPr lang="en-US" dirty="0">
+                <a:latin typeface="Courier New" panose="02070309020205020404" pitchFamily="49" charset="0"/>
+                <a:cs typeface="Courier New" panose="02070309020205020404" pitchFamily="49" charset="0"/>
+              </a:rPr>
+              <a:t> </a:t>
+            </a:r>
+            <a:r>
+              <a:rPr lang="en-US" dirty="0" err="1">
+                <a:latin typeface="Courier New" panose="02070309020205020404" pitchFamily="49" charset="0"/>
+                <a:cs typeface="Courier New" panose="02070309020205020404" pitchFamily="49" charset="0"/>
+              </a:rPr>
+              <a:t>resultInt</a:t>
+            </a:r>
+            <a:r>
+              <a:rPr lang="en-US" dirty="0">
+                <a:latin typeface="Courier New" panose="02070309020205020404" pitchFamily="49" charset="0"/>
+                <a:cs typeface="Courier New" panose="02070309020205020404" pitchFamily="49" charset="0"/>
+              </a:rPr>
+              <a:t> = value1 + </a:t>
+            </a:r>
+            <a:r>
+              <a:rPr lang="en-US" dirty="0" smtClean="0">
+                <a:latin typeface="Courier New" panose="02070309020205020404" pitchFamily="49" charset="0"/>
+                <a:cs typeface="Courier New" panose="02070309020205020404" pitchFamily="49" charset="0"/>
+              </a:rPr>
+              <a:t> </a:t>
+            </a:r>
+            <a:r>
+              <a:rPr lang="en-US" dirty="0">
+                <a:latin typeface="Courier New" panose="02070309020205020404" pitchFamily="49" charset="0"/>
+                <a:cs typeface="Courier New" panose="02070309020205020404" pitchFamily="49" charset="0"/>
+              </a:rPr>
+              <a:t>value2;</a:t>
+            </a:r>
+          </a:p>
+          <a:p>
+            <a:r>
+              <a:rPr lang="en-US" dirty="0">
+                <a:latin typeface="Courier New" panose="02070309020205020404" pitchFamily="49" charset="0"/>
+                <a:cs typeface="Courier New" panose="02070309020205020404" pitchFamily="49" charset="0"/>
+              </a:rPr>
+              <a:t>      </a:t>
+            </a:r>
+            <a:r>
+              <a:rPr lang="en-US" dirty="0" err="1">
+                <a:latin typeface="Courier New" panose="02070309020205020404" pitchFamily="49" charset="0"/>
+                <a:cs typeface="Courier New" panose="02070309020205020404" pitchFamily="49" charset="0"/>
+              </a:rPr>
+              <a:t>System.out.print</a:t>
+            </a:r>
+            <a:r>
+              <a:rPr lang="en-US" dirty="0">
+                <a:latin typeface="Courier New" panose="02070309020205020404" pitchFamily="49" charset="0"/>
+                <a:cs typeface="Courier New" panose="02070309020205020404" pitchFamily="49" charset="0"/>
+              </a:rPr>
+              <a:t>(value1 + " + " + </a:t>
+            </a:r>
+            <a:r>
+              <a:rPr lang="en-US" dirty="0" smtClean="0">
+                <a:latin typeface="Courier New" panose="02070309020205020404" pitchFamily="49" charset="0"/>
+                <a:cs typeface="Courier New" panose="02070309020205020404" pitchFamily="49" charset="0"/>
+              </a:rPr>
+              <a:t>value2 </a:t>
+            </a:r>
+            <a:r>
+              <a:rPr lang="en-US" dirty="0">
+                <a:latin typeface="Courier New" panose="02070309020205020404" pitchFamily="49" charset="0"/>
+                <a:cs typeface="Courier New" panose="02070309020205020404" pitchFamily="49" charset="0"/>
+              </a:rPr>
+              <a:t>+ " = ");</a:t>
+            </a:r>
+          </a:p>
+          <a:p>
+            <a:r>
+              <a:rPr lang="en-US" dirty="0">
+                <a:latin typeface="Courier New" panose="02070309020205020404" pitchFamily="49" charset="0"/>
+                <a:cs typeface="Courier New" panose="02070309020205020404" pitchFamily="49" charset="0"/>
+              </a:rPr>
+              <a:t>      </a:t>
+            </a:r>
+            <a:r>
+              <a:rPr lang="en-US" dirty="0" err="1">
+                <a:latin typeface="Courier New" panose="02070309020205020404" pitchFamily="49" charset="0"/>
+                <a:cs typeface="Courier New" panose="02070309020205020404" pitchFamily="49" charset="0"/>
+              </a:rPr>
+              <a:t>System.out.println</a:t>
+            </a:r>
+            <a:r>
+              <a:rPr lang="en-US" dirty="0">
+                <a:latin typeface="Courier New" panose="02070309020205020404" pitchFamily="49" charset="0"/>
+                <a:cs typeface="Courier New" panose="02070309020205020404" pitchFamily="49" charset="0"/>
+              </a:rPr>
+              <a:t>(</a:t>
+            </a:r>
+            <a:r>
+              <a:rPr lang="en-US" dirty="0" err="1">
+                <a:latin typeface="Courier New" panose="02070309020205020404" pitchFamily="49" charset="0"/>
+                <a:cs typeface="Courier New" panose="02070309020205020404" pitchFamily="49" charset="0"/>
+              </a:rPr>
+              <a:t>resultInt</a:t>
+            </a:r>
+            <a:r>
+              <a:rPr lang="en-US" dirty="0">
+                <a:latin typeface="Courier New" panose="02070309020205020404" pitchFamily="49" charset="0"/>
+                <a:cs typeface="Courier New" panose="02070309020205020404" pitchFamily="49" charset="0"/>
+              </a:rPr>
+              <a:t>);</a:t>
+            </a:r>
+          </a:p>
+          <a:p>
+            <a:r>
+              <a:rPr lang="en-US" dirty="0" smtClean="0">
+                <a:latin typeface="Courier New" panose="02070309020205020404" pitchFamily="49" charset="0"/>
+                <a:cs typeface="Courier New" panose="02070309020205020404" pitchFamily="49" charset="0"/>
+              </a:rPr>
+              <a:t>   }</a:t>
+            </a:r>
+            <a:endParaRPr lang="en-US" dirty="0">
+              <a:latin typeface="Courier New" panose="02070309020205020404" pitchFamily="49" charset="0"/>
+              <a:cs typeface="Courier New" panose="02070309020205020404" pitchFamily="49" charset="0"/>
+            </a:endParaRPr>
+          </a:p>
+          <a:p>
+            <a:r>
+              <a:rPr lang="en-US" dirty="0">
+                <a:latin typeface="Courier New" panose="02070309020205020404" pitchFamily="49" charset="0"/>
+                <a:cs typeface="Courier New" panose="02070309020205020404" pitchFamily="49" charset="0"/>
+              </a:rPr>
+              <a:t>}</a:t>
+            </a:r>
+          </a:p>
+        </p:txBody>
+      </p:sp>
+      <p:sp>
+        <p:nvSpPr>
+          <p:cNvPr id="4" name="Rectangle 3">
+            <a:extLst>
+              <a:ext uri="{FF2B5EF4-FFF2-40B4-BE49-F238E27FC236}">
+                <a16:creationId xmlns:a16="http://schemas.microsoft.com/office/drawing/2014/main" id="{F8083C6D-3634-004D-BE41-F84DFC608329}"/>
+              </a:ext>
+            </a:extLst>
+          </p:cNvPr>
+          <p:cNvSpPr/>
+          <p:nvPr/>
+        </p:nvSpPr>
+        <p:spPr>
+          <a:xfrm>
+            <a:off x="9517587" y="1211855"/>
+            <a:ext cx="4165361" cy="979799"/>
+          </a:xfrm>
+          <a:prstGeom prst="rect">
+            <a:avLst/>
+          </a:prstGeom>
+          <a:solidFill>
+            <a:schemeClr val="bg2"/>
+          </a:solidFill>
+          <a:ln>
+            <a:noFill/>
+          </a:ln>
+          <a:effectLst/>
+        </p:spPr>
+        <p:style>
+          <a:lnRef idx="1">
+            <a:schemeClr val="accent1"/>
+          </a:lnRef>
+          <a:fillRef idx="3">
+            <a:schemeClr val="accent1"/>
+          </a:fillRef>
+          <a:effectRef idx="2">
+            <a:schemeClr val="accent1"/>
+          </a:effectRef>
+          <a:fontRef idx="minor">
+            <a:schemeClr val="lt1"/>
+          </a:fontRef>
+        </p:style>
+        <p:txBody>
+          <a:bodyPr lIns="274320" tIns="182880" rIns="274320" bIns="182880" rtlCol="0" anchor="ctr"/>
+          <a:lstStyle/>
+          <a:p>
+            <a:pPr algn="ctr"/>
+            <a:r>
+              <a:rPr lang="en-US" dirty="0" smtClean="0">
+                <a:solidFill>
+                  <a:srgbClr val="092529"/>
+                </a:solidFill>
+                <a:latin typeface="Proxima Nova" charset="0"/>
+                <a:ea typeface="Proxima Nova" charset="0"/>
+                <a:cs typeface="Proxima Nova" charset="0"/>
+              </a:rPr>
+              <a:t>What happen when we try to run the program?</a:t>
+            </a:r>
+            <a:endParaRPr lang="en-US" dirty="0">
+              <a:solidFill>
+                <a:srgbClr val="092529"/>
+              </a:solidFill>
+              <a:latin typeface="Proxima Nova" charset="0"/>
+              <a:ea typeface="Proxima Nova" charset="0"/>
+              <a:cs typeface="Proxima Nova" charset="0"/>
+            </a:endParaRPr>
+          </a:p>
+        </p:txBody>
+      </p:sp>
+      <p:sp>
+        <p:nvSpPr>
+          <p:cNvPr id="6" name="Rectangle 5">
+            <a:extLst>
+              <a:ext uri="{FF2B5EF4-FFF2-40B4-BE49-F238E27FC236}">
+                <a16:creationId xmlns:a16="http://schemas.microsoft.com/office/drawing/2014/main" id="{F8083C6D-3634-004D-BE41-F84DFC608329}"/>
+              </a:ext>
+            </a:extLst>
+          </p:cNvPr>
+          <p:cNvSpPr/>
+          <p:nvPr/>
+        </p:nvSpPr>
+        <p:spPr>
+          <a:xfrm>
+            <a:off x="9517587" y="2547826"/>
+            <a:ext cx="4165361" cy="2065703"/>
+          </a:xfrm>
+          <a:prstGeom prst="rect">
+            <a:avLst/>
+          </a:prstGeom>
+          <a:solidFill>
+            <a:schemeClr val="bg2"/>
+          </a:solidFill>
+          <a:ln>
+            <a:noFill/>
+          </a:ln>
+          <a:effectLst/>
+        </p:spPr>
+        <p:style>
+          <a:lnRef idx="1">
+            <a:schemeClr val="accent1"/>
+          </a:lnRef>
+          <a:fillRef idx="3">
+            <a:schemeClr val="accent1"/>
+          </a:fillRef>
+          <a:effectRef idx="2">
+            <a:schemeClr val="accent1"/>
+          </a:effectRef>
+          <a:fontRef idx="minor">
+            <a:schemeClr val="lt1"/>
+          </a:fontRef>
+        </p:style>
+        <p:txBody>
+          <a:bodyPr lIns="274320" tIns="182880" rIns="274320" bIns="182880" rtlCol="0" anchor="ctr"/>
+          <a:lstStyle/>
+          <a:p>
+            <a:pPr lvl="0" defTabSz="914400" eaLnBrk="0" fontAlgn="base" hangingPunct="0">
+              <a:spcBef>
+                <a:spcPct val="0"/>
+              </a:spcBef>
+              <a:spcAft>
+                <a:spcPct val="0"/>
+              </a:spcAft>
+            </a:pPr>
+            <a:r>
+              <a:rPr lang="en-US" altLang="en-US" dirty="0">
+                <a:solidFill>
+                  <a:srgbClr val="092529"/>
+                </a:solidFill>
+                <a:latin typeface="Proxima Nova" charset="0"/>
+                <a:ea typeface="Proxima Nova" charset="0"/>
+                <a:cs typeface="Proxima Nova" charset="0"/>
+              </a:rPr>
+              <a:t>CastingProgram.java:10: error: incompatible types: possible </a:t>
+            </a:r>
+            <a:r>
+              <a:rPr lang="en-US" altLang="en-US" dirty="0" err="1">
+                <a:solidFill>
+                  <a:srgbClr val="092529"/>
+                </a:solidFill>
+                <a:latin typeface="Proxima Nova" charset="0"/>
+                <a:ea typeface="Proxima Nova" charset="0"/>
+                <a:cs typeface="Proxima Nova" charset="0"/>
+              </a:rPr>
+              <a:t>lossy</a:t>
+            </a:r>
+            <a:r>
+              <a:rPr lang="en-US" altLang="en-US" dirty="0">
+                <a:solidFill>
+                  <a:srgbClr val="092529"/>
+                </a:solidFill>
+                <a:latin typeface="Proxima Nova" charset="0"/>
+                <a:ea typeface="Proxima Nova" charset="0"/>
+                <a:cs typeface="Proxima Nova" charset="0"/>
+              </a:rPr>
+              <a:t> conversion from double to </a:t>
+            </a:r>
+            <a:r>
+              <a:rPr lang="en-US" altLang="en-US" dirty="0" err="1">
+                <a:solidFill>
+                  <a:srgbClr val="092529"/>
+                </a:solidFill>
+                <a:latin typeface="Proxima Nova" charset="0"/>
+                <a:ea typeface="Proxima Nova" charset="0"/>
+                <a:cs typeface="Proxima Nova" charset="0"/>
+              </a:rPr>
+              <a:t>int</a:t>
+            </a:r>
+            <a:endParaRPr lang="en-US" altLang="en-US" dirty="0">
+              <a:solidFill>
+                <a:srgbClr val="092529"/>
+              </a:solidFill>
+              <a:latin typeface="Proxima Nova" charset="0"/>
+              <a:ea typeface="Proxima Nova" charset="0"/>
+              <a:cs typeface="Proxima Nova" charset="0"/>
+            </a:endParaRPr>
+          </a:p>
+          <a:p>
+            <a:pPr lvl="0" defTabSz="914400" eaLnBrk="0" fontAlgn="base" hangingPunct="0">
+              <a:spcBef>
+                <a:spcPct val="0"/>
+              </a:spcBef>
+              <a:spcAft>
+                <a:spcPct val="0"/>
+              </a:spcAft>
+            </a:pPr>
+            <a:r>
+              <a:rPr lang="en-US" altLang="en-US" dirty="0">
+                <a:solidFill>
+                  <a:srgbClr val="092529"/>
+                </a:solidFill>
+                <a:latin typeface="Proxima Nova" charset="0"/>
+                <a:ea typeface="Proxima Nova" charset="0"/>
+                <a:cs typeface="Proxima Nova" charset="0"/>
+              </a:rPr>
+              <a:t> </a:t>
+            </a:r>
+            <a:r>
+              <a:rPr lang="en-US" altLang="en-US" dirty="0" err="1">
+                <a:solidFill>
+                  <a:srgbClr val="092529"/>
+                </a:solidFill>
+                <a:latin typeface="Proxima Nova" charset="0"/>
+                <a:ea typeface="Proxima Nova" charset="0"/>
+                <a:cs typeface="Proxima Nova" charset="0"/>
+              </a:rPr>
+              <a:t>int</a:t>
+            </a:r>
+            <a:r>
+              <a:rPr lang="en-US" altLang="en-US" dirty="0">
+                <a:solidFill>
+                  <a:srgbClr val="092529"/>
+                </a:solidFill>
+                <a:latin typeface="Proxima Nova" charset="0"/>
+                <a:ea typeface="Proxima Nova" charset="0"/>
+                <a:cs typeface="Proxima Nova" charset="0"/>
+              </a:rPr>
+              <a:t> </a:t>
+            </a:r>
+            <a:r>
+              <a:rPr lang="en-US" altLang="en-US" dirty="0" err="1">
+                <a:solidFill>
+                  <a:srgbClr val="092529"/>
+                </a:solidFill>
+                <a:latin typeface="Proxima Nova" charset="0"/>
+                <a:ea typeface="Proxima Nova" charset="0"/>
+                <a:cs typeface="Proxima Nova" charset="0"/>
+              </a:rPr>
+              <a:t>resultInt</a:t>
+            </a:r>
+            <a:r>
+              <a:rPr lang="en-US" altLang="en-US" dirty="0">
+                <a:solidFill>
+                  <a:srgbClr val="092529"/>
+                </a:solidFill>
+                <a:latin typeface="Proxima Nova" charset="0"/>
+                <a:ea typeface="Proxima Nova" charset="0"/>
+                <a:cs typeface="Proxima Nova" charset="0"/>
+              </a:rPr>
+              <a:t> = value1 + value2; ^ 1 error </a:t>
+            </a:r>
+            <a:endParaRPr lang="en-US" altLang="en-US" dirty="0">
+              <a:solidFill>
+                <a:srgbClr val="092529"/>
+              </a:solidFill>
+              <a:latin typeface="Proxima Nova" charset="0"/>
+              <a:ea typeface="Proxima Nova" charset="0"/>
+              <a:cs typeface="Proxima Nova" charset="0"/>
+            </a:endParaRPr>
+          </a:p>
+        </p:txBody>
+      </p:sp>
+      <p:sp>
+        <p:nvSpPr>
+          <p:cNvPr id="7" name="Rectangle 6">
+            <a:extLst>
+              <a:ext uri="{FF2B5EF4-FFF2-40B4-BE49-F238E27FC236}">
+                <a16:creationId xmlns:a16="http://schemas.microsoft.com/office/drawing/2014/main" id="{F8083C6D-3634-004D-BE41-F84DFC608329}"/>
+              </a:ext>
+            </a:extLst>
+          </p:cNvPr>
+          <p:cNvSpPr/>
+          <p:nvPr/>
+        </p:nvSpPr>
+        <p:spPr>
+          <a:xfrm>
+            <a:off x="9517587" y="5095750"/>
+            <a:ext cx="4165361" cy="979799"/>
+          </a:xfrm>
+          <a:prstGeom prst="rect">
+            <a:avLst/>
+          </a:prstGeom>
+          <a:solidFill>
+            <a:schemeClr val="bg2"/>
+          </a:solidFill>
+          <a:ln>
+            <a:noFill/>
+          </a:ln>
+          <a:effectLst/>
+        </p:spPr>
+        <p:style>
+          <a:lnRef idx="1">
+            <a:schemeClr val="accent1"/>
+          </a:lnRef>
+          <a:fillRef idx="3">
+            <a:schemeClr val="accent1"/>
+          </a:fillRef>
+          <a:effectRef idx="2">
+            <a:schemeClr val="accent1"/>
+          </a:effectRef>
+          <a:fontRef idx="minor">
+            <a:schemeClr val="lt1"/>
+          </a:fontRef>
+        </p:style>
+        <p:txBody>
+          <a:bodyPr lIns="274320" tIns="182880" rIns="274320" bIns="182880" rtlCol="0" anchor="ctr"/>
+          <a:lstStyle/>
+          <a:p>
+            <a:pPr algn="ctr"/>
+            <a:r>
+              <a:rPr lang="en-US" dirty="0" smtClean="0">
+                <a:solidFill>
+                  <a:srgbClr val="092529"/>
+                </a:solidFill>
+                <a:latin typeface="Proxima Nova" charset="0"/>
+                <a:ea typeface="Proxima Nova" charset="0"/>
+                <a:cs typeface="Proxima Nova" charset="0"/>
+              </a:rPr>
+              <a:t>How to solve that error?</a:t>
+            </a:r>
+            <a:endParaRPr lang="en-US" dirty="0">
+              <a:solidFill>
+                <a:srgbClr val="092529"/>
+              </a:solidFill>
+              <a:latin typeface="Proxima Nova" charset="0"/>
+              <a:ea typeface="Proxima Nova" charset="0"/>
+              <a:cs typeface="Proxima Nova" charset="0"/>
+            </a:endParaRPr>
+          </a:p>
+        </p:txBody>
+      </p:sp>
+    </p:spTree>
+    <p:extLst>
+      <p:ext uri="{BB962C8B-B14F-4D97-AF65-F5344CB8AC3E}">
+        <p14:creationId xmlns:p14="http://schemas.microsoft.com/office/powerpoint/2010/main" val="184236690"/>
+      </p:ext>
+    </p:extLst>
+  </p:cSld>
+  <p:clrMapOvr>
+    <a:masterClrMapping/>
+  </p:clrMapOvr>
+  <mc:AlternateContent xmlns:mc="http://schemas.openxmlformats.org/markup-compatibility/2006" xmlns:p14="http://schemas.microsoft.com/office/powerpoint/2010/main">
+    <mc:Choice Requires="p14">
+      <p:transition p14:dur="300">
+        <p:fade/>
+      </p:transition>
+    </mc:Choice>
+    <mc:Fallback xmlns="">
+      <p:transition>
+        <p:fade/>
+      </p:transition>
+    </mc:Fallback>
+  </mc:AlternateContent>
+  <p:timing>
+    <p:tnLst>
+      <p:par>
+        <p:cTn id="1" dur="indefinite" restart="never" nodeType="tmRoot">
+          <p:childTnLst>
+            <p:seq concurrent="1" nextAc="seek">
+              <p:cTn id="2" dur="indefinite" nodeType="mainSeq">
+                <p:childTnLst>
+                  <p:par>
+                    <p:cTn id="3" fill="hold">
+                      <p:stCondLst>
+                        <p:cond delay="indefinite"/>
+                      </p:stCondLst>
+                      <p:childTnLst>
+                        <p:par>
+                          <p:cTn id="4" fill="hold">
+                            <p:stCondLst>
+                              <p:cond delay="0"/>
+                            </p:stCondLst>
+                            <p:childTnLst>
+                              <p:par>
+                                <p:cTn id="5" presetID="1" presetClass="entr" presetSubtype="0" fill="hold" grpId="0" nodeType="clickEffect">
+                                  <p:stCondLst>
+                                    <p:cond delay="0"/>
+                                  </p:stCondLst>
+                                  <p:childTnLst>
+                                    <p:set>
+                                      <p:cBhvr>
+                                        <p:cTn id="6" dur="1" fill="hold">
+                                          <p:stCondLst>
+                                            <p:cond delay="0"/>
+                                          </p:stCondLst>
+                                        </p:cTn>
+                                        <p:tgtEl>
+                                          <p:spTgt spid="6"/>
+                                        </p:tgtEl>
+                                        <p:attrNameLst>
+                                          <p:attrName>style.visibility</p:attrName>
+                                        </p:attrNameLst>
+                                      </p:cBhvr>
+                                      <p:to>
+                                        <p:strVal val="visible"/>
+                                      </p:to>
+                                    </p:set>
+                                  </p:childTnLst>
+                                </p:cTn>
+                              </p:par>
+                            </p:childTnLst>
+                          </p:cTn>
+                        </p:par>
+                      </p:childTnLst>
+                    </p:cTn>
+                  </p:par>
+                  <p:par>
+                    <p:cTn id="7" fill="hold">
+                      <p:stCondLst>
+                        <p:cond delay="indefinite"/>
+                      </p:stCondLst>
+                      <p:childTnLst>
+                        <p:par>
+                          <p:cTn id="8" fill="hold">
+                            <p:stCondLst>
+                              <p:cond delay="0"/>
+                            </p:stCondLst>
+                            <p:childTnLst>
+                              <p:par>
+                                <p:cTn id="9" presetID="1" presetClass="entr" presetSubtype="0" fill="hold" grpId="0" nodeType="clickEffect">
+                                  <p:stCondLst>
+                                    <p:cond delay="0"/>
+                                  </p:stCondLst>
+                                  <p:childTnLst>
+                                    <p:set>
+                                      <p:cBhvr>
+                                        <p:cTn id="10" dur="1" fill="hold">
+                                          <p:stCondLst>
+                                            <p:cond delay="0"/>
+                                          </p:stCondLst>
+                                        </p:cTn>
+                                        <p:tgtEl>
+                                          <p:spTgt spid="7"/>
+                                        </p:tgtEl>
+                                        <p:attrNameLst>
+                                          <p:attrName>style.visibility</p:attrName>
+                                        </p:attrNameLst>
+                                      </p:cBhvr>
+                                      <p:to>
+                                        <p:strVal val="visible"/>
+                                      </p:to>
+                                    </p:set>
+                                  </p:childTnLst>
+                                </p:cTn>
+                              </p:par>
+                            </p:childTnLst>
+                          </p:cTn>
+                        </p:par>
+                      </p:childTnLst>
+                    </p:cTn>
+                  </p:par>
+                </p:childTnLst>
+              </p:cTn>
+              <p:prevCondLst>
+                <p:cond evt="onPrev" delay="0">
+                  <p:tgtEl>
+                    <p:sldTgt/>
+                  </p:tgtEl>
+                </p:cond>
+              </p:prevCondLst>
+              <p:nextCondLst>
+                <p:cond evt="onNext" delay="0">
+                  <p:tgtEl>
+                    <p:sldTgt/>
+                  </p:tgtEl>
+                </p:cond>
+              </p:nextCondLst>
+            </p:seq>
+          </p:childTnLst>
+        </p:cTn>
+      </p:par>
+    </p:tnLst>
+    <p:bldLst>
+      <p:bldP spid="6" grpId="0" animBg="1"/>
+      <p:bldP spid="7" grpId="0" animBg="1"/>
+    </p:bldLst>
+  </p:timing>
+</p:sld>
+</file>
+
+<file path=ppt/slides/slide7.xml><?xml version="1.0" encoding="utf-8"?>
+<p:sld xmlns:a="http://schemas.openxmlformats.org/drawingml/2006/main" xmlns:r="http://schemas.openxmlformats.org/officeDocument/2006/relationships" xmlns:p="http://schemas.openxmlformats.org/presentationml/2006/main">
+  <p:cSld>
+    <p:spTree>
+      <p:nvGrpSpPr>
+        <p:cNvPr id="1" name=""/>
+        <p:cNvGrpSpPr/>
+        <p:nvPr/>
+      </p:nvGrpSpPr>
+      <p:grpSpPr>
+        <a:xfrm>
+          <a:off x="0" y="0"/>
+          <a:ext cx="0" cy="0"/>
+          <a:chOff x="0" y="0"/>
+          <a:chExt cx="0" cy="0"/>
+        </a:xfrm>
+      </p:grpSpPr>
+      <p:sp>
+        <p:nvSpPr>
+          <p:cNvPr id="2" name="Title 1">
+            <a:extLst>
+              <a:ext uri="{FF2B5EF4-FFF2-40B4-BE49-F238E27FC236}">
+                <a16:creationId xmlns:a16="http://schemas.microsoft.com/office/drawing/2014/main" id="{B536806E-AD3E-AD40-936F-590919B5FCEE}"/>
+              </a:ext>
+            </a:extLst>
+          </p:cNvPr>
+          <p:cNvSpPr>
+            <a:spLocks noGrp="1"/>
+          </p:cNvSpPr>
+          <p:nvPr>
+            <p:ph type="title"/>
+          </p:nvPr>
+        </p:nvSpPr>
+        <p:spPr/>
+        <p:txBody>
+          <a:bodyPr/>
+          <a:lstStyle/>
+          <a:p>
+            <a:r>
+              <a:rPr lang="en-US" dirty="0" smtClean="0"/>
+              <a:t>Quick Practice</a:t>
+            </a:r>
+            <a:endParaRPr lang="en-US" dirty="0"/>
+          </a:p>
+        </p:txBody>
+      </p:sp>
+      <p:sp>
+        <p:nvSpPr>
+          <p:cNvPr id="5" name="TextBox 4">
+            <a:extLst>
+              <a:ext uri="{FF2B5EF4-FFF2-40B4-BE49-F238E27FC236}">
+                <a16:creationId xmlns:a16="http://schemas.microsoft.com/office/drawing/2014/main" id="{BC9EEA87-D34D-C34F-8D45-848ED96537EC}"/>
+              </a:ext>
+            </a:extLst>
+          </p:cNvPr>
+          <p:cNvSpPr txBox="1"/>
+          <p:nvPr/>
+        </p:nvSpPr>
+        <p:spPr>
+          <a:xfrm>
+            <a:off x="787961" y="1675865"/>
+            <a:ext cx="9711114" cy="4401205"/>
+          </a:xfrm>
+          <a:prstGeom prst="rect">
+            <a:avLst/>
+          </a:prstGeom>
+          <a:noFill/>
+        </p:spPr>
+        <p:txBody>
+          <a:bodyPr wrap="square">
+            <a:spAutoFit/>
+          </a:bodyPr>
+          <a:lstStyle/>
+          <a:p>
+            <a:r>
+              <a:rPr lang="en-US" dirty="0">
+                <a:latin typeface="Courier New" panose="02070309020205020404" pitchFamily="49" charset="0"/>
+                <a:cs typeface="Courier New" panose="02070309020205020404" pitchFamily="49" charset="0"/>
+              </a:rPr>
+              <a:t>public class </a:t>
+            </a:r>
+            <a:r>
+              <a:rPr lang="en-US" dirty="0" err="1">
+                <a:latin typeface="Courier New" panose="02070309020205020404" pitchFamily="49" charset="0"/>
+                <a:cs typeface="Courier New" panose="02070309020205020404" pitchFamily="49" charset="0"/>
+              </a:rPr>
+              <a:t>CastingProgram</a:t>
+            </a:r>
+            <a:r>
+              <a:rPr lang="en-US" dirty="0">
+                <a:latin typeface="Courier New" panose="02070309020205020404" pitchFamily="49" charset="0"/>
+                <a:cs typeface="Courier New" panose="02070309020205020404" pitchFamily="49" charset="0"/>
+              </a:rPr>
+              <a:t> </a:t>
+            </a:r>
+            <a:r>
+              <a:rPr lang="en-US" dirty="0" smtClean="0">
+                <a:latin typeface="Courier New" panose="02070309020205020404" pitchFamily="49" charset="0"/>
+                <a:cs typeface="Courier New" panose="02070309020205020404" pitchFamily="49" charset="0"/>
+              </a:rPr>
+              <a:t>{</a:t>
+            </a:r>
+          </a:p>
+          <a:p>
+            <a:endParaRPr lang="en-US" dirty="0">
+              <a:latin typeface="Courier New" panose="02070309020205020404" pitchFamily="49" charset="0"/>
+              <a:cs typeface="Courier New" panose="02070309020205020404" pitchFamily="49" charset="0"/>
+            </a:endParaRPr>
+          </a:p>
+          <a:p>
+            <a:r>
+              <a:rPr lang="en-US" dirty="0">
+                <a:latin typeface="Courier New" panose="02070309020205020404" pitchFamily="49" charset="0"/>
+                <a:cs typeface="Courier New" panose="02070309020205020404" pitchFamily="49" charset="0"/>
+              </a:rPr>
+              <a:t>   public static void main(String[] </a:t>
+            </a:r>
+            <a:r>
+              <a:rPr lang="en-US" dirty="0" err="1">
+                <a:latin typeface="Courier New" panose="02070309020205020404" pitchFamily="49" charset="0"/>
+                <a:cs typeface="Courier New" panose="02070309020205020404" pitchFamily="49" charset="0"/>
+              </a:rPr>
+              <a:t>args</a:t>
+            </a:r>
+            <a:r>
+              <a:rPr lang="en-US" dirty="0">
+                <a:latin typeface="Courier New" panose="02070309020205020404" pitchFamily="49" charset="0"/>
+                <a:cs typeface="Courier New" panose="02070309020205020404" pitchFamily="49" charset="0"/>
+              </a:rPr>
+              <a:t>) </a:t>
+            </a:r>
+            <a:r>
+              <a:rPr lang="en-US" dirty="0" smtClean="0">
+                <a:latin typeface="Courier New" panose="02070309020205020404" pitchFamily="49" charset="0"/>
+                <a:cs typeface="Courier New" panose="02070309020205020404" pitchFamily="49" charset="0"/>
+              </a:rPr>
+              <a:t>{</a:t>
+            </a:r>
+          </a:p>
+          <a:p>
+            <a:endParaRPr lang="en-US" dirty="0">
+              <a:latin typeface="Courier New" panose="02070309020205020404" pitchFamily="49" charset="0"/>
+              <a:cs typeface="Courier New" panose="02070309020205020404" pitchFamily="49" charset="0"/>
+            </a:endParaRPr>
+          </a:p>
+          <a:p>
+            <a:r>
+              <a:rPr lang="en-US" dirty="0">
+                <a:latin typeface="Courier New" panose="02070309020205020404" pitchFamily="49" charset="0"/>
+                <a:cs typeface="Courier New" panose="02070309020205020404" pitchFamily="49" charset="0"/>
+              </a:rPr>
+              <a:t>      </a:t>
+            </a:r>
+            <a:r>
+              <a:rPr lang="en-US" dirty="0" err="1">
+                <a:latin typeface="Courier New" panose="02070309020205020404" pitchFamily="49" charset="0"/>
+                <a:cs typeface="Courier New" panose="02070309020205020404" pitchFamily="49" charset="0"/>
+              </a:rPr>
+              <a:t>int</a:t>
+            </a:r>
+            <a:r>
+              <a:rPr lang="en-US" dirty="0">
+                <a:latin typeface="Courier New" panose="02070309020205020404" pitchFamily="49" charset="0"/>
+                <a:cs typeface="Courier New" panose="02070309020205020404" pitchFamily="49" charset="0"/>
+              </a:rPr>
+              <a:t> value1 = 12;</a:t>
+            </a:r>
+          </a:p>
+          <a:p>
+            <a:r>
+              <a:rPr lang="en-US" dirty="0">
+                <a:latin typeface="Courier New" panose="02070309020205020404" pitchFamily="49" charset="0"/>
+                <a:cs typeface="Courier New" panose="02070309020205020404" pitchFamily="49" charset="0"/>
+              </a:rPr>
+              <a:t>      double value2 = 25.75;</a:t>
+            </a:r>
+          </a:p>
+          <a:p>
+            <a:r>
+              <a:rPr lang="en-US" dirty="0">
+                <a:latin typeface="Courier New" panose="02070309020205020404" pitchFamily="49" charset="0"/>
+                <a:cs typeface="Courier New" panose="02070309020205020404" pitchFamily="49" charset="0"/>
+              </a:rPr>
+              <a:t>      double </a:t>
+            </a:r>
+            <a:r>
+              <a:rPr lang="en-US" dirty="0" err="1">
+                <a:latin typeface="Courier New" panose="02070309020205020404" pitchFamily="49" charset="0"/>
+                <a:cs typeface="Courier New" panose="02070309020205020404" pitchFamily="49" charset="0"/>
+              </a:rPr>
+              <a:t>resultDouble</a:t>
+            </a:r>
+            <a:r>
+              <a:rPr lang="en-US" dirty="0">
+                <a:latin typeface="Courier New" panose="02070309020205020404" pitchFamily="49" charset="0"/>
+                <a:cs typeface="Courier New" panose="02070309020205020404" pitchFamily="49" charset="0"/>
+              </a:rPr>
+              <a:t> = value1 + value2;</a:t>
+            </a:r>
+          </a:p>
+          <a:p>
+            <a:r>
+              <a:rPr lang="en-US" dirty="0">
+                <a:latin typeface="Courier New" panose="02070309020205020404" pitchFamily="49" charset="0"/>
+                <a:cs typeface="Courier New" panose="02070309020205020404" pitchFamily="49" charset="0"/>
+              </a:rPr>
+              <a:t>      </a:t>
+            </a:r>
+            <a:r>
+              <a:rPr lang="en-US" dirty="0" err="1">
+                <a:latin typeface="Courier New" panose="02070309020205020404" pitchFamily="49" charset="0"/>
+                <a:cs typeface="Courier New" panose="02070309020205020404" pitchFamily="49" charset="0"/>
+              </a:rPr>
+              <a:t>System.out.print</a:t>
+            </a:r>
+            <a:r>
+              <a:rPr lang="en-US" dirty="0">
+                <a:latin typeface="Courier New" panose="02070309020205020404" pitchFamily="49" charset="0"/>
+                <a:cs typeface="Courier New" panose="02070309020205020404" pitchFamily="49" charset="0"/>
+              </a:rPr>
+              <a:t>(value1 + " + " + value2 + " = ");</a:t>
+            </a:r>
+          </a:p>
+          <a:p>
+            <a:r>
+              <a:rPr lang="en-US" dirty="0">
+                <a:latin typeface="Courier New" panose="02070309020205020404" pitchFamily="49" charset="0"/>
+                <a:cs typeface="Courier New" panose="02070309020205020404" pitchFamily="49" charset="0"/>
+              </a:rPr>
+              <a:t>      </a:t>
+            </a:r>
+            <a:r>
+              <a:rPr lang="en-US" dirty="0" err="1">
+                <a:latin typeface="Courier New" panose="02070309020205020404" pitchFamily="49" charset="0"/>
+                <a:cs typeface="Courier New" panose="02070309020205020404" pitchFamily="49" charset="0"/>
+              </a:rPr>
+              <a:t>System.out.println</a:t>
+            </a:r>
+            <a:r>
+              <a:rPr lang="en-US" dirty="0">
+                <a:latin typeface="Courier New" panose="02070309020205020404" pitchFamily="49" charset="0"/>
+                <a:cs typeface="Courier New" panose="02070309020205020404" pitchFamily="49" charset="0"/>
+              </a:rPr>
+              <a:t>(</a:t>
+            </a:r>
+            <a:r>
+              <a:rPr lang="en-US" dirty="0" err="1">
+                <a:latin typeface="Courier New" panose="02070309020205020404" pitchFamily="49" charset="0"/>
+                <a:cs typeface="Courier New" panose="02070309020205020404" pitchFamily="49" charset="0"/>
+              </a:rPr>
+              <a:t>resultDouble</a:t>
+            </a:r>
+            <a:r>
+              <a:rPr lang="en-US" dirty="0">
+                <a:latin typeface="Courier New" panose="02070309020205020404" pitchFamily="49" charset="0"/>
+                <a:cs typeface="Courier New" panose="02070309020205020404" pitchFamily="49" charset="0"/>
+              </a:rPr>
+              <a:t>);</a:t>
+            </a:r>
+          </a:p>
+          <a:p>
+            <a:r>
+              <a:rPr lang="en-US" dirty="0">
+                <a:latin typeface="Courier New" panose="02070309020205020404" pitchFamily="49" charset="0"/>
+                <a:cs typeface="Courier New" panose="02070309020205020404" pitchFamily="49" charset="0"/>
+              </a:rPr>
+              <a:t>      </a:t>
+            </a:r>
+            <a:r>
+              <a:rPr lang="en-US" dirty="0" err="1">
+                <a:latin typeface="Courier New" panose="02070309020205020404" pitchFamily="49" charset="0"/>
+                <a:cs typeface="Courier New" panose="02070309020205020404" pitchFamily="49" charset="0"/>
+              </a:rPr>
+              <a:t>int</a:t>
+            </a:r>
+            <a:r>
+              <a:rPr lang="en-US" dirty="0">
+                <a:latin typeface="Courier New" panose="02070309020205020404" pitchFamily="49" charset="0"/>
+                <a:cs typeface="Courier New" panose="02070309020205020404" pitchFamily="49" charset="0"/>
+              </a:rPr>
+              <a:t> </a:t>
+            </a:r>
+            <a:r>
+              <a:rPr lang="en-US" dirty="0" err="1">
+                <a:latin typeface="Courier New" panose="02070309020205020404" pitchFamily="49" charset="0"/>
+                <a:cs typeface="Courier New" panose="02070309020205020404" pitchFamily="49" charset="0"/>
+              </a:rPr>
+              <a:t>resultInt</a:t>
+            </a:r>
+            <a:r>
+              <a:rPr lang="en-US" dirty="0">
+                <a:latin typeface="Courier New" panose="02070309020205020404" pitchFamily="49" charset="0"/>
+                <a:cs typeface="Courier New" panose="02070309020205020404" pitchFamily="49" charset="0"/>
+              </a:rPr>
+              <a:t> = value1 + </a:t>
+            </a:r>
+            <a:r>
+              <a:rPr lang="en-US" dirty="0" smtClean="0">
+                <a:latin typeface="Courier New" panose="02070309020205020404" pitchFamily="49" charset="0"/>
+                <a:cs typeface="Courier New" panose="02070309020205020404" pitchFamily="49" charset="0"/>
+              </a:rPr>
+              <a:t> </a:t>
+            </a:r>
+            <a:r>
+              <a:rPr lang="en-US" dirty="0" smtClean="0">
+                <a:solidFill>
+                  <a:srgbClr val="FF0000"/>
+                </a:solidFill>
+                <a:latin typeface="Courier New" panose="02070309020205020404" pitchFamily="49" charset="0"/>
+                <a:cs typeface="Courier New" panose="02070309020205020404" pitchFamily="49" charset="0"/>
+              </a:rPr>
+              <a:t>(</a:t>
+            </a:r>
+            <a:r>
+              <a:rPr lang="en-US" dirty="0" err="1" smtClean="0">
+                <a:solidFill>
+                  <a:srgbClr val="FF0000"/>
+                </a:solidFill>
+                <a:latin typeface="Courier New" panose="02070309020205020404" pitchFamily="49" charset="0"/>
+                <a:cs typeface="Courier New" panose="02070309020205020404" pitchFamily="49" charset="0"/>
+              </a:rPr>
+              <a:t>int</a:t>
+            </a:r>
+            <a:r>
+              <a:rPr lang="en-US" dirty="0" smtClean="0">
+                <a:solidFill>
+                  <a:srgbClr val="FF0000"/>
+                </a:solidFill>
+                <a:latin typeface="Courier New" panose="02070309020205020404" pitchFamily="49" charset="0"/>
+                <a:cs typeface="Courier New" panose="02070309020205020404" pitchFamily="49" charset="0"/>
+              </a:rPr>
+              <a:t>)</a:t>
+            </a:r>
+            <a:r>
+              <a:rPr lang="en-US" dirty="0" smtClean="0">
+                <a:latin typeface="Courier New" panose="02070309020205020404" pitchFamily="49" charset="0"/>
+                <a:cs typeface="Courier New" panose="02070309020205020404" pitchFamily="49" charset="0"/>
+              </a:rPr>
+              <a:t> value2</a:t>
+            </a:r>
+            <a:r>
+              <a:rPr lang="en-US" dirty="0">
+                <a:latin typeface="Courier New" panose="02070309020205020404" pitchFamily="49" charset="0"/>
+                <a:cs typeface="Courier New" panose="02070309020205020404" pitchFamily="49" charset="0"/>
+              </a:rPr>
+              <a:t>;</a:t>
+            </a:r>
+          </a:p>
+          <a:p>
+            <a:r>
+              <a:rPr lang="en-US" dirty="0">
+                <a:latin typeface="Courier New" panose="02070309020205020404" pitchFamily="49" charset="0"/>
+                <a:cs typeface="Courier New" panose="02070309020205020404" pitchFamily="49" charset="0"/>
+              </a:rPr>
+              <a:t>      </a:t>
+            </a:r>
+            <a:r>
+              <a:rPr lang="en-US" dirty="0" err="1">
+                <a:latin typeface="Courier New" panose="02070309020205020404" pitchFamily="49" charset="0"/>
+                <a:cs typeface="Courier New" panose="02070309020205020404" pitchFamily="49" charset="0"/>
+              </a:rPr>
+              <a:t>System.out.print</a:t>
+            </a:r>
+            <a:r>
+              <a:rPr lang="en-US" dirty="0">
+                <a:latin typeface="Courier New" panose="02070309020205020404" pitchFamily="49" charset="0"/>
+                <a:cs typeface="Courier New" panose="02070309020205020404" pitchFamily="49" charset="0"/>
+              </a:rPr>
+              <a:t>(value1 + " + " + </a:t>
+            </a:r>
+            <a:r>
+              <a:rPr lang="en-US" dirty="0" smtClean="0">
+                <a:solidFill>
+                  <a:srgbClr val="FF0000"/>
+                </a:solidFill>
+                <a:latin typeface="Courier New" panose="02070309020205020404" pitchFamily="49" charset="0"/>
+                <a:cs typeface="Courier New" panose="02070309020205020404" pitchFamily="49" charset="0"/>
+              </a:rPr>
+              <a:t>(</a:t>
+            </a:r>
+            <a:r>
+              <a:rPr lang="en-US" dirty="0" err="1" smtClean="0">
+                <a:solidFill>
+                  <a:srgbClr val="FF0000"/>
+                </a:solidFill>
+                <a:latin typeface="Courier New" panose="02070309020205020404" pitchFamily="49" charset="0"/>
+                <a:cs typeface="Courier New" panose="02070309020205020404" pitchFamily="49" charset="0"/>
+              </a:rPr>
+              <a:t>int</a:t>
+            </a:r>
+            <a:r>
+              <a:rPr lang="en-US" dirty="0" smtClean="0">
+                <a:solidFill>
+                  <a:srgbClr val="FF0000"/>
+                </a:solidFill>
+                <a:latin typeface="Courier New" panose="02070309020205020404" pitchFamily="49" charset="0"/>
+                <a:cs typeface="Courier New" panose="02070309020205020404" pitchFamily="49" charset="0"/>
+              </a:rPr>
+              <a:t>) </a:t>
+            </a:r>
+            <a:r>
+              <a:rPr lang="en-US" dirty="0" smtClean="0">
+                <a:latin typeface="Courier New" panose="02070309020205020404" pitchFamily="49" charset="0"/>
+                <a:cs typeface="Courier New" panose="02070309020205020404" pitchFamily="49" charset="0"/>
+              </a:rPr>
+              <a:t>value2 </a:t>
+            </a:r>
+            <a:r>
+              <a:rPr lang="en-US" dirty="0">
+                <a:latin typeface="Courier New" panose="02070309020205020404" pitchFamily="49" charset="0"/>
+                <a:cs typeface="Courier New" panose="02070309020205020404" pitchFamily="49" charset="0"/>
+              </a:rPr>
+              <a:t>+ " = ");</a:t>
+            </a:r>
+          </a:p>
+          <a:p>
+            <a:r>
+              <a:rPr lang="en-US" dirty="0">
+                <a:latin typeface="Courier New" panose="02070309020205020404" pitchFamily="49" charset="0"/>
+                <a:cs typeface="Courier New" panose="02070309020205020404" pitchFamily="49" charset="0"/>
+              </a:rPr>
+              <a:t>      </a:t>
+            </a:r>
+            <a:r>
+              <a:rPr lang="en-US" dirty="0" err="1">
+                <a:latin typeface="Courier New" panose="02070309020205020404" pitchFamily="49" charset="0"/>
+                <a:cs typeface="Courier New" panose="02070309020205020404" pitchFamily="49" charset="0"/>
+              </a:rPr>
+              <a:t>System.out.println</a:t>
+            </a:r>
+            <a:r>
+              <a:rPr lang="en-US" dirty="0">
+                <a:latin typeface="Courier New" panose="02070309020205020404" pitchFamily="49" charset="0"/>
+                <a:cs typeface="Courier New" panose="02070309020205020404" pitchFamily="49" charset="0"/>
+              </a:rPr>
+              <a:t>(</a:t>
+            </a:r>
+            <a:r>
+              <a:rPr lang="en-US" dirty="0" err="1">
+                <a:latin typeface="Courier New" panose="02070309020205020404" pitchFamily="49" charset="0"/>
+                <a:cs typeface="Courier New" panose="02070309020205020404" pitchFamily="49" charset="0"/>
+              </a:rPr>
+              <a:t>resultInt</a:t>
+            </a:r>
+            <a:r>
+              <a:rPr lang="en-US" dirty="0">
+                <a:latin typeface="Courier New" panose="02070309020205020404" pitchFamily="49" charset="0"/>
+                <a:cs typeface="Courier New" panose="02070309020205020404" pitchFamily="49" charset="0"/>
+              </a:rPr>
+              <a:t>);</a:t>
+            </a:r>
+          </a:p>
+          <a:p>
+            <a:r>
+              <a:rPr lang="en-US" dirty="0" smtClean="0">
+                <a:latin typeface="Courier New" panose="02070309020205020404" pitchFamily="49" charset="0"/>
+                <a:cs typeface="Courier New" panose="02070309020205020404" pitchFamily="49" charset="0"/>
+              </a:rPr>
+              <a:t>   }</a:t>
+            </a:r>
+            <a:endParaRPr lang="en-US" dirty="0">
+              <a:latin typeface="Courier New" panose="02070309020205020404" pitchFamily="49" charset="0"/>
+              <a:cs typeface="Courier New" panose="02070309020205020404" pitchFamily="49" charset="0"/>
+            </a:endParaRPr>
+          </a:p>
+          <a:p>
+            <a:r>
+              <a:rPr lang="en-US" dirty="0">
+                <a:latin typeface="Courier New" panose="02070309020205020404" pitchFamily="49" charset="0"/>
+                <a:cs typeface="Courier New" panose="02070309020205020404" pitchFamily="49" charset="0"/>
+              </a:rPr>
+              <a:t>}</a:t>
+            </a:r>
+          </a:p>
+        </p:txBody>
+      </p:sp>
+      <p:sp>
+        <p:nvSpPr>
+          <p:cNvPr id="8" name="Rectangle 7">
+            <a:extLst>
+              <a:ext uri="{FF2B5EF4-FFF2-40B4-BE49-F238E27FC236}">
+                <a16:creationId xmlns:a16="http://schemas.microsoft.com/office/drawing/2014/main" id="{F8083C6D-3634-004D-BE41-F84DFC608329}"/>
+              </a:ext>
+            </a:extLst>
+          </p:cNvPr>
+          <p:cNvSpPr/>
+          <p:nvPr/>
+        </p:nvSpPr>
+        <p:spPr>
+          <a:xfrm>
+            <a:off x="9517587" y="3386567"/>
+            <a:ext cx="4165361" cy="979799"/>
+          </a:xfrm>
+          <a:prstGeom prst="rect">
+            <a:avLst/>
+          </a:prstGeom>
+          <a:solidFill>
+            <a:schemeClr val="bg2"/>
+          </a:solidFill>
+          <a:ln>
+            <a:noFill/>
+          </a:ln>
+          <a:effectLst/>
+        </p:spPr>
+        <p:style>
+          <a:lnRef idx="1">
+            <a:schemeClr val="accent1"/>
+          </a:lnRef>
+          <a:fillRef idx="3">
+            <a:schemeClr val="accent1"/>
+          </a:fillRef>
+          <a:effectRef idx="2">
+            <a:schemeClr val="accent1"/>
+          </a:effectRef>
+          <a:fontRef idx="minor">
+            <a:schemeClr val="lt1"/>
+          </a:fontRef>
+        </p:style>
+        <p:txBody>
+          <a:bodyPr lIns="274320" tIns="182880" rIns="274320" bIns="182880" rtlCol="0" anchor="ctr"/>
+          <a:lstStyle/>
+          <a:p>
+            <a:pPr algn="ctr"/>
+            <a:r>
+              <a:rPr lang="en-US" dirty="0" smtClean="0">
+                <a:solidFill>
+                  <a:srgbClr val="092529"/>
+                </a:solidFill>
+                <a:latin typeface="Proxima Nova" charset="0"/>
+                <a:ea typeface="Proxima Nova" charset="0"/>
+                <a:cs typeface="Proxima Nova" charset="0"/>
+              </a:rPr>
+              <a:t>Manually casting the double variable to an </a:t>
+            </a:r>
+            <a:r>
+              <a:rPr lang="en-US" dirty="0" err="1" smtClean="0">
+                <a:solidFill>
+                  <a:srgbClr val="092529"/>
+                </a:solidFill>
+                <a:latin typeface="Proxima Nova" charset="0"/>
+                <a:ea typeface="Proxima Nova" charset="0"/>
+                <a:cs typeface="Proxima Nova" charset="0"/>
+              </a:rPr>
+              <a:t>int</a:t>
+            </a:r>
+            <a:endParaRPr lang="en-US" dirty="0">
+              <a:solidFill>
+                <a:srgbClr val="092529"/>
+              </a:solidFill>
+              <a:latin typeface="Proxima Nova" charset="0"/>
+              <a:ea typeface="Proxima Nova" charset="0"/>
+              <a:cs typeface="Proxima Nova" charset="0"/>
+            </a:endParaRPr>
+          </a:p>
+        </p:txBody>
+      </p:sp>
+    </p:spTree>
+    <p:extLst>
+      <p:ext uri="{BB962C8B-B14F-4D97-AF65-F5344CB8AC3E}">
+        <p14:creationId xmlns:p14="http://schemas.microsoft.com/office/powerpoint/2010/main" val="2539974853"/>
+      </p:ext>
+    </p:extLst>
+  </p:cSld>
+  <p:clrMapOvr>
+    <a:masterClrMapping/>
+  </p:clrMapOvr>
+  <mc:AlternateContent xmlns:mc="http://schemas.openxmlformats.org/markup-compatibility/2006" xmlns:p14="http://schemas.microsoft.com/office/powerpoint/2010/main">
+    <mc:Choice Requires="p14">
+      <p:transition p14:dur="300">
+        <p:fade/>
+      </p:transition>
+    </mc:Choice>
+    <mc:Fallback xmlns="">
+      <p:transition>
+        <p:fade/>
+      </p:transition>
+    </mc:Fallback>
+  </mc:AlternateContent>
+  <p:timing>
+    <p:tnLst>
+      <p:par>
+        <p:cTn id="1" dur="indefinite" restart="never" nodeType="tmRoot"/>
+      </p:par>
+    </p:tnLst>
+  </p:timing>
+</p:sld>
+</file>
+
+<file path=ppt/slides/slide8.xml><?xml version="1.0" encoding="utf-8"?>
+<p:sld xmlns:a="http://schemas.openxmlformats.org/drawingml/2006/main" xmlns:r="http://schemas.openxmlformats.org/officeDocument/2006/relationships" xmlns:p="http://schemas.openxmlformats.org/presentationml/2006/main">
+  <p:cSld>
+    <p:spTree>
+      <p:nvGrpSpPr>
+        <p:cNvPr id="1" name=""/>
+        <p:cNvGrpSpPr/>
+        <p:nvPr/>
+      </p:nvGrpSpPr>
+      <p:grpSpPr>
+        <a:xfrm>
+          <a:off x="0" y="0"/>
+          <a:ext cx="0" cy="0"/>
+          <a:chOff x="0" y="0"/>
+          <a:chExt cx="0" cy="0"/>
+        </a:xfrm>
+      </p:grpSpPr>
+      <p:sp>
+        <p:nvSpPr>
           <p:cNvPr id="4" name="Title 3">
             <a:extLst>
               <a:ext uri="{FF2B5EF4-FFF2-40B4-BE49-F238E27FC236}">
@@ -12103,10 +18547,17 @@
       </p:transition>
     </mc:Fallback>
   </mc:AlternateContent>
+  <p:timing>
+    <p:tnLst>
+      <p:par>
+        <p:cTn id="1" dur="indefinite" restart="never" nodeType="tmRoot"/>
+      </p:par>
+    </p:tnLst>
+  </p:timing>
 </p:sld>
 </file>
 
-<file path=ppt/slides/slide6.xml><?xml version="1.0" encoding="utf-8"?>
+<file path=ppt/slides/slide9.xml><?xml version="1.0" encoding="utf-8"?>
 <p:sld xmlns:a="http://schemas.openxmlformats.org/drawingml/2006/main" xmlns:r="http://schemas.openxmlformats.org/officeDocument/2006/relationships" xmlns:p="http://schemas.openxmlformats.org/presentationml/2006/main">
   <p:cSld>
     <p:spTree>
@@ -12307,3155 +18758,12 @@
       </p:transition>
     </mc:Fallback>
   </mc:AlternateContent>
-</p:sld>
-</file>
-
-<file path=ppt/slides/slide7.xml><?xml version="1.0" encoding="utf-8"?>
-<p:sld xmlns:a="http://schemas.openxmlformats.org/drawingml/2006/main" xmlns:r="http://schemas.openxmlformats.org/officeDocument/2006/relationships" xmlns:p="http://schemas.openxmlformats.org/presentationml/2006/main">
-  <p:cSld>
-    <p:spTree>
-      <p:nvGrpSpPr>
-        <p:cNvPr id="1" name=""/>
-        <p:cNvGrpSpPr/>
-        <p:nvPr/>
-      </p:nvGrpSpPr>
-      <p:grpSpPr>
-        <a:xfrm>
-          <a:off x="0" y="0"/>
-          <a:ext cx="0" cy="0"/>
-          <a:chOff x="0" y="0"/>
-          <a:chExt cx="0" cy="0"/>
-        </a:xfrm>
-      </p:grpSpPr>
-      <p:grpSp>
-        <p:nvGrpSpPr>
-          <p:cNvPr id="44" name="Group 43">
-            <a:extLst>
-              <a:ext uri="{FF2B5EF4-FFF2-40B4-BE49-F238E27FC236}">
-                <a16:creationId xmlns:a16="http://schemas.microsoft.com/office/drawing/2014/main" id="{34E2910E-02E1-B442-9431-A8BE0470EC08}"/>
-              </a:ext>
-            </a:extLst>
-          </p:cNvPr>
-          <p:cNvGrpSpPr/>
-          <p:nvPr/>
-        </p:nvGrpSpPr>
-        <p:grpSpPr>
-          <a:xfrm>
-            <a:off x="623603" y="1702820"/>
-            <a:ext cx="826959" cy="5507726"/>
-            <a:chOff x="623603" y="1702820"/>
-            <a:chExt cx="826959" cy="5507726"/>
-          </a:xfrm>
-        </p:grpSpPr>
-        <p:sp>
-          <p:nvSpPr>
-            <p:cNvPr id="23" name="Rectangle 22">
-              <a:extLst>
-                <a:ext uri="{FF2B5EF4-FFF2-40B4-BE49-F238E27FC236}">
-                  <a16:creationId xmlns:a16="http://schemas.microsoft.com/office/drawing/2014/main" id="{C66CAF25-80B2-5C48-8F1B-76F18A3F34CE}"/>
-                </a:ext>
-              </a:extLst>
-            </p:cNvPr>
-            <p:cNvSpPr/>
-            <p:nvPr/>
-          </p:nvSpPr>
-          <p:spPr>
-            <a:xfrm>
-              <a:off x="628071" y="1702820"/>
-              <a:ext cx="817604" cy="609600"/>
-            </a:xfrm>
-            <a:prstGeom prst="rect">
-              <a:avLst/>
-            </a:prstGeom>
-            <a:noFill/>
-            <a:ln>
-              <a:solidFill>
-                <a:srgbClr val="092529"/>
-              </a:solidFill>
-            </a:ln>
-            <a:effectLst/>
-          </p:spPr>
-          <p:style>
-            <a:lnRef idx="1">
-              <a:schemeClr val="accent1"/>
-            </a:lnRef>
-            <a:fillRef idx="3">
-              <a:schemeClr val="accent1"/>
-            </a:fillRef>
-            <a:effectRef idx="2">
-              <a:schemeClr val="accent1"/>
-            </a:effectRef>
-            <a:fontRef idx="minor">
-              <a:schemeClr val="lt1"/>
-            </a:fontRef>
-          </p:style>
-          <p:txBody>
-            <a:bodyPr lIns="274320" tIns="182880" rIns="274320" bIns="182880" rtlCol="0" anchor="ctr"/>
-            <a:lstStyle/>
-            <a:p>
-              <a:pPr algn="ctr"/>
-              <a:endParaRPr lang="en-US" dirty="0">
-                <a:solidFill>
-                  <a:srgbClr val="092529"/>
-                </a:solidFill>
-                <a:latin typeface="Proxima Nova" charset="0"/>
-                <a:ea typeface="Proxima Nova" charset="0"/>
-                <a:cs typeface="Proxima Nova" charset="0"/>
-              </a:endParaRPr>
-            </a:p>
-          </p:txBody>
-        </p:sp>
-        <p:sp>
-          <p:nvSpPr>
-            <p:cNvPr id="7" name="Rectangle 6">
-              <a:extLst>
-                <a:ext uri="{FF2B5EF4-FFF2-40B4-BE49-F238E27FC236}">
-                  <a16:creationId xmlns:a16="http://schemas.microsoft.com/office/drawing/2014/main" id="{56C9DD25-AADF-9A4D-A6CD-A96AA09AB653}"/>
-                </a:ext>
-              </a:extLst>
-            </p:cNvPr>
-            <p:cNvSpPr/>
-            <p:nvPr/>
-          </p:nvSpPr>
-          <p:spPr>
-            <a:xfrm>
-              <a:off x="628076" y="5983624"/>
-              <a:ext cx="817600" cy="609600"/>
-            </a:xfrm>
-            <a:prstGeom prst="rect">
-              <a:avLst/>
-            </a:prstGeom>
-            <a:noFill/>
-            <a:ln>
-              <a:solidFill>
-                <a:srgbClr val="092529"/>
-              </a:solidFill>
-            </a:ln>
-            <a:effectLst/>
-          </p:spPr>
-          <p:style>
-            <a:lnRef idx="1">
-              <a:schemeClr val="accent1"/>
-            </a:lnRef>
-            <a:fillRef idx="3">
-              <a:schemeClr val="accent1"/>
-            </a:fillRef>
-            <a:effectRef idx="2">
-              <a:schemeClr val="accent1"/>
-            </a:effectRef>
-            <a:fontRef idx="minor">
-              <a:schemeClr val="lt1"/>
-            </a:fontRef>
-          </p:style>
-          <p:txBody>
-            <a:bodyPr lIns="274320" tIns="182880" rIns="274320" bIns="182880" rtlCol="0" anchor="ctr"/>
-            <a:lstStyle/>
-            <a:p>
-              <a:pPr algn="ctr"/>
-              <a:endParaRPr lang="en-US" dirty="0">
-                <a:latin typeface="Proxima Nova" charset="0"/>
-                <a:ea typeface="Proxima Nova" charset="0"/>
-                <a:cs typeface="Proxima Nova" charset="0"/>
-              </a:endParaRPr>
-            </a:p>
-          </p:txBody>
-        </p:sp>
-        <p:sp>
-          <p:nvSpPr>
-            <p:cNvPr id="8" name="Rectangle 7">
-              <a:extLst>
-                <a:ext uri="{FF2B5EF4-FFF2-40B4-BE49-F238E27FC236}">
-                  <a16:creationId xmlns:a16="http://schemas.microsoft.com/office/drawing/2014/main" id="{FF4EF5EE-9203-3C47-9DB8-F001FAD14560}"/>
-                </a:ext>
-              </a:extLst>
-            </p:cNvPr>
-            <p:cNvSpPr/>
-            <p:nvPr/>
-          </p:nvSpPr>
-          <p:spPr>
-            <a:xfrm>
-              <a:off x="628076" y="6600946"/>
-              <a:ext cx="817600" cy="609600"/>
-            </a:xfrm>
-            <a:prstGeom prst="rect">
-              <a:avLst/>
-            </a:prstGeom>
-            <a:noFill/>
-            <a:ln>
-              <a:solidFill>
-                <a:srgbClr val="092529"/>
-              </a:solidFill>
-            </a:ln>
-            <a:effectLst/>
-          </p:spPr>
-          <p:style>
-            <a:lnRef idx="1">
-              <a:schemeClr val="accent1"/>
-            </a:lnRef>
-            <a:fillRef idx="3">
-              <a:schemeClr val="accent1"/>
-            </a:fillRef>
-            <a:effectRef idx="2">
-              <a:schemeClr val="accent1"/>
-            </a:effectRef>
-            <a:fontRef idx="minor">
-              <a:schemeClr val="lt1"/>
-            </a:fontRef>
-          </p:style>
-          <p:txBody>
-            <a:bodyPr lIns="274320" tIns="182880" rIns="274320" bIns="182880" rtlCol="0" anchor="ctr"/>
-            <a:lstStyle/>
-            <a:p>
-              <a:pPr algn="ctr"/>
-              <a:endParaRPr lang="en-US" dirty="0">
-                <a:latin typeface="Proxima Nova" charset="0"/>
-                <a:ea typeface="Proxima Nova" charset="0"/>
-                <a:cs typeface="Proxima Nova" charset="0"/>
-              </a:endParaRPr>
-            </a:p>
-          </p:txBody>
-        </p:sp>
-        <p:sp>
-          <p:nvSpPr>
-            <p:cNvPr id="10" name="Rectangle 9">
-              <a:extLst>
-                <a:ext uri="{FF2B5EF4-FFF2-40B4-BE49-F238E27FC236}">
-                  <a16:creationId xmlns:a16="http://schemas.microsoft.com/office/drawing/2014/main" id="{02953D41-75F3-164C-9349-B88003606B80}"/>
-                </a:ext>
-              </a:extLst>
-            </p:cNvPr>
-            <p:cNvSpPr/>
-            <p:nvPr/>
-          </p:nvSpPr>
-          <p:spPr>
-            <a:xfrm>
-              <a:off x="630115" y="2309933"/>
-              <a:ext cx="817604" cy="609600"/>
-            </a:xfrm>
-            <a:prstGeom prst="rect">
-              <a:avLst/>
-            </a:prstGeom>
-            <a:noFill/>
-            <a:ln>
-              <a:solidFill>
-                <a:srgbClr val="092529"/>
-              </a:solidFill>
-            </a:ln>
-            <a:effectLst/>
-          </p:spPr>
-          <p:style>
-            <a:lnRef idx="1">
-              <a:schemeClr val="accent1"/>
-            </a:lnRef>
-            <a:fillRef idx="3">
-              <a:schemeClr val="accent1"/>
-            </a:fillRef>
-            <a:effectRef idx="2">
-              <a:schemeClr val="accent1"/>
-            </a:effectRef>
-            <a:fontRef idx="minor">
-              <a:schemeClr val="lt1"/>
-            </a:fontRef>
-          </p:style>
-          <p:txBody>
-            <a:bodyPr lIns="274320" tIns="182880" rIns="274320" bIns="182880" rtlCol="0" anchor="ctr"/>
-            <a:lstStyle/>
-            <a:p>
-              <a:pPr algn="ctr"/>
-              <a:endParaRPr lang="en-US" dirty="0">
-                <a:solidFill>
-                  <a:srgbClr val="092529"/>
-                </a:solidFill>
-                <a:latin typeface="Proxima Nova" charset="0"/>
-                <a:ea typeface="Proxima Nova" charset="0"/>
-                <a:cs typeface="Proxima Nova" charset="0"/>
-              </a:endParaRPr>
-            </a:p>
-          </p:txBody>
-        </p:sp>
-        <p:sp>
-          <p:nvSpPr>
-            <p:cNvPr id="11" name="Rectangle 10">
-              <a:extLst>
-                <a:ext uri="{FF2B5EF4-FFF2-40B4-BE49-F238E27FC236}">
-                  <a16:creationId xmlns:a16="http://schemas.microsoft.com/office/drawing/2014/main" id="{9E47066F-4B1A-0043-9D45-E14D1862623A}"/>
-                </a:ext>
-              </a:extLst>
-            </p:cNvPr>
-            <p:cNvSpPr/>
-            <p:nvPr/>
-          </p:nvSpPr>
-          <p:spPr>
-            <a:xfrm>
-              <a:off x="628071" y="2919533"/>
-              <a:ext cx="817603" cy="609600"/>
-            </a:xfrm>
-            <a:prstGeom prst="rect">
-              <a:avLst/>
-            </a:prstGeom>
-            <a:noFill/>
-            <a:ln>
-              <a:solidFill>
-                <a:srgbClr val="092529"/>
-              </a:solidFill>
-            </a:ln>
-            <a:effectLst/>
-          </p:spPr>
-          <p:style>
-            <a:lnRef idx="1">
-              <a:schemeClr val="accent1"/>
-            </a:lnRef>
-            <a:fillRef idx="3">
-              <a:schemeClr val="accent1"/>
-            </a:fillRef>
-            <a:effectRef idx="2">
-              <a:schemeClr val="accent1"/>
-            </a:effectRef>
-            <a:fontRef idx="minor">
-              <a:schemeClr val="lt1"/>
-            </a:fontRef>
-          </p:style>
-          <p:txBody>
-            <a:bodyPr lIns="274320" tIns="182880" rIns="274320" bIns="182880" rtlCol="0" anchor="ctr"/>
-            <a:lstStyle/>
-            <a:p>
-              <a:pPr algn="ctr"/>
-              <a:endParaRPr lang="en-US" dirty="0">
-                <a:solidFill>
-                  <a:srgbClr val="092529"/>
-                </a:solidFill>
-                <a:latin typeface="Proxima Nova" charset="0"/>
-                <a:ea typeface="Proxima Nova" charset="0"/>
-                <a:cs typeface="Proxima Nova" charset="0"/>
-              </a:endParaRPr>
-            </a:p>
-          </p:txBody>
-        </p:sp>
-        <p:sp>
-          <p:nvSpPr>
-            <p:cNvPr id="24" name="Rectangle 23">
-              <a:extLst>
-                <a:ext uri="{FF2B5EF4-FFF2-40B4-BE49-F238E27FC236}">
-                  <a16:creationId xmlns:a16="http://schemas.microsoft.com/office/drawing/2014/main" id="{53CED06C-1C8B-9D46-9328-6E8E0CED0E9E}"/>
-                </a:ext>
-              </a:extLst>
-            </p:cNvPr>
-            <p:cNvSpPr/>
-            <p:nvPr/>
-          </p:nvSpPr>
-          <p:spPr>
-            <a:xfrm>
-              <a:off x="628070" y="3527053"/>
-              <a:ext cx="818557" cy="609600"/>
-            </a:xfrm>
-            <a:prstGeom prst="rect">
-              <a:avLst/>
-            </a:prstGeom>
-            <a:noFill/>
-            <a:ln>
-              <a:solidFill>
-                <a:srgbClr val="092529"/>
-              </a:solidFill>
-            </a:ln>
-            <a:effectLst/>
-          </p:spPr>
-          <p:style>
-            <a:lnRef idx="1">
-              <a:schemeClr val="accent1"/>
-            </a:lnRef>
-            <a:fillRef idx="3">
-              <a:schemeClr val="accent1"/>
-            </a:fillRef>
-            <a:effectRef idx="2">
-              <a:schemeClr val="accent1"/>
-            </a:effectRef>
-            <a:fontRef idx="minor">
-              <a:schemeClr val="lt1"/>
-            </a:fontRef>
-          </p:style>
-          <p:txBody>
-            <a:bodyPr lIns="274320" tIns="182880" rIns="274320" bIns="182880" rtlCol="0" anchor="ctr"/>
-            <a:lstStyle/>
-            <a:p>
-              <a:pPr algn="ctr"/>
-              <a:endParaRPr lang="en-US" dirty="0">
-                <a:solidFill>
-                  <a:srgbClr val="092529"/>
-                </a:solidFill>
-                <a:latin typeface="Proxima Nova" charset="0"/>
-                <a:ea typeface="Proxima Nova" charset="0"/>
-                <a:cs typeface="Proxima Nova" charset="0"/>
-              </a:endParaRPr>
-            </a:p>
-          </p:txBody>
-        </p:sp>
-        <p:sp>
-          <p:nvSpPr>
-            <p:cNvPr id="26" name="Rectangle 25">
-              <a:extLst>
-                <a:ext uri="{FF2B5EF4-FFF2-40B4-BE49-F238E27FC236}">
-                  <a16:creationId xmlns:a16="http://schemas.microsoft.com/office/drawing/2014/main" id="{7482CD69-BCEE-6A40-A4E1-93DC313D4232}"/>
-                </a:ext>
-              </a:extLst>
-            </p:cNvPr>
-            <p:cNvSpPr/>
-            <p:nvPr/>
-          </p:nvSpPr>
-          <p:spPr>
-            <a:xfrm>
-              <a:off x="623603" y="4138189"/>
-              <a:ext cx="824116" cy="609600"/>
-            </a:xfrm>
-            <a:prstGeom prst="rect">
-              <a:avLst/>
-            </a:prstGeom>
-            <a:noFill/>
-            <a:ln>
-              <a:solidFill>
-                <a:srgbClr val="092529"/>
-              </a:solidFill>
-            </a:ln>
-            <a:effectLst/>
-          </p:spPr>
-          <p:style>
-            <a:lnRef idx="1">
-              <a:schemeClr val="accent1"/>
-            </a:lnRef>
-            <a:fillRef idx="3">
-              <a:schemeClr val="accent1"/>
-            </a:fillRef>
-            <a:effectRef idx="2">
-              <a:schemeClr val="accent1"/>
-            </a:effectRef>
-            <a:fontRef idx="minor">
-              <a:schemeClr val="lt1"/>
-            </a:fontRef>
-          </p:style>
-          <p:txBody>
-            <a:bodyPr lIns="274320" tIns="182880" rIns="274320" bIns="182880" rtlCol="0" anchor="ctr"/>
-            <a:lstStyle/>
-            <a:p>
-              <a:pPr algn="ctr"/>
-              <a:endParaRPr lang="en-US" dirty="0">
-                <a:solidFill>
-                  <a:srgbClr val="092529"/>
-                </a:solidFill>
-                <a:latin typeface="Proxima Nova" charset="0"/>
-                <a:ea typeface="Proxima Nova" charset="0"/>
-                <a:cs typeface="Proxima Nova" charset="0"/>
-              </a:endParaRPr>
-            </a:p>
-          </p:txBody>
-        </p:sp>
-        <p:sp>
-          <p:nvSpPr>
-            <p:cNvPr id="27" name="Rectangle 26">
-              <a:extLst>
-                <a:ext uri="{FF2B5EF4-FFF2-40B4-BE49-F238E27FC236}">
-                  <a16:creationId xmlns:a16="http://schemas.microsoft.com/office/drawing/2014/main" id="{2D708CE3-1886-904D-8333-9845B6740B51}"/>
-                </a:ext>
-              </a:extLst>
-            </p:cNvPr>
-            <p:cNvSpPr/>
-            <p:nvPr/>
-          </p:nvSpPr>
-          <p:spPr>
-            <a:xfrm>
-              <a:off x="623603" y="4747482"/>
-              <a:ext cx="821874" cy="609600"/>
-            </a:xfrm>
-            <a:prstGeom prst="rect">
-              <a:avLst/>
-            </a:prstGeom>
-            <a:noFill/>
-            <a:ln>
-              <a:solidFill>
-                <a:srgbClr val="092529"/>
-              </a:solidFill>
-            </a:ln>
-            <a:effectLst/>
-          </p:spPr>
-          <p:style>
-            <a:lnRef idx="1">
-              <a:schemeClr val="accent1"/>
-            </a:lnRef>
-            <a:fillRef idx="3">
-              <a:schemeClr val="accent1"/>
-            </a:fillRef>
-            <a:effectRef idx="2">
-              <a:schemeClr val="accent1"/>
-            </a:effectRef>
-            <a:fontRef idx="minor">
-              <a:schemeClr val="lt1"/>
-            </a:fontRef>
-          </p:style>
-          <p:txBody>
-            <a:bodyPr lIns="274320" tIns="182880" rIns="274320" bIns="182880" rtlCol="0" anchor="ctr"/>
-            <a:lstStyle/>
-            <a:p>
-              <a:pPr algn="ctr"/>
-              <a:endParaRPr lang="en-US" dirty="0">
-                <a:solidFill>
-                  <a:srgbClr val="092529"/>
-                </a:solidFill>
-                <a:latin typeface="Proxima Nova" charset="0"/>
-                <a:ea typeface="Proxima Nova" charset="0"/>
-                <a:cs typeface="Proxima Nova" charset="0"/>
-              </a:endParaRPr>
-            </a:p>
-          </p:txBody>
-        </p:sp>
-        <p:sp>
-          <p:nvSpPr>
-            <p:cNvPr id="28" name="Rectangle 27">
-              <a:extLst>
-                <a:ext uri="{FF2B5EF4-FFF2-40B4-BE49-F238E27FC236}">
-                  <a16:creationId xmlns:a16="http://schemas.microsoft.com/office/drawing/2014/main" id="{19C4F894-8436-DD48-A0D2-7325E15636D2}"/>
-                </a:ext>
-              </a:extLst>
-            </p:cNvPr>
-            <p:cNvSpPr/>
-            <p:nvPr/>
-          </p:nvSpPr>
-          <p:spPr>
-            <a:xfrm>
-              <a:off x="626448" y="5362240"/>
-              <a:ext cx="824114" cy="621384"/>
-            </a:xfrm>
-            <a:prstGeom prst="rect">
-              <a:avLst/>
-            </a:prstGeom>
-            <a:noFill/>
-            <a:ln>
-              <a:solidFill>
-                <a:srgbClr val="092529"/>
-              </a:solidFill>
-            </a:ln>
-            <a:effectLst/>
-          </p:spPr>
-          <p:style>
-            <a:lnRef idx="1">
-              <a:schemeClr val="accent1"/>
-            </a:lnRef>
-            <a:fillRef idx="3">
-              <a:schemeClr val="accent1"/>
-            </a:fillRef>
-            <a:effectRef idx="2">
-              <a:schemeClr val="accent1"/>
-            </a:effectRef>
-            <a:fontRef idx="minor">
-              <a:schemeClr val="lt1"/>
-            </a:fontRef>
-          </p:style>
-          <p:txBody>
-            <a:bodyPr lIns="274320" tIns="182880" rIns="274320" bIns="182880" rtlCol="0" anchor="ctr"/>
-            <a:lstStyle/>
-            <a:p>
-              <a:pPr algn="ctr"/>
-              <a:endParaRPr lang="en-US" dirty="0">
-                <a:solidFill>
-                  <a:srgbClr val="092529"/>
-                </a:solidFill>
-                <a:latin typeface="Proxima Nova" charset="0"/>
-                <a:ea typeface="Proxima Nova" charset="0"/>
-                <a:cs typeface="Proxima Nova" charset="0"/>
-              </a:endParaRPr>
-            </a:p>
-          </p:txBody>
-        </p:sp>
-      </p:grpSp>
-      <p:sp>
-        <p:nvSpPr>
-          <p:cNvPr id="2" name="Title 1">
-            <a:extLst>
-              <a:ext uri="{FF2B5EF4-FFF2-40B4-BE49-F238E27FC236}">
-                <a16:creationId xmlns:a16="http://schemas.microsoft.com/office/drawing/2014/main" id="{62496EE1-91DF-A248-9B43-4F40C75FB429}"/>
-              </a:ext>
-            </a:extLst>
-          </p:cNvPr>
-          <p:cNvSpPr>
-            <a:spLocks noGrp="1"/>
-          </p:cNvSpPr>
-          <p:nvPr>
-            <p:ph type="title"/>
-          </p:nvPr>
-        </p:nvSpPr>
-        <p:spPr/>
-        <p:txBody>
-          <a:bodyPr/>
-          <a:lstStyle/>
-          <a:p>
-            <a:r>
-              <a:rPr lang="en-US" dirty="0"/>
-              <a:t>First, Let’s Think About Memory</a:t>
-            </a:r>
-          </a:p>
-        </p:txBody>
-      </p:sp>
-      <p:sp>
-        <p:nvSpPr>
-          <p:cNvPr id="3" name="Text Placeholder 2">
-            <a:extLst>
-              <a:ext uri="{FF2B5EF4-FFF2-40B4-BE49-F238E27FC236}">
-                <a16:creationId xmlns:a16="http://schemas.microsoft.com/office/drawing/2014/main" id="{8A86AEB4-9C35-E24B-A426-6F41C33DF58C}"/>
-              </a:ext>
-            </a:extLst>
-          </p:cNvPr>
-          <p:cNvSpPr>
-            <a:spLocks noGrp="1"/>
-          </p:cNvSpPr>
-          <p:nvPr>
-            <p:ph type="body" sz="quarter" idx="10"/>
-          </p:nvPr>
-        </p:nvSpPr>
-        <p:spPr>
-          <a:xfrm>
-            <a:off x="6908800" y="1776683"/>
-            <a:ext cx="6280728" cy="4186659"/>
-          </a:xfrm>
-        </p:spPr>
-        <p:txBody>
-          <a:bodyPr/>
-          <a:lstStyle/>
-          <a:p>
-            <a:r>
-              <a:rPr lang="en-US" dirty="0"/>
-              <a:t>Storing variables in memory</a:t>
-            </a:r>
-          </a:p>
-          <a:p>
-            <a:pPr lvl="1"/>
-            <a:r>
-              <a:rPr lang="en-US" dirty="0"/>
-              <a:t>Wherever the computer decides</a:t>
-            </a:r>
-          </a:p>
-          <a:p>
-            <a:pPr lvl="1"/>
-            <a:r>
-              <a:rPr lang="en-US" dirty="0"/>
-              <a:t>Value stored in the location</a:t>
-            </a:r>
-          </a:p>
-          <a:p>
-            <a:pPr lvl="1"/>
-            <a:r>
-              <a:rPr lang="en-US" dirty="0"/>
-              <a:t>Variable name points towards location</a:t>
-            </a:r>
-          </a:p>
-          <a:p>
-            <a:r>
-              <a:rPr lang="en-US" dirty="0"/>
-              <a:t>Example</a:t>
-            </a:r>
-          </a:p>
-          <a:p>
-            <a:pPr lvl="1"/>
-            <a:r>
-              <a:rPr lang="en-US" dirty="0">
-                <a:latin typeface="Consolas" panose="020B0609020204030204" pitchFamily="49" charset="0"/>
-                <a:cs typeface="Consolas" panose="020B0609020204030204" pitchFamily="49" charset="0"/>
-              </a:rPr>
-              <a:t>char c = ‘C’;</a:t>
-            </a:r>
-          </a:p>
-          <a:p>
-            <a:pPr lvl="1"/>
-            <a:r>
-              <a:rPr lang="en-US" dirty="0">
-                <a:latin typeface="Consolas" panose="020B0609020204030204" pitchFamily="49" charset="0"/>
-                <a:cs typeface="Consolas" panose="020B0609020204030204" pitchFamily="49" charset="0"/>
-              </a:rPr>
-              <a:t>char m = ‘M’;</a:t>
-            </a:r>
-          </a:p>
-          <a:p>
-            <a:pPr lvl="1"/>
-            <a:endParaRPr lang="en-US" dirty="0">
-              <a:latin typeface="Consolas" panose="020B0609020204030204" pitchFamily="49" charset="0"/>
-              <a:cs typeface="Consolas" panose="020B0609020204030204" pitchFamily="49" charset="0"/>
-            </a:endParaRPr>
-          </a:p>
-          <a:p>
-            <a:r>
-              <a:rPr lang="en-US" dirty="0">
-                <a:latin typeface="Consolas" panose="020B0609020204030204" pitchFamily="49" charset="0"/>
-                <a:cs typeface="Consolas" panose="020B0609020204030204" pitchFamily="49" charset="0"/>
-              </a:rPr>
-              <a:t>What about Strings?</a:t>
-            </a:r>
-          </a:p>
-          <a:p>
-            <a:pPr lvl="1"/>
-            <a:r>
-              <a:rPr lang="en-US" dirty="0">
-                <a:latin typeface="Consolas" panose="020B0609020204030204" pitchFamily="49" charset="0"/>
-                <a:cs typeface="Consolas" panose="020B0609020204030204" pitchFamily="49" charset="0"/>
-              </a:rPr>
-              <a:t>String mascot = </a:t>
-            </a:r>
-            <a:r>
-              <a:rPr lang="en-US">
-                <a:latin typeface="Consolas" panose="020B0609020204030204" pitchFamily="49" charset="0"/>
-                <a:cs typeface="Consolas" panose="020B0609020204030204" pitchFamily="49" charset="0"/>
-              </a:rPr>
-              <a:t>“CAM”;</a:t>
-            </a:r>
-            <a:endParaRPr lang="en-US" dirty="0">
-              <a:latin typeface="Consolas" panose="020B0609020204030204" pitchFamily="49" charset="0"/>
-              <a:cs typeface="Consolas" panose="020B0609020204030204" pitchFamily="49" charset="0"/>
-            </a:endParaRPr>
-          </a:p>
-        </p:txBody>
-      </p:sp>
-      <p:sp>
-        <p:nvSpPr>
-          <p:cNvPr id="4" name="Rectangle 3">
-            <a:extLst>
-              <a:ext uri="{FF2B5EF4-FFF2-40B4-BE49-F238E27FC236}">
-                <a16:creationId xmlns:a16="http://schemas.microsoft.com/office/drawing/2014/main" id="{C75CBA6C-C0A0-D142-9E1A-803295EDEDC8}"/>
-              </a:ext>
-            </a:extLst>
-          </p:cNvPr>
-          <p:cNvSpPr/>
-          <p:nvPr/>
-        </p:nvSpPr>
-        <p:spPr>
-          <a:xfrm>
-            <a:off x="632098" y="4137126"/>
-            <a:ext cx="811905" cy="622684"/>
-          </a:xfrm>
-          <a:prstGeom prst="rect">
-            <a:avLst/>
-          </a:prstGeom>
-          <a:solidFill>
-            <a:schemeClr val="bg2"/>
-          </a:solidFill>
-          <a:ln>
-            <a:solidFill>
-              <a:srgbClr val="092529"/>
-            </a:solidFill>
-          </a:ln>
-          <a:effectLst/>
-        </p:spPr>
-        <p:style>
-          <a:lnRef idx="1">
-            <a:schemeClr val="accent1"/>
-          </a:lnRef>
-          <a:fillRef idx="3">
-            <a:schemeClr val="accent1"/>
-          </a:fillRef>
-          <a:effectRef idx="2">
-            <a:schemeClr val="accent1"/>
-          </a:effectRef>
-          <a:fontRef idx="minor">
-            <a:schemeClr val="lt1"/>
-          </a:fontRef>
-        </p:style>
-        <p:txBody>
-          <a:bodyPr lIns="274320" tIns="182880" rIns="274320" bIns="182880" rtlCol="0" anchor="ctr"/>
-          <a:lstStyle/>
-          <a:p>
-            <a:pPr algn="ctr"/>
-            <a:r>
-              <a:rPr lang="en-US" dirty="0">
-                <a:solidFill>
-                  <a:srgbClr val="092529"/>
-                </a:solidFill>
-                <a:latin typeface="Proxima Nova" charset="0"/>
-                <a:ea typeface="Proxima Nova" charset="0"/>
-                <a:cs typeface="Proxima Nova" charset="0"/>
-              </a:rPr>
-              <a:t>C</a:t>
-            </a:r>
-          </a:p>
-        </p:txBody>
-      </p:sp>
-      <p:sp>
-        <p:nvSpPr>
-          <p:cNvPr id="5" name="Rectangle 4">
-            <a:extLst>
-              <a:ext uri="{FF2B5EF4-FFF2-40B4-BE49-F238E27FC236}">
-                <a16:creationId xmlns:a16="http://schemas.microsoft.com/office/drawing/2014/main" id="{48462044-FBFD-3C40-BDF4-2F3902E7DB16}"/>
-              </a:ext>
-            </a:extLst>
-          </p:cNvPr>
-          <p:cNvSpPr/>
-          <p:nvPr/>
-        </p:nvSpPr>
-        <p:spPr>
-          <a:xfrm>
-            <a:off x="626448" y="4764968"/>
-            <a:ext cx="817634" cy="580093"/>
-          </a:xfrm>
-          <a:prstGeom prst="rect">
-            <a:avLst/>
-          </a:prstGeom>
-          <a:solidFill>
-            <a:schemeClr val="bg2"/>
-          </a:solidFill>
-          <a:ln>
-            <a:solidFill>
-              <a:srgbClr val="092529"/>
-            </a:solidFill>
-          </a:ln>
-          <a:effectLst/>
-        </p:spPr>
-        <p:style>
-          <a:lnRef idx="1">
-            <a:schemeClr val="accent1"/>
-          </a:lnRef>
-          <a:fillRef idx="3">
-            <a:schemeClr val="accent1"/>
-          </a:fillRef>
-          <a:effectRef idx="2">
-            <a:schemeClr val="accent1"/>
-          </a:effectRef>
-          <a:fontRef idx="minor">
-            <a:schemeClr val="lt1"/>
-          </a:fontRef>
-        </p:style>
-        <p:txBody>
-          <a:bodyPr lIns="274320" tIns="182880" rIns="274320" bIns="182880" rtlCol="0" anchor="ctr"/>
-          <a:lstStyle/>
-          <a:p>
-            <a:pPr algn="ctr"/>
-            <a:r>
-              <a:rPr lang="en-US" dirty="0">
-                <a:solidFill>
-                  <a:srgbClr val="092529"/>
-                </a:solidFill>
-                <a:latin typeface="Proxima Nova" charset="0"/>
-                <a:ea typeface="Proxima Nova" charset="0"/>
-                <a:cs typeface="Proxima Nova" charset="0"/>
-              </a:rPr>
-              <a:t>A</a:t>
-            </a:r>
-          </a:p>
-        </p:txBody>
-      </p:sp>
-      <p:sp>
-        <p:nvSpPr>
-          <p:cNvPr id="6" name="Rectangle 5">
-            <a:extLst>
-              <a:ext uri="{FF2B5EF4-FFF2-40B4-BE49-F238E27FC236}">
-                <a16:creationId xmlns:a16="http://schemas.microsoft.com/office/drawing/2014/main" id="{9781D4B2-DA0F-7142-8E97-03A462B5D81B}"/>
-              </a:ext>
-            </a:extLst>
-          </p:cNvPr>
-          <p:cNvSpPr/>
-          <p:nvPr/>
-        </p:nvSpPr>
-        <p:spPr>
-          <a:xfrm>
-            <a:off x="626403" y="5356184"/>
-            <a:ext cx="817600" cy="626859"/>
-          </a:xfrm>
-          <a:prstGeom prst="rect">
-            <a:avLst/>
-          </a:prstGeom>
-          <a:solidFill>
-            <a:schemeClr val="bg2"/>
-          </a:solidFill>
-          <a:ln>
-            <a:solidFill>
-              <a:srgbClr val="092529"/>
-            </a:solidFill>
-          </a:ln>
-          <a:effectLst/>
-        </p:spPr>
-        <p:style>
-          <a:lnRef idx="1">
-            <a:schemeClr val="accent1"/>
-          </a:lnRef>
-          <a:fillRef idx="3">
-            <a:schemeClr val="accent1"/>
-          </a:fillRef>
-          <a:effectRef idx="2">
-            <a:schemeClr val="accent1"/>
-          </a:effectRef>
-          <a:fontRef idx="minor">
-            <a:schemeClr val="lt1"/>
-          </a:fontRef>
-        </p:style>
-        <p:txBody>
-          <a:bodyPr lIns="274320" tIns="182880" rIns="274320" bIns="182880" rtlCol="0" anchor="ctr"/>
-          <a:lstStyle/>
-          <a:p>
-            <a:pPr algn="ctr"/>
-            <a:r>
-              <a:rPr lang="en-US" dirty="0">
-                <a:solidFill>
-                  <a:srgbClr val="092529"/>
-                </a:solidFill>
-                <a:latin typeface="Proxima Nova" charset="0"/>
-                <a:ea typeface="Proxima Nova" charset="0"/>
-                <a:cs typeface="Proxima Nova" charset="0"/>
-              </a:rPr>
-              <a:t>M</a:t>
-            </a:r>
-          </a:p>
-        </p:txBody>
-      </p:sp>
-      <p:sp>
-        <p:nvSpPr>
-          <p:cNvPr id="9" name="Rectangle 8">
-            <a:extLst>
-              <a:ext uri="{FF2B5EF4-FFF2-40B4-BE49-F238E27FC236}">
-                <a16:creationId xmlns:a16="http://schemas.microsoft.com/office/drawing/2014/main" id="{37E9A6C2-956E-B74F-AAF7-A77D3CE2E27F}"/>
-              </a:ext>
-            </a:extLst>
-          </p:cNvPr>
-          <p:cNvSpPr/>
-          <p:nvPr/>
-        </p:nvSpPr>
-        <p:spPr>
-          <a:xfrm>
-            <a:off x="628070" y="1706681"/>
-            <a:ext cx="815977" cy="609600"/>
-          </a:xfrm>
-          <a:prstGeom prst="rect">
-            <a:avLst/>
-          </a:prstGeom>
-          <a:noFill/>
-          <a:ln>
-            <a:solidFill>
-              <a:srgbClr val="092529"/>
-            </a:solidFill>
-          </a:ln>
-          <a:effectLst/>
-        </p:spPr>
-        <p:style>
-          <a:lnRef idx="1">
-            <a:schemeClr val="accent1"/>
-          </a:lnRef>
-          <a:fillRef idx="3">
-            <a:schemeClr val="accent1"/>
-          </a:fillRef>
-          <a:effectRef idx="2">
-            <a:schemeClr val="accent1"/>
-          </a:effectRef>
-          <a:fontRef idx="minor">
-            <a:schemeClr val="lt1"/>
-          </a:fontRef>
-        </p:style>
-        <p:txBody>
-          <a:bodyPr lIns="274320" tIns="182880" rIns="274320" bIns="182880" rtlCol="0" anchor="ctr"/>
-          <a:lstStyle/>
-          <a:p>
-            <a:pPr algn="ctr"/>
-            <a:r>
-              <a:rPr lang="en-US" dirty="0">
-                <a:solidFill>
-                  <a:srgbClr val="092529"/>
-                </a:solidFill>
-                <a:latin typeface="Proxima Nova" charset="0"/>
-                <a:ea typeface="Proxima Nova" charset="0"/>
-                <a:cs typeface="Proxima Nova" charset="0"/>
-              </a:rPr>
-              <a:t>C</a:t>
-            </a:r>
-          </a:p>
-        </p:txBody>
-      </p:sp>
-      <p:sp>
-        <p:nvSpPr>
-          <p:cNvPr id="12" name="Rectangle 11">
-            <a:extLst>
-              <a:ext uri="{FF2B5EF4-FFF2-40B4-BE49-F238E27FC236}">
-                <a16:creationId xmlns:a16="http://schemas.microsoft.com/office/drawing/2014/main" id="{A812FE80-3656-C046-9837-9C34FB2F95D2}"/>
-              </a:ext>
-            </a:extLst>
-          </p:cNvPr>
-          <p:cNvSpPr/>
-          <p:nvPr/>
-        </p:nvSpPr>
-        <p:spPr>
-          <a:xfrm>
-            <a:off x="642306" y="6601526"/>
-            <a:ext cx="824114" cy="609600"/>
-          </a:xfrm>
-          <a:prstGeom prst="rect">
-            <a:avLst/>
-          </a:prstGeom>
-          <a:noFill/>
-          <a:ln>
-            <a:solidFill>
-              <a:srgbClr val="092529"/>
-            </a:solidFill>
-          </a:ln>
-          <a:effectLst/>
-        </p:spPr>
-        <p:style>
-          <a:lnRef idx="1">
-            <a:schemeClr val="accent1"/>
-          </a:lnRef>
-          <a:fillRef idx="3">
-            <a:schemeClr val="accent1"/>
-          </a:fillRef>
-          <a:effectRef idx="2">
-            <a:schemeClr val="accent1"/>
-          </a:effectRef>
-          <a:fontRef idx="minor">
-            <a:schemeClr val="lt1"/>
-          </a:fontRef>
-        </p:style>
-        <p:txBody>
-          <a:bodyPr lIns="274320" tIns="182880" rIns="274320" bIns="182880" rtlCol="0" anchor="ctr"/>
-          <a:lstStyle/>
-          <a:p>
-            <a:pPr algn="ctr"/>
-            <a:r>
-              <a:rPr lang="en-US" dirty="0">
-                <a:solidFill>
-                  <a:srgbClr val="092529"/>
-                </a:solidFill>
-                <a:latin typeface="Proxima Nova" charset="0"/>
-                <a:ea typeface="Proxima Nova" charset="0"/>
-                <a:cs typeface="Proxima Nova" charset="0"/>
-              </a:rPr>
-              <a:t>M</a:t>
-            </a:r>
-          </a:p>
-        </p:txBody>
-      </p:sp>
-      <p:sp>
-        <p:nvSpPr>
-          <p:cNvPr id="14" name="Rectangle 13">
-            <a:extLst>
-              <a:ext uri="{FF2B5EF4-FFF2-40B4-BE49-F238E27FC236}">
-                <a16:creationId xmlns:a16="http://schemas.microsoft.com/office/drawing/2014/main" id="{66A8E50E-1ECF-F248-8EFD-5664AA8263DF}"/>
-              </a:ext>
-            </a:extLst>
-          </p:cNvPr>
-          <p:cNvSpPr/>
-          <p:nvPr/>
-        </p:nvSpPr>
-        <p:spPr>
-          <a:xfrm>
-            <a:off x="2723614" y="1663320"/>
-            <a:ext cx="1172116" cy="400110"/>
-          </a:xfrm>
-          <a:prstGeom prst="rect">
-            <a:avLst/>
-          </a:prstGeom>
-        </p:spPr>
-        <p:txBody>
-          <a:bodyPr wrap="none">
-            <a:spAutoFit/>
-          </a:bodyPr>
-          <a:lstStyle/>
-          <a:p>
-            <a:r>
-              <a:rPr lang="en-US" dirty="0">
-                <a:latin typeface="Consolas" panose="020B0609020204030204" pitchFamily="49" charset="0"/>
-                <a:cs typeface="Consolas" panose="020B0609020204030204" pitchFamily="49" charset="0"/>
-              </a:rPr>
-              <a:t>char c </a:t>
-            </a:r>
-            <a:endParaRPr lang="en-US" dirty="0"/>
-          </a:p>
-        </p:txBody>
-      </p:sp>
-      <p:cxnSp>
-        <p:nvCxnSpPr>
-          <p:cNvPr id="18" name="Straight Arrow Connector 17">
-            <a:extLst>
-              <a:ext uri="{FF2B5EF4-FFF2-40B4-BE49-F238E27FC236}">
-                <a16:creationId xmlns:a16="http://schemas.microsoft.com/office/drawing/2014/main" id="{E62A37CE-3C65-7C4B-B284-02123CB5FBD7}"/>
-              </a:ext>
-            </a:extLst>
-          </p:cNvPr>
-          <p:cNvCxnSpPr>
-            <a:cxnSpLocks/>
-            <a:stCxn id="14" idx="1"/>
-            <a:endCxn id="9" idx="3"/>
-          </p:cNvCxnSpPr>
-          <p:nvPr/>
-        </p:nvCxnSpPr>
-        <p:spPr>
-          <a:xfrm flipH="1">
-            <a:off x="1444047" y="1863375"/>
-            <a:ext cx="1279567" cy="148106"/>
-          </a:xfrm>
-          <a:prstGeom prst="straightConnector1">
-            <a:avLst/>
-          </a:prstGeom>
-          <a:ln>
-            <a:solidFill>
-              <a:srgbClr val="092529"/>
-            </a:solidFill>
-            <a:tailEnd type="triangle"/>
-          </a:ln>
-        </p:spPr>
-        <p:style>
-          <a:lnRef idx="2">
-            <a:schemeClr val="accent1"/>
-          </a:lnRef>
-          <a:fillRef idx="0">
-            <a:schemeClr val="accent1"/>
-          </a:fillRef>
-          <a:effectRef idx="1">
-            <a:schemeClr val="accent1"/>
-          </a:effectRef>
-          <a:fontRef idx="minor">
-            <a:schemeClr val="tx1"/>
-          </a:fontRef>
-        </p:style>
-      </p:cxnSp>
-      <p:sp>
-        <p:nvSpPr>
-          <p:cNvPr id="19" name="Rectangle 18">
-            <a:extLst>
-              <a:ext uri="{FF2B5EF4-FFF2-40B4-BE49-F238E27FC236}">
-                <a16:creationId xmlns:a16="http://schemas.microsoft.com/office/drawing/2014/main" id="{559B5B15-056C-2742-84BF-9FE475FF6523}"/>
-              </a:ext>
-            </a:extLst>
-          </p:cNvPr>
-          <p:cNvSpPr/>
-          <p:nvPr/>
-        </p:nvSpPr>
-        <p:spPr>
-          <a:xfrm>
-            <a:off x="2723614" y="2148836"/>
-            <a:ext cx="1172116" cy="400110"/>
-          </a:xfrm>
-          <a:prstGeom prst="rect">
-            <a:avLst/>
-          </a:prstGeom>
-        </p:spPr>
-        <p:txBody>
-          <a:bodyPr wrap="none">
-            <a:spAutoFit/>
-          </a:bodyPr>
-          <a:lstStyle/>
-          <a:p>
-            <a:r>
-              <a:rPr lang="en-US" dirty="0">
-                <a:latin typeface="Consolas" panose="020B0609020204030204" pitchFamily="49" charset="0"/>
-                <a:cs typeface="Consolas" panose="020B0609020204030204" pitchFamily="49" charset="0"/>
-              </a:rPr>
-              <a:t>char m </a:t>
-            </a:r>
-            <a:endParaRPr lang="en-US" dirty="0"/>
-          </a:p>
-        </p:txBody>
-      </p:sp>
-      <p:cxnSp>
-        <p:nvCxnSpPr>
-          <p:cNvPr id="22" name="Straight Arrow Connector 21">
-            <a:extLst>
-              <a:ext uri="{FF2B5EF4-FFF2-40B4-BE49-F238E27FC236}">
-                <a16:creationId xmlns:a16="http://schemas.microsoft.com/office/drawing/2014/main" id="{DEC9785B-BF18-AA44-A778-3B9B6135EE01}"/>
-              </a:ext>
-            </a:extLst>
-          </p:cNvPr>
-          <p:cNvCxnSpPr>
-            <a:cxnSpLocks/>
-            <a:stCxn id="19" idx="1"/>
-            <a:endCxn id="12" idx="3"/>
-          </p:cNvCxnSpPr>
-          <p:nvPr/>
-        </p:nvCxnSpPr>
-        <p:spPr>
-          <a:xfrm flipH="1">
-            <a:off x="1466420" y="2348891"/>
-            <a:ext cx="1257194" cy="4557435"/>
-          </a:xfrm>
-          <a:prstGeom prst="straightConnector1">
-            <a:avLst/>
-          </a:prstGeom>
-          <a:ln>
-            <a:solidFill>
-              <a:srgbClr val="092529"/>
-            </a:solidFill>
-            <a:tailEnd type="triangle"/>
-          </a:ln>
-        </p:spPr>
-        <p:style>
-          <a:lnRef idx="2">
-            <a:schemeClr val="accent1"/>
-          </a:lnRef>
-          <a:fillRef idx="0">
-            <a:schemeClr val="accent1"/>
-          </a:fillRef>
-          <a:effectRef idx="1">
-            <a:schemeClr val="accent1"/>
-          </a:effectRef>
-          <a:fontRef idx="minor">
-            <a:schemeClr val="tx1"/>
-          </a:fontRef>
-        </p:style>
-      </p:cxnSp>
-      <p:sp>
-        <p:nvSpPr>
-          <p:cNvPr id="30" name="Rectangle 29">
-            <a:extLst>
-              <a:ext uri="{FF2B5EF4-FFF2-40B4-BE49-F238E27FC236}">
-                <a16:creationId xmlns:a16="http://schemas.microsoft.com/office/drawing/2014/main" id="{02C615D1-A5E5-224B-9710-B7E3DCAFEDFA}"/>
-              </a:ext>
-            </a:extLst>
-          </p:cNvPr>
-          <p:cNvSpPr/>
-          <p:nvPr/>
-        </p:nvSpPr>
-        <p:spPr>
-          <a:xfrm>
-            <a:off x="3309672" y="3870012"/>
-            <a:ext cx="2159566" cy="400110"/>
-          </a:xfrm>
-          <a:prstGeom prst="rect">
-            <a:avLst/>
-          </a:prstGeom>
-        </p:spPr>
-        <p:txBody>
-          <a:bodyPr wrap="none">
-            <a:spAutoFit/>
-          </a:bodyPr>
-          <a:lstStyle/>
-          <a:p>
-            <a:r>
-              <a:rPr lang="en-US" dirty="0">
-                <a:latin typeface="Consolas" panose="020B0609020204030204" pitchFamily="49" charset="0"/>
-                <a:cs typeface="Consolas" panose="020B0609020204030204" pitchFamily="49" charset="0"/>
-              </a:rPr>
-              <a:t>String mascot </a:t>
-            </a:r>
-            <a:endParaRPr lang="en-US" dirty="0"/>
-          </a:p>
-        </p:txBody>
-      </p:sp>
-      <p:cxnSp>
-        <p:nvCxnSpPr>
-          <p:cNvPr id="32" name="Straight Arrow Connector 31">
-            <a:extLst>
-              <a:ext uri="{FF2B5EF4-FFF2-40B4-BE49-F238E27FC236}">
-                <a16:creationId xmlns:a16="http://schemas.microsoft.com/office/drawing/2014/main" id="{D659AF9F-EC5D-2345-A73A-5B539A9B3450}"/>
-              </a:ext>
-            </a:extLst>
-          </p:cNvPr>
-          <p:cNvCxnSpPr>
-            <a:cxnSpLocks/>
-            <a:stCxn id="30" idx="1"/>
-            <a:endCxn id="4" idx="3"/>
-          </p:cNvCxnSpPr>
-          <p:nvPr/>
-        </p:nvCxnSpPr>
-        <p:spPr>
-          <a:xfrm flipH="1">
-            <a:off x="1444003" y="4070067"/>
-            <a:ext cx="1865669" cy="378401"/>
-          </a:xfrm>
-          <a:prstGeom prst="straightConnector1">
-            <a:avLst/>
-          </a:prstGeom>
-          <a:ln>
-            <a:solidFill>
-              <a:srgbClr val="092529"/>
-            </a:solidFill>
-            <a:tailEnd type="triangle"/>
-          </a:ln>
-        </p:spPr>
-        <p:style>
-          <a:lnRef idx="2">
-            <a:schemeClr val="accent1"/>
-          </a:lnRef>
-          <a:fillRef idx="0">
-            <a:schemeClr val="accent1"/>
-          </a:fillRef>
-          <a:effectRef idx="1">
-            <a:schemeClr val="accent1"/>
-          </a:effectRef>
-          <a:fontRef idx="minor">
-            <a:schemeClr val="tx1"/>
-          </a:fontRef>
-        </p:style>
-      </p:cxnSp>
-    </p:spTree>
-    <p:extLst>
-      <p:ext uri="{BB962C8B-B14F-4D97-AF65-F5344CB8AC3E}">
-        <p14:creationId xmlns:p14="http://schemas.microsoft.com/office/powerpoint/2010/main" val="1168442721"/>
-      </p:ext>
-    </p:extLst>
-  </p:cSld>
-  <p:clrMapOvr>
-    <a:masterClrMapping/>
-  </p:clrMapOvr>
-  <mc:AlternateContent xmlns:mc="http://schemas.openxmlformats.org/markup-compatibility/2006" xmlns:p14="http://schemas.microsoft.com/office/powerpoint/2010/main">
-    <mc:Choice Requires="p14">
-      <p:transition p14:dur="300">
-        <p:fade/>
-      </p:transition>
-    </mc:Choice>
-    <mc:Fallback xmlns="">
-      <p:transition>
-        <p:fade/>
-      </p:transition>
-    </mc:Fallback>
-  </mc:AlternateContent>
   <p:timing>
     <p:tnLst>
       <p:par>
-        <p:cTn id="1" dur="indefinite" restart="never" nodeType="tmRoot">
-          <p:childTnLst>
-            <p:seq concurrent="1" nextAc="seek">
-              <p:cTn id="2" dur="indefinite" nodeType="mainSeq">
-                <p:childTnLst>
-                  <p:par>
-                    <p:cTn id="3" fill="hold">
-                      <p:stCondLst>
-                        <p:cond delay="indefinite"/>
-                      </p:stCondLst>
-                      <p:childTnLst>
-                        <p:par>
-                          <p:cTn id="4" fill="hold">
-                            <p:stCondLst>
-                              <p:cond delay="0"/>
-                            </p:stCondLst>
-                            <p:childTnLst>
-                              <p:par>
-                                <p:cTn id="5" presetID="9" presetClass="entr" presetSubtype="0" fill="hold" grpId="0" nodeType="clickEffect">
-                                  <p:stCondLst>
-                                    <p:cond delay="0"/>
-                                  </p:stCondLst>
-                                  <p:childTnLst>
-                                    <p:set>
-                                      <p:cBhvr>
-                                        <p:cTn id="6" dur="1" fill="hold">
-                                          <p:stCondLst>
-                                            <p:cond delay="0"/>
-                                          </p:stCondLst>
-                                        </p:cTn>
-                                        <p:tgtEl>
-                                          <p:spTgt spid="14"/>
-                                        </p:tgtEl>
-                                        <p:attrNameLst>
-                                          <p:attrName>style.visibility</p:attrName>
-                                        </p:attrNameLst>
-                                      </p:cBhvr>
-                                      <p:to>
-                                        <p:strVal val="visible"/>
-                                      </p:to>
-                                    </p:set>
-                                    <p:animEffect transition="in" filter="dissolve">
-                                      <p:cBhvr>
-                                        <p:cTn id="7" dur="500"/>
-                                        <p:tgtEl>
-                                          <p:spTgt spid="14"/>
-                                        </p:tgtEl>
-                                      </p:cBhvr>
-                                    </p:animEffect>
-                                  </p:childTnLst>
-                                </p:cTn>
-                              </p:par>
-                              <p:par>
-                                <p:cTn id="8" presetID="9" presetClass="entr" presetSubtype="0" fill="hold" nodeType="withEffect">
-                                  <p:stCondLst>
-                                    <p:cond delay="0"/>
-                                  </p:stCondLst>
-                                  <p:childTnLst>
-                                    <p:set>
-                                      <p:cBhvr>
-                                        <p:cTn id="9" dur="1" fill="hold">
-                                          <p:stCondLst>
-                                            <p:cond delay="0"/>
-                                          </p:stCondLst>
-                                        </p:cTn>
-                                        <p:tgtEl>
-                                          <p:spTgt spid="18"/>
-                                        </p:tgtEl>
-                                        <p:attrNameLst>
-                                          <p:attrName>style.visibility</p:attrName>
-                                        </p:attrNameLst>
-                                      </p:cBhvr>
-                                      <p:to>
-                                        <p:strVal val="visible"/>
-                                      </p:to>
-                                    </p:set>
-                                    <p:animEffect transition="in" filter="dissolve">
-                                      <p:cBhvr>
-                                        <p:cTn id="10" dur="500"/>
-                                        <p:tgtEl>
-                                          <p:spTgt spid="18"/>
-                                        </p:tgtEl>
-                                      </p:cBhvr>
-                                    </p:animEffect>
-                                  </p:childTnLst>
-                                </p:cTn>
-                              </p:par>
-                              <p:par>
-                                <p:cTn id="11" presetID="9" presetClass="entr" presetSubtype="0" fill="hold" grpId="0" nodeType="withEffect">
-                                  <p:stCondLst>
-                                    <p:cond delay="0"/>
-                                  </p:stCondLst>
-                                  <p:childTnLst>
-                                    <p:set>
-                                      <p:cBhvr>
-                                        <p:cTn id="12" dur="1" fill="hold">
-                                          <p:stCondLst>
-                                            <p:cond delay="0"/>
-                                          </p:stCondLst>
-                                        </p:cTn>
-                                        <p:tgtEl>
-                                          <p:spTgt spid="9"/>
-                                        </p:tgtEl>
-                                        <p:attrNameLst>
-                                          <p:attrName>style.visibility</p:attrName>
-                                        </p:attrNameLst>
-                                      </p:cBhvr>
-                                      <p:to>
-                                        <p:strVal val="visible"/>
-                                      </p:to>
-                                    </p:set>
-                                    <p:animEffect transition="in" filter="dissolve">
-                                      <p:cBhvr>
-                                        <p:cTn id="13" dur="500"/>
-                                        <p:tgtEl>
-                                          <p:spTgt spid="9"/>
-                                        </p:tgtEl>
-                                      </p:cBhvr>
-                                    </p:animEffect>
-                                  </p:childTnLst>
-                                </p:cTn>
-                              </p:par>
-                            </p:childTnLst>
-                          </p:cTn>
-                        </p:par>
-                      </p:childTnLst>
-                    </p:cTn>
-                  </p:par>
-                  <p:par>
-                    <p:cTn id="14" fill="hold">
-                      <p:stCondLst>
-                        <p:cond delay="indefinite"/>
-                      </p:stCondLst>
-                      <p:childTnLst>
-                        <p:par>
-                          <p:cTn id="15" fill="hold">
-                            <p:stCondLst>
-                              <p:cond delay="0"/>
-                            </p:stCondLst>
-                            <p:childTnLst>
-                              <p:par>
-                                <p:cTn id="16" presetID="9" presetClass="entr" presetSubtype="0" fill="hold" nodeType="clickEffect">
-                                  <p:stCondLst>
-                                    <p:cond delay="0"/>
-                                  </p:stCondLst>
-                                  <p:childTnLst>
-                                    <p:set>
-                                      <p:cBhvr>
-                                        <p:cTn id="17" dur="1" fill="hold">
-                                          <p:stCondLst>
-                                            <p:cond delay="0"/>
-                                          </p:stCondLst>
-                                        </p:cTn>
-                                        <p:tgtEl>
-                                          <p:spTgt spid="22"/>
-                                        </p:tgtEl>
-                                        <p:attrNameLst>
-                                          <p:attrName>style.visibility</p:attrName>
-                                        </p:attrNameLst>
-                                      </p:cBhvr>
-                                      <p:to>
-                                        <p:strVal val="visible"/>
-                                      </p:to>
-                                    </p:set>
-                                    <p:animEffect transition="in" filter="dissolve">
-                                      <p:cBhvr>
-                                        <p:cTn id="18" dur="500"/>
-                                        <p:tgtEl>
-                                          <p:spTgt spid="22"/>
-                                        </p:tgtEl>
-                                      </p:cBhvr>
-                                    </p:animEffect>
-                                  </p:childTnLst>
-                                </p:cTn>
-                              </p:par>
-                              <p:par>
-                                <p:cTn id="19" presetID="9" presetClass="entr" presetSubtype="0" fill="hold" grpId="0" nodeType="withEffect">
-                                  <p:stCondLst>
-                                    <p:cond delay="0"/>
-                                  </p:stCondLst>
-                                  <p:childTnLst>
-                                    <p:set>
-                                      <p:cBhvr>
-                                        <p:cTn id="20" dur="1" fill="hold">
-                                          <p:stCondLst>
-                                            <p:cond delay="0"/>
-                                          </p:stCondLst>
-                                        </p:cTn>
-                                        <p:tgtEl>
-                                          <p:spTgt spid="12"/>
-                                        </p:tgtEl>
-                                        <p:attrNameLst>
-                                          <p:attrName>style.visibility</p:attrName>
-                                        </p:attrNameLst>
-                                      </p:cBhvr>
-                                      <p:to>
-                                        <p:strVal val="visible"/>
-                                      </p:to>
-                                    </p:set>
-                                    <p:animEffect transition="in" filter="dissolve">
-                                      <p:cBhvr>
-                                        <p:cTn id="21" dur="500"/>
-                                        <p:tgtEl>
-                                          <p:spTgt spid="12"/>
-                                        </p:tgtEl>
-                                      </p:cBhvr>
-                                    </p:animEffect>
-                                  </p:childTnLst>
-                                </p:cTn>
-                              </p:par>
-                              <p:par>
-                                <p:cTn id="22" presetID="9" presetClass="entr" presetSubtype="0" fill="hold" grpId="0" nodeType="withEffect">
-                                  <p:stCondLst>
-                                    <p:cond delay="0"/>
-                                  </p:stCondLst>
-                                  <p:childTnLst>
-                                    <p:set>
-                                      <p:cBhvr>
-                                        <p:cTn id="23" dur="1" fill="hold">
-                                          <p:stCondLst>
-                                            <p:cond delay="0"/>
-                                          </p:stCondLst>
-                                        </p:cTn>
-                                        <p:tgtEl>
-                                          <p:spTgt spid="19"/>
-                                        </p:tgtEl>
-                                        <p:attrNameLst>
-                                          <p:attrName>style.visibility</p:attrName>
-                                        </p:attrNameLst>
-                                      </p:cBhvr>
-                                      <p:to>
-                                        <p:strVal val="visible"/>
-                                      </p:to>
-                                    </p:set>
-                                    <p:animEffect transition="in" filter="dissolve">
-                                      <p:cBhvr>
-                                        <p:cTn id="24" dur="500"/>
-                                        <p:tgtEl>
-                                          <p:spTgt spid="19"/>
-                                        </p:tgtEl>
-                                      </p:cBhvr>
-                                    </p:animEffect>
-                                  </p:childTnLst>
-                                </p:cTn>
-                              </p:par>
-                            </p:childTnLst>
-                          </p:cTn>
-                        </p:par>
-                      </p:childTnLst>
-                    </p:cTn>
-                  </p:par>
-                  <p:par>
-                    <p:cTn id="25" fill="hold">
-                      <p:stCondLst>
-                        <p:cond delay="indefinite"/>
-                      </p:stCondLst>
-                      <p:childTnLst>
-                        <p:par>
-                          <p:cTn id="26" fill="hold">
-                            <p:stCondLst>
-                              <p:cond delay="0"/>
-                            </p:stCondLst>
-                            <p:childTnLst>
-                              <p:par>
-                                <p:cTn id="27" presetID="9" presetClass="entr" presetSubtype="0" fill="hold" grpId="0" nodeType="clickEffect">
-                                  <p:stCondLst>
-                                    <p:cond delay="0"/>
-                                  </p:stCondLst>
-                                  <p:childTnLst>
-                                    <p:set>
-                                      <p:cBhvr>
-                                        <p:cTn id="28" dur="1" fill="hold">
-                                          <p:stCondLst>
-                                            <p:cond delay="0"/>
-                                          </p:stCondLst>
-                                        </p:cTn>
-                                        <p:tgtEl>
-                                          <p:spTgt spid="30"/>
-                                        </p:tgtEl>
-                                        <p:attrNameLst>
-                                          <p:attrName>style.visibility</p:attrName>
-                                        </p:attrNameLst>
-                                      </p:cBhvr>
-                                      <p:to>
-                                        <p:strVal val="visible"/>
-                                      </p:to>
-                                    </p:set>
-                                    <p:animEffect transition="in" filter="dissolve">
-                                      <p:cBhvr>
-                                        <p:cTn id="29" dur="500"/>
-                                        <p:tgtEl>
-                                          <p:spTgt spid="30"/>
-                                        </p:tgtEl>
-                                      </p:cBhvr>
-                                    </p:animEffect>
-                                  </p:childTnLst>
-                                </p:cTn>
-                              </p:par>
-                              <p:par>
-                                <p:cTn id="30" presetID="9" presetClass="entr" presetSubtype="0" fill="hold" nodeType="withEffect">
-                                  <p:stCondLst>
-                                    <p:cond delay="0"/>
-                                  </p:stCondLst>
-                                  <p:childTnLst>
-                                    <p:set>
-                                      <p:cBhvr>
-                                        <p:cTn id="31" dur="1" fill="hold">
-                                          <p:stCondLst>
-                                            <p:cond delay="0"/>
-                                          </p:stCondLst>
-                                        </p:cTn>
-                                        <p:tgtEl>
-                                          <p:spTgt spid="32"/>
-                                        </p:tgtEl>
-                                        <p:attrNameLst>
-                                          <p:attrName>style.visibility</p:attrName>
-                                        </p:attrNameLst>
-                                      </p:cBhvr>
-                                      <p:to>
-                                        <p:strVal val="visible"/>
-                                      </p:to>
-                                    </p:set>
-                                    <p:animEffect transition="in" filter="dissolve">
-                                      <p:cBhvr>
-                                        <p:cTn id="32" dur="500"/>
-                                        <p:tgtEl>
-                                          <p:spTgt spid="32"/>
-                                        </p:tgtEl>
-                                      </p:cBhvr>
-                                    </p:animEffect>
-                                  </p:childTnLst>
-                                </p:cTn>
-                              </p:par>
-                            </p:childTnLst>
-                          </p:cTn>
-                        </p:par>
-                      </p:childTnLst>
-                    </p:cTn>
-                  </p:par>
-                  <p:par>
-                    <p:cTn id="33" fill="hold">
-                      <p:stCondLst>
-                        <p:cond delay="indefinite"/>
-                      </p:stCondLst>
-                      <p:childTnLst>
-                        <p:par>
-                          <p:cTn id="34" fill="hold">
-                            <p:stCondLst>
-                              <p:cond delay="0"/>
-                            </p:stCondLst>
-                            <p:childTnLst>
-                              <p:par>
-                                <p:cTn id="35" presetID="9" presetClass="entr" presetSubtype="0" fill="hold" grpId="0" nodeType="clickEffect">
-                                  <p:stCondLst>
-                                    <p:cond delay="0"/>
-                                  </p:stCondLst>
-                                  <p:childTnLst>
-                                    <p:set>
-                                      <p:cBhvr>
-                                        <p:cTn id="36" dur="1" fill="hold">
-                                          <p:stCondLst>
-                                            <p:cond delay="0"/>
-                                          </p:stCondLst>
-                                        </p:cTn>
-                                        <p:tgtEl>
-                                          <p:spTgt spid="4"/>
-                                        </p:tgtEl>
-                                        <p:attrNameLst>
-                                          <p:attrName>style.visibility</p:attrName>
-                                        </p:attrNameLst>
-                                      </p:cBhvr>
-                                      <p:to>
-                                        <p:strVal val="visible"/>
-                                      </p:to>
-                                    </p:set>
-                                    <p:animEffect transition="in" filter="dissolve">
-                                      <p:cBhvr>
-                                        <p:cTn id="37" dur="500"/>
-                                        <p:tgtEl>
-                                          <p:spTgt spid="4"/>
-                                        </p:tgtEl>
-                                      </p:cBhvr>
-                                    </p:animEffect>
-                                  </p:childTnLst>
-                                </p:cTn>
-                              </p:par>
-                              <p:par>
-                                <p:cTn id="38" presetID="9" presetClass="entr" presetSubtype="0" fill="hold" grpId="0" nodeType="withEffect">
-                                  <p:stCondLst>
-                                    <p:cond delay="0"/>
-                                  </p:stCondLst>
-                                  <p:childTnLst>
-                                    <p:set>
-                                      <p:cBhvr>
-                                        <p:cTn id="39" dur="1" fill="hold">
-                                          <p:stCondLst>
-                                            <p:cond delay="0"/>
-                                          </p:stCondLst>
-                                        </p:cTn>
-                                        <p:tgtEl>
-                                          <p:spTgt spid="5"/>
-                                        </p:tgtEl>
-                                        <p:attrNameLst>
-                                          <p:attrName>style.visibility</p:attrName>
-                                        </p:attrNameLst>
-                                      </p:cBhvr>
-                                      <p:to>
-                                        <p:strVal val="visible"/>
-                                      </p:to>
-                                    </p:set>
-                                    <p:animEffect transition="in" filter="dissolve">
-                                      <p:cBhvr>
-                                        <p:cTn id="40" dur="500"/>
-                                        <p:tgtEl>
-                                          <p:spTgt spid="5"/>
-                                        </p:tgtEl>
-                                      </p:cBhvr>
-                                    </p:animEffect>
-                                  </p:childTnLst>
-                                </p:cTn>
-                              </p:par>
-                              <p:par>
-                                <p:cTn id="41" presetID="9" presetClass="entr" presetSubtype="0" fill="hold" grpId="0" nodeType="withEffect">
-                                  <p:stCondLst>
-                                    <p:cond delay="0"/>
-                                  </p:stCondLst>
-                                  <p:childTnLst>
-                                    <p:set>
-                                      <p:cBhvr>
-                                        <p:cTn id="42" dur="1" fill="hold">
-                                          <p:stCondLst>
-                                            <p:cond delay="0"/>
-                                          </p:stCondLst>
-                                        </p:cTn>
-                                        <p:tgtEl>
-                                          <p:spTgt spid="6"/>
-                                        </p:tgtEl>
-                                        <p:attrNameLst>
-                                          <p:attrName>style.visibility</p:attrName>
-                                        </p:attrNameLst>
-                                      </p:cBhvr>
-                                      <p:to>
-                                        <p:strVal val="visible"/>
-                                      </p:to>
-                                    </p:set>
-                                    <p:animEffect transition="in" filter="dissolve">
-                                      <p:cBhvr>
-                                        <p:cTn id="43" dur="500"/>
-                                        <p:tgtEl>
-                                          <p:spTgt spid="6"/>
-                                        </p:tgtEl>
-                                      </p:cBhvr>
-                                    </p:animEffect>
-                                  </p:childTnLst>
-                                </p:cTn>
-                              </p:par>
-                            </p:childTnLst>
-                          </p:cTn>
-                        </p:par>
-                      </p:childTnLst>
-                    </p:cTn>
-                  </p:par>
-                </p:childTnLst>
-              </p:cTn>
-              <p:prevCondLst>
-                <p:cond evt="onPrev" delay="0">
-                  <p:tgtEl>
-                    <p:sldTgt/>
-                  </p:tgtEl>
-                </p:cond>
-              </p:prevCondLst>
-              <p:nextCondLst>
-                <p:cond evt="onNext" delay="0">
-                  <p:tgtEl>
-                    <p:sldTgt/>
-                  </p:tgtEl>
-                </p:cond>
-              </p:nextCondLst>
-            </p:seq>
-          </p:childTnLst>
-        </p:cTn>
+        <p:cTn id="1" dur="indefinite" restart="never" nodeType="tmRoot"/>
       </p:par>
     </p:tnLst>
-    <p:bldLst>
-      <p:bldP spid="4" grpId="0" animBg="1"/>
-      <p:bldP spid="5" grpId="0" animBg="1"/>
-      <p:bldP spid="6" grpId="0" animBg="1"/>
-      <p:bldP spid="9" grpId="0" animBg="1"/>
-      <p:bldP spid="12" grpId="0" animBg="1"/>
-      <p:bldP spid="14" grpId="0"/>
-      <p:bldP spid="19" grpId="0"/>
-      <p:bldP spid="30" grpId="0"/>
-    </p:bldLst>
-  </p:timing>
-</p:sld>
-</file>
-
-<file path=ppt/slides/slide8.xml><?xml version="1.0" encoding="utf-8"?>
-<p:sld xmlns:a="http://schemas.openxmlformats.org/drawingml/2006/main" xmlns:r="http://schemas.openxmlformats.org/officeDocument/2006/relationships" xmlns:p="http://schemas.openxmlformats.org/presentationml/2006/main">
-  <p:cSld>
-    <p:spTree>
-      <p:nvGrpSpPr>
-        <p:cNvPr id="1" name=""/>
-        <p:cNvGrpSpPr/>
-        <p:nvPr/>
-      </p:nvGrpSpPr>
-      <p:grpSpPr>
-        <a:xfrm>
-          <a:off x="0" y="0"/>
-          <a:ext cx="0" cy="0"/>
-          <a:chOff x="0" y="0"/>
-          <a:chExt cx="0" cy="0"/>
-        </a:xfrm>
-      </p:grpSpPr>
-      <p:sp>
-        <p:nvSpPr>
-          <p:cNvPr id="2" name="Title 1">
-            <a:extLst>
-              <a:ext uri="{FF2B5EF4-FFF2-40B4-BE49-F238E27FC236}">
-                <a16:creationId xmlns:a16="http://schemas.microsoft.com/office/drawing/2014/main" id="{93D7BED9-2A09-C041-A78C-9C9689C54B33}"/>
-              </a:ext>
-            </a:extLst>
-          </p:cNvPr>
-          <p:cNvSpPr>
-            <a:spLocks noGrp="1"/>
-          </p:cNvSpPr>
-          <p:nvPr>
-            <p:ph type="title"/>
-          </p:nvPr>
-        </p:nvSpPr>
-        <p:spPr/>
-        <p:txBody>
-          <a:bodyPr/>
-          <a:lstStyle/>
-          <a:p>
-            <a:r>
-              <a:rPr lang="en-US" dirty="0"/>
-              <a:t>String Methods</a:t>
-            </a:r>
-          </a:p>
-        </p:txBody>
-      </p:sp>
-      <p:sp>
-        <p:nvSpPr>
-          <p:cNvPr id="3" name="Text Placeholder 2">
-            <a:extLst>
-              <a:ext uri="{FF2B5EF4-FFF2-40B4-BE49-F238E27FC236}">
-                <a16:creationId xmlns:a16="http://schemas.microsoft.com/office/drawing/2014/main" id="{5917E1AE-69D5-6C45-B867-FE376B246A13}"/>
-              </a:ext>
-            </a:extLst>
-          </p:cNvPr>
-          <p:cNvSpPr>
-            <a:spLocks noGrp="1"/>
-          </p:cNvSpPr>
-          <p:nvPr>
-            <p:ph type="body" sz="quarter" idx="10"/>
-          </p:nvPr>
-        </p:nvSpPr>
-        <p:spPr>
-          <a:xfrm>
-            <a:off x="7305627" y="1766200"/>
-            <a:ext cx="5280770" cy="5047985"/>
-          </a:xfrm>
-        </p:spPr>
-        <p:txBody>
-          <a:bodyPr/>
-          <a:lstStyle/>
-          <a:p>
-            <a:r>
-              <a:rPr lang="en-US" dirty="0"/>
-              <a:t>Ordered Collection of characters </a:t>
-            </a:r>
-          </a:p>
-          <a:p>
-            <a:pPr lvl="1"/>
-            <a:r>
-              <a:rPr lang="en-US" dirty="0"/>
-              <a:t>Indexed – starting at 0</a:t>
-            </a:r>
-          </a:p>
-          <a:p>
-            <a:pPr lvl="1"/>
-            <a:r>
-              <a:rPr lang="en-US" dirty="0"/>
-              <a:t>‘C’ is at index 0</a:t>
-            </a:r>
-          </a:p>
-          <a:p>
-            <a:pPr lvl="1"/>
-            <a:r>
-              <a:rPr lang="en-US" dirty="0"/>
-              <a:t>‘A’ is at index 1</a:t>
-            </a:r>
-          </a:p>
-          <a:p>
-            <a:r>
-              <a:rPr lang="en-US" b="1" dirty="0">
-                <a:latin typeface="Consolas" panose="020B0609020204030204" pitchFamily="49" charset="0"/>
-                <a:cs typeface="Consolas" panose="020B0609020204030204" pitchFamily="49" charset="0"/>
-              </a:rPr>
-              <a:t>char character = </a:t>
-            </a:r>
-            <a:r>
-              <a:rPr lang="en-US" b="1" dirty="0" err="1">
-                <a:latin typeface="Consolas" panose="020B0609020204030204" pitchFamily="49" charset="0"/>
-                <a:cs typeface="Consolas" panose="020B0609020204030204" pitchFamily="49" charset="0"/>
-              </a:rPr>
-              <a:t>mascot.charAt</a:t>
-            </a:r>
-            <a:r>
-              <a:rPr lang="en-US" b="1" dirty="0">
-                <a:latin typeface="Consolas" panose="020B0609020204030204" pitchFamily="49" charset="0"/>
-                <a:cs typeface="Consolas" panose="020B0609020204030204" pitchFamily="49" charset="0"/>
-              </a:rPr>
-              <a:t>(2);</a:t>
-            </a:r>
-          </a:p>
-          <a:p>
-            <a:pPr lvl="1"/>
-            <a:r>
-              <a:rPr lang="en-US" dirty="0"/>
-              <a:t>returns ’M’ (character)</a:t>
-            </a:r>
-          </a:p>
-          <a:p>
-            <a:r>
-              <a:rPr lang="en-US" dirty="0"/>
-              <a:t>How many  characters?</a:t>
-            </a:r>
-          </a:p>
-          <a:p>
-            <a:pPr lvl="1"/>
-            <a:r>
-              <a:rPr lang="en-US" b="1" dirty="0">
-                <a:latin typeface="Consolas" panose="020B0609020204030204" pitchFamily="49" charset="0"/>
-                <a:cs typeface="Consolas" panose="020B0609020204030204" pitchFamily="49" charset="0"/>
-              </a:rPr>
-              <a:t>int </a:t>
-            </a:r>
-            <a:r>
-              <a:rPr lang="en-US" b="1" dirty="0" err="1">
-                <a:latin typeface="Consolas" panose="020B0609020204030204" pitchFamily="49" charset="0"/>
-                <a:cs typeface="Consolas" panose="020B0609020204030204" pitchFamily="49" charset="0"/>
-              </a:rPr>
-              <a:t>len</a:t>
-            </a:r>
-            <a:r>
-              <a:rPr lang="en-US" b="1" dirty="0">
-                <a:latin typeface="Consolas" panose="020B0609020204030204" pitchFamily="49" charset="0"/>
-                <a:cs typeface="Consolas" panose="020B0609020204030204" pitchFamily="49" charset="0"/>
-              </a:rPr>
-              <a:t> = </a:t>
-            </a:r>
-            <a:r>
-              <a:rPr lang="en-US" b="1" dirty="0" err="1">
-                <a:latin typeface="Consolas" panose="020B0609020204030204" pitchFamily="49" charset="0"/>
-                <a:cs typeface="Consolas" panose="020B0609020204030204" pitchFamily="49" charset="0"/>
-              </a:rPr>
-              <a:t>mascot.length</a:t>
-            </a:r>
-            <a:r>
-              <a:rPr lang="en-US" b="1" dirty="0">
-                <a:latin typeface="Consolas" panose="020B0609020204030204" pitchFamily="49" charset="0"/>
-                <a:cs typeface="Consolas" panose="020B0609020204030204" pitchFamily="49" charset="0"/>
-              </a:rPr>
-              <a:t>(); </a:t>
-            </a:r>
-            <a:r>
-              <a:rPr lang="en-US" dirty="0">
-                <a:latin typeface="Consolas" panose="020B0609020204030204" pitchFamily="49" charset="0"/>
-                <a:cs typeface="Consolas" panose="020B0609020204030204" pitchFamily="49" charset="0"/>
-              </a:rPr>
-              <a:t>// 3</a:t>
-            </a:r>
-          </a:p>
-          <a:p>
-            <a:r>
-              <a:rPr lang="en-US" dirty="0">
-                <a:latin typeface="Consolas" panose="020B0609020204030204" pitchFamily="49" charset="0"/>
-                <a:cs typeface="Consolas" panose="020B0609020204030204" pitchFamily="49" charset="0"/>
-              </a:rPr>
-              <a:t>No matter how large the string</a:t>
-            </a:r>
-          </a:p>
-          <a:p>
-            <a:pPr lvl="1"/>
-            <a:r>
-              <a:rPr lang="en-US" dirty="0">
-                <a:latin typeface="Consolas" panose="020B0609020204030204" pitchFamily="49" charset="0"/>
-                <a:cs typeface="Consolas" panose="020B0609020204030204" pitchFamily="49" charset="0"/>
-              </a:rPr>
-              <a:t>Starts at 0</a:t>
-            </a:r>
-          </a:p>
-          <a:p>
-            <a:pPr lvl="1"/>
-            <a:r>
-              <a:rPr lang="en-US" dirty="0">
-                <a:latin typeface="Consolas" panose="020B0609020204030204" pitchFamily="49" charset="0"/>
-                <a:cs typeface="Consolas" panose="020B0609020204030204" pitchFamily="49" charset="0"/>
-              </a:rPr>
-              <a:t>Has a length</a:t>
-            </a:r>
-          </a:p>
-          <a:p>
-            <a:pPr lvl="1"/>
-            <a:r>
-              <a:rPr lang="en-US" dirty="0">
-                <a:latin typeface="Consolas" panose="020B0609020204030204" pitchFamily="49" charset="0"/>
-                <a:cs typeface="Consolas" panose="020B0609020204030204" pitchFamily="49" charset="0"/>
-              </a:rPr>
-              <a:t>Always know first and last index!</a:t>
-            </a:r>
-          </a:p>
-        </p:txBody>
-      </p:sp>
-      <p:grpSp>
-        <p:nvGrpSpPr>
-          <p:cNvPr id="14" name="Group 13">
-            <a:extLst>
-              <a:ext uri="{FF2B5EF4-FFF2-40B4-BE49-F238E27FC236}">
-                <a16:creationId xmlns:a16="http://schemas.microsoft.com/office/drawing/2014/main" id="{EAB19C45-ADE0-3040-B366-BDF1D14F6976}"/>
-              </a:ext>
-            </a:extLst>
-          </p:cNvPr>
-          <p:cNvGrpSpPr/>
-          <p:nvPr/>
-        </p:nvGrpSpPr>
-        <p:grpSpPr>
-          <a:xfrm>
-            <a:off x="2293922" y="1776683"/>
-            <a:ext cx="818750" cy="3683493"/>
-            <a:chOff x="627877" y="3527053"/>
-            <a:chExt cx="818750" cy="3683493"/>
-          </a:xfrm>
-        </p:grpSpPr>
-        <p:sp>
-          <p:nvSpPr>
-            <p:cNvPr id="16" name="Rectangle 15">
-              <a:extLst>
-                <a:ext uri="{FF2B5EF4-FFF2-40B4-BE49-F238E27FC236}">
-                  <a16:creationId xmlns:a16="http://schemas.microsoft.com/office/drawing/2014/main" id="{6559C00B-5EA7-304A-B376-BC9035720B1D}"/>
-                </a:ext>
-              </a:extLst>
-            </p:cNvPr>
-            <p:cNvSpPr/>
-            <p:nvPr/>
-          </p:nvSpPr>
-          <p:spPr>
-            <a:xfrm>
-              <a:off x="628076" y="5983624"/>
-              <a:ext cx="817600" cy="609600"/>
-            </a:xfrm>
-            <a:prstGeom prst="rect">
-              <a:avLst/>
-            </a:prstGeom>
-            <a:noFill/>
-            <a:ln>
-              <a:solidFill>
-                <a:srgbClr val="092529"/>
-              </a:solidFill>
-            </a:ln>
-            <a:effectLst/>
-          </p:spPr>
-          <p:style>
-            <a:lnRef idx="1">
-              <a:schemeClr val="accent1"/>
-            </a:lnRef>
-            <a:fillRef idx="3">
-              <a:schemeClr val="accent1"/>
-            </a:fillRef>
-            <a:effectRef idx="2">
-              <a:schemeClr val="accent1"/>
-            </a:effectRef>
-            <a:fontRef idx="minor">
-              <a:schemeClr val="lt1"/>
-            </a:fontRef>
-          </p:style>
-          <p:txBody>
-            <a:bodyPr lIns="274320" tIns="182880" rIns="274320" bIns="182880" rtlCol="0" anchor="ctr"/>
-            <a:lstStyle/>
-            <a:p>
-              <a:pPr algn="ctr"/>
-              <a:endParaRPr lang="en-US" dirty="0">
-                <a:latin typeface="Proxima Nova" charset="0"/>
-                <a:ea typeface="Proxima Nova" charset="0"/>
-                <a:cs typeface="Proxima Nova" charset="0"/>
-              </a:endParaRPr>
-            </a:p>
-          </p:txBody>
-        </p:sp>
-        <p:sp>
-          <p:nvSpPr>
-            <p:cNvPr id="17" name="Rectangle 16">
-              <a:extLst>
-                <a:ext uri="{FF2B5EF4-FFF2-40B4-BE49-F238E27FC236}">
-                  <a16:creationId xmlns:a16="http://schemas.microsoft.com/office/drawing/2014/main" id="{2DE0AEEE-4A4D-4D44-BBDE-5CC9D5EB151C}"/>
-                </a:ext>
-              </a:extLst>
-            </p:cNvPr>
-            <p:cNvSpPr/>
-            <p:nvPr/>
-          </p:nvSpPr>
-          <p:spPr>
-            <a:xfrm>
-              <a:off x="628076" y="6600946"/>
-              <a:ext cx="817600" cy="609600"/>
-            </a:xfrm>
-            <a:prstGeom prst="rect">
-              <a:avLst/>
-            </a:prstGeom>
-            <a:noFill/>
-            <a:ln>
-              <a:solidFill>
-                <a:srgbClr val="092529"/>
-              </a:solidFill>
-            </a:ln>
-            <a:effectLst/>
-          </p:spPr>
-          <p:style>
-            <a:lnRef idx="1">
-              <a:schemeClr val="accent1"/>
-            </a:lnRef>
-            <a:fillRef idx="3">
-              <a:schemeClr val="accent1"/>
-            </a:fillRef>
-            <a:effectRef idx="2">
-              <a:schemeClr val="accent1"/>
-            </a:effectRef>
-            <a:fontRef idx="minor">
-              <a:schemeClr val="lt1"/>
-            </a:fontRef>
-          </p:style>
-          <p:txBody>
-            <a:bodyPr lIns="274320" tIns="182880" rIns="274320" bIns="182880" rtlCol="0" anchor="ctr"/>
-            <a:lstStyle/>
-            <a:p>
-              <a:pPr algn="ctr"/>
-              <a:endParaRPr lang="en-US" dirty="0">
-                <a:latin typeface="Proxima Nova" charset="0"/>
-                <a:ea typeface="Proxima Nova" charset="0"/>
-                <a:cs typeface="Proxima Nova" charset="0"/>
-              </a:endParaRPr>
-            </a:p>
-          </p:txBody>
-        </p:sp>
-        <p:sp>
-          <p:nvSpPr>
-            <p:cNvPr id="20" name="Rectangle 19">
-              <a:extLst>
-                <a:ext uri="{FF2B5EF4-FFF2-40B4-BE49-F238E27FC236}">
-                  <a16:creationId xmlns:a16="http://schemas.microsoft.com/office/drawing/2014/main" id="{2058EC7F-C8E3-A245-8065-66B10DD8BDD7}"/>
-                </a:ext>
-              </a:extLst>
-            </p:cNvPr>
-            <p:cNvSpPr/>
-            <p:nvPr/>
-          </p:nvSpPr>
-          <p:spPr>
-            <a:xfrm>
-              <a:off x="628070" y="3527053"/>
-              <a:ext cx="818557" cy="609600"/>
-            </a:xfrm>
-            <a:prstGeom prst="rect">
-              <a:avLst/>
-            </a:prstGeom>
-            <a:noFill/>
-            <a:ln>
-              <a:solidFill>
-                <a:srgbClr val="092529"/>
-              </a:solidFill>
-            </a:ln>
-            <a:effectLst/>
-          </p:spPr>
-          <p:style>
-            <a:lnRef idx="1">
-              <a:schemeClr val="accent1"/>
-            </a:lnRef>
-            <a:fillRef idx="3">
-              <a:schemeClr val="accent1"/>
-            </a:fillRef>
-            <a:effectRef idx="2">
-              <a:schemeClr val="accent1"/>
-            </a:effectRef>
-            <a:fontRef idx="minor">
-              <a:schemeClr val="lt1"/>
-            </a:fontRef>
-          </p:style>
-          <p:txBody>
-            <a:bodyPr lIns="274320" tIns="182880" rIns="274320" bIns="182880" rtlCol="0" anchor="ctr"/>
-            <a:lstStyle/>
-            <a:p>
-              <a:pPr algn="ctr"/>
-              <a:endParaRPr lang="en-US" dirty="0">
-                <a:solidFill>
-                  <a:srgbClr val="092529"/>
-                </a:solidFill>
-                <a:latin typeface="Proxima Nova" charset="0"/>
-                <a:ea typeface="Proxima Nova" charset="0"/>
-                <a:cs typeface="Proxima Nova" charset="0"/>
-              </a:endParaRPr>
-            </a:p>
-          </p:txBody>
-        </p:sp>
-        <p:sp>
-          <p:nvSpPr>
-            <p:cNvPr id="21" name="Rectangle 20">
-              <a:extLst>
-                <a:ext uri="{FF2B5EF4-FFF2-40B4-BE49-F238E27FC236}">
-                  <a16:creationId xmlns:a16="http://schemas.microsoft.com/office/drawing/2014/main" id="{F2BA3641-017E-3B41-963F-F37A0E6BC9ED}"/>
-                </a:ext>
-              </a:extLst>
-            </p:cNvPr>
-            <p:cNvSpPr/>
-            <p:nvPr/>
-          </p:nvSpPr>
-          <p:spPr>
-            <a:xfrm>
-              <a:off x="630119" y="4138189"/>
-              <a:ext cx="815358" cy="609600"/>
-            </a:xfrm>
-            <a:prstGeom prst="rect">
-              <a:avLst/>
-            </a:prstGeom>
-            <a:solidFill>
-              <a:schemeClr val="bg2"/>
-            </a:solidFill>
-            <a:ln>
-              <a:solidFill>
-                <a:srgbClr val="092529"/>
-              </a:solidFill>
-            </a:ln>
-            <a:effectLst/>
-          </p:spPr>
-          <p:style>
-            <a:lnRef idx="1">
-              <a:schemeClr val="accent1"/>
-            </a:lnRef>
-            <a:fillRef idx="3">
-              <a:schemeClr val="accent1"/>
-            </a:fillRef>
-            <a:effectRef idx="2">
-              <a:schemeClr val="accent1"/>
-            </a:effectRef>
-            <a:fontRef idx="minor">
-              <a:schemeClr val="lt1"/>
-            </a:fontRef>
-          </p:style>
-          <p:txBody>
-            <a:bodyPr lIns="274320" tIns="182880" rIns="274320" bIns="182880" rtlCol="0" anchor="ctr"/>
-            <a:lstStyle/>
-            <a:p>
-              <a:pPr algn="ctr"/>
-              <a:r>
-                <a:rPr lang="en-US" dirty="0">
-                  <a:solidFill>
-                    <a:srgbClr val="092529"/>
-                  </a:solidFill>
-                  <a:latin typeface="Proxima Nova" charset="0"/>
-                  <a:ea typeface="Proxima Nova" charset="0"/>
-                  <a:cs typeface="Proxima Nova" charset="0"/>
-                </a:rPr>
-                <a:t>C</a:t>
-              </a:r>
-            </a:p>
-          </p:txBody>
-        </p:sp>
-        <p:sp>
-          <p:nvSpPr>
-            <p:cNvPr id="22" name="Rectangle 21">
-              <a:extLst>
-                <a:ext uri="{FF2B5EF4-FFF2-40B4-BE49-F238E27FC236}">
-                  <a16:creationId xmlns:a16="http://schemas.microsoft.com/office/drawing/2014/main" id="{2D04C594-0B21-9144-8148-98954382F84F}"/>
-                </a:ext>
-              </a:extLst>
-            </p:cNvPr>
-            <p:cNvSpPr/>
-            <p:nvPr/>
-          </p:nvSpPr>
-          <p:spPr>
-            <a:xfrm>
-              <a:off x="627877" y="4747482"/>
-              <a:ext cx="817600" cy="609600"/>
-            </a:xfrm>
-            <a:prstGeom prst="rect">
-              <a:avLst/>
-            </a:prstGeom>
-            <a:solidFill>
-              <a:schemeClr val="bg2"/>
-            </a:solidFill>
-            <a:ln>
-              <a:solidFill>
-                <a:srgbClr val="092529"/>
-              </a:solidFill>
-            </a:ln>
-            <a:effectLst/>
-          </p:spPr>
-          <p:style>
-            <a:lnRef idx="1">
-              <a:schemeClr val="accent1"/>
-            </a:lnRef>
-            <a:fillRef idx="3">
-              <a:schemeClr val="accent1"/>
-            </a:fillRef>
-            <a:effectRef idx="2">
-              <a:schemeClr val="accent1"/>
-            </a:effectRef>
-            <a:fontRef idx="minor">
-              <a:schemeClr val="lt1"/>
-            </a:fontRef>
-          </p:style>
-          <p:txBody>
-            <a:bodyPr lIns="274320" tIns="182880" rIns="274320" bIns="182880" rtlCol="0" anchor="ctr"/>
-            <a:lstStyle/>
-            <a:p>
-              <a:pPr algn="ctr"/>
-              <a:r>
-                <a:rPr lang="en-US" dirty="0">
-                  <a:solidFill>
-                    <a:srgbClr val="092529"/>
-                  </a:solidFill>
-                  <a:latin typeface="Proxima Nova" charset="0"/>
-                  <a:ea typeface="Proxima Nova" charset="0"/>
-                  <a:cs typeface="Proxima Nova" charset="0"/>
-                </a:rPr>
-                <a:t>A</a:t>
-              </a:r>
-            </a:p>
-          </p:txBody>
-        </p:sp>
-        <p:sp>
-          <p:nvSpPr>
-            <p:cNvPr id="23" name="Rectangle 22">
-              <a:extLst>
-                <a:ext uri="{FF2B5EF4-FFF2-40B4-BE49-F238E27FC236}">
-                  <a16:creationId xmlns:a16="http://schemas.microsoft.com/office/drawing/2014/main" id="{DBCB9C67-3270-2E49-8F23-3C75153769A0}"/>
-                </a:ext>
-              </a:extLst>
-            </p:cNvPr>
-            <p:cNvSpPr/>
-            <p:nvPr/>
-          </p:nvSpPr>
-          <p:spPr>
-            <a:xfrm>
-              <a:off x="627878" y="5362240"/>
-              <a:ext cx="817600" cy="621384"/>
-            </a:xfrm>
-            <a:prstGeom prst="rect">
-              <a:avLst/>
-            </a:prstGeom>
-            <a:solidFill>
-              <a:schemeClr val="bg2"/>
-            </a:solidFill>
-            <a:ln>
-              <a:solidFill>
-                <a:srgbClr val="092529"/>
-              </a:solidFill>
-            </a:ln>
-            <a:effectLst/>
-          </p:spPr>
-          <p:style>
-            <a:lnRef idx="1">
-              <a:schemeClr val="accent1"/>
-            </a:lnRef>
-            <a:fillRef idx="3">
-              <a:schemeClr val="accent1"/>
-            </a:fillRef>
-            <a:effectRef idx="2">
-              <a:schemeClr val="accent1"/>
-            </a:effectRef>
-            <a:fontRef idx="minor">
-              <a:schemeClr val="lt1"/>
-            </a:fontRef>
-          </p:style>
-          <p:txBody>
-            <a:bodyPr lIns="274320" tIns="182880" rIns="274320" bIns="182880" rtlCol="0" anchor="ctr"/>
-            <a:lstStyle/>
-            <a:p>
-              <a:pPr algn="ctr"/>
-              <a:r>
-                <a:rPr lang="en-US" dirty="0">
-                  <a:solidFill>
-                    <a:srgbClr val="092529"/>
-                  </a:solidFill>
-                  <a:latin typeface="Proxima Nova" charset="0"/>
-                  <a:ea typeface="Proxima Nova" charset="0"/>
-                  <a:cs typeface="Proxima Nova" charset="0"/>
-                </a:rPr>
-                <a:t>M</a:t>
-              </a:r>
-            </a:p>
-          </p:txBody>
-        </p:sp>
-      </p:grpSp>
-      <p:sp>
-        <p:nvSpPr>
-          <p:cNvPr id="32" name="Rectangle 31">
-            <a:extLst>
-              <a:ext uri="{FF2B5EF4-FFF2-40B4-BE49-F238E27FC236}">
-                <a16:creationId xmlns:a16="http://schemas.microsoft.com/office/drawing/2014/main" id="{A4FF52A0-2581-A24A-8868-15213DD579C5}"/>
-              </a:ext>
-            </a:extLst>
-          </p:cNvPr>
-          <p:cNvSpPr/>
-          <p:nvPr/>
-        </p:nvSpPr>
-        <p:spPr>
-          <a:xfrm>
-            <a:off x="4352409" y="2209820"/>
-            <a:ext cx="2159566" cy="400110"/>
-          </a:xfrm>
-          <a:prstGeom prst="rect">
-            <a:avLst/>
-          </a:prstGeom>
-        </p:spPr>
-        <p:txBody>
-          <a:bodyPr wrap="none">
-            <a:spAutoFit/>
-          </a:bodyPr>
-          <a:lstStyle/>
-          <a:p>
-            <a:r>
-              <a:rPr lang="en-US" dirty="0">
-                <a:latin typeface="Consolas" panose="020B0609020204030204" pitchFamily="49" charset="0"/>
-                <a:cs typeface="Consolas" panose="020B0609020204030204" pitchFamily="49" charset="0"/>
-              </a:rPr>
-              <a:t>String mascot </a:t>
-            </a:r>
-            <a:endParaRPr lang="en-US" dirty="0"/>
-          </a:p>
-        </p:txBody>
-      </p:sp>
-      <p:cxnSp>
-        <p:nvCxnSpPr>
-          <p:cNvPr id="33" name="Straight Arrow Connector 32">
-            <a:extLst>
-              <a:ext uri="{FF2B5EF4-FFF2-40B4-BE49-F238E27FC236}">
-                <a16:creationId xmlns:a16="http://schemas.microsoft.com/office/drawing/2014/main" id="{5BB30EB3-96B3-BC40-8252-1A7DBE075253}"/>
-              </a:ext>
-            </a:extLst>
-          </p:cNvPr>
-          <p:cNvCxnSpPr>
-            <a:cxnSpLocks/>
-            <a:stCxn id="32" idx="1"/>
-            <a:endCxn id="21" idx="3"/>
-          </p:cNvCxnSpPr>
-          <p:nvPr/>
-        </p:nvCxnSpPr>
-        <p:spPr>
-          <a:xfrm flipH="1">
-            <a:off x="3111522" y="2409875"/>
-            <a:ext cx="1240887" cy="282744"/>
-          </a:xfrm>
-          <a:prstGeom prst="straightConnector1">
-            <a:avLst/>
-          </a:prstGeom>
-          <a:ln>
-            <a:solidFill>
-              <a:srgbClr val="092529"/>
-            </a:solidFill>
-            <a:tailEnd type="triangle"/>
-          </a:ln>
-        </p:spPr>
-        <p:style>
-          <a:lnRef idx="2">
-            <a:schemeClr val="accent1"/>
-          </a:lnRef>
-          <a:fillRef idx="0">
-            <a:schemeClr val="accent1"/>
-          </a:fillRef>
-          <a:effectRef idx="1">
-            <a:schemeClr val="accent1"/>
-          </a:effectRef>
-          <a:fontRef idx="minor">
-            <a:schemeClr val="tx1"/>
-          </a:fontRef>
-        </p:style>
-      </p:cxnSp>
-      <p:sp>
-        <p:nvSpPr>
-          <p:cNvPr id="39" name="TextBox 38">
-            <a:extLst>
-              <a:ext uri="{FF2B5EF4-FFF2-40B4-BE49-F238E27FC236}">
-                <a16:creationId xmlns:a16="http://schemas.microsoft.com/office/drawing/2014/main" id="{EAAC909A-1BDA-0B41-9B2F-697E2A118358}"/>
-              </a:ext>
-            </a:extLst>
-          </p:cNvPr>
-          <p:cNvSpPr txBox="1"/>
-          <p:nvPr/>
-        </p:nvSpPr>
-        <p:spPr>
-          <a:xfrm>
-            <a:off x="1935574" y="2513843"/>
-            <a:ext cx="288758" cy="400110"/>
-          </a:xfrm>
-          <a:prstGeom prst="rect">
-            <a:avLst/>
-          </a:prstGeom>
-          <a:noFill/>
-        </p:spPr>
-        <p:txBody>
-          <a:bodyPr wrap="square" rtlCol="0">
-            <a:spAutoFit/>
-          </a:bodyPr>
-          <a:lstStyle/>
-          <a:p>
-            <a:r>
-              <a:rPr lang="en-US" dirty="0"/>
-              <a:t>0</a:t>
-            </a:r>
-          </a:p>
-        </p:txBody>
-      </p:sp>
-      <p:sp>
-        <p:nvSpPr>
-          <p:cNvPr id="40" name="TextBox 39">
-            <a:extLst>
-              <a:ext uri="{FF2B5EF4-FFF2-40B4-BE49-F238E27FC236}">
-                <a16:creationId xmlns:a16="http://schemas.microsoft.com/office/drawing/2014/main" id="{50835E94-3F62-8D4A-994A-E6DA013D8551}"/>
-              </a:ext>
-            </a:extLst>
-          </p:cNvPr>
-          <p:cNvSpPr txBox="1"/>
-          <p:nvPr/>
-        </p:nvSpPr>
-        <p:spPr>
-          <a:xfrm>
-            <a:off x="1935574" y="3101857"/>
-            <a:ext cx="288758" cy="400110"/>
-          </a:xfrm>
-          <a:prstGeom prst="rect">
-            <a:avLst/>
-          </a:prstGeom>
-          <a:noFill/>
-        </p:spPr>
-        <p:txBody>
-          <a:bodyPr wrap="square" rtlCol="0">
-            <a:spAutoFit/>
-          </a:bodyPr>
-          <a:lstStyle/>
-          <a:p>
-            <a:r>
-              <a:rPr lang="en-US" dirty="0"/>
-              <a:t>1</a:t>
-            </a:r>
-          </a:p>
-        </p:txBody>
-      </p:sp>
-      <p:sp>
-        <p:nvSpPr>
-          <p:cNvPr id="41" name="TextBox 40">
-            <a:extLst>
-              <a:ext uri="{FF2B5EF4-FFF2-40B4-BE49-F238E27FC236}">
-                <a16:creationId xmlns:a16="http://schemas.microsoft.com/office/drawing/2014/main" id="{F3A9819C-0D4F-FD4D-B577-AC5C8E1D9FFB}"/>
-              </a:ext>
-            </a:extLst>
-          </p:cNvPr>
-          <p:cNvSpPr txBox="1"/>
-          <p:nvPr/>
-        </p:nvSpPr>
-        <p:spPr>
-          <a:xfrm>
-            <a:off x="1903489" y="3722507"/>
-            <a:ext cx="288758" cy="400110"/>
-          </a:xfrm>
-          <a:prstGeom prst="rect">
-            <a:avLst/>
-          </a:prstGeom>
-          <a:noFill/>
-        </p:spPr>
-        <p:txBody>
-          <a:bodyPr wrap="square" rtlCol="0">
-            <a:spAutoFit/>
-          </a:bodyPr>
-          <a:lstStyle/>
-          <a:p>
-            <a:r>
-              <a:rPr lang="en-US" dirty="0"/>
-              <a:t>2</a:t>
-            </a:r>
-          </a:p>
-        </p:txBody>
-      </p:sp>
-    </p:spTree>
-    <p:extLst>
-      <p:ext uri="{BB962C8B-B14F-4D97-AF65-F5344CB8AC3E}">
-        <p14:creationId xmlns:p14="http://schemas.microsoft.com/office/powerpoint/2010/main" val="709799232"/>
-      </p:ext>
-    </p:extLst>
-  </p:cSld>
-  <p:clrMapOvr>
-    <a:masterClrMapping/>
-  </p:clrMapOvr>
-  <mc:AlternateContent xmlns:mc="http://schemas.openxmlformats.org/markup-compatibility/2006" xmlns:p14="http://schemas.microsoft.com/office/powerpoint/2010/main">
-    <mc:Choice Requires="p14">
-      <p:transition p14:dur="300">
-        <p:fade/>
-      </p:transition>
-    </mc:Choice>
-    <mc:Fallback xmlns="">
-      <p:transition>
-        <p:fade/>
-      </p:transition>
-    </mc:Fallback>
-  </mc:AlternateContent>
-</p:sld>
-</file>
-
-<file path=ppt/slides/slide9.xml><?xml version="1.0" encoding="utf-8"?>
-<p:sld xmlns:a="http://schemas.openxmlformats.org/drawingml/2006/main" xmlns:r="http://schemas.openxmlformats.org/officeDocument/2006/relationships" xmlns:p="http://schemas.openxmlformats.org/presentationml/2006/main">
-  <p:cSld>
-    <p:spTree>
-      <p:nvGrpSpPr>
-        <p:cNvPr id="1" name=""/>
-        <p:cNvGrpSpPr/>
-        <p:nvPr/>
-      </p:nvGrpSpPr>
-      <p:grpSpPr>
-        <a:xfrm>
-          <a:off x="0" y="0"/>
-          <a:ext cx="0" cy="0"/>
-          <a:chOff x="0" y="0"/>
-          <a:chExt cx="0" cy="0"/>
-        </a:xfrm>
-      </p:grpSpPr>
-      <p:sp>
-        <p:nvSpPr>
-          <p:cNvPr id="7" name="TextBox 6">
-            <a:extLst>
-              <a:ext uri="{FF2B5EF4-FFF2-40B4-BE49-F238E27FC236}">
-                <a16:creationId xmlns:a16="http://schemas.microsoft.com/office/drawing/2014/main" id="{EB6E76FE-64EC-624E-A234-65E6CF5F9F25}"/>
-              </a:ext>
-            </a:extLst>
-          </p:cNvPr>
-          <p:cNvSpPr txBox="1"/>
-          <p:nvPr/>
-        </p:nvSpPr>
-        <p:spPr>
-          <a:xfrm>
-            <a:off x="3632379" y="3178159"/>
-            <a:ext cx="6552841" cy="2246769"/>
-          </a:xfrm>
-          <a:prstGeom prst="rect">
-            <a:avLst/>
-          </a:prstGeom>
-          <a:noFill/>
-        </p:spPr>
-        <p:txBody>
-          <a:bodyPr wrap="square">
-            <a:spAutoFit/>
-          </a:bodyPr>
-          <a:lstStyle/>
-          <a:p>
-            <a:r>
-              <a:rPr lang="en-US" dirty="0">
-                <a:solidFill>
-                  <a:srgbClr val="CC7832"/>
-                </a:solidFill>
-                <a:effectLst/>
-              </a:rPr>
-              <a:t>public static </a:t>
-            </a:r>
-            <a:r>
-              <a:rPr lang="en-US" dirty="0"/>
-              <a:t>String </a:t>
-            </a:r>
-            <a:r>
-              <a:rPr lang="en-US" dirty="0" err="1">
-                <a:solidFill>
-                  <a:srgbClr val="FFC66D"/>
-                </a:solidFill>
-                <a:effectLst/>
-              </a:rPr>
-              <a:t>characterAddition</a:t>
-            </a:r>
-            <a:r>
-              <a:rPr lang="en-US" dirty="0"/>
-              <a:t>(String </a:t>
-            </a:r>
-            <a:r>
-              <a:rPr lang="en-US" i="1" dirty="0">
-                <a:solidFill>
-                  <a:srgbClr val="9876AA"/>
-                </a:solidFill>
-                <a:effectLst/>
-              </a:rPr>
-              <a:t>a</a:t>
-            </a:r>
-            <a:r>
-              <a:rPr lang="en-US" dirty="0">
-                <a:solidFill>
-                  <a:srgbClr val="CC7832"/>
-                </a:solidFill>
-                <a:effectLst/>
-              </a:rPr>
-              <a:t>, int </a:t>
-            </a:r>
-            <a:r>
-              <a:rPr lang="en-US" i="1" dirty="0">
-                <a:solidFill>
-                  <a:srgbClr val="9876AA"/>
-                </a:solidFill>
-                <a:effectLst/>
-              </a:rPr>
-              <a:t>b</a:t>
-            </a:r>
-            <a:r>
-              <a:rPr lang="en-US" dirty="0"/>
-              <a:t>) {</a:t>
-            </a:r>
-            <a:br>
-              <a:rPr lang="en-US" dirty="0"/>
-            </a:br>
-            <a:r>
-              <a:rPr lang="en-US" dirty="0"/>
-              <a:t>    </a:t>
-            </a:r>
-            <a:r>
-              <a:rPr lang="en-US" dirty="0">
-                <a:solidFill>
-                  <a:srgbClr val="CC7832"/>
-                </a:solidFill>
-                <a:effectLst/>
-              </a:rPr>
-              <a:t>return </a:t>
-            </a:r>
-            <a:r>
-              <a:rPr lang="en-US" i="1" dirty="0">
-                <a:solidFill>
-                  <a:srgbClr val="9876AA"/>
-                </a:solidFill>
-                <a:effectLst/>
-              </a:rPr>
-              <a:t>a </a:t>
-            </a:r>
-            <a:r>
-              <a:rPr lang="en-US" dirty="0"/>
-              <a:t>+ </a:t>
-            </a:r>
-            <a:r>
-              <a:rPr lang="en-US" i="1" dirty="0">
-                <a:solidFill>
-                  <a:srgbClr val="9876AA"/>
-                </a:solidFill>
-                <a:effectLst/>
-              </a:rPr>
-              <a:t>b</a:t>
-            </a:r>
-            <a:r>
-              <a:rPr lang="en-US" dirty="0">
-                <a:solidFill>
-                  <a:srgbClr val="CC7832"/>
-                </a:solidFill>
-                <a:effectLst/>
-              </a:rPr>
-              <a:t>;</a:t>
-            </a:r>
-            <a:br>
-              <a:rPr lang="en-US" dirty="0">
-                <a:solidFill>
-                  <a:srgbClr val="CC7832"/>
-                </a:solidFill>
-                <a:effectLst/>
-              </a:rPr>
-            </a:br>
-            <a:r>
-              <a:rPr lang="en-US" dirty="0"/>
-              <a:t>}</a:t>
-            </a:r>
-            <a:br>
-              <a:rPr lang="en-US" dirty="0"/>
-            </a:br>
-            <a:br>
-              <a:rPr lang="en-US" dirty="0"/>
-            </a:br>
-            <a:r>
-              <a:rPr lang="en-US" dirty="0">
-                <a:solidFill>
-                  <a:srgbClr val="CC7832"/>
-                </a:solidFill>
-                <a:effectLst/>
-              </a:rPr>
-              <a:t>public static void </a:t>
-            </a:r>
-            <a:r>
-              <a:rPr lang="en-US" dirty="0">
-                <a:solidFill>
-                  <a:srgbClr val="FFC66D"/>
-                </a:solidFill>
-                <a:effectLst/>
-              </a:rPr>
-              <a:t>main</a:t>
-            </a:r>
-            <a:r>
-              <a:rPr lang="en-US" dirty="0"/>
-              <a:t>(String[] </a:t>
-            </a:r>
-            <a:r>
-              <a:rPr lang="en-US" i="1" dirty="0" err="1">
-                <a:solidFill>
-                  <a:srgbClr val="9876AA"/>
-                </a:solidFill>
-                <a:effectLst/>
-              </a:rPr>
-              <a:t>args</a:t>
-            </a:r>
-            <a:r>
-              <a:rPr lang="en-US" dirty="0"/>
-              <a:t>) {</a:t>
-            </a:r>
-            <a:br>
-              <a:rPr lang="en-US" dirty="0"/>
-            </a:br>
-            <a:r>
-              <a:rPr lang="en-US" dirty="0"/>
-              <a:t>    </a:t>
-            </a:r>
-            <a:r>
-              <a:rPr lang="en-US" dirty="0" err="1"/>
-              <a:t>System.</a:t>
-            </a:r>
-            <a:r>
-              <a:rPr lang="en-US" i="1" dirty="0" err="1">
-                <a:solidFill>
-                  <a:srgbClr val="9876AA"/>
-                </a:solidFill>
-                <a:effectLst/>
-              </a:rPr>
-              <a:t>out</a:t>
-            </a:r>
-            <a:r>
-              <a:rPr lang="en-US" dirty="0" err="1"/>
-              <a:t>.println</a:t>
-            </a:r>
-            <a:r>
-              <a:rPr lang="en-US" dirty="0"/>
-              <a:t>(</a:t>
-            </a:r>
-            <a:r>
-              <a:rPr lang="en-US" i="1" dirty="0" err="1">
-                <a:effectLst/>
-              </a:rPr>
-              <a:t>characterAddition</a:t>
-            </a:r>
-            <a:r>
-              <a:rPr lang="en-US" dirty="0"/>
-              <a:t>(</a:t>
-            </a:r>
-            <a:r>
-              <a:rPr lang="en-US" dirty="0">
-                <a:solidFill>
-                  <a:srgbClr val="6A8759"/>
-                </a:solidFill>
-                <a:effectLst/>
-              </a:rPr>
-              <a:t>"A"</a:t>
-            </a:r>
-            <a:r>
-              <a:rPr lang="en-US" dirty="0">
-                <a:solidFill>
-                  <a:srgbClr val="CC7832"/>
-                </a:solidFill>
-                <a:effectLst/>
-              </a:rPr>
-              <a:t>, </a:t>
-            </a:r>
-            <a:r>
-              <a:rPr lang="en-US" dirty="0">
-                <a:solidFill>
-                  <a:srgbClr val="6897BB"/>
-                </a:solidFill>
-                <a:effectLst/>
-              </a:rPr>
-              <a:t>2</a:t>
-            </a:r>
-            <a:r>
-              <a:rPr lang="en-US" dirty="0"/>
-              <a:t>))</a:t>
-            </a:r>
-            <a:r>
-              <a:rPr lang="en-US" dirty="0">
-                <a:solidFill>
-                  <a:srgbClr val="CC7832"/>
-                </a:solidFill>
-                <a:effectLst/>
-              </a:rPr>
-              <a:t>;</a:t>
-            </a:r>
-            <a:br>
-              <a:rPr lang="en-US" dirty="0">
-                <a:solidFill>
-                  <a:srgbClr val="CC7832"/>
-                </a:solidFill>
-                <a:effectLst/>
-              </a:rPr>
-            </a:br>
-            <a:r>
-              <a:rPr lang="en-US" dirty="0"/>
-              <a:t>}</a:t>
-            </a:r>
-          </a:p>
-        </p:txBody>
-      </p:sp>
-      <p:sp>
-        <p:nvSpPr>
-          <p:cNvPr id="2" name="Title 1">
-            <a:extLst>
-              <a:ext uri="{FF2B5EF4-FFF2-40B4-BE49-F238E27FC236}">
-                <a16:creationId xmlns:a16="http://schemas.microsoft.com/office/drawing/2014/main" id="{B536806E-AD3E-AD40-936F-590919B5FCEE}"/>
-              </a:ext>
-            </a:extLst>
-          </p:cNvPr>
-          <p:cNvSpPr>
-            <a:spLocks noGrp="1"/>
-          </p:cNvSpPr>
-          <p:nvPr>
-            <p:ph type="title"/>
-          </p:nvPr>
-        </p:nvSpPr>
-        <p:spPr/>
-        <p:txBody>
-          <a:bodyPr/>
-          <a:lstStyle/>
-          <a:p>
-            <a:r>
-              <a:rPr lang="en-US" dirty="0"/>
-              <a:t>Reading Check-in</a:t>
-            </a:r>
-          </a:p>
-        </p:txBody>
-      </p:sp>
-      <p:sp>
-        <p:nvSpPr>
-          <p:cNvPr id="3" name="Text Placeholder 2">
-            <a:extLst>
-              <a:ext uri="{FF2B5EF4-FFF2-40B4-BE49-F238E27FC236}">
-                <a16:creationId xmlns:a16="http://schemas.microsoft.com/office/drawing/2014/main" id="{BF92A239-A7CC-0648-A509-B3B45DB8F5FA}"/>
-              </a:ext>
-            </a:extLst>
-          </p:cNvPr>
-          <p:cNvSpPr>
-            <a:spLocks noGrp="1"/>
-          </p:cNvSpPr>
-          <p:nvPr>
-            <p:ph type="body" sz="quarter" idx="10"/>
-          </p:nvPr>
-        </p:nvSpPr>
-        <p:spPr>
-          <a:xfrm>
-            <a:off x="628075" y="1776683"/>
-            <a:ext cx="12561453" cy="494879"/>
-          </a:xfrm>
-        </p:spPr>
-        <p:txBody>
-          <a:bodyPr/>
-          <a:lstStyle/>
-          <a:p>
-            <a:pPr marL="0" indent="0">
-              <a:buNone/>
-            </a:pPr>
-            <a:r>
-              <a:rPr lang="en-US" b="1" dirty="0"/>
-              <a:t>Given the following Code, what is printed?</a:t>
-            </a:r>
-          </a:p>
-        </p:txBody>
-      </p:sp>
-      <p:sp>
-        <p:nvSpPr>
-          <p:cNvPr id="6" name="TextBox 5">
-            <a:extLst>
-              <a:ext uri="{FF2B5EF4-FFF2-40B4-BE49-F238E27FC236}">
-                <a16:creationId xmlns:a16="http://schemas.microsoft.com/office/drawing/2014/main" id="{86F2D266-8E20-E749-9EE9-69487CC8BB83}"/>
-              </a:ext>
-            </a:extLst>
-          </p:cNvPr>
-          <p:cNvSpPr txBox="1"/>
-          <p:nvPr/>
-        </p:nvSpPr>
-        <p:spPr>
-          <a:xfrm>
-            <a:off x="9440214" y="4301544"/>
-            <a:ext cx="748923" cy="646331"/>
-          </a:xfrm>
-          <a:prstGeom prst="rect">
-            <a:avLst/>
-          </a:prstGeom>
-          <a:noFill/>
-        </p:spPr>
-        <p:txBody>
-          <a:bodyPr wrap="none" rtlCol="0">
-            <a:spAutoFit/>
-          </a:bodyPr>
-          <a:lstStyle/>
-          <a:p>
-            <a:r>
-              <a:rPr lang="en-US" sz="3600" dirty="0">
-                <a:solidFill>
-                  <a:schemeClr val="accent1"/>
-                </a:solidFill>
-              </a:rPr>
-              <a:t>A2</a:t>
-            </a:r>
-          </a:p>
-        </p:txBody>
-      </p:sp>
-    </p:spTree>
-    <p:extLst>
-      <p:ext uri="{BB962C8B-B14F-4D97-AF65-F5344CB8AC3E}">
-        <p14:creationId xmlns:p14="http://schemas.microsoft.com/office/powerpoint/2010/main" val="1355525117"/>
-      </p:ext>
-    </p:extLst>
-  </p:cSld>
-  <p:clrMapOvr>
-    <a:masterClrMapping/>
-  </p:clrMapOvr>
-  <mc:AlternateContent xmlns:mc="http://schemas.openxmlformats.org/markup-compatibility/2006">
-    <mc:Choice xmlns:p14="http://schemas.microsoft.com/office/powerpoint/2010/main" Requires="p14">
-      <p:transition p14:dur="300">
-        <p:fade/>
-      </p:transition>
-    </mc:Choice>
-    <mc:Fallback>
-      <p:transition>
-        <p:fade/>
-      </p:transition>
-    </mc:Fallback>
-  </mc:AlternateContent>
-  <p:timing>
-    <p:tnLst>
-      <p:par>
-        <p:cTn id="1" dur="indefinite" restart="never" nodeType="tmRoot">
-          <p:childTnLst>
-            <p:seq concurrent="1" nextAc="seek">
-              <p:cTn id="2" dur="indefinite" nodeType="mainSeq">
-                <p:childTnLst>
-                  <p:par>
-                    <p:cTn id="3" fill="hold">
-                      <p:stCondLst>
-                        <p:cond delay="indefinite"/>
-                      </p:stCondLst>
-                      <p:childTnLst>
-                        <p:par>
-                          <p:cTn id="4" fill="hold">
-                            <p:stCondLst>
-                              <p:cond delay="0"/>
-                            </p:stCondLst>
-                            <p:childTnLst>
-                              <p:par>
-                                <p:cTn id="5" presetID="45" presetClass="entr" presetSubtype="0" fill="hold" grpId="0" nodeType="clickEffect">
-                                  <p:stCondLst>
-                                    <p:cond delay="0"/>
-                                  </p:stCondLst>
-                                  <p:childTnLst>
-                                    <p:set>
-                                      <p:cBhvr>
-                                        <p:cTn id="6" dur="1" fill="hold">
-                                          <p:stCondLst>
-                                            <p:cond delay="0"/>
-                                          </p:stCondLst>
-                                        </p:cTn>
-                                        <p:tgtEl>
-                                          <p:spTgt spid="6"/>
-                                        </p:tgtEl>
-                                        <p:attrNameLst>
-                                          <p:attrName>style.visibility</p:attrName>
-                                        </p:attrNameLst>
-                                      </p:cBhvr>
-                                      <p:to>
-                                        <p:strVal val="visible"/>
-                                      </p:to>
-                                    </p:set>
-                                    <p:animEffect transition="in" filter="fade">
-                                      <p:cBhvr>
-                                        <p:cTn id="7" dur="2000"/>
-                                        <p:tgtEl>
-                                          <p:spTgt spid="6"/>
-                                        </p:tgtEl>
-                                      </p:cBhvr>
-                                    </p:animEffect>
-                                    <p:anim calcmode="lin" valueType="num">
-                                      <p:cBhvr>
-                                        <p:cTn id="8" dur="2000" fill="hold"/>
-                                        <p:tgtEl>
-                                          <p:spTgt spid="6"/>
-                                        </p:tgtEl>
-                                        <p:attrNameLst>
-                                          <p:attrName>ppt_w</p:attrName>
-                                        </p:attrNameLst>
-                                      </p:cBhvr>
-                                      <p:tavLst>
-                                        <p:tav tm="0" fmla="#ppt_w*sin(2.5*pi*$)">
-                                          <p:val>
-                                            <p:fltVal val="0"/>
-                                          </p:val>
-                                        </p:tav>
-                                        <p:tav tm="100000">
-                                          <p:val>
-                                            <p:fltVal val="1"/>
-                                          </p:val>
-                                        </p:tav>
-                                      </p:tavLst>
-                                    </p:anim>
-                                    <p:anim calcmode="lin" valueType="num">
-                                      <p:cBhvr>
-                                        <p:cTn id="9" dur="2000" fill="hold"/>
-                                        <p:tgtEl>
-                                          <p:spTgt spid="6"/>
-                                        </p:tgtEl>
-                                        <p:attrNameLst>
-                                          <p:attrName>ppt_h</p:attrName>
-                                        </p:attrNameLst>
-                                      </p:cBhvr>
-                                      <p:tavLst>
-                                        <p:tav tm="0">
-                                          <p:val>
-                                            <p:strVal val="#ppt_h"/>
-                                          </p:val>
-                                        </p:tav>
-                                        <p:tav tm="100000">
-                                          <p:val>
-                                            <p:strVal val="#ppt_h"/>
-                                          </p:val>
-                                        </p:tav>
-                                      </p:tavLst>
-                                    </p:anim>
-                                  </p:childTnLst>
-                                </p:cTn>
-                              </p:par>
-                            </p:childTnLst>
-                          </p:cTn>
-                        </p:par>
-                      </p:childTnLst>
-                    </p:cTn>
-                  </p:par>
-                </p:childTnLst>
-              </p:cTn>
-              <p:prevCondLst>
-                <p:cond evt="onPrev" delay="0">
-                  <p:tgtEl>
-                    <p:sldTgt/>
-                  </p:tgtEl>
-                </p:cond>
-              </p:prevCondLst>
-              <p:nextCondLst>
-                <p:cond evt="onNext" delay="0">
-                  <p:tgtEl>
-                    <p:sldTgt/>
-                  </p:tgtEl>
-                </p:cond>
-              </p:nextCondLst>
-            </p:seq>
-          </p:childTnLst>
-        </p:cTn>
-      </p:par>
-    </p:tnLst>
-    <p:bldLst>
-      <p:bldP spid="6" grpId="0"/>
-    </p:bldLst>
   </p:timing>
 </p:sld>
 </file>

--- a/slides/On-Campus/02_03_CharactersAndStrings.pptx
+++ b/slides/On-Campus/02_03_CharactersAndStrings.pptx
@@ -13,12 +13,12 @@
   <p:sldIdLst>
     <p:sldId id="256" r:id="rId2"/>
     <p:sldId id="266" r:id="rId3"/>
-    <p:sldId id="267" r:id="rId4"/>
-    <p:sldId id="268" r:id="rId5"/>
-    <p:sldId id="270" r:id="rId6"/>
-    <p:sldId id="271" r:id="rId7"/>
-    <p:sldId id="272" r:id="rId8"/>
-    <p:sldId id="257" r:id="rId9"/>
+    <p:sldId id="268" r:id="rId4"/>
+    <p:sldId id="270" r:id="rId5"/>
+    <p:sldId id="271" r:id="rId6"/>
+    <p:sldId id="272" r:id="rId7"/>
+    <p:sldId id="257" r:id="rId8"/>
+    <p:sldId id="267" r:id="rId9"/>
     <p:sldId id="258" r:id="rId10"/>
     <p:sldId id="259" r:id="rId11"/>
     <p:sldId id="260" r:id="rId12"/>
@@ -27,8 +27,8 @@
     <p:sldId id="262" r:id="rId15"/>
     <p:sldId id="263" r:id="rId16"/>
     <p:sldId id="264" r:id="rId17"/>
-    <p:sldId id="265" r:id="rId18"/>
-    <p:sldId id="273" r:id="rId19"/>
+    <p:sldId id="273" r:id="rId18"/>
+    <p:sldId id="265" r:id="rId19"/>
   </p:sldIdLst>
   <p:sldSz cx="13817600" cy="7772400"/>
   <p:notesSz cx="6858000" cy="9144000"/>
@@ -231,7 +231,7 @@
           <a:p>
             <a:fld id="{4D7E51A5-B478-1E40-8CBB-0DAA8831E99D}" type="datetimeFigureOut">
               <a:rPr lang="en-US" smtClean="0"/>
-              <a:t>9/1/2021</a:t>
+              <a:t>9/2/21</a:t>
             </a:fld>
             <a:endParaRPr lang="en-US"/>
           </a:p>
@@ -396,7 +396,7 @@
           <a:p>
             <a:fld id="{D0ED587F-861E-6740-9643-E3DDAE89B8D6}" type="datetimeFigureOut">
               <a:rPr lang="en-US" smtClean="0"/>
-              <a:t>9/1/2021</a:t>
+              <a:t>9/2/21</a:t>
             </a:fld>
             <a:endParaRPr lang="en-US"/>
           </a:p>
@@ -6717,13 +6717,6 @@
       </p:transition>
     </mc:Fallback>
   </mc:AlternateContent>
-  <p:timing>
-    <p:tnLst>
-      <p:par>
-        <p:cTn id="1" dur="indefinite" restart="never" nodeType="tmRoot"/>
-      </p:par>
-    </p:tnLst>
-  </p:timing>
 </p:sld>
 </file>
 
@@ -9319,13 +9312,6 @@
       </p:transition>
     </mc:Fallback>
   </mc:AlternateContent>
-  <p:timing>
-    <p:tnLst>
-      <p:par>
-        <p:cTn id="1" dur="indefinite" restart="never" nodeType="tmRoot"/>
-      </p:par>
-    </p:tnLst>
-  </p:timing>
 </p:sld>
 </file>
 
@@ -9493,10 +9479,6 @@
             <a:br>
               <a:rPr lang="en-US" dirty="0"/>
             </a:br>
-            <a:r>
-              <a:rPr lang="en-US" dirty="0"/>
-              <a:t/>
-            </a:r>
             <a:br>
               <a:rPr lang="en-US" dirty="0"/>
             </a:br>
@@ -10930,26 +10912,15 @@
                 <a:latin typeface="Consolas" panose="020B0609020204030204" pitchFamily="49" charset="0"/>
                 <a:cs typeface="Consolas" panose="020B0609020204030204" pitchFamily="49" charset="0"/>
               </a:rPr>
-              <a:t>String heading1  = “&lt;h1&gt;” + txt + “&lt;/h1</a:t>
-            </a:r>
-            <a:r>
-              <a:rPr lang="en-US" dirty="0" smtClean="0">
-                <a:latin typeface="Consolas" panose="020B0609020204030204" pitchFamily="49" charset="0"/>
-                <a:cs typeface="Consolas" panose="020B0609020204030204" pitchFamily="49" charset="0"/>
-              </a:rPr>
-              <a:t>&gt;”;</a:t>
-            </a:r>
-            <a:endParaRPr lang="en-US" dirty="0" smtClean="0"/>
+              <a:t>String heading1  = “&lt;h1&gt;” + txt + “&lt;/h1&gt;”;</a:t>
+            </a:r>
+            <a:endParaRPr lang="en-US" dirty="0"/>
           </a:p>
           <a:p>
             <a:pPr fontAlgn="base"/>
             <a:r>
-              <a:rPr lang="en-US" dirty="0" smtClean="0"/>
-              <a:t>However</a:t>
-            </a:r>
-            <a:r>
-              <a:rPr lang="en-US" dirty="0"/>
-              <a:t>, that can be awkward - introducing </a:t>
+              <a:rPr lang="en-US" dirty="0"/>
+              <a:t>However, that can be awkward - introducing </a:t>
             </a:r>
             <a:r>
               <a:rPr lang="en-US" b="1" dirty="0" err="1"/>
@@ -11165,13 +11136,6 @@
       </p:transition>
     </mc:Fallback>
   </mc:AlternateContent>
-  <p:timing>
-    <p:tnLst>
-      <p:par>
-        <p:cTn id="1" dur="indefinite" restart="never" nodeType="tmRoot"/>
-      </p:par>
-    </p:tnLst>
-  </p:timing>
 </p:sld>
 </file>
 
@@ -11442,21 +11406,7 @@
                 <a:latin typeface="Consolas" panose="020B0609020204030204" pitchFamily="49" charset="0"/>
                 <a:cs typeface="Consolas" panose="020B0609020204030204" pitchFamily="49" charset="0"/>
               </a:rPr>
-              <a:t> </a:t>
-            </a:r>
-            <a:r>
-              <a:rPr lang="en-US" sz="1400" dirty="0" smtClean="0">
-                <a:latin typeface="Consolas" panose="020B0609020204030204" pitchFamily="49" charset="0"/>
-                <a:cs typeface="Consolas" panose="020B0609020204030204" pitchFamily="49" charset="0"/>
-              </a:rPr>
-              <a:t>|\n</a:t>
-            </a:r>
-            <a:r>
-              <a:rPr lang="en-US" sz="1400" dirty="0">
-                <a:latin typeface="Consolas" panose="020B0609020204030204" pitchFamily="49" charset="0"/>
-                <a:cs typeface="Consolas" panose="020B0609020204030204" pitchFamily="49" charset="0"/>
-              </a:rPr>
-              <a:t>", name) +</a:t>
+              <a:t> |\n", name) +</a:t>
             </a:r>
           </a:p>
           <a:p>
@@ -13210,334 +13160,6 @@
           <p:cNvPr id="2" name="Title 1">
             <a:extLst>
               <a:ext uri="{FF2B5EF4-FFF2-40B4-BE49-F238E27FC236}">
-                <a16:creationId xmlns:a16="http://schemas.microsoft.com/office/drawing/2014/main" id="{B8867464-94C0-C345-B50C-955B9B42296E}"/>
-              </a:ext>
-            </a:extLst>
-          </p:cNvPr>
-          <p:cNvSpPr>
-            <a:spLocks noGrp="1"/>
-          </p:cNvSpPr>
-          <p:nvPr>
-            <p:ph type="title"/>
-          </p:nvPr>
-        </p:nvSpPr>
-        <p:spPr/>
-        <p:txBody>
-          <a:bodyPr/>
-          <a:lstStyle/>
-          <a:p>
-            <a:r>
-              <a:rPr lang="en-US" dirty="0" err="1"/>
-              <a:t>String.format</a:t>
-            </a:r>
-            <a:r>
-              <a:rPr lang="en-US" dirty="0"/>
-              <a:t> References</a:t>
-            </a:r>
-          </a:p>
-        </p:txBody>
-      </p:sp>
-      <p:sp>
-        <p:nvSpPr>
-          <p:cNvPr id="3" name="Text Placeholder 2">
-            <a:extLst>
-              <a:ext uri="{FF2B5EF4-FFF2-40B4-BE49-F238E27FC236}">
-                <a16:creationId xmlns:a16="http://schemas.microsoft.com/office/drawing/2014/main" id="{9A137287-F38E-4847-B2C2-6F3C7A7541DD}"/>
-              </a:ext>
-            </a:extLst>
-          </p:cNvPr>
-          <p:cNvSpPr>
-            <a:spLocks noGrp="1"/>
-          </p:cNvSpPr>
-          <p:nvPr>
-            <p:ph type="body" sz="quarter" idx="10"/>
-          </p:nvPr>
-        </p:nvSpPr>
-        <p:spPr>
-          <a:xfrm>
-            <a:off x="628074" y="1463722"/>
-            <a:ext cx="8276084" cy="5926815"/>
-          </a:xfrm>
-        </p:spPr>
-        <p:txBody>
-          <a:bodyPr/>
-          <a:lstStyle/>
-          <a:p>
-            <a:pPr fontAlgn="base"/>
-            <a:r>
-              <a:rPr lang="en-US" dirty="0"/>
-              <a:t>The % character is followed by special characters</a:t>
-            </a:r>
-          </a:p>
-          <a:p>
-            <a:pPr lvl="1" fontAlgn="base"/>
-            <a:r>
-              <a:rPr lang="en-US" dirty="0"/>
-              <a:t>%s for string, %f for floating point, </a:t>
-            </a:r>
-            <a:r>
-              <a:rPr lang="en-US" dirty="0" err="1"/>
-              <a:t>etc</a:t>
-            </a:r>
-            <a:endParaRPr lang="en-US" dirty="0"/>
-          </a:p>
-          <a:p>
-            <a:pPr lvl="1" fontAlgn="base"/>
-            <a:r>
-              <a:rPr lang="en-US" dirty="0"/>
-              <a:t>Capitalize the %S or %C to force uppercase!  </a:t>
-            </a:r>
-          </a:p>
-          <a:p>
-            <a:pPr fontAlgn="base"/>
-            <a:r>
-              <a:rPr lang="en-US" dirty="0"/>
-              <a:t>You can specify the number of decimal places by including the numbers</a:t>
-            </a:r>
-          </a:p>
-          <a:p>
-            <a:pPr lvl="2" fontAlgn="base"/>
-            <a:r>
-              <a:rPr lang="en-US" dirty="0"/>
-              <a:t>%.2f  // example  </a:t>
-            </a:r>
-          </a:p>
-          <a:p>
-            <a:pPr lvl="2" fontAlgn="base"/>
-            <a:r>
-              <a:rPr lang="en-US" dirty="0" err="1"/>
-              <a:t>String.format</a:t>
-            </a:r>
-            <a:r>
-              <a:rPr lang="en-US" dirty="0"/>
-              <a:t>(“%.2f”, 100) </a:t>
-            </a:r>
-          </a:p>
-          <a:p>
-            <a:pPr lvl="2" fontAlgn="base"/>
-            <a:r>
-              <a:rPr lang="en-US" dirty="0"/>
-              <a:t>would produce 100.00 </a:t>
-            </a:r>
-          </a:p>
-          <a:p>
-            <a:pPr fontAlgn="base"/>
-            <a:r>
-              <a:rPr lang="en-US" dirty="0"/>
-              <a:t>You can also do cool things like pad variables, </a:t>
-            </a:r>
-            <a:r>
-              <a:rPr lang="en-US" dirty="0" err="1"/>
-              <a:t>etc</a:t>
-            </a:r>
-            <a:endParaRPr lang="en-US" dirty="0"/>
-          </a:p>
-          <a:p>
-            <a:pPr lvl="1" fontAlgn="base"/>
-            <a:r>
-              <a:rPr lang="en-US" dirty="0"/>
-              <a:t>Search for </a:t>
-            </a:r>
-            <a:r>
-              <a:rPr lang="en-US" b="1" dirty="0" err="1"/>
-              <a:t>printf</a:t>
-            </a:r>
-            <a:r>
-              <a:rPr lang="en-US" b="1" dirty="0"/>
-              <a:t>()</a:t>
-            </a:r>
-            <a:r>
-              <a:rPr lang="en-US" dirty="0"/>
-              <a:t> online</a:t>
-            </a:r>
-          </a:p>
-          <a:p>
-            <a:pPr lvl="2" fontAlgn="base"/>
-            <a:r>
-              <a:rPr lang="en-US" dirty="0"/>
-              <a:t>Very common in over 20+ languages</a:t>
-            </a:r>
-          </a:p>
-          <a:p>
-            <a:pPr lvl="1" fontAlgn="base"/>
-            <a:r>
-              <a:rPr lang="en-US" dirty="0"/>
-              <a:t>Admittedly, I look up a lot of the formats as I need them</a:t>
-            </a:r>
-          </a:p>
-          <a:p>
-            <a:pPr lvl="2" fontAlgn="base"/>
-            <a:r>
-              <a:rPr lang="en-US" dirty="0"/>
-              <a:t>%s, %S, %d, %0.2f, %n </a:t>
-            </a:r>
-          </a:p>
-          <a:p>
-            <a:pPr lvl="2" fontAlgn="base"/>
-            <a:r>
-              <a:rPr lang="en-US" dirty="0"/>
-              <a:t>Those are good to know off the top of your head</a:t>
-            </a:r>
-          </a:p>
-          <a:p>
-            <a:pPr lvl="1" fontAlgn="base"/>
-            <a:r>
-              <a:rPr lang="en-US" dirty="0"/>
-              <a:t>%n == new line character</a:t>
-            </a:r>
-          </a:p>
-          <a:p>
-            <a:pPr lvl="1" fontAlgn="base"/>
-            <a:r>
-              <a:rPr lang="en-US" dirty="0"/>
-              <a:t>%% == % sign (since you can’t just type %)</a:t>
-            </a:r>
-          </a:p>
-        </p:txBody>
-      </p:sp>
-      <p:pic>
-        <p:nvPicPr>
-          <p:cNvPr id="2050" name="Picture 2" descr="Image result for super secret ninja skill">
-            <a:extLst>
-              <a:ext uri="{FF2B5EF4-FFF2-40B4-BE49-F238E27FC236}">
-                <a16:creationId xmlns:a16="http://schemas.microsoft.com/office/drawing/2014/main" id="{C4986A25-6EA3-D54D-818C-8D8D29BA6CB3}"/>
-              </a:ext>
-            </a:extLst>
-          </p:cNvPr>
-          <p:cNvPicPr>
-            <a:picLocks noChangeAspect="1" noChangeArrowheads="1"/>
-          </p:cNvPicPr>
-          <p:nvPr/>
-        </p:nvPicPr>
-        <p:blipFill>
-          <a:blip r:embed="rId2">
-            <a:extLst>
-              <a:ext uri="{28A0092B-C50C-407E-A947-70E740481C1C}">
-                <a14:useLocalDpi xmlns:a14="http://schemas.microsoft.com/office/drawing/2010/main" val="0"/>
-              </a:ext>
-            </a:extLst>
-          </a:blip>
-          <a:srcRect/>
-          <a:stretch>
-            <a:fillRect/>
-          </a:stretch>
-        </p:blipFill>
-        <p:spPr bwMode="auto">
-          <a:xfrm>
-            <a:off x="11023600" y="66722"/>
-            <a:ext cx="2794000" cy="2794000"/>
-          </a:xfrm>
-          <a:prstGeom prst="rect">
-            <a:avLst/>
-          </a:prstGeom>
-          <a:noFill/>
-          <a:extLst>
-            <a:ext uri="{909E8E84-426E-40DD-AFC4-6F175D3DCCD1}">
-              <a14:hiddenFill xmlns:a14="http://schemas.microsoft.com/office/drawing/2010/main">
-                <a:solidFill>
-                  <a:srgbClr val="FFFFFF"/>
-                </a:solidFill>
-              </a14:hiddenFill>
-            </a:ext>
-          </a:extLst>
-        </p:spPr>
-      </p:pic>
-      <p:sp>
-        <p:nvSpPr>
-          <p:cNvPr id="4" name="TextBox 3">
-            <a:extLst>
-              <a:ext uri="{FF2B5EF4-FFF2-40B4-BE49-F238E27FC236}">
-                <a16:creationId xmlns:a16="http://schemas.microsoft.com/office/drawing/2014/main" id="{9AFC8F4F-EF61-134C-B135-776CAA390FBE}"/>
-              </a:ext>
-            </a:extLst>
-          </p:cNvPr>
-          <p:cNvSpPr txBox="1"/>
-          <p:nvPr/>
-        </p:nvSpPr>
-        <p:spPr>
-          <a:xfrm>
-            <a:off x="10431639" y="7047342"/>
-            <a:ext cx="3385961" cy="276999"/>
-          </a:xfrm>
-          <a:prstGeom prst="rect">
-            <a:avLst/>
-          </a:prstGeom>
-          <a:noFill/>
-        </p:spPr>
-        <p:txBody>
-          <a:bodyPr wrap="square" rtlCol="0">
-            <a:spAutoFit/>
-          </a:bodyPr>
-          <a:lstStyle/>
-          <a:p>
-            <a:r>
-              <a:rPr lang="en-US" sz="1200" dirty="0"/>
-              <a:t>Additional Reading: </a:t>
-            </a:r>
-            <a:r>
-              <a:rPr lang="en-US" sz="1200" dirty="0">
-                <a:hlinkClick r:id="rId3"/>
-              </a:rPr>
-              <a:t>Detailed Format Reference</a:t>
-            </a:r>
-            <a:endParaRPr lang="en-US" sz="1200" dirty="0"/>
-          </a:p>
-        </p:txBody>
-      </p:sp>
-    </p:spTree>
-    <p:extLst>
-      <p:ext uri="{BB962C8B-B14F-4D97-AF65-F5344CB8AC3E}">
-        <p14:creationId xmlns:p14="http://schemas.microsoft.com/office/powerpoint/2010/main" val="4079141566"/>
-      </p:ext>
-    </p:extLst>
-  </p:cSld>
-  <p:clrMapOvr>
-    <a:masterClrMapping/>
-  </p:clrMapOvr>
-  <mc:AlternateContent xmlns:mc="http://schemas.openxmlformats.org/markup-compatibility/2006" xmlns:p14="http://schemas.microsoft.com/office/powerpoint/2010/main">
-    <mc:Choice Requires="p14">
-      <p:transition p14:dur="300">
-        <p:fade/>
-      </p:transition>
-    </mc:Choice>
-    <mc:Fallback xmlns="">
-      <p:transition>
-        <p:fade/>
-      </p:transition>
-    </mc:Fallback>
-  </mc:AlternateContent>
-  <p:timing>
-    <p:tnLst>
-      <p:par>
-        <p:cTn id="1" dur="indefinite" restart="never" nodeType="tmRoot"/>
-      </p:par>
-    </p:tnLst>
-  </p:timing>
-</p:sld>
-</file>
-
-<file path=ppt/slides/slide18.xml><?xml version="1.0" encoding="utf-8"?>
-<p:sld xmlns:a="http://schemas.openxmlformats.org/drawingml/2006/main" xmlns:r="http://schemas.openxmlformats.org/officeDocument/2006/relationships" xmlns:p="http://schemas.openxmlformats.org/presentationml/2006/main">
-  <p:cSld>
-    <p:spTree>
-      <p:nvGrpSpPr>
-        <p:cNvPr id="1" name=""/>
-        <p:cNvGrpSpPr/>
-        <p:nvPr/>
-      </p:nvGrpSpPr>
-      <p:grpSpPr>
-        <a:xfrm>
-          <a:off x="0" y="0"/>
-          <a:ext cx="0" cy="0"/>
-          <a:chOff x="0" y="0"/>
-          <a:chExt cx="0" cy="0"/>
-        </a:xfrm>
-      </p:grpSpPr>
-      <p:sp>
-        <p:nvSpPr>
-          <p:cNvPr id="2" name="Title 1">
-            <a:extLst>
-              <a:ext uri="{FF2B5EF4-FFF2-40B4-BE49-F238E27FC236}">
                 <a16:creationId xmlns:a16="http://schemas.microsoft.com/office/drawing/2014/main" id="{B536806E-AD3E-AD40-936F-590919B5FCEE}"/>
               </a:ext>
             </a:extLst>
@@ -13555,10 +13177,9 @@
           <a:lstStyle/>
           <a:p>
             <a:r>
-              <a:rPr lang="en-US" dirty="0" smtClean="0"/>
+              <a:rPr lang="en-US" dirty="0"/>
               <a:t>Quick Practice</a:t>
             </a:r>
-            <a:endParaRPr lang="en-US" dirty="0"/>
           </a:p>
         </p:txBody>
       </p:sp>
@@ -14012,7 +13633,7 @@
           <a:p>
             <a:pPr algn="ctr"/>
             <a:r>
-              <a:rPr lang="en-US" dirty="0" smtClean="0">
+              <a:rPr lang="en-US" dirty="0">
                 <a:solidFill>
                   <a:srgbClr val="092529"/>
                 </a:solidFill>
@@ -14022,14 +13643,6 @@
               </a:rPr>
               <a:t>What is the exactly output of this program?</a:t>
             </a:r>
-            <a:endParaRPr lang="en-US" dirty="0">
-              <a:solidFill>
-                <a:srgbClr val="092529"/>
-              </a:solidFill>
-              <a:latin typeface="Proxima Nova" charset="0"/>
-              <a:ea typeface="Proxima Nova" charset="0"/>
-              <a:cs typeface="Proxima Nova" charset="0"/>
-            </a:endParaRPr>
           </a:p>
         </p:txBody>
       </p:sp>
@@ -14081,7 +13694,7 @@
           <a:p>
             <a:pPr algn="ctr"/>
             <a:r>
-              <a:rPr lang="en-US" dirty="0" smtClean="0">
+              <a:rPr lang="en-US" dirty="0">
                 <a:solidFill>
                   <a:srgbClr val="092529"/>
                 </a:solidFill>
@@ -14092,7 +13705,7 @@
               <a:t>Change the </a:t>
             </a:r>
             <a:r>
-              <a:rPr lang="en-US" dirty="0" err="1" smtClean="0">
+              <a:rPr lang="en-US" dirty="0" err="1">
                 <a:solidFill>
                   <a:srgbClr val="092529"/>
                 </a:solidFill>
@@ -14103,7 +13716,7 @@
               <a:t>System.out.println</a:t>
             </a:r>
             <a:r>
-              <a:rPr lang="en-US" dirty="0" smtClean="0">
+              <a:rPr lang="en-US" dirty="0">
                 <a:solidFill>
                   <a:srgbClr val="092529"/>
                 </a:solidFill>
@@ -14114,7 +13727,7 @@
               <a:t> to </a:t>
             </a:r>
             <a:r>
-              <a:rPr lang="en-US" dirty="0" err="1" smtClean="0">
+              <a:rPr lang="en-US" dirty="0" err="1">
                 <a:solidFill>
                   <a:srgbClr val="092529"/>
                 </a:solidFill>
@@ -14122,18 +13735,7 @@
                 <a:ea typeface="Proxima Nova" charset="0"/>
                 <a:cs typeface="Proxima Nova" charset="0"/>
               </a:rPr>
-              <a:t>System.out.p</a:t>
-            </a:r>
-            <a:r>
-              <a:rPr lang="en-US" dirty="0" err="1" smtClean="0">
-                <a:solidFill>
-                  <a:srgbClr val="092529"/>
-                </a:solidFill>
-                <a:latin typeface="Proxima Nova" charset="0"/>
-                <a:ea typeface="Proxima Nova" charset="0"/>
-                <a:cs typeface="Proxima Nova" charset="0"/>
-              </a:rPr>
-              <a:t>rintf</a:t>
+              <a:t>System.out.printf</a:t>
             </a:r>
             <a:endParaRPr lang="en-US" dirty="0">
               <a:solidFill>
@@ -14194,7 +13796,7 @@
           <a:p>
             <a:pPr algn="ctr"/>
             <a:r>
-              <a:rPr lang="en-US" dirty="0" smtClean="0">
+              <a:rPr lang="en-US" dirty="0">
                 <a:solidFill>
                   <a:srgbClr val="092529"/>
                 </a:solidFill>
@@ -14202,16 +13804,30 @@
                 <a:ea typeface="Proxima Nova" charset="0"/>
                 <a:cs typeface="Proxima Nova" charset="0"/>
               </a:rPr>
-              <a:t>Print the last character that is stored in the color variable</a:t>
-            </a:r>
-            <a:endParaRPr lang="en-US" dirty="0">
-              <a:solidFill>
-                <a:srgbClr val="092529"/>
-              </a:solidFill>
-              <a:latin typeface="Proxima Nova" charset="0"/>
-              <a:ea typeface="Proxima Nova" charset="0"/>
-              <a:cs typeface="Proxima Nova" charset="0"/>
-            </a:endParaRPr>
+              <a:t>Print the </a:t>
+            </a:r>
+            <a:r>
+              <a:rPr lang="en-US" u="sng" dirty="0">
+                <a:solidFill>
+                  <a:srgbClr val="092529"/>
+                </a:solidFill>
+                <a:latin typeface="Proxima Nova" charset="0"/>
+                <a:ea typeface="Proxima Nova" charset="0"/>
+                <a:cs typeface="Proxima Nova" charset="0"/>
+              </a:rPr>
+              <a:t>last</a:t>
+            </a:r>
+            <a:r>
+              <a:rPr lang="en-US" dirty="0">
+                <a:solidFill>
+                  <a:srgbClr val="092529"/>
+                </a:solidFill>
+                <a:latin typeface="Proxima Nova" charset="0"/>
+                <a:ea typeface="Proxima Nova" charset="0"/>
+                <a:cs typeface="Proxima Nova" charset="0"/>
+              </a:rPr>
+              <a:t> character that is stored in the color variable</a:t>
+            </a:r>
           </a:p>
         </p:txBody>
       </p:sp>
@@ -14434,6 +14050,327 @@
 </p:sld>
 </file>
 
+<file path=ppt/slides/slide18.xml><?xml version="1.0" encoding="utf-8"?>
+<p:sld xmlns:a="http://schemas.openxmlformats.org/drawingml/2006/main" xmlns:r="http://schemas.openxmlformats.org/officeDocument/2006/relationships" xmlns:p="http://schemas.openxmlformats.org/presentationml/2006/main">
+  <p:cSld>
+    <p:spTree>
+      <p:nvGrpSpPr>
+        <p:cNvPr id="1" name=""/>
+        <p:cNvGrpSpPr/>
+        <p:nvPr/>
+      </p:nvGrpSpPr>
+      <p:grpSpPr>
+        <a:xfrm>
+          <a:off x="0" y="0"/>
+          <a:ext cx="0" cy="0"/>
+          <a:chOff x="0" y="0"/>
+          <a:chExt cx="0" cy="0"/>
+        </a:xfrm>
+      </p:grpSpPr>
+      <p:sp>
+        <p:nvSpPr>
+          <p:cNvPr id="2" name="Title 1">
+            <a:extLst>
+              <a:ext uri="{FF2B5EF4-FFF2-40B4-BE49-F238E27FC236}">
+                <a16:creationId xmlns:a16="http://schemas.microsoft.com/office/drawing/2014/main" id="{B8867464-94C0-C345-B50C-955B9B42296E}"/>
+              </a:ext>
+            </a:extLst>
+          </p:cNvPr>
+          <p:cNvSpPr>
+            <a:spLocks noGrp="1"/>
+          </p:cNvSpPr>
+          <p:nvPr>
+            <p:ph type="title"/>
+          </p:nvPr>
+        </p:nvSpPr>
+        <p:spPr/>
+        <p:txBody>
+          <a:bodyPr/>
+          <a:lstStyle/>
+          <a:p>
+            <a:r>
+              <a:rPr lang="en-US" dirty="0" err="1"/>
+              <a:t>String.format</a:t>
+            </a:r>
+            <a:r>
+              <a:rPr lang="en-US" dirty="0"/>
+              <a:t> References</a:t>
+            </a:r>
+          </a:p>
+        </p:txBody>
+      </p:sp>
+      <p:sp>
+        <p:nvSpPr>
+          <p:cNvPr id="3" name="Text Placeholder 2">
+            <a:extLst>
+              <a:ext uri="{FF2B5EF4-FFF2-40B4-BE49-F238E27FC236}">
+                <a16:creationId xmlns:a16="http://schemas.microsoft.com/office/drawing/2014/main" id="{9A137287-F38E-4847-B2C2-6F3C7A7541DD}"/>
+              </a:ext>
+            </a:extLst>
+          </p:cNvPr>
+          <p:cNvSpPr>
+            <a:spLocks noGrp="1"/>
+          </p:cNvSpPr>
+          <p:nvPr>
+            <p:ph type="body" sz="quarter" idx="10"/>
+          </p:nvPr>
+        </p:nvSpPr>
+        <p:spPr>
+          <a:xfrm>
+            <a:off x="628074" y="1463722"/>
+            <a:ext cx="8276084" cy="5926815"/>
+          </a:xfrm>
+        </p:spPr>
+        <p:txBody>
+          <a:bodyPr/>
+          <a:lstStyle/>
+          <a:p>
+            <a:pPr fontAlgn="base"/>
+            <a:r>
+              <a:rPr lang="en-US" dirty="0"/>
+              <a:t>The % character is followed by special characters</a:t>
+            </a:r>
+          </a:p>
+          <a:p>
+            <a:pPr lvl="1" fontAlgn="base"/>
+            <a:r>
+              <a:rPr lang="en-US" dirty="0"/>
+              <a:t>%s for string, %f for floating point, </a:t>
+            </a:r>
+            <a:r>
+              <a:rPr lang="en-US" dirty="0" err="1"/>
+              <a:t>etc</a:t>
+            </a:r>
+            <a:endParaRPr lang="en-US" dirty="0"/>
+          </a:p>
+          <a:p>
+            <a:pPr lvl="1" fontAlgn="base"/>
+            <a:r>
+              <a:rPr lang="en-US" dirty="0"/>
+              <a:t>Capitalize the %S or %C to force uppercase!  </a:t>
+            </a:r>
+          </a:p>
+          <a:p>
+            <a:pPr fontAlgn="base"/>
+            <a:r>
+              <a:rPr lang="en-US" dirty="0"/>
+              <a:t>You can specify the number of decimal places by including the numbers</a:t>
+            </a:r>
+          </a:p>
+          <a:p>
+            <a:pPr lvl="2" fontAlgn="base"/>
+            <a:r>
+              <a:rPr lang="en-US" dirty="0"/>
+              <a:t>%.2f  // example  </a:t>
+            </a:r>
+          </a:p>
+          <a:p>
+            <a:pPr lvl="2" fontAlgn="base"/>
+            <a:r>
+              <a:rPr lang="en-US" dirty="0" err="1"/>
+              <a:t>String.format</a:t>
+            </a:r>
+            <a:r>
+              <a:rPr lang="en-US" dirty="0"/>
+              <a:t>(“%.2f”, 100) </a:t>
+            </a:r>
+          </a:p>
+          <a:p>
+            <a:pPr lvl="2" fontAlgn="base"/>
+            <a:r>
+              <a:rPr lang="en-US" dirty="0"/>
+              <a:t>would produce 100.00 </a:t>
+            </a:r>
+          </a:p>
+          <a:p>
+            <a:pPr fontAlgn="base"/>
+            <a:r>
+              <a:rPr lang="en-US" dirty="0"/>
+              <a:t>You can also do cool things like pad variables, </a:t>
+            </a:r>
+            <a:r>
+              <a:rPr lang="en-US" dirty="0" err="1"/>
+              <a:t>etc</a:t>
+            </a:r>
+            <a:endParaRPr lang="en-US" dirty="0"/>
+          </a:p>
+          <a:p>
+            <a:pPr lvl="1" fontAlgn="base"/>
+            <a:r>
+              <a:rPr lang="en-US" dirty="0"/>
+              <a:t>Search for </a:t>
+            </a:r>
+            <a:r>
+              <a:rPr lang="en-US" b="1" dirty="0" err="1"/>
+              <a:t>printf</a:t>
+            </a:r>
+            <a:r>
+              <a:rPr lang="en-US" b="1" dirty="0"/>
+              <a:t>()</a:t>
+            </a:r>
+            <a:r>
+              <a:rPr lang="en-US" dirty="0"/>
+              <a:t> online</a:t>
+            </a:r>
+          </a:p>
+          <a:p>
+            <a:pPr lvl="2" fontAlgn="base"/>
+            <a:r>
+              <a:rPr lang="en-US" dirty="0"/>
+              <a:t>Very common in over 20+ languages</a:t>
+            </a:r>
+          </a:p>
+          <a:p>
+            <a:pPr lvl="1" fontAlgn="base"/>
+            <a:r>
+              <a:rPr lang="en-US" dirty="0"/>
+              <a:t>Admittedly, I look up a lot of the formats as I need them</a:t>
+            </a:r>
+          </a:p>
+          <a:p>
+            <a:pPr lvl="2" fontAlgn="base"/>
+            <a:r>
+              <a:rPr lang="en-US" dirty="0"/>
+              <a:t>%s, %S, %d, %0.2f, %n </a:t>
+            </a:r>
+          </a:p>
+          <a:p>
+            <a:pPr lvl="2" fontAlgn="base"/>
+            <a:r>
+              <a:rPr lang="en-US" dirty="0"/>
+              <a:t>Those are good to know off the top of your head</a:t>
+            </a:r>
+          </a:p>
+          <a:p>
+            <a:pPr lvl="1" fontAlgn="base"/>
+            <a:r>
+              <a:rPr lang="en-US" dirty="0"/>
+              <a:t>%n == new line character</a:t>
+            </a:r>
+          </a:p>
+          <a:p>
+            <a:pPr lvl="1" fontAlgn="base"/>
+            <a:r>
+              <a:rPr lang="en-US" dirty="0"/>
+              <a:t>%% == % sign (since you can’t just type %)</a:t>
+            </a:r>
+          </a:p>
+        </p:txBody>
+      </p:sp>
+      <p:pic>
+        <p:nvPicPr>
+          <p:cNvPr id="2050" name="Picture 2" descr="Image result for super secret ninja skill">
+            <a:extLst>
+              <a:ext uri="{FF2B5EF4-FFF2-40B4-BE49-F238E27FC236}">
+                <a16:creationId xmlns:a16="http://schemas.microsoft.com/office/drawing/2014/main" id="{C4986A25-6EA3-D54D-818C-8D8D29BA6CB3}"/>
+              </a:ext>
+            </a:extLst>
+          </p:cNvPr>
+          <p:cNvPicPr>
+            <a:picLocks noChangeAspect="1" noChangeArrowheads="1"/>
+          </p:cNvPicPr>
+          <p:nvPr/>
+        </p:nvPicPr>
+        <p:blipFill>
+          <a:blip r:embed="rId2">
+            <a:extLst>
+              <a:ext uri="{28A0092B-C50C-407E-A947-70E740481C1C}">
+                <a14:useLocalDpi xmlns:a14="http://schemas.microsoft.com/office/drawing/2010/main" val="0"/>
+              </a:ext>
+            </a:extLst>
+          </a:blip>
+          <a:srcRect/>
+          <a:stretch>
+            <a:fillRect/>
+          </a:stretch>
+        </p:blipFill>
+        <p:spPr bwMode="auto">
+          <a:xfrm>
+            <a:off x="11023600" y="66722"/>
+            <a:ext cx="2794000" cy="2794000"/>
+          </a:xfrm>
+          <a:prstGeom prst="rect">
+            <a:avLst/>
+          </a:prstGeom>
+          <a:noFill/>
+          <a:extLst>
+            <a:ext uri="{909E8E84-426E-40DD-AFC4-6F175D3DCCD1}">
+              <a14:hiddenFill xmlns:a14="http://schemas.microsoft.com/office/drawing/2010/main">
+                <a:solidFill>
+                  <a:srgbClr val="FFFFFF"/>
+                </a:solidFill>
+              </a14:hiddenFill>
+            </a:ext>
+          </a:extLst>
+        </p:spPr>
+      </p:pic>
+      <p:sp>
+        <p:nvSpPr>
+          <p:cNvPr id="4" name="TextBox 3">
+            <a:extLst>
+              <a:ext uri="{FF2B5EF4-FFF2-40B4-BE49-F238E27FC236}">
+                <a16:creationId xmlns:a16="http://schemas.microsoft.com/office/drawing/2014/main" id="{9AFC8F4F-EF61-134C-B135-776CAA390FBE}"/>
+              </a:ext>
+            </a:extLst>
+          </p:cNvPr>
+          <p:cNvSpPr txBox="1"/>
+          <p:nvPr/>
+        </p:nvSpPr>
+        <p:spPr>
+          <a:xfrm>
+            <a:off x="10431639" y="7047342"/>
+            <a:ext cx="3385961" cy="276999"/>
+          </a:xfrm>
+          <a:prstGeom prst="rect">
+            <a:avLst/>
+          </a:prstGeom>
+          <a:noFill/>
+        </p:spPr>
+        <p:txBody>
+          <a:bodyPr wrap="square" rtlCol="0">
+            <a:spAutoFit/>
+          </a:bodyPr>
+          <a:lstStyle/>
+          <a:p>
+            <a:r>
+              <a:rPr lang="en-US" sz="1200" dirty="0"/>
+              <a:t>Additional Reading: </a:t>
+            </a:r>
+            <a:r>
+              <a:rPr lang="en-US" sz="1200" dirty="0">
+                <a:hlinkClick r:id="rId3"/>
+              </a:rPr>
+              <a:t>Detailed Format Reference</a:t>
+            </a:r>
+            <a:endParaRPr lang="en-US" sz="1200" dirty="0"/>
+          </a:p>
+        </p:txBody>
+      </p:sp>
+    </p:spTree>
+    <p:extLst>
+      <p:ext uri="{BB962C8B-B14F-4D97-AF65-F5344CB8AC3E}">
+        <p14:creationId xmlns:p14="http://schemas.microsoft.com/office/powerpoint/2010/main" val="4079141566"/>
+      </p:ext>
+    </p:extLst>
+  </p:cSld>
+  <p:clrMapOvr>
+    <a:masterClrMapping/>
+  </p:clrMapOvr>
+  <mc:AlternateContent xmlns:mc="http://schemas.openxmlformats.org/markup-compatibility/2006" xmlns:p14="http://schemas.microsoft.com/office/powerpoint/2010/main">
+    <mc:Choice Requires="p14">
+      <p:transition p14:dur="300">
+        <p:fade/>
+      </p:transition>
+    </mc:Choice>
+    <mc:Fallback xmlns="">
+      <p:transition>
+        <p:fade/>
+      </p:transition>
+    </mc:Fallback>
+  </mc:AlternateContent>
+</p:sld>
+</file>
+
 <file path=ppt/slides/slide2.xml><?xml version="1.0" encoding="utf-8"?>
 <p:sld xmlns:a="http://schemas.openxmlformats.org/drawingml/2006/main" xmlns:r="http://schemas.openxmlformats.org/officeDocument/2006/relationships" xmlns:p="http://schemas.openxmlformats.org/presentationml/2006/main">
   <p:cSld>
@@ -14568,6 +14505,55 @@
           </a:p>
         </p:txBody>
       </p:sp>
+      <p:sp>
+        <p:nvSpPr>
+          <p:cNvPr id="6" name="TextBox 5">
+            <a:extLst>
+              <a:ext uri="{FF2B5EF4-FFF2-40B4-BE49-F238E27FC236}">
+                <a16:creationId xmlns:a16="http://schemas.microsoft.com/office/drawing/2014/main" id="{F718367E-9E54-2D4A-803A-95FD697B9F45}"/>
+              </a:ext>
+            </a:extLst>
+          </p:cNvPr>
+          <p:cNvSpPr txBox="1"/>
+          <p:nvPr/>
+        </p:nvSpPr>
+        <p:spPr>
+          <a:xfrm>
+            <a:off x="2632060" y="5844832"/>
+            <a:ext cx="8779968" cy="1015663"/>
+          </a:xfrm>
+          <a:prstGeom prst="rect">
+            <a:avLst/>
+          </a:prstGeom>
+          <a:solidFill>
+            <a:schemeClr val="accent2"/>
+          </a:solidFill>
+        </p:spPr>
+        <p:txBody>
+          <a:bodyPr wrap="none" rtlCol="0">
+            <a:spAutoFit/>
+          </a:bodyPr>
+          <a:lstStyle/>
+          <a:p>
+            <a:r>
+              <a:rPr lang="en-US" b="1" dirty="0"/>
+              <a:t>Opening Question (talk with others in your group *before* class starts)</a:t>
+            </a:r>
+          </a:p>
+          <a:p>
+            <a:r>
+              <a:rPr lang="en-US" dirty="0"/>
+              <a:t>What is your favorite poem or song? Why does it have meaning?</a:t>
+            </a:r>
+          </a:p>
+          <a:p>
+            <a:r>
+              <a:rPr lang="en-US" dirty="0"/>
+              <a:t>Does that meaning have context?</a:t>
+            </a:r>
+          </a:p>
+        </p:txBody>
+      </p:sp>
     </p:spTree>
     <p:extLst>
       <p:ext uri="{BB962C8B-B14F-4D97-AF65-F5344CB8AC3E}">
@@ -14590,17 +14576,2769 @@
       </p:transition>
     </mc:Fallback>
   </mc:AlternateContent>
+</p:sld>
+</file>
+
+<file path=ppt/slides/slide3.xml><?xml version="1.0" encoding="utf-8"?>
+<p:sld xmlns:a="http://schemas.openxmlformats.org/drawingml/2006/main" xmlns:r="http://schemas.openxmlformats.org/officeDocument/2006/relationships" xmlns:p="http://schemas.openxmlformats.org/presentationml/2006/main">
+  <p:cSld>
+    <p:spTree>
+      <p:nvGrpSpPr>
+        <p:cNvPr id="1" name=""/>
+        <p:cNvGrpSpPr/>
+        <p:nvPr/>
+      </p:nvGrpSpPr>
+      <p:grpSpPr>
+        <a:xfrm>
+          <a:off x="0" y="0"/>
+          <a:ext cx="0" cy="0"/>
+          <a:chOff x="0" y="0"/>
+          <a:chExt cx="0" cy="0"/>
+        </a:xfrm>
+      </p:grpSpPr>
+      <p:sp>
+        <p:nvSpPr>
+          <p:cNvPr id="2" name="Title 1">
+            <a:extLst>
+              <a:ext uri="{FF2B5EF4-FFF2-40B4-BE49-F238E27FC236}">
+                <a16:creationId xmlns:a16="http://schemas.microsoft.com/office/drawing/2014/main" id="{B536806E-AD3E-AD40-936F-590919B5FCEE}"/>
+              </a:ext>
+            </a:extLst>
+          </p:cNvPr>
+          <p:cNvSpPr>
+            <a:spLocks noGrp="1"/>
+          </p:cNvSpPr>
+          <p:nvPr>
+            <p:ph type="title"/>
+          </p:nvPr>
+        </p:nvSpPr>
+        <p:spPr/>
+        <p:txBody>
+          <a:bodyPr/>
+          <a:lstStyle/>
+          <a:p>
+            <a:r>
+              <a:rPr lang="en-US" dirty="0"/>
+              <a:t>Reading Check-in</a:t>
+            </a:r>
+          </a:p>
+        </p:txBody>
+      </p:sp>
+      <p:sp>
+        <p:nvSpPr>
+          <p:cNvPr id="3" name="Text Placeholder 2">
+            <a:extLst>
+              <a:ext uri="{FF2B5EF4-FFF2-40B4-BE49-F238E27FC236}">
+                <a16:creationId xmlns:a16="http://schemas.microsoft.com/office/drawing/2014/main" id="{BF92A239-A7CC-0648-A509-B3B45DB8F5FA}"/>
+              </a:ext>
+            </a:extLst>
+          </p:cNvPr>
+          <p:cNvSpPr>
+            <a:spLocks noGrp="1"/>
+          </p:cNvSpPr>
+          <p:nvPr>
+            <p:ph type="body" sz="quarter" idx="10"/>
+          </p:nvPr>
+        </p:nvSpPr>
+        <p:spPr>
+          <a:xfrm>
+            <a:off x="628075" y="1776683"/>
+            <a:ext cx="12561453" cy="494879"/>
+          </a:xfrm>
+        </p:spPr>
+        <p:txBody>
+          <a:bodyPr/>
+          <a:lstStyle/>
+          <a:p>
+            <a:pPr marL="0" indent="0">
+              <a:buNone/>
+            </a:pPr>
+            <a:r>
+              <a:rPr lang="en-US" b="1" dirty="0"/>
+              <a:t>Given the following Code, what is printed?</a:t>
+            </a:r>
+          </a:p>
+        </p:txBody>
+      </p:sp>
+      <p:sp>
+        <p:nvSpPr>
+          <p:cNvPr id="5" name="TextBox 4">
+            <a:extLst>
+              <a:ext uri="{FF2B5EF4-FFF2-40B4-BE49-F238E27FC236}">
+                <a16:creationId xmlns:a16="http://schemas.microsoft.com/office/drawing/2014/main" id="{BC9EEA87-D34D-C34F-8D45-848ED96537EC}"/>
+              </a:ext>
+            </a:extLst>
+          </p:cNvPr>
+          <p:cNvSpPr txBox="1"/>
+          <p:nvPr/>
+        </p:nvSpPr>
+        <p:spPr>
+          <a:xfrm>
+            <a:off x="3454043" y="2916704"/>
+            <a:ext cx="6909514" cy="2246769"/>
+          </a:xfrm>
+          <a:prstGeom prst="rect">
+            <a:avLst/>
+          </a:prstGeom>
+          <a:noFill/>
+        </p:spPr>
+        <p:txBody>
+          <a:bodyPr wrap="square">
+            <a:spAutoFit/>
+          </a:bodyPr>
+          <a:lstStyle/>
+          <a:p>
+            <a:r>
+              <a:rPr lang="en-US" dirty="0">
+                <a:solidFill>
+                  <a:srgbClr val="CC7832"/>
+                </a:solidFill>
+                <a:effectLst/>
+              </a:rPr>
+              <a:t>public static char </a:t>
+            </a:r>
+            <a:r>
+              <a:rPr lang="en-US" dirty="0" err="1">
+                <a:solidFill>
+                  <a:srgbClr val="FFC66D"/>
+                </a:solidFill>
+                <a:effectLst/>
+              </a:rPr>
+              <a:t>characterAddition</a:t>
+            </a:r>
+            <a:r>
+              <a:rPr lang="en-US" dirty="0"/>
+              <a:t>(</a:t>
+            </a:r>
+            <a:r>
+              <a:rPr lang="en-US" dirty="0">
+                <a:solidFill>
+                  <a:srgbClr val="CC7832"/>
+                </a:solidFill>
+                <a:effectLst/>
+              </a:rPr>
+              <a:t>char </a:t>
+            </a:r>
+            <a:r>
+              <a:rPr lang="en-US" i="1" dirty="0">
+                <a:solidFill>
+                  <a:srgbClr val="9876AA"/>
+                </a:solidFill>
+                <a:effectLst/>
+              </a:rPr>
+              <a:t>a</a:t>
+            </a:r>
+            <a:r>
+              <a:rPr lang="en-US" dirty="0">
+                <a:solidFill>
+                  <a:srgbClr val="CC7832"/>
+                </a:solidFill>
+                <a:effectLst/>
+              </a:rPr>
+              <a:t>, int </a:t>
+            </a:r>
+            <a:r>
+              <a:rPr lang="en-US" i="1" dirty="0">
+                <a:solidFill>
+                  <a:srgbClr val="9876AA"/>
+                </a:solidFill>
+                <a:effectLst/>
+              </a:rPr>
+              <a:t>b</a:t>
+            </a:r>
+            <a:r>
+              <a:rPr lang="en-US" dirty="0"/>
+              <a:t>) {</a:t>
+            </a:r>
+            <a:br>
+              <a:rPr lang="en-US" dirty="0"/>
+            </a:br>
+            <a:r>
+              <a:rPr lang="en-US" dirty="0"/>
+              <a:t>    </a:t>
+            </a:r>
+            <a:r>
+              <a:rPr lang="en-US" dirty="0">
+                <a:solidFill>
+                  <a:srgbClr val="CC7832"/>
+                </a:solidFill>
+                <a:effectLst/>
+              </a:rPr>
+              <a:t>return </a:t>
+            </a:r>
+            <a:r>
+              <a:rPr lang="en-US" dirty="0"/>
+              <a:t>(</a:t>
+            </a:r>
+            <a:r>
+              <a:rPr lang="en-US" dirty="0">
+                <a:solidFill>
+                  <a:srgbClr val="CC7832"/>
+                </a:solidFill>
+                <a:effectLst/>
+              </a:rPr>
+              <a:t>char</a:t>
+            </a:r>
+            <a:r>
+              <a:rPr lang="en-US" dirty="0"/>
+              <a:t>) (</a:t>
+            </a:r>
+            <a:r>
+              <a:rPr lang="en-US" i="1" dirty="0">
+                <a:solidFill>
+                  <a:srgbClr val="9876AA"/>
+                </a:solidFill>
+                <a:effectLst/>
+              </a:rPr>
+              <a:t>a </a:t>
+            </a:r>
+            <a:r>
+              <a:rPr lang="en-US" dirty="0"/>
+              <a:t>+ </a:t>
+            </a:r>
+            <a:r>
+              <a:rPr lang="en-US" i="1" dirty="0">
+                <a:solidFill>
+                  <a:srgbClr val="9876AA"/>
+                </a:solidFill>
+                <a:effectLst/>
+              </a:rPr>
+              <a:t>b</a:t>
+            </a:r>
+            <a:r>
+              <a:rPr lang="en-US" dirty="0"/>
+              <a:t>)</a:t>
+            </a:r>
+            <a:r>
+              <a:rPr lang="en-US" dirty="0">
+                <a:solidFill>
+                  <a:srgbClr val="CC7832"/>
+                </a:solidFill>
+                <a:effectLst/>
+              </a:rPr>
+              <a:t>;</a:t>
+            </a:r>
+          </a:p>
+          <a:p>
+            <a:r>
+              <a:rPr lang="en-US" dirty="0"/>
+              <a:t>}</a:t>
+            </a:r>
+            <a:br>
+              <a:rPr lang="en-US" dirty="0"/>
+            </a:br>
+            <a:br>
+              <a:rPr lang="en-US" dirty="0"/>
+            </a:br>
+            <a:r>
+              <a:rPr lang="en-US" dirty="0">
+                <a:solidFill>
+                  <a:srgbClr val="CC7832"/>
+                </a:solidFill>
+                <a:effectLst/>
+              </a:rPr>
+              <a:t>public static void </a:t>
+            </a:r>
+            <a:r>
+              <a:rPr lang="en-US" dirty="0">
+                <a:solidFill>
+                  <a:srgbClr val="FFC66D"/>
+                </a:solidFill>
+                <a:effectLst/>
+              </a:rPr>
+              <a:t>main</a:t>
+            </a:r>
+            <a:r>
+              <a:rPr lang="en-US" dirty="0"/>
+              <a:t>(String[] </a:t>
+            </a:r>
+            <a:r>
+              <a:rPr lang="en-US" i="1" dirty="0" err="1">
+                <a:solidFill>
+                  <a:srgbClr val="9876AA"/>
+                </a:solidFill>
+                <a:effectLst/>
+              </a:rPr>
+              <a:t>args</a:t>
+            </a:r>
+            <a:r>
+              <a:rPr lang="en-US" dirty="0"/>
+              <a:t>) {</a:t>
+            </a:r>
+            <a:br>
+              <a:rPr lang="en-US" dirty="0"/>
+            </a:br>
+            <a:r>
+              <a:rPr lang="en-US" dirty="0"/>
+              <a:t>    </a:t>
+            </a:r>
+            <a:r>
+              <a:rPr lang="en-US" dirty="0" err="1"/>
+              <a:t>System.</a:t>
+            </a:r>
+            <a:r>
+              <a:rPr lang="en-US" i="1" dirty="0" err="1">
+                <a:solidFill>
+                  <a:srgbClr val="9876AA"/>
+                </a:solidFill>
+                <a:effectLst/>
+              </a:rPr>
+              <a:t>out</a:t>
+            </a:r>
+            <a:r>
+              <a:rPr lang="en-US" dirty="0" err="1"/>
+              <a:t>.println</a:t>
+            </a:r>
+            <a:r>
+              <a:rPr lang="en-US" dirty="0"/>
+              <a:t>(</a:t>
+            </a:r>
+            <a:r>
+              <a:rPr lang="en-US" i="1" dirty="0" err="1">
+                <a:effectLst/>
+              </a:rPr>
+              <a:t>characterAddition</a:t>
+            </a:r>
+            <a:r>
+              <a:rPr lang="en-US" dirty="0"/>
+              <a:t>(</a:t>
+            </a:r>
+            <a:r>
+              <a:rPr lang="en-US" dirty="0">
+                <a:solidFill>
+                  <a:srgbClr val="6A8759"/>
+                </a:solidFill>
+                <a:effectLst/>
+              </a:rPr>
+              <a:t>'A'</a:t>
+            </a:r>
+            <a:r>
+              <a:rPr lang="en-US" dirty="0">
+                <a:solidFill>
+                  <a:srgbClr val="CC7832"/>
+                </a:solidFill>
+                <a:effectLst/>
+              </a:rPr>
+              <a:t>, </a:t>
+            </a:r>
+            <a:r>
+              <a:rPr lang="en-US" dirty="0">
+                <a:solidFill>
+                  <a:srgbClr val="6897BB"/>
+                </a:solidFill>
+                <a:effectLst/>
+              </a:rPr>
+              <a:t>2</a:t>
+            </a:r>
+            <a:r>
+              <a:rPr lang="en-US" dirty="0"/>
+              <a:t>))</a:t>
+            </a:r>
+            <a:r>
+              <a:rPr lang="en-US" dirty="0">
+                <a:solidFill>
+                  <a:srgbClr val="CC7832"/>
+                </a:solidFill>
+                <a:effectLst/>
+              </a:rPr>
+              <a:t>;</a:t>
+            </a:r>
+            <a:br>
+              <a:rPr lang="en-US" dirty="0">
+                <a:solidFill>
+                  <a:srgbClr val="CC7832"/>
+                </a:solidFill>
+                <a:effectLst/>
+              </a:rPr>
+            </a:br>
+            <a:r>
+              <a:rPr lang="en-US" dirty="0"/>
+              <a:t>}</a:t>
+            </a:r>
+          </a:p>
+        </p:txBody>
+      </p:sp>
+      <p:sp>
+        <p:nvSpPr>
+          <p:cNvPr id="6" name="TextBox 5">
+            <a:extLst>
+              <a:ext uri="{FF2B5EF4-FFF2-40B4-BE49-F238E27FC236}">
+                <a16:creationId xmlns:a16="http://schemas.microsoft.com/office/drawing/2014/main" id="{86F2D266-8E20-E749-9EE9-69487CC8BB83}"/>
+              </a:ext>
+            </a:extLst>
+          </p:cNvPr>
+          <p:cNvSpPr txBox="1"/>
+          <p:nvPr/>
+        </p:nvSpPr>
+        <p:spPr>
+          <a:xfrm>
+            <a:off x="9440214" y="4301544"/>
+            <a:ext cx="518091" cy="646331"/>
+          </a:xfrm>
+          <a:prstGeom prst="rect">
+            <a:avLst/>
+          </a:prstGeom>
+          <a:noFill/>
+        </p:spPr>
+        <p:txBody>
+          <a:bodyPr wrap="none" rtlCol="0">
+            <a:spAutoFit/>
+          </a:bodyPr>
+          <a:lstStyle/>
+          <a:p>
+            <a:r>
+              <a:rPr lang="en-US" sz="3600" dirty="0">
+                <a:solidFill>
+                  <a:schemeClr val="accent1"/>
+                </a:solidFill>
+              </a:rPr>
+              <a:t>C</a:t>
+            </a:r>
+          </a:p>
+        </p:txBody>
+      </p:sp>
+    </p:spTree>
+    <p:extLst>
+      <p:ext uri="{BB962C8B-B14F-4D97-AF65-F5344CB8AC3E}">
+        <p14:creationId xmlns:p14="http://schemas.microsoft.com/office/powerpoint/2010/main" val="2614426722"/>
+      </p:ext>
+    </p:extLst>
+  </p:cSld>
+  <p:clrMapOvr>
+    <a:masterClrMapping/>
+  </p:clrMapOvr>
+  <mc:AlternateContent xmlns:mc="http://schemas.openxmlformats.org/markup-compatibility/2006" xmlns:p14="http://schemas.microsoft.com/office/powerpoint/2010/main">
+    <mc:Choice Requires="p14">
+      <p:transition p14:dur="300">
+        <p:fade/>
+      </p:transition>
+    </mc:Choice>
+    <mc:Fallback xmlns="">
+      <p:transition>
+        <p:fade/>
+      </p:transition>
+    </mc:Fallback>
+  </mc:AlternateContent>
   <p:timing>
     <p:tnLst>
       <p:par>
-        <p:cTn id="1" dur="indefinite" restart="never" nodeType="tmRoot"/>
+        <p:cTn id="1" dur="indefinite" restart="never" nodeType="tmRoot">
+          <p:childTnLst>
+            <p:seq concurrent="1" nextAc="seek">
+              <p:cTn id="2" dur="indefinite" nodeType="mainSeq">
+                <p:childTnLst>
+                  <p:par>
+                    <p:cTn id="3" fill="hold">
+                      <p:stCondLst>
+                        <p:cond delay="indefinite"/>
+                      </p:stCondLst>
+                      <p:childTnLst>
+                        <p:par>
+                          <p:cTn id="4" fill="hold">
+                            <p:stCondLst>
+                              <p:cond delay="0"/>
+                            </p:stCondLst>
+                            <p:childTnLst>
+                              <p:par>
+                                <p:cTn id="5" presetID="45" presetClass="entr" presetSubtype="0" fill="hold" grpId="1" nodeType="clickEffect">
+                                  <p:stCondLst>
+                                    <p:cond delay="0"/>
+                                  </p:stCondLst>
+                                  <p:childTnLst>
+                                    <p:set>
+                                      <p:cBhvr>
+                                        <p:cTn id="6" dur="1" fill="hold">
+                                          <p:stCondLst>
+                                            <p:cond delay="0"/>
+                                          </p:stCondLst>
+                                        </p:cTn>
+                                        <p:tgtEl>
+                                          <p:spTgt spid="6"/>
+                                        </p:tgtEl>
+                                        <p:attrNameLst>
+                                          <p:attrName>style.visibility</p:attrName>
+                                        </p:attrNameLst>
+                                      </p:cBhvr>
+                                      <p:to>
+                                        <p:strVal val="visible"/>
+                                      </p:to>
+                                    </p:set>
+                                    <p:animEffect transition="in" filter="fade">
+                                      <p:cBhvr>
+                                        <p:cTn id="7" dur="2000"/>
+                                        <p:tgtEl>
+                                          <p:spTgt spid="6"/>
+                                        </p:tgtEl>
+                                      </p:cBhvr>
+                                    </p:animEffect>
+                                    <p:anim calcmode="lin" valueType="num">
+                                      <p:cBhvr>
+                                        <p:cTn id="8" dur="2000" fill="hold"/>
+                                        <p:tgtEl>
+                                          <p:spTgt spid="6"/>
+                                        </p:tgtEl>
+                                        <p:attrNameLst>
+                                          <p:attrName>ppt_w</p:attrName>
+                                        </p:attrNameLst>
+                                      </p:cBhvr>
+                                      <p:tavLst>
+                                        <p:tav tm="0" fmla="#ppt_w*sin(2.5*pi*$)">
+                                          <p:val>
+                                            <p:fltVal val="0"/>
+                                          </p:val>
+                                        </p:tav>
+                                        <p:tav tm="100000">
+                                          <p:val>
+                                            <p:fltVal val="1"/>
+                                          </p:val>
+                                        </p:tav>
+                                      </p:tavLst>
+                                    </p:anim>
+                                    <p:anim calcmode="lin" valueType="num">
+                                      <p:cBhvr>
+                                        <p:cTn id="9" dur="2000" fill="hold"/>
+                                        <p:tgtEl>
+                                          <p:spTgt spid="6"/>
+                                        </p:tgtEl>
+                                        <p:attrNameLst>
+                                          <p:attrName>ppt_h</p:attrName>
+                                        </p:attrNameLst>
+                                      </p:cBhvr>
+                                      <p:tavLst>
+                                        <p:tav tm="0">
+                                          <p:val>
+                                            <p:strVal val="#ppt_h"/>
+                                          </p:val>
+                                        </p:tav>
+                                        <p:tav tm="100000">
+                                          <p:val>
+                                            <p:strVal val="#ppt_h"/>
+                                          </p:val>
+                                        </p:tav>
+                                      </p:tavLst>
+                                    </p:anim>
+                                  </p:childTnLst>
+                                </p:cTn>
+                              </p:par>
+                            </p:childTnLst>
+                          </p:cTn>
+                        </p:par>
+                      </p:childTnLst>
+                    </p:cTn>
+                  </p:par>
+                </p:childTnLst>
+              </p:cTn>
+              <p:prevCondLst>
+                <p:cond evt="onPrev" delay="0">
+                  <p:tgtEl>
+                    <p:sldTgt/>
+                  </p:tgtEl>
+                </p:cond>
+              </p:prevCondLst>
+              <p:nextCondLst>
+                <p:cond evt="onNext" delay="0">
+                  <p:tgtEl>
+                    <p:sldTgt/>
+                  </p:tgtEl>
+                </p:cond>
+              </p:nextCondLst>
+            </p:seq>
+          </p:childTnLst>
+        </p:cTn>
       </p:par>
     </p:tnLst>
+    <p:bldLst>
+      <p:bldP spid="6" grpId="1"/>
+    </p:bldLst>
   </p:timing>
 </p:sld>
 </file>
 
-<file path=ppt/slides/slide3.xml><?xml version="1.0" encoding="utf-8"?>
+<file path=ppt/slides/slide4.xml><?xml version="1.0" encoding="utf-8"?>
+<p:sld xmlns:a="http://schemas.openxmlformats.org/drawingml/2006/main" xmlns:r="http://schemas.openxmlformats.org/officeDocument/2006/relationships" xmlns:p="http://schemas.openxmlformats.org/presentationml/2006/main">
+  <p:cSld>
+    <p:spTree>
+      <p:nvGrpSpPr>
+        <p:cNvPr id="1" name=""/>
+        <p:cNvGrpSpPr/>
+        <p:nvPr/>
+      </p:nvGrpSpPr>
+      <p:grpSpPr>
+        <a:xfrm>
+          <a:off x="0" y="0"/>
+          <a:ext cx="0" cy="0"/>
+          <a:chOff x="0" y="0"/>
+          <a:chExt cx="0" cy="0"/>
+        </a:xfrm>
+      </p:grpSpPr>
+      <p:sp>
+        <p:nvSpPr>
+          <p:cNvPr id="2" name="Title 1">
+            <a:extLst>
+              <a:ext uri="{FF2B5EF4-FFF2-40B4-BE49-F238E27FC236}">
+                <a16:creationId xmlns:a16="http://schemas.microsoft.com/office/drawing/2014/main" id="{B536806E-AD3E-AD40-936F-590919B5FCEE}"/>
+              </a:ext>
+            </a:extLst>
+          </p:cNvPr>
+          <p:cNvSpPr>
+            <a:spLocks noGrp="1"/>
+          </p:cNvSpPr>
+          <p:nvPr>
+            <p:ph type="title"/>
+          </p:nvPr>
+        </p:nvSpPr>
+        <p:spPr>
+          <a:xfrm>
+            <a:off x="628075" y="285697"/>
+            <a:ext cx="12561453" cy="1015663"/>
+          </a:xfrm>
+        </p:spPr>
+        <p:txBody>
+          <a:bodyPr/>
+          <a:lstStyle/>
+          <a:p>
+            <a:r>
+              <a:rPr lang="en-US" dirty="0"/>
+              <a:t>Casting</a:t>
+            </a:r>
+          </a:p>
+        </p:txBody>
+      </p:sp>
+      <p:sp>
+        <p:nvSpPr>
+          <p:cNvPr id="5" name="TextBox 4">
+            <a:extLst>
+              <a:ext uri="{FF2B5EF4-FFF2-40B4-BE49-F238E27FC236}">
+                <a16:creationId xmlns:a16="http://schemas.microsoft.com/office/drawing/2014/main" id="{BC9EEA87-D34D-C34F-8D45-848ED96537EC}"/>
+              </a:ext>
+            </a:extLst>
+          </p:cNvPr>
+          <p:cNvSpPr txBox="1"/>
+          <p:nvPr/>
+        </p:nvSpPr>
+        <p:spPr>
+          <a:xfrm>
+            <a:off x="1149069" y="2919411"/>
+            <a:ext cx="6909514" cy="2246769"/>
+          </a:xfrm>
+          <a:prstGeom prst="rect">
+            <a:avLst/>
+          </a:prstGeom>
+          <a:noFill/>
+        </p:spPr>
+        <p:txBody>
+          <a:bodyPr wrap="square">
+            <a:spAutoFit/>
+          </a:bodyPr>
+          <a:lstStyle/>
+          <a:p>
+            <a:r>
+              <a:rPr lang="en-US" dirty="0">
+                <a:solidFill>
+                  <a:srgbClr val="CC7832"/>
+                </a:solidFill>
+                <a:effectLst/>
+              </a:rPr>
+              <a:t>public static char </a:t>
+            </a:r>
+            <a:r>
+              <a:rPr lang="en-US" dirty="0" err="1">
+                <a:solidFill>
+                  <a:srgbClr val="FFC66D"/>
+                </a:solidFill>
+                <a:effectLst/>
+              </a:rPr>
+              <a:t>characterAddition</a:t>
+            </a:r>
+            <a:r>
+              <a:rPr lang="en-US" dirty="0"/>
+              <a:t>(</a:t>
+            </a:r>
+            <a:r>
+              <a:rPr lang="en-US" dirty="0">
+                <a:solidFill>
+                  <a:srgbClr val="CC7832"/>
+                </a:solidFill>
+                <a:effectLst/>
+              </a:rPr>
+              <a:t>char </a:t>
+            </a:r>
+            <a:r>
+              <a:rPr lang="en-US" i="1" dirty="0">
+                <a:solidFill>
+                  <a:srgbClr val="9876AA"/>
+                </a:solidFill>
+                <a:effectLst/>
+              </a:rPr>
+              <a:t>a</a:t>
+            </a:r>
+            <a:r>
+              <a:rPr lang="en-US" dirty="0">
+                <a:solidFill>
+                  <a:srgbClr val="CC7832"/>
+                </a:solidFill>
+                <a:effectLst/>
+              </a:rPr>
+              <a:t>, int </a:t>
+            </a:r>
+            <a:r>
+              <a:rPr lang="en-US" i="1" dirty="0">
+                <a:solidFill>
+                  <a:srgbClr val="9876AA"/>
+                </a:solidFill>
+                <a:effectLst/>
+              </a:rPr>
+              <a:t>b</a:t>
+            </a:r>
+            <a:r>
+              <a:rPr lang="en-US" dirty="0"/>
+              <a:t>) {</a:t>
+            </a:r>
+            <a:br>
+              <a:rPr lang="en-US" dirty="0"/>
+            </a:br>
+            <a:r>
+              <a:rPr lang="en-US" dirty="0"/>
+              <a:t>    </a:t>
+            </a:r>
+            <a:r>
+              <a:rPr lang="en-US" dirty="0">
+                <a:solidFill>
+                  <a:srgbClr val="CC7832"/>
+                </a:solidFill>
+                <a:effectLst/>
+              </a:rPr>
+              <a:t>return </a:t>
+            </a:r>
+            <a:r>
+              <a:rPr lang="en-US" dirty="0">
+                <a:solidFill>
+                  <a:srgbClr val="FF0000"/>
+                </a:solidFill>
+              </a:rPr>
+              <a:t>(</a:t>
+            </a:r>
+            <a:r>
+              <a:rPr lang="en-US" dirty="0">
+                <a:solidFill>
+                  <a:srgbClr val="FF0000"/>
+                </a:solidFill>
+                <a:effectLst/>
+              </a:rPr>
+              <a:t>char</a:t>
+            </a:r>
+            <a:r>
+              <a:rPr lang="en-US" dirty="0">
+                <a:solidFill>
+                  <a:srgbClr val="FF0000"/>
+                </a:solidFill>
+              </a:rPr>
+              <a:t>) </a:t>
+            </a:r>
+            <a:r>
+              <a:rPr lang="en-US" dirty="0"/>
+              <a:t>(</a:t>
+            </a:r>
+            <a:r>
+              <a:rPr lang="en-US" i="1" dirty="0">
+                <a:solidFill>
+                  <a:srgbClr val="9876AA"/>
+                </a:solidFill>
+                <a:effectLst/>
+              </a:rPr>
+              <a:t>a </a:t>
+            </a:r>
+            <a:r>
+              <a:rPr lang="en-US" dirty="0"/>
+              <a:t>+ </a:t>
+            </a:r>
+            <a:r>
+              <a:rPr lang="en-US" i="1" dirty="0">
+                <a:solidFill>
+                  <a:srgbClr val="9876AA"/>
+                </a:solidFill>
+                <a:effectLst/>
+              </a:rPr>
+              <a:t>b</a:t>
+            </a:r>
+            <a:r>
+              <a:rPr lang="en-US" dirty="0"/>
+              <a:t>)</a:t>
+            </a:r>
+            <a:r>
+              <a:rPr lang="en-US" dirty="0">
+                <a:solidFill>
+                  <a:srgbClr val="CC7832"/>
+                </a:solidFill>
+                <a:effectLst/>
+              </a:rPr>
+              <a:t>;</a:t>
+            </a:r>
+          </a:p>
+          <a:p>
+            <a:r>
+              <a:rPr lang="en-US" dirty="0"/>
+              <a:t>}</a:t>
+            </a:r>
+            <a:br>
+              <a:rPr lang="en-US" dirty="0"/>
+            </a:br>
+            <a:br>
+              <a:rPr lang="en-US" dirty="0"/>
+            </a:br>
+            <a:r>
+              <a:rPr lang="en-US" dirty="0">
+                <a:solidFill>
+                  <a:srgbClr val="CC7832"/>
+                </a:solidFill>
+                <a:effectLst/>
+              </a:rPr>
+              <a:t>public static void </a:t>
+            </a:r>
+            <a:r>
+              <a:rPr lang="en-US" dirty="0">
+                <a:solidFill>
+                  <a:srgbClr val="FFC66D"/>
+                </a:solidFill>
+                <a:effectLst/>
+              </a:rPr>
+              <a:t>main</a:t>
+            </a:r>
+            <a:r>
+              <a:rPr lang="en-US" dirty="0"/>
+              <a:t>(String[] </a:t>
+            </a:r>
+            <a:r>
+              <a:rPr lang="en-US" i="1" dirty="0" err="1">
+                <a:solidFill>
+                  <a:srgbClr val="9876AA"/>
+                </a:solidFill>
+                <a:effectLst/>
+              </a:rPr>
+              <a:t>args</a:t>
+            </a:r>
+            <a:r>
+              <a:rPr lang="en-US" dirty="0"/>
+              <a:t>) {</a:t>
+            </a:r>
+            <a:br>
+              <a:rPr lang="en-US" dirty="0"/>
+            </a:br>
+            <a:r>
+              <a:rPr lang="en-US" dirty="0"/>
+              <a:t>    </a:t>
+            </a:r>
+            <a:r>
+              <a:rPr lang="en-US" dirty="0" err="1"/>
+              <a:t>System.</a:t>
+            </a:r>
+            <a:r>
+              <a:rPr lang="en-US" i="1" dirty="0" err="1">
+                <a:solidFill>
+                  <a:srgbClr val="9876AA"/>
+                </a:solidFill>
+                <a:effectLst/>
+              </a:rPr>
+              <a:t>out</a:t>
+            </a:r>
+            <a:r>
+              <a:rPr lang="en-US" dirty="0" err="1"/>
+              <a:t>.println</a:t>
+            </a:r>
+            <a:r>
+              <a:rPr lang="en-US" dirty="0"/>
+              <a:t>(</a:t>
+            </a:r>
+            <a:r>
+              <a:rPr lang="en-US" i="1" dirty="0" err="1">
+                <a:effectLst/>
+              </a:rPr>
+              <a:t>characterAddition</a:t>
+            </a:r>
+            <a:r>
+              <a:rPr lang="en-US" dirty="0"/>
+              <a:t>(</a:t>
+            </a:r>
+            <a:r>
+              <a:rPr lang="en-US" dirty="0">
+                <a:solidFill>
+                  <a:srgbClr val="6A8759"/>
+                </a:solidFill>
+                <a:effectLst/>
+              </a:rPr>
+              <a:t>'A'</a:t>
+            </a:r>
+            <a:r>
+              <a:rPr lang="en-US" dirty="0">
+                <a:solidFill>
+                  <a:srgbClr val="CC7832"/>
+                </a:solidFill>
+                <a:effectLst/>
+              </a:rPr>
+              <a:t>, </a:t>
+            </a:r>
+            <a:r>
+              <a:rPr lang="en-US" dirty="0">
+                <a:solidFill>
+                  <a:srgbClr val="6897BB"/>
+                </a:solidFill>
+                <a:effectLst/>
+              </a:rPr>
+              <a:t>2</a:t>
+            </a:r>
+            <a:r>
+              <a:rPr lang="en-US" dirty="0"/>
+              <a:t>))</a:t>
+            </a:r>
+            <a:r>
+              <a:rPr lang="en-US" dirty="0">
+                <a:solidFill>
+                  <a:srgbClr val="CC7832"/>
+                </a:solidFill>
+                <a:effectLst/>
+              </a:rPr>
+              <a:t>;</a:t>
+            </a:r>
+            <a:br>
+              <a:rPr lang="en-US" dirty="0">
+                <a:solidFill>
+                  <a:srgbClr val="CC7832"/>
+                </a:solidFill>
+                <a:effectLst/>
+              </a:rPr>
+            </a:br>
+            <a:r>
+              <a:rPr lang="en-US" dirty="0"/>
+              <a:t>}</a:t>
+            </a:r>
+          </a:p>
+        </p:txBody>
+      </p:sp>
+      <p:sp>
+        <p:nvSpPr>
+          <p:cNvPr id="8" name="Rectangle 2"/>
+          <p:cNvSpPr>
+            <a:spLocks noGrp="1" noChangeArrowheads="1"/>
+          </p:cNvSpPr>
+          <p:nvPr>
+            <p:ph type="body" sz="quarter" idx="10"/>
+          </p:nvPr>
+        </p:nvSpPr>
+        <p:spPr bwMode="auto">
+          <a:xfrm>
+            <a:off x="749805" y="1599862"/>
+            <a:ext cx="9195979" cy="892552"/>
+          </a:xfrm>
+          <a:prstGeom prst="rect">
+            <a:avLst/>
+          </a:prstGeom>
+          <a:solidFill>
+            <a:srgbClr val="FFFFFF"/>
+          </a:solidFill>
+          <a:ln>
+            <a:noFill/>
+          </a:ln>
+          <a:effectLst/>
+          <a:extLst>
+            <a:ext uri="{91240B29-F687-4F45-9708-019B960494DF}">
+              <a14:hiddenLine xmlns:a14="http://schemas.microsoft.com/office/drawing/2010/main" w="9525">
+                <a:solidFill>
+                  <a:schemeClr val="tx1"/>
+                </a:solidFill>
+                <a:miter lim="800000"/>
+                <a:headEnd/>
+                <a:tailEnd/>
+              </a14:hiddenLine>
+            </a:ext>
+            <a:ext uri="{AF507438-7753-43E0-B8FC-AC1667EBCBE1}">
+              <a14:hiddenEffects xmlns:a14="http://schemas.microsoft.com/office/drawing/2010/main">
+                <a:effectLst>
+                  <a:outerShdw dist="35921" dir="2700000" algn="ctr" rotWithShape="0">
+                    <a:schemeClr val="bg2"/>
+                  </a:outerShdw>
+                </a:effectLst>
+              </a14:hiddenEffects>
+            </a:ext>
+          </a:extLst>
+        </p:spPr>
+        <p:txBody>
+          <a:bodyPr vert="horz" wrap="none" lIns="91440" tIns="45720" rIns="91440" bIns="45720" numCol="1" anchor="ctr" anchorCtr="0" compatLnSpc="1">
+            <a:prstTxWarp prst="textNoShape">
+              <a:avLst/>
+            </a:prstTxWarp>
+            <a:spAutoFit/>
+          </a:bodyPr>
+          <a:lstStyle>
+            <a:lvl1pPr eaLnBrk="0" fontAlgn="base" hangingPunct="0">
+              <a:spcBef>
+                <a:spcPct val="0"/>
+              </a:spcBef>
+              <a:spcAft>
+                <a:spcPct val="0"/>
+              </a:spcAft>
+              <a:defRPr>
+                <a:solidFill>
+                  <a:schemeClr val="tx1"/>
+                </a:solidFill>
+                <a:latin typeface="Arial" panose="020B0604020202020204" pitchFamily="34" charset="0"/>
+              </a:defRPr>
+            </a:lvl1pPr>
+            <a:lvl2pPr marL="457200" eaLnBrk="0" fontAlgn="base" hangingPunct="0">
+              <a:spcBef>
+                <a:spcPct val="0"/>
+              </a:spcBef>
+              <a:spcAft>
+                <a:spcPct val="0"/>
+              </a:spcAft>
+              <a:defRPr>
+                <a:solidFill>
+                  <a:schemeClr val="tx1"/>
+                </a:solidFill>
+                <a:latin typeface="Arial" panose="020B0604020202020204" pitchFamily="34" charset="0"/>
+              </a:defRPr>
+            </a:lvl2pPr>
+            <a:lvl3pPr marL="914400" eaLnBrk="0" fontAlgn="base" hangingPunct="0">
+              <a:spcBef>
+                <a:spcPct val="0"/>
+              </a:spcBef>
+              <a:spcAft>
+                <a:spcPct val="0"/>
+              </a:spcAft>
+              <a:defRPr>
+                <a:solidFill>
+                  <a:schemeClr val="tx1"/>
+                </a:solidFill>
+                <a:latin typeface="Arial" panose="020B0604020202020204" pitchFamily="34" charset="0"/>
+              </a:defRPr>
+            </a:lvl3pPr>
+            <a:lvl4pPr marL="1371600" eaLnBrk="0" fontAlgn="base" hangingPunct="0">
+              <a:spcBef>
+                <a:spcPct val="0"/>
+              </a:spcBef>
+              <a:spcAft>
+                <a:spcPct val="0"/>
+              </a:spcAft>
+              <a:defRPr>
+                <a:solidFill>
+                  <a:schemeClr val="tx1"/>
+                </a:solidFill>
+                <a:latin typeface="Arial" panose="020B0604020202020204" pitchFamily="34" charset="0"/>
+              </a:defRPr>
+            </a:lvl4pPr>
+            <a:lvl5pPr marL="1828800" eaLnBrk="0" fontAlgn="base" hangingPunct="0">
+              <a:spcBef>
+                <a:spcPct val="0"/>
+              </a:spcBef>
+              <a:spcAft>
+                <a:spcPct val="0"/>
+              </a:spcAft>
+              <a:defRPr>
+                <a:solidFill>
+                  <a:schemeClr val="tx1"/>
+                </a:solidFill>
+                <a:latin typeface="Arial" panose="020B0604020202020204" pitchFamily="34" charset="0"/>
+              </a:defRPr>
+            </a:lvl5pPr>
+            <a:lvl6pPr marL="2286000" eaLnBrk="0" fontAlgn="base" hangingPunct="0">
+              <a:spcBef>
+                <a:spcPct val="0"/>
+              </a:spcBef>
+              <a:spcAft>
+                <a:spcPct val="0"/>
+              </a:spcAft>
+              <a:defRPr>
+                <a:solidFill>
+                  <a:schemeClr val="tx1"/>
+                </a:solidFill>
+                <a:latin typeface="Arial" panose="020B0604020202020204" pitchFamily="34" charset="0"/>
+              </a:defRPr>
+            </a:lvl6pPr>
+            <a:lvl7pPr marL="2743200" eaLnBrk="0" fontAlgn="base" hangingPunct="0">
+              <a:spcBef>
+                <a:spcPct val="0"/>
+              </a:spcBef>
+              <a:spcAft>
+                <a:spcPct val="0"/>
+              </a:spcAft>
+              <a:defRPr>
+                <a:solidFill>
+                  <a:schemeClr val="tx1"/>
+                </a:solidFill>
+                <a:latin typeface="Arial" panose="020B0604020202020204" pitchFamily="34" charset="0"/>
+              </a:defRPr>
+            </a:lvl7pPr>
+            <a:lvl8pPr marL="3200400" eaLnBrk="0" fontAlgn="base" hangingPunct="0">
+              <a:spcBef>
+                <a:spcPct val="0"/>
+              </a:spcBef>
+              <a:spcAft>
+                <a:spcPct val="0"/>
+              </a:spcAft>
+              <a:defRPr>
+                <a:solidFill>
+                  <a:schemeClr val="tx1"/>
+                </a:solidFill>
+                <a:latin typeface="Arial" panose="020B0604020202020204" pitchFamily="34" charset="0"/>
+              </a:defRPr>
+            </a:lvl8pPr>
+            <a:lvl9pPr marL="3657600" eaLnBrk="0" fontAlgn="base" hangingPunct="0">
+              <a:spcBef>
+                <a:spcPct val="0"/>
+              </a:spcBef>
+              <a:spcAft>
+                <a:spcPct val="0"/>
+              </a:spcAft>
+              <a:defRPr>
+                <a:solidFill>
+                  <a:schemeClr val="tx1"/>
+                </a:solidFill>
+                <a:latin typeface="Arial" panose="020B0604020202020204" pitchFamily="34" charset="0"/>
+              </a:defRPr>
+            </a:lvl9pPr>
+          </a:lstStyle>
+          <a:p>
+            <a:pPr defTabSz="914400">
+              <a:lnSpc>
+                <a:spcPct val="100000"/>
+              </a:lnSpc>
+            </a:pPr>
+            <a:r>
+              <a:rPr lang="en-US" altLang="en-US" dirty="0">
+                <a:solidFill>
+                  <a:srgbClr val="092529"/>
+                </a:solidFill>
+                <a:latin typeface="Proxima Nova" charset="0"/>
+              </a:rPr>
+              <a:t>Type casting is when you assign a value of one primitive data type to another type.</a:t>
+            </a:r>
+          </a:p>
+          <a:p>
+            <a:pPr lvl="2" defTabSz="914400">
+              <a:lnSpc>
+                <a:spcPct val="100000"/>
+              </a:lnSpc>
+            </a:pPr>
+            <a:r>
+              <a:rPr lang="en-US" altLang="en-US" dirty="0">
+                <a:solidFill>
+                  <a:srgbClr val="092529"/>
+                </a:solidFill>
+                <a:latin typeface="Proxima Nova" charset="0"/>
+              </a:rPr>
+              <a:t>This allows you to change an int back to a char without an error! </a:t>
+            </a:r>
+          </a:p>
+          <a:p>
+            <a:pPr marL="0" marR="0" lvl="0" indent="0" algn="l" defTabSz="914400" rtl="0" eaLnBrk="0" fontAlgn="base" latinLnBrk="0" hangingPunct="0">
+              <a:lnSpc>
+                <a:spcPct val="100000"/>
+              </a:lnSpc>
+              <a:spcBef>
+                <a:spcPct val="0"/>
+              </a:spcBef>
+              <a:spcAft>
+                <a:spcPct val="0"/>
+              </a:spcAft>
+              <a:buClrTx/>
+              <a:buSzTx/>
+              <a:buFontTx/>
+              <a:buNone/>
+              <a:tabLst/>
+            </a:pPr>
+            <a:endParaRPr kumimoji="0" lang="en-US" altLang="en-US" sz="1800" b="0" i="0" u="none" strike="noStrike" cap="none" normalizeH="0" baseline="0" dirty="0">
+              <a:ln>
+                <a:noFill/>
+              </a:ln>
+              <a:solidFill>
+                <a:schemeClr val="tx1"/>
+              </a:solidFill>
+              <a:effectLst/>
+              <a:latin typeface="Arial" panose="020B0604020202020204" pitchFamily="34" charset="0"/>
+            </a:endParaRPr>
+          </a:p>
+        </p:txBody>
+      </p:sp>
+    </p:spTree>
+    <p:extLst>
+      <p:ext uri="{BB962C8B-B14F-4D97-AF65-F5344CB8AC3E}">
+        <p14:creationId xmlns:p14="http://schemas.microsoft.com/office/powerpoint/2010/main" val="2322425887"/>
+      </p:ext>
+    </p:extLst>
+  </p:cSld>
+  <p:clrMapOvr>
+    <a:masterClrMapping/>
+  </p:clrMapOvr>
+  <mc:AlternateContent xmlns:mc="http://schemas.openxmlformats.org/markup-compatibility/2006">
+    <mc:Choice xmlns:p14="http://schemas.microsoft.com/office/powerpoint/2010/main" Requires="p14">
+      <p:transition p14:dur="300">
+        <p:fade/>
+      </p:transition>
+    </mc:Choice>
+    <mc:Fallback>
+      <p:transition>
+        <p:fade/>
+      </p:transition>
+    </mc:Fallback>
+  </mc:AlternateContent>
+</p:sld>
+</file>
+
+<file path=ppt/slides/slide5.xml><?xml version="1.0" encoding="utf-8"?>
+<p:sld xmlns:a="http://schemas.openxmlformats.org/drawingml/2006/main" xmlns:r="http://schemas.openxmlformats.org/officeDocument/2006/relationships" xmlns:p="http://schemas.openxmlformats.org/presentationml/2006/main" show="0">
+  <p:cSld>
+    <p:spTree>
+      <p:nvGrpSpPr>
+        <p:cNvPr id="1" name=""/>
+        <p:cNvGrpSpPr/>
+        <p:nvPr/>
+      </p:nvGrpSpPr>
+      <p:grpSpPr>
+        <a:xfrm>
+          <a:off x="0" y="0"/>
+          <a:ext cx="0" cy="0"/>
+          <a:chOff x="0" y="0"/>
+          <a:chExt cx="0" cy="0"/>
+        </a:xfrm>
+      </p:grpSpPr>
+      <p:sp>
+        <p:nvSpPr>
+          <p:cNvPr id="2" name="Title 1">
+            <a:extLst>
+              <a:ext uri="{FF2B5EF4-FFF2-40B4-BE49-F238E27FC236}">
+                <a16:creationId xmlns:a16="http://schemas.microsoft.com/office/drawing/2014/main" id="{B536806E-AD3E-AD40-936F-590919B5FCEE}"/>
+              </a:ext>
+            </a:extLst>
+          </p:cNvPr>
+          <p:cNvSpPr>
+            <a:spLocks noGrp="1"/>
+          </p:cNvSpPr>
+          <p:nvPr>
+            <p:ph type="title"/>
+          </p:nvPr>
+        </p:nvSpPr>
+        <p:spPr/>
+        <p:txBody>
+          <a:bodyPr/>
+          <a:lstStyle/>
+          <a:p>
+            <a:r>
+              <a:rPr lang="en-US" dirty="0"/>
+              <a:t>Quick Practice</a:t>
+            </a:r>
+          </a:p>
+        </p:txBody>
+      </p:sp>
+      <p:sp>
+        <p:nvSpPr>
+          <p:cNvPr id="5" name="TextBox 4">
+            <a:extLst>
+              <a:ext uri="{FF2B5EF4-FFF2-40B4-BE49-F238E27FC236}">
+                <a16:creationId xmlns:a16="http://schemas.microsoft.com/office/drawing/2014/main" id="{BC9EEA87-D34D-C34F-8D45-848ED96537EC}"/>
+              </a:ext>
+            </a:extLst>
+          </p:cNvPr>
+          <p:cNvSpPr txBox="1"/>
+          <p:nvPr/>
+        </p:nvSpPr>
+        <p:spPr>
+          <a:xfrm>
+            <a:off x="787961" y="1675865"/>
+            <a:ext cx="9711114" cy="4401205"/>
+          </a:xfrm>
+          <a:prstGeom prst="rect">
+            <a:avLst/>
+          </a:prstGeom>
+          <a:noFill/>
+        </p:spPr>
+        <p:txBody>
+          <a:bodyPr wrap="square">
+            <a:spAutoFit/>
+          </a:bodyPr>
+          <a:lstStyle/>
+          <a:p>
+            <a:r>
+              <a:rPr lang="en-US" dirty="0">
+                <a:latin typeface="Courier New" panose="02070309020205020404" pitchFamily="49" charset="0"/>
+                <a:cs typeface="Courier New" panose="02070309020205020404" pitchFamily="49" charset="0"/>
+              </a:rPr>
+              <a:t>public class </a:t>
+            </a:r>
+            <a:r>
+              <a:rPr lang="en-US" dirty="0" err="1">
+                <a:latin typeface="Courier New" panose="02070309020205020404" pitchFamily="49" charset="0"/>
+                <a:cs typeface="Courier New" panose="02070309020205020404" pitchFamily="49" charset="0"/>
+              </a:rPr>
+              <a:t>CastingProgram</a:t>
+            </a:r>
+            <a:r>
+              <a:rPr lang="en-US" dirty="0">
+                <a:latin typeface="Courier New" panose="02070309020205020404" pitchFamily="49" charset="0"/>
+                <a:cs typeface="Courier New" panose="02070309020205020404" pitchFamily="49" charset="0"/>
+              </a:rPr>
+              <a:t> {</a:t>
+            </a:r>
+          </a:p>
+          <a:p>
+            <a:endParaRPr lang="en-US" dirty="0">
+              <a:latin typeface="Courier New" panose="02070309020205020404" pitchFamily="49" charset="0"/>
+              <a:cs typeface="Courier New" panose="02070309020205020404" pitchFamily="49" charset="0"/>
+            </a:endParaRPr>
+          </a:p>
+          <a:p>
+            <a:r>
+              <a:rPr lang="en-US" dirty="0">
+                <a:latin typeface="Courier New" panose="02070309020205020404" pitchFamily="49" charset="0"/>
+                <a:cs typeface="Courier New" panose="02070309020205020404" pitchFamily="49" charset="0"/>
+              </a:rPr>
+              <a:t>   public static void main(String[] </a:t>
+            </a:r>
+            <a:r>
+              <a:rPr lang="en-US" dirty="0" err="1">
+                <a:latin typeface="Courier New" panose="02070309020205020404" pitchFamily="49" charset="0"/>
+                <a:cs typeface="Courier New" panose="02070309020205020404" pitchFamily="49" charset="0"/>
+              </a:rPr>
+              <a:t>args</a:t>
+            </a:r>
+            <a:r>
+              <a:rPr lang="en-US" dirty="0">
+                <a:latin typeface="Courier New" panose="02070309020205020404" pitchFamily="49" charset="0"/>
+                <a:cs typeface="Courier New" panose="02070309020205020404" pitchFamily="49" charset="0"/>
+              </a:rPr>
+              <a:t>) {</a:t>
+            </a:r>
+          </a:p>
+          <a:p>
+            <a:endParaRPr lang="en-US" dirty="0">
+              <a:latin typeface="Courier New" panose="02070309020205020404" pitchFamily="49" charset="0"/>
+              <a:cs typeface="Courier New" panose="02070309020205020404" pitchFamily="49" charset="0"/>
+            </a:endParaRPr>
+          </a:p>
+          <a:p>
+            <a:r>
+              <a:rPr lang="en-US" dirty="0">
+                <a:latin typeface="Courier New" panose="02070309020205020404" pitchFamily="49" charset="0"/>
+                <a:cs typeface="Courier New" panose="02070309020205020404" pitchFamily="49" charset="0"/>
+              </a:rPr>
+              <a:t>      </a:t>
+            </a:r>
+            <a:r>
+              <a:rPr lang="en-US" dirty="0" err="1">
+                <a:latin typeface="Courier New" panose="02070309020205020404" pitchFamily="49" charset="0"/>
+                <a:cs typeface="Courier New" panose="02070309020205020404" pitchFamily="49" charset="0"/>
+              </a:rPr>
+              <a:t>int</a:t>
+            </a:r>
+            <a:r>
+              <a:rPr lang="en-US" dirty="0">
+                <a:latin typeface="Courier New" panose="02070309020205020404" pitchFamily="49" charset="0"/>
+                <a:cs typeface="Courier New" panose="02070309020205020404" pitchFamily="49" charset="0"/>
+              </a:rPr>
+              <a:t> value1 = 12;</a:t>
+            </a:r>
+          </a:p>
+          <a:p>
+            <a:r>
+              <a:rPr lang="en-US" dirty="0">
+                <a:latin typeface="Courier New" panose="02070309020205020404" pitchFamily="49" charset="0"/>
+                <a:cs typeface="Courier New" panose="02070309020205020404" pitchFamily="49" charset="0"/>
+              </a:rPr>
+              <a:t>      double value2 = 25.75;</a:t>
+            </a:r>
+          </a:p>
+          <a:p>
+            <a:r>
+              <a:rPr lang="en-US" dirty="0">
+                <a:latin typeface="Courier New" panose="02070309020205020404" pitchFamily="49" charset="0"/>
+                <a:cs typeface="Courier New" panose="02070309020205020404" pitchFamily="49" charset="0"/>
+              </a:rPr>
+              <a:t>      double </a:t>
+            </a:r>
+            <a:r>
+              <a:rPr lang="en-US" dirty="0" err="1">
+                <a:latin typeface="Courier New" panose="02070309020205020404" pitchFamily="49" charset="0"/>
+                <a:cs typeface="Courier New" panose="02070309020205020404" pitchFamily="49" charset="0"/>
+              </a:rPr>
+              <a:t>resultDouble</a:t>
+            </a:r>
+            <a:r>
+              <a:rPr lang="en-US" dirty="0">
+                <a:latin typeface="Courier New" panose="02070309020205020404" pitchFamily="49" charset="0"/>
+                <a:cs typeface="Courier New" panose="02070309020205020404" pitchFamily="49" charset="0"/>
+              </a:rPr>
+              <a:t> = value1 + value2;</a:t>
+            </a:r>
+          </a:p>
+          <a:p>
+            <a:r>
+              <a:rPr lang="en-US" dirty="0">
+                <a:latin typeface="Courier New" panose="02070309020205020404" pitchFamily="49" charset="0"/>
+                <a:cs typeface="Courier New" panose="02070309020205020404" pitchFamily="49" charset="0"/>
+              </a:rPr>
+              <a:t>      </a:t>
+            </a:r>
+            <a:r>
+              <a:rPr lang="en-US" dirty="0" err="1">
+                <a:latin typeface="Courier New" panose="02070309020205020404" pitchFamily="49" charset="0"/>
+                <a:cs typeface="Courier New" panose="02070309020205020404" pitchFamily="49" charset="0"/>
+              </a:rPr>
+              <a:t>System.out.print</a:t>
+            </a:r>
+            <a:r>
+              <a:rPr lang="en-US" dirty="0">
+                <a:latin typeface="Courier New" panose="02070309020205020404" pitchFamily="49" charset="0"/>
+                <a:cs typeface="Courier New" panose="02070309020205020404" pitchFamily="49" charset="0"/>
+              </a:rPr>
+              <a:t>(value1 + " + " + value2 + " = ");</a:t>
+            </a:r>
+          </a:p>
+          <a:p>
+            <a:r>
+              <a:rPr lang="en-US" dirty="0">
+                <a:latin typeface="Courier New" panose="02070309020205020404" pitchFamily="49" charset="0"/>
+                <a:cs typeface="Courier New" panose="02070309020205020404" pitchFamily="49" charset="0"/>
+              </a:rPr>
+              <a:t>      </a:t>
+            </a:r>
+            <a:r>
+              <a:rPr lang="en-US" dirty="0" err="1">
+                <a:latin typeface="Courier New" panose="02070309020205020404" pitchFamily="49" charset="0"/>
+                <a:cs typeface="Courier New" panose="02070309020205020404" pitchFamily="49" charset="0"/>
+              </a:rPr>
+              <a:t>System.out.println</a:t>
+            </a:r>
+            <a:r>
+              <a:rPr lang="en-US" dirty="0">
+                <a:latin typeface="Courier New" panose="02070309020205020404" pitchFamily="49" charset="0"/>
+                <a:cs typeface="Courier New" panose="02070309020205020404" pitchFamily="49" charset="0"/>
+              </a:rPr>
+              <a:t>(</a:t>
+            </a:r>
+            <a:r>
+              <a:rPr lang="en-US" dirty="0" err="1">
+                <a:latin typeface="Courier New" panose="02070309020205020404" pitchFamily="49" charset="0"/>
+                <a:cs typeface="Courier New" panose="02070309020205020404" pitchFamily="49" charset="0"/>
+              </a:rPr>
+              <a:t>resultDouble</a:t>
+            </a:r>
+            <a:r>
+              <a:rPr lang="en-US" dirty="0">
+                <a:latin typeface="Courier New" panose="02070309020205020404" pitchFamily="49" charset="0"/>
+                <a:cs typeface="Courier New" panose="02070309020205020404" pitchFamily="49" charset="0"/>
+              </a:rPr>
+              <a:t>);</a:t>
+            </a:r>
+          </a:p>
+          <a:p>
+            <a:r>
+              <a:rPr lang="en-US" dirty="0">
+                <a:latin typeface="Courier New" panose="02070309020205020404" pitchFamily="49" charset="0"/>
+                <a:cs typeface="Courier New" panose="02070309020205020404" pitchFamily="49" charset="0"/>
+              </a:rPr>
+              <a:t>      </a:t>
+            </a:r>
+            <a:r>
+              <a:rPr lang="en-US" dirty="0" err="1">
+                <a:latin typeface="Courier New" panose="02070309020205020404" pitchFamily="49" charset="0"/>
+                <a:cs typeface="Courier New" panose="02070309020205020404" pitchFamily="49" charset="0"/>
+              </a:rPr>
+              <a:t>int</a:t>
+            </a:r>
+            <a:r>
+              <a:rPr lang="en-US" dirty="0">
+                <a:latin typeface="Courier New" panose="02070309020205020404" pitchFamily="49" charset="0"/>
+                <a:cs typeface="Courier New" panose="02070309020205020404" pitchFamily="49" charset="0"/>
+              </a:rPr>
+              <a:t> </a:t>
+            </a:r>
+            <a:r>
+              <a:rPr lang="en-US" dirty="0" err="1">
+                <a:latin typeface="Courier New" panose="02070309020205020404" pitchFamily="49" charset="0"/>
+                <a:cs typeface="Courier New" panose="02070309020205020404" pitchFamily="49" charset="0"/>
+              </a:rPr>
+              <a:t>resultInt</a:t>
+            </a:r>
+            <a:r>
+              <a:rPr lang="en-US" dirty="0">
+                <a:latin typeface="Courier New" panose="02070309020205020404" pitchFamily="49" charset="0"/>
+                <a:cs typeface="Courier New" panose="02070309020205020404" pitchFamily="49" charset="0"/>
+              </a:rPr>
+              <a:t> = value1 +  value2;</a:t>
+            </a:r>
+          </a:p>
+          <a:p>
+            <a:r>
+              <a:rPr lang="en-US" dirty="0">
+                <a:latin typeface="Courier New" panose="02070309020205020404" pitchFamily="49" charset="0"/>
+                <a:cs typeface="Courier New" panose="02070309020205020404" pitchFamily="49" charset="0"/>
+              </a:rPr>
+              <a:t>      </a:t>
+            </a:r>
+            <a:r>
+              <a:rPr lang="en-US" dirty="0" err="1">
+                <a:latin typeface="Courier New" panose="02070309020205020404" pitchFamily="49" charset="0"/>
+                <a:cs typeface="Courier New" panose="02070309020205020404" pitchFamily="49" charset="0"/>
+              </a:rPr>
+              <a:t>System.out.print</a:t>
+            </a:r>
+            <a:r>
+              <a:rPr lang="en-US" dirty="0">
+                <a:latin typeface="Courier New" panose="02070309020205020404" pitchFamily="49" charset="0"/>
+                <a:cs typeface="Courier New" panose="02070309020205020404" pitchFamily="49" charset="0"/>
+              </a:rPr>
+              <a:t>(value1 + " + " + value2 + " = ");</a:t>
+            </a:r>
+          </a:p>
+          <a:p>
+            <a:r>
+              <a:rPr lang="en-US" dirty="0">
+                <a:latin typeface="Courier New" panose="02070309020205020404" pitchFamily="49" charset="0"/>
+                <a:cs typeface="Courier New" panose="02070309020205020404" pitchFamily="49" charset="0"/>
+              </a:rPr>
+              <a:t>      </a:t>
+            </a:r>
+            <a:r>
+              <a:rPr lang="en-US" dirty="0" err="1">
+                <a:latin typeface="Courier New" panose="02070309020205020404" pitchFamily="49" charset="0"/>
+                <a:cs typeface="Courier New" panose="02070309020205020404" pitchFamily="49" charset="0"/>
+              </a:rPr>
+              <a:t>System.out.println</a:t>
+            </a:r>
+            <a:r>
+              <a:rPr lang="en-US" dirty="0">
+                <a:latin typeface="Courier New" panose="02070309020205020404" pitchFamily="49" charset="0"/>
+                <a:cs typeface="Courier New" panose="02070309020205020404" pitchFamily="49" charset="0"/>
+              </a:rPr>
+              <a:t>(</a:t>
+            </a:r>
+            <a:r>
+              <a:rPr lang="en-US" dirty="0" err="1">
+                <a:latin typeface="Courier New" panose="02070309020205020404" pitchFamily="49" charset="0"/>
+                <a:cs typeface="Courier New" panose="02070309020205020404" pitchFamily="49" charset="0"/>
+              </a:rPr>
+              <a:t>resultInt</a:t>
+            </a:r>
+            <a:r>
+              <a:rPr lang="en-US" dirty="0">
+                <a:latin typeface="Courier New" panose="02070309020205020404" pitchFamily="49" charset="0"/>
+                <a:cs typeface="Courier New" panose="02070309020205020404" pitchFamily="49" charset="0"/>
+              </a:rPr>
+              <a:t>);</a:t>
+            </a:r>
+          </a:p>
+          <a:p>
+            <a:r>
+              <a:rPr lang="en-US" dirty="0">
+                <a:latin typeface="Courier New" panose="02070309020205020404" pitchFamily="49" charset="0"/>
+                <a:cs typeface="Courier New" panose="02070309020205020404" pitchFamily="49" charset="0"/>
+              </a:rPr>
+              <a:t>   }</a:t>
+            </a:r>
+          </a:p>
+          <a:p>
+            <a:r>
+              <a:rPr lang="en-US" dirty="0">
+                <a:latin typeface="Courier New" panose="02070309020205020404" pitchFamily="49" charset="0"/>
+                <a:cs typeface="Courier New" panose="02070309020205020404" pitchFamily="49" charset="0"/>
+              </a:rPr>
+              <a:t>}</a:t>
+            </a:r>
+          </a:p>
+        </p:txBody>
+      </p:sp>
+      <p:sp>
+        <p:nvSpPr>
+          <p:cNvPr id="4" name="Rectangle 3">
+            <a:extLst>
+              <a:ext uri="{FF2B5EF4-FFF2-40B4-BE49-F238E27FC236}">
+                <a16:creationId xmlns:a16="http://schemas.microsoft.com/office/drawing/2014/main" id="{F8083C6D-3634-004D-BE41-F84DFC608329}"/>
+              </a:ext>
+            </a:extLst>
+          </p:cNvPr>
+          <p:cNvSpPr/>
+          <p:nvPr/>
+        </p:nvSpPr>
+        <p:spPr>
+          <a:xfrm>
+            <a:off x="9517587" y="1211855"/>
+            <a:ext cx="4165361" cy="979799"/>
+          </a:xfrm>
+          <a:prstGeom prst="rect">
+            <a:avLst/>
+          </a:prstGeom>
+          <a:solidFill>
+            <a:schemeClr val="bg2"/>
+          </a:solidFill>
+          <a:ln>
+            <a:noFill/>
+          </a:ln>
+          <a:effectLst/>
+        </p:spPr>
+        <p:style>
+          <a:lnRef idx="1">
+            <a:schemeClr val="accent1"/>
+          </a:lnRef>
+          <a:fillRef idx="3">
+            <a:schemeClr val="accent1"/>
+          </a:fillRef>
+          <a:effectRef idx="2">
+            <a:schemeClr val="accent1"/>
+          </a:effectRef>
+          <a:fontRef idx="minor">
+            <a:schemeClr val="lt1"/>
+          </a:fontRef>
+        </p:style>
+        <p:txBody>
+          <a:bodyPr lIns="274320" tIns="182880" rIns="274320" bIns="182880" rtlCol="0" anchor="ctr"/>
+          <a:lstStyle/>
+          <a:p>
+            <a:pPr algn="ctr"/>
+            <a:r>
+              <a:rPr lang="en-US" dirty="0">
+                <a:solidFill>
+                  <a:srgbClr val="092529"/>
+                </a:solidFill>
+                <a:latin typeface="Proxima Nova" charset="0"/>
+                <a:ea typeface="Proxima Nova" charset="0"/>
+                <a:cs typeface="Proxima Nova" charset="0"/>
+              </a:rPr>
+              <a:t>What happen when we try to run the program?</a:t>
+            </a:r>
+          </a:p>
+        </p:txBody>
+      </p:sp>
+      <p:sp>
+        <p:nvSpPr>
+          <p:cNvPr id="6" name="Rectangle 5">
+            <a:extLst>
+              <a:ext uri="{FF2B5EF4-FFF2-40B4-BE49-F238E27FC236}">
+                <a16:creationId xmlns:a16="http://schemas.microsoft.com/office/drawing/2014/main" id="{F8083C6D-3634-004D-BE41-F84DFC608329}"/>
+              </a:ext>
+            </a:extLst>
+          </p:cNvPr>
+          <p:cNvSpPr/>
+          <p:nvPr/>
+        </p:nvSpPr>
+        <p:spPr>
+          <a:xfrm>
+            <a:off x="9517587" y="2547826"/>
+            <a:ext cx="4165361" cy="2065703"/>
+          </a:xfrm>
+          <a:prstGeom prst="rect">
+            <a:avLst/>
+          </a:prstGeom>
+          <a:solidFill>
+            <a:schemeClr val="bg2"/>
+          </a:solidFill>
+          <a:ln>
+            <a:noFill/>
+          </a:ln>
+          <a:effectLst/>
+        </p:spPr>
+        <p:style>
+          <a:lnRef idx="1">
+            <a:schemeClr val="accent1"/>
+          </a:lnRef>
+          <a:fillRef idx="3">
+            <a:schemeClr val="accent1"/>
+          </a:fillRef>
+          <a:effectRef idx="2">
+            <a:schemeClr val="accent1"/>
+          </a:effectRef>
+          <a:fontRef idx="minor">
+            <a:schemeClr val="lt1"/>
+          </a:fontRef>
+        </p:style>
+        <p:txBody>
+          <a:bodyPr lIns="274320" tIns="182880" rIns="274320" bIns="182880" rtlCol="0" anchor="ctr"/>
+          <a:lstStyle/>
+          <a:p>
+            <a:pPr lvl="0" defTabSz="914400" eaLnBrk="0" fontAlgn="base" hangingPunct="0">
+              <a:spcBef>
+                <a:spcPct val="0"/>
+              </a:spcBef>
+              <a:spcAft>
+                <a:spcPct val="0"/>
+              </a:spcAft>
+            </a:pPr>
+            <a:r>
+              <a:rPr lang="en-US" altLang="en-US" dirty="0">
+                <a:solidFill>
+                  <a:srgbClr val="092529"/>
+                </a:solidFill>
+                <a:latin typeface="Proxima Nova" charset="0"/>
+                <a:ea typeface="Proxima Nova" charset="0"/>
+                <a:cs typeface="Proxima Nova" charset="0"/>
+              </a:rPr>
+              <a:t>CastingProgram.java:10: error: incompatible types: possible </a:t>
+            </a:r>
+            <a:r>
+              <a:rPr lang="en-US" altLang="en-US" dirty="0" err="1">
+                <a:solidFill>
+                  <a:srgbClr val="092529"/>
+                </a:solidFill>
+                <a:latin typeface="Proxima Nova" charset="0"/>
+                <a:ea typeface="Proxima Nova" charset="0"/>
+                <a:cs typeface="Proxima Nova" charset="0"/>
+              </a:rPr>
+              <a:t>lossy</a:t>
+            </a:r>
+            <a:r>
+              <a:rPr lang="en-US" altLang="en-US" dirty="0">
+                <a:solidFill>
+                  <a:srgbClr val="092529"/>
+                </a:solidFill>
+                <a:latin typeface="Proxima Nova" charset="0"/>
+                <a:ea typeface="Proxima Nova" charset="0"/>
+                <a:cs typeface="Proxima Nova" charset="0"/>
+              </a:rPr>
+              <a:t> conversion from double to </a:t>
+            </a:r>
+            <a:r>
+              <a:rPr lang="en-US" altLang="en-US" dirty="0" err="1">
+                <a:solidFill>
+                  <a:srgbClr val="092529"/>
+                </a:solidFill>
+                <a:latin typeface="Proxima Nova" charset="0"/>
+                <a:ea typeface="Proxima Nova" charset="0"/>
+                <a:cs typeface="Proxima Nova" charset="0"/>
+              </a:rPr>
+              <a:t>int</a:t>
+            </a:r>
+            <a:endParaRPr lang="en-US" altLang="en-US" dirty="0">
+              <a:solidFill>
+                <a:srgbClr val="092529"/>
+              </a:solidFill>
+              <a:latin typeface="Proxima Nova" charset="0"/>
+              <a:ea typeface="Proxima Nova" charset="0"/>
+              <a:cs typeface="Proxima Nova" charset="0"/>
+            </a:endParaRPr>
+          </a:p>
+          <a:p>
+            <a:pPr lvl="0" defTabSz="914400" eaLnBrk="0" fontAlgn="base" hangingPunct="0">
+              <a:spcBef>
+                <a:spcPct val="0"/>
+              </a:spcBef>
+              <a:spcAft>
+                <a:spcPct val="0"/>
+              </a:spcAft>
+            </a:pPr>
+            <a:r>
+              <a:rPr lang="en-US" altLang="en-US" dirty="0">
+                <a:solidFill>
+                  <a:srgbClr val="092529"/>
+                </a:solidFill>
+                <a:latin typeface="Proxima Nova" charset="0"/>
+                <a:ea typeface="Proxima Nova" charset="0"/>
+                <a:cs typeface="Proxima Nova" charset="0"/>
+              </a:rPr>
+              <a:t> </a:t>
+            </a:r>
+            <a:r>
+              <a:rPr lang="en-US" altLang="en-US" dirty="0" err="1">
+                <a:solidFill>
+                  <a:srgbClr val="092529"/>
+                </a:solidFill>
+                <a:latin typeface="Proxima Nova" charset="0"/>
+                <a:ea typeface="Proxima Nova" charset="0"/>
+                <a:cs typeface="Proxima Nova" charset="0"/>
+              </a:rPr>
+              <a:t>int</a:t>
+            </a:r>
+            <a:r>
+              <a:rPr lang="en-US" altLang="en-US" dirty="0">
+                <a:solidFill>
+                  <a:srgbClr val="092529"/>
+                </a:solidFill>
+                <a:latin typeface="Proxima Nova" charset="0"/>
+                <a:ea typeface="Proxima Nova" charset="0"/>
+                <a:cs typeface="Proxima Nova" charset="0"/>
+              </a:rPr>
+              <a:t> </a:t>
+            </a:r>
+            <a:r>
+              <a:rPr lang="en-US" altLang="en-US" dirty="0" err="1">
+                <a:solidFill>
+                  <a:srgbClr val="092529"/>
+                </a:solidFill>
+                <a:latin typeface="Proxima Nova" charset="0"/>
+                <a:ea typeface="Proxima Nova" charset="0"/>
+                <a:cs typeface="Proxima Nova" charset="0"/>
+              </a:rPr>
+              <a:t>resultInt</a:t>
+            </a:r>
+            <a:r>
+              <a:rPr lang="en-US" altLang="en-US" dirty="0">
+                <a:solidFill>
+                  <a:srgbClr val="092529"/>
+                </a:solidFill>
+                <a:latin typeface="Proxima Nova" charset="0"/>
+                <a:ea typeface="Proxima Nova" charset="0"/>
+                <a:cs typeface="Proxima Nova" charset="0"/>
+              </a:rPr>
+              <a:t> = value1 + value2; ^ 1 error </a:t>
+            </a:r>
+          </a:p>
+        </p:txBody>
+      </p:sp>
+      <p:sp>
+        <p:nvSpPr>
+          <p:cNvPr id="7" name="Rectangle 6">
+            <a:extLst>
+              <a:ext uri="{FF2B5EF4-FFF2-40B4-BE49-F238E27FC236}">
+                <a16:creationId xmlns:a16="http://schemas.microsoft.com/office/drawing/2014/main" id="{F8083C6D-3634-004D-BE41-F84DFC608329}"/>
+              </a:ext>
+            </a:extLst>
+          </p:cNvPr>
+          <p:cNvSpPr/>
+          <p:nvPr/>
+        </p:nvSpPr>
+        <p:spPr>
+          <a:xfrm>
+            <a:off x="9517587" y="5095750"/>
+            <a:ext cx="4165361" cy="979799"/>
+          </a:xfrm>
+          <a:prstGeom prst="rect">
+            <a:avLst/>
+          </a:prstGeom>
+          <a:solidFill>
+            <a:schemeClr val="bg2"/>
+          </a:solidFill>
+          <a:ln>
+            <a:noFill/>
+          </a:ln>
+          <a:effectLst/>
+        </p:spPr>
+        <p:style>
+          <a:lnRef idx="1">
+            <a:schemeClr val="accent1"/>
+          </a:lnRef>
+          <a:fillRef idx="3">
+            <a:schemeClr val="accent1"/>
+          </a:fillRef>
+          <a:effectRef idx="2">
+            <a:schemeClr val="accent1"/>
+          </a:effectRef>
+          <a:fontRef idx="minor">
+            <a:schemeClr val="lt1"/>
+          </a:fontRef>
+        </p:style>
+        <p:txBody>
+          <a:bodyPr lIns="274320" tIns="182880" rIns="274320" bIns="182880" rtlCol="0" anchor="ctr"/>
+          <a:lstStyle/>
+          <a:p>
+            <a:pPr algn="ctr"/>
+            <a:r>
+              <a:rPr lang="en-US" dirty="0">
+                <a:solidFill>
+                  <a:srgbClr val="092529"/>
+                </a:solidFill>
+                <a:latin typeface="Proxima Nova" charset="0"/>
+                <a:ea typeface="Proxima Nova" charset="0"/>
+                <a:cs typeface="Proxima Nova" charset="0"/>
+              </a:rPr>
+              <a:t>How to solve that error?</a:t>
+            </a:r>
+          </a:p>
+        </p:txBody>
+      </p:sp>
+    </p:spTree>
+    <p:extLst>
+      <p:ext uri="{BB962C8B-B14F-4D97-AF65-F5344CB8AC3E}">
+        <p14:creationId xmlns:p14="http://schemas.microsoft.com/office/powerpoint/2010/main" val="184236690"/>
+      </p:ext>
+    </p:extLst>
+  </p:cSld>
+  <p:clrMapOvr>
+    <a:masterClrMapping/>
+  </p:clrMapOvr>
+  <mc:AlternateContent xmlns:mc="http://schemas.openxmlformats.org/markup-compatibility/2006">
+    <mc:Choice xmlns:p14="http://schemas.microsoft.com/office/powerpoint/2010/main" Requires="p14">
+      <p:transition p14:dur="300">
+        <p:fade/>
+      </p:transition>
+    </mc:Choice>
+    <mc:Fallback>
+      <p:transition>
+        <p:fade/>
+      </p:transition>
+    </mc:Fallback>
+  </mc:AlternateContent>
+  <p:timing>
+    <p:tnLst>
+      <p:par>
+        <p:cTn id="1" dur="indefinite" restart="never" nodeType="tmRoot">
+          <p:childTnLst>
+            <p:seq concurrent="1" nextAc="seek">
+              <p:cTn id="2" dur="indefinite" nodeType="mainSeq">
+                <p:childTnLst>
+                  <p:par>
+                    <p:cTn id="3" fill="hold">
+                      <p:stCondLst>
+                        <p:cond delay="indefinite"/>
+                      </p:stCondLst>
+                      <p:childTnLst>
+                        <p:par>
+                          <p:cTn id="4" fill="hold">
+                            <p:stCondLst>
+                              <p:cond delay="0"/>
+                            </p:stCondLst>
+                            <p:childTnLst>
+                              <p:par>
+                                <p:cTn id="5" presetID="1" presetClass="entr" presetSubtype="0" fill="hold" grpId="0" nodeType="clickEffect">
+                                  <p:stCondLst>
+                                    <p:cond delay="0"/>
+                                  </p:stCondLst>
+                                  <p:childTnLst>
+                                    <p:set>
+                                      <p:cBhvr>
+                                        <p:cTn id="6" dur="1" fill="hold">
+                                          <p:stCondLst>
+                                            <p:cond delay="0"/>
+                                          </p:stCondLst>
+                                        </p:cTn>
+                                        <p:tgtEl>
+                                          <p:spTgt spid="6"/>
+                                        </p:tgtEl>
+                                        <p:attrNameLst>
+                                          <p:attrName>style.visibility</p:attrName>
+                                        </p:attrNameLst>
+                                      </p:cBhvr>
+                                      <p:to>
+                                        <p:strVal val="visible"/>
+                                      </p:to>
+                                    </p:set>
+                                  </p:childTnLst>
+                                </p:cTn>
+                              </p:par>
+                            </p:childTnLst>
+                          </p:cTn>
+                        </p:par>
+                      </p:childTnLst>
+                    </p:cTn>
+                  </p:par>
+                  <p:par>
+                    <p:cTn id="7" fill="hold">
+                      <p:stCondLst>
+                        <p:cond delay="indefinite"/>
+                      </p:stCondLst>
+                      <p:childTnLst>
+                        <p:par>
+                          <p:cTn id="8" fill="hold">
+                            <p:stCondLst>
+                              <p:cond delay="0"/>
+                            </p:stCondLst>
+                            <p:childTnLst>
+                              <p:par>
+                                <p:cTn id="9" presetID="1" presetClass="entr" presetSubtype="0" fill="hold" grpId="0" nodeType="clickEffect">
+                                  <p:stCondLst>
+                                    <p:cond delay="0"/>
+                                  </p:stCondLst>
+                                  <p:childTnLst>
+                                    <p:set>
+                                      <p:cBhvr>
+                                        <p:cTn id="10" dur="1" fill="hold">
+                                          <p:stCondLst>
+                                            <p:cond delay="0"/>
+                                          </p:stCondLst>
+                                        </p:cTn>
+                                        <p:tgtEl>
+                                          <p:spTgt spid="7"/>
+                                        </p:tgtEl>
+                                        <p:attrNameLst>
+                                          <p:attrName>style.visibility</p:attrName>
+                                        </p:attrNameLst>
+                                      </p:cBhvr>
+                                      <p:to>
+                                        <p:strVal val="visible"/>
+                                      </p:to>
+                                    </p:set>
+                                  </p:childTnLst>
+                                </p:cTn>
+                              </p:par>
+                            </p:childTnLst>
+                          </p:cTn>
+                        </p:par>
+                      </p:childTnLst>
+                    </p:cTn>
+                  </p:par>
+                </p:childTnLst>
+              </p:cTn>
+              <p:prevCondLst>
+                <p:cond evt="onPrev" delay="0">
+                  <p:tgtEl>
+                    <p:sldTgt/>
+                  </p:tgtEl>
+                </p:cond>
+              </p:prevCondLst>
+              <p:nextCondLst>
+                <p:cond evt="onNext" delay="0">
+                  <p:tgtEl>
+                    <p:sldTgt/>
+                  </p:tgtEl>
+                </p:cond>
+              </p:nextCondLst>
+            </p:seq>
+          </p:childTnLst>
+        </p:cTn>
+      </p:par>
+    </p:tnLst>
+    <p:bldLst>
+      <p:bldP spid="6" grpId="0" animBg="1"/>
+      <p:bldP spid="7" grpId="0" animBg="1"/>
+    </p:bldLst>
+  </p:timing>
+</p:sld>
+</file>
+
+<file path=ppt/slides/slide6.xml><?xml version="1.0" encoding="utf-8"?>
+<p:sld xmlns:a="http://schemas.openxmlformats.org/drawingml/2006/main" xmlns:r="http://schemas.openxmlformats.org/officeDocument/2006/relationships" xmlns:p="http://schemas.openxmlformats.org/presentationml/2006/main" show="0">
+  <p:cSld>
+    <p:spTree>
+      <p:nvGrpSpPr>
+        <p:cNvPr id="1" name=""/>
+        <p:cNvGrpSpPr/>
+        <p:nvPr/>
+      </p:nvGrpSpPr>
+      <p:grpSpPr>
+        <a:xfrm>
+          <a:off x="0" y="0"/>
+          <a:ext cx="0" cy="0"/>
+          <a:chOff x="0" y="0"/>
+          <a:chExt cx="0" cy="0"/>
+        </a:xfrm>
+      </p:grpSpPr>
+      <p:sp>
+        <p:nvSpPr>
+          <p:cNvPr id="2" name="Title 1">
+            <a:extLst>
+              <a:ext uri="{FF2B5EF4-FFF2-40B4-BE49-F238E27FC236}">
+                <a16:creationId xmlns:a16="http://schemas.microsoft.com/office/drawing/2014/main" id="{B536806E-AD3E-AD40-936F-590919B5FCEE}"/>
+              </a:ext>
+            </a:extLst>
+          </p:cNvPr>
+          <p:cNvSpPr>
+            <a:spLocks noGrp="1"/>
+          </p:cNvSpPr>
+          <p:nvPr>
+            <p:ph type="title"/>
+          </p:nvPr>
+        </p:nvSpPr>
+        <p:spPr/>
+        <p:txBody>
+          <a:bodyPr/>
+          <a:lstStyle/>
+          <a:p>
+            <a:r>
+              <a:rPr lang="en-US" dirty="0"/>
+              <a:t>Quick Practice</a:t>
+            </a:r>
+          </a:p>
+        </p:txBody>
+      </p:sp>
+      <p:sp>
+        <p:nvSpPr>
+          <p:cNvPr id="5" name="TextBox 4">
+            <a:extLst>
+              <a:ext uri="{FF2B5EF4-FFF2-40B4-BE49-F238E27FC236}">
+                <a16:creationId xmlns:a16="http://schemas.microsoft.com/office/drawing/2014/main" id="{BC9EEA87-D34D-C34F-8D45-848ED96537EC}"/>
+              </a:ext>
+            </a:extLst>
+          </p:cNvPr>
+          <p:cNvSpPr txBox="1"/>
+          <p:nvPr/>
+        </p:nvSpPr>
+        <p:spPr>
+          <a:xfrm>
+            <a:off x="787961" y="1675865"/>
+            <a:ext cx="9711114" cy="4401205"/>
+          </a:xfrm>
+          <a:prstGeom prst="rect">
+            <a:avLst/>
+          </a:prstGeom>
+          <a:noFill/>
+        </p:spPr>
+        <p:txBody>
+          <a:bodyPr wrap="square">
+            <a:spAutoFit/>
+          </a:bodyPr>
+          <a:lstStyle/>
+          <a:p>
+            <a:r>
+              <a:rPr lang="en-US" dirty="0">
+                <a:latin typeface="Courier New" panose="02070309020205020404" pitchFamily="49" charset="0"/>
+                <a:cs typeface="Courier New" panose="02070309020205020404" pitchFamily="49" charset="0"/>
+              </a:rPr>
+              <a:t>public class </a:t>
+            </a:r>
+            <a:r>
+              <a:rPr lang="en-US" dirty="0" err="1">
+                <a:latin typeface="Courier New" panose="02070309020205020404" pitchFamily="49" charset="0"/>
+                <a:cs typeface="Courier New" panose="02070309020205020404" pitchFamily="49" charset="0"/>
+              </a:rPr>
+              <a:t>CastingProgram</a:t>
+            </a:r>
+            <a:r>
+              <a:rPr lang="en-US" dirty="0">
+                <a:latin typeface="Courier New" panose="02070309020205020404" pitchFamily="49" charset="0"/>
+                <a:cs typeface="Courier New" panose="02070309020205020404" pitchFamily="49" charset="0"/>
+              </a:rPr>
+              <a:t> {</a:t>
+            </a:r>
+          </a:p>
+          <a:p>
+            <a:endParaRPr lang="en-US" dirty="0">
+              <a:latin typeface="Courier New" panose="02070309020205020404" pitchFamily="49" charset="0"/>
+              <a:cs typeface="Courier New" panose="02070309020205020404" pitchFamily="49" charset="0"/>
+            </a:endParaRPr>
+          </a:p>
+          <a:p>
+            <a:r>
+              <a:rPr lang="en-US" dirty="0">
+                <a:latin typeface="Courier New" panose="02070309020205020404" pitchFamily="49" charset="0"/>
+                <a:cs typeface="Courier New" panose="02070309020205020404" pitchFamily="49" charset="0"/>
+              </a:rPr>
+              <a:t>   public static void main(String[] </a:t>
+            </a:r>
+            <a:r>
+              <a:rPr lang="en-US" dirty="0" err="1">
+                <a:latin typeface="Courier New" panose="02070309020205020404" pitchFamily="49" charset="0"/>
+                <a:cs typeface="Courier New" panose="02070309020205020404" pitchFamily="49" charset="0"/>
+              </a:rPr>
+              <a:t>args</a:t>
+            </a:r>
+            <a:r>
+              <a:rPr lang="en-US" dirty="0">
+                <a:latin typeface="Courier New" panose="02070309020205020404" pitchFamily="49" charset="0"/>
+                <a:cs typeface="Courier New" panose="02070309020205020404" pitchFamily="49" charset="0"/>
+              </a:rPr>
+              <a:t>) {</a:t>
+            </a:r>
+          </a:p>
+          <a:p>
+            <a:endParaRPr lang="en-US" dirty="0">
+              <a:latin typeface="Courier New" panose="02070309020205020404" pitchFamily="49" charset="0"/>
+              <a:cs typeface="Courier New" panose="02070309020205020404" pitchFamily="49" charset="0"/>
+            </a:endParaRPr>
+          </a:p>
+          <a:p>
+            <a:r>
+              <a:rPr lang="en-US" dirty="0">
+                <a:latin typeface="Courier New" panose="02070309020205020404" pitchFamily="49" charset="0"/>
+                <a:cs typeface="Courier New" panose="02070309020205020404" pitchFamily="49" charset="0"/>
+              </a:rPr>
+              <a:t>      </a:t>
+            </a:r>
+            <a:r>
+              <a:rPr lang="en-US" dirty="0" err="1">
+                <a:latin typeface="Courier New" panose="02070309020205020404" pitchFamily="49" charset="0"/>
+                <a:cs typeface="Courier New" panose="02070309020205020404" pitchFamily="49" charset="0"/>
+              </a:rPr>
+              <a:t>int</a:t>
+            </a:r>
+            <a:r>
+              <a:rPr lang="en-US" dirty="0">
+                <a:latin typeface="Courier New" panose="02070309020205020404" pitchFamily="49" charset="0"/>
+                <a:cs typeface="Courier New" panose="02070309020205020404" pitchFamily="49" charset="0"/>
+              </a:rPr>
+              <a:t> value1 = 12;</a:t>
+            </a:r>
+          </a:p>
+          <a:p>
+            <a:r>
+              <a:rPr lang="en-US" dirty="0">
+                <a:latin typeface="Courier New" panose="02070309020205020404" pitchFamily="49" charset="0"/>
+                <a:cs typeface="Courier New" panose="02070309020205020404" pitchFamily="49" charset="0"/>
+              </a:rPr>
+              <a:t>      double value2 = 25.75;</a:t>
+            </a:r>
+          </a:p>
+          <a:p>
+            <a:r>
+              <a:rPr lang="en-US" dirty="0">
+                <a:latin typeface="Courier New" panose="02070309020205020404" pitchFamily="49" charset="0"/>
+                <a:cs typeface="Courier New" panose="02070309020205020404" pitchFamily="49" charset="0"/>
+              </a:rPr>
+              <a:t>      double </a:t>
+            </a:r>
+            <a:r>
+              <a:rPr lang="en-US" dirty="0" err="1">
+                <a:latin typeface="Courier New" panose="02070309020205020404" pitchFamily="49" charset="0"/>
+                <a:cs typeface="Courier New" panose="02070309020205020404" pitchFamily="49" charset="0"/>
+              </a:rPr>
+              <a:t>resultDouble</a:t>
+            </a:r>
+            <a:r>
+              <a:rPr lang="en-US" dirty="0">
+                <a:latin typeface="Courier New" panose="02070309020205020404" pitchFamily="49" charset="0"/>
+                <a:cs typeface="Courier New" panose="02070309020205020404" pitchFamily="49" charset="0"/>
+              </a:rPr>
+              <a:t> = value1 + value2;</a:t>
+            </a:r>
+          </a:p>
+          <a:p>
+            <a:r>
+              <a:rPr lang="en-US" dirty="0">
+                <a:latin typeface="Courier New" panose="02070309020205020404" pitchFamily="49" charset="0"/>
+                <a:cs typeface="Courier New" panose="02070309020205020404" pitchFamily="49" charset="0"/>
+              </a:rPr>
+              <a:t>      </a:t>
+            </a:r>
+            <a:r>
+              <a:rPr lang="en-US" dirty="0" err="1">
+                <a:latin typeface="Courier New" panose="02070309020205020404" pitchFamily="49" charset="0"/>
+                <a:cs typeface="Courier New" panose="02070309020205020404" pitchFamily="49" charset="0"/>
+              </a:rPr>
+              <a:t>System.out.print</a:t>
+            </a:r>
+            <a:r>
+              <a:rPr lang="en-US" dirty="0">
+                <a:latin typeface="Courier New" panose="02070309020205020404" pitchFamily="49" charset="0"/>
+                <a:cs typeface="Courier New" panose="02070309020205020404" pitchFamily="49" charset="0"/>
+              </a:rPr>
+              <a:t>(value1 + " + " + value2 + " = ");</a:t>
+            </a:r>
+          </a:p>
+          <a:p>
+            <a:r>
+              <a:rPr lang="en-US" dirty="0">
+                <a:latin typeface="Courier New" panose="02070309020205020404" pitchFamily="49" charset="0"/>
+                <a:cs typeface="Courier New" panose="02070309020205020404" pitchFamily="49" charset="0"/>
+              </a:rPr>
+              <a:t>      </a:t>
+            </a:r>
+            <a:r>
+              <a:rPr lang="en-US" dirty="0" err="1">
+                <a:latin typeface="Courier New" panose="02070309020205020404" pitchFamily="49" charset="0"/>
+                <a:cs typeface="Courier New" panose="02070309020205020404" pitchFamily="49" charset="0"/>
+              </a:rPr>
+              <a:t>System.out.println</a:t>
+            </a:r>
+            <a:r>
+              <a:rPr lang="en-US" dirty="0">
+                <a:latin typeface="Courier New" panose="02070309020205020404" pitchFamily="49" charset="0"/>
+                <a:cs typeface="Courier New" panose="02070309020205020404" pitchFamily="49" charset="0"/>
+              </a:rPr>
+              <a:t>(</a:t>
+            </a:r>
+            <a:r>
+              <a:rPr lang="en-US" dirty="0" err="1">
+                <a:latin typeface="Courier New" panose="02070309020205020404" pitchFamily="49" charset="0"/>
+                <a:cs typeface="Courier New" panose="02070309020205020404" pitchFamily="49" charset="0"/>
+              </a:rPr>
+              <a:t>resultDouble</a:t>
+            </a:r>
+            <a:r>
+              <a:rPr lang="en-US" dirty="0">
+                <a:latin typeface="Courier New" panose="02070309020205020404" pitchFamily="49" charset="0"/>
+                <a:cs typeface="Courier New" panose="02070309020205020404" pitchFamily="49" charset="0"/>
+              </a:rPr>
+              <a:t>);</a:t>
+            </a:r>
+          </a:p>
+          <a:p>
+            <a:r>
+              <a:rPr lang="en-US" dirty="0">
+                <a:latin typeface="Courier New" panose="02070309020205020404" pitchFamily="49" charset="0"/>
+                <a:cs typeface="Courier New" panose="02070309020205020404" pitchFamily="49" charset="0"/>
+              </a:rPr>
+              <a:t>      </a:t>
+            </a:r>
+            <a:r>
+              <a:rPr lang="en-US" dirty="0" err="1">
+                <a:latin typeface="Courier New" panose="02070309020205020404" pitchFamily="49" charset="0"/>
+                <a:cs typeface="Courier New" panose="02070309020205020404" pitchFamily="49" charset="0"/>
+              </a:rPr>
+              <a:t>int</a:t>
+            </a:r>
+            <a:r>
+              <a:rPr lang="en-US" dirty="0">
+                <a:latin typeface="Courier New" panose="02070309020205020404" pitchFamily="49" charset="0"/>
+                <a:cs typeface="Courier New" panose="02070309020205020404" pitchFamily="49" charset="0"/>
+              </a:rPr>
+              <a:t> </a:t>
+            </a:r>
+            <a:r>
+              <a:rPr lang="en-US" dirty="0" err="1">
+                <a:latin typeface="Courier New" panose="02070309020205020404" pitchFamily="49" charset="0"/>
+                <a:cs typeface="Courier New" panose="02070309020205020404" pitchFamily="49" charset="0"/>
+              </a:rPr>
+              <a:t>resultInt</a:t>
+            </a:r>
+            <a:r>
+              <a:rPr lang="en-US" dirty="0">
+                <a:latin typeface="Courier New" panose="02070309020205020404" pitchFamily="49" charset="0"/>
+                <a:cs typeface="Courier New" panose="02070309020205020404" pitchFamily="49" charset="0"/>
+              </a:rPr>
+              <a:t> = value1 +  </a:t>
+            </a:r>
+            <a:r>
+              <a:rPr lang="en-US" dirty="0">
+                <a:solidFill>
+                  <a:srgbClr val="FF0000"/>
+                </a:solidFill>
+                <a:latin typeface="Courier New" panose="02070309020205020404" pitchFamily="49" charset="0"/>
+                <a:cs typeface="Courier New" panose="02070309020205020404" pitchFamily="49" charset="0"/>
+              </a:rPr>
+              <a:t>(</a:t>
+            </a:r>
+            <a:r>
+              <a:rPr lang="en-US" dirty="0" err="1">
+                <a:solidFill>
+                  <a:srgbClr val="FF0000"/>
+                </a:solidFill>
+                <a:latin typeface="Courier New" panose="02070309020205020404" pitchFamily="49" charset="0"/>
+                <a:cs typeface="Courier New" panose="02070309020205020404" pitchFamily="49" charset="0"/>
+              </a:rPr>
+              <a:t>int</a:t>
+            </a:r>
+            <a:r>
+              <a:rPr lang="en-US" dirty="0">
+                <a:solidFill>
+                  <a:srgbClr val="FF0000"/>
+                </a:solidFill>
+                <a:latin typeface="Courier New" panose="02070309020205020404" pitchFamily="49" charset="0"/>
+                <a:cs typeface="Courier New" panose="02070309020205020404" pitchFamily="49" charset="0"/>
+              </a:rPr>
+              <a:t>)</a:t>
+            </a:r>
+            <a:r>
+              <a:rPr lang="en-US" dirty="0">
+                <a:latin typeface="Courier New" panose="02070309020205020404" pitchFamily="49" charset="0"/>
+                <a:cs typeface="Courier New" panose="02070309020205020404" pitchFamily="49" charset="0"/>
+              </a:rPr>
+              <a:t> value2;</a:t>
+            </a:r>
+          </a:p>
+          <a:p>
+            <a:r>
+              <a:rPr lang="en-US" dirty="0">
+                <a:latin typeface="Courier New" panose="02070309020205020404" pitchFamily="49" charset="0"/>
+                <a:cs typeface="Courier New" panose="02070309020205020404" pitchFamily="49" charset="0"/>
+              </a:rPr>
+              <a:t>      </a:t>
+            </a:r>
+            <a:r>
+              <a:rPr lang="en-US" dirty="0" err="1">
+                <a:latin typeface="Courier New" panose="02070309020205020404" pitchFamily="49" charset="0"/>
+                <a:cs typeface="Courier New" panose="02070309020205020404" pitchFamily="49" charset="0"/>
+              </a:rPr>
+              <a:t>System.out.print</a:t>
+            </a:r>
+            <a:r>
+              <a:rPr lang="en-US" dirty="0">
+                <a:latin typeface="Courier New" panose="02070309020205020404" pitchFamily="49" charset="0"/>
+                <a:cs typeface="Courier New" panose="02070309020205020404" pitchFamily="49" charset="0"/>
+              </a:rPr>
+              <a:t>(value1 + " + " + </a:t>
+            </a:r>
+            <a:r>
+              <a:rPr lang="en-US" dirty="0">
+                <a:solidFill>
+                  <a:srgbClr val="FF0000"/>
+                </a:solidFill>
+                <a:latin typeface="Courier New" panose="02070309020205020404" pitchFamily="49" charset="0"/>
+                <a:cs typeface="Courier New" panose="02070309020205020404" pitchFamily="49" charset="0"/>
+              </a:rPr>
+              <a:t>(</a:t>
+            </a:r>
+            <a:r>
+              <a:rPr lang="en-US" dirty="0" err="1">
+                <a:solidFill>
+                  <a:srgbClr val="FF0000"/>
+                </a:solidFill>
+                <a:latin typeface="Courier New" panose="02070309020205020404" pitchFamily="49" charset="0"/>
+                <a:cs typeface="Courier New" panose="02070309020205020404" pitchFamily="49" charset="0"/>
+              </a:rPr>
+              <a:t>int</a:t>
+            </a:r>
+            <a:r>
+              <a:rPr lang="en-US" dirty="0">
+                <a:solidFill>
+                  <a:srgbClr val="FF0000"/>
+                </a:solidFill>
+                <a:latin typeface="Courier New" panose="02070309020205020404" pitchFamily="49" charset="0"/>
+                <a:cs typeface="Courier New" panose="02070309020205020404" pitchFamily="49" charset="0"/>
+              </a:rPr>
+              <a:t>) </a:t>
+            </a:r>
+            <a:r>
+              <a:rPr lang="en-US" dirty="0">
+                <a:latin typeface="Courier New" panose="02070309020205020404" pitchFamily="49" charset="0"/>
+                <a:cs typeface="Courier New" panose="02070309020205020404" pitchFamily="49" charset="0"/>
+              </a:rPr>
+              <a:t>value2 + " = ");</a:t>
+            </a:r>
+          </a:p>
+          <a:p>
+            <a:r>
+              <a:rPr lang="en-US" dirty="0">
+                <a:latin typeface="Courier New" panose="02070309020205020404" pitchFamily="49" charset="0"/>
+                <a:cs typeface="Courier New" panose="02070309020205020404" pitchFamily="49" charset="0"/>
+              </a:rPr>
+              <a:t>      </a:t>
+            </a:r>
+            <a:r>
+              <a:rPr lang="en-US" dirty="0" err="1">
+                <a:latin typeface="Courier New" panose="02070309020205020404" pitchFamily="49" charset="0"/>
+                <a:cs typeface="Courier New" panose="02070309020205020404" pitchFamily="49" charset="0"/>
+              </a:rPr>
+              <a:t>System.out.println</a:t>
+            </a:r>
+            <a:r>
+              <a:rPr lang="en-US" dirty="0">
+                <a:latin typeface="Courier New" panose="02070309020205020404" pitchFamily="49" charset="0"/>
+                <a:cs typeface="Courier New" panose="02070309020205020404" pitchFamily="49" charset="0"/>
+              </a:rPr>
+              <a:t>(</a:t>
+            </a:r>
+            <a:r>
+              <a:rPr lang="en-US" dirty="0" err="1">
+                <a:latin typeface="Courier New" panose="02070309020205020404" pitchFamily="49" charset="0"/>
+                <a:cs typeface="Courier New" panose="02070309020205020404" pitchFamily="49" charset="0"/>
+              </a:rPr>
+              <a:t>resultInt</a:t>
+            </a:r>
+            <a:r>
+              <a:rPr lang="en-US" dirty="0">
+                <a:latin typeface="Courier New" panose="02070309020205020404" pitchFamily="49" charset="0"/>
+                <a:cs typeface="Courier New" panose="02070309020205020404" pitchFamily="49" charset="0"/>
+              </a:rPr>
+              <a:t>);</a:t>
+            </a:r>
+          </a:p>
+          <a:p>
+            <a:r>
+              <a:rPr lang="en-US" dirty="0">
+                <a:latin typeface="Courier New" panose="02070309020205020404" pitchFamily="49" charset="0"/>
+                <a:cs typeface="Courier New" panose="02070309020205020404" pitchFamily="49" charset="0"/>
+              </a:rPr>
+              <a:t>   }</a:t>
+            </a:r>
+          </a:p>
+          <a:p>
+            <a:r>
+              <a:rPr lang="en-US" dirty="0">
+                <a:latin typeface="Courier New" panose="02070309020205020404" pitchFamily="49" charset="0"/>
+                <a:cs typeface="Courier New" panose="02070309020205020404" pitchFamily="49" charset="0"/>
+              </a:rPr>
+              <a:t>}</a:t>
+            </a:r>
+          </a:p>
+        </p:txBody>
+      </p:sp>
+      <p:sp>
+        <p:nvSpPr>
+          <p:cNvPr id="8" name="Rectangle 7">
+            <a:extLst>
+              <a:ext uri="{FF2B5EF4-FFF2-40B4-BE49-F238E27FC236}">
+                <a16:creationId xmlns:a16="http://schemas.microsoft.com/office/drawing/2014/main" id="{F8083C6D-3634-004D-BE41-F84DFC608329}"/>
+              </a:ext>
+            </a:extLst>
+          </p:cNvPr>
+          <p:cNvSpPr/>
+          <p:nvPr/>
+        </p:nvSpPr>
+        <p:spPr>
+          <a:xfrm>
+            <a:off x="9517587" y="3386567"/>
+            <a:ext cx="4165361" cy="979799"/>
+          </a:xfrm>
+          <a:prstGeom prst="rect">
+            <a:avLst/>
+          </a:prstGeom>
+          <a:solidFill>
+            <a:schemeClr val="bg2"/>
+          </a:solidFill>
+          <a:ln>
+            <a:noFill/>
+          </a:ln>
+          <a:effectLst/>
+        </p:spPr>
+        <p:style>
+          <a:lnRef idx="1">
+            <a:schemeClr val="accent1"/>
+          </a:lnRef>
+          <a:fillRef idx="3">
+            <a:schemeClr val="accent1"/>
+          </a:fillRef>
+          <a:effectRef idx="2">
+            <a:schemeClr val="accent1"/>
+          </a:effectRef>
+          <a:fontRef idx="minor">
+            <a:schemeClr val="lt1"/>
+          </a:fontRef>
+        </p:style>
+        <p:txBody>
+          <a:bodyPr lIns="274320" tIns="182880" rIns="274320" bIns="182880" rtlCol="0" anchor="ctr"/>
+          <a:lstStyle/>
+          <a:p>
+            <a:pPr algn="ctr"/>
+            <a:r>
+              <a:rPr lang="en-US" dirty="0">
+                <a:solidFill>
+                  <a:srgbClr val="092529"/>
+                </a:solidFill>
+                <a:latin typeface="Proxima Nova" charset="0"/>
+                <a:ea typeface="Proxima Nova" charset="0"/>
+                <a:cs typeface="Proxima Nova" charset="0"/>
+              </a:rPr>
+              <a:t>Manually casting the double variable to an </a:t>
+            </a:r>
+            <a:r>
+              <a:rPr lang="en-US" dirty="0" err="1">
+                <a:solidFill>
+                  <a:srgbClr val="092529"/>
+                </a:solidFill>
+                <a:latin typeface="Proxima Nova" charset="0"/>
+                <a:ea typeface="Proxima Nova" charset="0"/>
+                <a:cs typeface="Proxima Nova" charset="0"/>
+              </a:rPr>
+              <a:t>int</a:t>
+            </a:r>
+            <a:endParaRPr lang="en-US" dirty="0">
+              <a:solidFill>
+                <a:srgbClr val="092529"/>
+              </a:solidFill>
+              <a:latin typeface="Proxima Nova" charset="0"/>
+              <a:ea typeface="Proxima Nova" charset="0"/>
+              <a:cs typeface="Proxima Nova" charset="0"/>
+            </a:endParaRPr>
+          </a:p>
+        </p:txBody>
+      </p:sp>
+    </p:spTree>
+    <p:extLst>
+      <p:ext uri="{BB962C8B-B14F-4D97-AF65-F5344CB8AC3E}">
+        <p14:creationId xmlns:p14="http://schemas.microsoft.com/office/powerpoint/2010/main" val="2539974853"/>
+      </p:ext>
+    </p:extLst>
+  </p:cSld>
+  <p:clrMapOvr>
+    <a:masterClrMapping/>
+  </p:clrMapOvr>
+  <mc:AlternateContent xmlns:mc="http://schemas.openxmlformats.org/markup-compatibility/2006">
+    <mc:Choice xmlns:p14="http://schemas.microsoft.com/office/powerpoint/2010/main" Requires="p14">
+      <p:transition p14:dur="300">
+        <p:fade/>
+      </p:transition>
+    </mc:Choice>
+    <mc:Fallback>
+      <p:transition>
+        <p:fade/>
+      </p:transition>
+    </mc:Fallback>
+  </mc:AlternateContent>
+</p:sld>
+</file>
+
+<file path=ppt/slides/slide7.xml><?xml version="1.0" encoding="utf-8"?>
+<p:sld xmlns:a="http://schemas.openxmlformats.org/drawingml/2006/main" xmlns:r="http://schemas.openxmlformats.org/officeDocument/2006/relationships" xmlns:p="http://schemas.openxmlformats.org/presentationml/2006/main">
+  <p:cSld>
+    <p:spTree>
+      <p:nvGrpSpPr>
+        <p:cNvPr id="1" name=""/>
+        <p:cNvGrpSpPr/>
+        <p:nvPr/>
+      </p:nvGrpSpPr>
+      <p:grpSpPr>
+        <a:xfrm>
+          <a:off x="0" y="0"/>
+          <a:ext cx="0" cy="0"/>
+          <a:chOff x="0" y="0"/>
+          <a:chExt cx="0" cy="0"/>
+        </a:xfrm>
+      </p:grpSpPr>
+      <p:sp>
+        <p:nvSpPr>
+          <p:cNvPr id="4" name="Title 3">
+            <a:extLst>
+              <a:ext uri="{FF2B5EF4-FFF2-40B4-BE49-F238E27FC236}">
+                <a16:creationId xmlns:a16="http://schemas.microsoft.com/office/drawing/2014/main" id="{40B3EC6D-F964-3641-90BF-B72621F88099}"/>
+              </a:ext>
+            </a:extLst>
+          </p:cNvPr>
+          <p:cNvSpPr>
+            <a:spLocks noGrp="1"/>
+          </p:cNvSpPr>
+          <p:nvPr>
+            <p:ph type="title"/>
+          </p:nvPr>
+        </p:nvSpPr>
+        <p:spPr/>
+        <p:txBody>
+          <a:bodyPr/>
+          <a:lstStyle/>
+          <a:p>
+            <a:r>
+              <a:rPr lang="en-US" dirty="0"/>
+              <a:t>Characters (char)</a:t>
+            </a:r>
+          </a:p>
+        </p:txBody>
+      </p:sp>
+      <p:sp>
+        <p:nvSpPr>
+          <p:cNvPr id="5" name="Text Placeholder 4">
+            <a:extLst>
+              <a:ext uri="{FF2B5EF4-FFF2-40B4-BE49-F238E27FC236}">
+                <a16:creationId xmlns:a16="http://schemas.microsoft.com/office/drawing/2014/main" id="{B660E42F-A030-8247-8A16-084F302E6354}"/>
+              </a:ext>
+            </a:extLst>
+          </p:cNvPr>
+          <p:cNvSpPr>
+            <a:spLocks noGrp="1"/>
+          </p:cNvSpPr>
+          <p:nvPr>
+            <p:ph type="body" sz="quarter" idx="10"/>
+          </p:nvPr>
+        </p:nvSpPr>
+        <p:spPr>
+          <a:xfrm>
+            <a:off x="628075" y="1776682"/>
+            <a:ext cx="12561453" cy="3429913"/>
+          </a:xfrm>
+        </p:spPr>
+        <p:txBody>
+          <a:bodyPr/>
+          <a:lstStyle/>
+          <a:p>
+            <a:pPr fontAlgn="base"/>
+            <a:r>
+              <a:rPr lang="en-US" dirty="0"/>
+              <a:t>primitive - stores </a:t>
+            </a:r>
+            <a:r>
+              <a:rPr lang="en-US" b="1" dirty="0"/>
+              <a:t>values</a:t>
+            </a:r>
+            <a:r>
+              <a:rPr lang="en-US" dirty="0"/>
+              <a:t> only</a:t>
+            </a:r>
+          </a:p>
+          <a:p>
+            <a:pPr fontAlgn="base"/>
+            <a:r>
+              <a:rPr lang="en-US" dirty="0"/>
+              <a:t>Example declarations:</a:t>
+            </a:r>
+          </a:p>
+          <a:p>
+            <a:pPr lvl="1" fontAlgn="base"/>
+            <a:r>
+              <a:rPr lang="en-US" dirty="0">
+                <a:latin typeface="Consolas" panose="020B0609020204030204" pitchFamily="49" charset="0"/>
+                <a:cs typeface="Consolas" panose="020B0609020204030204" pitchFamily="49" charset="0"/>
+              </a:rPr>
+              <a:t>char </a:t>
+            </a:r>
+            <a:r>
+              <a:rPr lang="en-US" dirty="0" err="1">
+                <a:latin typeface="Consolas" panose="020B0609020204030204" pitchFamily="49" charset="0"/>
+                <a:cs typeface="Consolas" panose="020B0609020204030204" pitchFamily="49" charset="0"/>
+              </a:rPr>
+              <a:t>myChar</a:t>
+            </a:r>
+            <a:r>
+              <a:rPr lang="en-US" dirty="0">
+                <a:latin typeface="Consolas" panose="020B0609020204030204" pitchFamily="49" charset="0"/>
+                <a:cs typeface="Consolas" panose="020B0609020204030204" pitchFamily="49" charset="0"/>
+              </a:rPr>
+              <a:t> = ‘x’; // notice single quotes</a:t>
+            </a:r>
+          </a:p>
+          <a:p>
+            <a:pPr lvl="1" fontAlgn="base"/>
+            <a:r>
+              <a:rPr lang="en-US" dirty="0">
+                <a:latin typeface="Consolas" panose="020B0609020204030204" pitchFamily="49" charset="0"/>
+                <a:cs typeface="Consolas" panose="020B0609020204030204" pitchFamily="49" charset="0"/>
+              </a:rPr>
+              <a:t>char </a:t>
+            </a:r>
+            <a:r>
+              <a:rPr lang="en-US" dirty="0" err="1">
+                <a:latin typeface="Consolas" panose="020B0609020204030204" pitchFamily="49" charset="0"/>
+                <a:cs typeface="Consolas" panose="020B0609020204030204" pitchFamily="49" charset="0"/>
+              </a:rPr>
+              <a:t>newLine</a:t>
+            </a:r>
+            <a:r>
+              <a:rPr lang="en-US" dirty="0">
+                <a:latin typeface="Consolas" panose="020B0609020204030204" pitchFamily="49" charset="0"/>
+                <a:cs typeface="Consolas" panose="020B0609020204030204" pitchFamily="49" charset="0"/>
+              </a:rPr>
+              <a:t> = ‘\n’; //the invisible newline character</a:t>
+            </a:r>
+          </a:p>
+          <a:p>
+            <a:pPr lvl="1" fontAlgn="base"/>
+            <a:r>
+              <a:rPr lang="en-US" dirty="0">
+                <a:latin typeface="Consolas" panose="020B0609020204030204" pitchFamily="49" charset="0"/>
+                <a:cs typeface="Consolas" panose="020B0609020204030204" pitchFamily="49" charset="0"/>
+              </a:rPr>
+              <a:t>char myChar2 = 57; // bad idea! It sets the value to the character ‘9’</a:t>
+            </a:r>
+          </a:p>
+          <a:p>
+            <a:pPr lvl="1" fontAlgn="base"/>
+            <a:r>
+              <a:rPr lang="en-US" dirty="0">
+                <a:latin typeface="Consolas" panose="020B0609020204030204" pitchFamily="49" charset="0"/>
+                <a:cs typeface="Consolas" panose="020B0609020204030204" pitchFamily="49" charset="0"/>
+              </a:rPr>
+              <a:t>char what = (char)‘A’ + 2;  // what is now ‘C’ (used in things like the Caesar cipher)</a:t>
+            </a:r>
+          </a:p>
+          <a:p>
+            <a:pPr fontAlgn="base"/>
+            <a:r>
+              <a:rPr lang="en-US" dirty="0"/>
+              <a:t>A char is an int behind the scenes - and java uses the </a:t>
+            </a:r>
+            <a:r>
+              <a:rPr lang="en-US" u="sng" dirty="0">
+                <a:hlinkClick r:id="rId2"/>
+              </a:rPr>
+              <a:t>ASCII Table</a:t>
+            </a:r>
+            <a:r>
+              <a:rPr lang="en-US" dirty="0"/>
+              <a:t> to figure out the character value</a:t>
+            </a:r>
+          </a:p>
+          <a:p>
+            <a:endParaRPr lang="en-US" dirty="0"/>
+          </a:p>
+        </p:txBody>
+      </p:sp>
+    </p:spTree>
+    <p:extLst>
+      <p:ext uri="{BB962C8B-B14F-4D97-AF65-F5344CB8AC3E}">
+        <p14:creationId xmlns:p14="http://schemas.microsoft.com/office/powerpoint/2010/main" val="2343178293"/>
+      </p:ext>
+    </p:extLst>
+  </p:cSld>
+  <p:clrMapOvr>
+    <a:masterClrMapping/>
+  </p:clrMapOvr>
+  <mc:AlternateContent xmlns:mc="http://schemas.openxmlformats.org/markup-compatibility/2006" xmlns:p14="http://schemas.microsoft.com/office/powerpoint/2010/main">
+    <mc:Choice Requires="p14">
+      <p:transition p14:dur="300">
+        <p:fade/>
+      </p:transition>
+    </mc:Choice>
+    <mc:Fallback xmlns="">
+      <p:transition>
+        <p:fade/>
+      </p:transition>
+    </mc:Fallback>
+  </mc:AlternateContent>
+</p:sld>
+</file>
+
+<file path=ppt/slides/slide8.xml><?xml version="1.0" encoding="utf-8"?>
 <p:sld xmlns:a="http://schemas.openxmlformats.org/drawingml/2006/main" xmlns:r="http://schemas.openxmlformats.org/officeDocument/2006/relationships" xmlns:p="http://schemas.openxmlformats.org/presentationml/2006/main">
   <p:cSld>
     <p:spTree>
@@ -15458,3105 +18196,6 @@
 </p:sld>
 </file>
 
-<file path=ppt/slides/slide4.xml><?xml version="1.0" encoding="utf-8"?>
-<p:sld xmlns:a="http://schemas.openxmlformats.org/drawingml/2006/main" xmlns:r="http://schemas.openxmlformats.org/officeDocument/2006/relationships" xmlns:p="http://schemas.openxmlformats.org/presentationml/2006/main">
-  <p:cSld>
-    <p:spTree>
-      <p:nvGrpSpPr>
-        <p:cNvPr id="1" name=""/>
-        <p:cNvGrpSpPr/>
-        <p:nvPr/>
-      </p:nvGrpSpPr>
-      <p:grpSpPr>
-        <a:xfrm>
-          <a:off x="0" y="0"/>
-          <a:ext cx="0" cy="0"/>
-          <a:chOff x="0" y="0"/>
-          <a:chExt cx="0" cy="0"/>
-        </a:xfrm>
-      </p:grpSpPr>
-      <p:sp>
-        <p:nvSpPr>
-          <p:cNvPr id="2" name="Title 1">
-            <a:extLst>
-              <a:ext uri="{FF2B5EF4-FFF2-40B4-BE49-F238E27FC236}">
-                <a16:creationId xmlns:a16="http://schemas.microsoft.com/office/drawing/2014/main" id="{B536806E-AD3E-AD40-936F-590919B5FCEE}"/>
-              </a:ext>
-            </a:extLst>
-          </p:cNvPr>
-          <p:cNvSpPr>
-            <a:spLocks noGrp="1"/>
-          </p:cNvSpPr>
-          <p:nvPr>
-            <p:ph type="title"/>
-          </p:nvPr>
-        </p:nvSpPr>
-        <p:spPr/>
-        <p:txBody>
-          <a:bodyPr/>
-          <a:lstStyle/>
-          <a:p>
-            <a:r>
-              <a:rPr lang="en-US" dirty="0"/>
-              <a:t>Reading Check-in</a:t>
-            </a:r>
-          </a:p>
-        </p:txBody>
-      </p:sp>
-      <p:sp>
-        <p:nvSpPr>
-          <p:cNvPr id="3" name="Text Placeholder 2">
-            <a:extLst>
-              <a:ext uri="{FF2B5EF4-FFF2-40B4-BE49-F238E27FC236}">
-                <a16:creationId xmlns:a16="http://schemas.microsoft.com/office/drawing/2014/main" id="{BF92A239-A7CC-0648-A509-B3B45DB8F5FA}"/>
-              </a:ext>
-            </a:extLst>
-          </p:cNvPr>
-          <p:cNvSpPr>
-            <a:spLocks noGrp="1"/>
-          </p:cNvSpPr>
-          <p:nvPr>
-            <p:ph type="body" sz="quarter" idx="10"/>
-          </p:nvPr>
-        </p:nvSpPr>
-        <p:spPr>
-          <a:xfrm>
-            <a:off x="628075" y="1776683"/>
-            <a:ext cx="12561453" cy="494879"/>
-          </a:xfrm>
-        </p:spPr>
-        <p:txBody>
-          <a:bodyPr/>
-          <a:lstStyle/>
-          <a:p>
-            <a:pPr marL="0" indent="0">
-              <a:buNone/>
-            </a:pPr>
-            <a:r>
-              <a:rPr lang="en-US" b="1" dirty="0"/>
-              <a:t>Given the following Code, what is printed?</a:t>
-            </a:r>
-          </a:p>
-        </p:txBody>
-      </p:sp>
-      <p:sp>
-        <p:nvSpPr>
-          <p:cNvPr id="5" name="TextBox 4">
-            <a:extLst>
-              <a:ext uri="{FF2B5EF4-FFF2-40B4-BE49-F238E27FC236}">
-                <a16:creationId xmlns:a16="http://schemas.microsoft.com/office/drawing/2014/main" id="{BC9EEA87-D34D-C34F-8D45-848ED96537EC}"/>
-              </a:ext>
-            </a:extLst>
-          </p:cNvPr>
-          <p:cNvSpPr txBox="1"/>
-          <p:nvPr/>
-        </p:nvSpPr>
-        <p:spPr>
-          <a:xfrm>
-            <a:off x="3454043" y="2916704"/>
-            <a:ext cx="6909514" cy="2246769"/>
-          </a:xfrm>
-          <a:prstGeom prst="rect">
-            <a:avLst/>
-          </a:prstGeom>
-          <a:noFill/>
-        </p:spPr>
-        <p:txBody>
-          <a:bodyPr wrap="square">
-            <a:spAutoFit/>
-          </a:bodyPr>
-          <a:lstStyle/>
-          <a:p>
-            <a:r>
-              <a:rPr lang="en-US" dirty="0">
-                <a:solidFill>
-                  <a:srgbClr val="CC7832"/>
-                </a:solidFill>
-                <a:effectLst/>
-              </a:rPr>
-              <a:t>public static char </a:t>
-            </a:r>
-            <a:r>
-              <a:rPr lang="en-US" dirty="0" err="1">
-                <a:solidFill>
-                  <a:srgbClr val="FFC66D"/>
-                </a:solidFill>
-                <a:effectLst/>
-              </a:rPr>
-              <a:t>characterAddition</a:t>
-            </a:r>
-            <a:r>
-              <a:rPr lang="en-US" dirty="0"/>
-              <a:t>(</a:t>
-            </a:r>
-            <a:r>
-              <a:rPr lang="en-US" dirty="0">
-                <a:solidFill>
-                  <a:srgbClr val="CC7832"/>
-                </a:solidFill>
-                <a:effectLst/>
-              </a:rPr>
-              <a:t>char </a:t>
-            </a:r>
-            <a:r>
-              <a:rPr lang="en-US" i="1" dirty="0">
-                <a:solidFill>
-                  <a:srgbClr val="9876AA"/>
-                </a:solidFill>
-                <a:effectLst/>
-              </a:rPr>
-              <a:t>a</a:t>
-            </a:r>
-            <a:r>
-              <a:rPr lang="en-US" dirty="0">
-                <a:solidFill>
-                  <a:srgbClr val="CC7832"/>
-                </a:solidFill>
-                <a:effectLst/>
-              </a:rPr>
-              <a:t>, int </a:t>
-            </a:r>
-            <a:r>
-              <a:rPr lang="en-US" i="1" dirty="0">
-                <a:solidFill>
-                  <a:srgbClr val="9876AA"/>
-                </a:solidFill>
-                <a:effectLst/>
-              </a:rPr>
-              <a:t>b</a:t>
-            </a:r>
-            <a:r>
-              <a:rPr lang="en-US" dirty="0"/>
-              <a:t>) {</a:t>
-            </a:r>
-            <a:br>
-              <a:rPr lang="en-US" dirty="0"/>
-            </a:br>
-            <a:r>
-              <a:rPr lang="en-US" dirty="0"/>
-              <a:t>    </a:t>
-            </a:r>
-            <a:r>
-              <a:rPr lang="en-US" dirty="0">
-                <a:solidFill>
-                  <a:srgbClr val="CC7832"/>
-                </a:solidFill>
-                <a:effectLst/>
-              </a:rPr>
-              <a:t>return </a:t>
-            </a:r>
-            <a:r>
-              <a:rPr lang="en-US" dirty="0"/>
-              <a:t>(</a:t>
-            </a:r>
-            <a:r>
-              <a:rPr lang="en-US" dirty="0">
-                <a:solidFill>
-                  <a:srgbClr val="CC7832"/>
-                </a:solidFill>
-                <a:effectLst/>
-              </a:rPr>
-              <a:t>char</a:t>
-            </a:r>
-            <a:r>
-              <a:rPr lang="en-US" dirty="0" smtClean="0"/>
-              <a:t>) (</a:t>
-            </a:r>
-            <a:r>
-              <a:rPr lang="en-US" i="1" dirty="0">
-                <a:solidFill>
-                  <a:srgbClr val="9876AA"/>
-                </a:solidFill>
-                <a:effectLst/>
-              </a:rPr>
-              <a:t>a </a:t>
-            </a:r>
-            <a:r>
-              <a:rPr lang="en-US" dirty="0"/>
-              <a:t>+ </a:t>
-            </a:r>
-            <a:r>
-              <a:rPr lang="en-US" i="1" dirty="0">
-                <a:solidFill>
-                  <a:srgbClr val="9876AA"/>
-                </a:solidFill>
-                <a:effectLst/>
-              </a:rPr>
-              <a:t>b</a:t>
-            </a:r>
-            <a:r>
-              <a:rPr lang="en-US" dirty="0"/>
-              <a:t>)</a:t>
-            </a:r>
-            <a:r>
-              <a:rPr lang="en-US" dirty="0">
-                <a:solidFill>
-                  <a:srgbClr val="CC7832"/>
-                </a:solidFill>
-                <a:effectLst/>
-              </a:rPr>
-              <a:t>;</a:t>
-            </a:r>
-          </a:p>
-          <a:p>
-            <a:r>
-              <a:rPr lang="en-US" dirty="0"/>
-              <a:t>}</a:t>
-            </a:r>
-            <a:br>
-              <a:rPr lang="en-US" dirty="0"/>
-            </a:br>
-            <a:r>
-              <a:rPr lang="en-US" dirty="0"/>
-              <a:t/>
-            </a:r>
-            <a:br>
-              <a:rPr lang="en-US" dirty="0"/>
-            </a:br>
-            <a:r>
-              <a:rPr lang="en-US" dirty="0">
-                <a:solidFill>
-                  <a:srgbClr val="CC7832"/>
-                </a:solidFill>
-                <a:effectLst/>
-              </a:rPr>
-              <a:t>public static void </a:t>
-            </a:r>
-            <a:r>
-              <a:rPr lang="en-US" dirty="0">
-                <a:solidFill>
-                  <a:srgbClr val="FFC66D"/>
-                </a:solidFill>
-                <a:effectLst/>
-              </a:rPr>
-              <a:t>main</a:t>
-            </a:r>
-            <a:r>
-              <a:rPr lang="en-US" dirty="0"/>
-              <a:t>(String[] </a:t>
-            </a:r>
-            <a:r>
-              <a:rPr lang="en-US" i="1" dirty="0" err="1">
-                <a:solidFill>
-                  <a:srgbClr val="9876AA"/>
-                </a:solidFill>
-                <a:effectLst/>
-              </a:rPr>
-              <a:t>args</a:t>
-            </a:r>
-            <a:r>
-              <a:rPr lang="en-US" dirty="0"/>
-              <a:t>) {</a:t>
-            </a:r>
-            <a:br>
-              <a:rPr lang="en-US" dirty="0"/>
-            </a:br>
-            <a:r>
-              <a:rPr lang="en-US" dirty="0"/>
-              <a:t>    </a:t>
-            </a:r>
-            <a:r>
-              <a:rPr lang="en-US" dirty="0" err="1"/>
-              <a:t>System.</a:t>
-            </a:r>
-            <a:r>
-              <a:rPr lang="en-US" i="1" dirty="0" err="1">
-                <a:solidFill>
-                  <a:srgbClr val="9876AA"/>
-                </a:solidFill>
-                <a:effectLst/>
-              </a:rPr>
-              <a:t>out</a:t>
-            </a:r>
-            <a:r>
-              <a:rPr lang="en-US" dirty="0" err="1"/>
-              <a:t>.println</a:t>
-            </a:r>
-            <a:r>
-              <a:rPr lang="en-US" dirty="0"/>
-              <a:t>(</a:t>
-            </a:r>
-            <a:r>
-              <a:rPr lang="en-US" i="1" dirty="0" err="1">
-                <a:effectLst/>
-              </a:rPr>
-              <a:t>characterAddition</a:t>
-            </a:r>
-            <a:r>
-              <a:rPr lang="en-US" dirty="0"/>
-              <a:t>(</a:t>
-            </a:r>
-            <a:r>
-              <a:rPr lang="en-US" dirty="0">
-                <a:solidFill>
-                  <a:srgbClr val="6A8759"/>
-                </a:solidFill>
-                <a:effectLst/>
-              </a:rPr>
-              <a:t>'A'</a:t>
-            </a:r>
-            <a:r>
-              <a:rPr lang="en-US" dirty="0">
-                <a:solidFill>
-                  <a:srgbClr val="CC7832"/>
-                </a:solidFill>
-                <a:effectLst/>
-              </a:rPr>
-              <a:t>, </a:t>
-            </a:r>
-            <a:r>
-              <a:rPr lang="en-US" dirty="0">
-                <a:solidFill>
-                  <a:srgbClr val="6897BB"/>
-                </a:solidFill>
-                <a:effectLst/>
-              </a:rPr>
-              <a:t>2</a:t>
-            </a:r>
-            <a:r>
-              <a:rPr lang="en-US" dirty="0"/>
-              <a:t>))</a:t>
-            </a:r>
-            <a:r>
-              <a:rPr lang="en-US" dirty="0">
-                <a:solidFill>
-                  <a:srgbClr val="CC7832"/>
-                </a:solidFill>
-                <a:effectLst/>
-              </a:rPr>
-              <a:t>;</a:t>
-            </a:r>
-            <a:br>
-              <a:rPr lang="en-US" dirty="0">
-                <a:solidFill>
-                  <a:srgbClr val="CC7832"/>
-                </a:solidFill>
-                <a:effectLst/>
-              </a:rPr>
-            </a:br>
-            <a:r>
-              <a:rPr lang="en-US" dirty="0"/>
-              <a:t>}</a:t>
-            </a:r>
-          </a:p>
-        </p:txBody>
-      </p:sp>
-      <p:sp>
-        <p:nvSpPr>
-          <p:cNvPr id="6" name="TextBox 5">
-            <a:extLst>
-              <a:ext uri="{FF2B5EF4-FFF2-40B4-BE49-F238E27FC236}">
-                <a16:creationId xmlns:a16="http://schemas.microsoft.com/office/drawing/2014/main" id="{86F2D266-8E20-E749-9EE9-69487CC8BB83}"/>
-              </a:ext>
-            </a:extLst>
-          </p:cNvPr>
-          <p:cNvSpPr txBox="1"/>
-          <p:nvPr/>
-        </p:nvSpPr>
-        <p:spPr>
-          <a:xfrm>
-            <a:off x="9440214" y="4301544"/>
-            <a:ext cx="518091" cy="646331"/>
-          </a:xfrm>
-          <a:prstGeom prst="rect">
-            <a:avLst/>
-          </a:prstGeom>
-          <a:noFill/>
-        </p:spPr>
-        <p:txBody>
-          <a:bodyPr wrap="none" rtlCol="0">
-            <a:spAutoFit/>
-          </a:bodyPr>
-          <a:lstStyle/>
-          <a:p>
-            <a:r>
-              <a:rPr lang="en-US" sz="3600" dirty="0">
-                <a:solidFill>
-                  <a:schemeClr val="accent1"/>
-                </a:solidFill>
-              </a:rPr>
-              <a:t>C</a:t>
-            </a:r>
-          </a:p>
-        </p:txBody>
-      </p:sp>
-    </p:spTree>
-    <p:extLst>
-      <p:ext uri="{BB962C8B-B14F-4D97-AF65-F5344CB8AC3E}">
-        <p14:creationId xmlns:p14="http://schemas.microsoft.com/office/powerpoint/2010/main" val="2614426722"/>
-      </p:ext>
-    </p:extLst>
-  </p:cSld>
-  <p:clrMapOvr>
-    <a:masterClrMapping/>
-  </p:clrMapOvr>
-  <mc:AlternateContent xmlns:mc="http://schemas.openxmlformats.org/markup-compatibility/2006" xmlns:p14="http://schemas.microsoft.com/office/powerpoint/2010/main">
-    <mc:Choice Requires="p14">
-      <p:transition p14:dur="300">
-        <p:fade/>
-      </p:transition>
-    </mc:Choice>
-    <mc:Fallback xmlns="">
-      <p:transition>
-        <p:fade/>
-      </p:transition>
-    </mc:Fallback>
-  </mc:AlternateContent>
-  <p:timing>
-    <p:tnLst>
-      <p:par>
-        <p:cTn id="1" dur="indefinite" restart="never" nodeType="tmRoot">
-          <p:childTnLst>
-            <p:seq concurrent="1" nextAc="seek">
-              <p:cTn id="2" dur="indefinite" nodeType="mainSeq">
-                <p:childTnLst>
-                  <p:par>
-                    <p:cTn id="3" fill="hold">
-                      <p:stCondLst>
-                        <p:cond delay="indefinite"/>
-                      </p:stCondLst>
-                      <p:childTnLst>
-                        <p:par>
-                          <p:cTn id="4" fill="hold">
-                            <p:stCondLst>
-                              <p:cond delay="0"/>
-                            </p:stCondLst>
-                            <p:childTnLst>
-                              <p:par>
-                                <p:cTn id="5" presetID="45" presetClass="entr" presetSubtype="0" fill="hold" grpId="1" nodeType="clickEffect">
-                                  <p:stCondLst>
-                                    <p:cond delay="0"/>
-                                  </p:stCondLst>
-                                  <p:childTnLst>
-                                    <p:set>
-                                      <p:cBhvr>
-                                        <p:cTn id="6" dur="1" fill="hold">
-                                          <p:stCondLst>
-                                            <p:cond delay="0"/>
-                                          </p:stCondLst>
-                                        </p:cTn>
-                                        <p:tgtEl>
-                                          <p:spTgt spid="6"/>
-                                        </p:tgtEl>
-                                        <p:attrNameLst>
-                                          <p:attrName>style.visibility</p:attrName>
-                                        </p:attrNameLst>
-                                      </p:cBhvr>
-                                      <p:to>
-                                        <p:strVal val="visible"/>
-                                      </p:to>
-                                    </p:set>
-                                    <p:animEffect transition="in" filter="fade">
-                                      <p:cBhvr>
-                                        <p:cTn id="7" dur="2000"/>
-                                        <p:tgtEl>
-                                          <p:spTgt spid="6"/>
-                                        </p:tgtEl>
-                                      </p:cBhvr>
-                                    </p:animEffect>
-                                    <p:anim calcmode="lin" valueType="num">
-                                      <p:cBhvr>
-                                        <p:cTn id="8" dur="2000" fill="hold"/>
-                                        <p:tgtEl>
-                                          <p:spTgt spid="6"/>
-                                        </p:tgtEl>
-                                        <p:attrNameLst>
-                                          <p:attrName>ppt_w</p:attrName>
-                                        </p:attrNameLst>
-                                      </p:cBhvr>
-                                      <p:tavLst>
-                                        <p:tav tm="0" fmla="#ppt_w*sin(2.5*pi*$)">
-                                          <p:val>
-                                            <p:fltVal val="0"/>
-                                          </p:val>
-                                        </p:tav>
-                                        <p:tav tm="100000">
-                                          <p:val>
-                                            <p:fltVal val="1"/>
-                                          </p:val>
-                                        </p:tav>
-                                      </p:tavLst>
-                                    </p:anim>
-                                    <p:anim calcmode="lin" valueType="num">
-                                      <p:cBhvr>
-                                        <p:cTn id="9" dur="2000" fill="hold"/>
-                                        <p:tgtEl>
-                                          <p:spTgt spid="6"/>
-                                        </p:tgtEl>
-                                        <p:attrNameLst>
-                                          <p:attrName>ppt_h</p:attrName>
-                                        </p:attrNameLst>
-                                      </p:cBhvr>
-                                      <p:tavLst>
-                                        <p:tav tm="0">
-                                          <p:val>
-                                            <p:strVal val="#ppt_h"/>
-                                          </p:val>
-                                        </p:tav>
-                                        <p:tav tm="100000">
-                                          <p:val>
-                                            <p:strVal val="#ppt_h"/>
-                                          </p:val>
-                                        </p:tav>
-                                      </p:tavLst>
-                                    </p:anim>
-                                  </p:childTnLst>
-                                </p:cTn>
-                              </p:par>
-                            </p:childTnLst>
-                          </p:cTn>
-                        </p:par>
-                      </p:childTnLst>
-                    </p:cTn>
-                  </p:par>
-                </p:childTnLst>
-              </p:cTn>
-              <p:prevCondLst>
-                <p:cond evt="onPrev" delay="0">
-                  <p:tgtEl>
-                    <p:sldTgt/>
-                  </p:tgtEl>
-                </p:cond>
-              </p:prevCondLst>
-              <p:nextCondLst>
-                <p:cond evt="onNext" delay="0">
-                  <p:tgtEl>
-                    <p:sldTgt/>
-                  </p:tgtEl>
-                </p:cond>
-              </p:nextCondLst>
-            </p:seq>
-          </p:childTnLst>
-        </p:cTn>
-      </p:par>
-    </p:tnLst>
-    <p:bldLst>
-      <p:bldP spid="6" grpId="1"/>
-    </p:bldLst>
-  </p:timing>
-</p:sld>
-</file>
-
-<file path=ppt/slides/slide5.xml><?xml version="1.0" encoding="utf-8"?>
-<p:sld xmlns:a="http://schemas.openxmlformats.org/drawingml/2006/main" xmlns:r="http://schemas.openxmlformats.org/officeDocument/2006/relationships" xmlns:p="http://schemas.openxmlformats.org/presentationml/2006/main">
-  <p:cSld>
-    <p:spTree>
-      <p:nvGrpSpPr>
-        <p:cNvPr id="1" name=""/>
-        <p:cNvGrpSpPr/>
-        <p:nvPr/>
-      </p:nvGrpSpPr>
-      <p:grpSpPr>
-        <a:xfrm>
-          <a:off x="0" y="0"/>
-          <a:ext cx="0" cy="0"/>
-          <a:chOff x="0" y="0"/>
-          <a:chExt cx="0" cy="0"/>
-        </a:xfrm>
-      </p:grpSpPr>
-      <p:sp>
-        <p:nvSpPr>
-          <p:cNvPr id="2" name="Title 1">
-            <a:extLst>
-              <a:ext uri="{FF2B5EF4-FFF2-40B4-BE49-F238E27FC236}">
-                <a16:creationId xmlns:a16="http://schemas.microsoft.com/office/drawing/2014/main" id="{B536806E-AD3E-AD40-936F-590919B5FCEE}"/>
-              </a:ext>
-            </a:extLst>
-          </p:cNvPr>
-          <p:cNvSpPr>
-            <a:spLocks noGrp="1"/>
-          </p:cNvSpPr>
-          <p:nvPr>
-            <p:ph type="title"/>
-          </p:nvPr>
-        </p:nvSpPr>
-        <p:spPr>
-          <a:xfrm>
-            <a:off x="628075" y="285697"/>
-            <a:ext cx="12561453" cy="1015663"/>
-          </a:xfrm>
-        </p:spPr>
-        <p:txBody>
-          <a:bodyPr/>
-          <a:lstStyle/>
-          <a:p>
-            <a:r>
-              <a:rPr lang="en-US" dirty="0" smtClean="0"/>
-              <a:t>Casting</a:t>
-            </a:r>
-            <a:endParaRPr lang="en-US" dirty="0"/>
-          </a:p>
-        </p:txBody>
-      </p:sp>
-      <p:sp>
-        <p:nvSpPr>
-          <p:cNvPr id="5" name="TextBox 4">
-            <a:extLst>
-              <a:ext uri="{FF2B5EF4-FFF2-40B4-BE49-F238E27FC236}">
-                <a16:creationId xmlns:a16="http://schemas.microsoft.com/office/drawing/2014/main" id="{BC9EEA87-D34D-C34F-8D45-848ED96537EC}"/>
-              </a:ext>
-            </a:extLst>
-          </p:cNvPr>
-          <p:cNvSpPr txBox="1"/>
-          <p:nvPr/>
-        </p:nvSpPr>
-        <p:spPr>
-          <a:xfrm>
-            <a:off x="1250669" y="4804656"/>
-            <a:ext cx="6909514" cy="2246769"/>
-          </a:xfrm>
-          <a:prstGeom prst="rect">
-            <a:avLst/>
-          </a:prstGeom>
-          <a:noFill/>
-        </p:spPr>
-        <p:txBody>
-          <a:bodyPr wrap="square">
-            <a:spAutoFit/>
-          </a:bodyPr>
-          <a:lstStyle/>
-          <a:p>
-            <a:r>
-              <a:rPr lang="en-US" dirty="0">
-                <a:solidFill>
-                  <a:srgbClr val="CC7832"/>
-                </a:solidFill>
-                <a:effectLst/>
-              </a:rPr>
-              <a:t>public static char </a:t>
-            </a:r>
-            <a:r>
-              <a:rPr lang="en-US" dirty="0" err="1">
-                <a:solidFill>
-                  <a:srgbClr val="FFC66D"/>
-                </a:solidFill>
-                <a:effectLst/>
-              </a:rPr>
-              <a:t>characterAddition</a:t>
-            </a:r>
-            <a:r>
-              <a:rPr lang="en-US" dirty="0"/>
-              <a:t>(</a:t>
-            </a:r>
-            <a:r>
-              <a:rPr lang="en-US" dirty="0">
-                <a:solidFill>
-                  <a:srgbClr val="CC7832"/>
-                </a:solidFill>
-                <a:effectLst/>
-              </a:rPr>
-              <a:t>char </a:t>
-            </a:r>
-            <a:r>
-              <a:rPr lang="en-US" i="1" dirty="0">
-                <a:solidFill>
-                  <a:srgbClr val="9876AA"/>
-                </a:solidFill>
-                <a:effectLst/>
-              </a:rPr>
-              <a:t>a</a:t>
-            </a:r>
-            <a:r>
-              <a:rPr lang="en-US" dirty="0">
-                <a:solidFill>
-                  <a:srgbClr val="CC7832"/>
-                </a:solidFill>
-                <a:effectLst/>
-              </a:rPr>
-              <a:t>, int </a:t>
-            </a:r>
-            <a:r>
-              <a:rPr lang="en-US" i="1" dirty="0">
-                <a:solidFill>
-                  <a:srgbClr val="9876AA"/>
-                </a:solidFill>
-                <a:effectLst/>
-              </a:rPr>
-              <a:t>b</a:t>
-            </a:r>
-            <a:r>
-              <a:rPr lang="en-US" dirty="0"/>
-              <a:t>) {</a:t>
-            </a:r>
-            <a:br>
-              <a:rPr lang="en-US" dirty="0"/>
-            </a:br>
-            <a:r>
-              <a:rPr lang="en-US" dirty="0"/>
-              <a:t>    </a:t>
-            </a:r>
-            <a:r>
-              <a:rPr lang="en-US" dirty="0">
-                <a:solidFill>
-                  <a:srgbClr val="CC7832"/>
-                </a:solidFill>
-                <a:effectLst/>
-              </a:rPr>
-              <a:t>return </a:t>
-            </a:r>
-            <a:r>
-              <a:rPr lang="en-US" dirty="0">
-                <a:solidFill>
-                  <a:srgbClr val="FF0000"/>
-                </a:solidFill>
-              </a:rPr>
-              <a:t>(</a:t>
-            </a:r>
-            <a:r>
-              <a:rPr lang="en-US" dirty="0">
-                <a:solidFill>
-                  <a:srgbClr val="FF0000"/>
-                </a:solidFill>
-                <a:effectLst/>
-              </a:rPr>
-              <a:t>char</a:t>
-            </a:r>
-            <a:r>
-              <a:rPr lang="en-US" dirty="0" smtClean="0">
-                <a:solidFill>
-                  <a:srgbClr val="FF0000"/>
-                </a:solidFill>
-              </a:rPr>
-              <a:t>) </a:t>
-            </a:r>
-            <a:r>
-              <a:rPr lang="en-US" dirty="0" smtClean="0"/>
-              <a:t>(</a:t>
-            </a:r>
-            <a:r>
-              <a:rPr lang="en-US" i="1" dirty="0">
-                <a:solidFill>
-                  <a:srgbClr val="9876AA"/>
-                </a:solidFill>
-                <a:effectLst/>
-              </a:rPr>
-              <a:t>a </a:t>
-            </a:r>
-            <a:r>
-              <a:rPr lang="en-US" dirty="0"/>
-              <a:t>+ </a:t>
-            </a:r>
-            <a:r>
-              <a:rPr lang="en-US" i="1" dirty="0">
-                <a:solidFill>
-                  <a:srgbClr val="9876AA"/>
-                </a:solidFill>
-                <a:effectLst/>
-              </a:rPr>
-              <a:t>b</a:t>
-            </a:r>
-            <a:r>
-              <a:rPr lang="en-US" dirty="0"/>
-              <a:t>)</a:t>
-            </a:r>
-            <a:r>
-              <a:rPr lang="en-US" dirty="0">
-                <a:solidFill>
-                  <a:srgbClr val="CC7832"/>
-                </a:solidFill>
-                <a:effectLst/>
-              </a:rPr>
-              <a:t>;</a:t>
-            </a:r>
-          </a:p>
-          <a:p>
-            <a:r>
-              <a:rPr lang="en-US" dirty="0"/>
-              <a:t>}</a:t>
-            </a:r>
-            <a:br>
-              <a:rPr lang="en-US" dirty="0"/>
-            </a:br>
-            <a:r>
-              <a:rPr lang="en-US" dirty="0"/>
-              <a:t/>
-            </a:r>
-            <a:br>
-              <a:rPr lang="en-US" dirty="0"/>
-            </a:br>
-            <a:r>
-              <a:rPr lang="en-US" dirty="0">
-                <a:solidFill>
-                  <a:srgbClr val="CC7832"/>
-                </a:solidFill>
-                <a:effectLst/>
-              </a:rPr>
-              <a:t>public static void </a:t>
-            </a:r>
-            <a:r>
-              <a:rPr lang="en-US" dirty="0">
-                <a:solidFill>
-                  <a:srgbClr val="FFC66D"/>
-                </a:solidFill>
-                <a:effectLst/>
-              </a:rPr>
-              <a:t>main</a:t>
-            </a:r>
-            <a:r>
-              <a:rPr lang="en-US" dirty="0"/>
-              <a:t>(String[] </a:t>
-            </a:r>
-            <a:r>
-              <a:rPr lang="en-US" i="1" dirty="0" err="1">
-                <a:solidFill>
-                  <a:srgbClr val="9876AA"/>
-                </a:solidFill>
-                <a:effectLst/>
-              </a:rPr>
-              <a:t>args</a:t>
-            </a:r>
-            <a:r>
-              <a:rPr lang="en-US" dirty="0"/>
-              <a:t>) {</a:t>
-            </a:r>
-            <a:br>
-              <a:rPr lang="en-US" dirty="0"/>
-            </a:br>
-            <a:r>
-              <a:rPr lang="en-US" dirty="0"/>
-              <a:t>    </a:t>
-            </a:r>
-            <a:r>
-              <a:rPr lang="en-US" dirty="0" err="1"/>
-              <a:t>System.</a:t>
-            </a:r>
-            <a:r>
-              <a:rPr lang="en-US" i="1" dirty="0" err="1">
-                <a:solidFill>
-                  <a:srgbClr val="9876AA"/>
-                </a:solidFill>
-                <a:effectLst/>
-              </a:rPr>
-              <a:t>out</a:t>
-            </a:r>
-            <a:r>
-              <a:rPr lang="en-US" dirty="0" err="1"/>
-              <a:t>.println</a:t>
-            </a:r>
-            <a:r>
-              <a:rPr lang="en-US" dirty="0"/>
-              <a:t>(</a:t>
-            </a:r>
-            <a:r>
-              <a:rPr lang="en-US" i="1" dirty="0" err="1">
-                <a:effectLst/>
-              </a:rPr>
-              <a:t>characterAddition</a:t>
-            </a:r>
-            <a:r>
-              <a:rPr lang="en-US" dirty="0"/>
-              <a:t>(</a:t>
-            </a:r>
-            <a:r>
-              <a:rPr lang="en-US" dirty="0">
-                <a:solidFill>
-                  <a:srgbClr val="6A8759"/>
-                </a:solidFill>
-                <a:effectLst/>
-              </a:rPr>
-              <a:t>'A'</a:t>
-            </a:r>
-            <a:r>
-              <a:rPr lang="en-US" dirty="0">
-                <a:solidFill>
-                  <a:srgbClr val="CC7832"/>
-                </a:solidFill>
-                <a:effectLst/>
-              </a:rPr>
-              <a:t>, </a:t>
-            </a:r>
-            <a:r>
-              <a:rPr lang="en-US" dirty="0">
-                <a:solidFill>
-                  <a:srgbClr val="6897BB"/>
-                </a:solidFill>
-                <a:effectLst/>
-              </a:rPr>
-              <a:t>2</a:t>
-            </a:r>
-            <a:r>
-              <a:rPr lang="en-US" dirty="0"/>
-              <a:t>))</a:t>
-            </a:r>
-            <a:r>
-              <a:rPr lang="en-US" dirty="0">
-                <a:solidFill>
-                  <a:srgbClr val="CC7832"/>
-                </a:solidFill>
-                <a:effectLst/>
-              </a:rPr>
-              <a:t>;</a:t>
-            </a:r>
-            <a:br>
-              <a:rPr lang="en-US" dirty="0">
-                <a:solidFill>
-                  <a:srgbClr val="CC7832"/>
-                </a:solidFill>
-                <a:effectLst/>
-              </a:rPr>
-            </a:br>
-            <a:r>
-              <a:rPr lang="en-US" dirty="0"/>
-              <a:t>}</a:t>
-            </a:r>
-          </a:p>
-        </p:txBody>
-      </p:sp>
-      <p:sp>
-        <p:nvSpPr>
-          <p:cNvPr id="8" name="Rectangle 2"/>
-          <p:cNvSpPr>
-            <a:spLocks noGrp="1" noChangeArrowheads="1"/>
-          </p:cNvSpPr>
-          <p:nvPr>
-            <p:ph type="body" sz="quarter" idx="10"/>
-          </p:nvPr>
-        </p:nvSpPr>
-        <p:spPr bwMode="auto">
-          <a:xfrm>
-            <a:off x="727227" y="1463722"/>
-            <a:ext cx="9139746" cy="3016210"/>
-          </a:xfrm>
-          <a:prstGeom prst="rect">
-            <a:avLst/>
-          </a:prstGeom>
-          <a:solidFill>
-            <a:srgbClr val="FFFFFF"/>
-          </a:solidFill>
-          <a:ln>
-            <a:noFill/>
-          </a:ln>
-          <a:effectLst/>
-          <a:extLst>
-            <a:ext uri="{91240B29-F687-4F45-9708-019B960494DF}">
-              <a14:hiddenLine xmlns:a14="http://schemas.microsoft.com/office/drawing/2010/main" w="9525">
-                <a:solidFill>
-                  <a:schemeClr val="tx1"/>
-                </a:solidFill>
-                <a:miter lim="800000"/>
-                <a:headEnd/>
-                <a:tailEnd/>
-              </a14:hiddenLine>
-            </a:ext>
-            <a:ext uri="{AF507438-7753-43E0-B8FC-AC1667EBCBE1}">
-              <a14:hiddenEffects xmlns:a14="http://schemas.microsoft.com/office/drawing/2010/main">
-                <a:effectLst>
-                  <a:outerShdw dist="35921" dir="2700000" algn="ctr" rotWithShape="0">
-                    <a:schemeClr val="bg2"/>
-                  </a:outerShdw>
-                </a:effectLst>
-              </a14:hiddenEffects>
-            </a:ext>
-          </a:extLst>
-        </p:spPr>
-        <p:txBody>
-          <a:bodyPr vert="horz" wrap="none" lIns="91440" tIns="45720" rIns="91440" bIns="45720" numCol="1" anchor="ctr" anchorCtr="0" compatLnSpc="1">
-            <a:prstTxWarp prst="textNoShape">
-              <a:avLst/>
-            </a:prstTxWarp>
-            <a:spAutoFit/>
-          </a:bodyPr>
-          <a:lstStyle>
-            <a:lvl1pPr eaLnBrk="0" fontAlgn="base" hangingPunct="0">
-              <a:spcBef>
-                <a:spcPct val="0"/>
-              </a:spcBef>
-              <a:spcAft>
-                <a:spcPct val="0"/>
-              </a:spcAft>
-              <a:defRPr>
-                <a:solidFill>
-                  <a:schemeClr val="tx1"/>
-                </a:solidFill>
-                <a:latin typeface="Arial" panose="020B0604020202020204" pitchFamily="34" charset="0"/>
-              </a:defRPr>
-            </a:lvl1pPr>
-            <a:lvl2pPr marL="457200" eaLnBrk="0" fontAlgn="base" hangingPunct="0">
-              <a:spcBef>
-                <a:spcPct val="0"/>
-              </a:spcBef>
-              <a:spcAft>
-                <a:spcPct val="0"/>
-              </a:spcAft>
-              <a:defRPr>
-                <a:solidFill>
-                  <a:schemeClr val="tx1"/>
-                </a:solidFill>
-                <a:latin typeface="Arial" panose="020B0604020202020204" pitchFamily="34" charset="0"/>
-              </a:defRPr>
-            </a:lvl2pPr>
-            <a:lvl3pPr marL="914400" eaLnBrk="0" fontAlgn="base" hangingPunct="0">
-              <a:spcBef>
-                <a:spcPct val="0"/>
-              </a:spcBef>
-              <a:spcAft>
-                <a:spcPct val="0"/>
-              </a:spcAft>
-              <a:defRPr>
-                <a:solidFill>
-                  <a:schemeClr val="tx1"/>
-                </a:solidFill>
-                <a:latin typeface="Arial" panose="020B0604020202020204" pitchFamily="34" charset="0"/>
-              </a:defRPr>
-            </a:lvl3pPr>
-            <a:lvl4pPr marL="1371600" eaLnBrk="0" fontAlgn="base" hangingPunct="0">
-              <a:spcBef>
-                <a:spcPct val="0"/>
-              </a:spcBef>
-              <a:spcAft>
-                <a:spcPct val="0"/>
-              </a:spcAft>
-              <a:defRPr>
-                <a:solidFill>
-                  <a:schemeClr val="tx1"/>
-                </a:solidFill>
-                <a:latin typeface="Arial" panose="020B0604020202020204" pitchFamily="34" charset="0"/>
-              </a:defRPr>
-            </a:lvl4pPr>
-            <a:lvl5pPr marL="1828800" eaLnBrk="0" fontAlgn="base" hangingPunct="0">
-              <a:spcBef>
-                <a:spcPct val="0"/>
-              </a:spcBef>
-              <a:spcAft>
-                <a:spcPct val="0"/>
-              </a:spcAft>
-              <a:defRPr>
-                <a:solidFill>
-                  <a:schemeClr val="tx1"/>
-                </a:solidFill>
-                <a:latin typeface="Arial" panose="020B0604020202020204" pitchFamily="34" charset="0"/>
-              </a:defRPr>
-            </a:lvl5pPr>
-            <a:lvl6pPr marL="2286000" eaLnBrk="0" fontAlgn="base" hangingPunct="0">
-              <a:spcBef>
-                <a:spcPct val="0"/>
-              </a:spcBef>
-              <a:spcAft>
-                <a:spcPct val="0"/>
-              </a:spcAft>
-              <a:defRPr>
-                <a:solidFill>
-                  <a:schemeClr val="tx1"/>
-                </a:solidFill>
-                <a:latin typeface="Arial" panose="020B0604020202020204" pitchFamily="34" charset="0"/>
-              </a:defRPr>
-            </a:lvl6pPr>
-            <a:lvl7pPr marL="2743200" eaLnBrk="0" fontAlgn="base" hangingPunct="0">
-              <a:spcBef>
-                <a:spcPct val="0"/>
-              </a:spcBef>
-              <a:spcAft>
-                <a:spcPct val="0"/>
-              </a:spcAft>
-              <a:defRPr>
-                <a:solidFill>
-                  <a:schemeClr val="tx1"/>
-                </a:solidFill>
-                <a:latin typeface="Arial" panose="020B0604020202020204" pitchFamily="34" charset="0"/>
-              </a:defRPr>
-            </a:lvl7pPr>
-            <a:lvl8pPr marL="3200400" eaLnBrk="0" fontAlgn="base" hangingPunct="0">
-              <a:spcBef>
-                <a:spcPct val="0"/>
-              </a:spcBef>
-              <a:spcAft>
-                <a:spcPct val="0"/>
-              </a:spcAft>
-              <a:defRPr>
-                <a:solidFill>
-                  <a:schemeClr val="tx1"/>
-                </a:solidFill>
-                <a:latin typeface="Arial" panose="020B0604020202020204" pitchFamily="34" charset="0"/>
-              </a:defRPr>
-            </a:lvl8pPr>
-            <a:lvl9pPr marL="3657600" eaLnBrk="0" fontAlgn="base" hangingPunct="0">
-              <a:spcBef>
-                <a:spcPct val="0"/>
-              </a:spcBef>
-              <a:spcAft>
-                <a:spcPct val="0"/>
-              </a:spcAft>
-              <a:defRPr>
-                <a:solidFill>
-                  <a:schemeClr val="tx1"/>
-                </a:solidFill>
-                <a:latin typeface="Arial" panose="020B0604020202020204" pitchFamily="34" charset="0"/>
-              </a:defRPr>
-            </a:lvl9pPr>
-          </a:lstStyle>
-          <a:p>
-            <a:pPr defTabSz="914400">
-              <a:lnSpc>
-                <a:spcPct val="100000"/>
-              </a:lnSpc>
-            </a:pPr>
-            <a:r>
-              <a:rPr lang="en-US" altLang="en-US" dirty="0">
-                <a:solidFill>
-                  <a:srgbClr val="092529"/>
-                </a:solidFill>
-                <a:latin typeface="Proxima Nova" charset="0"/>
-              </a:rPr>
-              <a:t>Type casting is when you assign a value of one primitive data type to another type.</a:t>
-            </a:r>
-          </a:p>
-          <a:p>
-            <a:pPr marL="0" marR="0" lvl="0" indent="0" algn="l" defTabSz="914400" rtl="0" eaLnBrk="0" fontAlgn="base" latinLnBrk="0" hangingPunct="0">
-              <a:lnSpc>
-                <a:spcPct val="100000"/>
-              </a:lnSpc>
-              <a:spcBef>
-                <a:spcPct val="0"/>
-              </a:spcBef>
-              <a:spcAft>
-                <a:spcPct val="0"/>
-              </a:spcAft>
-              <a:buClrTx/>
-              <a:buSzTx/>
-              <a:buFontTx/>
-              <a:buNone/>
-              <a:tabLst/>
-            </a:pPr>
-            <a:endParaRPr lang="en-US" altLang="en-US" dirty="0" smtClean="0">
-              <a:solidFill>
-                <a:srgbClr val="092529"/>
-              </a:solidFill>
-              <a:latin typeface="Proxima Nova" charset="0"/>
-            </a:endParaRPr>
-          </a:p>
-          <a:p>
-            <a:pPr defTabSz="914400">
-              <a:lnSpc>
-                <a:spcPct val="100000"/>
-              </a:lnSpc>
-            </a:pPr>
-            <a:r>
-              <a:rPr lang="en-US" altLang="en-US" dirty="0" smtClean="0">
-                <a:solidFill>
-                  <a:srgbClr val="092529"/>
-                </a:solidFill>
-                <a:latin typeface="Proxima Nova" charset="0"/>
-              </a:rPr>
-              <a:t>In </a:t>
-            </a:r>
-            <a:r>
-              <a:rPr lang="en-US" altLang="en-US" dirty="0">
-                <a:solidFill>
-                  <a:srgbClr val="092529"/>
-                </a:solidFill>
-                <a:latin typeface="Proxima Nova" charset="0"/>
-              </a:rPr>
-              <a:t>Java, there are two types of casting</a:t>
-            </a:r>
-            <a:r>
-              <a:rPr lang="en-US" altLang="en-US" dirty="0" smtClean="0">
-                <a:solidFill>
-                  <a:srgbClr val="092529"/>
-                </a:solidFill>
-                <a:latin typeface="Proxima Nova" charset="0"/>
-              </a:rPr>
-              <a:t>:</a:t>
-            </a:r>
-          </a:p>
-          <a:p>
-            <a:pPr marL="0" marR="0" lvl="0" indent="0" algn="l" defTabSz="914400" rtl="0" eaLnBrk="0" fontAlgn="base" latinLnBrk="0" hangingPunct="0">
-              <a:lnSpc>
-                <a:spcPct val="100000"/>
-              </a:lnSpc>
-              <a:spcBef>
-                <a:spcPct val="0"/>
-              </a:spcBef>
-              <a:spcAft>
-                <a:spcPct val="0"/>
-              </a:spcAft>
-              <a:buClrTx/>
-              <a:buSzTx/>
-              <a:buFontTx/>
-              <a:buNone/>
-              <a:tabLst/>
-            </a:pPr>
-            <a:endParaRPr lang="en-US" altLang="en-US" dirty="0">
-              <a:solidFill>
-                <a:srgbClr val="092529"/>
-              </a:solidFill>
-              <a:latin typeface="Proxima Nova" charset="0"/>
-            </a:endParaRPr>
-          </a:p>
-          <a:p>
-            <a:pPr lvl="1" defTabSz="914400">
-              <a:lnSpc>
-                <a:spcPct val="100000"/>
-              </a:lnSpc>
-            </a:pPr>
-            <a:r>
-              <a:rPr lang="en-US" altLang="en-US" dirty="0">
-                <a:solidFill>
-                  <a:srgbClr val="092529"/>
-                </a:solidFill>
-                <a:latin typeface="Proxima Nova" charset="0"/>
-              </a:rPr>
-              <a:t>Widening Casting (automatically) - converting a smaller type to a larger type size</a:t>
-            </a:r>
-            <a:br>
-              <a:rPr lang="en-US" altLang="en-US" dirty="0">
-                <a:solidFill>
-                  <a:srgbClr val="092529"/>
-                </a:solidFill>
-                <a:latin typeface="Proxima Nova" charset="0"/>
-              </a:rPr>
-            </a:br>
-            <a:r>
-              <a:rPr lang="en-US" altLang="en-US" dirty="0">
-                <a:solidFill>
-                  <a:srgbClr val="092529"/>
-                </a:solidFill>
-                <a:latin typeface="Proxima Nova" charset="0"/>
-              </a:rPr>
-              <a:t>byte -&gt; short -&gt; char -&gt; </a:t>
-            </a:r>
-            <a:r>
-              <a:rPr lang="en-US" altLang="en-US" dirty="0" err="1">
-                <a:solidFill>
-                  <a:srgbClr val="092529"/>
-                </a:solidFill>
-                <a:latin typeface="Proxima Nova" charset="0"/>
-              </a:rPr>
-              <a:t>int</a:t>
-            </a:r>
-            <a:r>
-              <a:rPr lang="en-US" altLang="en-US" dirty="0">
-                <a:solidFill>
-                  <a:srgbClr val="092529"/>
-                </a:solidFill>
-                <a:latin typeface="Proxima Nova" charset="0"/>
-              </a:rPr>
-              <a:t> -&gt; long -&gt; float -&gt; double</a:t>
-            </a:r>
-            <a:br>
-              <a:rPr lang="en-US" altLang="en-US" dirty="0">
-                <a:solidFill>
-                  <a:srgbClr val="092529"/>
-                </a:solidFill>
-                <a:latin typeface="Proxima Nova" charset="0"/>
-              </a:rPr>
-            </a:br>
-            <a:r>
-              <a:rPr lang="en-US" altLang="en-US" dirty="0">
-                <a:solidFill>
-                  <a:srgbClr val="092529"/>
-                </a:solidFill>
-                <a:latin typeface="Proxima Nova" charset="0"/>
-              </a:rPr>
-              <a:t/>
-            </a:r>
-            <a:br>
-              <a:rPr lang="en-US" altLang="en-US" dirty="0">
-                <a:solidFill>
-                  <a:srgbClr val="092529"/>
-                </a:solidFill>
-                <a:latin typeface="Proxima Nova" charset="0"/>
-              </a:rPr>
-            </a:br>
-            <a:endParaRPr lang="en-US" altLang="en-US" dirty="0">
-              <a:solidFill>
-                <a:srgbClr val="092529"/>
-              </a:solidFill>
-              <a:latin typeface="Proxima Nova" charset="0"/>
-            </a:endParaRPr>
-          </a:p>
-          <a:p>
-            <a:pPr lvl="1" defTabSz="914400">
-              <a:lnSpc>
-                <a:spcPct val="100000"/>
-              </a:lnSpc>
-            </a:pPr>
-            <a:r>
-              <a:rPr lang="en-US" altLang="en-US" dirty="0">
-                <a:solidFill>
-                  <a:srgbClr val="092529"/>
-                </a:solidFill>
-                <a:latin typeface="Proxima Nova" charset="0"/>
-              </a:rPr>
-              <a:t>Narrowing Casting (manually) - converting a larger type to a smaller size type</a:t>
-            </a:r>
-            <a:br>
-              <a:rPr lang="en-US" altLang="en-US" dirty="0">
-                <a:solidFill>
-                  <a:srgbClr val="092529"/>
-                </a:solidFill>
-                <a:latin typeface="Proxima Nova" charset="0"/>
-              </a:rPr>
-            </a:br>
-            <a:r>
-              <a:rPr lang="en-US" altLang="en-US" dirty="0">
-                <a:solidFill>
-                  <a:srgbClr val="092529"/>
-                </a:solidFill>
-                <a:latin typeface="Proxima Nova" charset="0"/>
-              </a:rPr>
-              <a:t>double -&gt; float -&gt; long -&gt; </a:t>
-            </a:r>
-            <a:r>
-              <a:rPr lang="en-US" altLang="en-US" dirty="0" err="1">
-                <a:solidFill>
-                  <a:srgbClr val="092529"/>
-                </a:solidFill>
-                <a:latin typeface="Proxima Nova" charset="0"/>
-              </a:rPr>
-              <a:t>int</a:t>
-            </a:r>
-            <a:r>
-              <a:rPr lang="en-US" altLang="en-US" dirty="0">
-                <a:solidFill>
-                  <a:srgbClr val="092529"/>
-                </a:solidFill>
-                <a:latin typeface="Proxima Nova" charset="0"/>
-              </a:rPr>
-              <a:t> -&gt; char -&gt; short -&gt; byte</a:t>
-            </a:r>
-          </a:p>
-          <a:p>
-            <a:pPr marL="0" marR="0" lvl="0" indent="0" algn="l" defTabSz="914400" rtl="0" eaLnBrk="0" fontAlgn="base" latinLnBrk="0" hangingPunct="0">
-              <a:lnSpc>
-                <a:spcPct val="100000"/>
-              </a:lnSpc>
-              <a:spcBef>
-                <a:spcPct val="0"/>
-              </a:spcBef>
-              <a:spcAft>
-                <a:spcPct val="0"/>
-              </a:spcAft>
-              <a:buClrTx/>
-              <a:buSzTx/>
-              <a:buFontTx/>
-              <a:buNone/>
-              <a:tabLst/>
-            </a:pPr>
-            <a:endParaRPr kumimoji="0" lang="en-US" altLang="en-US" sz="1800" b="0" i="0" u="none" strike="noStrike" cap="none" normalizeH="0" baseline="0" dirty="0" smtClean="0">
-              <a:ln>
-                <a:noFill/>
-              </a:ln>
-              <a:solidFill>
-                <a:schemeClr val="tx1"/>
-              </a:solidFill>
-              <a:effectLst/>
-              <a:latin typeface="Arial" panose="020B0604020202020204" pitchFamily="34" charset="0"/>
-            </a:endParaRPr>
-          </a:p>
-        </p:txBody>
-      </p:sp>
-    </p:spTree>
-    <p:extLst>
-      <p:ext uri="{BB962C8B-B14F-4D97-AF65-F5344CB8AC3E}">
-        <p14:creationId xmlns:p14="http://schemas.microsoft.com/office/powerpoint/2010/main" val="2322425887"/>
-      </p:ext>
-    </p:extLst>
-  </p:cSld>
-  <p:clrMapOvr>
-    <a:masterClrMapping/>
-  </p:clrMapOvr>
-  <mc:AlternateContent xmlns:mc="http://schemas.openxmlformats.org/markup-compatibility/2006" xmlns:p14="http://schemas.microsoft.com/office/powerpoint/2010/main">
-    <mc:Choice Requires="p14">
-      <p:transition p14:dur="300">
-        <p:fade/>
-      </p:transition>
-    </mc:Choice>
-    <mc:Fallback xmlns="">
-      <p:transition>
-        <p:fade/>
-      </p:transition>
-    </mc:Fallback>
-  </mc:AlternateContent>
-  <p:timing>
-    <p:tnLst>
-      <p:par>
-        <p:cTn id="1" dur="indefinite" restart="never" nodeType="tmRoot"/>
-      </p:par>
-    </p:tnLst>
-  </p:timing>
-</p:sld>
-</file>
-
-<file path=ppt/slides/slide6.xml><?xml version="1.0" encoding="utf-8"?>
-<p:sld xmlns:a="http://schemas.openxmlformats.org/drawingml/2006/main" xmlns:r="http://schemas.openxmlformats.org/officeDocument/2006/relationships" xmlns:p="http://schemas.openxmlformats.org/presentationml/2006/main">
-  <p:cSld>
-    <p:spTree>
-      <p:nvGrpSpPr>
-        <p:cNvPr id="1" name=""/>
-        <p:cNvGrpSpPr/>
-        <p:nvPr/>
-      </p:nvGrpSpPr>
-      <p:grpSpPr>
-        <a:xfrm>
-          <a:off x="0" y="0"/>
-          <a:ext cx="0" cy="0"/>
-          <a:chOff x="0" y="0"/>
-          <a:chExt cx="0" cy="0"/>
-        </a:xfrm>
-      </p:grpSpPr>
-      <p:sp>
-        <p:nvSpPr>
-          <p:cNvPr id="2" name="Title 1">
-            <a:extLst>
-              <a:ext uri="{FF2B5EF4-FFF2-40B4-BE49-F238E27FC236}">
-                <a16:creationId xmlns:a16="http://schemas.microsoft.com/office/drawing/2014/main" id="{B536806E-AD3E-AD40-936F-590919B5FCEE}"/>
-              </a:ext>
-            </a:extLst>
-          </p:cNvPr>
-          <p:cNvSpPr>
-            <a:spLocks noGrp="1"/>
-          </p:cNvSpPr>
-          <p:nvPr>
-            <p:ph type="title"/>
-          </p:nvPr>
-        </p:nvSpPr>
-        <p:spPr/>
-        <p:txBody>
-          <a:bodyPr/>
-          <a:lstStyle/>
-          <a:p>
-            <a:r>
-              <a:rPr lang="en-US" dirty="0" smtClean="0"/>
-              <a:t>Quick Practice</a:t>
-            </a:r>
-            <a:endParaRPr lang="en-US" dirty="0"/>
-          </a:p>
-        </p:txBody>
-      </p:sp>
-      <p:sp>
-        <p:nvSpPr>
-          <p:cNvPr id="5" name="TextBox 4">
-            <a:extLst>
-              <a:ext uri="{FF2B5EF4-FFF2-40B4-BE49-F238E27FC236}">
-                <a16:creationId xmlns:a16="http://schemas.microsoft.com/office/drawing/2014/main" id="{BC9EEA87-D34D-C34F-8D45-848ED96537EC}"/>
-              </a:ext>
-            </a:extLst>
-          </p:cNvPr>
-          <p:cNvSpPr txBox="1"/>
-          <p:nvPr/>
-        </p:nvSpPr>
-        <p:spPr>
-          <a:xfrm>
-            <a:off x="787961" y="1675865"/>
-            <a:ext cx="9711114" cy="4401205"/>
-          </a:xfrm>
-          <a:prstGeom prst="rect">
-            <a:avLst/>
-          </a:prstGeom>
-          <a:noFill/>
-        </p:spPr>
-        <p:txBody>
-          <a:bodyPr wrap="square">
-            <a:spAutoFit/>
-          </a:bodyPr>
-          <a:lstStyle/>
-          <a:p>
-            <a:r>
-              <a:rPr lang="en-US" dirty="0">
-                <a:latin typeface="Courier New" panose="02070309020205020404" pitchFamily="49" charset="0"/>
-                <a:cs typeface="Courier New" panose="02070309020205020404" pitchFamily="49" charset="0"/>
-              </a:rPr>
-              <a:t>public class </a:t>
-            </a:r>
-            <a:r>
-              <a:rPr lang="en-US" dirty="0" err="1">
-                <a:latin typeface="Courier New" panose="02070309020205020404" pitchFamily="49" charset="0"/>
-                <a:cs typeface="Courier New" panose="02070309020205020404" pitchFamily="49" charset="0"/>
-              </a:rPr>
-              <a:t>CastingProgram</a:t>
-            </a:r>
-            <a:r>
-              <a:rPr lang="en-US" dirty="0">
-                <a:latin typeface="Courier New" panose="02070309020205020404" pitchFamily="49" charset="0"/>
-                <a:cs typeface="Courier New" panose="02070309020205020404" pitchFamily="49" charset="0"/>
-              </a:rPr>
-              <a:t> </a:t>
-            </a:r>
-            <a:r>
-              <a:rPr lang="en-US" dirty="0" smtClean="0">
-                <a:latin typeface="Courier New" panose="02070309020205020404" pitchFamily="49" charset="0"/>
-                <a:cs typeface="Courier New" panose="02070309020205020404" pitchFamily="49" charset="0"/>
-              </a:rPr>
-              <a:t>{</a:t>
-            </a:r>
-          </a:p>
-          <a:p>
-            <a:endParaRPr lang="en-US" dirty="0">
-              <a:latin typeface="Courier New" panose="02070309020205020404" pitchFamily="49" charset="0"/>
-              <a:cs typeface="Courier New" panose="02070309020205020404" pitchFamily="49" charset="0"/>
-            </a:endParaRPr>
-          </a:p>
-          <a:p>
-            <a:r>
-              <a:rPr lang="en-US" dirty="0">
-                <a:latin typeface="Courier New" panose="02070309020205020404" pitchFamily="49" charset="0"/>
-                <a:cs typeface="Courier New" panose="02070309020205020404" pitchFamily="49" charset="0"/>
-              </a:rPr>
-              <a:t>   public static void main(String[] </a:t>
-            </a:r>
-            <a:r>
-              <a:rPr lang="en-US" dirty="0" err="1">
-                <a:latin typeface="Courier New" panose="02070309020205020404" pitchFamily="49" charset="0"/>
-                <a:cs typeface="Courier New" panose="02070309020205020404" pitchFamily="49" charset="0"/>
-              </a:rPr>
-              <a:t>args</a:t>
-            </a:r>
-            <a:r>
-              <a:rPr lang="en-US" dirty="0">
-                <a:latin typeface="Courier New" panose="02070309020205020404" pitchFamily="49" charset="0"/>
-                <a:cs typeface="Courier New" panose="02070309020205020404" pitchFamily="49" charset="0"/>
-              </a:rPr>
-              <a:t>) </a:t>
-            </a:r>
-            <a:r>
-              <a:rPr lang="en-US" dirty="0" smtClean="0">
-                <a:latin typeface="Courier New" panose="02070309020205020404" pitchFamily="49" charset="0"/>
-                <a:cs typeface="Courier New" panose="02070309020205020404" pitchFamily="49" charset="0"/>
-              </a:rPr>
-              <a:t>{</a:t>
-            </a:r>
-          </a:p>
-          <a:p>
-            <a:endParaRPr lang="en-US" dirty="0">
-              <a:latin typeface="Courier New" panose="02070309020205020404" pitchFamily="49" charset="0"/>
-              <a:cs typeface="Courier New" panose="02070309020205020404" pitchFamily="49" charset="0"/>
-            </a:endParaRPr>
-          </a:p>
-          <a:p>
-            <a:r>
-              <a:rPr lang="en-US" dirty="0">
-                <a:latin typeface="Courier New" panose="02070309020205020404" pitchFamily="49" charset="0"/>
-                <a:cs typeface="Courier New" panose="02070309020205020404" pitchFamily="49" charset="0"/>
-              </a:rPr>
-              <a:t>      </a:t>
-            </a:r>
-            <a:r>
-              <a:rPr lang="en-US" dirty="0" err="1">
-                <a:latin typeface="Courier New" panose="02070309020205020404" pitchFamily="49" charset="0"/>
-                <a:cs typeface="Courier New" panose="02070309020205020404" pitchFamily="49" charset="0"/>
-              </a:rPr>
-              <a:t>int</a:t>
-            </a:r>
-            <a:r>
-              <a:rPr lang="en-US" dirty="0">
-                <a:latin typeface="Courier New" panose="02070309020205020404" pitchFamily="49" charset="0"/>
-                <a:cs typeface="Courier New" panose="02070309020205020404" pitchFamily="49" charset="0"/>
-              </a:rPr>
-              <a:t> value1 = 12;</a:t>
-            </a:r>
-          </a:p>
-          <a:p>
-            <a:r>
-              <a:rPr lang="en-US" dirty="0">
-                <a:latin typeface="Courier New" panose="02070309020205020404" pitchFamily="49" charset="0"/>
-                <a:cs typeface="Courier New" panose="02070309020205020404" pitchFamily="49" charset="0"/>
-              </a:rPr>
-              <a:t>      double value2 = 25.75;</a:t>
-            </a:r>
-          </a:p>
-          <a:p>
-            <a:r>
-              <a:rPr lang="en-US" dirty="0">
-                <a:latin typeface="Courier New" panose="02070309020205020404" pitchFamily="49" charset="0"/>
-                <a:cs typeface="Courier New" panose="02070309020205020404" pitchFamily="49" charset="0"/>
-              </a:rPr>
-              <a:t>      double </a:t>
-            </a:r>
-            <a:r>
-              <a:rPr lang="en-US" dirty="0" err="1">
-                <a:latin typeface="Courier New" panose="02070309020205020404" pitchFamily="49" charset="0"/>
-                <a:cs typeface="Courier New" panose="02070309020205020404" pitchFamily="49" charset="0"/>
-              </a:rPr>
-              <a:t>resultDouble</a:t>
-            </a:r>
-            <a:r>
-              <a:rPr lang="en-US" dirty="0">
-                <a:latin typeface="Courier New" panose="02070309020205020404" pitchFamily="49" charset="0"/>
-                <a:cs typeface="Courier New" panose="02070309020205020404" pitchFamily="49" charset="0"/>
-              </a:rPr>
-              <a:t> = value1 + value2;</a:t>
-            </a:r>
-          </a:p>
-          <a:p>
-            <a:r>
-              <a:rPr lang="en-US" dirty="0">
-                <a:latin typeface="Courier New" panose="02070309020205020404" pitchFamily="49" charset="0"/>
-                <a:cs typeface="Courier New" panose="02070309020205020404" pitchFamily="49" charset="0"/>
-              </a:rPr>
-              <a:t>      </a:t>
-            </a:r>
-            <a:r>
-              <a:rPr lang="en-US" dirty="0" err="1">
-                <a:latin typeface="Courier New" panose="02070309020205020404" pitchFamily="49" charset="0"/>
-                <a:cs typeface="Courier New" panose="02070309020205020404" pitchFamily="49" charset="0"/>
-              </a:rPr>
-              <a:t>System.out.print</a:t>
-            </a:r>
-            <a:r>
-              <a:rPr lang="en-US" dirty="0">
-                <a:latin typeface="Courier New" panose="02070309020205020404" pitchFamily="49" charset="0"/>
-                <a:cs typeface="Courier New" panose="02070309020205020404" pitchFamily="49" charset="0"/>
-              </a:rPr>
-              <a:t>(value1 + " + " + value2 + " = ");</a:t>
-            </a:r>
-          </a:p>
-          <a:p>
-            <a:r>
-              <a:rPr lang="en-US" dirty="0">
-                <a:latin typeface="Courier New" panose="02070309020205020404" pitchFamily="49" charset="0"/>
-                <a:cs typeface="Courier New" panose="02070309020205020404" pitchFamily="49" charset="0"/>
-              </a:rPr>
-              <a:t>      </a:t>
-            </a:r>
-            <a:r>
-              <a:rPr lang="en-US" dirty="0" err="1">
-                <a:latin typeface="Courier New" panose="02070309020205020404" pitchFamily="49" charset="0"/>
-                <a:cs typeface="Courier New" panose="02070309020205020404" pitchFamily="49" charset="0"/>
-              </a:rPr>
-              <a:t>System.out.println</a:t>
-            </a:r>
-            <a:r>
-              <a:rPr lang="en-US" dirty="0">
-                <a:latin typeface="Courier New" panose="02070309020205020404" pitchFamily="49" charset="0"/>
-                <a:cs typeface="Courier New" panose="02070309020205020404" pitchFamily="49" charset="0"/>
-              </a:rPr>
-              <a:t>(</a:t>
-            </a:r>
-            <a:r>
-              <a:rPr lang="en-US" dirty="0" err="1">
-                <a:latin typeface="Courier New" panose="02070309020205020404" pitchFamily="49" charset="0"/>
-                <a:cs typeface="Courier New" panose="02070309020205020404" pitchFamily="49" charset="0"/>
-              </a:rPr>
-              <a:t>resultDouble</a:t>
-            </a:r>
-            <a:r>
-              <a:rPr lang="en-US" dirty="0">
-                <a:latin typeface="Courier New" panose="02070309020205020404" pitchFamily="49" charset="0"/>
-                <a:cs typeface="Courier New" panose="02070309020205020404" pitchFamily="49" charset="0"/>
-              </a:rPr>
-              <a:t>);</a:t>
-            </a:r>
-          </a:p>
-          <a:p>
-            <a:r>
-              <a:rPr lang="en-US" dirty="0">
-                <a:latin typeface="Courier New" panose="02070309020205020404" pitchFamily="49" charset="0"/>
-                <a:cs typeface="Courier New" panose="02070309020205020404" pitchFamily="49" charset="0"/>
-              </a:rPr>
-              <a:t>      </a:t>
-            </a:r>
-            <a:r>
-              <a:rPr lang="en-US" dirty="0" err="1">
-                <a:latin typeface="Courier New" panose="02070309020205020404" pitchFamily="49" charset="0"/>
-                <a:cs typeface="Courier New" panose="02070309020205020404" pitchFamily="49" charset="0"/>
-              </a:rPr>
-              <a:t>int</a:t>
-            </a:r>
-            <a:r>
-              <a:rPr lang="en-US" dirty="0">
-                <a:latin typeface="Courier New" panose="02070309020205020404" pitchFamily="49" charset="0"/>
-                <a:cs typeface="Courier New" panose="02070309020205020404" pitchFamily="49" charset="0"/>
-              </a:rPr>
-              <a:t> </a:t>
-            </a:r>
-            <a:r>
-              <a:rPr lang="en-US" dirty="0" err="1">
-                <a:latin typeface="Courier New" panose="02070309020205020404" pitchFamily="49" charset="0"/>
-                <a:cs typeface="Courier New" panose="02070309020205020404" pitchFamily="49" charset="0"/>
-              </a:rPr>
-              <a:t>resultInt</a:t>
-            </a:r>
-            <a:r>
-              <a:rPr lang="en-US" dirty="0">
-                <a:latin typeface="Courier New" panose="02070309020205020404" pitchFamily="49" charset="0"/>
-                <a:cs typeface="Courier New" panose="02070309020205020404" pitchFamily="49" charset="0"/>
-              </a:rPr>
-              <a:t> = value1 + </a:t>
-            </a:r>
-            <a:r>
-              <a:rPr lang="en-US" dirty="0" smtClean="0">
-                <a:latin typeface="Courier New" panose="02070309020205020404" pitchFamily="49" charset="0"/>
-                <a:cs typeface="Courier New" panose="02070309020205020404" pitchFamily="49" charset="0"/>
-              </a:rPr>
-              <a:t> </a:t>
-            </a:r>
-            <a:r>
-              <a:rPr lang="en-US" dirty="0">
-                <a:latin typeface="Courier New" panose="02070309020205020404" pitchFamily="49" charset="0"/>
-                <a:cs typeface="Courier New" panose="02070309020205020404" pitchFamily="49" charset="0"/>
-              </a:rPr>
-              <a:t>value2;</a:t>
-            </a:r>
-          </a:p>
-          <a:p>
-            <a:r>
-              <a:rPr lang="en-US" dirty="0">
-                <a:latin typeface="Courier New" panose="02070309020205020404" pitchFamily="49" charset="0"/>
-                <a:cs typeface="Courier New" panose="02070309020205020404" pitchFamily="49" charset="0"/>
-              </a:rPr>
-              <a:t>      </a:t>
-            </a:r>
-            <a:r>
-              <a:rPr lang="en-US" dirty="0" err="1">
-                <a:latin typeface="Courier New" panose="02070309020205020404" pitchFamily="49" charset="0"/>
-                <a:cs typeface="Courier New" panose="02070309020205020404" pitchFamily="49" charset="0"/>
-              </a:rPr>
-              <a:t>System.out.print</a:t>
-            </a:r>
-            <a:r>
-              <a:rPr lang="en-US" dirty="0">
-                <a:latin typeface="Courier New" panose="02070309020205020404" pitchFamily="49" charset="0"/>
-                <a:cs typeface="Courier New" panose="02070309020205020404" pitchFamily="49" charset="0"/>
-              </a:rPr>
-              <a:t>(value1 + " + " + </a:t>
-            </a:r>
-            <a:r>
-              <a:rPr lang="en-US" dirty="0" smtClean="0">
-                <a:latin typeface="Courier New" panose="02070309020205020404" pitchFamily="49" charset="0"/>
-                <a:cs typeface="Courier New" panose="02070309020205020404" pitchFamily="49" charset="0"/>
-              </a:rPr>
-              <a:t>value2 </a:t>
-            </a:r>
-            <a:r>
-              <a:rPr lang="en-US" dirty="0">
-                <a:latin typeface="Courier New" panose="02070309020205020404" pitchFamily="49" charset="0"/>
-                <a:cs typeface="Courier New" panose="02070309020205020404" pitchFamily="49" charset="0"/>
-              </a:rPr>
-              <a:t>+ " = ");</a:t>
-            </a:r>
-          </a:p>
-          <a:p>
-            <a:r>
-              <a:rPr lang="en-US" dirty="0">
-                <a:latin typeface="Courier New" panose="02070309020205020404" pitchFamily="49" charset="0"/>
-                <a:cs typeface="Courier New" panose="02070309020205020404" pitchFamily="49" charset="0"/>
-              </a:rPr>
-              <a:t>      </a:t>
-            </a:r>
-            <a:r>
-              <a:rPr lang="en-US" dirty="0" err="1">
-                <a:latin typeface="Courier New" panose="02070309020205020404" pitchFamily="49" charset="0"/>
-                <a:cs typeface="Courier New" panose="02070309020205020404" pitchFamily="49" charset="0"/>
-              </a:rPr>
-              <a:t>System.out.println</a:t>
-            </a:r>
-            <a:r>
-              <a:rPr lang="en-US" dirty="0">
-                <a:latin typeface="Courier New" panose="02070309020205020404" pitchFamily="49" charset="0"/>
-                <a:cs typeface="Courier New" panose="02070309020205020404" pitchFamily="49" charset="0"/>
-              </a:rPr>
-              <a:t>(</a:t>
-            </a:r>
-            <a:r>
-              <a:rPr lang="en-US" dirty="0" err="1">
-                <a:latin typeface="Courier New" panose="02070309020205020404" pitchFamily="49" charset="0"/>
-                <a:cs typeface="Courier New" panose="02070309020205020404" pitchFamily="49" charset="0"/>
-              </a:rPr>
-              <a:t>resultInt</a:t>
-            </a:r>
-            <a:r>
-              <a:rPr lang="en-US" dirty="0">
-                <a:latin typeface="Courier New" panose="02070309020205020404" pitchFamily="49" charset="0"/>
-                <a:cs typeface="Courier New" panose="02070309020205020404" pitchFamily="49" charset="0"/>
-              </a:rPr>
-              <a:t>);</a:t>
-            </a:r>
-          </a:p>
-          <a:p>
-            <a:r>
-              <a:rPr lang="en-US" dirty="0" smtClean="0">
-                <a:latin typeface="Courier New" panose="02070309020205020404" pitchFamily="49" charset="0"/>
-                <a:cs typeface="Courier New" panose="02070309020205020404" pitchFamily="49" charset="0"/>
-              </a:rPr>
-              <a:t>   }</a:t>
-            </a:r>
-            <a:endParaRPr lang="en-US" dirty="0">
-              <a:latin typeface="Courier New" panose="02070309020205020404" pitchFamily="49" charset="0"/>
-              <a:cs typeface="Courier New" panose="02070309020205020404" pitchFamily="49" charset="0"/>
-            </a:endParaRPr>
-          </a:p>
-          <a:p>
-            <a:r>
-              <a:rPr lang="en-US" dirty="0">
-                <a:latin typeface="Courier New" panose="02070309020205020404" pitchFamily="49" charset="0"/>
-                <a:cs typeface="Courier New" panose="02070309020205020404" pitchFamily="49" charset="0"/>
-              </a:rPr>
-              <a:t>}</a:t>
-            </a:r>
-          </a:p>
-        </p:txBody>
-      </p:sp>
-      <p:sp>
-        <p:nvSpPr>
-          <p:cNvPr id="4" name="Rectangle 3">
-            <a:extLst>
-              <a:ext uri="{FF2B5EF4-FFF2-40B4-BE49-F238E27FC236}">
-                <a16:creationId xmlns:a16="http://schemas.microsoft.com/office/drawing/2014/main" id="{F8083C6D-3634-004D-BE41-F84DFC608329}"/>
-              </a:ext>
-            </a:extLst>
-          </p:cNvPr>
-          <p:cNvSpPr/>
-          <p:nvPr/>
-        </p:nvSpPr>
-        <p:spPr>
-          <a:xfrm>
-            <a:off x="9517587" y="1211855"/>
-            <a:ext cx="4165361" cy="979799"/>
-          </a:xfrm>
-          <a:prstGeom prst="rect">
-            <a:avLst/>
-          </a:prstGeom>
-          <a:solidFill>
-            <a:schemeClr val="bg2"/>
-          </a:solidFill>
-          <a:ln>
-            <a:noFill/>
-          </a:ln>
-          <a:effectLst/>
-        </p:spPr>
-        <p:style>
-          <a:lnRef idx="1">
-            <a:schemeClr val="accent1"/>
-          </a:lnRef>
-          <a:fillRef idx="3">
-            <a:schemeClr val="accent1"/>
-          </a:fillRef>
-          <a:effectRef idx="2">
-            <a:schemeClr val="accent1"/>
-          </a:effectRef>
-          <a:fontRef idx="minor">
-            <a:schemeClr val="lt1"/>
-          </a:fontRef>
-        </p:style>
-        <p:txBody>
-          <a:bodyPr lIns="274320" tIns="182880" rIns="274320" bIns="182880" rtlCol="0" anchor="ctr"/>
-          <a:lstStyle/>
-          <a:p>
-            <a:pPr algn="ctr"/>
-            <a:r>
-              <a:rPr lang="en-US" dirty="0" smtClean="0">
-                <a:solidFill>
-                  <a:srgbClr val="092529"/>
-                </a:solidFill>
-                <a:latin typeface="Proxima Nova" charset="0"/>
-                <a:ea typeface="Proxima Nova" charset="0"/>
-                <a:cs typeface="Proxima Nova" charset="0"/>
-              </a:rPr>
-              <a:t>What happen when we try to run the program?</a:t>
-            </a:r>
-            <a:endParaRPr lang="en-US" dirty="0">
-              <a:solidFill>
-                <a:srgbClr val="092529"/>
-              </a:solidFill>
-              <a:latin typeface="Proxima Nova" charset="0"/>
-              <a:ea typeface="Proxima Nova" charset="0"/>
-              <a:cs typeface="Proxima Nova" charset="0"/>
-            </a:endParaRPr>
-          </a:p>
-        </p:txBody>
-      </p:sp>
-      <p:sp>
-        <p:nvSpPr>
-          <p:cNvPr id="6" name="Rectangle 5">
-            <a:extLst>
-              <a:ext uri="{FF2B5EF4-FFF2-40B4-BE49-F238E27FC236}">
-                <a16:creationId xmlns:a16="http://schemas.microsoft.com/office/drawing/2014/main" id="{F8083C6D-3634-004D-BE41-F84DFC608329}"/>
-              </a:ext>
-            </a:extLst>
-          </p:cNvPr>
-          <p:cNvSpPr/>
-          <p:nvPr/>
-        </p:nvSpPr>
-        <p:spPr>
-          <a:xfrm>
-            <a:off x="9517587" y="2547826"/>
-            <a:ext cx="4165361" cy="2065703"/>
-          </a:xfrm>
-          <a:prstGeom prst="rect">
-            <a:avLst/>
-          </a:prstGeom>
-          <a:solidFill>
-            <a:schemeClr val="bg2"/>
-          </a:solidFill>
-          <a:ln>
-            <a:noFill/>
-          </a:ln>
-          <a:effectLst/>
-        </p:spPr>
-        <p:style>
-          <a:lnRef idx="1">
-            <a:schemeClr val="accent1"/>
-          </a:lnRef>
-          <a:fillRef idx="3">
-            <a:schemeClr val="accent1"/>
-          </a:fillRef>
-          <a:effectRef idx="2">
-            <a:schemeClr val="accent1"/>
-          </a:effectRef>
-          <a:fontRef idx="minor">
-            <a:schemeClr val="lt1"/>
-          </a:fontRef>
-        </p:style>
-        <p:txBody>
-          <a:bodyPr lIns="274320" tIns="182880" rIns="274320" bIns="182880" rtlCol="0" anchor="ctr"/>
-          <a:lstStyle/>
-          <a:p>
-            <a:pPr lvl="0" defTabSz="914400" eaLnBrk="0" fontAlgn="base" hangingPunct="0">
-              <a:spcBef>
-                <a:spcPct val="0"/>
-              </a:spcBef>
-              <a:spcAft>
-                <a:spcPct val="0"/>
-              </a:spcAft>
-            </a:pPr>
-            <a:r>
-              <a:rPr lang="en-US" altLang="en-US" dirty="0">
-                <a:solidFill>
-                  <a:srgbClr val="092529"/>
-                </a:solidFill>
-                <a:latin typeface="Proxima Nova" charset="0"/>
-                <a:ea typeface="Proxima Nova" charset="0"/>
-                <a:cs typeface="Proxima Nova" charset="0"/>
-              </a:rPr>
-              <a:t>CastingProgram.java:10: error: incompatible types: possible </a:t>
-            </a:r>
-            <a:r>
-              <a:rPr lang="en-US" altLang="en-US" dirty="0" err="1">
-                <a:solidFill>
-                  <a:srgbClr val="092529"/>
-                </a:solidFill>
-                <a:latin typeface="Proxima Nova" charset="0"/>
-                <a:ea typeface="Proxima Nova" charset="0"/>
-                <a:cs typeface="Proxima Nova" charset="0"/>
-              </a:rPr>
-              <a:t>lossy</a:t>
-            </a:r>
-            <a:r>
-              <a:rPr lang="en-US" altLang="en-US" dirty="0">
-                <a:solidFill>
-                  <a:srgbClr val="092529"/>
-                </a:solidFill>
-                <a:latin typeface="Proxima Nova" charset="0"/>
-                <a:ea typeface="Proxima Nova" charset="0"/>
-                <a:cs typeface="Proxima Nova" charset="0"/>
-              </a:rPr>
-              <a:t> conversion from double to </a:t>
-            </a:r>
-            <a:r>
-              <a:rPr lang="en-US" altLang="en-US" dirty="0" err="1">
-                <a:solidFill>
-                  <a:srgbClr val="092529"/>
-                </a:solidFill>
-                <a:latin typeface="Proxima Nova" charset="0"/>
-                <a:ea typeface="Proxima Nova" charset="0"/>
-                <a:cs typeface="Proxima Nova" charset="0"/>
-              </a:rPr>
-              <a:t>int</a:t>
-            </a:r>
-            <a:endParaRPr lang="en-US" altLang="en-US" dirty="0">
-              <a:solidFill>
-                <a:srgbClr val="092529"/>
-              </a:solidFill>
-              <a:latin typeface="Proxima Nova" charset="0"/>
-              <a:ea typeface="Proxima Nova" charset="0"/>
-              <a:cs typeface="Proxima Nova" charset="0"/>
-            </a:endParaRPr>
-          </a:p>
-          <a:p>
-            <a:pPr lvl="0" defTabSz="914400" eaLnBrk="0" fontAlgn="base" hangingPunct="0">
-              <a:spcBef>
-                <a:spcPct val="0"/>
-              </a:spcBef>
-              <a:spcAft>
-                <a:spcPct val="0"/>
-              </a:spcAft>
-            </a:pPr>
-            <a:r>
-              <a:rPr lang="en-US" altLang="en-US" dirty="0">
-                <a:solidFill>
-                  <a:srgbClr val="092529"/>
-                </a:solidFill>
-                <a:latin typeface="Proxima Nova" charset="0"/>
-                <a:ea typeface="Proxima Nova" charset="0"/>
-                <a:cs typeface="Proxima Nova" charset="0"/>
-              </a:rPr>
-              <a:t> </a:t>
-            </a:r>
-            <a:r>
-              <a:rPr lang="en-US" altLang="en-US" dirty="0" err="1">
-                <a:solidFill>
-                  <a:srgbClr val="092529"/>
-                </a:solidFill>
-                <a:latin typeface="Proxima Nova" charset="0"/>
-                <a:ea typeface="Proxima Nova" charset="0"/>
-                <a:cs typeface="Proxima Nova" charset="0"/>
-              </a:rPr>
-              <a:t>int</a:t>
-            </a:r>
-            <a:r>
-              <a:rPr lang="en-US" altLang="en-US" dirty="0">
-                <a:solidFill>
-                  <a:srgbClr val="092529"/>
-                </a:solidFill>
-                <a:latin typeface="Proxima Nova" charset="0"/>
-                <a:ea typeface="Proxima Nova" charset="0"/>
-                <a:cs typeface="Proxima Nova" charset="0"/>
-              </a:rPr>
-              <a:t> </a:t>
-            </a:r>
-            <a:r>
-              <a:rPr lang="en-US" altLang="en-US" dirty="0" err="1">
-                <a:solidFill>
-                  <a:srgbClr val="092529"/>
-                </a:solidFill>
-                <a:latin typeface="Proxima Nova" charset="0"/>
-                <a:ea typeface="Proxima Nova" charset="0"/>
-                <a:cs typeface="Proxima Nova" charset="0"/>
-              </a:rPr>
-              <a:t>resultInt</a:t>
-            </a:r>
-            <a:r>
-              <a:rPr lang="en-US" altLang="en-US" dirty="0">
-                <a:solidFill>
-                  <a:srgbClr val="092529"/>
-                </a:solidFill>
-                <a:latin typeface="Proxima Nova" charset="0"/>
-                <a:ea typeface="Proxima Nova" charset="0"/>
-                <a:cs typeface="Proxima Nova" charset="0"/>
-              </a:rPr>
-              <a:t> = value1 + value2; ^ 1 error </a:t>
-            </a:r>
-            <a:endParaRPr lang="en-US" altLang="en-US" dirty="0">
-              <a:solidFill>
-                <a:srgbClr val="092529"/>
-              </a:solidFill>
-              <a:latin typeface="Proxima Nova" charset="0"/>
-              <a:ea typeface="Proxima Nova" charset="0"/>
-              <a:cs typeface="Proxima Nova" charset="0"/>
-            </a:endParaRPr>
-          </a:p>
-        </p:txBody>
-      </p:sp>
-      <p:sp>
-        <p:nvSpPr>
-          <p:cNvPr id="7" name="Rectangle 6">
-            <a:extLst>
-              <a:ext uri="{FF2B5EF4-FFF2-40B4-BE49-F238E27FC236}">
-                <a16:creationId xmlns:a16="http://schemas.microsoft.com/office/drawing/2014/main" id="{F8083C6D-3634-004D-BE41-F84DFC608329}"/>
-              </a:ext>
-            </a:extLst>
-          </p:cNvPr>
-          <p:cNvSpPr/>
-          <p:nvPr/>
-        </p:nvSpPr>
-        <p:spPr>
-          <a:xfrm>
-            <a:off x="9517587" y="5095750"/>
-            <a:ext cx="4165361" cy="979799"/>
-          </a:xfrm>
-          <a:prstGeom prst="rect">
-            <a:avLst/>
-          </a:prstGeom>
-          <a:solidFill>
-            <a:schemeClr val="bg2"/>
-          </a:solidFill>
-          <a:ln>
-            <a:noFill/>
-          </a:ln>
-          <a:effectLst/>
-        </p:spPr>
-        <p:style>
-          <a:lnRef idx="1">
-            <a:schemeClr val="accent1"/>
-          </a:lnRef>
-          <a:fillRef idx="3">
-            <a:schemeClr val="accent1"/>
-          </a:fillRef>
-          <a:effectRef idx="2">
-            <a:schemeClr val="accent1"/>
-          </a:effectRef>
-          <a:fontRef idx="minor">
-            <a:schemeClr val="lt1"/>
-          </a:fontRef>
-        </p:style>
-        <p:txBody>
-          <a:bodyPr lIns="274320" tIns="182880" rIns="274320" bIns="182880" rtlCol="0" anchor="ctr"/>
-          <a:lstStyle/>
-          <a:p>
-            <a:pPr algn="ctr"/>
-            <a:r>
-              <a:rPr lang="en-US" dirty="0" smtClean="0">
-                <a:solidFill>
-                  <a:srgbClr val="092529"/>
-                </a:solidFill>
-                <a:latin typeface="Proxima Nova" charset="0"/>
-                <a:ea typeface="Proxima Nova" charset="0"/>
-                <a:cs typeface="Proxima Nova" charset="0"/>
-              </a:rPr>
-              <a:t>How to solve that error?</a:t>
-            </a:r>
-            <a:endParaRPr lang="en-US" dirty="0">
-              <a:solidFill>
-                <a:srgbClr val="092529"/>
-              </a:solidFill>
-              <a:latin typeface="Proxima Nova" charset="0"/>
-              <a:ea typeface="Proxima Nova" charset="0"/>
-              <a:cs typeface="Proxima Nova" charset="0"/>
-            </a:endParaRPr>
-          </a:p>
-        </p:txBody>
-      </p:sp>
-    </p:spTree>
-    <p:extLst>
-      <p:ext uri="{BB962C8B-B14F-4D97-AF65-F5344CB8AC3E}">
-        <p14:creationId xmlns:p14="http://schemas.microsoft.com/office/powerpoint/2010/main" val="184236690"/>
-      </p:ext>
-    </p:extLst>
-  </p:cSld>
-  <p:clrMapOvr>
-    <a:masterClrMapping/>
-  </p:clrMapOvr>
-  <mc:AlternateContent xmlns:mc="http://schemas.openxmlformats.org/markup-compatibility/2006" xmlns:p14="http://schemas.microsoft.com/office/powerpoint/2010/main">
-    <mc:Choice Requires="p14">
-      <p:transition p14:dur="300">
-        <p:fade/>
-      </p:transition>
-    </mc:Choice>
-    <mc:Fallback xmlns="">
-      <p:transition>
-        <p:fade/>
-      </p:transition>
-    </mc:Fallback>
-  </mc:AlternateContent>
-  <p:timing>
-    <p:tnLst>
-      <p:par>
-        <p:cTn id="1" dur="indefinite" restart="never" nodeType="tmRoot">
-          <p:childTnLst>
-            <p:seq concurrent="1" nextAc="seek">
-              <p:cTn id="2" dur="indefinite" nodeType="mainSeq">
-                <p:childTnLst>
-                  <p:par>
-                    <p:cTn id="3" fill="hold">
-                      <p:stCondLst>
-                        <p:cond delay="indefinite"/>
-                      </p:stCondLst>
-                      <p:childTnLst>
-                        <p:par>
-                          <p:cTn id="4" fill="hold">
-                            <p:stCondLst>
-                              <p:cond delay="0"/>
-                            </p:stCondLst>
-                            <p:childTnLst>
-                              <p:par>
-                                <p:cTn id="5" presetID="1" presetClass="entr" presetSubtype="0" fill="hold" grpId="0" nodeType="clickEffect">
-                                  <p:stCondLst>
-                                    <p:cond delay="0"/>
-                                  </p:stCondLst>
-                                  <p:childTnLst>
-                                    <p:set>
-                                      <p:cBhvr>
-                                        <p:cTn id="6" dur="1" fill="hold">
-                                          <p:stCondLst>
-                                            <p:cond delay="0"/>
-                                          </p:stCondLst>
-                                        </p:cTn>
-                                        <p:tgtEl>
-                                          <p:spTgt spid="6"/>
-                                        </p:tgtEl>
-                                        <p:attrNameLst>
-                                          <p:attrName>style.visibility</p:attrName>
-                                        </p:attrNameLst>
-                                      </p:cBhvr>
-                                      <p:to>
-                                        <p:strVal val="visible"/>
-                                      </p:to>
-                                    </p:set>
-                                  </p:childTnLst>
-                                </p:cTn>
-                              </p:par>
-                            </p:childTnLst>
-                          </p:cTn>
-                        </p:par>
-                      </p:childTnLst>
-                    </p:cTn>
-                  </p:par>
-                  <p:par>
-                    <p:cTn id="7" fill="hold">
-                      <p:stCondLst>
-                        <p:cond delay="indefinite"/>
-                      </p:stCondLst>
-                      <p:childTnLst>
-                        <p:par>
-                          <p:cTn id="8" fill="hold">
-                            <p:stCondLst>
-                              <p:cond delay="0"/>
-                            </p:stCondLst>
-                            <p:childTnLst>
-                              <p:par>
-                                <p:cTn id="9" presetID="1" presetClass="entr" presetSubtype="0" fill="hold" grpId="0" nodeType="clickEffect">
-                                  <p:stCondLst>
-                                    <p:cond delay="0"/>
-                                  </p:stCondLst>
-                                  <p:childTnLst>
-                                    <p:set>
-                                      <p:cBhvr>
-                                        <p:cTn id="10" dur="1" fill="hold">
-                                          <p:stCondLst>
-                                            <p:cond delay="0"/>
-                                          </p:stCondLst>
-                                        </p:cTn>
-                                        <p:tgtEl>
-                                          <p:spTgt spid="7"/>
-                                        </p:tgtEl>
-                                        <p:attrNameLst>
-                                          <p:attrName>style.visibility</p:attrName>
-                                        </p:attrNameLst>
-                                      </p:cBhvr>
-                                      <p:to>
-                                        <p:strVal val="visible"/>
-                                      </p:to>
-                                    </p:set>
-                                  </p:childTnLst>
-                                </p:cTn>
-                              </p:par>
-                            </p:childTnLst>
-                          </p:cTn>
-                        </p:par>
-                      </p:childTnLst>
-                    </p:cTn>
-                  </p:par>
-                </p:childTnLst>
-              </p:cTn>
-              <p:prevCondLst>
-                <p:cond evt="onPrev" delay="0">
-                  <p:tgtEl>
-                    <p:sldTgt/>
-                  </p:tgtEl>
-                </p:cond>
-              </p:prevCondLst>
-              <p:nextCondLst>
-                <p:cond evt="onNext" delay="0">
-                  <p:tgtEl>
-                    <p:sldTgt/>
-                  </p:tgtEl>
-                </p:cond>
-              </p:nextCondLst>
-            </p:seq>
-          </p:childTnLst>
-        </p:cTn>
-      </p:par>
-    </p:tnLst>
-    <p:bldLst>
-      <p:bldP spid="6" grpId="0" animBg="1"/>
-      <p:bldP spid="7" grpId="0" animBg="1"/>
-    </p:bldLst>
-  </p:timing>
-</p:sld>
-</file>
-
-<file path=ppt/slides/slide7.xml><?xml version="1.0" encoding="utf-8"?>
-<p:sld xmlns:a="http://schemas.openxmlformats.org/drawingml/2006/main" xmlns:r="http://schemas.openxmlformats.org/officeDocument/2006/relationships" xmlns:p="http://schemas.openxmlformats.org/presentationml/2006/main">
-  <p:cSld>
-    <p:spTree>
-      <p:nvGrpSpPr>
-        <p:cNvPr id="1" name=""/>
-        <p:cNvGrpSpPr/>
-        <p:nvPr/>
-      </p:nvGrpSpPr>
-      <p:grpSpPr>
-        <a:xfrm>
-          <a:off x="0" y="0"/>
-          <a:ext cx="0" cy="0"/>
-          <a:chOff x="0" y="0"/>
-          <a:chExt cx="0" cy="0"/>
-        </a:xfrm>
-      </p:grpSpPr>
-      <p:sp>
-        <p:nvSpPr>
-          <p:cNvPr id="2" name="Title 1">
-            <a:extLst>
-              <a:ext uri="{FF2B5EF4-FFF2-40B4-BE49-F238E27FC236}">
-                <a16:creationId xmlns:a16="http://schemas.microsoft.com/office/drawing/2014/main" id="{B536806E-AD3E-AD40-936F-590919B5FCEE}"/>
-              </a:ext>
-            </a:extLst>
-          </p:cNvPr>
-          <p:cNvSpPr>
-            <a:spLocks noGrp="1"/>
-          </p:cNvSpPr>
-          <p:nvPr>
-            <p:ph type="title"/>
-          </p:nvPr>
-        </p:nvSpPr>
-        <p:spPr/>
-        <p:txBody>
-          <a:bodyPr/>
-          <a:lstStyle/>
-          <a:p>
-            <a:r>
-              <a:rPr lang="en-US" dirty="0" smtClean="0"/>
-              <a:t>Quick Practice</a:t>
-            </a:r>
-            <a:endParaRPr lang="en-US" dirty="0"/>
-          </a:p>
-        </p:txBody>
-      </p:sp>
-      <p:sp>
-        <p:nvSpPr>
-          <p:cNvPr id="5" name="TextBox 4">
-            <a:extLst>
-              <a:ext uri="{FF2B5EF4-FFF2-40B4-BE49-F238E27FC236}">
-                <a16:creationId xmlns:a16="http://schemas.microsoft.com/office/drawing/2014/main" id="{BC9EEA87-D34D-C34F-8D45-848ED96537EC}"/>
-              </a:ext>
-            </a:extLst>
-          </p:cNvPr>
-          <p:cNvSpPr txBox="1"/>
-          <p:nvPr/>
-        </p:nvSpPr>
-        <p:spPr>
-          <a:xfrm>
-            <a:off x="787961" y="1675865"/>
-            <a:ext cx="9711114" cy="4401205"/>
-          </a:xfrm>
-          <a:prstGeom prst="rect">
-            <a:avLst/>
-          </a:prstGeom>
-          <a:noFill/>
-        </p:spPr>
-        <p:txBody>
-          <a:bodyPr wrap="square">
-            <a:spAutoFit/>
-          </a:bodyPr>
-          <a:lstStyle/>
-          <a:p>
-            <a:r>
-              <a:rPr lang="en-US" dirty="0">
-                <a:latin typeface="Courier New" panose="02070309020205020404" pitchFamily="49" charset="0"/>
-                <a:cs typeface="Courier New" panose="02070309020205020404" pitchFamily="49" charset="0"/>
-              </a:rPr>
-              <a:t>public class </a:t>
-            </a:r>
-            <a:r>
-              <a:rPr lang="en-US" dirty="0" err="1">
-                <a:latin typeface="Courier New" panose="02070309020205020404" pitchFamily="49" charset="0"/>
-                <a:cs typeface="Courier New" panose="02070309020205020404" pitchFamily="49" charset="0"/>
-              </a:rPr>
-              <a:t>CastingProgram</a:t>
-            </a:r>
-            <a:r>
-              <a:rPr lang="en-US" dirty="0">
-                <a:latin typeface="Courier New" panose="02070309020205020404" pitchFamily="49" charset="0"/>
-                <a:cs typeface="Courier New" panose="02070309020205020404" pitchFamily="49" charset="0"/>
-              </a:rPr>
-              <a:t> </a:t>
-            </a:r>
-            <a:r>
-              <a:rPr lang="en-US" dirty="0" smtClean="0">
-                <a:latin typeface="Courier New" panose="02070309020205020404" pitchFamily="49" charset="0"/>
-                <a:cs typeface="Courier New" panose="02070309020205020404" pitchFamily="49" charset="0"/>
-              </a:rPr>
-              <a:t>{</a:t>
-            </a:r>
-          </a:p>
-          <a:p>
-            <a:endParaRPr lang="en-US" dirty="0">
-              <a:latin typeface="Courier New" panose="02070309020205020404" pitchFamily="49" charset="0"/>
-              <a:cs typeface="Courier New" panose="02070309020205020404" pitchFamily="49" charset="0"/>
-            </a:endParaRPr>
-          </a:p>
-          <a:p>
-            <a:r>
-              <a:rPr lang="en-US" dirty="0">
-                <a:latin typeface="Courier New" panose="02070309020205020404" pitchFamily="49" charset="0"/>
-                <a:cs typeface="Courier New" panose="02070309020205020404" pitchFamily="49" charset="0"/>
-              </a:rPr>
-              <a:t>   public static void main(String[] </a:t>
-            </a:r>
-            <a:r>
-              <a:rPr lang="en-US" dirty="0" err="1">
-                <a:latin typeface="Courier New" panose="02070309020205020404" pitchFamily="49" charset="0"/>
-                <a:cs typeface="Courier New" panose="02070309020205020404" pitchFamily="49" charset="0"/>
-              </a:rPr>
-              <a:t>args</a:t>
-            </a:r>
-            <a:r>
-              <a:rPr lang="en-US" dirty="0">
-                <a:latin typeface="Courier New" panose="02070309020205020404" pitchFamily="49" charset="0"/>
-                <a:cs typeface="Courier New" panose="02070309020205020404" pitchFamily="49" charset="0"/>
-              </a:rPr>
-              <a:t>) </a:t>
-            </a:r>
-            <a:r>
-              <a:rPr lang="en-US" dirty="0" smtClean="0">
-                <a:latin typeface="Courier New" panose="02070309020205020404" pitchFamily="49" charset="0"/>
-                <a:cs typeface="Courier New" panose="02070309020205020404" pitchFamily="49" charset="0"/>
-              </a:rPr>
-              <a:t>{</a:t>
-            </a:r>
-          </a:p>
-          <a:p>
-            <a:endParaRPr lang="en-US" dirty="0">
-              <a:latin typeface="Courier New" panose="02070309020205020404" pitchFamily="49" charset="0"/>
-              <a:cs typeface="Courier New" panose="02070309020205020404" pitchFamily="49" charset="0"/>
-            </a:endParaRPr>
-          </a:p>
-          <a:p>
-            <a:r>
-              <a:rPr lang="en-US" dirty="0">
-                <a:latin typeface="Courier New" panose="02070309020205020404" pitchFamily="49" charset="0"/>
-                <a:cs typeface="Courier New" panose="02070309020205020404" pitchFamily="49" charset="0"/>
-              </a:rPr>
-              <a:t>      </a:t>
-            </a:r>
-            <a:r>
-              <a:rPr lang="en-US" dirty="0" err="1">
-                <a:latin typeface="Courier New" panose="02070309020205020404" pitchFamily="49" charset="0"/>
-                <a:cs typeface="Courier New" panose="02070309020205020404" pitchFamily="49" charset="0"/>
-              </a:rPr>
-              <a:t>int</a:t>
-            </a:r>
-            <a:r>
-              <a:rPr lang="en-US" dirty="0">
-                <a:latin typeface="Courier New" panose="02070309020205020404" pitchFamily="49" charset="0"/>
-                <a:cs typeface="Courier New" panose="02070309020205020404" pitchFamily="49" charset="0"/>
-              </a:rPr>
-              <a:t> value1 = 12;</a:t>
-            </a:r>
-          </a:p>
-          <a:p>
-            <a:r>
-              <a:rPr lang="en-US" dirty="0">
-                <a:latin typeface="Courier New" panose="02070309020205020404" pitchFamily="49" charset="0"/>
-                <a:cs typeface="Courier New" panose="02070309020205020404" pitchFamily="49" charset="0"/>
-              </a:rPr>
-              <a:t>      double value2 = 25.75;</a:t>
-            </a:r>
-          </a:p>
-          <a:p>
-            <a:r>
-              <a:rPr lang="en-US" dirty="0">
-                <a:latin typeface="Courier New" panose="02070309020205020404" pitchFamily="49" charset="0"/>
-                <a:cs typeface="Courier New" panose="02070309020205020404" pitchFamily="49" charset="0"/>
-              </a:rPr>
-              <a:t>      double </a:t>
-            </a:r>
-            <a:r>
-              <a:rPr lang="en-US" dirty="0" err="1">
-                <a:latin typeface="Courier New" panose="02070309020205020404" pitchFamily="49" charset="0"/>
-                <a:cs typeface="Courier New" panose="02070309020205020404" pitchFamily="49" charset="0"/>
-              </a:rPr>
-              <a:t>resultDouble</a:t>
-            </a:r>
-            <a:r>
-              <a:rPr lang="en-US" dirty="0">
-                <a:latin typeface="Courier New" panose="02070309020205020404" pitchFamily="49" charset="0"/>
-                <a:cs typeface="Courier New" panose="02070309020205020404" pitchFamily="49" charset="0"/>
-              </a:rPr>
-              <a:t> = value1 + value2;</a:t>
-            </a:r>
-          </a:p>
-          <a:p>
-            <a:r>
-              <a:rPr lang="en-US" dirty="0">
-                <a:latin typeface="Courier New" panose="02070309020205020404" pitchFamily="49" charset="0"/>
-                <a:cs typeface="Courier New" panose="02070309020205020404" pitchFamily="49" charset="0"/>
-              </a:rPr>
-              <a:t>      </a:t>
-            </a:r>
-            <a:r>
-              <a:rPr lang="en-US" dirty="0" err="1">
-                <a:latin typeface="Courier New" panose="02070309020205020404" pitchFamily="49" charset="0"/>
-                <a:cs typeface="Courier New" panose="02070309020205020404" pitchFamily="49" charset="0"/>
-              </a:rPr>
-              <a:t>System.out.print</a:t>
-            </a:r>
-            <a:r>
-              <a:rPr lang="en-US" dirty="0">
-                <a:latin typeface="Courier New" panose="02070309020205020404" pitchFamily="49" charset="0"/>
-                <a:cs typeface="Courier New" panose="02070309020205020404" pitchFamily="49" charset="0"/>
-              </a:rPr>
-              <a:t>(value1 + " + " + value2 + " = ");</a:t>
-            </a:r>
-          </a:p>
-          <a:p>
-            <a:r>
-              <a:rPr lang="en-US" dirty="0">
-                <a:latin typeface="Courier New" panose="02070309020205020404" pitchFamily="49" charset="0"/>
-                <a:cs typeface="Courier New" panose="02070309020205020404" pitchFamily="49" charset="0"/>
-              </a:rPr>
-              <a:t>      </a:t>
-            </a:r>
-            <a:r>
-              <a:rPr lang="en-US" dirty="0" err="1">
-                <a:latin typeface="Courier New" panose="02070309020205020404" pitchFamily="49" charset="0"/>
-                <a:cs typeface="Courier New" panose="02070309020205020404" pitchFamily="49" charset="0"/>
-              </a:rPr>
-              <a:t>System.out.println</a:t>
-            </a:r>
-            <a:r>
-              <a:rPr lang="en-US" dirty="0">
-                <a:latin typeface="Courier New" panose="02070309020205020404" pitchFamily="49" charset="0"/>
-                <a:cs typeface="Courier New" panose="02070309020205020404" pitchFamily="49" charset="0"/>
-              </a:rPr>
-              <a:t>(</a:t>
-            </a:r>
-            <a:r>
-              <a:rPr lang="en-US" dirty="0" err="1">
-                <a:latin typeface="Courier New" panose="02070309020205020404" pitchFamily="49" charset="0"/>
-                <a:cs typeface="Courier New" panose="02070309020205020404" pitchFamily="49" charset="0"/>
-              </a:rPr>
-              <a:t>resultDouble</a:t>
-            </a:r>
-            <a:r>
-              <a:rPr lang="en-US" dirty="0">
-                <a:latin typeface="Courier New" panose="02070309020205020404" pitchFamily="49" charset="0"/>
-                <a:cs typeface="Courier New" panose="02070309020205020404" pitchFamily="49" charset="0"/>
-              </a:rPr>
-              <a:t>);</a:t>
-            </a:r>
-          </a:p>
-          <a:p>
-            <a:r>
-              <a:rPr lang="en-US" dirty="0">
-                <a:latin typeface="Courier New" panose="02070309020205020404" pitchFamily="49" charset="0"/>
-                <a:cs typeface="Courier New" panose="02070309020205020404" pitchFamily="49" charset="0"/>
-              </a:rPr>
-              <a:t>      </a:t>
-            </a:r>
-            <a:r>
-              <a:rPr lang="en-US" dirty="0" err="1">
-                <a:latin typeface="Courier New" panose="02070309020205020404" pitchFamily="49" charset="0"/>
-                <a:cs typeface="Courier New" panose="02070309020205020404" pitchFamily="49" charset="0"/>
-              </a:rPr>
-              <a:t>int</a:t>
-            </a:r>
-            <a:r>
-              <a:rPr lang="en-US" dirty="0">
-                <a:latin typeface="Courier New" panose="02070309020205020404" pitchFamily="49" charset="0"/>
-                <a:cs typeface="Courier New" panose="02070309020205020404" pitchFamily="49" charset="0"/>
-              </a:rPr>
-              <a:t> </a:t>
-            </a:r>
-            <a:r>
-              <a:rPr lang="en-US" dirty="0" err="1">
-                <a:latin typeface="Courier New" panose="02070309020205020404" pitchFamily="49" charset="0"/>
-                <a:cs typeface="Courier New" panose="02070309020205020404" pitchFamily="49" charset="0"/>
-              </a:rPr>
-              <a:t>resultInt</a:t>
-            </a:r>
-            <a:r>
-              <a:rPr lang="en-US" dirty="0">
-                <a:latin typeface="Courier New" panose="02070309020205020404" pitchFamily="49" charset="0"/>
-                <a:cs typeface="Courier New" panose="02070309020205020404" pitchFamily="49" charset="0"/>
-              </a:rPr>
-              <a:t> = value1 + </a:t>
-            </a:r>
-            <a:r>
-              <a:rPr lang="en-US" dirty="0" smtClean="0">
-                <a:latin typeface="Courier New" panose="02070309020205020404" pitchFamily="49" charset="0"/>
-                <a:cs typeface="Courier New" panose="02070309020205020404" pitchFamily="49" charset="0"/>
-              </a:rPr>
-              <a:t> </a:t>
-            </a:r>
-            <a:r>
-              <a:rPr lang="en-US" dirty="0" smtClean="0">
-                <a:solidFill>
-                  <a:srgbClr val="FF0000"/>
-                </a:solidFill>
-                <a:latin typeface="Courier New" panose="02070309020205020404" pitchFamily="49" charset="0"/>
-                <a:cs typeface="Courier New" panose="02070309020205020404" pitchFamily="49" charset="0"/>
-              </a:rPr>
-              <a:t>(</a:t>
-            </a:r>
-            <a:r>
-              <a:rPr lang="en-US" dirty="0" err="1" smtClean="0">
-                <a:solidFill>
-                  <a:srgbClr val="FF0000"/>
-                </a:solidFill>
-                <a:latin typeface="Courier New" panose="02070309020205020404" pitchFamily="49" charset="0"/>
-                <a:cs typeface="Courier New" panose="02070309020205020404" pitchFamily="49" charset="0"/>
-              </a:rPr>
-              <a:t>int</a:t>
-            </a:r>
-            <a:r>
-              <a:rPr lang="en-US" dirty="0" smtClean="0">
-                <a:solidFill>
-                  <a:srgbClr val="FF0000"/>
-                </a:solidFill>
-                <a:latin typeface="Courier New" panose="02070309020205020404" pitchFamily="49" charset="0"/>
-                <a:cs typeface="Courier New" panose="02070309020205020404" pitchFamily="49" charset="0"/>
-              </a:rPr>
-              <a:t>)</a:t>
-            </a:r>
-            <a:r>
-              <a:rPr lang="en-US" dirty="0" smtClean="0">
-                <a:latin typeface="Courier New" panose="02070309020205020404" pitchFamily="49" charset="0"/>
-                <a:cs typeface="Courier New" panose="02070309020205020404" pitchFamily="49" charset="0"/>
-              </a:rPr>
-              <a:t> value2</a:t>
-            </a:r>
-            <a:r>
-              <a:rPr lang="en-US" dirty="0">
-                <a:latin typeface="Courier New" panose="02070309020205020404" pitchFamily="49" charset="0"/>
-                <a:cs typeface="Courier New" panose="02070309020205020404" pitchFamily="49" charset="0"/>
-              </a:rPr>
-              <a:t>;</a:t>
-            </a:r>
-          </a:p>
-          <a:p>
-            <a:r>
-              <a:rPr lang="en-US" dirty="0">
-                <a:latin typeface="Courier New" panose="02070309020205020404" pitchFamily="49" charset="0"/>
-                <a:cs typeface="Courier New" panose="02070309020205020404" pitchFamily="49" charset="0"/>
-              </a:rPr>
-              <a:t>      </a:t>
-            </a:r>
-            <a:r>
-              <a:rPr lang="en-US" dirty="0" err="1">
-                <a:latin typeface="Courier New" panose="02070309020205020404" pitchFamily="49" charset="0"/>
-                <a:cs typeface="Courier New" panose="02070309020205020404" pitchFamily="49" charset="0"/>
-              </a:rPr>
-              <a:t>System.out.print</a:t>
-            </a:r>
-            <a:r>
-              <a:rPr lang="en-US" dirty="0">
-                <a:latin typeface="Courier New" panose="02070309020205020404" pitchFamily="49" charset="0"/>
-                <a:cs typeface="Courier New" panose="02070309020205020404" pitchFamily="49" charset="0"/>
-              </a:rPr>
-              <a:t>(value1 + " + " + </a:t>
-            </a:r>
-            <a:r>
-              <a:rPr lang="en-US" dirty="0" smtClean="0">
-                <a:solidFill>
-                  <a:srgbClr val="FF0000"/>
-                </a:solidFill>
-                <a:latin typeface="Courier New" panose="02070309020205020404" pitchFamily="49" charset="0"/>
-                <a:cs typeface="Courier New" panose="02070309020205020404" pitchFamily="49" charset="0"/>
-              </a:rPr>
-              <a:t>(</a:t>
-            </a:r>
-            <a:r>
-              <a:rPr lang="en-US" dirty="0" err="1" smtClean="0">
-                <a:solidFill>
-                  <a:srgbClr val="FF0000"/>
-                </a:solidFill>
-                <a:latin typeface="Courier New" panose="02070309020205020404" pitchFamily="49" charset="0"/>
-                <a:cs typeface="Courier New" panose="02070309020205020404" pitchFamily="49" charset="0"/>
-              </a:rPr>
-              <a:t>int</a:t>
-            </a:r>
-            <a:r>
-              <a:rPr lang="en-US" dirty="0" smtClean="0">
-                <a:solidFill>
-                  <a:srgbClr val="FF0000"/>
-                </a:solidFill>
-                <a:latin typeface="Courier New" panose="02070309020205020404" pitchFamily="49" charset="0"/>
-                <a:cs typeface="Courier New" panose="02070309020205020404" pitchFamily="49" charset="0"/>
-              </a:rPr>
-              <a:t>) </a:t>
-            </a:r>
-            <a:r>
-              <a:rPr lang="en-US" dirty="0" smtClean="0">
-                <a:latin typeface="Courier New" panose="02070309020205020404" pitchFamily="49" charset="0"/>
-                <a:cs typeface="Courier New" panose="02070309020205020404" pitchFamily="49" charset="0"/>
-              </a:rPr>
-              <a:t>value2 </a:t>
-            </a:r>
-            <a:r>
-              <a:rPr lang="en-US" dirty="0">
-                <a:latin typeface="Courier New" panose="02070309020205020404" pitchFamily="49" charset="0"/>
-                <a:cs typeface="Courier New" panose="02070309020205020404" pitchFamily="49" charset="0"/>
-              </a:rPr>
-              <a:t>+ " = ");</a:t>
-            </a:r>
-          </a:p>
-          <a:p>
-            <a:r>
-              <a:rPr lang="en-US" dirty="0">
-                <a:latin typeface="Courier New" panose="02070309020205020404" pitchFamily="49" charset="0"/>
-                <a:cs typeface="Courier New" panose="02070309020205020404" pitchFamily="49" charset="0"/>
-              </a:rPr>
-              <a:t>      </a:t>
-            </a:r>
-            <a:r>
-              <a:rPr lang="en-US" dirty="0" err="1">
-                <a:latin typeface="Courier New" panose="02070309020205020404" pitchFamily="49" charset="0"/>
-                <a:cs typeface="Courier New" panose="02070309020205020404" pitchFamily="49" charset="0"/>
-              </a:rPr>
-              <a:t>System.out.println</a:t>
-            </a:r>
-            <a:r>
-              <a:rPr lang="en-US" dirty="0">
-                <a:latin typeface="Courier New" panose="02070309020205020404" pitchFamily="49" charset="0"/>
-                <a:cs typeface="Courier New" panose="02070309020205020404" pitchFamily="49" charset="0"/>
-              </a:rPr>
-              <a:t>(</a:t>
-            </a:r>
-            <a:r>
-              <a:rPr lang="en-US" dirty="0" err="1">
-                <a:latin typeface="Courier New" panose="02070309020205020404" pitchFamily="49" charset="0"/>
-                <a:cs typeface="Courier New" panose="02070309020205020404" pitchFamily="49" charset="0"/>
-              </a:rPr>
-              <a:t>resultInt</a:t>
-            </a:r>
-            <a:r>
-              <a:rPr lang="en-US" dirty="0">
-                <a:latin typeface="Courier New" panose="02070309020205020404" pitchFamily="49" charset="0"/>
-                <a:cs typeface="Courier New" panose="02070309020205020404" pitchFamily="49" charset="0"/>
-              </a:rPr>
-              <a:t>);</a:t>
-            </a:r>
-          </a:p>
-          <a:p>
-            <a:r>
-              <a:rPr lang="en-US" dirty="0" smtClean="0">
-                <a:latin typeface="Courier New" panose="02070309020205020404" pitchFamily="49" charset="0"/>
-                <a:cs typeface="Courier New" panose="02070309020205020404" pitchFamily="49" charset="0"/>
-              </a:rPr>
-              <a:t>   }</a:t>
-            </a:r>
-            <a:endParaRPr lang="en-US" dirty="0">
-              <a:latin typeface="Courier New" panose="02070309020205020404" pitchFamily="49" charset="0"/>
-              <a:cs typeface="Courier New" panose="02070309020205020404" pitchFamily="49" charset="0"/>
-            </a:endParaRPr>
-          </a:p>
-          <a:p>
-            <a:r>
-              <a:rPr lang="en-US" dirty="0">
-                <a:latin typeface="Courier New" panose="02070309020205020404" pitchFamily="49" charset="0"/>
-                <a:cs typeface="Courier New" panose="02070309020205020404" pitchFamily="49" charset="0"/>
-              </a:rPr>
-              <a:t>}</a:t>
-            </a:r>
-          </a:p>
-        </p:txBody>
-      </p:sp>
-      <p:sp>
-        <p:nvSpPr>
-          <p:cNvPr id="8" name="Rectangle 7">
-            <a:extLst>
-              <a:ext uri="{FF2B5EF4-FFF2-40B4-BE49-F238E27FC236}">
-                <a16:creationId xmlns:a16="http://schemas.microsoft.com/office/drawing/2014/main" id="{F8083C6D-3634-004D-BE41-F84DFC608329}"/>
-              </a:ext>
-            </a:extLst>
-          </p:cNvPr>
-          <p:cNvSpPr/>
-          <p:nvPr/>
-        </p:nvSpPr>
-        <p:spPr>
-          <a:xfrm>
-            <a:off x="9517587" y="3386567"/>
-            <a:ext cx="4165361" cy="979799"/>
-          </a:xfrm>
-          <a:prstGeom prst="rect">
-            <a:avLst/>
-          </a:prstGeom>
-          <a:solidFill>
-            <a:schemeClr val="bg2"/>
-          </a:solidFill>
-          <a:ln>
-            <a:noFill/>
-          </a:ln>
-          <a:effectLst/>
-        </p:spPr>
-        <p:style>
-          <a:lnRef idx="1">
-            <a:schemeClr val="accent1"/>
-          </a:lnRef>
-          <a:fillRef idx="3">
-            <a:schemeClr val="accent1"/>
-          </a:fillRef>
-          <a:effectRef idx="2">
-            <a:schemeClr val="accent1"/>
-          </a:effectRef>
-          <a:fontRef idx="minor">
-            <a:schemeClr val="lt1"/>
-          </a:fontRef>
-        </p:style>
-        <p:txBody>
-          <a:bodyPr lIns="274320" tIns="182880" rIns="274320" bIns="182880" rtlCol="0" anchor="ctr"/>
-          <a:lstStyle/>
-          <a:p>
-            <a:pPr algn="ctr"/>
-            <a:r>
-              <a:rPr lang="en-US" dirty="0" smtClean="0">
-                <a:solidFill>
-                  <a:srgbClr val="092529"/>
-                </a:solidFill>
-                <a:latin typeface="Proxima Nova" charset="0"/>
-                <a:ea typeface="Proxima Nova" charset="0"/>
-                <a:cs typeface="Proxima Nova" charset="0"/>
-              </a:rPr>
-              <a:t>Manually casting the double variable to an </a:t>
-            </a:r>
-            <a:r>
-              <a:rPr lang="en-US" dirty="0" err="1" smtClean="0">
-                <a:solidFill>
-                  <a:srgbClr val="092529"/>
-                </a:solidFill>
-                <a:latin typeface="Proxima Nova" charset="0"/>
-                <a:ea typeface="Proxima Nova" charset="0"/>
-                <a:cs typeface="Proxima Nova" charset="0"/>
-              </a:rPr>
-              <a:t>int</a:t>
-            </a:r>
-            <a:endParaRPr lang="en-US" dirty="0">
-              <a:solidFill>
-                <a:srgbClr val="092529"/>
-              </a:solidFill>
-              <a:latin typeface="Proxima Nova" charset="0"/>
-              <a:ea typeface="Proxima Nova" charset="0"/>
-              <a:cs typeface="Proxima Nova" charset="0"/>
-            </a:endParaRPr>
-          </a:p>
-        </p:txBody>
-      </p:sp>
-    </p:spTree>
-    <p:extLst>
-      <p:ext uri="{BB962C8B-B14F-4D97-AF65-F5344CB8AC3E}">
-        <p14:creationId xmlns:p14="http://schemas.microsoft.com/office/powerpoint/2010/main" val="2539974853"/>
-      </p:ext>
-    </p:extLst>
-  </p:cSld>
-  <p:clrMapOvr>
-    <a:masterClrMapping/>
-  </p:clrMapOvr>
-  <mc:AlternateContent xmlns:mc="http://schemas.openxmlformats.org/markup-compatibility/2006" xmlns:p14="http://schemas.microsoft.com/office/powerpoint/2010/main">
-    <mc:Choice Requires="p14">
-      <p:transition p14:dur="300">
-        <p:fade/>
-      </p:transition>
-    </mc:Choice>
-    <mc:Fallback xmlns="">
-      <p:transition>
-        <p:fade/>
-      </p:transition>
-    </mc:Fallback>
-  </mc:AlternateContent>
-  <p:timing>
-    <p:tnLst>
-      <p:par>
-        <p:cTn id="1" dur="indefinite" restart="never" nodeType="tmRoot"/>
-      </p:par>
-    </p:tnLst>
-  </p:timing>
-</p:sld>
-</file>
-
-<file path=ppt/slides/slide8.xml><?xml version="1.0" encoding="utf-8"?>
-<p:sld xmlns:a="http://schemas.openxmlformats.org/drawingml/2006/main" xmlns:r="http://schemas.openxmlformats.org/officeDocument/2006/relationships" xmlns:p="http://schemas.openxmlformats.org/presentationml/2006/main">
-  <p:cSld>
-    <p:spTree>
-      <p:nvGrpSpPr>
-        <p:cNvPr id="1" name=""/>
-        <p:cNvGrpSpPr/>
-        <p:nvPr/>
-      </p:nvGrpSpPr>
-      <p:grpSpPr>
-        <a:xfrm>
-          <a:off x="0" y="0"/>
-          <a:ext cx="0" cy="0"/>
-          <a:chOff x="0" y="0"/>
-          <a:chExt cx="0" cy="0"/>
-        </a:xfrm>
-      </p:grpSpPr>
-      <p:sp>
-        <p:nvSpPr>
-          <p:cNvPr id="4" name="Title 3">
-            <a:extLst>
-              <a:ext uri="{FF2B5EF4-FFF2-40B4-BE49-F238E27FC236}">
-                <a16:creationId xmlns:a16="http://schemas.microsoft.com/office/drawing/2014/main" id="{40B3EC6D-F964-3641-90BF-B72621F88099}"/>
-              </a:ext>
-            </a:extLst>
-          </p:cNvPr>
-          <p:cNvSpPr>
-            <a:spLocks noGrp="1"/>
-          </p:cNvSpPr>
-          <p:nvPr>
-            <p:ph type="title"/>
-          </p:nvPr>
-        </p:nvSpPr>
-        <p:spPr/>
-        <p:txBody>
-          <a:bodyPr/>
-          <a:lstStyle/>
-          <a:p>
-            <a:r>
-              <a:rPr lang="en-US" dirty="0"/>
-              <a:t>Characters (char)</a:t>
-            </a:r>
-          </a:p>
-        </p:txBody>
-      </p:sp>
-      <p:sp>
-        <p:nvSpPr>
-          <p:cNvPr id="5" name="Text Placeholder 4">
-            <a:extLst>
-              <a:ext uri="{FF2B5EF4-FFF2-40B4-BE49-F238E27FC236}">
-                <a16:creationId xmlns:a16="http://schemas.microsoft.com/office/drawing/2014/main" id="{B660E42F-A030-8247-8A16-084F302E6354}"/>
-              </a:ext>
-            </a:extLst>
-          </p:cNvPr>
-          <p:cNvSpPr>
-            <a:spLocks noGrp="1"/>
-          </p:cNvSpPr>
-          <p:nvPr>
-            <p:ph type="body" sz="quarter" idx="10"/>
-          </p:nvPr>
-        </p:nvSpPr>
-        <p:spPr>
-          <a:xfrm>
-            <a:off x="628075" y="1776682"/>
-            <a:ext cx="12561453" cy="3429913"/>
-          </a:xfrm>
-        </p:spPr>
-        <p:txBody>
-          <a:bodyPr/>
-          <a:lstStyle/>
-          <a:p>
-            <a:pPr fontAlgn="base"/>
-            <a:r>
-              <a:rPr lang="en-US" dirty="0"/>
-              <a:t>primitive - stores </a:t>
-            </a:r>
-            <a:r>
-              <a:rPr lang="en-US" b="1" dirty="0"/>
-              <a:t>values</a:t>
-            </a:r>
-            <a:r>
-              <a:rPr lang="en-US" dirty="0"/>
-              <a:t> only</a:t>
-            </a:r>
-          </a:p>
-          <a:p>
-            <a:pPr fontAlgn="base"/>
-            <a:r>
-              <a:rPr lang="en-US" dirty="0"/>
-              <a:t>Example declarations:</a:t>
-            </a:r>
-          </a:p>
-          <a:p>
-            <a:pPr lvl="1" fontAlgn="base"/>
-            <a:r>
-              <a:rPr lang="en-US" dirty="0">
-                <a:latin typeface="Consolas" panose="020B0609020204030204" pitchFamily="49" charset="0"/>
-                <a:cs typeface="Consolas" panose="020B0609020204030204" pitchFamily="49" charset="0"/>
-              </a:rPr>
-              <a:t>char </a:t>
-            </a:r>
-            <a:r>
-              <a:rPr lang="en-US" dirty="0" err="1">
-                <a:latin typeface="Consolas" panose="020B0609020204030204" pitchFamily="49" charset="0"/>
-                <a:cs typeface="Consolas" panose="020B0609020204030204" pitchFamily="49" charset="0"/>
-              </a:rPr>
-              <a:t>myChar</a:t>
-            </a:r>
-            <a:r>
-              <a:rPr lang="en-US" dirty="0">
-                <a:latin typeface="Consolas" panose="020B0609020204030204" pitchFamily="49" charset="0"/>
-                <a:cs typeface="Consolas" panose="020B0609020204030204" pitchFamily="49" charset="0"/>
-              </a:rPr>
-              <a:t> = ‘x’; // notice single quotes</a:t>
-            </a:r>
-          </a:p>
-          <a:p>
-            <a:pPr lvl="1" fontAlgn="base"/>
-            <a:r>
-              <a:rPr lang="en-US" dirty="0">
-                <a:latin typeface="Consolas" panose="020B0609020204030204" pitchFamily="49" charset="0"/>
-                <a:cs typeface="Consolas" panose="020B0609020204030204" pitchFamily="49" charset="0"/>
-              </a:rPr>
-              <a:t>char </a:t>
-            </a:r>
-            <a:r>
-              <a:rPr lang="en-US" dirty="0" err="1">
-                <a:latin typeface="Consolas" panose="020B0609020204030204" pitchFamily="49" charset="0"/>
-                <a:cs typeface="Consolas" panose="020B0609020204030204" pitchFamily="49" charset="0"/>
-              </a:rPr>
-              <a:t>newLine</a:t>
-            </a:r>
-            <a:r>
-              <a:rPr lang="en-US" dirty="0">
-                <a:latin typeface="Consolas" panose="020B0609020204030204" pitchFamily="49" charset="0"/>
-                <a:cs typeface="Consolas" panose="020B0609020204030204" pitchFamily="49" charset="0"/>
-              </a:rPr>
-              <a:t> = ‘\n’; //the invisible newline character</a:t>
-            </a:r>
-          </a:p>
-          <a:p>
-            <a:pPr lvl="1" fontAlgn="base"/>
-            <a:r>
-              <a:rPr lang="en-US" dirty="0">
-                <a:latin typeface="Consolas" panose="020B0609020204030204" pitchFamily="49" charset="0"/>
-                <a:cs typeface="Consolas" panose="020B0609020204030204" pitchFamily="49" charset="0"/>
-              </a:rPr>
-              <a:t>char myChar2 = 57; // bad idea! It sets the value to the character ‘9’</a:t>
-            </a:r>
-          </a:p>
-          <a:p>
-            <a:pPr lvl="1" fontAlgn="base"/>
-            <a:r>
-              <a:rPr lang="en-US" dirty="0">
-                <a:latin typeface="Consolas" panose="020B0609020204030204" pitchFamily="49" charset="0"/>
-                <a:cs typeface="Consolas" panose="020B0609020204030204" pitchFamily="49" charset="0"/>
-              </a:rPr>
-              <a:t>char what = (char)‘A’ + 2;  // what is now ‘C’ (used in things like the Caesar cipher)</a:t>
-            </a:r>
-          </a:p>
-          <a:p>
-            <a:pPr fontAlgn="base"/>
-            <a:r>
-              <a:rPr lang="en-US" dirty="0"/>
-              <a:t>A char is an int behind the scenes - and java uses the </a:t>
-            </a:r>
-            <a:r>
-              <a:rPr lang="en-US" u="sng" dirty="0">
-                <a:hlinkClick r:id="rId2"/>
-              </a:rPr>
-              <a:t>ASCII Table</a:t>
-            </a:r>
-            <a:r>
-              <a:rPr lang="en-US" dirty="0"/>
-              <a:t> to figure out the character value</a:t>
-            </a:r>
-          </a:p>
-          <a:p>
-            <a:endParaRPr lang="en-US" dirty="0"/>
-          </a:p>
-        </p:txBody>
-      </p:sp>
-    </p:spTree>
-    <p:extLst>
-      <p:ext uri="{BB962C8B-B14F-4D97-AF65-F5344CB8AC3E}">
-        <p14:creationId xmlns:p14="http://schemas.microsoft.com/office/powerpoint/2010/main" val="2343178293"/>
-      </p:ext>
-    </p:extLst>
-  </p:cSld>
-  <p:clrMapOvr>
-    <a:masterClrMapping/>
-  </p:clrMapOvr>
-  <mc:AlternateContent xmlns:mc="http://schemas.openxmlformats.org/markup-compatibility/2006" xmlns:p14="http://schemas.microsoft.com/office/powerpoint/2010/main">
-    <mc:Choice Requires="p14">
-      <p:transition p14:dur="300">
-        <p:fade/>
-      </p:transition>
-    </mc:Choice>
-    <mc:Fallback xmlns="">
-      <p:transition>
-        <p:fade/>
-      </p:transition>
-    </mc:Fallback>
-  </mc:AlternateContent>
-  <p:timing>
-    <p:tnLst>
-      <p:par>
-        <p:cTn id="1" dur="indefinite" restart="never" nodeType="tmRoot"/>
-      </p:par>
-    </p:tnLst>
-  </p:timing>
-</p:sld>
-</file>
-
 <file path=ppt/slides/slide9.xml><?xml version="1.0" encoding="utf-8"?>
 <p:sld xmlns:a="http://schemas.openxmlformats.org/drawingml/2006/main" xmlns:r="http://schemas.openxmlformats.org/officeDocument/2006/relationships" xmlns:p="http://schemas.openxmlformats.org/presentationml/2006/main">
   <p:cSld>
@@ -18758,13 +18397,6 @@
       </p:transition>
     </mc:Fallback>
   </mc:AlternateContent>
-  <p:timing>
-    <p:tnLst>
-      <p:par>
-        <p:cTn id="1" dur="indefinite" restart="never" nodeType="tmRoot"/>
-      </p:par>
-    </p:tnLst>
-  </p:timing>
 </p:sld>
 </file>
 

--- a/slides/On-Campus/02_03_CharactersAndStrings.pptx
+++ b/slides/On-Campus/02_03_CharactersAndStrings.pptx
@@ -5,30 +5,32 @@
     <p:sldMasterId id="2147483648" r:id="rId1"/>
   </p:sldMasterIdLst>
   <p:notesMasterIdLst>
-    <p:notesMasterId r:id="rId20"/>
+    <p:notesMasterId r:id="rId22"/>
   </p:notesMasterIdLst>
   <p:handoutMasterIdLst>
-    <p:handoutMasterId r:id="rId21"/>
+    <p:handoutMasterId r:id="rId23"/>
   </p:handoutMasterIdLst>
   <p:sldIdLst>
     <p:sldId id="256" r:id="rId2"/>
     <p:sldId id="266" r:id="rId3"/>
     <p:sldId id="268" r:id="rId4"/>
-    <p:sldId id="270" r:id="rId5"/>
-    <p:sldId id="271" r:id="rId6"/>
-    <p:sldId id="272" r:id="rId7"/>
-    <p:sldId id="257" r:id="rId8"/>
+    <p:sldId id="271" r:id="rId5"/>
+    <p:sldId id="272" r:id="rId6"/>
+    <p:sldId id="274" r:id="rId7"/>
+    <p:sldId id="270" r:id="rId8"/>
     <p:sldId id="267" r:id="rId9"/>
     <p:sldId id="258" r:id="rId10"/>
     <p:sldId id="259" r:id="rId11"/>
     <p:sldId id="260" r:id="rId12"/>
-    <p:sldId id="269" r:id="rId13"/>
-    <p:sldId id="261" r:id="rId14"/>
-    <p:sldId id="262" r:id="rId15"/>
-    <p:sldId id="263" r:id="rId16"/>
-    <p:sldId id="264" r:id="rId17"/>
-    <p:sldId id="273" r:id="rId18"/>
-    <p:sldId id="265" r:id="rId19"/>
+    <p:sldId id="277" r:id="rId13"/>
+    <p:sldId id="269" r:id="rId14"/>
+    <p:sldId id="257" r:id="rId15"/>
+    <p:sldId id="275" r:id="rId16"/>
+    <p:sldId id="263" r:id="rId17"/>
+    <p:sldId id="276" r:id="rId18"/>
+    <p:sldId id="278" r:id="rId19"/>
+    <p:sldId id="265" r:id="rId20"/>
+    <p:sldId id="273" r:id="rId21"/>
   </p:sldIdLst>
   <p:sldSz cx="13817600" cy="7772400"/>
   <p:notesSz cx="6858000" cy="9144000"/>
@@ -231,7 +233,7 @@
           <a:p>
             <a:fld id="{4D7E51A5-B478-1E40-8CBB-0DAA8831E99D}" type="datetimeFigureOut">
               <a:rPr lang="en-US" smtClean="0"/>
-              <a:t>9/2/21</a:t>
+              <a:t>1/27/2022</a:t>
             </a:fld>
             <a:endParaRPr lang="en-US"/>
           </a:p>
@@ -396,7 +398,7 @@
           <a:p>
             <a:fld id="{D0ED587F-861E-6740-9643-E3DDAE89B8D6}" type="datetimeFigureOut">
               <a:rPr lang="en-US" smtClean="0"/>
-              <a:t>9/2/21</a:t>
+              <a:t>1/27/2022</a:t>
             </a:fld>
             <a:endParaRPr lang="en-US"/>
           </a:p>
@@ -9334,6 +9336,101 @@
       </p:grpSpPr>
       <p:sp>
         <p:nvSpPr>
+          <p:cNvPr id="4" name="Title 3">
+            <a:extLst>
+              <a:ext uri="{FF2B5EF4-FFF2-40B4-BE49-F238E27FC236}">
+                <a16:creationId xmlns:a16="http://schemas.microsoft.com/office/drawing/2014/main" id="{AC237807-D4D3-4E9A-86F6-1870BAD8CCE2}"/>
+              </a:ext>
+            </a:extLst>
+          </p:cNvPr>
+          <p:cNvSpPr>
+            <a:spLocks noGrp="1"/>
+          </p:cNvSpPr>
+          <p:nvPr>
+            <p:ph type="title"/>
+          </p:nvPr>
+        </p:nvSpPr>
+        <p:spPr/>
+        <p:txBody>
+          <a:bodyPr/>
+          <a:lstStyle/>
+          <a:p>
+            <a:r>
+              <a:rPr lang="en-US" dirty="0"/>
+              <a:t>Making Strings Look Good</a:t>
+            </a:r>
+          </a:p>
+        </p:txBody>
+      </p:sp>
+      <p:sp>
+        <p:nvSpPr>
+          <p:cNvPr id="5" name="Text Placeholder 4">
+            <a:extLst>
+              <a:ext uri="{FF2B5EF4-FFF2-40B4-BE49-F238E27FC236}">
+                <a16:creationId xmlns:a16="http://schemas.microsoft.com/office/drawing/2014/main" id="{0BD6BA20-955B-477A-B6D0-A0C49AE93872}"/>
+              </a:ext>
+            </a:extLst>
+          </p:cNvPr>
+          <p:cNvSpPr>
+            <a:spLocks noGrp="1"/>
+          </p:cNvSpPr>
+          <p:nvPr>
+            <p:ph type="body" sz="quarter" idx="10"/>
+          </p:nvPr>
+        </p:nvSpPr>
+        <p:spPr/>
+        <p:txBody>
+          <a:bodyPr/>
+          <a:lstStyle/>
+          <a:p>
+            <a:endParaRPr lang="en-US"/>
+          </a:p>
+        </p:txBody>
+      </p:sp>
+    </p:spTree>
+    <p:extLst>
+      <p:ext uri="{BB962C8B-B14F-4D97-AF65-F5344CB8AC3E}">
+        <p14:creationId xmlns:p14="http://schemas.microsoft.com/office/powerpoint/2010/main" val="1781112209"/>
+      </p:ext>
+    </p:extLst>
+  </p:cSld>
+  <p:clrMapOvr>
+    <a:masterClrMapping/>
+  </p:clrMapOvr>
+  <mc:AlternateContent xmlns:mc="http://schemas.openxmlformats.org/markup-compatibility/2006" xmlns:p14="http://schemas.microsoft.com/office/powerpoint/2010/main">
+    <mc:Choice Requires="p14">
+      <p:transition p14:dur="300">
+        <p:fade/>
+      </p:transition>
+    </mc:Choice>
+    <mc:Fallback xmlns="">
+      <p:transition>
+        <p:fade/>
+      </p:transition>
+    </mc:Fallback>
+  </mc:AlternateContent>
+</p:sld>
+</file>
+
+<file path=ppt/slides/slide13.xml><?xml version="1.0" encoding="utf-8"?>
+<p:sld xmlns:a="http://schemas.openxmlformats.org/drawingml/2006/main" xmlns:r="http://schemas.openxmlformats.org/officeDocument/2006/relationships" xmlns:p="http://schemas.openxmlformats.org/presentationml/2006/main">
+  <p:cSld>
+    <p:spTree>
+      <p:nvGrpSpPr>
+        <p:cNvPr id="1" name=""/>
+        <p:cNvGrpSpPr/>
+        <p:nvPr/>
+      </p:nvGrpSpPr>
+      <p:grpSpPr>
+        <a:xfrm>
+          <a:off x="0" y="0"/>
+          <a:ext cx="0" cy="0"/>
+          <a:chOff x="0" y="0"/>
+          <a:chExt cx="0" cy="0"/>
+        </a:xfrm>
+      </p:grpSpPr>
+      <p:sp>
+        <p:nvSpPr>
           <p:cNvPr id="7" name="TextBox 6">
             <a:extLst>
               <a:ext uri="{FF2B5EF4-FFF2-40B4-BE49-F238E27FC236}">
@@ -9870,7 +9967,7 @@
 </p:sld>
 </file>
 
-<file path=ppt/slides/slide13.xml><?xml version="1.0" encoding="utf-8"?>
+<file path=ppt/slides/slide14.xml><?xml version="1.0" encoding="utf-8"?>
 <p:sld xmlns:a="http://schemas.openxmlformats.org/drawingml/2006/main" xmlns:r="http://schemas.openxmlformats.org/officeDocument/2006/relationships" xmlns:p="http://schemas.openxmlformats.org/presentationml/2006/main">
   <p:cSld>
     <p:spTree>
@@ -9975,6 +10072,53 @@
           </a:p>
         </p:txBody>
       </p:sp>
+      <p:pic>
+        <p:nvPicPr>
+          <p:cNvPr id="1026" name="Picture 2">
+            <a:extLst>
+              <a:ext uri="{FF2B5EF4-FFF2-40B4-BE49-F238E27FC236}">
+                <a16:creationId xmlns:a16="http://schemas.microsoft.com/office/drawing/2014/main" id="{BD4EDBCB-50BF-A44E-9ACE-664BDDA0ADF6}"/>
+              </a:ext>
+            </a:extLst>
+          </p:cNvPr>
+          <p:cNvPicPr>
+            <a:picLocks noChangeAspect="1" noChangeArrowheads="1"/>
+          </p:cNvPicPr>
+          <p:nvPr/>
+        </p:nvPicPr>
+        <p:blipFill>
+          <a:blip r:embed="rId3">
+            <a:extLst>
+              <a:ext uri="{28A0092B-C50C-407E-A947-70E740481C1C}">
+                <a14:useLocalDpi xmlns:a14="http://schemas.microsoft.com/office/drawing/2010/main" val="0"/>
+              </a:ext>
+            </a:extLst>
+          </a:blip>
+          <a:srcRect/>
+          <a:stretch>
+            <a:fillRect/>
+          </a:stretch>
+        </p:blipFill>
+        <p:spPr bwMode="auto">
+          <a:xfrm>
+            <a:off x="11391900" y="-1"/>
+            <a:ext cx="2425701" cy="2425701"/>
+          </a:xfrm>
+          <a:prstGeom prst="rect">
+            <a:avLst/>
+          </a:prstGeom>
+          <a:noFill/>
+          <a:extLst>
+            <a:ext uri="{909E8E84-426E-40DD-AFC4-6F175D3DCCD1}">
+              <a14:hiddenFill xmlns:a14="http://schemas.microsoft.com/office/drawing/2010/main">
+                <a:solidFill>
+                  <a:srgbClr val="FFFFFF"/>
+                </a:solidFill>
+              </a14:hiddenFill>
+            </a:ext>
+          </a:extLst>
+        </p:spPr>
+      </p:pic>
       <p:sp>
         <p:nvSpPr>
           <p:cNvPr id="6" name="Rectangle 5">
@@ -9990,7 +10134,7 @@
         <p:spPr>
           <a:xfrm>
             <a:off x="628072" y="3501480"/>
-            <a:ext cx="11627555" cy="3582263"/>
+            <a:ext cx="11627555" cy="2761590"/>
           </a:xfrm>
           <a:prstGeom prst="rect">
             <a:avLst/>
@@ -10029,6 +10173,298 @@
             </a:endParaRPr>
           </a:p>
           <a:p>
+            <a:r>
+              <a:rPr lang="en-US" dirty="0">
+                <a:solidFill>
+                  <a:srgbClr val="333333"/>
+                </a:solidFill>
+                <a:latin typeface="Consolas" panose="020B0609020204030204" pitchFamily="49" charset="0"/>
+              </a:rPr>
+              <a:t> 	 	</a:t>
+            </a:r>
+            <a:r>
+              <a:rPr lang="en-US" b="1" dirty="0">
+                <a:solidFill>
+                  <a:srgbClr val="073642"/>
+                </a:solidFill>
+                <a:latin typeface="Consolas" panose="020B0609020204030204" pitchFamily="49" charset="0"/>
+              </a:rPr>
+              <a:t>int</a:t>
+            </a:r>
+            <a:r>
+              <a:rPr lang="en-US" dirty="0">
+                <a:solidFill>
+                  <a:srgbClr val="333333"/>
+                </a:solidFill>
+                <a:latin typeface="Consolas" panose="020B0609020204030204" pitchFamily="49" charset="0"/>
+              </a:rPr>
+              <a:t> </a:t>
+            </a:r>
+            <a:r>
+              <a:rPr lang="en-US" dirty="0" err="1">
+                <a:solidFill>
+                  <a:srgbClr val="268BD2"/>
+                </a:solidFill>
+                <a:latin typeface="Consolas" panose="020B0609020204030204" pitchFamily="49" charset="0"/>
+              </a:rPr>
+              <a:t>aNumber</a:t>
+            </a:r>
+            <a:r>
+              <a:rPr lang="en-US" dirty="0">
+                <a:solidFill>
+                  <a:srgbClr val="333333"/>
+                </a:solidFill>
+                <a:latin typeface="Consolas" panose="020B0609020204030204" pitchFamily="49" charset="0"/>
+              </a:rPr>
+              <a:t> </a:t>
+            </a:r>
+            <a:r>
+              <a:rPr lang="en-US" dirty="0">
+                <a:solidFill>
+                  <a:srgbClr val="859900"/>
+                </a:solidFill>
+                <a:latin typeface="Consolas" panose="020B0609020204030204" pitchFamily="49" charset="0"/>
+              </a:rPr>
+              <a:t>=</a:t>
+            </a:r>
+            <a:r>
+              <a:rPr lang="en-US" dirty="0">
+                <a:solidFill>
+                  <a:srgbClr val="333333"/>
+                </a:solidFill>
+                <a:latin typeface="Consolas" panose="020B0609020204030204" pitchFamily="49" charset="0"/>
+              </a:rPr>
+              <a:t> </a:t>
+            </a:r>
+            <a:r>
+              <a:rPr lang="en-US" dirty="0">
+                <a:solidFill>
+                  <a:srgbClr val="D33682"/>
+                </a:solidFill>
+                <a:latin typeface="Consolas" panose="020B0609020204030204" pitchFamily="49" charset="0"/>
+              </a:rPr>
+              <a:t>42</a:t>
+            </a:r>
+            <a:r>
+              <a:rPr lang="en-US" dirty="0">
+                <a:solidFill>
+                  <a:srgbClr val="333333"/>
+                </a:solidFill>
+                <a:latin typeface="Consolas" panose="020B0609020204030204" pitchFamily="49" charset="0"/>
+              </a:rPr>
+              <a:t>;</a:t>
+            </a:r>
+          </a:p>
+          <a:p>
+            <a:r>
+              <a:rPr lang="en-US" b="1" dirty="0">
+                <a:solidFill>
+                  <a:srgbClr val="333333"/>
+                </a:solidFill>
+                <a:latin typeface="Consolas" panose="020B0609020204030204" pitchFamily="49" charset="0"/>
+              </a:rPr>
+              <a:t>		</a:t>
+            </a:r>
+            <a:r>
+              <a:rPr lang="en-US" b="1" dirty="0">
+                <a:solidFill>
+                  <a:srgbClr val="268BD2"/>
+                </a:solidFill>
+                <a:latin typeface="Consolas" panose="020B0609020204030204" pitchFamily="49" charset="0"/>
+              </a:rPr>
+              <a:t>String</a:t>
+            </a:r>
+            <a:r>
+              <a:rPr lang="en-US" dirty="0">
+                <a:solidFill>
+                  <a:srgbClr val="333333"/>
+                </a:solidFill>
+                <a:latin typeface="Consolas" panose="020B0609020204030204" pitchFamily="49" charset="0"/>
+              </a:rPr>
+              <a:t> </a:t>
+            </a:r>
+            <a:r>
+              <a:rPr lang="en-US" dirty="0">
+                <a:solidFill>
+                  <a:srgbClr val="268BD2"/>
+                </a:solidFill>
+                <a:latin typeface="Consolas" panose="020B0609020204030204" pitchFamily="49" charset="0"/>
+              </a:rPr>
+              <a:t>question</a:t>
+            </a:r>
+            <a:r>
+              <a:rPr lang="en-US" dirty="0">
+                <a:solidFill>
+                  <a:srgbClr val="333333"/>
+                </a:solidFill>
+                <a:latin typeface="Consolas" panose="020B0609020204030204" pitchFamily="49" charset="0"/>
+              </a:rPr>
+              <a:t> </a:t>
+            </a:r>
+            <a:r>
+              <a:rPr lang="en-US" dirty="0">
+                <a:solidFill>
+                  <a:srgbClr val="859900"/>
+                </a:solidFill>
+                <a:latin typeface="Consolas" panose="020B0609020204030204" pitchFamily="49" charset="0"/>
+              </a:rPr>
+              <a:t>=</a:t>
+            </a:r>
+            <a:r>
+              <a:rPr lang="en-US" dirty="0">
+                <a:solidFill>
+                  <a:srgbClr val="333333"/>
+                </a:solidFill>
+                <a:latin typeface="Consolas" panose="020B0609020204030204" pitchFamily="49" charset="0"/>
+              </a:rPr>
+              <a:t> </a:t>
+            </a:r>
+            <a:r>
+              <a:rPr lang="en-US" dirty="0">
+                <a:solidFill>
+                  <a:srgbClr val="2AA198"/>
+                </a:solidFill>
+                <a:latin typeface="Consolas" panose="020B0609020204030204" pitchFamily="49" charset="0"/>
+              </a:rPr>
+              <a:t>"The Answer To Life, The Universe And Everything"</a:t>
+            </a:r>
+            <a:r>
+              <a:rPr lang="en-US" dirty="0">
+                <a:solidFill>
+                  <a:srgbClr val="333333"/>
+                </a:solidFill>
+                <a:latin typeface="Consolas" panose="020B0609020204030204" pitchFamily="49" charset="0"/>
+              </a:rPr>
+              <a:t>;</a:t>
+            </a:r>
+          </a:p>
+          <a:p>
+            <a:r>
+              <a:rPr lang="en-US" dirty="0">
+                <a:solidFill>
+                  <a:srgbClr val="333333"/>
+                </a:solidFill>
+                <a:latin typeface="Consolas" panose="020B0609020204030204" pitchFamily="49" charset="0"/>
+              </a:rPr>
+              <a:t>		</a:t>
+            </a:r>
+            <a:r>
+              <a:rPr lang="en-US" dirty="0" err="1">
+                <a:solidFill>
+                  <a:srgbClr val="268BD2"/>
+                </a:solidFill>
+                <a:latin typeface="Consolas" panose="020B0609020204030204" pitchFamily="49" charset="0"/>
+              </a:rPr>
+              <a:t>System</a:t>
+            </a:r>
+            <a:r>
+              <a:rPr lang="en-US" dirty="0" err="1">
+                <a:solidFill>
+                  <a:srgbClr val="333333"/>
+                </a:solidFill>
+                <a:latin typeface="Consolas" panose="020B0609020204030204" pitchFamily="49" charset="0"/>
+              </a:rPr>
+              <a:t>.</a:t>
+            </a:r>
+            <a:r>
+              <a:rPr lang="en-US" dirty="0" err="1">
+                <a:solidFill>
+                  <a:srgbClr val="268BD2"/>
+                </a:solidFill>
+                <a:latin typeface="Consolas" panose="020B0609020204030204" pitchFamily="49" charset="0"/>
+              </a:rPr>
+              <a:t>out</a:t>
+            </a:r>
+            <a:r>
+              <a:rPr lang="en-US" dirty="0" err="1">
+                <a:solidFill>
+                  <a:srgbClr val="333333"/>
+                </a:solidFill>
+                <a:latin typeface="Consolas" panose="020B0609020204030204" pitchFamily="49" charset="0"/>
+              </a:rPr>
+              <a:t>.</a:t>
+            </a:r>
+            <a:r>
+              <a:rPr lang="en-US" dirty="0" err="1">
+                <a:solidFill>
+                  <a:srgbClr val="268BD2"/>
+                </a:solidFill>
+                <a:latin typeface="Consolas" panose="020B0609020204030204" pitchFamily="49" charset="0"/>
+              </a:rPr>
+              <a:t>println</a:t>
+            </a:r>
+            <a:r>
+              <a:rPr lang="en-US" dirty="0">
+                <a:solidFill>
+                  <a:srgbClr val="333333"/>
+                </a:solidFill>
+                <a:latin typeface="Consolas" panose="020B0609020204030204" pitchFamily="49" charset="0"/>
+              </a:rPr>
+              <a:t>(</a:t>
+            </a:r>
+            <a:r>
+              <a:rPr lang="en-US" dirty="0">
+                <a:solidFill>
+                  <a:srgbClr val="268BD2"/>
+                </a:solidFill>
+                <a:latin typeface="Consolas" panose="020B0609020204030204" pitchFamily="49" charset="0"/>
+              </a:rPr>
+              <a:t>question</a:t>
+            </a:r>
+            <a:r>
+              <a:rPr lang="en-US" dirty="0">
+                <a:solidFill>
+                  <a:srgbClr val="333333"/>
+                </a:solidFill>
+                <a:latin typeface="Consolas" panose="020B0609020204030204" pitchFamily="49" charset="0"/>
+              </a:rPr>
+              <a:t> </a:t>
+            </a:r>
+            <a:r>
+              <a:rPr lang="en-US" dirty="0">
+                <a:solidFill>
+                  <a:srgbClr val="859900"/>
+                </a:solidFill>
+                <a:latin typeface="Consolas" panose="020B0609020204030204" pitchFamily="49" charset="0"/>
+              </a:rPr>
+              <a:t>+</a:t>
+            </a:r>
+            <a:r>
+              <a:rPr lang="en-US" dirty="0">
+                <a:solidFill>
+                  <a:srgbClr val="333333"/>
+                </a:solidFill>
+                <a:latin typeface="Consolas" panose="020B0609020204030204" pitchFamily="49" charset="0"/>
+              </a:rPr>
+              <a:t> </a:t>
+            </a:r>
+            <a:r>
+              <a:rPr lang="en-US" dirty="0" err="1">
+                <a:solidFill>
+                  <a:srgbClr val="268BD2"/>
+                </a:solidFill>
+                <a:latin typeface="Consolas" panose="020B0609020204030204" pitchFamily="49" charset="0"/>
+              </a:rPr>
+              <a:t>aNumber</a:t>
+            </a:r>
+            <a:r>
+              <a:rPr lang="en-US" dirty="0">
+                <a:solidFill>
+                  <a:srgbClr val="333333"/>
+                </a:solidFill>
+                <a:latin typeface="Consolas" panose="020B0609020204030204" pitchFamily="49" charset="0"/>
+              </a:rPr>
+              <a:t>);</a:t>
+            </a:r>
+            <a:endParaRPr lang="en-US" dirty="0">
+              <a:solidFill>
+                <a:srgbClr val="000000"/>
+              </a:solidFill>
+              <a:latin typeface="Consolas" panose="020B0609020204030204" pitchFamily="49" charset="0"/>
+              <a:cs typeface="Consolas" panose="020B0609020204030204" pitchFamily="49" charset="0"/>
+            </a:endParaRPr>
+          </a:p>
+          <a:p>
             <a:pPr marL="914400">
               <a:lnSpc>
                 <a:spcPct val="150000"/>
@@ -10045,32 +10481,167 @@
                 <a:latin typeface="Consolas" panose="020B0609020204030204" pitchFamily="49" charset="0"/>
                 <a:cs typeface="Consolas" panose="020B0609020204030204" pitchFamily="49" charset="0"/>
               </a:rPr>
-              <a:t>int </a:t>
-            </a:r>
-            <a:r>
-              <a:rPr lang="en-US" dirty="0" err="1">
-                <a:solidFill>
-                  <a:srgbClr val="000000"/>
-                </a:solidFill>
-                <a:latin typeface="Consolas" panose="020B0609020204030204" pitchFamily="49" charset="0"/>
-                <a:cs typeface="Consolas" panose="020B0609020204030204" pitchFamily="49" charset="0"/>
-              </a:rPr>
-              <a:t>aNumber</a:t>
-            </a:r>
-            <a:r>
-              <a:rPr lang="en-US" dirty="0">
-                <a:solidFill>
-                  <a:srgbClr val="000000"/>
-                </a:solidFill>
-                <a:latin typeface="Consolas" panose="020B0609020204030204" pitchFamily="49" charset="0"/>
-                <a:cs typeface="Consolas" panose="020B0609020204030204" pitchFamily="49" charset="0"/>
-              </a:rPr>
-              <a:t> = 42;</a:t>
+              <a:t>Prints “The Answer To Life, The Universe And Everything42” .. whoops</a:t>
             </a:r>
             <a:endParaRPr lang="en-US" dirty="0">
               <a:latin typeface="Consolas" panose="020B0609020204030204" pitchFamily="49" charset="0"/>
               <a:cs typeface="Consolas" panose="020B0609020204030204" pitchFamily="49" charset="0"/>
             </a:endParaRPr>
+          </a:p>
+          <a:p>
+            <a:r>
+              <a:rPr lang="en-US" dirty="0">
+                <a:solidFill>
+                  <a:srgbClr val="333333"/>
+                </a:solidFill>
+                <a:latin typeface="Consolas" panose="020B0609020204030204" pitchFamily="49" charset="0"/>
+              </a:rPr>
+              <a:t> 		</a:t>
+            </a:r>
+            <a:r>
+              <a:rPr lang="en-US" dirty="0" err="1">
+                <a:solidFill>
+                  <a:srgbClr val="268BD2"/>
+                </a:solidFill>
+                <a:latin typeface="Consolas" panose="020B0609020204030204" pitchFamily="49" charset="0"/>
+              </a:rPr>
+              <a:t>System</a:t>
+            </a:r>
+            <a:r>
+              <a:rPr lang="en-US" dirty="0" err="1">
+                <a:solidFill>
+                  <a:srgbClr val="333333"/>
+                </a:solidFill>
+                <a:latin typeface="Consolas" panose="020B0609020204030204" pitchFamily="49" charset="0"/>
+              </a:rPr>
+              <a:t>.</a:t>
+            </a:r>
+            <a:r>
+              <a:rPr lang="en-US" dirty="0" err="1">
+                <a:solidFill>
+                  <a:srgbClr val="268BD2"/>
+                </a:solidFill>
+                <a:latin typeface="Consolas" panose="020B0609020204030204" pitchFamily="49" charset="0"/>
+              </a:rPr>
+              <a:t>out</a:t>
+            </a:r>
+            <a:r>
+              <a:rPr lang="en-US" dirty="0" err="1">
+                <a:solidFill>
+                  <a:srgbClr val="333333"/>
+                </a:solidFill>
+                <a:latin typeface="Consolas" panose="020B0609020204030204" pitchFamily="49" charset="0"/>
+              </a:rPr>
+              <a:t>.</a:t>
+            </a:r>
+            <a:r>
+              <a:rPr lang="en-US" dirty="0" err="1">
+                <a:solidFill>
+                  <a:srgbClr val="268BD2"/>
+                </a:solidFill>
+                <a:latin typeface="Consolas" panose="020B0609020204030204" pitchFamily="49" charset="0"/>
+              </a:rPr>
+              <a:t>println</a:t>
+            </a:r>
+            <a:r>
+              <a:rPr lang="en-US" dirty="0">
+                <a:solidFill>
+                  <a:srgbClr val="333333"/>
+                </a:solidFill>
+                <a:latin typeface="Consolas" panose="020B0609020204030204" pitchFamily="49" charset="0"/>
+              </a:rPr>
+              <a:t>(</a:t>
+            </a:r>
+            <a:r>
+              <a:rPr lang="en-US" dirty="0">
+                <a:solidFill>
+                  <a:srgbClr val="268BD2"/>
+                </a:solidFill>
+                <a:latin typeface="Consolas" panose="020B0609020204030204" pitchFamily="49" charset="0"/>
+              </a:rPr>
+              <a:t>question</a:t>
+            </a:r>
+            <a:r>
+              <a:rPr lang="en-US" dirty="0">
+                <a:solidFill>
+                  <a:srgbClr val="333333"/>
+                </a:solidFill>
+                <a:latin typeface="Consolas" panose="020B0609020204030204" pitchFamily="49" charset="0"/>
+              </a:rPr>
+              <a:t> </a:t>
+            </a:r>
+            <a:r>
+              <a:rPr lang="en-US" dirty="0">
+                <a:solidFill>
+                  <a:srgbClr val="859900"/>
+                </a:solidFill>
+                <a:latin typeface="Consolas" panose="020B0609020204030204" pitchFamily="49" charset="0"/>
+              </a:rPr>
+              <a:t>+</a:t>
+            </a:r>
+            <a:r>
+              <a:rPr lang="en-US" dirty="0">
+                <a:solidFill>
+                  <a:srgbClr val="333333"/>
+                </a:solidFill>
+                <a:latin typeface="Consolas" panose="020B0609020204030204" pitchFamily="49" charset="0"/>
+              </a:rPr>
+              <a:t> </a:t>
+            </a:r>
+            <a:r>
+              <a:rPr lang="en-US" dirty="0">
+                <a:solidFill>
+                  <a:srgbClr val="2AA198"/>
+                </a:solidFill>
+                <a:latin typeface="Consolas" panose="020B0609020204030204" pitchFamily="49" charset="0"/>
+              </a:rPr>
+              <a:t>"  is "</a:t>
+            </a:r>
+            <a:r>
+              <a:rPr lang="en-US" dirty="0">
+                <a:solidFill>
+                  <a:srgbClr val="333333"/>
+                </a:solidFill>
+                <a:latin typeface="Consolas" panose="020B0609020204030204" pitchFamily="49" charset="0"/>
+              </a:rPr>
+              <a:t> </a:t>
+            </a:r>
+            <a:r>
+              <a:rPr lang="en-US" dirty="0">
+                <a:solidFill>
+                  <a:srgbClr val="859900"/>
+                </a:solidFill>
+                <a:latin typeface="Consolas" panose="020B0609020204030204" pitchFamily="49" charset="0"/>
+              </a:rPr>
+              <a:t>+</a:t>
+            </a:r>
+            <a:r>
+              <a:rPr lang="en-US" dirty="0">
+                <a:solidFill>
+                  <a:srgbClr val="333333"/>
+                </a:solidFill>
+                <a:latin typeface="Consolas" panose="020B0609020204030204" pitchFamily="49" charset="0"/>
+              </a:rPr>
+              <a:t> </a:t>
+            </a:r>
+            <a:r>
+              <a:rPr lang="en-US" dirty="0" err="1">
+                <a:solidFill>
+                  <a:srgbClr val="268BD2"/>
+                </a:solidFill>
+                <a:latin typeface="Consolas" panose="020B0609020204030204" pitchFamily="49" charset="0"/>
+              </a:rPr>
+              <a:t>aNumber</a:t>
+            </a:r>
+            <a:r>
+              <a:rPr lang="en-US" dirty="0">
+                <a:solidFill>
+                  <a:srgbClr val="333333"/>
+                </a:solidFill>
+                <a:latin typeface="Consolas" panose="020B0609020204030204" pitchFamily="49" charset="0"/>
+              </a:rPr>
+              <a:t>);</a:t>
+            </a:r>
           </a:p>
           <a:p>
             <a:pPr marL="914400">
@@ -10089,175 +10660,22 @@
                 <a:latin typeface="Consolas" panose="020B0609020204030204" pitchFamily="49" charset="0"/>
                 <a:cs typeface="Consolas" panose="020B0609020204030204" pitchFamily="49" charset="0"/>
               </a:rPr>
-              <a:t>String question = “The Answer To Life, The Universe And Everything”;</a:t>
+              <a:t>Prints “The Answer To Life, The Universe And Everything is 42” </a:t>
             </a:r>
             <a:endParaRPr lang="en-US" dirty="0">
               <a:latin typeface="Consolas" panose="020B0609020204030204" pitchFamily="49" charset="0"/>
               <a:cs typeface="Consolas" panose="020B0609020204030204" pitchFamily="49" charset="0"/>
             </a:endParaRPr>
           </a:p>
-          <a:p>
-            <a:pPr marL="914400">
-              <a:lnSpc>
-                <a:spcPct val="150000"/>
-              </a:lnSpc>
-              <a:spcAft>
-                <a:spcPts val="400"/>
-              </a:spcAft>
-            </a:pPr>
-            <a:r>
-              <a:rPr lang="en-US" dirty="0" err="1">
-                <a:solidFill>
-                  <a:srgbClr val="000000"/>
-                </a:solidFill>
-                <a:latin typeface="Consolas" panose="020B0609020204030204" pitchFamily="49" charset="0"/>
-                <a:cs typeface="Consolas" panose="020B0609020204030204" pitchFamily="49" charset="0"/>
-              </a:rPr>
-              <a:t>System.out.println</a:t>
-            </a:r>
-            <a:r>
-              <a:rPr lang="en-US" dirty="0">
-                <a:solidFill>
-                  <a:srgbClr val="000000"/>
-                </a:solidFill>
-                <a:latin typeface="Consolas" panose="020B0609020204030204" pitchFamily="49" charset="0"/>
-                <a:cs typeface="Consolas" panose="020B0609020204030204" pitchFamily="49" charset="0"/>
-              </a:rPr>
-              <a:t>(question + </a:t>
-            </a:r>
-            <a:r>
-              <a:rPr lang="en-US" dirty="0" err="1">
-                <a:solidFill>
-                  <a:srgbClr val="000000"/>
-                </a:solidFill>
-                <a:latin typeface="Consolas" panose="020B0609020204030204" pitchFamily="49" charset="0"/>
-                <a:cs typeface="Consolas" panose="020B0609020204030204" pitchFamily="49" charset="0"/>
-              </a:rPr>
-              <a:t>aNumber</a:t>
-            </a:r>
-            <a:r>
-              <a:rPr lang="en-US" dirty="0">
-                <a:solidFill>
-                  <a:srgbClr val="000000"/>
-                </a:solidFill>
-                <a:latin typeface="Consolas" panose="020B0609020204030204" pitchFamily="49" charset="0"/>
-                <a:cs typeface="Consolas" panose="020B0609020204030204" pitchFamily="49" charset="0"/>
-              </a:rPr>
-              <a:t>);</a:t>
-            </a:r>
-            <a:endParaRPr lang="en-US" dirty="0">
-              <a:latin typeface="Consolas" panose="020B0609020204030204" pitchFamily="49" charset="0"/>
-              <a:cs typeface="Consolas" panose="020B0609020204030204" pitchFamily="49" charset="0"/>
-            </a:endParaRPr>
-          </a:p>
-          <a:p>
-            <a:pPr marL="914400">
-              <a:lnSpc>
-                <a:spcPct val="150000"/>
-              </a:lnSpc>
-              <a:spcAft>
-                <a:spcPts val="400"/>
-              </a:spcAft>
-            </a:pPr>
-            <a:r>
-              <a:rPr lang="en-US" dirty="0">
-                <a:solidFill>
-                  <a:srgbClr val="000000"/>
-                </a:solidFill>
-                <a:latin typeface="Consolas" panose="020B0609020204030204" pitchFamily="49" charset="0"/>
-                <a:cs typeface="Consolas" panose="020B0609020204030204" pitchFamily="49" charset="0"/>
-              </a:rPr>
-              <a:t>Prints “The Answer To Life, The Universe And Everything42” .. whoops</a:t>
-            </a:r>
-            <a:endParaRPr lang="en-US" dirty="0">
-              <a:latin typeface="Consolas" panose="020B0609020204030204" pitchFamily="49" charset="0"/>
-              <a:cs typeface="Consolas" panose="020B0609020204030204" pitchFamily="49" charset="0"/>
-            </a:endParaRPr>
-          </a:p>
-          <a:p>
-            <a:pPr marL="914400">
-              <a:lnSpc>
-                <a:spcPct val="150000"/>
-              </a:lnSpc>
-              <a:spcAft>
-                <a:spcPts val="400"/>
-              </a:spcAft>
-            </a:pPr>
-            <a:r>
-              <a:rPr lang="en-US" dirty="0" err="1">
-                <a:solidFill>
-                  <a:srgbClr val="000000"/>
-                </a:solidFill>
-                <a:latin typeface="Consolas" panose="020B0609020204030204" pitchFamily="49" charset="0"/>
-                <a:cs typeface="Consolas" panose="020B0609020204030204" pitchFamily="49" charset="0"/>
-              </a:rPr>
-              <a:t>System.out.println</a:t>
-            </a:r>
-            <a:r>
-              <a:rPr lang="en-US" dirty="0">
-                <a:solidFill>
-                  <a:srgbClr val="000000"/>
-                </a:solidFill>
-                <a:latin typeface="Consolas" panose="020B0609020204030204" pitchFamily="49" charset="0"/>
-                <a:cs typeface="Consolas" panose="020B0609020204030204" pitchFamily="49" charset="0"/>
-              </a:rPr>
-              <a:t>(question + “  is ” + </a:t>
-            </a:r>
-            <a:r>
-              <a:rPr lang="en-US" dirty="0" err="1">
-                <a:solidFill>
-                  <a:srgbClr val="000000"/>
-                </a:solidFill>
-                <a:latin typeface="Consolas" panose="020B0609020204030204" pitchFamily="49" charset="0"/>
-                <a:cs typeface="Consolas" panose="020B0609020204030204" pitchFamily="49" charset="0"/>
-              </a:rPr>
-              <a:t>aNumber</a:t>
-            </a:r>
-            <a:r>
-              <a:rPr lang="en-US" dirty="0">
-                <a:solidFill>
-                  <a:srgbClr val="000000"/>
-                </a:solidFill>
-                <a:latin typeface="Consolas" panose="020B0609020204030204" pitchFamily="49" charset="0"/>
-                <a:cs typeface="Consolas" panose="020B0609020204030204" pitchFamily="49" charset="0"/>
-              </a:rPr>
-              <a:t>);</a:t>
-            </a:r>
-            <a:endParaRPr lang="en-US" dirty="0">
-              <a:latin typeface="Consolas" panose="020B0609020204030204" pitchFamily="49" charset="0"/>
-              <a:cs typeface="Consolas" panose="020B0609020204030204" pitchFamily="49" charset="0"/>
-            </a:endParaRPr>
-          </a:p>
-          <a:p>
-            <a:pPr marL="914400">
-              <a:lnSpc>
-                <a:spcPct val="150000"/>
-              </a:lnSpc>
-              <a:spcAft>
-                <a:spcPts val="400"/>
-              </a:spcAft>
-            </a:pPr>
-            <a:r>
-              <a:rPr lang="en-US" dirty="0">
-                <a:solidFill>
-                  <a:srgbClr val="000000"/>
-                </a:solidFill>
-                <a:latin typeface="Consolas" panose="020B0609020204030204" pitchFamily="49" charset="0"/>
-                <a:cs typeface="Consolas" panose="020B0609020204030204" pitchFamily="49" charset="0"/>
-              </a:rPr>
-              <a:t>Prints “The Answer To Life, The Universe And Everything is 42”  &lt;- success!</a:t>
-            </a:r>
-            <a:endParaRPr lang="en-US" dirty="0">
-              <a:latin typeface="Consolas" panose="020B0609020204030204" pitchFamily="49" charset="0"/>
-              <a:cs typeface="Consolas" panose="020B0609020204030204" pitchFamily="49" charset="0"/>
-            </a:endParaRPr>
-          </a:p>
         </p:txBody>
       </p:sp>
     </p:spTree>
+    <p:custDataLst>
+      <p:tags r:id="rId1"/>
+    </p:custDataLst>
     <p:extLst>
       <p:ext uri="{BB962C8B-B14F-4D97-AF65-F5344CB8AC3E}">
-        <p14:creationId xmlns:p14="http://schemas.microsoft.com/office/powerpoint/2010/main" val="866942736"/>
+        <p14:creationId xmlns:p14="http://schemas.microsoft.com/office/powerpoint/2010/main" val="482869905"/>
       </p:ext>
     </p:extLst>
   </p:cSld>
@@ -10266,12 +10684,12 @@
   </p:clrMapOvr>
   <mc:AlternateContent xmlns:mc="http://schemas.openxmlformats.org/markup-compatibility/2006" xmlns:p14="http://schemas.microsoft.com/office/powerpoint/2010/main">
     <mc:Choice Requires="p14">
-      <p:transition p14:dur="300">
+      <p:transition p14:dur="300" advTm="132641">
         <p:fade/>
       </p:transition>
     </mc:Choice>
     <mc:Fallback xmlns="">
-      <p:transition>
+      <p:transition advTm="132641">
         <p:fade/>
       </p:transition>
     </mc:Fallback>
@@ -10739,7 +11157,7 @@
 </p:sld>
 </file>
 
-<file path=ppt/slides/slide14.xml><?xml version="1.0" encoding="utf-8"?>
+<file path=ppt/slides/slide15.xml><?xml version="1.0" encoding="utf-8"?>
 <p:sld xmlns:a="http://schemas.openxmlformats.org/drawingml/2006/main" xmlns:r="http://schemas.openxmlformats.org/officeDocument/2006/relationships" xmlns:p="http://schemas.openxmlformats.org/presentationml/2006/main">
   <p:cSld>
     <p:spTree>
@@ -10774,7 +11192,7 @@
         </p:nvSpPr>
         <p:spPr>
           <a:xfrm>
-            <a:off x="628075" y="403991"/>
+            <a:off x="628075" y="448059"/>
             <a:ext cx="12561453" cy="1015663"/>
           </a:xfrm>
         </p:spPr>
@@ -10820,7 +11238,7 @@
         <p:spPr>
           <a:xfrm>
             <a:off x="628075" y="1776683"/>
-            <a:ext cx="12561453" cy="4764381"/>
+            <a:ext cx="12561453" cy="4122667"/>
           </a:xfrm>
         </p:spPr>
         <p:txBody>
@@ -10832,218 +11250,995 @@
               <a:rPr lang="en-US" dirty="0"/>
               <a:t>We know we can write Strings via Concatenation</a:t>
             </a:r>
-          </a:p>
-          <a:p>
-            <a:pPr lvl="1" fontAlgn="base"/>
-            <a:r>
-              <a:rPr lang="en-US" dirty="0">
-                <a:latin typeface="Consolas" panose="020B0609020204030204" pitchFamily="49" charset="0"/>
-                <a:cs typeface="Consolas" panose="020B0609020204030204" pitchFamily="49" charset="0"/>
-              </a:rPr>
-              <a:t>String </a:t>
-            </a:r>
-            <a:r>
-              <a:rPr lang="en-US" dirty="0" err="1">
-                <a:latin typeface="Consolas" panose="020B0609020204030204" pitchFamily="49" charset="0"/>
-                <a:cs typeface="Consolas" panose="020B0609020204030204" pitchFamily="49" charset="0"/>
-              </a:rPr>
-              <a:t>towelColor</a:t>
-            </a:r>
-            <a:r>
-              <a:rPr lang="en-US" dirty="0">
-                <a:latin typeface="Consolas" panose="020B0609020204030204" pitchFamily="49" charset="0"/>
-                <a:cs typeface="Consolas" panose="020B0609020204030204" pitchFamily="49" charset="0"/>
-              </a:rPr>
-              <a:t> = “pink”;</a:t>
-            </a:r>
-          </a:p>
-          <a:p>
-            <a:pPr lvl="1" fontAlgn="base"/>
-            <a:r>
-              <a:rPr lang="en-US" dirty="0">
-                <a:latin typeface="Consolas" panose="020B0609020204030204" pitchFamily="49" charset="0"/>
-                <a:cs typeface="Consolas" panose="020B0609020204030204" pitchFamily="49" charset="0"/>
-              </a:rPr>
-              <a:t>String </a:t>
-            </a:r>
-            <a:r>
-              <a:rPr lang="en-US" dirty="0" err="1">
-                <a:latin typeface="Consolas" panose="020B0609020204030204" pitchFamily="49" charset="0"/>
-                <a:cs typeface="Consolas" panose="020B0609020204030204" pitchFamily="49" charset="0"/>
-              </a:rPr>
-              <a:t>dontPanic</a:t>
-            </a:r>
-            <a:r>
-              <a:rPr lang="en-US" dirty="0">
-                <a:latin typeface="Consolas" panose="020B0609020204030204" pitchFamily="49" charset="0"/>
-                <a:cs typeface="Consolas" panose="020B0609020204030204" pitchFamily="49" charset="0"/>
-              </a:rPr>
-              <a:t> = “Don’t forget to bring your ” + </a:t>
-            </a:r>
-            <a:r>
-              <a:rPr lang="en-US" dirty="0" err="1">
-                <a:latin typeface="Consolas" panose="020B0609020204030204" pitchFamily="49" charset="0"/>
-                <a:cs typeface="Consolas" panose="020B0609020204030204" pitchFamily="49" charset="0"/>
-              </a:rPr>
-              <a:t>towelColor</a:t>
-            </a:r>
-            <a:r>
-              <a:rPr lang="en-US" dirty="0">
-                <a:latin typeface="Consolas" panose="020B0609020204030204" pitchFamily="49" charset="0"/>
-                <a:cs typeface="Consolas" panose="020B0609020204030204" pitchFamily="49" charset="0"/>
-              </a:rPr>
-              <a:t> + “ towel”;</a:t>
-            </a:r>
-          </a:p>
-          <a:p>
-            <a:pPr lvl="1" fontAlgn="base"/>
-            <a:r>
-              <a:rPr lang="en-US" dirty="0">
-                <a:latin typeface="Consolas" panose="020B0609020204030204" pitchFamily="49" charset="0"/>
-                <a:cs typeface="Consolas" panose="020B0609020204030204" pitchFamily="49" charset="0"/>
-              </a:rPr>
-              <a:t>String txt = “Don’t panic”; </a:t>
-            </a:r>
-          </a:p>
-          <a:p>
-            <a:pPr lvl="1" fontAlgn="base"/>
-            <a:r>
-              <a:rPr lang="en-US" dirty="0">
-                <a:latin typeface="Consolas" panose="020B0609020204030204" pitchFamily="49" charset="0"/>
-                <a:cs typeface="Consolas" panose="020B0609020204030204" pitchFamily="49" charset="0"/>
-              </a:rPr>
-              <a:t>String heading1  = “&lt;h1&gt;” + txt + “&lt;/h1&gt;”;</a:t>
-            </a:r>
-            <a:endParaRPr lang="en-US" dirty="0"/>
-          </a:p>
-          <a:p>
-            <a:pPr fontAlgn="base"/>
-            <a:r>
-              <a:rPr lang="en-US" dirty="0"/>
-              <a:t>However, that can be awkward - introducing </a:t>
-            </a:r>
-            <a:r>
-              <a:rPr lang="en-US" b="1" dirty="0" err="1"/>
-              <a:t>String.format</a:t>
-            </a:r>
-            <a:endParaRPr lang="en-US" dirty="0"/>
-          </a:p>
-          <a:p>
-            <a:pPr lvl="1" fontAlgn="base"/>
-            <a:r>
-              <a:rPr lang="en-US" dirty="0">
-                <a:latin typeface="Consolas" panose="020B0609020204030204" pitchFamily="49" charset="0"/>
-                <a:cs typeface="Consolas" panose="020B0609020204030204" pitchFamily="49" charset="0"/>
-              </a:rPr>
-              <a:t>String </a:t>
-            </a:r>
-            <a:r>
-              <a:rPr lang="en-US" dirty="0" err="1">
-                <a:latin typeface="Consolas" panose="020B0609020204030204" pitchFamily="49" charset="0"/>
-                <a:cs typeface="Consolas" panose="020B0609020204030204" pitchFamily="49" charset="0"/>
-              </a:rPr>
-              <a:t>towelColor</a:t>
-            </a:r>
-            <a:r>
-              <a:rPr lang="en-US" dirty="0">
-                <a:latin typeface="Consolas" panose="020B0609020204030204" pitchFamily="49" charset="0"/>
-                <a:cs typeface="Consolas" panose="020B0609020204030204" pitchFamily="49" charset="0"/>
-              </a:rPr>
-              <a:t> = “pink”;</a:t>
-            </a:r>
-          </a:p>
-          <a:p>
-            <a:pPr lvl="1" fontAlgn="base"/>
-            <a:r>
-              <a:rPr lang="en-US" dirty="0">
-                <a:latin typeface="Consolas" panose="020B0609020204030204" pitchFamily="49" charset="0"/>
-                <a:cs typeface="Consolas" panose="020B0609020204030204" pitchFamily="49" charset="0"/>
-              </a:rPr>
-              <a:t>String </a:t>
-            </a:r>
-            <a:r>
-              <a:rPr lang="en-US" dirty="0" err="1">
-                <a:latin typeface="Consolas" panose="020B0609020204030204" pitchFamily="49" charset="0"/>
-                <a:cs typeface="Consolas" panose="020B0609020204030204" pitchFamily="49" charset="0"/>
-              </a:rPr>
-              <a:t>dontPanic</a:t>
-            </a:r>
-            <a:r>
-              <a:rPr lang="en-US" dirty="0">
-                <a:latin typeface="Consolas" panose="020B0609020204030204" pitchFamily="49" charset="0"/>
-                <a:cs typeface="Consolas" panose="020B0609020204030204" pitchFamily="49" charset="0"/>
-              </a:rPr>
-              <a:t> =  </a:t>
-            </a:r>
-            <a:r>
-              <a:rPr lang="en-US" dirty="0" err="1">
-                <a:latin typeface="Consolas" panose="020B0609020204030204" pitchFamily="49" charset="0"/>
-                <a:cs typeface="Consolas" panose="020B0609020204030204" pitchFamily="49" charset="0"/>
-              </a:rPr>
-              <a:t>String.format</a:t>
-            </a:r>
-            <a:r>
-              <a:rPr lang="en-US" dirty="0">
-                <a:latin typeface="Consolas" panose="020B0609020204030204" pitchFamily="49" charset="0"/>
-                <a:cs typeface="Consolas" panose="020B0609020204030204" pitchFamily="49" charset="0"/>
-              </a:rPr>
-              <a:t>(“Don’t forget to bring your %s towel”, </a:t>
-            </a:r>
-            <a:r>
-              <a:rPr lang="en-US" dirty="0" err="1">
-                <a:latin typeface="Consolas" panose="020B0609020204030204" pitchFamily="49" charset="0"/>
-                <a:cs typeface="Consolas" panose="020B0609020204030204" pitchFamily="49" charset="0"/>
-              </a:rPr>
-              <a:t>towelColor</a:t>
-            </a:r>
-            <a:r>
-              <a:rPr lang="en-US" dirty="0">
-                <a:latin typeface="Consolas" panose="020B0609020204030204" pitchFamily="49" charset="0"/>
-                <a:cs typeface="Consolas" panose="020B0609020204030204" pitchFamily="49" charset="0"/>
-              </a:rPr>
-              <a:t>);</a:t>
-            </a:r>
-          </a:p>
-          <a:p>
-            <a:pPr lvl="1" fontAlgn="base"/>
-            <a:r>
-              <a:rPr lang="en-US" dirty="0">
-                <a:latin typeface="Consolas" panose="020B0609020204030204" pitchFamily="49" charset="0"/>
-                <a:cs typeface="Consolas" panose="020B0609020204030204" pitchFamily="49" charset="0"/>
-              </a:rPr>
-              <a:t>String txt = “Don’t panic”; </a:t>
-            </a:r>
-          </a:p>
-          <a:p>
-            <a:pPr lvl="1" fontAlgn="base"/>
-            <a:r>
-              <a:rPr lang="en-US" dirty="0">
-                <a:latin typeface="Consolas" panose="020B0609020204030204" pitchFamily="49" charset="0"/>
-                <a:cs typeface="Consolas" panose="020B0609020204030204" pitchFamily="49" charset="0"/>
-              </a:rPr>
-              <a:t>String heading1  = </a:t>
-            </a:r>
-            <a:r>
-              <a:rPr lang="en-US" dirty="0" err="1">
-                <a:latin typeface="Consolas" panose="020B0609020204030204" pitchFamily="49" charset="0"/>
-                <a:cs typeface="Consolas" panose="020B0609020204030204" pitchFamily="49" charset="0"/>
-              </a:rPr>
-              <a:t>String.format</a:t>
-            </a:r>
-            <a:r>
-              <a:rPr lang="en-US" dirty="0">
-                <a:latin typeface="Consolas" panose="020B0609020204030204" pitchFamily="49" charset="0"/>
-                <a:cs typeface="Consolas" panose="020B0609020204030204" pitchFamily="49" charset="0"/>
-              </a:rPr>
-              <a:t>(“&lt;h1&gt;%s&lt;/h1&gt;”, txt);    </a:t>
-            </a:r>
-            <a:r>
-              <a:rPr lang="en-US" dirty="0"/>
-              <a:t> </a:t>
-            </a:r>
             <a:br>
               <a:rPr lang="en-US" dirty="0"/>
             </a:br>
+            <a:r>
+              <a:rPr lang="en-US" b="1" dirty="0">
+                <a:solidFill>
+                  <a:srgbClr val="268BD2"/>
+                </a:solidFill>
+                <a:effectLst/>
+                <a:latin typeface="Consolas" panose="020B0609020204030204" pitchFamily="49" charset="0"/>
+              </a:rPr>
+              <a:t>String</a:t>
+            </a:r>
+            <a:r>
+              <a:rPr lang="en-US" b="0" dirty="0">
+                <a:solidFill>
+                  <a:srgbClr val="333333"/>
+                </a:solidFill>
+                <a:effectLst/>
+                <a:latin typeface="Consolas" panose="020B0609020204030204" pitchFamily="49" charset="0"/>
+              </a:rPr>
+              <a:t> </a:t>
+            </a:r>
+            <a:r>
+              <a:rPr lang="en-US" b="0" dirty="0" err="1">
+                <a:solidFill>
+                  <a:srgbClr val="268BD2"/>
+                </a:solidFill>
+                <a:effectLst/>
+                <a:latin typeface="Consolas" panose="020B0609020204030204" pitchFamily="49" charset="0"/>
+              </a:rPr>
+              <a:t>towelColor</a:t>
+            </a:r>
+            <a:r>
+              <a:rPr lang="en-US" b="0" dirty="0">
+                <a:solidFill>
+                  <a:srgbClr val="333333"/>
+                </a:solidFill>
+                <a:effectLst/>
+                <a:latin typeface="Consolas" panose="020B0609020204030204" pitchFamily="49" charset="0"/>
+              </a:rPr>
+              <a:t> </a:t>
+            </a:r>
+            <a:r>
+              <a:rPr lang="en-US" b="0" dirty="0">
+                <a:solidFill>
+                  <a:srgbClr val="859900"/>
+                </a:solidFill>
+                <a:effectLst/>
+                <a:latin typeface="Consolas" panose="020B0609020204030204" pitchFamily="49" charset="0"/>
+              </a:rPr>
+              <a:t>=</a:t>
+            </a:r>
+            <a:r>
+              <a:rPr lang="en-US" b="0" dirty="0">
+                <a:solidFill>
+                  <a:srgbClr val="333333"/>
+                </a:solidFill>
+                <a:effectLst/>
+                <a:latin typeface="Consolas" panose="020B0609020204030204" pitchFamily="49" charset="0"/>
+              </a:rPr>
+              <a:t> </a:t>
+            </a:r>
+            <a:r>
+              <a:rPr lang="en-US" b="0" dirty="0">
+                <a:solidFill>
+                  <a:srgbClr val="2AA198"/>
+                </a:solidFill>
+                <a:effectLst/>
+                <a:latin typeface="Consolas" panose="020B0609020204030204" pitchFamily="49" charset="0"/>
+              </a:rPr>
+              <a:t>"pink"</a:t>
+            </a:r>
+            <a:r>
+              <a:rPr lang="en-US" b="0" dirty="0">
+                <a:solidFill>
+                  <a:srgbClr val="333333"/>
+                </a:solidFill>
+                <a:effectLst/>
+                <a:latin typeface="Consolas" panose="020B0609020204030204" pitchFamily="49" charset="0"/>
+              </a:rPr>
+              <a:t>;</a:t>
+            </a:r>
+            <a:br>
+              <a:rPr lang="en-US" b="0" dirty="0">
+                <a:solidFill>
+                  <a:srgbClr val="333333"/>
+                </a:solidFill>
+                <a:effectLst/>
+                <a:latin typeface="Consolas" panose="020B0609020204030204" pitchFamily="49" charset="0"/>
+              </a:rPr>
+            </a:br>
+            <a:r>
+              <a:rPr lang="en-US" b="1" dirty="0">
+                <a:solidFill>
+                  <a:srgbClr val="268BD2"/>
+                </a:solidFill>
+                <a:effectLst/>
+                <a:latin typeface="Consolas" panose="020B0609020204030204" pitchFamily="49" charset="0"/>
+              </a:rPr>
+              <a:t>String</a:t>
+            </a:r>
+            <a:r>
+              <a:rPr lang="en-US" b="0" dirty="0">
+                <a:solidFill>
+                  <a:srgbClr val="333333"/>
+                </a:solidFill>
+                <a:effectLst/>
+                <a:latin typeface="Consolas" panose="020B0609020204030204" pitchFamily="49" charset="0"/>
+              </a:rPr>
+              <a:t> </a:t>
+            </a:r>
+            <a:r>
+              <a:rPr lang="en-US" b="0" dirty="0" err="1">
+                <a:solidFill>
+                  <a:srgbClr val="268BD2"/>
+                </a:solidFill>
+                <a:effectLst/>
+                <a:latin typeface="Consolas" panose="020B0609020204030204" pitchFamily="49" charset="0"/>
+              </a:rPr>
+              <a:t>dontPanic</a:t>
+            </a:r>
+            <a:r>
+              <a:rPr lang="en-US" b="0" dirty="0">
+                <a:solidFill>
+                  <a:srgbClr val="333333"/>
+                </a:solidFill>
+                <a:effectLst/>
+                <a:latin typeface="Consolas" panose="020B0609020204030204" pitchFamily="49" charset="0"/>
+              </a:rPr>
+              <a:t> </a:t>
+            </a:r>
+            <a:r>
+              <a:rPr lang="en-US" b="0" dirty="0">
+                <a:solidFill>
+                  <a:srgbClr val="859900"/>
+                </a:solidFill>
+                <a:effectLst/>
+                <a:latin typeface="Consolas" panose="020B0609020204030204" pitchFamily="49" charset="0"/>
+              </a:rPr>
+              <a:t>=</a:t>
+            </a:r>
+            <a:r>
+              <a:rPr lang="en-US" b="0" dirty="0">
+                <a:solidFill>
+                  <a:srgbClr val="333333"/>
+                </a:solidFill>
+                <a:effectLst/>
+                <a:latin typeface="Consolas" panose="020B0609020204030204" pitchFamily="49" charset="0"/>
+              </a:rPr>
+              <a:t> </a:t>
+            </a:r>
+            <a:r>
+              <a:rPr lang="en-US" b="0" dirty="0">
+                <a:solidFill>
+                  <a:srgbClr val="2AA198"/>
+                </a:solidFill>
+                <a:effectLst/>
+                <a:latin typeface="Consolas" panose="020B0609020204030204" pitchFamily="49" charset="0"/>
+              </a:rPr>
+              <a:t>"Don't forget to bring your "</a:t>
+            </a:r>
+            <a:r>
+              <a:rPr lang="en-US" b="0" dirty="0">
+                <a:solidFill>
+                  <a:srgbClr val="333333"/>
+                </a:solidFill>
+                <a:effectLst/>
+                <a:latin typeface="Consolas" panose="020B0609020204030204" pitchFamily="49" charset="0"/>
+              </a:rPr>
+              <a:t> </a:t>
+            </a:r>
+            <a:r>
+              <a:rPr lang="en-US" b="0" dirty="0">
+                <a:solidFill>
+                  <a:srgbClr val="859900"/>
+                </a:solidFill>
+                <a:effectLst/>
+                <a:latin typeface="Consolas" panose="020B0609020204030204" pitchFamily="49" charset="0"/>
+              </a:rPr>
+              <a:t>+</a:t>
+            </a:r>
+            <a:r>
+              <a:rPr lang="en-US" b="0" dirty="0">
+                <a:solidFill>
+                  <a:srgbClr val="333333"/>
+                </a:solidFill>
+                <a:effectLst/>
+                <a:latin typeface="Consolas" panose="020B0609020204030204" pitchFamily="49" charset="0"/>
+              </a:rPr>
+              <a:t> </a:t>
+            </a:r>
+            <a:r>
+              <a:rPr lang="en-US" b="0" dirty="0" err="1">
+                <a:solidFill>
+                  <a:srgbClr val="268BD2"/>
+                </a:solidFill>
+                <a:effectLst/>
+                <a:latin typeface="Consolas" panose="020B0609020204030204" pitchFamily="49" charset="0"/>
+              </a:rPr>
+              <a:t>towelColor</a:t>
+            </a:r>
+            <a:r>
+              <a:rPr lang="en-US" b="0" dirty="0">
+                <a:solidFill>
+                  <a:srgbClr val="333333"/>
+                </a:solidFill>
+                <a:effectLst/>
+                <a:latin typeface="Consolas" panose="020B0609020204030204" pitchFamily="49" charset="0"/>
+              </a:rPr>
+              <a:t> </a:t>
+            </a:r>
+            <a:r>
+              <a:rPr lang="en-US" b="0" dirty="0">
+                <a:solidFill>
+                  <a:srgbClr val="859900"/>
+                </a:solidFill>
+                <a:effectLst/>
+                <a:latin typeface="Consolas" panose="020B0609020204030204" pitchFamily="49" charset="0"/>
+              </a:rPr>
+              <a:t>+</a:t>
+            </a:r>
+            <a:r>
+              <a:rPr lang="en-US" b="0" dirty="0">
+                <a:solidFill>
+                  <a:srgbClr val="333333"/>
+                </a:solidFill>
+                <a:effectLst/>
+                <a:latin typeface="Consolas" panose="020B0609020204030204" pitchFamily="49" charset="0"/>
+              </a:rPr>
+              <a:t> </a:t>
+            </a:r>
+            <a:r>
+              <a:rPr lang="en-US" b="0" dirty="0">
+                <a:solidFill>
+                  <a:srgbClr val="2AA198"/>
+                </a:solidFill>
+                <a:effectLst/>
+                <a:latin typeface="Consolas" panose="020B0609020204030204" pitchFamily="49" charset="0"/>
+              </a:rPr>
+              <a:t>" towel"</a:t>
+            </a:r>
+            <a:r>
+              <a:rPr lang="en-US" b="0" dirty="0">
+                <a:solidFill>
+                  <a:srgbClr val="333333"/>
+                </a:solidFill>
+                <a:effectLst/>
+                <a:latin typeface="Consolas" panose="020B0609020204030204" pitchFamily="49" charset="0"/>
+              </a:rPr>
+              <a:t>;</a:t>
+            </a:r>
+            <a:br>
+              <a:rPr lang="en-US" b="0" dirty="0">
+                <a:solidFill>
+                  <a:srgbClr val="333333"/>
+                </a:solidFill>
+                <a:effectLst/>
+                <a:latin typeface="Consolas" panose="020B0609020204030204" pitchFamily="49" charset="0"/>
+              </a:rPr>
+            </a:br>
+            <a:r>
+              <a:rPr lang="en-US" b="1" dirty="0">
+                <a:solidFill>
+                  <a:srgbClr val="268BD2"/>
+                </a:solidFill>
+                <a:effectLst/>
+                <a:latin typeface="Consolas" panose="020B0609020204030204" pitchFamily="49" charset="0"/>
+              </a:rPr>
+              <a:t>String</a:t>
+            </a:r>
+            <a:r>
+              <a:rPr lang="en-US" b="0" dirty="0">
+                <a:solidFill>
+                  <a:srgbClr val="333333"/>
+                </a:solidFill>
+                <a:effectLst/>
+                <a:latin typeface="Consolas" panose="020B0609020204030204" pitchFamily="49" charset="0"/>
+              </a:rPr>
+              <a:t> </a:t>
+            </a:r>
+            <a:r>
+              <a:rPr lang="en-US" b="0" dirty="0">
+                <a:solidFill>
+                  <a:srgbClr val="268BD2"/>
+                </a:solidFill>
+                <a:effectLst/>
+                <a:latin typeface="Consolas" panose="020B0609020204030204" pitchFamily="49" charset="0"/>
+              </a:rPr>
+              <a:t>txt</a:t>
+            </a:r>
+            <a:r>
+              <a:rPr lang="en-US" b="0" dirty="0">
+                <a:solidFill>
+                  <a:srgbClr val="333333"/>
+                </a:solidFill>
+                <a:effectLst/>
+                <a:latin typeface="Consolas" panose="020B0609020204030204" pitchFamily="49" charset="0"/>
+              </a:rPr>
+              <a:t> </a:t>
+            </a:r>
+            <a:r>
+              <a:rPr lang="en-US" b="0" dirty="0">
+                <a:solidFill>
+                  <a:srgbClr val="859900"/>
+                </a:solidFill>
+                <a:effectLst/>
+                <a:latin typeface="Consolas" panose="020B0609020204030204" pitchFamily="49" charset="0"/>
+              </a:rPr>
+              <a:t>=</a:t>
+            </a:r>
+            <a:r>
+              <a:rPr lang="en-US" b="0" dirty="0">
+                <a:solidFill>
+                  <a:srgbClr val="333333"/>
+                </a:solidFill>
+                <a:effectLst/>
+                <a:latin typeface="Consolas" panose="020B0609020204030204" pitchFamily="49" charset="0"/>
+              </a:rPr>
+              <a:t> </a:t>
+            </a:r>
+            <a:r>
+              <a:rPr lang="en-US" b="0" dirty="0">
+                <a:solidFill>
+                  <a:srgbClr val="2AA198"/>
+                </a:solidFill>
+                <a:effectLst/>
+                <a:latin typeface="Consolas" panose="020B0609020204030204" pitchFamily="49" charset="0"/>
+              </a:rPr>
+              <a:t>"Don't panic"</a:t>
+            </a:r>
+            <a:r>
+              <a:rPr lang="en-US" b="0" dirty="0">
+                <a:solidFill>
+                  <a:srgbClr val="333333"/>
+                </a:solidFill>
+                <a:effectLst/>
+                <a:latin typeface="Consolas" panose="020B0609020204030204" pitchFamily="49" charset="0"/>
+              </a:rPr>
+              <a:t>;</a:t>
+            </a:r>
+            <a:br>
+              <a:rPr lang="en-US" b="0" dirty="0">
+                <a:solidFill>
+                  <a:srgbClr val="333333"/>
+                </a:solidFill>
+                <a:effectLst/>
+                <a:latin typeface="Consolas" panose="020B0609020204030204" pitchFamily="49" charset="0"/>
+              </a:rPr>
+            </a:br>
+            <a:r>
+              <a:rPr lang="en-US" b="1" dirty="0">
+                <a:solidFill>
+                  <a:srgbClr val="268BD2"/>
+                </a:solidFill>
+                <a:effectLst/>
+                <a:latin typeface="Consolas" panose="020B0609020204030204" pitchFamily="49" charset="0"/>
+              </a:rPr>
+              <a:t>String</a:t>
+            </a:r>
+            <a:r>
+              <a:rPr lang="en-US" b="0" dirty="0">
+                <a:solidFill>
+                  <a:srgbClr val="333333"/>
+                </a:solidFill>
+                <a:effectLst/>
+                <a:latin typeface="Consolas" panose="020B0609020204030204" pitchFamily="49" charset="0"/>
+              </a:rPr>
+              <a:t> </a:t>
+            </a:r>
+            <a:r>
+              <a:rPr lang="en-US" b="0" dirty="0">
+                <a:solidFill>
+                  <a:srgbClr val="268BD2"/>
+                </a:solidFill>
+                <a:effectLst/>
+                <a:latin typeface="Consolas" panose="020B0609020204030204" pitchFamily="49" charset="0"/>
+              </a:rPr>
+              <a:t>heading1</a:t>
+            </a:r>
+            <a:r>
+              <a:rPr lang="en-US" b="0" dirty="0">
+                <a:solidFill>
+                  <a:srgbClr val="333333"/>
+                </a:solidFill>
+                <a:effectLst/>
+                <a:latin typeface="Consolas" panose="020B0609020204030204" pitchFamily="49" charset="0"/>
+              </a:rPr>
+              <a:t>  </a:t>
+            </a:r>
+            <a:r>
+              <a:rPr lang="en-US" b="0" dirty="0">
+                <a:solidFill>
+                  <a:srgbClr val="859900"/>
+                </a:solidFill>
+                <a:effectLst/>
+                <a:latin typeface="Consolas" panose="020B0609020204030204" pitchFamily="49" charset="0"/>
+              </a:rPr>
+              <a:t>=</a:t>
+            </a:r>
+            <a:r>
+              <a:rPr lang="en-US" b="0" dirty="0">
+                <a:solidFill>
+                  <a:srgbClr val="333333"/>
+                </a:solidFill>
+                <a:effectLst/>
+                <a:latin typeface="Consolas" panose="020B0609020204030204" pitchFamily="49" charset="0"/>
+              </a:rPr>
+              <a:t> </a:t>
+            </a:r>
+            <a:r>
+              <a:rPr lang="en-US" b="0" dirty="0">
+                <a:solidFill>
+                  <a:srgbClr val="2AA198"/>
+                </a:solidFill>
+                <a:effectLst/>
+                <a:latin typeface="Consolas" panose="020B0609020204030204" pitchFamily="49" charset="0"/>
+              </a:rPr>
+              <a:t>"&lt;h1&gt;"</a:t>
+            </a:r>
+            <a:r>
+              <a:rPr lang="en-US" b="0" dirty="0">
+                <a:solidFill>
+                  <a:srgbClr val="333333"/>
+                </a:solidFill>
+                <a:effectLst/>
+                <a:latin typeface="Consolas" panose="020B0609020204030204" pitchFamily="49" charset="0"/>
+              </a:rPr>
+              <a:t> </a:t>
+            </a:r>
+            <a:r>
+              <a:rPr lang="en-US" b="0" dirty="0">
+                <a:solidFill>
+                  <a:srgbClr val="859900"/>
+                </a:solidFill>
+                <a:effectLst/>
+                <a:latin typeface="Consolas" panose="020B0609020204030204" pitchFamily="49" charset="0"/>
+              </a:rPr>
+              <a:t>+</a:t>
+            </a:r>
+            <a:r>
+              <a:rPr lang="en-US" b="0" dirty="0">
+                <a:solidFill>
+                  <a:srgbClr val="333333"/>
+                </a:solidFill>
+                <a:effectLst/>
+                <a:latin typeface="Consolas" panose="020B0609020204030204" pitchFamily="49" charset="0"/>
+              </a:rPr>
+              <a:t> </a:t>
+            </a:r>
+            <a:r>
+              <a:rPr lang="en-US" b="0" dirty="0">
+                <a:solidFill>
+                  <a:srgbClr val="268BD2"/>
+                </a:solidFill>
+                <a:effectLst/>
+                <a:latin typeface="Consolas" panose="020B0609020204030204" pitchFamily="49" charset="0"/>
+              </a:rPr>
+              <a:t>txt</a:t>
+            </a:r>
+            <a:r>
+              <a:rPr lang="en-US" b="0" dirty="0">
+                <a:solidFill>
+                  <a:srgbClr val="333333"/>
+                </a:solidFill>
+                <a:effectLst/>
+                <a:latin typeface="Consolas" panose="020B0609020204030204" pitchFamily="49" charset="0"/>
+              </a:rPr>
+              <a:t> </a:t>
+            </a:r>
+            <a:r>
+              <a:rPr lang="en-US" b="0" dirty="0">
+                <a:solidFill>
+                  <a:srgbClr val="859900"/>
+                </a:solidFill>
+                <a:effectLst/>
+                <a:latin typeface="Consolas" panose="020B0609020204030204" pitchFamily="49" charset="0"/>
+              </a:rPr>
+              <a:t>+</a:t>
+            </a:r>
+            <a:r>
+              <a:rPr lang="en-US" b="0" dirty="0">
+                <a:solidFill>
+                  <a:srgbClr val="333333"/>
+                </a:solidFill>
+                <a:effectLst/>
+                <a:latin typeface="Consolas" panose="020B0609020204030204" pitchFamily="49" charset="0"/>
+              </a:rPr>
+              <a:t> </a:t>
+            </a:r>
+            <a:r>
+              <a:rPr lang="en-US" b="0" dirty="0">
+                <a:solidFill>
+                  <a:srgbClr val="2AA198"/>
+                </a:solidFill>
+                <a:effectLst/>
+                <a:latin typeface="Consolas" panose="020B0609020204030204" pitchFamily="49" charset="0"/>
+              </a:rPr>
+              <a:t>"&lt;/h1&gt;"</a:t>
+            </a:r>
+            <a:r>
+              <a:rPr lang="en-US" b="0" dirty="0">
+                <a:solidFill>
+                  <a:srgbClr val="333333"/>
+                </a:solidFill>
+                <a:effectLst/>
+                <a:latin typeface="Consolas" panose="020B0609020204030204" pitchFamily="49" charset="0"/>
+              </a:rPr>
+              <a:t>;</a:t>
+            </a:r>
+          </a:p>
+          <a:p>
+            <a:pPr fontAlgn="base"/>
+            <a:r>
+              <a:rPr lang="en-US" dirty="0"/>
+              <a:t>However, that can be awkward - introducing </a:t>
+            </a:r>
+            <a:r>
+              <a:rPr lang="en-US" b="1" dirty="0" err="1"/>
+              <a:t>String.format</a:t>
+            </a:r>
+            <a:br>
+              <a:rPr lang="en-US" dirty="0"/>
+            </a:br>
+            <a:r>
+              <a:rPr lang="en-US" b="1" dirty="0">
+                <a:solidFill>
+                  <a:srgbClr val="268BD2"/>
+                </a:solidFill>
+                <a:effectLst/>
+                <a:latin typeface="Consolas" panose="020B0609020204030204" pitchFamily="49" charset="0"/>
+              </a:rPr>
+              <a:t>String</a:t>
+            </a:r>
+            <a:r>
+              <a:rPr lang="en-US" b="0" dirty="0">
+                <a:solidFill>
+                  <a:srgbClr val="333333"/>
+                </a:solidFill>
+                <a:effectLst/>
+                <a:latin typeface="Consolas" panose="020B0609020204030204" pitchFamily="49" charset="0"/>
+              </a:rPr>
+              <a:t> </a:t>
+            </a:r>
+            <a:r>
+              <a:rPr lang="en-US" b="0" dirty="0" err="1">
+                <a:solidFill>
+                  <a:srgbClr val="268BD2"/>
+                </a:solidFill>
+                <a:effectLst/>
+                <a:latin typeface="Consolas" panose="020B0609020204030204" pitchFamily="49" charset="0"/>
+              </a:rPr>
+              <a:t>towelColor</a:t>
+            </a:r>
+            <a:r>
+              <a:rPr lang="en-US" b="0" dirty="0">
+                <a:solidFill>
+                  <a:srgbClr val="333333"/>
+                </a:solidFill>
+                <a:effectLst/>
+                <a:latin typeface="Consolas" panose="020B0609020204030204" pitchFamily="49" charset="0"/>
+              </a:rPr>
+              <a:t> </a:t>
+            </a:r>
+            <a:r>
+              <a:rPr lang="en-US" b="0" dirty="0">
+                <a:solidFill>
+                  <a:srgbClr val="859900"/>
+                </a:solidFill>
+                <a:effectLst/>
+                <a:latin typeface="Consolas" panose="020B0609020204030204" pitchFamily="49" charset="0"/>
+              </a:rPr>
+              <a:t>=</a:t>
+            </a:r>
+            <a:r>
+              <a:rPr lang="en-US" b="0" dirty="0">
+                <a:solidFill>
+                  <a:srgbClr val="333333"/>
+                </a:solidFill>
+                <a:effectLst/>
+                <a:latin typeface="Consolas" panose="020B0609020204030204" pitchFamily="49" charset="0"/>
+              </a:rPr>
+              <a:t> </a:t>
+            </a:r>
+            <a:r>
+              <a:rPr lang="en-US" b="0" dirty="0">
+                <a:solidFill>
+                  <a:srgbClr val="2AA198"/>
+                </a:solidFill>
+                <a:effectLst/>
+                <a:latin typeface="Consolas" panose="020B0609020204030204" pitchFamily="49" charset="0"/>
+              </a:rPr>
+              <a:t>"pink"</a:t>
+            </a:r>
+            <a:r>
+              <a:rPr lang="en-US" b="0" dirty="0">
+                <a:solidFill>
+                  <a:srgbClr val="333333"/>
+                </a:solidFill>
+                <a:effectLst/>
+                <a:latin typeface="Consolas" panose="020B0609020204030204" pitchFamily="49" charset="0"/>
+              </a:rPr>
+              <a:t>;</a:t>
+            </a:r>
+            <a:br>
+              <a:rPr lang="en-US" b="0" dirty="0">
+                <a:solidFill>
+                  <a:srgbClr val="333333"/>
+                </a:solidFill>
+                <a:effectLst/>
+                <a:latin typeface="Consolas" panose="020B0609020204030204" pitchFamily="49" charset="0"/>
+              </a:rPr>
+            </a:br>
+            <a:r>
+              <a:rPr lang="en-US" b="1" dirty="0">
+                <a:solidFill>
+                  <a:srgbClr val="268BD2"/>
+                </a:solidFill>
+                <a:effectLst/>
+                <a:latin typeface="Consolas" panose="020B0609020204030204" pitchFamily="49" charset="0"/>
+              </a:rPr>
+              <a:t>String</a:t>
+            </a:r>
+            <a:r>
+              <a:rPr lang="en-US" b="0" dirty="0">
+                <a:solidFill>
+                  <a:srgbClr val="333333"/>
+                </a:solidFill>
+                <a:effectLst/>
+                <a:latin typeface="Consolas" panose="020B0609020204030204" pitchFamily="49" charset="0"/>
+              </a:rPr>
+              <a:t> </a:t>
+            </a:r>
+            <a:r>
+              <a:rPr lang="en-US" b="0" dirty="0" err="1">
+                <a:solidFill>
+                  <a:srgbClr val="268BD2"/>
+                </a:solidFill>
+                <a:effectLst/>
+                <a:latin typeface="Consolas" panose="020B0609020204030204" pitchFamily="49" charset="0"/>
+              </a:rPr>
+              <a:t>dontPanic</a:t>
+            </a:r>
+            <a:r>
+              <a:rPr lang="en-US" b="0" dirty="0">
+                <a:solidFill>
+                  <a:srgbClr val="333333"/>
+                </a:solidFill>
+                <a:effectLst/>
+                <a:latin typeface="Consolas" panose="020B0609020204030204" pitchFamily="49" charset="0"/>
+              </a:rPr>
+              <a:t> </a:t>
+            </a:r>
+            <a:r>
+              <a:rPr lang="en-US" b="0" dirty="0">
+                <a:solidFill>
+                  <a:srgbClr val="859900"/>
+                </a:solidFill>
+                <a:effectLst/>
+                <a:latin typeface="Consolas" panose="020B0609020204030204" pitchFamily="49" charset="0"/>
+              </a:rPr>
+              <a:t>=</a:t>
+            </a:r>
+            <a:r>
+              <a:rPr lang="en-US" b="0" dirty="0">
+                <a:solidFill>
+                  <a:srgbClr val="333333"/>
+                </a:solidFill>
+                <a:effectLst/>
+                <a:latin typeface="Consolas" panose="020B0609020204030204" pitchFamily="49" charset="0"/>
+              </a:rPr>
+              <a:t> </a:t>
+            </a:r>
+            <a:r>
+              <a:rPr lang="en-US" b="0" dirty="0" err="1">
+                <a:solidFill>
+                  <a:srgbClr val="268BD2"/>
+                </a:solidFill>
+                <a:effectLst/>
+                <a:latin typeface="Consolas" panose="020B0609020204030204" pitchFamily="49" charset="0"/>
+              </a:rPr>
+              <a:t>String</a:t>
+            </a:r>
+            <a:r>
+              <a:rPr lang="en-US" b="0" dirty="0" err="1">
+                <a:solidFill>
+                  <a:srgbClr val="333333"/>
+                </a:solidFill>
+                <a:effectLst/>
+                <a:latin typeface="Consolas" panose="020B0609020204030204" pitchFamily="49" charset="0"/>
+              </a:rPr>
+              <a:t>.</a:t>
+            </a:r>
+            <a:r>
+              <a:rPr lang="en-US" b="0" dirty="0" err="1">
+                <a:solidFill>
+                  <a:srgbClr val="268BD2"/>
+                </a:solidFill>
+                <a:effectLst/>
+                <a:latin typeface="Consolas" panose="020B0609020204030204" pitchFamily="49" charset="0"/>
+              </a:rPr>
+              <a:t>format</a:t>
+            </a:r>
+            <a:r>
+              <a:rPr lang="en-US" b="0" dirty="0">
+                <a:solidFill>
+                  <a:srgbClr val="333333"/>
+                </a:solidFill>
+                <a:effectLst/>
+                <a:latin typeface="Consolas" panose="020B0609020204030204" pitchFamily="49" charset="0"/>
+              </a:rPr>
+              <a:t>(</a:t>
+            </a:r>
+            <a:r>
+              <a:rPr lang="en-US" b="0" dirty="0">
+                <a:solidFill>
+                  <a:srgbClr val="2AA198"/>
+                </a:solidFill>
+                <a:effectLst/>
+                <a:latin typeface="Consolas" panose="020B0609020204030204" pitchFamily="49" charset="0"/>
+              </a:rPr>
+              <a:t>"Don't forget to bring your %s towel"</a:t>
+            </a:r>
+            <a:r>
+              <a:rPr lang="en-US" b="0" dirty="0">
+                <a:solidFill>
+                  <a:srgbClr val="333333"/>
+                </a:solidFill>
+                <a:effectLst/>
+                <a:latin typeface="Consolas" panose="020B0609020204030204" pitchFamily="49" charset="0"/>
+              </a:rPr>
+              <a:t>, </a:t>
+            </a:r>
+            <a:r>
+              <a:rPr lang="en-US" b="0" dirty="0" err="1">
+                <a:solidFill>
+                  <a:srgbClr val="268BD2"/>
+                </a:solidFill>
+                <a:effectLst/>
+                <a:latin typeface="Consolas" panose="020B0609020204030204" pitchFamily="49" charset="0"/>
+              </a:rPr>
+              <a:t>towelColor</a:t>
+            </a:r>
+            <a:r>
+              <a:rPr lang="en-US" b="0" dirty="0">
+                <a:solidFill>
+                  <a:srgbClr val="333333"/>
+                </a:solidFill>
+                <a:effectLst/>
+                <a:latin typeface="Consolas" panose="020B0609020204030204" pitchFamily="49" charset="0"/>
+              </a:rPr>
+              <a:t>);</a:t>
+            </a:r>
+            <a:br>
+              <a:rPr lang="en-US" b="0" dirty="0">
+                <a:solidFill>
+                  <a:srgbClr val="333333"/>
+                </a:solidFill>
+                <a:effectLst/>
+                <a:latin typeface="Consolas" panose="020B0609020204030204" pitchFamily="49" charset="0"/>
+              </a:rPr>
+            </a:br>
+            <a:r>
+              <a:rPr lang="en-US" b="1" dirty="0">
+                <a:solidFill>
+                  <a:srgbClr val="268BD2"/>
+                </a:solidFill>
+                <a:effectLst/>
+                <a:latin typeface="Consolas" panose="020B0609020204030204" pitchFamily="49" charset="0"/>
+              </a:rPr>
+              <a:t>String</a:t>
+            </a:r>
+            <a:r>
+              <a:rPr lang="en-US" b="0" dirty="0">
+                <a:solidFill>
+                  <a:srgbClr val="333333"/>
+                </a:solidFill>
+                <a:effectLst/>
+                <a:latin typeface="Consolas" panose="020B0609020204030204" pitchFamily="49" charset="0"/>
+              </a:rPr>
+              <a:t> </a:t>
+            </a:r>
+            <a:r>
+              <a:rPr lang="en-US" b="0" dirty="0">
+                <a:solidFill>
+                  <a:srgbClr val="268BD2"/>
+                </a:solidFill>
+                <a:effectLst/>
+                <a:latin typeface="Consolas" panose="020B0609020204030204" pitchFamily="49" charset="0"/>
+              </a:rPr>
+              <a:t>txt</a:t>
+            </a:r>
+            <a:r>
+              <a:rPr lang="en-US" b="0" dirty="0">
+                <a:solidFill>
+                  <a:srgbClr val="333333"/>
+                </a:solidFill>
+                <a:effectLst/>
+                <a:latin typeface="Consolas" panose="020B0609020204030204" pitchFamily="49" charset="0"/>
+              </a:rPr>
+              <a:t> </a:t>
+            </a:r>
+            <a:r>
+              <a:rPr lang="en-US" b="0" dirty="0">
+                <a:solidFill>
+                  <a:srgbClr val="859900"/>
+                </a:solidFill>
+                <a:effectLst/>
+                <a:latin typeface="Consolas" panose="020B0609020204030204" pitchFamily="49" charset="0"/>
+              </a:rPr>
+              <a:t>=</a:t>
+            </a:r>
+            <a:r>
+              <a:rPr lang="en-US" b="0" dirty="0">
+                <a:solidFill>
+                  <a:srgbClr val="333333"/>
+                </a:solidFill>
+                <a:effectLst/>
+                <a:latin typeface="Consolas" panose="020B0609020204030204" pitchFamily="49" charset="0"/>
+              </a:rPr>
+              <a:t> </a:t>
+            </a:r>
+            <a:r>
+              <a:rPr lang="en-US" b="0" dirty="0">
+                <a:solidFill>
+                  <a:srgbClr val="2AA198"/>
+                </a:solidFill>
+                <a:effectLst/>
+                <a:latin typeface="Consolas" panose="020B0609020204030204" pitchFamily="49" charset="0"/>
+              </a:rPr>
+              <a:t>"Don't panic“</a:t>
+            </a:r>
+            <a:r>
+              <a:rPr lang="en-US" dirty="0">
+                <a:solidFill>
+                  <a:srgbClr val="333333"/>
+                </a:solidFill>
+                <a:latin typeface="Consolas" panose="020B0609020204030204" pitchFamily="49" charset="0"/>
+              </a:rPr>
+              <a:t>;</a:t>
+            </a:r>
+            <a:br>
+              <a:rPr lang="en-US" dirty="0">
+                <a:solidFill>
+                  <a:srgbClr val="333333"/>
+                </a:solidFill>
+                <a:latin typeface="Consolas" panose="020B0609020204030204" pitchFamily="49" charset="0"/>
+              </a:rPr>
+            </a:br>
+            <a:r>
+              <a:rPr lang="en-US" b="1" dirty="0">
+                <a:solidFill>
+                  <a:srgbClr val="268BD2"/>
+                </a:solidFill>
+                <a:effectLst/>
+                <a:latin typeface="Consolas" panose="020B0609020204030204" pitchFamily="49" charset="0"/>
+              </a:rPr>
+              <a:t>String</a:t>
+            </a:r>
+            <a:r>
+              <a:rPr lang="en-US" b="0" dirty="0">
+                <a:solidFill>
+                  <a:srgbClr val="333333"/>
+                </a:solidFill>
+                <a:effectLst/>
+                <a:latin typeface="Consolas" panose="020B0609020204030204" pitchFamily="49" charset="0"/>
+              </a:rPr>
+              <a:t> </a:t>
+            </a:r>
+            <a:r>
+              <a:rPr lang="en-US" b="0" dirty="0">
+                <a:solidFill>
+                  <a:srgbClr val="268BD2"/>
+                </a:solidFill>
+                <a:effectLst/>
+                <a:latin typeface="Consolas" panose="020B0609020204030204" pitchFamily="49" charset="0"/>
+              </a:rPr>
+              <a:t>heading1</a:t>
+            </a:r>
+            <a:r>
+              <a:rPr lang="en-US" b="0" dirty="0">
+                <a:solidFill>
+                  <a:srgbClr val="333333"/>
+                </a:solidFill>
+                <a:effectLst/>
+                <a:latin typeface="Consolas" panose="020B0609020204030204" pitchFamily="49" charset="0"/>
+              </a:rPr>
+              <a:t> </a:t>
+            </a:r>
+            <a:r>
+              <a:rPr lang="en-US" b="0" dirty="0">
+                <a:solidFill>
+                  <a:srgbClr val="859900"/>
+                </a:solidFill>
+                <a:effectLst/>
+                <a:latin typeface="Consolas" panose="020B0609020204030204" pitchFamily="49" charset="0"/>
+              </a:rPr>
+              <a:t>=</a:t>
+            </a:r>
+            <a:r>
+              <a:rPr lang="en-US" b="0" dirty="0">
+                <a:solidFill>
+                  <a:srgbClr val="333333"/>
+                </a:solidFill>
+                <a:effectLst/>
+                <a:latin typeface="Consolas" panose="020B0609020204030204" pitchFamily="49" charset="0"/>
+              </a:rPr>
+              <a:t> </a:t>
+            </a:r>
+            <a:r>
+              <a:rPr lang="en-US" b="0" dirty="0" err="1">
+                <a:solidFill>
+                  <a:srgbClr val="268BD2"/>
+                </a:solidFill>
+                <a:effectLst/>
+                <a:latin typeface="Consolas" panose="020B0609020204030204" pitchFamily="49" charset="0"/>
+              </a:rPr>
+              <a:t>String</a:t>
+            </a:r>
+            <a:r>
+              <a:rPr lang="en-US" b="0" dirty="0" err="1">
+                <a:solidFill>
+                  <a:srgbClr val="333333"/>
+                </a:solidFill>
+                <a:effectLst/>
+                <a:latin typeface="Consolas" panose="020B0609020204030204" pitchFamily="49" charset="0"/>
+              </a:rPr>
+              <a:t>.</a:t>
+            </a:r>
+            <a:r>
+              <a:rPr lang="en-US" b="0" dirty="0" err="1">
+                <a:solidFill>
+                  <a:srgbClr val="268BD2"/>
+                </a:solidFill>
+                <a:effectLst/>
+                <a:latin typeface="Consolas" panose="020B0609020204030204" pitchFamily="49" charset="0"/>
+              </a:rPr>
+              <a:t>format</a:t>
+            </a:r>
+            <a:r>
+              <a:rPr lang="en-US" b="0" dirty="0">
+                <a:solidFill>
+                  <a:srgbClr val="333333"/>
+                </a:solidFill>
+                <a:effectLst/>
+                <a:latin typeface="Consolas" panose="020B0609020204030204" pitchFamily="49" charset="0"/>
+              </a:rPr>
+              <a:t>(</a:t>
+            </a:r>
+            <a:r>
+              <a:rPr lang="en-US" b="0" dirty="0">
+                <a:solidFill>
+                  <a:srgbClr val="2AA198"/>
+                </a:solidFill>
+                <a:effectLst/>
+                <a:latin typeface="Consolas" panose="020B0609020204030204" pitchFamily="49" charset="0"/>
+              </a:rPr>
+              <a:t>"&lt;h1&gt;%s&lt;/h1&gt;"</a:t>
+            </a:r>
+            <a:r>
+              <a:rPr lang="en-US" b="0" dirty="0">
+                <a:solidFill>
+                  <a:srgbClr val="333333"/>
+                </a:solidFill>
+                <a:effectLst/>
+                <a:latin typeface="Consolas" panose="020B0609020204030204" pitchFamily="49" charset="0"/>
+              </a:rPr>
+              <a:t>, </a:t>
+            </a:r>
+            <a:r>
+              <a:rPr lang="en-US" b="0" dirty="0">
+                <a:solidFill>
+                  <a:srgbClr val="268BD2"/>
+                </a:solidFill>
+                <a:effectLst/>
+                <a:latin typeface="Consolas" panose="020B0609020204030204" pitchFamily="49" charset="0"/>
+              </a:rPr>
+              <a:t>txt</a:t>
+            </a:r>
+            <a:r>
+              <a:rPr lang="en-US" b="0" dirty="0">
+                <a:solidFill>
+                  <a:srgbClr val="333333"/>
+                </a:solidFill>
+                <a:effectLst/>
+                <a:latin typeface="Consolas" panose="020B0609020204030204" pitchFamily="49" charset="0"/>
+              </a:rPr>
+              <a:t>);</a:t>
+            </a:r>
             <a:endParaRPr lang="en-US" dirty="0"/>
           </a:p>
           <a:p>
@@ -11057,67 +12252,126 @@
               <a:t>  is </a:t>
             </a:r>
             <a:r>
-              <a:rPr lang="en-US" dirty="0" err="1"/>
-              <a:t>System.out.printf</a:t>
+              <a:rPr lang="pt-BR" b="0" dirty="0">
+                <a:solidFill>
+                  <a:srgbClr val="333333"/>
+                </a:solidFill>
+                <a:effectLst/>
+                <a:latin typeface="Consolas" panose="020B0609020204030204" pitchFamily="49" charset="0"/>
+              </a:rPr>
+              <a:t> </a:t>
+            </a:r>
+            <a:r>
+              <a:rPr lang="pt-BR" b="0" dirty="0">
+                <a:solidFill>
+                  <a:srgbClr val="268BD2"/>
+                </a:solidFill>
+                <a:effectLst/>
+                <a:latin typeface="Consolas" panose="020B0609020204030204" pitchFamily="49" charset="0"/>
+              </a:rPr>
+              <a:t>System</a:t>
+            </a:r>
+            <a:r>
+              <a:rPr lang="pt-BR" b="0" dirty="0">
+                <a:solidFill>
+                  <a:srgbClr val="333333"/>
+                </a:solidFill>
+                <a:effectLst/>
+                <a:latin typeface="Consolas" panose="020B0609020204030204" pitchFamily="49" charset="0"/>
+              </a:rPr>
+              <a:t>.</a:t>
+            </a:r>
+            <a:r>
+              <a:rPr lang="pt-BR" b="0" dirty="0">
+                <a:solidFill>
+                  <a:srgbClr val="268BD2"/>
+                </a:solidFill>
+                <a:effectLst/>
+                <a:latin typeface="Consolas" panose="020B0609020204030204" pitchFamily="49" charset="0"/>
+              </a:rPr>
+              <a:t>out</a:t>
+            </a:r>
+            <a:r>
+              <a:rPr lang="pt-BR" b="0" dirty="0">
+                <a:solidFill>
+                  <a:srgbClr val="333333"/>
+                </a:solidFill>
+                <a:effectLst/>
+                <a:latin typeface="Consolas" panose="020B0609020204030204" pitchFamily="49" charset="0"/>
+              </a:rPr>
+              <a:t>.</a:t>
+            </a:r>
+            <a:r>
+              <a:rPr lang="pt-BR" b="0" dirty="0">
+                <a:solidFill>
+                  <a:srgbClr val="268BD2"/>
+                </a:solidFill>
+                <a:effectLst/>
+                <a:latin typeface="Consolas" panose="020B0609020204030204" pitchFamily="49" charset="0"/>
+              </a:rPr>
+              <a:t>printf</a:t>
+            </a:r>
+            <a:r>
+              <a:rPr lang="pt-BR" b="0" dirty="0">
+                <a:solidFill>
+                  <a:srgbClr val="333333"/>
+                </a:solidFill>
+                <a:effectLst/>
+                <a:latin typeface="Consolas" panose="020B0609020204030204" pitchFamily="49" charset="0"/>
+              </a:rPr>
+              <a:t>(</a:t>
+            </a:r>
+            <a:r>
+              <a:rPr lang="pt-BR" b="0" dirty="0">
+                <a:solidFill>
+                  <a:srgbClr val="2AA198"/>
+                </a:solidFill>
+                <a:effectLst/>
+                <a:latin typeface="Consolas" panose="020B0609020204030204" pitchFamily="49" charset="0"/>
+              </a:rPr>
+              <a:t>"&lt;h1&gt;%s&lt;/h1&gt;"</a:t>
+            </a:r>
+            <a:r>
+              <a:rPr lang="pt-BR" b="0" dirty="0">
+                <a:solidFill>
+                  <a:srgbClr val="333333"/>
+                </a:solidFill>
+                <a:effectLst/>
+                <a:latin typeface="Consolas" panose="020B0609020204030204" pitchFamily="49" charset="0"/>
+              </a:rPr>
+              <a:t>, </a:t>
+            </a:r>
+            <a:r>
+              <a:rPr lang="pt-BR" b="0" dirty="0">
+                <a:solidFill>
+                  <a:srgbClr val="268BD2"/>
+                </a:solidFill>
+                <a:effectLst/>
+                <a:latin typeface="Consolas" panose="020B0609020204030204" pitchFamily="49" charset="0"/>
+              </a:rPr>
+              <a:t>txt</a:t>
+            </a:r>
+            <a:r>
+              <a:rPr lang="pt-BR" b="0" dirty="0">
+                <a:solidFill>
+                  <a:srgbClr val="333333"/>
+                </a:solidFill>
+                <a:effectLst/>
+                <a:latin typeface="Consolas" panose="020B0609020204030204" pitchFamily="49" charset="0"/>
+              </a:rPr>
+              <a:t>); </a:t>
             </a:r>
             <a:r>
               <a:rPr lang="en-US" dirty="0"/>
-              <a:t>(“&lt;h1&gt;%s&lt;/h1&gt;”, txt);  // prints &lt;h1&gt;Don’t panic&lt;/h1&gt; to the screen</a:t>
+              <a:t>// prints &lt;h1&gt;Don’t panic&lt;/h1&gt; to the screen</a:t>
             </a:r>
           </a:p>
         </p:txBody>
       </p:sp>
-      <p:pic>
-        <p:nvPicPr>
-          <p:cNvPr id="4" name="Picture 2">
-            <a:extLst>
-              <a:ext uri="{FF2B5EF4-FFF2-40B4-BE49-F238E27FC236}">
-                <a16:creationId xmlns:a16="http://schemas.microsoft.com/office/drawing/2014/main" id="{BD4EDBCB-50BF-A44E-9ACE-664BDDA0ADF6}"/>
-              </a:ext>
-            </a:extLst>
-          </p:cNvPr>
-          <p:cNvPicPr>
-            <a:picLocks noChangeAspect="1" noChangeArrowheads="1"/>
-          </p:cNvPicPr>
-          <p:nvPr/>
-        </p:nvPicPr>
-        <p:blipFill>
-          <a:blip r:embed="rId2">
-            <a:extLst>
-              <a:ext uri="{28A0092B-C50C-407E-A947-70E740481C1C}">
-                <a14:useLocalDpi xmlns:a14="http://schemas.microsoft.com/office/drawing/2010/main" val="0"/>
-              </a:ext>
-            </a:extLst>
-          </a:blip>
-          <a:srcRect/>
-          <a:stretch>
-            <a:fillRect/>
-          </a:stretch>
-        </p:blipFill>
-        <p:spPr bwMode="auto">
-          <a:xfrm>
-            <a:off x="11391900" y="-44068"/>
-            <a:ext cx="2425701" cy="2425701"/>
-          </a:xfrm>
-          <a:prstGeom prst="rect">
-            <a:avLst/>
-          </a:prstGeom>
-          <a:noFill/>
-          <a:extLst>
-            <a:ext uri="{909E8E84-426E-40DD-AFC4-6F175D3DCCD1}">
-              <a14:hiddenFill xmlns:a14="http://schemas.microsoft.com/office/drawing/2010/main">
-                <a:solidFill>
-                  <a:srgbClr val="FFFFFF"/>
-                </a:solidFill>
-              </a14:hiddenFill>
-            </a:ext>
-          </a:extLst>
-        </p:spPr>
-      </p:pic>
     </p:spTree>
     <p:extLst>
       <p:ext uri="{BB962C8B-B14F-4D97-AF65-F5344CB8AC3E}">
-        <p14:creationId xmlns:p14="http://schemas.microsoft.com/office/powerpoint/2010/main" val="3902518625"/>
+        <p14:creationId xmlns:p14="http://schemas.microsoft.com/office/powerpoint/2010/main" val="4040664989"/>
       </p:ext>
     </p:extLst>
   </p:cSld>
@@ -11126,12 +12380,12 @@
   </p:clrMapOvr>
   <mc:AlternateContent xmlns:mc="http://schemas.openxmlformats.org/markup-compatibility/2006" xmlns:p14="http://schemas.microsoft.com/office/powerpoint/2010/main">
     <mc:Choice Requires="p14">
-      <p:transition p14:dur="300">
+      <p:transition p14:dur="300" advTm="109816">
         <p:fade/>
       </p:transition>
     </mc:Choice>
     <mc:Fallback xmlns="">
-      <p:transition>
+      <p:transition advTm="109816">
         <p:fade/>
       </p:transition>
     </mc:Fallback>
@@ -11139,7 +12393,7 @@
 </p:sld>
 </file>
 
-<file path=ppt/slides/slide15.xml><?xml version="1.0" encoding="utf-8"?>
+<file path=ppt/slides/slide16.xml><?xml version="1.0" encoding="utf-8"?>
 <p:sld xmlns:a="http://schemas.openxmlformats.org/drawingml/2006/main" xmlns:r="http://schemas.openxmlformats.org/officeDocument/2006/relationships" xmlns:p="http://schemas.openxmlformats.org/presentationml/2006/main">
   <p:cSld>
     <p:spTree>
@@ -12593,7 +13847,7 @@
 </p:sld>
 </file>
 
-<file path=ppt/slides/slide16.xml><?xml version="1.0" encoding="utf-8"?>
+<file path=ppt/slides/slide17.xml><?xml version="1.0" encoding="utf-8"?>
 <p:sld xmlns:a="http://schemas.openxmlformats.org/drawingml/2006/main" xmlns:r="http://schemas.openxmlformats.org/officeDocument/2006/relationships" xmlns:p="http://schemas.openxmlformats.org/presentationml/2006/main">
   <p:cSld>
     <p:spTree>
@@ -12635,219 +13889,6 @@
               <a:rPr lang="en-US" dirty="0"/>
               <a:t>Numbers in String format</a:t>
             </a:r>
-          </a:p>
-        </p:txBody>
-      </p:sp>
-      <p:sp>
-        <p:nvSpPr>
-          <p:cNvPr id="3" name="Text Placeholder 2">
-            <a:extLst>
-              <a:ext uri="{FF2B5EF4-FFF2-40B4-BE49-F238E27FC236}">
-                <a16:creationId xmlns:a16="http://schemas.microsoft.com/office/drawing/2014/main" id="{05BA4BAC-E8DC-4047-AEF5-739C4BFEE3B2}"/>
-              </a:ext>
-            </a:extLst>
-          </p:cNvPr>
-          <p:cNvSpPr>
-            <a:spLocks noGrp="1"/>
-          </p:cNvSpPr>
-          <p:nvPr>
-            <p:ph type="body" sz="quarter" idx="10"/>
-          </p:nvPr>
-        </p:nvSpPr>
-        <p:spPr>
-          <a:xfrm>
-            <a:off x="628076" y="2091476"/>
-            <a:ext cx="6747086" cy="3269869"/>
-          </a:xfrm>
-        </p:spPr>
-        <p:txBody>
-          <a:bodyPr/>
-          <a:lstStyle/>
-          <a:p>
-            <a:pPr marL="0" indent="0">
-              <a:buNone/>
-            </a:pPr>
-            <a:r>
-              <a:rPr lang="en-US" dirty="0">
-                <a:latin typeface="Consolas" panose="020B0609020204030204" pitchFamily="49" charset="0"/>
-                <a:cs typeface="Consolas" panose="020B0609020204030204" pitchFamily="49" charset="0"/>
-              </a:rPr>
-              <a:t>public static String </a:t>
-            </a:r>
-            <a:r>
-              <a:rPr lang="en-US" dirty="0" err="1">
-                <a:latin typeface="Consolas" panose="020B0609020204030204" pitchFamily="49" charset="0"/>
-                <a:cs typeface="Consolas" panose="020B0609020204030204" pitchFamily="49" charset="0"/>
-              </a:rPr>
-              <a:t>percentNoFormat</a:t>
-            </a:r>
-            <a:r>
-              <a:rPr lang="en-US" dirty="0">
-                <a:latin typeface="Consolas" panose="020B0609020204030204" pitchFamily="49" charset="0"/>
-                <a:cs typeface="Consolas" panose="020B0609020204030204" pitchFamily="49" charset="0"/>
-              </a:rPr>
-              <a:t>(double </a:t>
-            </a:r>
-            <a:r>
-              <a:rPr lang="en-US" dirty="0" err="1">
-                <a:latin typeface="Consolas" panose="020B0609020204030204" pitchFamily="49" charset="0"/>
-                <a:cs typeface="Consolas" panose="020B0609020204030204" pitchFamily="49" charset="0"/>
-              </a:rPr>
-              <a:t>val</a:t>
-            </a:r>
-            <a:r>
-              <a:rPr lang="en-US" dirty="0">
-                <a:latin typeface="Consolas" panose="020B0609020204030204" pitchFamily="49" charset="0"/>
-                <a:cs typeface="Consolas" panose="020B0609020204030204" pitchFamily="49" charset="0"/>
-              </a:rPr>
-              <a:t>) {</a:t>
-            </a:r>
-            <a:br>
-              <a:rPr lang="en-US" dirty="0">
-                <a:latin typeface="Consolas" panose="020B0609020204030204" pitchFamily="49" charset="0"/>
-                <a:cs typeface="Consolas" panose="020B0609020204030204" pitchFamily="49" charset="0"/>
-              </a:rPr>
-            </a:br>
-            <a:r>
-              <a:rPr lang="en-US" dirty="0">
-                <a:latin typeface="Consolas" panose="020B0609020204030204" pitchFamily="49" charset="0"/>
-                <a:cs typeface="Consolas" panose="020B0609020204030204" pitchFamily="49" charset="0"/>
-              </a:rPr>
-              <a:t>   return </a:t>
-            </a:r>
-            <a:r>
-              <a:rPr lang="en-US" dirty="0" err="1">
-                <a:latin typeface="Consolas" panose="020B0609020204030204" pitchFamily="49" charset="0"/>
-                <a:cs typeface="Consolas" panose="020B0609020204030204" pitchFamily="49" charset="0"/>
-              </a:rPr>
-              <a:t>val</a:t>
-            </a:r>
-            <a:r>
-              <a:rPr lang="en-US" dirty="0">
-                <a:latin typeface="Consolas" panose="020B0609020204030204" pitchFamily="49" charset="0"/>
-                <a:cs typeface="Consolas" panose="020B0609020204030204" pitchFamily="49" charset="0"/>
-              </a:rPr>
-              <a:t> + "%"; </a:t>
-            </a:r>
-            <a:br>
-              <a:rPr lang="en-US" dirty="0">
-                <a:latin typeface="Consolas" panose="020B0609020204030204" pitchFamily="49" charset="0"/>
-                <a:cs typeface="Consolas" panose="020B0609020204030204" pitchFamily="49" charset="0"/>
-              </a:rPr>
-            </a:br>
-            <a:r>
-              <a:rPr lang="en-US" dirty="0">
-                <a:latin typeface="Consolas" panose="020B0609020204030204" pitchFamily="49" charset="0"/>
-                <a:cs typeface="Consolas" panose="020B0609020204030204" pitchFamily="49" charset="0"/>
-              </a:rPr>
-              <a:t>}</a:t>
-            </a:r>
-          </a:p>
-          <a:p>
-            <a:endParaRPr lang="en-US" dirty="0">
-              <a:latin typeface="Consolas" panose="020B0609020204030204" pitchFamily="49" charset="0"/>
-              <a:cs typeface="Consolas" panose="020B0609020204030204" pitchFamily="49" charset="0"/>
-            </a:endParaRPr>
-          </a:p>
-          <a:p>
-            <a:pPr marL="0" indent="0">
-              <a:buNone/>
-            </a:pPr>
-            <a:r>
-              <a:rPr lang="en-US" dirty="0">
-                <a:latin typeface="Consolas" panose="020B0609020204030204" pitchFamily="49" charset="0"/>
-                <a:cs typeface="Consolas" panose="020B0609020204030204" pitchFamily="49" charset="0"/>
-              </a:rPr>
-              <a:t>public static String </a:t>
-            </a:r>
-            <a:r>
-              <a:rPr lang="en-US" dirty="0" err="1">
-                <a:latin typeface="Consolas" panose="020B0609020204030204" pitchFamily="49" charset="0"/>
-                <a:cs typeface="Consolas" panose="020B0609020204030204" pitchFamily="49" charset="0"/>
-              </a:rPr>
-              <a:t>percentFormat</a:t>
-            </a:r>
-            <a:r>
-              <a:rPr lang="en-US" dirty="0">
-                <a:latin typeface="Consolas" panose="020B0609020204030204" pitchFamily="49" charset="0"/>
-                <a:cs typeface="Consolas" panose="020B0609020204030204" pitchFamily="49" charset="0"/>
-              </a:rPr>
-              <a:t>(double </a:t>
-            </a:r>
-            <a:r>
-              <a:rPr lang="en-US" dirty="0" err="1">
-                <a:latin typeface="Consolas" panose="020B0609020204030204" pitchFamily="49" charset="0"/>
-                <a:cs typeface="Consolas" panose="020B0609020204030204" pitchFamily="49" charset="0"/>
-              </a:rPr>
-              <a:t>val</a:t>
-            </a:r>
-            <a:r>
-              <a:rPr lang="en-US" dirty="0">
-                <a:latin typeface="Consolas" panose="020B0609020204030204" pitchFamily="49" charset="0"/>
-                <a:cs typeface="Consolas" panose="020B0609020204030204" pitchFamily="49" charset="0"/>
-              </a:rPr>
-              <a:t>) {</a:t>
-            </a:r>
-            <a:br>
-              <a:rPr lang="en-US" dirty="0">
-                <a:latin typeface="Consolas" panose="020B0609020204030204" pitchFamily="49" charset="0"/>
-                <a:cs typeface="Consolas" panose="020B0609020204030204" pitchFamily="49" charset="0"/>
-              </a:rPr>
-            </a:br>
-            <a:r>
-              <a:rPr lang="en-US" dirty="0">
-                <a:latin typeface="Consolas" panose="020B0609020204030204" pitchFamily="49" charset="0"/>
-                <a:cs typeface="Consolas" panose="020B0609020204030204" pitchFamily="49" charset="0"/>
-              </a:rPr>
-              <a:t>    return </a:t>
-            </a:r>
-            <a:r>
-              <a:rPr lang="en-US" dirty="0" err="1">
-                <a:latin typeface="Consolas" panose="020B0609020204030204" pitchFamily="49" charset="0"/>
-                <a:cs typeface="Consolas" panose="020B0609020204030204" pitchFamily="49" charset="0"/>
-              </a:rPr>
-              <a:t>String.format</a:t>
-            </a:r>
-            <a:r>
-              <a:rPr lang="en-US" dirty="0">
-                <a:latin typeface="Consolas" panose="020B0609020204030204" pitchFamily="49" charset="0"/>
-                <a:cs typeface="Consolas" panose="020B0609020204030204" pitchFamily="49" charset="0"/>
-              </a:rPr>
-              <a:t>("%.2f%%", </a:t>
-            </a:r>
-            <a:r>
-              <a:rPr lang="en-US" dirty="0" err="1">
-                <a:latin typeface="Consolas" panose="020B0609020204030204" pitchFamily="49" charset="0"/>
-                <a:cs typeface="Consolas" panose="020B0609020204030204" pitchFamily="49" charset="0"/>
-              </a:rPr>
-              <a:t>val</a:t>
-            </a:r>
-            <a:r>
-              <a:rPr lang="en-US" dirty="0">
-                <a:latin typeface="Consolas" panose="020B0609020204030204" pitchFamily="49" charset="0"/>
-                <a:cs typeface="Consolas" panose="020B0609020204030204" pitchFamily="49" charset="0"/>
-              </a:rPr>
-              <a:t>);</a:t>
-            </a:r>
-            <a:br>
-              <a:rPr lang="en-US" dirty="0">
-                <a:latin typeface="Consolas" panose="020B0609020204030204" pitchFamily="49" charset="0"/>
-                <a:cs typeface="Consolas" panose="020B0609020204030204" pitchFamily="49" charset="0"/>
-              </a:rPr>
-            </a:br>
-            <a:r>
-              <a:rPr lang="en-US" dirty="0">
-                <a:latin typeface="Consolas" panose="020B0609020204030204" pitchFamily="49" charset="0"/>
-                <a:cs typeface="Consolas" panose="020B0609020204030204" pitchFamily="49" charset="0"/>
-              </a:rPr>
-              <a:t>}</a:t>
-            </a:r>
-          </a:p>
-          <a:p>
-            <a:pPr marL="0" indent="0">
-              <a:buNone/>
-            </a:pPr>
-            <a:endParaRPr lang="en-US" dirty="0"/>
           </a:p>
         </p:txBody>
       </p:sp>
@@ -12973,10 +14014,532 @@
           </a:p>
         </p:txBody>
       </p:sp>
+      <p:sp>
+        <p:nvSpPr>
+          <p:cNvPr id="9" name="TextBox 8">
+            <a:extLst>
+              <a:ext uri="{FF2B5EF4-FFF2-40B4-BE49-F238E27FC236}">
+                <a16:creationId xmlns:a16="http://schemas.microsoft.com/office/drawing/2014/main" id="{5E713F84-E14E-44FE-95C8-872DD63B0F27}"/>
+              </a:ext>
+            </a:extLst>
+          </p:cNvPr>
+          <p:cNvSpPr txBox="1"/>
+          <p:nvPr/>
+        </p:nvSpPr>
+        <p:spPr>
+          <a:xfrm>
+            <a:off x="367259" y="2462946"/>
+            <a:ext cx="7517567" cy="2554545"/>
+          </a:xfrm>
+          <a:prstGeom prst="rect">
+            <a:avLst/>
+          </a:prstGeom>
+          <a:noFill/>
+        </p:spPr>
+        <p:txBody>
+          <a:bodyPr wrap="square">
+            <a:spAutoFit/>
+          </a:bodyPr>
+          <a:lstStyle/>
+          <a:p>
+            <a:r>
+              <a:rPr lang="en-US" b="1" dirty="0">
+                <a:solidFill>
+                  <a:srgbClr val="073642"/>
+                </a:solidFill>
+                <a:effectLst/>
+                <a:latin typeface="Consolas" panose="020B0609020204030204" pitchFamily="49" charset="0"/>
+              </a:rPr>
+              <a:t>public</a:t>
+            </a:r>
+            <a:r>
+              <a:rPr lang="en-US" b="0" dirty="0">
+                <a:solidFill>
+                  <a:srgbClr val="333333"/>
+                </a:solidFill>
+                <a:effectLst/>
+                <a:latin typeface="Consolas" panose="020B0609020204030204" pitchFamily="49" charset="0"/>
+              </a:rPr>
+              <a:t> </a:t>
+            </a:r>
+            <a:r>
+              <a:rPr lang="en-US" b="1" dirty="0">
+                <a:solidFill>
+                  <a:srgbClr val="073642"/>
+                </a:solidFill>
+                <a:effectLst/>
+                <a:latin typeface="Consolas" panose="020B0609020204030204" pitchFamily="49" charset="0"/>
+              </a:rPr>
+              <a:t>static</a:t>
+            </a:r>
+            <a:r>
+              <a:rPr lang="en-US" b="0" dirty="0">
+                <a:solidFill>
+                  <a:srgbClr val="333333"/>
+                </a:solidFill>
+                <a:effectLst/>
+                <a:latin typeface="Consolas" panose="020B0609020204030204" pitchFamily="49" charset="0"/>
+              </a:rPr>
+              <a:t> </a:t>
+            </a:r>
+            <a:r>
+              <a:rPr lang="en-US" b="1" dirty="0">
+                <a:solidFill>
+                  <a:srgbClr val="268BD2"/>
+                </a:solidFill>
+                <a:effectLst/>
+                <a:latin typeface="Consolas" panose="020B0609020204030204" pitchFamily="49" charset="0"/>
+              </a:rPr>
+              <a:t>String</a:t>
+            </a:r>
+            <a:r>
+              <a:rPr lang="en-US" b="0" dirty="0">
+                <a:solidFill>
+                  <a:srgbClr val="333333"/>
+                </a:solidFill>
+                <a:effectLst/>
+                <a:latin typeface="Consolas" panose="020B0609020204030204" pitchFamily="49" charset="0"/>
+              </a:rPr>
+              <a:t> </a:t>
+            </a:r>
+            <a:r>
+              <a:rPr lang="en-US" b="0" dirty="0" err="1">
+                <a:solidFill>
+                  <a:srgbClr val="268BD2"/>
+                </a:solidFill>
+                <a:effectLst/>
+                <a:latin typeface="Consolas" panose="020B0609020204030204" pitchFamily="49" charset="0"/>
+              </a:rPr>
+              <a:t>percentNoFormat</a:t>
+            </a:r>
+            <a:r>
+              <a:rPr lang="en-US" b="0" dirty="0">
+                <a:solidFill>
+                  <a:srgbClr val="333333"/>
+                </a:solidFill>
+                <a:effectLst/>
+                <a:latin typeface="Consolas" panose="020B0609020204030204" pitchFamily="49" charset="0"/>
+              </a:rPr>
+              <a:t>(</a:t>
+            </a:r>
+            <a:r>
+              <a:rPr lang="en-US" b="1" dirty="0">
+                <a:solidFill>
+                  <a:srgbClr val="073642"/>
+                </a:solidFill>
+                <a:effectLst/>
+                <a:latin typeface="Consolas" panose="020B0609020204030204" pitchFamily="49" charset="0"/>
+              </a:rPr>
+              <a:t>double</a:t>
+            </a:r>
+            <a:r>
+              <a:rPr lang="en-US" b="0" dirty="0">
+                <a:solidFill>
+                  <a:srgbClr val="333333"/>
+                </a:solidFill>
+                <a:effectLst/>
+                <a:latin typeface="Consolas" panose="020B0609020204030204" pitchFamily="49" charset="0"/>
+              </a:rPr>
+              <a:t> </a:t>
+            </a:r>
+            <a:r>
+              <a:rPr lang="en-US" b="0" dirty="0" err="1">
+                <a:solidFill>
+                  <a:srgbClr val="333333"/>
+                </a:solidFill>
+                <a:effectLst/>
+                <a:latin typeface="Consolas" panose="020B0609020204030204" pitchFamily="49" charset="0"/>
+              </a:rPr>
+              <a:t>val</a:t>
+            </a:r>
+            <a:r>
+              <a:rPr lang="en-US" b="0" dirty="0">
+                <a:solidFill>
+                  <a:srgbClr val="333333"/>
+                </a:solidFill>
+                <a:effectLst/>
+                <a:latin typeface="Consolas" panose="020B0609020204030204" pitchFamily="49" charset="0"/>
+              </a:rPr>
+              <a:t>) {</a:t>
+            </a:r>
+          </a:p>
+          <a:p>
+            <a:r>
+              <a:rPr lang="en-US" b="0" dirty="0">
+                <a:solidFill>
+                  <a:srgbClr val="333333"/>
+                </a:solidFill>
+                <a:effectLst/>
+                <a:latin typeface="Consolas" panose="020B0609020204030204" pitchFamily="49" charset="0"/>
+              </a:rPr>
+              <a:t>   </a:t>
+            </a:r>
+            <a:r>
+              <a:rPr lang="en-US" b="0" dirty="0">
+                <a:solidFill>
+                  <a:srgbClr val="859900"/>
+                </a:solidFill>
+                <a:effectLst/>
+                <a:latin typeface="Consolas" panose="020B0609020204030204" pitchFamily="49" charset="0"/>
+              </a:rPr>
+              <a:t>return</a:t>
+            </a:r>
+            <a:r>
+              <a:rPr lang="en-US" b="0" dirty="0">
+                <a:solidFill>
+                  <a:srgbClr val="333333"/>
+                </a:solidFill>
+                <a:effectLst/>
+                <a:latin typeface="Consolas" panose="020B0609020204030204" pitchFamily="49" charset="0"/>
+              </a:rPr>
+              <a:t> </a:t>
+            </a:r>
+            <a:r>
+              <a:rPr lang="en-US" b="0" dirty="0" err="1">
+                <a:solidFill>
+                  <a:srgbClr val="333333"/>
+                </a:solidFill>
+                <a:effectLst/>
+                <a:latin typeface="Consolas" panose="020B0609020204030204" pitchFamily="49" charset="0"/>
+              </a:rPr>
+              <a:t>val</a:t>
+            </a:r>
+            <a:r>
+              <a:rPr lang="en-US" b="0" dirty="0">
+                <a:solidFill>
+                  <a:srgbClr val="333333"/>
+                </a:solidFill>
+                <a:effectLst/>
+                <a:latin typeface="Consolas" panose="020B0609020204030204" pitchFamily="49" charset="0"/>
+              </a:rPr>
+              <a:t> </a:t>
+            </a:r>
+            <a:r>
+              <a:rPr lang="en-US" b="0" dirty="0">
+                <a:solidFill>
+                  <a:srgbClr val="859900"/>
+                </a:solidFill>
+                <a:effectLst/>
+                <a:latin typeface="Consolas" panose="020B0609020204030204" pitchFamily="49" charset="0"/>
+              </a:rPr>
+              <a:t>+</a:t>
+            </a:r>
+            <a:r>
+              <a:rPr lang="en-US" b="0" dirty="0">
+                <a:solidFill>
+                  <a:srgbClr val="333333"/>
+                </a:solidFill>
+                <a:effectLst/>
+                <a:latin typeface="Consolas" panose="020B0609020204030204" pitchFamily="49" charset="0"/>
+              </a:rPr>
+              <a:t> </a:t>
+            </a:r>
+            <a:r>
+              <a:rPr lang="en-US" b="0" dirty="0">
+                <a:solidFill>
+                  <a:srgbClr val="2AA198"/>
+                </a:solidFill>
+                <a:effectLst/>
+                <a:latin typeface="Consolas" panose="020B0609020204030204" pitchFamily="49" charset="0"/>
+              </a:rPr>
+              <a:t>"%"</a:t>
+            </a:r>
+            <a:r>
+              <a:rPr lang="en-US" b="0" dirty="0">
+                <a:solidFill>
+                  <a:srgbClr val="333333"/>
+                </a:solidFill>
+                <a:effectLst/>
+                <a:latin typeface="Consolas" panose="020B0609020204030204" pitchFamily="49" charset="0"/>
+              </a:rPr>
+              <a:t>; </a:t>
+            </a:r>
+          </a:p>
+          <a:p>
+            <a:r>
+              <a:rPr lang="en-US" b="0" dirty="0">
+                <a:solidFill>
+                  <a:srgbClr val="333333"/>
+                </a:solidFill>
+                <a:effectLst/>
+                <a:latin typeface="Consolas" panose="020B0609020204030204" pitchFamily="49" charset="0"/>
+              </a:rPr>
+              <a:t>}</a:t>
+            </a:r>
+          </a:p>
+          <a:p>
+            <a:endParaRPr lang="en-US" b="0" dirty="0">
+              <a:solidFill>
+                <a:srgbClr val="333333"/>
+              </a:solidFill>
+              <a:effectLst/>
+              <a:latin typeface="Consolas" panose="020B0609020204030204" pitchFamily="49" charset="0"/>
+            </a:endParaRPr>
+          </a:p>
+          <a:p>
+            <a:br>
+              <a:rPr lang="en-US" b="0" dirty="0">
+                <a:solidFill>
+                  <a:srgbClr val="333333"/>
+                </a:solidFill>
+                <a:effectLst/>
+                <a:latin typeface="Consolas" panose="020B0609020204030204" pitchFamily="49" charset="0"/>
+              </a:rPr>
+            </a:br>
+            <a:r>
+              <a:rPr lang="en-US" b="1" dirty="0">
+                <a:solidFill>
+                  <a:srgbClr val="073642"/>
+                </a:solidFill>
+                <a:effectLst/>
+                <a:latin typeface="Consolas" panose="020B0609020204030204" pitchFamily="49" charset="0"/>
+              </a:rPr>
+              <a:t>public</a:t>
+            </a:r>
+            <a:r>
+              <a:rPr lang="en-US" b="0" dirty="0">
+                <a:solidFill>
+                  <a:srgbClr val="333333"/>
+                </a:solidFill>
+                <a:effectLst/>
+                <a:latin typeface="Consolas" panose="020B0609020204030204" pitchFamily="49" charset="0"/>
+              </a:rPr>
+              <a:t> </a:t>
+            </a:r>
+            <a:r>
+              <a:rPr lang="en-US" b="1" dirty="0">
+                <a:solidFill>
+                  <a:srgbClr val="073642"/>
+                </a:solidFill>
+                <a:effectLst/>
+                <a:latin typeface="Consolas" panose="020B0609020204030204" pitchFamily="49" charset="0"/>
+              </a:rPr>
+              <a:t>static</a:t>
+            </a:r>
+            <a:r>
+              <a:rPr lang="en-US" b="0" dirty="0">
+                <a:solidFill>
+                  <a:srgbClr val="333333"/>
+                </a:solidFill>
+                <a:effectLst/>
+                <a:latin typeface="Consolas" panose="020B0609020204030204" pitchFamily="49" charset="0"/>
+              </a:rPr>
+              <a:t> </a:t>
+            </a:r>
+            <a:r>
+              <a:rPr lang="en-US" b="1" dirty="0">
+                <a:solidFill>
+                  <a:srgbClr val="268BD2"/>
+                </a:solidFill>
+                <a:effectLst/>
+                <a:latin typeface="Consolas" panose="020B0609020204030204" pitchFamily="49" charset="0"/>
+              </a:rPr>
+              <a:t>String</a:t>
+            </a:r>
+            <a:r>
+              <a:rPr lang="en-US" b="0" dirty="0">
+                <a:solidFill>
+                  <a:srgbClr val="333333"/>
+                </a:solidFill>
+                <a:effectLst/>
+                <a:latin typeface="Consolas" panose="020B0609020204030204" pitchFamily="49" charset="0"/>
+              </a:rPr>
+              <a:t> </a:t>
+            </a:r>
+            <a:r>
+              <a:rPr lang="en-US" b="0" dirty="0" err="1">
+                <a:solidFill>
+                  <a:srgbClr val="268BD2"/>
+                </a:solidFill>
+                <a:effectLst/>
+                <a:latin typeface="Consolas" panose="020B0609020204030204" pitchFamily="49" charset="0"/>
+              </a:rPr>
+              <a:t>percentFormat</a:t>
+            </a:r>
+            <a:r>
+              <a:rPr lang="en-US" b="0" dirty="0">
+                <a:solidFill>
+                  <a:srgbClr val="333333"/>
+                </a:solidFill>
+                <a:effectLst/>
+                <a:latin typeface="Consolas" panose="020B0609020204030204" pitchFamily="49" charset="0"/>
+              </a:rPr>
+              <a:t>(</a:t>
+            </a:r>
+            <a:r>
+              <a:rPr lang="en-US" b="1" dirty="0">
+                <a:solidFill>
+                  <a:srgbClr val="073642"/>
+                </a:solidFill>
+                <a:effectLst/>
+                <a:latin typeface="Consolas" panose="020B0609020204030204" pitchFamily="49" charset="0"/>
+              </a:rPr>
+              <a:t>double</a:t>
+            </a:r>
+            <a:r>
+              <a:rPr lang="en-US" b="0" dirty="0">
+                <a:solidFill>
+                  <a:srgbClr val="333333"/>
+                </a:solidFill>
+                <a:effectLst/>
+                <a:latin typeface="Consolas" panose="020B0609020204030204" pitchFamily="49" charset="0"/>
+              </a:rPr>
+              <a:t> </a:t>
+            </a:r>
+            <a:r>
+              <a:rPr lang="en-US" b="0" dirty="0" err="1">
+                <a:solidFill>
+                  <a:srgbClr val="333333"/>
+                </a:solidFill>
+                <a:effectLst/>
+                <a:latin typeface="Consolas" panose="020B0609020204030204" pitchFamily="49" charset="0"/>
+              </a:rPr>
+              <a:t>val</a:t>
+            </a:r>
+            <a:r>
+              <a:rPr lang="en-US" b="0" dirty="0">
+                <a:solidFill>
+                  <a:srgbClr val="333333"/>
+                </a:solidFill>
+                <a:effectLst/>
+                <a:latin typeface="Consolas" panose="020B0609020204030204" pitchFamily="49" charset="0"/>
+              </a:rPr>
+              <a:t>) {</a:t>
+            </a:r>
+          </a:p>
+          <a:p>
+            <a:r>
+              <a:rPr lang="en-US" b="0" dirty="0">
+                <a:solidFill>
+                  <a:srgbClr val="333333"/>
+                </a:solidFill>
+                <a:effectLst/>
+                <a:latin typeface="Consolas" panose="020B0609020204030204" pitchFamily="49" charset="0"/>
+              </a:rPr>
+              <a:t>   </a:t>
+            </a:r>
+            <a:r>
+              <a:rPr lang="en-US" b="0" dirty="0">
+                <a:solidFill>
+                  <a:srgbClr val="859900"/>
+                </a:solidFill>
+                <a:effectLst/>
+                <a:latin typeface="Consolas" panose="020B0609020204030204" pitchFamily="49" charset="0"/>
+              </a:rPr>
+              <a:t>return</a:t>
+            </a:r>
+            <a:r>
+              <a:rPr lang="en-US" b="0" dirty="0">
+                <a:solidFill>
+                  <a:srgbClr val="333333"/>
+                </a:solidFill>
+                <a:effectLst/>
+                <a:latin typeface="Consolas" panose="020B0609020204030204" pitchFamily="49" charset="0"/>
+              </a:rPr>
+              <a:t> </a:t>
+            </a:r>
+            <a:r>
+              <a:rPr lang="en-US" b="0" dirty="0" err="1">
+                <a:solidFill>
+                  <a:srgbClr val="268BD2"/>
+                </a:solidFill>
+                <a:effectLst/>
+                <a:latin typeface="Consolas" panose="020B0609020204030204" pitchFamily="49" charset="0"/>
+              </a:rPr>
+              <a:t>String</a:t>
+            </a:r>
+            <a:r>
+              <a:rPr lang="en-US" b="0" dirty="0" err="1">
+                <a:solidFill>
+                  <a:srgbClr val="333333"/>
+                </a:solidFill>
+                <a:effectLst/>
+                <a:latin typeface="Consolas" panose="020B0609020204030204" pitchFamily="49" charset="0"/>
+              </a:rPr>
+              <a:t>.</a:t>
+            </a:r>
+            <a:r>
+              <a:rPr lang="en-US" b="0" dirty="0" err="1">
+                <a:solidFill>
+                  <a:srgbClr val="268BD2"/>
+                </a:solidFill>
+                <a:effectLst/>
+                <a:latin typeface="Consolas" panose="020B0609020204030204" pitchFamily="49" charset="0"/>
+              </a:rPr>
+              <a:t>format</a:t>
+            </a:r>
+            <a:r>
+              <a:rPr lang="en-US" b="0" dirty="0">
+                <a:solidFill>
+                  <a:srgbClr val="333333"/>
+                </a:solidFill>
+                <a:effectLst/>
+                <a:latin typeface="Consolas" panose="020B0609020204030204" pitchFamily="49" charset="0"/>
+              </a:rPr>
+              <a:t>(</a:t>
+            </a:r>
+            <a:r>
+              <a:rPr lang="en-US" b="0" dirty="0">
+                <a:solidFill>
+                  <a:srgbClr val="2AA198"/>
+                </a:solidFill>
+                <a:effectLst/>
+                <a:latin typeface="Consolas" panose="020B0609020204030204" pitchFamily="49" charset="0"/>
+              </a:rPr>
+              <a:t>"%.2f%%"</a:t>
+            </a:r>
+            <a:r>
+              <a:rPr lang="en-US" b="0" dirty="0">
+                <a:solidFill>
+                  <a:srgbClr val="333333"/>
+                </a:solidFill>
+                <a:effectLst/>
+                <a:latin typeface="Consolas" panose="020B0609020204030204" pitchFamily="49" charset="0"/>
+              </a:rPr>
+              <a:t>, </a:t>
+            </a:r>
+            <a:r>
+              <a:rPr lang="en-US" b="0" dirty="0" err="1">
+                <a:solidFill>
+                  <a:srgbClr val="333333"/>
+                </a:solidFill>
+                <a:effectLst/>
+                <a:latin typeface="Consolas" panose="020B0609020204030204" pitchFamily="49" charset="0"/>
+              </a:rPr>
+              <a:t>val</a:t>
+            </a:r>
+            <a:r>
+              <a:rPr lang="en-US" b="0" dirty="0">
+                <a:solidFill>
+                  <a:srgbClr val="333333"/>
+                </a:solidFill>
+                <a:effectLst/>
+                <a:latin typeface="Consolas" panose="020B0609020204030204" pitchFamily="49" charset="0"/>
+              </a:rPr>
+              <a:t>);</a:t>
+            </a:r>
+          </a:p>
+          <a:p>
+            <a:r>
+              <a:rPr lang="en-US" b="0" dirty="0">
+                <a:solidFill>
+                  <a:srgbClr val="333333"/>
+                </a:solidFill>
+                <a:effectLst/>
+                <a:latin typeface="Consolas" panose="020B0609020204030204" pitchFamily="49" charset="0"/>
+              </a:rPr>
+              <a:t>}</a:t>
+            </a:r>
+          </a:p>
+        </p:txBody>
+      </p:sp>
     </p:spTree>
+    <p:custDataLst>
+      <p:tags r:id="rId1"/>
+    </p:custDataLst>
     <p:extLst>
       <p:ext uri="{BB962C8B-B14F-4D97-AF65-F5344CB8AC3E}">
-        <p14:creationId xmlns:p14="http://schemas.microsoft.com/office/powerpoint/2010/main" val="2626839548"/>
+        <p14:creationId xmlns:p14="http://schemas.microsoft.com/office/powerpoint/2010/main" val="1004084539"/>
       </p:ext>
     </p:extLst>
   </p:cSld>
@@ -12985,12 +14548,12 @@
   </p:clrMapOvr>
   <mc:AlternateContent xmlns:mc="http://schemas.openxmlformats.org/markup-compatibility/2006" xmlns:p14="http://schemas.microsoft.com/office/powerpoint/2010/main">
     <mc:Choice Requires="p14">
-      <p:transition p14:dur="300">
+      <p:transition p14:dur="300" advTm="56550">
         <p:fade/>
       </p:transition>
     </mc:Choice>
     <mc:Fallback xmlns="">
-      <p:transition>
+      <p:transition advTm="56550">
         <p:fade/>
       </p:transition>
     </mc:Fallback>
@@ -13138,8 +14701,867 @@
 </p:sld>
 </file>
 
-<file path=ppt/slides/slide17.xml><?xml version="1.0" encoding="utf-8"?>
+<file path=ppt/slides/slide18.xml><?xml version="1.0" encoding="utf-8"?>
 <p:sld xmlns:a="http://schemas.openxmlformats.org/drawingml/2006/main" xmlns:r="http://schemas.openxmlformats.org/officeDocument/2006/relationships" xmlns:p="http://schemas.openxmlformats.org/presentationml/2006/main">
+  <p:cSld>
+    <p:spTree>
+      <p:nvGrpSpPr>
+        <p:cNvPr id="1" name=""/>
+        <p:cNvGrpSpPr/>
+        <p:nvPr/>
+      </p:nvGrpSpPr>
+      <p:grpSpPr>
+        <a:xfrm>
+          <a:off x="0" y="0"/>
+          <a:ext cx="0" cy="0"/>
+          <a:chOff x="0" y="0"/>
+          <a:chExt cx="0" cy="0"/>
+        </a:xfrm>
+      </p:grpSpPr>
+      <p:sp>
+        <p:nvSpPr>
+          <p:cNvPr id="2" name="Title 1">
+            <a:extLst>
+              <a:ext uri="{FF2B5EF4-FFF2-40B4-BE49-F238E27FC236}">
+                <a16:creationId xmlns:a16="http://schemas.microsoft.com/office/drawing/2014/main" id="{837D762F-A08C-4A27-94BB-97FCBD3F8199}"/>
+              </a:ext>
+            </a:extLst>
+          </p:cNvPr>
+          <p:cNvSpPr>
+            <a:spLocks noGrp="1"/>
+          </p:cNvSpPr>
+          <p:nvPr>
+            <p:ph type="title"/>
+          </p:nvPr>
+        </p:nvSpPr>
+        <p:spPr/>
+        <p:txBody>
+          <a:bodyPr/>
+          <a:lstStyle/>
+          <a:p>
+            <a:r>
+              <a:rPr lang="en-US" dirty="0"/>
+              <a:t>In Class Activity: HTML Color Codes</a:t>
+            </a:r>
+          </a:p>
+        </p:txBody>
+      </p:sp>
+      <p:sp>
+        <p:nvSpPr>
+          <p:cNvPr id="3" name="Text Placeholder 2">
+            <a:extLst>
+              <a:ext uri="{FF2B5EF4-FFF2-40B4-BE49-F238E27FC236}">
+                <a16:creationId xmlns:a16="http://schemas.microsoft.com/office/drawing/2014/main" id="{939DBD6E-02AD-4C73-88E8-DF0D6F01EAAA}"/>
+              </a:ext>
+            </a:extLst>
+          </p:cNvPr>
+          <p:cNvSpPr>
+            <a:spLocks noGrp="1"/>
+          </p:cNvSpPr>
+          <p:nvPr>
+            <p:ph type="body" sz="quarter" idx="10"/>
+          </p:nvPr>
+        </p:nvSpPr>
+        <p:spPr>
+          <a:xfrm>
+            <a:off x="628075" y="1776683"/>
+            <a:ext cx="12561453" cy="4134722"/>
+          </a:xfrm>
+        </p:spPr>
+        <p:txBody>
+          <a:bodyPr/>
+          <a:lstStyle/>
+          <a:p>
+            <a:r>
+              <a:rPr lang="en-US" dirty="0"/>
+              <a:t>HTML will use hexadecimal color coding: </a:t>
+            </a:r>
+          </a:p>
+          <a:p>
+            <a:pPr lvl="1"/>
+            <a:r>
+              <a:rPr lang="en-US" dirty="0"/>
+              <a:t>#FFFFFF stands for </a:t>
+            </a:r>
+          </a:p>
+          <a:p>
+            <a:pPr lvl="2"/>
+            <a:r>
+              <a:rPr lang="en-US" dirty="0"/>
+              <a:t>red at 255</a:t>
+            </a:r>
+          </a:p>
+          <a:p>
+            <a:pPr lvl="2"/>
+            <a:r>
+              <a:rPr lang="en-US" dirty="0"/>
+              <a:t>green at 255 </a:t>
+            </a:r>
+          </a:p>
+          <a:p>
+            <a:pPr lvl="2"/>
+            <a:r>
+              <a:rPr lang="en-US" dirty="0"/>
+              <a:t>blue at 255 </a:t>
+            </a:r>
+          </a:p>
+          <a:p>
+            <a:pPr lvl="2"/>
+            <a:r>
+              <a:rPr lang="en-US" dirty="0"/>
+              <a:t>to make white</a:t>
+            </a:r>
+          </a:p>
+          <a:p>
+            <a:r>
+              <a:rPr lang="en-US" dirty="0"/>
+              <a:t>In this activity, you will use </a:t>
+            </a:r>
+            <a:r>
+              <a:rPr lang="en-US" dirty="0" err="1"/>
+              <a:t>String.format</a:t>
+            </a:r>
+            <a:r>
+              <a:rPr lang="en-US" dirty="0"/>
+              <a:t> to convert </a:t>
+            </a:r>
+            <a:r>
+              <a:rPr lang="en-US" dirty="0" err="1"/>
+              <a:t>ints</a:t>
+            </a:r>
+            <a:r>
+              <a:rPr lang="en-US" dirty="0"/>
+              <a:t> to hexadecimal (%X) for displaying both the RGB code and the HTML code in a variety of ways. Most of the methods you write will be short (1 line!). </a:t>
+            </a:r>
+          </a:p>
+          <a:p>
+            <a:r>
+              <a:rPr lang="en-US" dirty="0"/>
+              <a:t>Find the link in canvas</a:t>
+            </a:r>
+          </a:p>
+          <a:p>
+            <a:r>
+              <a:rPr lang="en-US" dirty="0"/>
+              <a:t>The person with the *least* coding experience should be the designated coder </a:t>
+            </a:r>
+          </a:p>
+        </p:txBody>
+      </p:sp>
+    </p:spTree>
+    <p:extLst>
+      <p:ext uri="{BB962C8B-B14F-4D97-AF65-F5344CB8AC3E}">
+        <p14:creationId xmlns:p14="http://schemas.microsoft.com/office/powerpoint/2010/main" val="2552361361"/>
+      </p:ext>
+    </p:extLst>
+  </p:cSld>
+  <p:clrMapOvr>
+    <a:masterClrMapping/>
+  </p:clrMapOvr>
+  <mc:AlternateContent xmlns:mc="http://schemas.openxmlformats.org/markup-compatibility/2006" xmlns:p14="http://schemas.microsoft.com/office/powerpoint/2010/main">
+    <mc:Choice Requires="p14">
+      <p:transition p14:dur="300">
+        <p:fade/>
+      </p:transition>
+    </mc:Choice>
+    <mc:Fallback xmlns="">
+      <p:transition>
+        <p:fade/>
+      </p:transition>
+    </mc:Fallback>
+  </mc:AlternateContent>
+</p:sld>
+</file>
+
+<file path=ppt/slides/slide19.xml><?xml version="1.0" encoding="utf-8"?>
+<p:sld xmlns:a="http://schemas.openxmlformats.org/drawingml/2006/main" xmlns:r="http://schemas.openxmlformats.org/officeDocument/2006/relationships" xmlns:p="http://schemas.openxmlformats.org/presentationml/2006/main">
+  <p:cSld>
+    <p:spTree>
+      <p:nvGrpSpPr>
+        <p:cNvPr id="1" name=""/>
+        <p:cNvGrpSpPr/>
+        <p:nvPr/>
+      </p:nvGrpSpPr>
+      <p:grpSpPr>
+        <a:xfrm>
+          <a:off x="0" y="0"/>
+          <a:ext cx="0" cy="0"/>
+          <a:chOff x="0" y="0"/>
+          <a:chExt cx="0" cy="0"/>
+        </a:xfrm>
+      </p:grpSpPr>
+      <p:sp>
+        <p:nvSpPr>
+          <p:cNvPr id="2" name="Title 1">
+            <a:extLst>
+              <a:ext uri="{FF2B5EF4-FFF2-40B4-BE49-F238E27FC236}">
+                <a16:creationId xmlns:a16="http://schemas.microsoft.com/office/drawing/2014/main" id="{B8867464-94C0-C345-B50C-955B9B42296E}"/>
+              </a:ext>
+            </a:extLst>
+          </p:cNvPr>
+          <p:cNvSpPr>
+            <a:spLocks noGrp="1"/>
+          </p:cNvSpPr>
+          <p:nvPr>
+            <p:ph type="title"/>
+          </p:nvPr>
+        </p:nvSpPr>
+        <p:spPr/>
+        <p:txBody>
+          <a:bodyPr/>
+          <a:lstStyle/>
+          <a:p>
+            <a:r>
+              <a:rPr lang="en-US" dirty="0" err="1"/>
+              <a:t>String.format</a:t>
+            </a:r>
+            <a:r>
+              <a:rPr lang="en-US" dirty="0"/>
+              <a:t> References</a:t>
+            </a:r>
+          </a:p>
+        </p:txBody>
+      </p:sp>
+      <p:sp>
+        <p:nvSpPr>
+          <p:cNvPr id="3" name="Text Placeholder 2">
+            <a:extLst>
+              <a:ext uri="{FF2B5EF4-FFF2-40B4-BE49-F238E27FC236}">
+                <a16:creationId xmlns:a16="http://schemas.microsoft.com/office/drawing/2014/main" id="{9A137287-F38E-4847-B2C2-6F3C7A7541DD}"/>
+              </a:ext>
+            </a:extLst>
+          </p:cNvPr>
+          <p:cNvSpPr>
+            <a:spLocks noGrp="1"/>
+          </p:cNvSpPr>
+          <p:nvPr>
+            <p:ph type="body" sz="quarter" idx="10"/>
+          </p:nvPr>
+        </p:nvSpPr>
+        <p:spPr>
+          <a:xfrm>
+            <a:off x="628074" y="1463722"/>
+            <a:ext cx="8276084" cy="5926815"/>
+          </a:xfrm>
+        </p:spPr>
+        <p:txBody>
+          <a:bodyPr/>
+          <a:lstStyle/>
+          <a:p>
+            <a:pPr fontAlgn="base"/>
+            <a:r>
+              <a:rPr lang="en-US" dirty="0"/>
+              <a:t>The % character is followed by special characters</a:t>
+            </a:r>
+          </a:p>
+          <a:p>
+            <a:pPr lvl="1" fontAlgn="base"/>
+            <a:r>
+              <a:rPr lang="en-US" dirty="0"/>
+              <a:t>%s for string, %f for floating point, </a:t>
+            </a:r>
+            <a:r>
+              <a:rPr lang="en-US" dirty="0" err="1"/>
+              <a:t>etc</a:t>
+            </a:r>
+            <a:endParaRPr lang="en-US" dirty="0"/>
+          </a:p>
+          <a:p>
+            <a:pPr lvl="1" fontAlgn="base"/>
+            <a:r>
+              <a:rPr lang="en-US" dirty="0"/>
+              <a:t>Capitalize the %S or %C to force uppercase!  </a:t>
+            </a:r>
+          </a:p>
+          <a:p>
+            <a:pPr fontAlgn="base"/>
+            <a:r>
+              <a:rPr lang="en-US" dirty="0"/>
+              <a:t>You can specify the number of decimal places by including the numbers</a:t>
+            </a:r>
+          </a:p>
+          <a:p>
+            <a:pPr lvl="2" fontAlgn="base"/>
+            <a:r>
+              <a:rPr lang="en-US" dirty="0"/>
+              <a:t>%.2f  // example  </a:t>
+            </a:r>
+          </a:p>
+          <a:p>
+            <a:pPr lvl="2" fontAlgn="base"/>
+            <a:r>
+              <a:rPr lang="en-US" dirty="0" err="1"/>
+              <a:t>String.format</a:t>
+            </a:r>
+            <a:r>
+              <a:rPr lang="en-US" dirty="0"/>
+              <a:t>(“%.2f”, 100) </a:t>
+            </a:r>
+          </a:p>
+          <a:p>
+            <a:pPr lvl="2" fontAlgn="base"/>
+            <a:r>
+              <a:rPr lang="en-US" dirty="0"/>
+              <a:t>would produce 100.00 </a:t>
+            </a:r>
+          </a:p>
+          <a:p>
+            <a:pPr fontAlgn="base"/>
+            <a:r>
+              <a:rPr lang="en-US" dirty="0"/>
+              <a:t>You can also do cool things like pad variables, </a:t>
+            </a:r>
+            <a:r>
+              <a:rPr lang="en-US" dirty="0" err="1"/>
+              <a:t>etc</a:t>
+            </a:r>
+            <a:endParaRPr lang="en-US" dirty="0"/>
+          </a:p>
+          <a:p>
+            <a:pPr lvl="1" fontAlgn="base"/>
+            <a:r>
+              <a:rPr lang="en-US" dirty="0"/>
+              <a:t>Search for </a:t>
+            </a:r>
+            <a:r>
+              <a:rPr lang="en-US" b="1" dirty="0" err="1"/>
+              <a:t>printf</a:t>
+            </a:r>
+            <a:r>
+              <a:rPr lang="en-US" b="1" dirty="0"/>
+              <a:t>()</a:t>
+            </a:r>
+            <a:r>
+              <a:rPr lang="en-US" dirty="0"/>
+              <a:t> online</a:t>
+            </a:r>
+          </a:p>
+          <a:p>
+            <a:pPr lvl="2" fontAlgn="base"/>
+            <a:r>
+              <a:rPr lang="en-US" dirty="0"/>
+              <a:t>Very common in over 20+ languages</a:t>
+            </a:r>
+          </a:p>
+          <a:p>
+            <a:pPr lvl="1" fontAlgn="base"/>
+            <a:r>
+              <a:rPr lang="en-US" dirty="0"/>
+              <a:t>Admittedly, I look up a lot of the formats as I need them</a:t>
+            </a:r>
+          </a:p>
+          <a:p>
+            <a:pPr lvl="2" fontAlgn="base"/>
+            <a:r>
+              <a:rPr lang="en-US" dirty="0"/>
+              <a:t>%s, %S, %d, %0.2f, %n </a:t>
+            </a:r>
+          </a:p>
+          <a:p>
+            <a:pPr lvl="2" fontAlgn="base"/>
+            <a:r>
+              <a:rPr lang="en-US" dirty="0"/>
+              <a:t>Those are good to know off the top of your head</a:t>
+            </a:r>
+          </a:p>
+          <a:p>
+            <a:pPr lvl="1" fontAlgn="base"/>
+            <a:r>
+              <a:rPr lang="en-US" dirty="0"/>
+              <a:t>%n == new line character</a:t>
+            </a:r>
+          </a:p>
+          <a:p>
+            <a:pPr lvl="1" fontAlgn="base"/>
+            <a:r>
+              <a:rPr lang="en-US" dirty="0"/>
+              <a:t>%% == % sign (since you can’t just type %)</a:t>
+            </a:r>
+          </a:p>
+        </p:txBody>
+      </p:sp>
+      <p:pic>
+        <p:nvPicPr>
+          <p:cNvPr id="2050" name="Picture 2" descr="Image result for super secret ninja skill">
+            <a:extLst>
+              <a:ext uri="{FF2B5EF4-FFF2-40B4-BE49-F238E27FC236}">
+                <a16:creationId xmlns:a16="http://schemas.microsoft.com/office/drawing/2014/main" id="{C4986A25-6EA3-D54D-818C-8D8D29BA6CB3}"/>
+              </a:ext>
+            </a:extLst>
+          </p:cNvPr>
+          <p:cNvPicPr>
+            <a:picLocks noChangeAspect="1" noChangeArrowheads="1"/>
+          </p:cNvPicPr>
+          <p:nvPr/>
+        </p:nvPicPr>
+        <p:blipFill>
+          <a:blip r:embed="rId2">
+            <a:extLst>
+              <a:ext uri="{28A0092B-C50C-407E-A947-70E740481C1C}">
+                <a14:useLocalDpi xmlns:a14="http://schemas.microsoft.com/office/drawing/2010/main" val="0"/>
+              </a:ext>
+            </a:extLst>
+          </a:blip>
+          <a:srcRect/>
+          <a:stretch>
+            <a:fillRect/>
+          </a:stretch>
+        </p:blipFill>
+        <p:spPr bwMode="auto">
+          <a:xfrm>
+            <a:off x="11023600" y="66722"/>
+            <a:ext cx="2794000" cy="2794000"/>
+          </a:xfrm>
+          <a:prstGeom prst="rect">
+            <a:avLst/>
+          </a:prstGeom>
+          <a:noFill/>
+          <a:extLst>
+            <a:ext uri="{909E8E84-426E-40DD-AFC4-6F175D3DCCD1}">
+              <a14:hiddenFill xmlns:a14="http://schemas.microsoft.com/office/drawing/2010/main">
+                <a:solidFill>
+                  <a:srgbClr val="FFFFFF"/>
+                </a:solidFill>
+              </a14:hiddenFill>
+            </a:ext>
+          </a:extLst>
+        </p:spPr>
+      </p:pic>
+      <p:sp>
+        <p:nvSpPr>
+          <p:cNvPr id="4" name="TextBox 3">
+            <a:extLst>
+              <a:ext uri="{FF2B5EF4-FFF2-40B4-BE49-F238E27FC236}">
+                <a16:creationId xmlns:a16="http://schemas.microsoft.com/office/drawing/2014/main" id="{9AFC8F4F-EF61-134C-B135-776CAA390FBE}"/>
+              </a:ext>
+            </a:extLst>
+          </p:cNvPr>
+          <p:cNvSpPr txBox="1"/>
+          <p:nvPr/>
+        </p:nvSpPr>
+        <p:spPr>
+          <a:xfrm>
+            <a:off x="10431639" y="7047342"/>
+            <a:ext cx="3385961" cy="276999"/>
+          </a:xfrm>
+          <a:prstGeom prst="rect">
+            <a:avLst/>
+          </a:prstGeom>
+          <a:noFill/>
+        </p:spPr>
+        <p:txBody>
+          <a:bodyPr wrap="square" rtlCol="0">
+            <a:spAutoFit/>
+          </a:bodyPr>
+          <a:lstStyle/>
+          <a:p>
+            <a:r>
+              <a:rPr lang="en-US" sz="1200" dirty="0"/>
+              <a:t>Additional Reading: </a:t>
+            </a:r>
+            <a:r>
+              <a:rPr lang="en-US" sz="1200" dirty="0">
+                <a:hlinkClick r:id="rId3"/>
+              </a:rPr>
+              <a:t>Detailed Format Reference</a:t>
+            </a:r>
+            <a:endParaRPr lang="en-US" sz="1200" dirty="0"/>
+          </a:p>
+        </p:txBody>
+      </p:sp>
+    </p:spTree>
+    <p:extLst>
+      <p:ext uri="{BB962C8B-B14F-4D97-AF65-F5344CB8AC3E}">
+        <p14:creationId xmlns:p14="http://schemas.microsoft.com/office/powerpoint/2010/main" val="4079141566"/>
+      </p:ext>
+    </p:extLst>
+  </p:cSld>
+  <p:clrMapOvr>
+    <a:masterClrMapping/>
+  </p:clrMapOvr>
+  <mc:AlternateContent xmlns:mc="http://schemas.openxmlformats.org/markup-compatibility/2006" xmlns:p14="http://schemas.microsoft.com/office/powerpoint/2010/main">
+    <mc:Choice Requires="p14">
+      <p:transition p14:dur="300">
+        <p:fade/>
+      </p:transition>
+    </mc:Choice>
+    <mc:Fallback xmlns="">
+      <p:transition>
+        <p:fade/>
+      </p:transition>
+    </mc:Fallback>
+  </mc:AlternateContent>
+</p:sld>
+</file>
+
+<file path=ppt/slides/slide2.xml><?xml version="1.0" encoding="utf-8"?>
+<p:sld xmlns:a="http://schemas.openxmlformats.org/drawingml/2006/main" xmlns:r="http://schemas.openxmlformats.org/officeDocument/2006/relationships" xmlns:p="http://schemas.openxmlformats.org/presentationml/2006/main">
+  <p:cSld>
+    <p:spTree>
+      <p:nvGrpSpPr>
+        <p:cNvPr id="1" name=""/>
+        <p:cNvGrpSpPr/>
+        <p:nvPr/>
+      </p:nvGrpSpPr>
+      <p:grpSpPr>
+        <a:xfrm>
+          <a:off x="0" y="0"/>
+          <a:ext cx="0" cy="0"/>
+          <a:chOff x="0" y="0"/>
+          <a:chExt cx="0" cy="0"/>
+        </a:xfrm>
+      </p:grpSpPr>
+      <p:sp>
+        <p:nvSpPr>
+          <p:cNvPr id="4" name="Title 3">
+            <a:extLst>
+              <a:ext uri="{FF2B5EF4-FFF2-40B4-BE49-F238E27FC236}">
+                <a16:creationId xmlns:a16="http://schemas.microsoft.com/office/drawing/2014/main" id="{11F69212-F891-5844-91B0-396F6B018064}"/>
+              </a:ext>
+            </a:extLst>
+          </p:cNvPr>
+          <p:cNvSpPr>
+            <a:spLocks noGrp="1"/>
+          </p:cNvSpPr>
+          <p:nvPr>
+            <p:ph type="title"/>
+          </p:nvPr>
+        </p:nvSpPr>
+        <p:spPr/>
+        <p:txBody>
+          <a:bodyPr/>
+          <a:lstStyle/>
+          <a:p>
+            <a:r>
+              <a:rPr lang="en-US" dirty="0"/>
+              <a:t>Announcements</a:t>
+            </a:r>
+          </a:p>
+        </p:txBody>
+      </p:sp>
+      <p:sp>
+        <p:nvSpPr>
+          <p:cNvPr id="5" name="Text Placeholder 4">
+            <a:extLst>
+              <a:ext uri="{FF2B5EF4-FFF2-40B4-BE49-F238E27FC236}">
+                <a16:creationId xmlns:a16="http://schemas.microsoft.com/office/drawing/2014/main" id="{D45B7610-981A-7441-A483-AB5BABDA0AB4}"/>
+              </a:ext>
+            </a:extLst>
+          </p:cNvPr>
+          <p:cNvSpPr>
+            <a:spLocks noGrp="1"/>
+          </p:cNvSpPr>
+          <p:nvPr>
+            <p:ph type="body" sz="quarter" idx="10"/>
+          </p:nvPr>
+        </p:nvSpPr>
+        <p:spPr>
+          <a:xfrm>
+            <a:off x="628075" y="1776683"/>
+            <a:ext cx="12561453" cy="4174733"/>
+          </a:xfrm>
+        </p:spPr>
+        <p:txBody>
+          <a:bodyPr/>
+          <a:lstStyle/>
+          <a:p>
+            <a:r>
+              <a:rPr lang="en-US" dirty="0">
+                <a:solidFill>
+                  <a:srgbClr val="092529"/>
+                </a:solidFill>
+              </a:rPr>
+              <a:t>Reminder – readings are due </a:t>
+            </a:r>
+            <a:r>
+              <a:rPr lang="en-US" b="1" dirty="0">
+                <a:solidFill>
+                  <a:srgbClr val="092529"/>
+                </a:solidFill>
+              </a:rPr>
+              <a:t>before</a:t>
+            </a:r>
+            <a:r>
+              <a:rPr lang="en-US" dirty="0">
+                <a:solidFill>
+                  <a:srgbClr val="092529"/>
+                </a:solidFill>
+              </a:rPr>
+              <a:t> lecture</a:t>
+            </a:r>
+          </a:p>
+          <a:p>
+            <a:pPr lvl="1"/>
+            <a:r>
+              <a:rPr lang="en-US" dirty="0">
+                <a:solidFill>
+                  <a:srgbClr val="092529"/>
+                </a:solidFill>
+              </a:rPr>
+              <a:t>You don’t have to do all of it - challenge problems can be challenging…</a:t>
+            </a:r>
+          </a:p>
+          <a:p>
+            <a:pPr lvl="1"/>
+            <a:r>
+              <a:rPr lang="en-US" dirty="0">
+                <a:solidFill>
+                  <a:srgbClr val="092529"/>
+                </a:solidFill>
+              </a:rPr>
+              <a:t>You can return to them. </a:t>
+            </a:r>
+          </a:p>
+          <a:p>
+            <a:pPr lvl="1"/>
+            <a:r>
+              <a:rPr lang="en-US" dirty="0">
+                <a:solidFill>
+                  <a:srgbClr val="092529"/>
+                </a:solidFill>
+              </a:rPr>
+              <a:t>We start off each lecture with a quiz from your reading! </a:t>
+            </a:r>
+          </a:p>
+          <a:p>
+            <a:r>
+              <a:rPr lang="en-US" dirty="0">
+                <a:solidFill>
+                  <a:srgbClr val="092529"/>
+                </a:solidFill>
+              </a:rPr>
+              <a:t>Help Sessions</a:t>
+            </a:r>
+          </a:p>
+          <a:p>
+            <a:pPr lvl="1"/>
+            <a:r>
+              <a:rPr lang="en-US" dirty="0"/>
+              <a:t>Go to them! They make a difference</a:t>
+            </a:r>
+          </a:p>
+          <a:p>
+            <a:pPr lvl="1"/>
+            <a:r>
+              <a:rPr lang="en-US" dirty="0"/>
+              <a:t>Lab teams should be setup</a:t>
+            </a:r>
+          </a:p>
+          <a:p>
+            <a:pPr lvl="2"/>
+            <a:r>
+              <a:rPr lang="en-US" dirty="0">
+                <a:solidFill>
+                  <a:srgbClr val="092529"/>
+                </a:solidFill>
+              </a:rPr>
+              <a:t>If you are not on a private </a:t>
+            </a:r>
+            <a:r>
+              <a:rPr lang="en-US" dirty="0"/>
+              <a:t>channel with your other lab mates, let us know </a:t>
+            </a:r>
+          </a:p>
+          <a:p>
+            <a:r>
+              <a:rPr lang="en-US" dirty="0">
+                <a:solidFill>
+                  <a:srgbClr val="092529"/>
+                </a:solidFill>
+              </a:rPr>
+              <a:t>Thursday </a:t>
+            </a:r>
+            <a:r>
+              <a:rPr lang="en-US" dirty="0"/>
+              <a:t>lab – meant to be done by Tuesday</a:t>
+            </a:r>
+            <a:r>
+              <a:rPr lang="en-US" dirty="0">
+                <a:solidFill>
+                  <a:srgbClr val="092529"/>
+                </a:solidFill>
+              </a:rPr>
+              <a:t> </a:t>
+            </a:r>
+          </a:p>
+          <a:p>
+            <a:endParaRPr lang="en-US" b="1" dirty="0"/>
+          </a:p>
+        </p:txBody>
+      </p:sp>
+      <p:sp>
+        <p:nvSpPr>
+          <p:cNvPr id="6" name="TextBox 5">
+            <a:extLst>
+              <a:ext uri="{FF2B5EF4-FFF2-40B4-BE49-F238E27FC236}">
+                <a16:creationId xmlns:a16="http://schemas.microsoft.com/office/drawing/2014/main" id="{F718367E-9E54-2D4A-803A-95FD697B9F45}"/>
+              </a:ext>
+            </a:extLst>
+          </p:cNvPr>
+          <p:cNvSpPr txBox="1"/>
+          <p:nvPr/>
+        </p:nvSpPr>
+        <p:spPr>
+          <a:xfrm>
+            <a:off x="2632060" y="5844832"/>
+            <a:ext cx="8779968" cy="1015663"/>
+          </a:xfrm>
+          <a:prstGeom prst="rect">
+            <a:avLst/>
+          </a:prstGeom>
+          <a:solidFill>
+            <a:schemeClr val="accent2"/>
+          </a:solidFill>
+        </p:spPr>
+        <p:txBody>
+          <a:bodyPr wrap="none" rtlCol="0">
+            <a:spAutoFit/>
+          </a:bodyPr>
+          <a:lstStyle/>
+          <a:p>
+            <a:r>
+              <a:rPr lang="en-US" b="1" dirty="0"/>
+              <a:t>Opening Question (talk with others in your group *before* class starts)</a:t>
+            </a:r>
+          </a:p>
+          <a:p>
+            <a:r>
+              <a:rPr lang="en-US" dirty="0"/>
+              <a:t>What is your favorite poem or song? Why does it have meaning?</a:t>
+            </a:r>
+          </a:p>
+          <a:p>
+            <a:r>
+              <a:rPr lang="en-US" dirty="0"/>
+              <a:t>Does that meaning have context?</a:t>
+            </a:r>
+          </a:p>
+        </p:txBody>
+      </p:sp>
+      <p:sp>
+        <p:nvSpPr>
+          <p:cNvPr id="7" name="TextBox 6">
+            <a:extLst>
+              <a:ext uri="{FF2B5EF4-FFF2-40B4-BE49-F238E27FC236}">
+                <a16:creationId xmlns:a16="http://schemas.microsoft.com/office/drawing/2014/main" id="{CB1D3C32-157D-4AB2-8254-1075DFAB882C}"/>
+              </a:ext>
+            </a:extLst>
+          </p:cNvPr>
+          <p:cNvSpPr txBox="1"/>
+          <p:nvPr/>
+        </p:nvSpPr>
+        <p:spPr>
+          <a:xfrm>
+            <a:off x="7202774" y="299645"/>
+            <a:ext cx="6910464" cy="707886"/>
+          </a:xfrm>
+          <a:prstGeom prst="rect">
+            <a:avLst/>
+          </a:prstGeom>
+          <a:noFill/>
+        </p:spPr>
+        <p:txBody>
+          <a:bodyPr wrap="square">
+            <a:spAutoFit/>
+          </a:bodyPr>
+          <a:lstStyle/>
+          <a:p>
+            <a:pPr marL="0" marR="0">
+              <a:spcBef>
+                <a:spcPts val="0"/>
+              </a:spcBef>
+              <a:spcAft>
+                <a:spcPts val="0"/>
+              </a:spcAft>
+            </a:pPr>
+            <a:r>
+              <a:rPr lang="en-US" sz="2000" dirty="0">
+                <a:effectLst/>
+                <a:latin typeface="Calibri" panose="020F0502020204030204" pitchFamily="34" charset="0"/>
+                <a:ea typeface="Calibri" panose="020F0502020204030204" pitchFamily="34" charset="0"/>
+              </a:rPr>
+              <a:t>February 2</a:t>
+            </a:r>
+            <a:r>
+              <a:rPr lang="en-US" sz="2000" baseline="30000" dirty="0">
+                <a:effectLst/>
+                <a:latin typeface="Calibri" panose="020F0502020204030204" pitchFamily="34" charset="0"/>
+                <a:ea typeface="Calibri" panose="020F0502020204030204" pitchFamily="34" charset="0"/>
+              </a:rPr>
+              <a:t>nd</a:t>
+            </a:r>
+            <a:r>
+              <a:rPr lang="en-US" sz="2000" dirty="0">
+                <a:effectLst/>
+                <a:latin typeface="Calibri" panose="020F0502020204030204" pitchFamily="34" charset="0"/>
+                <a:ea typeface="Calibri" panose="020F0502020204030204" pitchFamily="34" charset="0"/>
+              </a:rPr>
+              <a:t> : ACM – Presentation: Tech Interviews</a:t>
+            </a:r>
+          </a:p>
+          <a:p>
+            <a:pPr marL="0" marR="0">
+              <a:spcBef>
+                <a:spcPts val="0"/>
+              </a:spcBef>
+              <a:spcAft>
+                <a:spcPts val="0"/>
+              </a:spcAft>
+            </a:pPr>
+            <a:r>
+              <a:rPr lang="en-US" sz="2000" dirty="0">
+                <a:effectLst/>
+                <a:latin typeface="Calibri" panose="020F0502020204030204" pitchFamily="34" charset="0"/>
+                <a:ea typeface="Calibri" panose="020F0502020204030204" pitchFamily="34" charset="0"/>
+              </a:rPr>
+              <a:t>February 3</a:t>
+            </a:r>
+            <a:r>
+              <a:rPr lang="en-US" sz="2000" baseline="30000" dirty="0">
+                <a:effectLst/>
+                <a:latin typeface="Calibri" panose="020F0502020204030204" pitchFamily="34" charset="0"/>
+                <a:ea typeface="Calibri" panose="020F0502020204030204" pitchFamily="34" charset="0"/>
+              </a:rPr>
+              <a:t>rd</a:t>
+            </a:r>
+            <a:r>
+              <a:rPr lang="en-US" sz="2000" dirty="0">
+                <a:effectLst/>
+                <a:latin typeface="Calibri" panose="020F0502020204030204" pitchFamily="34" charset="0"/>
+                <a:ea typeface="Calibri" panose="020F0502020204030204" pitchFamily="34" charset="0"/>
+              </a:rPr>
+              <a:t> : ACM-W – Career Fair Prep</a:t>
+            </a:r>
+          </a:p>
+        </p:txBody>
+      </p:sp>
+    </p:spTree>
+    <p:extLst>
+      <p:ext uri="{BB962C8B-B14F-4D97-AF65-F5344CB8AC3E}">
+        <p14:creationId xmlns:p14="http://schemas.microsoft.com/office/powerpoint/2010/main" val="876244202"/>
+      </p:ext>
+    </p:extLst>
+  </p:cSld>
+  <p:clrMapOvr>
+    <a:masterClrMapping/>
+  </p:clrMapOvr>
+  <mc:AlternateContent xmlns:mc="http://schemas.openxmlformats.org/markup-compatibility/2006" xmlns:p14="http://schemas.microsoft.com/office/powerpoint/2010/main">
+    <mc:Choice Requires="p14">
+      <p:transition p14:dur="300">
+        <p:fade/>
+      </p:transition>
+    </mc:Choice>
+    <mc:Fallback xmlns="">
+      <p:transition>
+        <p:fade/>
+      </p:transition>
+    </mc:Fallback>
+  </mc:AlternateContent>
+</p:sld>
+</file>
+
+<file path=ppt/slides/slide20.xml><?xml version="1.0" encoding="utf-8"?>
+<p:sld xmlns:a="http://schemas.openxmlformats.org/drawingml/2006/main" xmlns:r="http://schemas.openxmlformats.org/officeDocument/2006/relationships" xmlns:p="http://schemas.openxmlformats.org/presentationml/2006/main" show="0">
   <p:cSld>
     <p:spTree>
       <p:nvGrpSpPr>
@@ -13841,13 +16263,13 @@
   <p:clrMapOvr>
     <a:masterClrMapping/>
   </p:clrMapOvr>
-  <mc:AlternateContent xmlns:mc="http://schemas.openxmlformats.org/markup-compatibility/2006" xmlns:p14="http://schemas.microsoft.com/office/powerpoint/2010/main">
-    <mc:Choice Requires="p14">
+  <mc:AlternateContent xmlns:mc="http://schemas.openxmlformats.org/markup-compatibility/2006">
+    <mc:Choice xmlns:p14="http://schemas.microsoft.com/office/powerpoint/2010/main" Requires="p14">
       <p:transition p14:dur="300">
         <p:fade/>
       </p:transition>
     </mc:Choice>
-    <mc:Fallback xmlns="">
+    <mc:Fallback>
       <p:transition>
         <p:fade/>
       </p:transition>
@@ -14050,535 +16472,6 @@
 </p:sld>
 </file>
 
-<file path=ppt/slides/slide18.xml><?xml version="1.0" encoding="utf-8"?>
-<p:sld xmlns:a="http://schemas.openxmlformats.org/drawingml/2006/main" xmlns:r="http://schemas.openxmlformats.org/officeDocument/2006/relationships" xmlns:p="http://schemas.openxmlformats.org/presentationml/2006/main">
-  <p:cSld>
-    <p:spTree>
-      <p:nvGrpSpPr>
-        <p:cNvPr id="1" name=""/>
-        <p:cNvGrpSpPr/>
-        <p:nvPr/>
-      </p:nvGrpSpPr>
-      <p:grpSpPr>
-        <a:xfrm>
-          <a:off x="0" y="0"/>
-          <a:ext cx="0" cy="0"/>
-          <a:chOff x="0" y="0"/>
-          <a:chExt cx="0" cy="0"/>
-        </a:xfrm>
-      </p:grpSpPr>
-      <p:sp>
-        <p:nvSpPr>
-          <p:cNvPr id="2" name="Title 1">
-            <a:extLst>
-              <a:ext uri="{FF2B5EF4-FFF2-40B4-BE49-F238E27FC236}">
-                <a16:creationId xmlns:a16="http://schemas.microsoft.com/office/drawing/2014/main" id="{B8867464-94C0-C345-B50C-955B9B42296E}"/>
-              </a:ext>
-            </a:extLst>
-          </p:cNvPr>
-          <p:cNvSpPr>
-            <a:spLocks noGrp="1"/>
-          </p:cNvSpPr>
-          <p:nvPr>
-            <p:ph type="title"/>
-          </p:nvPr>
-        </p:nvSpPr>
-        <p:spPr/>
-        <p:txBody>
-          <a:bodyPr/>
-          <a:lstStyle/>
-          <a:p>
-            <a:r>
-              <a:rPr lang="en-US" dirty="0" err="1"/>
-              <a:t>String.format</a:t>
-            </a:r>
-            <a:r>
-              <a:rPr lang="en-US" dirty="0"/>
-              <a:t> References</a:t>
-            </a:r>
-          </a:p>
-        </p:txBody>
-      </p:sp>
-      <p:sp>
-        <p:nvSpPr>
-          <p:cNvPr id="3" name="Text Placeholder 2">
-            <a:extLst>
-              <a:ext uri="{FF2B5EF4-FFF2-40B4-BE49-F238E27FC236}">
-                <a16:creationId xmlns:a16="http://schemas.microsoft.com/office/drawing/2014/main" id="{9A137287-F38E-4847-B2C2-6F3C7A7541DD}"/>
-              </a:ext>
-            </a:extLst>
-          </p:cNvPr>
-          <p:cNvSpPr>
-            <a:spLocks noGrp="1"/>
-          </p:cNvSpPr>
-          <p:nvPr>
-            <p:ph type="body" sz="quarter" idx="10"/>
-          </p:nvPr>
-        </p:nvSpPr>
-        <p:spPr>
-          <a:xfrm>
-            <a:off x="628074" y="1463722"/>
-            <a:ext cx="8276084" cy="5926815"/>
-          </a:xfrm>
-        </p:spPr>
-        <p:txBody>
-          <a:bodyPr/>
-          <a:lstStyle/>
-          <a:p>
-            <a:pPr fontAlgn="base"/>
-            <a:r>
-              <a:rPr lang="en-US" dirty="0"/>
-              <a:t>The % character is followed by special characters</a:t>
-            </a:r>
-          </a:p>
-          <a:p>
-            <a:pPr lvl="1" fontAlgn="base"/>
-            <a:r>
-              <a:rPr lang="en-US" dirty="0"/>
-              <a:t>%s for string, %f for floating point, </a:t>
-            </a:r>
-            <a:r>
-              <a:rPr lang="en-US" dirty="0" err="1"/>
-              <a:t>etc</a:t>
-            </a:r>
-            <a:endParaRPr lang="en-US" dirty="0"/>
-          </a:p>
-          <a:p>
-            <a:pPr lvl="1" fontAlgn="base"/>
-            <a:r>
-              <a:rPr lang="en-US" dirty="0"/>
-              <a:t>Capitalize the %S or %C to force uppercase!  </a:t>
-            </a:r>
-          </a:p>
-          <a:p>
-            <a:pPr fontAlgn="base"/>
-            <a:r>
-              <a:rPr lang="en-US" dirty="0"/>
-              <a:t>You can specify the number of decimal places by including the numbers</a:t>
-            </a:r>
-          </a:p>
-          <a:p>
-            <a:pPr lvl="2" fontAlgn="base"/>
-            <a:r>
-              <a:rPr lang="en-US" dirty="0"/>
-              <a:t>%.2f  // example  </a:t>
-            </a:r>
-          </a:p>
-          <a:p>
-            <a:pPr lvl="2" fontAlgn="base"/>
-            <a:r>
-              <a:rPr lang="en-US" dirty="0" err="1"/>
-              <a:t>String.format</a:t>
-            </a:r>
-            <a:r>
-              <a:rPr lang="en-US" dirty="0"/>
-              <a:t>(“%.2f”, 100) </a:t>
-            </a:r>
-          </a:p>
-          <a:p>
-            <a:pPr lvl="2" fontAlgn="base"/>
-            <a:r>
-              <a:rPr lang="en-US" dirty="0"/>
-              <a:t>would produce 100.00 </a:t>
-            </a:r>
-          </a:p>
-          <a:p>
-            <a:pPr fontAlgn="base"/>
-            <a:r>
-              <a:rPr lang="en-US" dirty="0"/>
-              <a:t>You can also do cool things like pad variables, </a:t>
-            </a:r>
-            <a:r>
-              <a:rPr lang="en-US" dirty="0" err="1"/>
-              <a:t>etc</a:t>
-            </a:r>
-            <a:endParaRPr lang="en-US" dirty="0"/>
-          </a:p>
-          <a:p>
-            <a:pPr lvl="1" fontAlgn="base"/>
-            <a:r>
-              <a:rPr lang="en-US" dirty="0"/>
-              <a:t>Search for </a:t>
-            </a:r>
-            <a:r>
-              <a:rPr lang="en-US" b="1" dirty="0" err="1"/>
-              <a:t>printf</a:t>
-            </a:r>
-            <a:r>
-              <a:rPr lang="en-US" b="1" dirty="0"/>
-              <a:t>()</a:t>
-            </a:r>
-            <a:r>
-              <a:rPr lang="en-US" dirty="0"/>
-              <a:t> online</a:t>
-            </a:r>
-          </a:p>
-          <a:p>
-            <a:pPr lvl="2" fontAlgn="base"/>
-            <a:r>
-              <a:rPr lang="en-US" dirty="0"/>
-              <a:t>Very common in over 20+ languages</a:t>
-            </a:r>
-          </a:p>
-          <a:p>
-            <a:pPr lvl="1" fontAlgn="base"/>
-            <a:r>
-              <a:rPr lang="en-US" dirty="0"/>
-              <a:t>Admittedly, I look up a lot of the formats as I need them</a:t>
-            </a:r>
-          </a:p>
-          <a:p>
-            <a:pPr lvl="2" fontAlgn="base"/>
-            <a:r>
-              <a:rPr lang="en-US" dirty="0"/>
-              <a:t>%s, %S, %d, %0.2f, %n </a:t>
-            </a:r>
-          </a:p>
-          <a:p>
-            <a:pPr lvl="2" fontAlgn="base"/>
-            <a:r>
-              <a:rPr lang="en-US" dirty="0"/>
-              <a:t>Those are good to know off the top of your head</a:t>
-            </a:r>
-          </a:p>
-          <a:p>
-            <a:pPr lvl="1" fontAlgn="base"/>
-            <a:r>
-              <a:rPr lang="en-US" dirty="0"/>
-              <a:t>%n == new line character</a:t>
-            </a:r>
-          </a:p>
-          <a:p>
-            <a:pPr lvl="1" fontAlgn="base"/>
-            <a:r>
-              <a:rPr lang="en-US" dirty="0"/>
-              <a:t>%% == % sign (since you can’t just type %)</a:t>
-            </a:r>
-          </a:p>
-        </p:txBody>
-      </p:sp>
-      <p:pic>
-        <p:nvPicPr>
-          <p:cNvPr id="2050" name="Picture 2" descr="Image result for super secret ninja skill">
-            <a:extLst>
-              <a:ext uri="{FF2B5EF4-FFF2-40B4-BE49-F238E27FC236}">
-                <a16:creationId xmlns:a16="http://schemas.microsoft.com/office/drawing/2014/main" id="{C4986A25-6EA3-D54D-818C-8D8D29BA6CB3}"/>
-              </a:ext>
-            </a:extLst>
-          </p:cNvPr>
-          <p:cNvPicPr>
-            <a:picLocks noChangeAspect="1" noChangeArrowheads="1"/>
-          </p:cNvPicPr>
-          <p:nvPr/>
-        </p:nvPicPr>
-        <p:blipFill>
-          <a:blip r:embed="rId2">
-            <a:extLst>
-              <a:ext uri="{28A0092B-C50C-407E-A947-70E740481C1C}">
-                <a14:useLocalDpi xmlns:a14="http://schemas.microsoft.com/office/drawing/2010/main" val="0"/>
-              </a:ext>
-            </a:extLst>
-          </a:blip>
-          <a:srcRect/>
-          <a:stretch>
-            <a:fillRect/>
-          </a:stretch>
-        </p:blipFill>
-        <p:spPr bwMode="auto">
-          <a:xfrm>
-            <a:off x="11023600" y="66722"/>
-            <a:ext cx="2794000" cy="2794000"/>
-          </a:xfrm>
-          <a:prstGeom prst="rect">
-            <a:avLst/>
-          </a:prstGeom>
-          <a:noFill/>
-          <a:extLst>
-            <a:ext uri="{909E8E84-426E-40DD-AFC4-6F175D3DCCD1}">
-              <a14:hiddenFill xmlns:a14="http://schemas.microsoft.com/office/drawing/2010/main">
-                <a:solidFill>
-                  <a:srgbClr val="FFFFFF"/>
-                </a:solidFill>
-              </a14:hiddenFill>
-            </a:ext>
-          </a:extLst>
-        </p:spPr>
-      </p:pic>
-      <p:sp>
-        <p:nvSpPr>
-          <p:cNvPr id="4" name="TextBox 3">
-            <a:extLst>
-              <a:ext uri="{FF2B5EF4-FFF2-40B4-BE49-F238E27FC236}">
-                <a16:creationId xmlns:a16="http://schemas.microsoft.com/office/drawing/2014/main" id="{9AFC8F4F-EF61-134C-B135-776CAA390FBE}"/>
-              </a:ext>
-            </a:extLst>
-          </p:cNvPr>
-          <p:cNvSpPr txBox="1"/>
-          <p:nvPr/>
-        </p:nvSpPr>
-        <p:spPr>
-          <a:xfrm>
-            <a:off x="10431639" y="7047342"/>
-            <a:ext cx="3385961" cy="276999"/>
-          </a:xfrm>
-          <a:prstGeom prst="rect">
-            <a:avLst/>
-          </a:prstGeom>
-          <a:noFill/>
-        </p:spPr>
-        <p:txBody>
-          <a:bodyPr wrap="square" rtlCol="0">
-            <a:spAutoFit/>
-          </a:bodyPr>
-          <a:lstStyle/>
-          <a:p>
-            <a:r>
-              <a:rPr lang="en-US" sz="1200" dirty="0"/>
-              <a:t>Additional Reading: </a:t>
-            </a:r>
-            <a:r>
-              <a:rPr lang="en-US" sz="1200" dirty="0">
-                <a:hlinkClick r:id="rId3"/>
-              </a:rPr>
-              <a:t>Detailed Format Reference</a:t>
-            </a:r>
-            <a:endParaRPr lang="en-US" sz="1200" dirty="0"/>
-          </a:p>
-        </p:txBody>
-      </p:sp>
-    </p:spTree>
-    <p:extLst>
-      <p:ext uri="{BB962C8B-B14F-4D97-AF65-F5344CB8AC3E}">
-        <p14:creationId xmlns:p14="http://schemas.microsoft.com/office/powerpoint/2010/main" val="4079141566"/>
-      </p:ext>
-    </p:extLst>
-  </p:cSld>
-  <p:clrMapOvr>
-    <a:masterClrMapping/>
-  </p:clrMapOvr>
-  <mc:AlternateContent xmlns:mc="http://schemas.openxmlformats.org/markup-compatibility/2006" xmlns:p14="http://schemas.microsoft.com/office/powerpoint/2010/main">
-    <mc:Choice Requires="p14">
-      <p:transition p14:dur="300">
-        <p:fade/>
-      </p:transition>
-    </mc:Choice>
-    <mc:Fallback xmlns="">
-      <p:transition>
-        <p:fade/>
-      </p:transition>
-    </mc:Fallback>
-  </mc:AlternateContent>
-</p:sld>
-</file>
-
-<file path=ppt/slides/slide2.xml><?xml version="1.0" encoding="utf-8"?>
-<p:sld xmlns:a="http://schemas.openxmlformats.org/drawingml/2006/main" xmlns:r="http://schemas.openxmlformats.org/officeDocument/2006/relationships" xmlns:p="http://schemas.openxmlformats.org/presentationml/2006/main">
-  <p:cSld>
-    <p:spTree>
-      <p:nvGrpSpPr>
-        <p:cNvPr id="1" name=""/>
-        <p:cNvGrpSpPr/>
-        <p:nvPr/>
-      </p:nvGrpSpPr>
-      <p:grpSpPr>
-        <a:xfrm>
-          <a:off x="0" y="0"/>
-          <a:ext cx="0" cy="0"/>
-          <a:chOff x="0" y="0"/>
-          <a:chExt cx="0" cy="0"/>
-        </a:xfrm>
-      </p:grpSpPr>
-      <p:sp>
-        <p:nvSpPr>
-          <p:cNvPr id="4" name="Title 3">
-            <a:extLst>
-              <a:ext uri="{FF2B5EF4-FFF2-40B4-BE49-F238E27FC236}">
-                <a16:creationId xmlns:a16="http://schemas.microsoft.com/office/drawing/2014/main" id="{11F69212-F891-5844-91B0-396F6B018064}"/>
-              </a:ext>
-            </a:extLst>
-          </p:cNvPr>
-          <p:cNvSpPr>
-            <a:spLocks noGrp="1"/>
-          </p:cNvSpPr>
-          <p:nvPr>
-            <p:ph type="title"/>
-          </p:nvPr>
-        </p:nvSpPr>
-        <p:spPr/>
-        <p:txBody>
-          <a:bodyPr/>
-          <a:lstStyle/>
-          <a:p>
-            <a:r>
-              <a:rPr lang="en-US" dirty="0"/>
-              <a:t>Announcements</a:t>
-            </a:r>
-          </a:p>
-        </p:txBody>
-      </p:sp>
-      <p:sp>
-        <p:nvSpPr>
-          <p:cNvPr id="5" name="Text Placeholder 4">
-            <a:extLst>
-              <a:ext uri="{FF2B5EF4-FFF2-40B4-BE49-F238E27FC236}">
-                <a16:creationId xmlns:a16="http://schemas.microsoft.com/office/drawing/2014/main" id="{D45B7610-981A-7441-A483-AB5BABDA0AB4}"/>
-              </a:ext>
-            </a:extLst>
-          </p:cNvPr>
-          <p:cNvSpPr>
-            <a:spLocks noGrp="1"/>
-          </p:cNvSpPr>
-          <p:nvPr>
-            <p:ph type="body" sz="quarter" idx="10"/>
-          </p:nvPr>
-        </p:nvSpPr>
-        <p:spPr>
-          <a:xfrm>
-            <a:off x="628075" y="1776683"/>
-            <a:ext cx="12561453" cy="3218060"/>
-          </a:xfrm>
-        </p:spPr>
-        <p:txBody>
-          <a:bodyPr/>
-          <a:lstStyle/>
-          <a:p>
-            <a:r>
-              <a:rPr lang="en-US" dirty="0"/>
-              <a:t>There is Lab on Tuesday</a:t>
-            </a:r>
-          </a:p>
-          <a:p>
-            <a:pPr lvl="1"/>
-            <a:r>
-              <a:rPr lang="en-US" dirty="0"/>
-              <a:t>No Class Monday – Enjoy Labor Day! </a:t>
-            </a:r>
-          </a:p>
-          <a:p>
-            <a:pPr lvl="1"/>
-            <a:r>
-              <a:rPr lang="en-US" dirty="0"/>
-              <a:t>Don’t forget knowledge check (you can do it in advance) </a:t>
-            </a:r>
-          </a:p>
-          <a:p>
-            <a:r>
-              <a:rPr lang="en-US" dirty="0"/>
-              <a:t>Tuesday Lab – important!</a:t>
-            </a:r>
-          </a:p>
-          <a:p>
-            <a:pPr lvl="1"/>
-            <a:r>
-              <a:rPr lang="en-US" dirty="0"/>
-              <a:t>Start of your first </a:t>
-            </a:r>
-            <a:r>
-              <a:rPr lang="en-US" b="1" dirty="0"/>
-              <a:t>Practical Project</a:t>
-            </a:r>
-          </a:p>
-          <a:p>
-            <a:pPr lvl="1"/>
-            <a:r>
-              <a:rPr lang="en-US" dirty="0" err="1"/>
-              <a:t>Practicals</a:t>
-            </a:r>
-            <a:r>
-              <a:rPr lang="en-US" dirty="0"/>
-              <a:t> are meant to be *long* and *harder* </a:t>
-            </a:r>
-          </a:p>
-          <a:p>
-            <a:pPr lvl="2"/>
-            <a:r>
-              <a:rPr lang="en-US" dirty="0"/>
-              <a:t>but you can do it!</a:t>
-            </a:r>
-          </a:p>
-          <a:p>
-            <a:pPr lvl="2"/>
-            <a:r>
-              <a:rPr lang="en-US" dirty="0"/>
-              <a:t>Start early, get help! </a:t>
-            </a:r>
-          </a:p>
-        </p:txBody>
-      </p:sp>
-      <p:sp>
-        <p:nvSpPr>
-          <p:cNvPr id="6" name="TextBox 5">
-            <a:extLst>
-              <a:ext uri="{FF2B5EF4-FFF2-40B4-BE49-F238E27FC236}">
-                <a16:creationId xmlns:a16="http://schemas.microsoft.com/office/drawing/2014/main" id="{F718367E-9E54-2D4A-803A-95FD697B9F45}"/>
-              </a:ext>
-            </a:extLst>
-          </p:cNvPr>
-          <p:cNvSpPr txBox="1"/>
-          <p:nvPr/>
-        </p:nvSpPr>
-        <p:spPr>
-          <a:xfrm>
-            <a:off x="2632060" y="5844832"/>
-            <a:ext cx="8779968" cy="1015663"/>
-          </a:xfrm>
-          <a:prstGeom prst="rect">
-            <a:avLst/>
-          </a:prstGeom>
-          <a:solidFill>
-            <a:schemeClr val="accent2"/>
-          </a:solidFill>
-        </p:spPr>
-        <p:txBody>
-          <a:bodyPr wrap="none" rtlCol="0">
-            <a:spAutoFit/>
-          </a:bodyPr>
-          <a:lstStyle/>
-          <a:p>
-            <a:r>
-              <a:rPr lang="en-US" b="1" dirty="0"/>
-              <a:t>Opening Question (talk with others in your group *before* class starts)</a:t>
-            </a:r>
-          </a:p>
-          <a:p>
-            <a:r>
-              <a:rPr lang="en-US" dirty="0"/>
-              <a:t>What is your favorite poem or song? Why does it have meaning?</a:t>
-            </a:r>
-          </a:p>
-          <a:p>
-            <a:r>
-              <a:rPr lang="en-US" dirty="0"/>
-              <a:t>Does that meaning have context?</a:t>
-            </a:r>
-          </a:p>
-        </p:txBody>
-      </p:sp>
-    </p:spTree>
-    <p:extLst>
-      <p:ext uri="{BB962C8B-B14F-4D97-AF65-F5344CB8AC3E}">
-        <p14:creationId xmlns:p14="http://schemas.microsoft.com/office/powerpoint/2010/main" val="876244202"/>
-      </p:ext>
-    </p:extLst>
-  </p:cSld>
-  <p:clrMapOvr>
-    <a:masterClrMapping/>
-  </p:clrMapOvr>
-  <mc:AlternateContent xmlns:mc="http://schemas.openxmlformats.org/markup-compatibility/2006" xmlns:p14="http://schemas.microsoft.com/office/powerpoint/2010/main">
-    <mc:Choice Requires="p14">
-      <p:transition p14:dur="300">
-        <p:fade/>
-      </p:transition>
-    </mc:Choice>
-    <mc:Fallback xmlns="">
-      <p:transition>
-        <p:fade/>
-      </p:transition>
-    </mc:Fallback>
-  </mc:AlternateContent>
-</p:sld>
-</file>
-
 <file path=ppt/slides/slide3.xml><?xml version="1.0" encoding="utf-8"?>
 <p:sld xmlns:a="http://schemas.openxmlformats.org/drawingml/2006/main" xmlns:r="http://schemas.openxmlformats.org/officeDocument/2006/relationships" xmlns:p="http://schemas.openxmlformats.org/presentationml/2006/main">
   <p:cSld>
@@ -15155,635 +17048,6 @@
 </file>
 
 <file path=ppt/slides/slide4.xml><?xml version="1.0" encoding="utf-8"?>
-<p:sld xmlns:a="http://schemas.openxmlformats.org/drawingml/2006/main" xmlns:r="http://schemas.openxmlformats.org/officeDocument/2006/relationships" xmlns:p="http://schemas.openxmlformats.org/presentationml/2006/main">
-  <p:cSld>
-    <p:spTree>
-      <p:nvGrpSpPr>
-        <p:cNvPr id="1" name=""/>
-        <p:cNvGrpSpPr/>
-        <p:nvPr/>
-      </p:nvGrpSpPr>
-      <p:grpSpPr>
-        <a:xfrm>
-          <a:off x="0" y="0"/>
-          <a:ext cx="0" cy="0"/>
-          <a:chOff x="0" y="0"/>
-          <a:chExt cx="0" cy="0"/>
-        </a:xfrm>
-      </p:grpSpPr>
-      <p:sp>
-        <p:nvSpPr>
-          <p:cNvPr id="2" name="Title 1">
-            <a:extLst>
-              <a:ext uri="{FF2B5EF4-FFF2-40B4-BE49-F238E27FC236}">
-                <a16:creationId xmlns:a16="http://schemas.microsoft.com/office/drawing/2014/main" id="{B536806E-AD3E-AD40-936F-590919B5FCEE}"/>
-              </a:ext>
-            </a:extLst>
-          </p:cNvPr>
-          <p:cNvSpPr>
-            <a:spLocks noGrp="1"/>
-          </p:cNvSpPr>
-          <p:nvPr>
-            <p:ph type="title"/>
-          </p:nvPr>
-        </p:nvSpPr>
-        <p:spPr>
-          <a:xfrm>
-            <a:off x="628075" y="285697"/>
-            <a:ext cx="12561453" cy="1015663"/>
-          </a:xfrm>
-        </p:spPr>
-        <p:txBody>
-          <a:bodyPr/>
-          <a:lstStyle/>
-          <a:p>
-            <a:r>
-              <a:rPr lang="en-US" dirty="0"/>
-              <a:t>Casting</a:t>
-            </a:r>
-          </a:p>
-        </p:txBody>
-      </p:sp>
-      <p:sp>
-        <p:nvSpPr>
-          <p:cNvPr id="5" name="TextBox 4">
-            <a:extLst>
-              <a:ext uri="{FF2B5EF4-FFF2-40B4-BE49-F238E27FC236}">
-                <a16:creationId xmlns:a16="http://schemas.microsoft.com/office/drawing/2014/main" id="{BC9EEA87-D34D-C34F-8D45-848ED96537EC}"/>
-              </a:ext>
-            </a:extLst>
-          </p:cNvPr>
-          <p:cNvSpPr txBox="1"/>
-          <p:nvPr/>
-        </p:nvSpPr>
-        <p:spPr>
-          <a:xfrm>
-            <a:off x="1149069" y="2919411"/>
-            <a:ext cx="6909514" cy="2246769"/>
-          </a:xfrm>
-          <a:prstGeom prst="rect">
-            <a:avLst/>
-          </a:prstGeom>
-          <a:noFill/>
-        </p:spPr>
-        <p:txBody>
-          <a:bodyPr wrap="square">
-            <a:spAutoFit/>
-          </a:bodyPr>
-          <a:lstStyle/>
-          <a:p>
-            <a:r>
-              <a:rPr lang="en-US" dirty="0">
-                <a:solidFill>
-                  <a:srgbClr val="CC7832"/>
-                </a:solidFill>
-                <a:effectLst/>
-              </a:rPr>
-              <a:t>public static char </a:t>
-            </a:r>
-            <a:r>
-              <a:rPr lang="en-US" dirty="0" err="1">
-                <a:solidFill>
-                  <a:srgbClr val="FFC66D"/>
-                </a:solidFill>
-                <a:effectLst/>
-              </a:rPr>
-              <a:t>characterAddition</a:t>
-            </a:r>
-            <a:r>
-              <a:rPr lang="en-US" dirty="0"/>
-              <a:t>(</a:t>
-            </a:r>
-            <a:r>
-              <a:rPr lang="en-US" dirty="0">
-                <a:solidFill>
-                  <a:srgbClr val="CC7832"/>
-                </a:solidFill>
-                <a:effectLst/>
-              </a:rPr>
-              <a:t>char </a:t>
-            </a:r>
-            <a:r>
-              <a:rPr lang="en-US" i="1" dirty="0">
-                <a:solidFill>
-                  <a:srgbClr val="9876AA"/>
-                </a:solidFill>
-                <a:effectLst/>
-              </a:rPr>
-              <a:t>a</a:t>
-            </a:r>
-            <a:r>
-              <a:rPr lang="en-US" dirty="0">
-                <a:solidFill>
-                  <a:srgbClr val="CC7832"/>
-                </a:solidFill>
-                <a:effectLst/>
-              </a:rPr>
-              <a:t>, int </a:t>
-            </a:r>
-            <a:r>
-              <a:rPr lang="en-US" i="1" dirty="0">
-                <a:solidFill>
-                  <a:srgbClr val="9876AA"/>
-                </a:solidFill>
-                <a:effectLst/>
-              </a:rPr>
-              <a:t>b</a:t>
-            </a:r>
-            <a:r>
-              <a:rPr lang="en-US" dirty="0"/>
-              <a:t>) {</a:t>
-            </a:r>
-            <a:br>
-              <a:rPr lang="en-US" dirty="0"/>
-            </a:br>
-            <a:r>
-              <a:rPr lang="en-US" dirty="0"/>
-              <a:t>    </a:t>
-            </a:r>
-            <a:r>
-              <a:rPr lang="en-US" dirty="0">
-                <a:solidFill>
-                  <a:srgbClr val="CC7832"/>
-                </a:solidFill>
-                <a:effectLst/>
-              </a:rPr>
-              <a:t>return </a:t>
-            </a:r>
-            <a:r>
-              <a:rPr lang="en-US" dirty="0">
-                <a:solidFill>
-                  <a:srgbClr val="FF0000"/>
-                </a:solidFill>
-              </a:rPr>
-              <a:t>(</a:t>
-            </a:r>
-            <a:r>
-              <a:rPr lang="en-US" dirty="0">
-                <a:solidFill>
-                  <a:srgbClr val="FF0000"/>
-                </a:solidFill>
-                <a:effectLst/>
-              </a:rPr>
-              <a:t>char</a:t>
-            </a:r>
-            <a:r>
-              <a:rPr lang="en-US" dirty="0">
-                <a:solidFill>
-                  <a:srgbClr val="FF0000"/>
-                </a:solidFill>
-              </a:rPr>
-              <a:t>) </a:t>
-            </a:r>
-            <a:r>
-              <a:rPr lang="en-US" dirty="0"/>
-              <a:t>(</a:t>
-            </a:r>
-            <a:r>
-              <a:rPr lang="en-US" i="1" dirty="0">
-                <a:solidFill>
-                  <a:srgbClr val="9876AA"/>
-                </a:solidFill>
-                <a:effectLst/>
-              </a:rPr>
-              <a:t>a </a:t>
-            </a:r>
-            <a:r>
-              <a:rPr lang="en-US" dirty="0"/>
-              <a:t>+ </a:t>
-            </a:r>
-            <a:r>
-              <a:rPr lang="en-US" i="1" dirty="0">
-                <a:solidFill>
-                  <a:srgbClr val="9876AA"/>
-                </a:solidFill>
-                <a:effectLst/>
-              </a:rPr>
-              <a:t>b</a:t>
-            </a:r>
-            <a:r>
-              <a:rPr lang="en-US" dirty="0"/>
-              <a:t>)</a:t>
-            </a:r>
-            <a:r>
-              <a:rPr lang="en-US" dirty="0">
-                <a:solidFill>
-                  <a:srgbClr val="CC7832"/>
-                </a:solidFill>
-                <a:effectLst/>
-              </a:rPr>
-              <a:t>;</a:t>
-            </a:r>
-          </a:p>
-          <a:p>
-            <a:r>
-              <a:rPr lang="en-US" dirty="0"/>
-              <a:t>}</a:t>
-            </a:r>
-            <a:br>
-              <a:rPr lang="en-US" dirty="0"/>
-            </a:br>
-            <a:br>
-              <a:rPr lang="en-US" dirty="0"/>
-            </a:br>
-            <a:r>
-              <a:rPr lang="en-US" dirty="0">
-                <a:solidFill>
-                  <a:srgbClr val="CC7832"/>
-                </a:solidFill>
-                <a:effectLst/>
-              </a:rPr>
-              <a:t>public static void </a:t>
-            </a:r>
-            <a:r>
-              <a:rPr lang="en-US" dirty="0">
-                <a:solidFill>
-                  <a:srgbClr val="FFC66D"/>
-                </a:solidFill>
-                <a:effectLst/>
-              </a:rPr>
-              <a:t>main</a:t>
-            </a:r>
-            <a:r>
-              <a:rPr lang="en-US" dirty="0"/>
-              <a:t>(String[] </a:t>
-            </a:r>
-            <a:r>
-              <a:rPr lang="en-US" i="1" dirty="0" err="1">
-                <a:solidFill>
-                  <a:srgbClr val="9876AA"/>
-                </a:solidFill>
-                <a:effectLst/>
-              </a:rPr>
-              <a:t>args</a:t>
-            </a:r>
-            <a:r>
-              <a:rPr lang="en-US" dirty="0"/>
-              <a:t>) {</a:t>
-            </a:r>
-            <a:br>
-              <a:rPr lang="en-US" dirty="0"/>
-            </a:br>
-            <a:r>
-              <a:rPr lang="en-US" dirty="0"/>
-              <a:t>    </a:t>
-            </a:r>
-            <a:r>
-              <a:rPr lang="en-US" dirty="0" err="1"/>
-              <a:t>System.</a:t>
-            </a:r>
-            <a:r>
-              <a:rPr lang="en-US" i="1" dirty="0" err="1">
-                <a:solidFill>
-                  <a:srgbClr val="9876AA"/>
-                </a:solidFill>
-                <a:effectLst/>
-              </a:rPr>
-              <a:t>out</a:t>
-            </a:r>
-            <a:r>
-              <a:rPr lang="en-US" dirty="0" err="1"/>
-              <a:t>.println</a:t>
-            </a:r>
-            <a:r>
-              <a:rPr lang="en-US" dirty="0"/>
-              <a:t>(</a:t>
-            </a:r>
-            <a:r>
-              <a:rPr lang="en-US" i="1" dirty="0" err="1">
-                <a:effectLst/>
-              </a:rPr>
-              <a:t>characterAddition</a:t>
-            </a:r>
-            <a:r>
-              <a:rPr lang="en-US" dirty="0"/>
-              <a:t>(</a:t>
-            </a:r>
-            <a:r>
-              <a:rPr lang="en-US" dirty="0">
-                <a:solidFill>
-                  <a:srgbClr val="6A8759"/>
-                </a:solidFill>
-                <a:effectLst/>
-              </a:rPr>
-              <a:t>'A'</a:t>
-            </a:r>
-            <a:r>
-              <a:rPr lang="en-US" dirty="0">
-                <a:solidFill>
-                  <a:srgbClr val="CC7832"/>
-                </a:solidFill>
-                <a:effectLst/>
-              </a:rPr>
-              <a:t>, </a:t>
-            </a:r>
-            <a:r>
-              <a:rPr lang="en-US" dirty="0">
-                <a:solidFill>
-                  <a:srgbClr val="6897BB"/>
-                </a:solidFill>
-                <a:effectLst/>
-              </a:rPr>
-              <a:t>2</a:t>
-            </a:r>
-            <a:r>
-              <a:rPr lang="en-US" dirty="0"/>
-              <a:t>))</a:t>
-            </a:r>
-            <a:r>
-              <a:rPr lang="en-US" dirty="0">
-                <a:solidFill>
-                  <a:srgbClr val="CC7832"/>
-                </a:solidFill>
-                <a:effectLst/>
-              </a:rPr>
-              <a:t>;</a:t>
-            </a:r>
-            <a:br>
-              <a:rPr lang="en-US" dirty="0">
-                <a:solidFill>
-                  <a:srgbClr val="CC7832"/>
-                </a:solidFill>
-                <a:effectLst/>
-              </a:rPr>
-            </a:br>
-            <a:r>
-              <a:rPr lang="en-US" dirty="0"/>
-              <a:t>}</a:t>
-            </a:r>
-          </a:p>
-        </p:txBody>
-      </p:sp>
-      <p:sp>
-        <p:nvSpPr>
-          <p:cNvPr id="8" name="Rectangle 2"/>
-          <p:cNvSpPr>
-            <a:spLocks noGrp="1" noChangeArrowheads="1"/>
-          </p:cNvSpPr>
-          <p:nvPr>
-            <p:ph type="body" sz="quarter" idx="10"/>
-          </p:nvPr>
-        </p:nvSpPr>
-        <p:spPr bwMode="auto">
-          <a:xfrm>
-            <a:off x="749805" y="1599862"/>
-            <a:ext cx="9195979" cy="892552"/>
-          </a:xfrm>
-          <a:prstGeom prst="rect">
-            <a:avLst/>
-          </a:prstGeom>
-          <a:solidFill>
-            <a:srgbClr val="FFFFFF"/>
-          </a:solidFill>
-          <a:ln>
-            <a:noFill/>
-          </a:ln>
-          <a:effectLst/>
-          <a:extLst>
-            <a:ext uri="{91240B29-F687-4F45-9708-019B960494DF}">
-              <a14:hiddenLine xmlns:a14="http://schemas.microsoft.com/office/drawing/2010/main" w="9525">
-                <a:solidFill>
-                  <a:schemeClr val="tx1"/>
-                </a:solidFill>
-                <a:miter lim="800000"/>
-                <a:headEnd/>
-                <a:tailEnd/>
-              </a14:hiddenLine>
-            </a:ext>
-            <a:ext uri="{AF507438-7753-43E0-B8FC-AC1667EBCBE1}">
-              <a14:hiddenEffects xmlns:a14="http://schemas.microsoft.com/office/drawing/2010/main">
-                <a:effectLst>
-                  <a:outerShdw dist="35921" dir="2700000" algn="ctr" rotWithShape="0">
-                    <a:schemeClr val="bg2"/>
-                  </a:outerShdw>
-                </a:effectLst>
-              </a14:hiddenEffects>
-            </a:ext>
-          </a:extLst>
-        </p:spPr>
-        <p:txBody>
-          <a:bodyPr vert="horz" wrap="none" lIns="91440" tIns="45720" rIns="91440" bIns="45720" numCol="1" anchor="ctr" anchorCtr="0" compatLnSpc="1">
-            <a:prstTxWarp prst="textNoShape">
-              <a:avLst/>
-            </a:prstTxWarp>
-            <a:spAutoFit/>
-          </a:bodyPr>
-          <a:lstStyle>
-            <a:lvl1pPr eaLnBrk="0" fontAlgn="base" hangingPunct="0">
-              <a:spcBef>
-                <a:spcPct val="0"/>
-              </a:spcBef>
-              <a:spcAft>
-                <a:spcPct val="0"/>
-              </a:spcAft>
-              <a:defRPr>
-                <a:solidFill>
-                  <a:schemeClr val="tx1"/>
-                </a:solidFill>
-                <a:latin typeface="Arial" panose="020B0604020202020204" pitchFamily="34" charset="0"/>
-              </a:defRPr>
-            </a:lvl1pPr>
-            <a:lvl2pPr marL="457200" eaLnBrk="0" fontAlgn="base" hangingPunct="0">
-              <a:spcBef>
-                <a:spcPct val="0"/>
-              </a:spcBef>
-              <a:spcAft>
-                <a:spcPct val="0"/>
-              </a:spcAft>
-              <a:defRPr>
-                <a:solidFill>
-                  <a:schemeClr val="tx1"/>
-                </a:solidFill>
-                <a:latin typeface="Arial" panose="020B0604020202020204" pitchFamily="34" charset="0"/>
-              </a:defRPr>
-            </a:lvl2pPr>
-            <a:lvl3pPr marL="914400" eaLnBrk="0" fontAlgn="base" hangingPunct="0">
-              <a:spcBef>
-                <a:spcPct val="0"/>
-              </a:spcBef>
-              <a:spcAft>
-                <a:spcPct val="0"/>
-              </a:spcAft>
-              <a:defRPr>
-                <a:solidFill>
-                  <a:schemeClr val="tx1"/>
-                </a:solidFill>
-                <a:latin typeface="Arial" panose="020B0604020202020204" pitchFamily="34" charset="0"/>
-              </a:defRPr>
-            </a:lvl3pPr>
-            <a:lvl4pPr marL="1371600" eaLnBrk="0" fontAlgn="base" hangingPunct="0">
-              <a:spcBef>
-                <a:spcPct val="0"/>
-              </a:spcBef>
-              <a:spcAft>
-                <a:spcPct val="0"/>
-              </a:spcAft>
-              <a:defRPr>
-                <a:solidFill>
-                  <a:schemeClr val="tx1"/>
-                </a:solidFill>
-                <a:latin typeface="Arial" panose="020B0604020202020204" pitchFamily="34" charset="0"/>
-              </a:defRPr>
-            </a:lvl4pPr>
-            <a:lvl5pPr marL="1828800" eaLnBrk="0" fontAlgn="base" hangingPunct="0">
-              <a:spcBef>
-                <a:spcPct val="0"/>
-              </a:spcBef>
-              <a:spcAft>
-                <a:spcPct val="0"/>
-              </a:spcAft>
-              <a:defRPr>
-                <a:solidFill>
-                  <a:schemeClr val="tx1"/>
-                </a:solidFill>
-                <a:latin typeface="Arial" panose="020B0604020202020204" pitchFamily="34" charset="0"/>
-              </a:defRPr>
-            </a:lvl5pPr>
-            <a:lvl6pPr marL="2286000" eaLnBrk="0" fontAlgn="base" hangingPunct="0">
-              <a:spcBef>
-                <a:spcPct val="0"/>
-              </a:spcBef>
-              <a:spcAft>
-                <a:spcPct val="0"/>
-              </a:spcAft>
-              <a:defRPr>
-                <a:solidFill>
-                  <a:schemeClr val="tx1"/>
-                </a:solidFill>
-                <a:latin typeface="Arial" panose="020B0604020202020204" pitchFamily="34" charset="0"/>
-              </a:defRPr>
-            </a:lvl6pPr>
-            <a:lvl7pPr marL="2743200" eaLnBrk="0" fontAlgn="base" hangingPunct="0">
-              <a:spcBef>
-                <a:spcPct val="0"/>
-              </a:spcBef>
-              <a:spcAft>
-                <a:spcPct val="0"/>
-              </a:spcAft>
-              <a:defRPr>
-                <a:solidFill>
-                  <a:schemeClr val="tx1"/>
-                </a:solidFill>
-                <a:latin typeface="Arial" panose="020B0604020202020204" pitchFamily="34" charset="0"/>
-              </a:defRPr>
-            </a:lvl7pPr>
-            <a:lvl8pPr marL="3200400" eaLnBrk="0" fontAlgn="base" hangingPunct="0">
-              <a:spcBef>
-                <a:spcPct val="0"/>
-              </a:spcBef>
-              <a:spcAft>
-                <a:spcPct val="0"/>
-              </a:spcAft>
-              <a:defRPr>
-                <a:solidFill>
-                  <a:schemeClr val="tx1"/>
-                </a:solidFill>
-                <a:latin typeface="Arial" panose="020B0604020202020204" pitchFamily="34" charset="0"/>
-              </a:defRPr>
-            </a:lvl8pPr>
-            <a:lvl9pPr marL="3657600" eaLnBrk="0" fontAlgn="base" hangingPunct="0">
-              <a:spcBef>
-                <a:spcPct val="0"/>
-              </a:spcBef>
-              <a:spcAft>
-                <a:spcPct val="0"/>
-              </a:spcAft>
-              <a:defRPr>
-                <a:solidFill>
-                  <a:schemeClr val="tx1"/>
-                </a:solidFill>
-                <a:latin typeface="Arial" panose="020B0604020202020204" pitchFamily="34" charset="0"/>
-              </a:defRPr>
-            </a:lvl9pPr>
-          </a:lstStyle>
-          <a:p>
-            <a:pPr defTabSz="914400">
-              <a:lnSpc>
-                <a:spcPct val="100000"/>
-              </a:lnSpc>
-            </a:pPr>
-            <a:r>
-              <a:rPr lang="en-US" altLang="en-US" dirty="0">
-                <a:solidFill>
-                  <a:srgbClr val="092529"/>
-                </a:solidFill>
-                <a:latin typeface="Proxima Nova" charset="0"/>
-              </a:rPr>
-              <a:t>Type casting is when you assign a value of one primitive data type to another type.</a:t>
-            </a:r>
-          </a:p>
-          <a:p>
-            <a:pPr lvl="2" defTabSz="914400">
-              <a:lnSpc>
-                <a:spcPct val="100000"/>
-              </a:lnSpc>
-            </a:pPr>
-            <a:r>
-              <a:rPr lang="en-US" altLang="en-US" dirty="0">
-                <a:solidFill>
-                  <a:srgbClr val="092529"/>
-                </a:solidFill>
-                <a:latin typeface="Proxima Nova" charset="0"/>
-              </a:rPr>
-              <a:t>This allows you to change an int back to a char without an error! </a:t>
-            </a:r>
-          </a:p>
-          <a:p>
-            <a:pPr marL="0" marR="0" lvl="0" indent="0" algn="l" defTabSz="914400" rtl="0" eaLnBrk="0" fontAlgn="base" latinLnBrk="0" hangingPunct="0">
-              <a:lnSpc>
-                <a:spcPct val="100000"/>
-              </a:lnSpc>
-              <a:spcBef>
-                <a:spcPct val="0"/>
-              </a:spcBef>
-              <a:spcAft>
-                <a:spcPct val="0"/>
-              </a:spcAft>
-              <a:buClrTx/>
-              <a:buSzTx/>
-              <a:buFontTx/>
-              <a:buNone/>
-              <a:tabLst/>
-            </a:pPr>
-            <a:endParaRPr kumimoji="0" lang="en-US" altLang="en-US" sz="1800" b="0" i="0" u="none" strike="noStrike" cap="none" normalizeH="0" baseline="0" dirty="0">
-              <a:ln>
-                <a:noFill/>
-              </a:ln>
-              <a:solidFill>
-                <a:schemeClr val="tx1"/>
-              </a:solidFill>
-              <a:effectLst/>
-              <a:latin typeface="Arial" panose="020B0604020202020204" pitchFamily="34" charset="0"/>
-            </a:endParaRPr>
-          </a:p>
-        </p:txBody>
-      </p:sp>
-    </p:spTree>
-    <p:extLst>
-      <p:ext uri="{BB962C8B-B14F-4D97-AF65-F5344CB8AC3E}">
-        <p14:creationId xmlns:p14="http://schemas.microsoft.com/office/powerpoint/2010/main" val="2322425887"/>
-      </p:ext>
-    </p:extLst>
-  </p:cSld>
-  <p:clrMapOvr>
-    <a:masterClrMapping/>
-  </p:clrMapOvr>
-  <mc:AlternateContent xmlns:mc="http://schemas.openxmlformats.org/markup-compatibility/2006">
-    <mc:Choice xmlns:p14="http://schemas.microsoft.com/office/powerpoint/2010/main" Requires="p14">
-      <p:transition p14:dur="300">
-        <p:fade/>
-      </p:transition>
-    </mc:Choice>
-    <mc:Fallback>
-      <p:transition>
-        <p:fade/>
-      </p:transition>
-    </mc:Fallback>
-  </mc:AlternateContent>
-</p:sld>
-</file>
-
-<file path=ppt/slides/slide5.xml><?xml version="1.0" encoding="utf-8"?>
 <p:sld xmlns:a="http://schemas.openxmlformats.org/drawingml/2006/main" xmlns:r="http://schemas.openxmlformats.org/officeDocument/2006/relationships" xmlns:p="http://schemas.openxmlformats.org/presentationml/2006/main" show="0">
   <p:cSld>
     <p:spTree>
@@ -16451,13 +17715,13 @@
   <p:clrMapOvr>
     <a:masterClrMapping/>
   </p:clrMapOvr>
-  <mc:AlternateContent xmlns:mc="http://schemas.openxmlformats.org/markup-compatibility/2006">
-    <mc:Choice xmlns:p14="http://schemas.microsoft.com/office/powerpoint/2010/main" Requires="p14">
+  <mc:AlternateContent xmlns:mc="http://schemas.openxmlformats.org/markup-compatibility/2006" xmlns:p14="http://schemas.microsoft.com/office/powerpoint/2010/main">
+    <mc:Choice Requires="p14">
       <p:transition p14:dur="300">
         <p:fade/>
       </p:transition>
     </mc:Choice>
-    <mc:Fallback>
+    <mc:Fallback xmlns="">
       <p:transition>
         <p:fade/>
       </p:transition>
@@ -16590,7 +17854,7 @@
 </p:sld>
 </file>
 
-<file path=ppt/slides/slide6.xml><?xml version="1.0" encoding="utf-8"?>
+<file path=ppt/slides/slide5.xml><?xml version="1.0" encoding="utf-8"?>
 <p:sld xmlns:a="http://schemas.openxmlformats.org/drawingml/2006/main" xmlns:r="http://schemas.openxmlformats.org/officeDocument/2006/relationships" xmlns:p="http://schemas.openxmlformats.org/presentationml/2006/main" show="0">
   <p:cSld>
     <p:spTree>
@@ -17116,13 +18380,13 @@
   <p:clrMapOvr>
     <a:masterClrMapping/>
   </p:clrMapOvr>
-  <mc:AlternateContent xmlns:mc="http://schemas.openxmlformats.org/markup-compatibility/2006">
-    <mc:Choice xmlns:p14="http://schemas.microsoft.com/office/powerpoint/2010/main" Requires="p14">
+  <mc:AlternateContent xmlns:mc="http://schemas.openxmlformats.org/markup-compatibility/2006" xmlns:p14="http://schemas.microsoft.com/office/powerpoint/2010/main">
+    <mc:Choice Requires="p14">
       <p:transition p14:dur="300">
         <p:fade/>
       </p:transition>
     </mc:Choice>
-    <mc:Fallback>
+    <mc:Fallback xmlns="">
       <p:transition>
         <p:fade/>
       </p:transition>
@@ -17131,7 +18395,7 @@
 </p:sld>
 </file>
 
-<file path=ppt/slides/slide7.xml><?xml version="1.0" encoding="utf-8"?>
+<file path=ppt/slides/slide6.xml><?xml version="1.0" encoding="utf-8"?>
 <p:sld xmlns:a="http://schemas.openxmlformats.org/drawingml/2006/main" xmlns:r="http://schemas.openxmlformats.org/officeDocument/2006/relationships" xmlns:p="http://schemas.openxmlformats.org/presentationml/2006/main">
   <p:cSld>
     <p:spTree>
@@ -17195,7 +18459,7 @@
         <p:spPr>
           <a:xfrm>
             <a:off x="628075" y="1776682"/>
-            <a:ext cx="12561453" cy="3429913"/>
+            <a:ext cx="12561453" cy="3399136"/>
           </a:xfrm>
         </p:spPr>
         <p:txBody>
@@ -17224,72 +18488,16 @@
             </a:r>
           </a:p>
           <a:p>
-            <a:pPr lvl="1" fontAlgn="base"/>
-            <a:r>
-              <a:rPr lang="en-US" dirty="0">
-                <a:latin typeface="Consolas" panose="020B0609020204030204" pitchFamily="49" charset="0"/>
-                <a:cs typeface="Consolas" panose="020B0609020204030204" pitchFamily="49" charset="0"/>
-              </a:rPr>
-              <a:t>char </a:t>
-            </a:r>
-            <a:r>
-              <a:rPr lang="en-US" dirty="0" err="1">
-                <a:latin typeface="Consolas" panose="020B0609020204030204" pitchFamily="49" charset="0"/>
-                <a:cs typeface="Consolas" panose="020B0609020204030204" pitchFamily="49" charset="0"/>
-              </a:rPr>
-              <a:t>myChar</a:t>
-            </a:r>
-            <a:r>
-              <a:rPr lang="en-US" dirty="0">
-                <a:latin typeface="Consolas" panose="020B0609020204030204" pitchFamily="49" charset="0"/>
-                <a:cs typeface="Consolas" panose="020B0609020204030204" pitchFamily="49" charset="0"/>
-              </a:rPr>
-              <a:t> = ‘x’; // notice single quotes</a:t>
-            </a:r>
-          </a:p>
-          <a:p>
-            <a:pPr lvl="1" fontAlgn="base"/>
-            <a:r>
-              <a:rPr lang="en-US" dirty="0">
-                <a:latin typeface="Consolas" panose="020B0609020204030204" pitchFamily="49" charset="0"/>
-                <a:cs typeface="Consolas" panose="020B0609020204030204" pitchFamily="49" charset="0"/>
-              </a:rPr>
-              <a:t>char </a:t>
-            </a:r>
-            <a:r>
-              <a:rPr lang="en-US" dirty="0" err="1">
-                <a:latin typeface="Consolas" panose="020B0609020204030204" pitchFamily="49" charset="0"/>
-                <a:cs typeface="Consolas" panose="020B0609020204030204" pitchFamily="49" charset="0"/>
-              </a:rPr>
-              <a:t>newLine</a:t>
-            </a:r>
-            <a:r>
-              <a:rPr lang="en-US" dirty="0">
-                <a:latin typeface="Consolas" panose="020B0609020204030204" pitchFamily="49" charset="0"/>
-                <a:cs typeface="Consolas" panose="020B0609020204030204" pitchFamily="49" charset="0"/>
-              </a:rPr>
-              <a:t> = ‘\n’; //the invisible newline character</a:t>
-            </a:r>
-          </a:p>
-          <a:p>
-            <a:pPr lvl="1" fontAlgn="base"/>
-            <a:r>
-              <a:rPr lang="en-US" dirty="0">
-                <a:latin typeface="Consolas" panose="020B0609020204030204" pitchFamily="49" charset="0"/>
-                <a:cs typeface="Consolas" panose="020B0609020204030204" pitchFamily="49" charset="0"/>
-              </a:rPr>
-              <a:t>char myChar2 = 57; // bad idea! It sets the value to the character ‘9’</a:t>
-            </a:r>
-          </a:p>
-          <a:p>
-            <a:pPr lvl="1" fontAlgn="base"/>
-            <a:r>
-              <a:rPr lang="en-US" dirty="0">
-                <a:latin typeface="Consolas" panose="020B0609020204030204" pitchFamily="49" charset="0"/>
-                <a:cs typeface="Consolas" panose="020B0609020204030204" pitchFamily="49" charset="0"/>
-              </a:rPr>
-              <a:t>char what = (char)‘A’ + 2;  // what is now ‘C’ (used in things like the Caesar cipher)</a:t>
-            </a:r>
+            <a:pPr fontAlgn="base"/>
+            <a:endParaRPr lang="en-US" dirty="0"/>
+          </a:p>
+          <a:p>
+            <a:pPr fontAlgn="base"/>
+            <a:endParaRPr lang="en-US" dirty="0"/>
+          </a:p>
+          <a:p>
+            <a:pPr fontAlgn="base"/>
+            <a:endParaRPr lang="en-US" dirty="0"/>
           </a:p>
           <a:p>
             <a:pPr fontAlgn="base"/>
@@ -17310,13 +18518,1261 @@
           </a:p>
           <a:p>
             <a:endParaRPr lang="en-US" dirty="0"/>
+          </a:p>
+        </p:txBody>
+      </p:sp>
+      <p:sp>
+        <p:nvSpPr>
+          <p:cNvPr id="6" name="TextBox 5">
+            <a:extLst>
+              <a:ext uri="{FF2B5EF4-FFF2-40B4-BE49-F238E27FC236}">
+                <a16:creationId xmlns:a16="http://schemas.microsoft.com/office/drawing/2014/main" id="{0D646D64-CCCE-4C18-BF92-92BEA82B8BC9}"/>
+              </a:ext>
+            </a:extLst>
+          </p:cNvPr>
+          <p:cNvSpPr txBox="1"/>
+          <p:nvPr/>
+        </p:nvSpPr>
+        <p:spPr>
+          <a:xfrm>
+            <a:off x="382249" y="2814530"/>
+            <a:ext cx="13053102" cy="1323439"/>
+          </a:xfrm>
+          <a:prstGeom prst="rect">
+            <a:avLst/>
+          </a:prstGeom>
+          <a:noFill/>
+        </p:spPr>
+        <p:txBody>
+          <a:bodyPr wrap="square">
+            <a:spAutoFit/>
+          </a:bodyPr>
+          <a:lstStyle/>
+          <a:p>
+            <a:r>
+              <a:rPr lang="en-US" b="1" dirty="0">
+                <a:solidFill>
+                  <a:srgbClr val="073642"/>
+                </a:solidFill>
+                <a:effectLst/>
+                <a:latin typeface="Consolas" panose="020B0609020204030204" pitchFamily="49" charset="0"/>
+              </a:rPr>
+              <a:t>char</a:t>
+            </a:r>
+            <a:r>
+              <a:rPr lang="en-US" b="0" dirty="0">
+                <a:solidFill>
+                  <a:srgbClr val="333333"/>
+                </a:solidFill>
+                <a:effectLst/>
+                <a:latin typeface="Consolas" panose="020B0609020204030204" pitchFamily="49" charset="0"/>
+              </a:rPr>
+              <a:t> </a:t>
+            </a:r>
+            <a:r>
+              <a:rPr lang="en-US" b="0" dirty="0" err="1">
+                <a:solidFill>
+                  <a:srgbClr val="268BD2"/>
+                </a:solidFill>
+                <a:effectLst/>
+                <a:latin typeface="Consolas" panose="020B0609020204030204" pitchFamily="49" charset="0"/>
+              </a:rPr>
+              <a:t>myChar</a:t>
+            </a:r>
+            <a:r>
+              <a:rPr lang="en-US" b="0" dirty="0">
+                <a:solidFill>
+                  <a:srgbClr val="333333"/>
+                </a:solidFill>
+                <a:effectLst/>
+                <a:latin typeface="Consolas" panose="020B0609020204030204" pitchFamily="49" charset="0"/>
+              </a:rPr>
+              <a:t> </a:t>
+            </a:r>
+            <a:r>
+              <a:rPr lang="en-US" b="0" dirty="0">
+                <a:solidFill>
+                  <a:srgbClr val="859900"/>
+                </a:solidFill>
+                <a:effectLst/>
+                <a:latin typeface="Consolas" panose="020B0609020204030204" pitchFamily="49" charset="0"/>
+              </a:rPr>
+              <a:t>=</a:t>
+            </a:r>
+            <a:r>
+              <a:rPr lang="en-US" b="0" dirty="0">
+                <a:solidFill>
+                  <a:srgbClr val="333333"/>
+                </a:solidFill>
+                <a:effectLst/>
+                <a:latin typeface="Consolas" panose="020B0609020204030204" pitchFamily="49" charset="0"/>
+              </a:rPr>
+              <a:t> </a:t>
+            </a:r>
+            <a:r>
+              <a:rPr lang="en-US" b="0" dirty="0">
+                <a:solidFill>
+                  <a:srgbClr val="2AA198"/>
+                </a:solidFill>
+                <a:effectLst/>
+                <a:latin typeface="Consolas" panose="020B0609020204030204" pitchFamily="49" charset="0"/>
+              </a:rPr>
+              <a:t>'x'</a:t>
+            </a:r>
+            <a:r>
+              <a:rPr lang="en-US" b="0" dirty="0">
+                <a:solidFill>
+                  <a:srgbClr val="333333"/>
+                </a:solidFill>
+                <a:effectLst/>
+                <a:latin typeface="Consolas" panose="020B0609020204030204" pitchFamily="49" charset="0"/>
+              </a:rPr>
+              <a:t>; </a:t>
+            </a:r>
+            <a:r>
+              <a:rPr lang="en-US" b="0" i="1" dirty="0">
+                <a:solidFill>
+                  <a:srgbClr val="93A1A1"/>
+                </a:solidFill>
+                <a:effectLst/>
+                <a:latin typeface="Consolas" panose="020B0609020204030204" pitchFamily="49" charset="0"/>
+              </a:rPr>
+              <a:t>// notice single quotes</a:t>
+            </a:r>
+            <a:endParaRPr lang="en-US" b="0" dirty="0">
+              <a:solidFill>
+                <a:srgbClr val="333333"/>
+              </a:solidFill>
+              <a:effectLst/>
+              <a:latin typeface="Consolas" panose="020B0609020204030204" pitchFamily="49" charset="0"/>
+            </a:endParaRPr>
+          </a:p>
+          <a:p>
+            <a:r>
+              <a:rPr lang="en-US" b="1" dirty="0">
+                <a:solidFill>
+                  <a:srgbClr val="073642"/>
+                </a:solidFill>
+                <a:effectLst/>
+                <a:latin typeface="Consolas" panose="020B0609020204030204" pitchFamily="49" charset="0"/>
+              </a:rPr>
+              <a:t>char</a:t>
+            </a:r>
+            <a:r>
+              <a:rPr lang="en-US" b="0" dirty="0">
+                <a:solidFill>
+                  <a:srgbClr val="333333"/>
+                </a:solidFill>
+                <a:effectLst/>
+                <a:latin typeface="Consolas" panose="020B0609020204030204" pitchFamily="49" charset="0"/>
+              </a:rPr>
+              <a:t> </a:t>
+            </a:r>
+            <a:r>
+              <a:rPr lang="en-US" b="0" dirty="0" err="1">
+                <a:solidFill>
+                  <a:srgbClr val="268BD2"/>
+                </a:solidFill>
+                <a:effectLst/>
+                <a:latin typeface="Consolas" panose="020B0609020204030204" pitchFamily="49" charset="0"/>
+              </a:rPr>
+              <a:t>newLine</a:t>
+            </a:r>
+            <a:r>
+              <a:rPr lang="en-US" b="0" dirty="0">
+                <a:solidFill>
+                  <a:srgbClr val="333333"/>
+                </a:solidFill>
+                <a:effectLst/>
+                <a:latin typeface="Consolas" panose="020B0609020204030204" pitchFamily="49" charset="0"/>
+              </a:rPr>
+              <a:t> </a:t>
+            </a:r>
+            <a:r>
+              <a:rPr lang="en-US" b="0" dirty="0">
+                <a:solidFill>
+                  <a:srgbClr val="859900"/>
+                </a:solidFill>
+                <a:effectLst/>
+                <a:latin typeface="Consolas" panose="020B0609020204030204" pitchFamily="49" charset="0"/>
+              </a:rPr>
+              <a:t>=</a:t>
+            </a:r>
+            <a:r>
+              <a:rPr lang="en-US" b="0" dirty="0">
+                <a:solidFill>
+                  <a:srgbClr val="333333"/>
+                </a:solidFill>
+                <a:effectLst/>
+                <a:latin typeface="Consolas" panose="020B0609020204030204" pitchFamily="49" charset="0"/>
+              </a:rPr>
+              <a:t> </a:t>
+            </a:r>
+            <a:r>
+              <a:rPr lang="en-US" b="0" dirty="0">
+                <a:solidFill>
+                  <a:srgbClr val="2AA198"/>
+                </a:solidFill>
+                <a:effectLst/>
+                <a:latin typeface="Consolas" panose="020B0609020204030204" pitchFamily="49" charset="0"/>
+              </a:rPr>
+              <a:t>'</a:t>
+            </a:r>
+            <a:r>
+              <a:rPr lang="en-US" b="0" dirty="0">
+                <a:solidFill>
+                  <a:srgbClr val="CB4B16"/>
+                </a:solidFill>
+                <a:effectLst/>
+                <a:latin typeface="Consolas" panose="020B0609020204030204" pitchFamily="49" charset="0"/>
+              </a:rPr>
+              <a:t>\n</a:t>
+            </a:r>
+            <a:r>
+              <a:rPr lang="en-US" b="0" dirty="0">
+                <a:solidFill>
+                  <a:srgbClr val="2AA198"/>
+                </a:solidFill>
+                <a:effectLst/>
+                <a:latin typeface="Consolas" panose="020B0609020204030204" pitchFamily="49" charset="0"/>
+              </a:rPr>
+              <a:t>'</a:t>
+            </a:r>
+            <a:r>
+              <a:rPr lang="en-US" b="0" dirty="0">
+                <a:solidFill>
+                  <a:srgbClr val="333333"/>
+                </a:solidFill>
+                <a:effectLst/>
+                <a:latin typeface="Consolas" panose="020B0609020204030204" pitchFamily="49" charset="0"/>
+              </a:rPr>
+              <a:t>; </a:t>
+            </a:r>
+            <a:r>
+              <a:rPr lang="en-US" b="0" i="1" dirty="0">
+                <a:solidFill>
+                  <a:srgbClr val="93A1A1"/>
+                </a:solidFill>
+                <a:effectLst/>
+                <a:latin typeface="Consolas" panose="020B0609020204030204" pitchFamily="49" charset="0"/>
+              </a:rPr>
+              <a:t>//the invisible newline character</a:t>
+            </a:r>
+            <a:endParaRPr lang="en-US" b="0" dirty="0">
+              <a:solidFill>
+                <a:srgbClr val="333333"/>
+              </a:solidFill>
+              <a:effectLst/>
+              <a:latin typeface="Consolas" panose="020B0609020204030204" pitchFamily="49" charset="0"/>
+            </a:endParaRPr>
+          </a:p>
+          <a:p>
+            <a:r>
+              <a:rPr lang="en-US" b="1" dirty="0">
+                <a:solidFill>
+                  <a:srgbClr val="073642"/>
+                </a:solidFill>
+                <a:effectLst/>
+                <a:latin typeface="Consolas" panose="020B0609020204030204" pitchFamily="49" charset="0"/>
+              </a:rPr>
+              <a:t>char</a:t>
+            </a:r>
+            <a:r>
+              <a:rPr lang="en-US" b="0" dirty="0">
+                <a:solidFill>
+                  <a:srgbClr val="333333"/>
+                </a:solidFill>
+                <a:effectLst/>
+                <a:latin typeface="Consolas" panose="020B0609020204030204" pitchFamily="49" charset="0"/>
+              </a:rPr>
+              <a:t> </a:t>
+            </a:r>
+            <a:r>
+              <a:rPr lang="en-US" b="0" dirty="0">
+                <a:solidFill>
+                  <a:srgbClr val="268BD2"/>
+                </a:solidFill>
+                <a:effectLst/>
+                <a:latin typeface="Consolas" panose="020B0609020204030204" pitchFamily="49" charset="0"/>
+              </a:rPr>
+              <a:t>myChar2</a:t>
+            </a:r>
+            <a:r>
+              <a:rPr lang="en-US" b="0" dirty="0">
+                <a:solidFill>
+                  <a:srgbClr val="333333"/>
+                </a:solidFill>
+                <a:effectLst/>
+                <a:latin typeface="Consolas" panose="020B0609020204030204" pitchFamily="49" charset="0"/>
+              </a:rPr>
+              <a:t> </a:t>
+            </a:r>
+            <a:r>
+              <a:rPr lang="en-US" b="0" dirty="0">
+                <a:solidFill>
+                  <a:srgbClr val="859900"/>
+                </a:solidFill>
+                <a:effectLst/>
+                <a:latin typeface="Consolas" panose="020B0609020204030204" pitchFamily="49" charset="0"/>
+              </a:rPr>
+              <a:t>=</a:t>
+            </a:r>
+            <a:r>
+              <a:rPr lang="en-US" b="0" dirty="0">
+                <a:solidFill>
+                  <a:srgbClr val="333333"/>
+                </a:solidFill>
+                <a:effectLst/>
+                <a:latin typeface="Consolas" panose="020B0609020204030204" pitchFamily="49" charset="0"/>
+              </a:rPr>
+              <a:t> </a:t>
+            </a:r>
+            <a:r>
+              <a:rPr lang="en-US" b="0" dirty="0">
+                <a:solidFill>
+                  <a:srgbClr val="D33682"/>
+                </a:solidFill>
+                <a:effectLst/>
+                <a:latin typeface="Consolas" panose="020B0609020204030204" pitchFamily="49" charset="0"/>
+              </a:rPr>
+              <a:t>57</a:t>
+            </a:r>
+            <a:r>
+              <a:rPr lang="en-US" b="0" dirty="0">
+                <a:solidFill>
+                  <a:srgbClr val="333333"/>
+                </a:solidFill>
+                <a:effectLst/>
+                <a:latin typeface="Consolas" panose="020B0609020204030204" pitchFamily="49" charset="0"/>
+              </a:rPr>
+              <a:t>; </a:t>
+            </a:r>
+            <a:r>
+              <a:rPr lang="en-US" b="0" i="1" dirty="0">
+                <a:solidFill>
+                  <a:srgbClr val="93A1A1"/>
+                </a:solidFill>
+                <a:effectLst/>
+                <a:latin typeface="Consolas" panose="020B0609020204030204" pitchFamily="49" charset="0"/>
+              </a:rPr>
+              <a:t>// bad idea! It sets the value to the character ‘9’</a:t>
+            </a:r>
+            <a:endParaRPr lang="en-US" b="0" dirty="0">
+              <a:solidFill>
+                <a:srgbClr val="333333"/>
+              </a:solidFill>
+              <a:effectLst/>
+              <a:latin typeface="Consolas" panose="020B0609020204030204" pitchFamily="49" charset="0"/>
+            </a:endParaRPr>
+          </a:p>
+          <a:p>
+            <a:r>
+              <a:rPr lang="en-US" b="1" dirty="0">
+                <a:solidFill>
+                  <a:srgbClr val="073642"/>
+                </a:solidFill>
+                <a:effectLst/>
+                <a:latin typeface="Consolas" panose="020B0609020204030204" pitchFamily="49" charset="0"/>
+              </a:rPr>
+              <a:t>char</a:t>
+            </a:r>
+            <a:r>
+              <a:rPr lang="en-US" b="0" dirty="0">
+                <a:solidFill>
+                  <a:srgbClr val="333333"/>
+                </a:solidFill>
+                <a:effectLst/>
+                <a:latin typeface="Consolas" panose="020B0609020204030204" pitchFamily="49" charset="0"/>
+              </a:rPr>
+              <a:t> </a:t>
+            </a:r>
+            <a:r>
+              <a:rPr lang="en-US" b="0" dirty="0">
+                <a:solidFill>
+                  <a:srgbClr val="268BD2"/>
+                </a:solidFill>
+                <a:effectLst/>
+                <a:latin typeface="Consolas" panose="020B0609020204030204" pitchFamily="49" charset="0"/>
+              </a:rPr>
+              <a:t>what</a:t>
+            </a:r>
+            <a:r>
+              <a:rPr lang="en-US" b="0" dirty="0">
+                <a:solidFill>
+                  <a:srgbClr val="333333"/>
+                </a:solidFill>
+                <a:effectLst/>
+                <a:latin typeface="Consolas" panose="020B0609020204030204" pitchFamily="49" charset="0"/>
+              </a:rPr>
+              <a:t> </a:t>
+            </a:r>
+            <a:r>
+              <a:rPr lang="en-US" b="0" dirty="0">
+                <a:solidFill>
+                  <a:srgbClr val="859900"/>
+                </a:solidFill>
+                <a:effectLst/>
+                <a:latin typeface="Consolas" panose="020B0609020204030204" pitchFamily="49" charset="0"/>
+              </a:rPr>
+              <a:t>=</a:t>
+            </a:r>
+            <a:r>
+              <a:rPr lang="en-US" b="0" dirty="0">
+                <a:solidFill>
+                  <a:srgbClr val="333333"/>
+                </a:solidFill>
+                <a:effectLst/>
+                <a:latin typeface="Consolas" panose="020B0609020204030204" pitchFamily="49" charset="0"/>
+              </a:rPr>
+              <a:t> (</a:t>
+            </a:r>
+            <a:r>
+              <a:rPr lang="en-US" b="1" dirty="0">
+                <a:solidFill>
+                  <a:srgbClr val="073642"/>
+                </a:solidFill>
+                <a:effectLst/>
+                <a:latin typeface="Consolas" panose="020B0609020204030204" pitchFamily="49" charset="0"/>
+              </a:rPr>
+              <a:t>char</a:t>
+            </a:r>
+            <a:r>
+              <a:rPr lang="en-US" b="0" dirty="0">
+                <a:solidFill>
+                  <a:srgbClr val="333333"/>
+                </a:solidFill>
+                <a:effectLst/>
+                <a:latin typeface="Consolas" panose="020B0609020204030204" pitchFamily="49" charset="0"/>
+              </a:rPr>
+              <a:t>)(</a:t>
+            </a:r>
+            <a:r>
+              <a:rPr lang="en-US" b="0" dirty="0">
+                <a:solidFill>
+                  <a:srgbClr val="2AA198"/>
+                </a:solidFill>
+                <a:effectLst/>
+                <a:latin typeface="Consolas" panose="020B0609020204030204" pitchFamily="49" charset="0"/>
+              </a:rPr>
+              <a:t>'A'</a:t>
+            </a:r>
+            <a:r>
+              <a:rPr lang="en-US" b="0" dirty="0">
+                <a:solidFill>
+                  <a:srgbClr val="333333"/>
+                </a:solidFill>
+                <a:effectLst/>
+                <a:latin typeface="Consolas" panose="020B0609020204030204" pitchFamily="49" charset="0"/>
+              </a:rPr>
+              <a:t> </a:t>
+            </a:r>
+            <a:r>
+              <a:rPr lang="en-US" b="0" dirty="0">
+                <a:solidFill>
+                  <a:srgbClr val="859900"/>
+                </a:solidFill>
+                <a:effectLst/>
+                <a:latin typeface="Consolas" panose="020B0609020204030204" pitchFamily="49" charset="0"/>
+              </a:rPr>
+              <a:t>+</a:t>
+            </a:r>
+            <a:r>
+              <a:rPr lang="en-US" b="0" dirty="0">
+                <a:solidFill>
+                  <a:srgbClr val="333333"/>
+                </a:solidFill>
+                <a:effectLst/>
+                <a:latin typeface="Consolas" panose="020B0609020204030204" pitchFamily="49" charset="0"/>
+              </a:rPr>
+              <a:t> </a:t>
+            </a:r>
+            <a:r>
+              <a:rPr lang="en-US" b="0" dirty="0">
+                <a:solidFill>
+                  <a:srgbClr val="D33682"/>
+                </a:solidFill>
+                <a:effectLst/>
+                <a:latin typeface="Consolas" panose="020B0609020204030204" pitchFamily="49" charset="0"/>
+              </a:rPr>
+              <a:t>2</a:t>
+            </a:r>
+            <a:r>
+              <a:rPr lang="en-US" b="0" dirty="0">
+                <a:solidFill>
+                  <a:srgbClr val="333333"/>
+                </a:solidFill>
+                <a:effectLst/>
+                <a:latin typeface="Consolas" panose="020B0609020204030204" pitchFamily="49" charset="0"/>
+              </a:rPr>
+              <a:t>);  </a:t>
+            </a:r>
+            <a:r>
+              <a:rPr lang="en-US" b="0" i="1" dirty="0">
+                <a:solidFill>
+                  <a:srgbClr val="93A1A1"/>
+                </a:solidFill>
+                <a:effectLst/>
+                <a:latin typeface="Consolas" panose="020B0609020204030204" pitchFamily="49" charset="0"/>
+              </a:rPr>
+              <a:t>// what is now ‘C’ (used in things like the Caesar cipher)</a:t>
+            </a:r>
+            <a:endParaRPr lang="en-US" b="0" dirty="0">
+              <a:solidFill>
+                <a:srgbClr val="333333"/>
+              </a:solidFill>
+              <a:effectLst/>
+              <a:latin typeface="Consolas" panose="020B0609020204030204" pitchFamily="49" charset="0"/>
+            </a:endParaRPr>
           </a:p>
         </p:txBody>
       </p:sp>
     </p:spTree>
     <p:extLst>
       <p:ext uri="{BB962C8B-B14F-4D97-AF65-F5344CB8AC3E}">
-        <p14:creationId xmlns:p14="http://schemas.microsoft.com/office/powerpoint/2010/main" val="2343178293"/>
+        <p14:creationId xmlns:p14="http://schemas.microsoft.com/office/powerpoint/2010/main" val="160463758"/>
+      </p:ext>
+    </p:extLst>
+  </p:cSld>
+  <p:clrMapOvr>
+    <a:masterClrMapping/>
+  </p:clrMapOvr>
+  <mc:AlternateContent xmlns:mc="http://schemas.openxmlformats.org/markup-compatibility/2006" xmlns:p14="http://schemas.microsoft.com/office/powerpoint/2010/main">
+    <mc:Choice Requires="p14">
+      <p:transition p14:dur="300" advTm="182518">
+        <p:fade/>
+      </p:transition>
+    </mc:Choice>
+    <mc:Fallback xmlns="">
+      <p:transition advTm="182518">
+        <p:fade/>
+      </p:transition>
+    </mc:Fallback>
+  </mc:AlternateContent>
+</p:sld>
+</file>
+
+<file path=ppt/slides/slide7.xml><?xml version="1.0" encoding="utf-8"?>
+<p:sld xmlns:a="http://schemas.openxmlformats.org/drawingml/2006/main" xmlns:r="http://schemas.openxmlformats.org/officeDocument/2006/relationships" xmlns:p="http://schemas.openxmlformats.org/presentationml/2006/main">
+  <p:cSld>
+    <p:spTree>
+      <p:nvGrpSpPr>
+        <p:cNvPr id="1" name=""/>
+        <p:cNvGrpSpPr/>
+        <p:nvPr/>
+      </p:nvGrpSpPr>
+      <p:grpSpPr>
+        <a:xfrm>
+          <a:off x="0" y="0"/>
+          <a:ext cx="0" cy="0"/>
+          <a:chOff x="0" y="0"/>
+          <a:chExt cx="0" cy="0"/>
+        </a:xfrm>
+      </p:grpSpPr>
+      <p:sp>
+        <p:nvSpPr>
+          <p:cNvPr id="2" name="Title 1">
+            <a:extLst>
+              <a:ext uri="{FF2B5EF4-FFF2-40B4-BE49-F238E27FC236}">
+                <a16:creationId xmlns:a16="http://schemas.microsoft.com/office/drawing/2014/main" id="{B536806E-AD3E-AD40-936F-590919B5FCEE}"/>
+              </a:ext>
+            </a:extLst>
+          </p:cNvPr>
+          <p:cNvSpPr>
+            <a:spLocks noGrp="1"/>
+          </p:cNvSpPr>
+          <p:nvPr>
+            <p:ph type="title"/>
+          </p:nvPr>
+        </p:nvSpPr>
+        <p:spPr>
+          <a:xfrm>
+            <a:off x="628075" y="285697"/>
+            <a:ext cx="12561453" cy="1015663"/>
+          </a:xfrm>
+        </p:spPr>
+        <p:txBody>
+          <a:bodyPr/>
+          <a:lstStyle/>
+          <a:p>
+            <a:r>
+              <a:rPr lang="en-US" dirty="0"/>
+              <a:t>Casting</a:t>
+            </a:r>
+          </a:p>
+        </p:txBody>
+      </p:sp>
+      <p:sp>
+        <p:nvSpPr>
+          <p:cNvPr id="5" name="TextBox 4">
+            <a:extLst>
+              <a:ext uri="{FF2B5EF4-FFF2-40B4-BE49-F238E27FC236}">
+                <a16:creationId xmlns:a16="http://schemas.microsoft.com/office/drawing/2014/main" id="{BC9EEA87-D34D-C34F-8D45-848ED96537EC}"/>
+              </a:ext>
+            </a:extLst>
+          </p:cNvPr>
+          <p:cNvSpPr txBox="1"/>
+          <p:nvPr/>
+        </p:nvSpPr>
+        <p:spPr>
+          <a:xfrm>
+            <a:off x="1149069" y="2919411"/>
+            <a:ext cx="6909514" cy="2246769"/>
+          </a:xfrm>
+          <a:prstGeom prst="rect">
+            <a:avLst/>
+          </a:prstGeom>
+          <a:noFill/>
+        </p:spPr>
+        <p:txBody>
+          <a:bodyPr wrap="square">
+            <a:spAutoFit/>
+          </a:bodyPr>
+          <a:lstStyle/>
+          <a:p>
+            <a:r>
+              <a:rPr lang="en-US" dirty="0">
+                <a:solidFill>
+                  <a:srgbClr val="CC7832"/>
+                </a:solidFill>
+                <a:effectLst/>
+              </a:rPr>
+              <a:t>public static char </a:t>
+            </a:r>
+            <a:r>
+              <a:rPr lang="en-US" dirty="0" err="1">
+                <a:solidFill>
+                  <a:srgbClr val="FFC66D"/>
+                </a:solidFill>
+                <a:effectLst/>
+              </a:rPr>
+              <a:t>characterAddition</a:t>
+            </a:r>
+            <a:r>
+              <a:rPr lang="en-US" dirty="0"/>
+              <a:t>(</a:t>
+            </a:r>
+            <a:r>
+              <a:rPr lang="en-US" dirty="0">
+                <a:solidFill>
+                  <a:srgbClr val="CC7832"/>
+                </a:solidFill>
+                <a:effectLst/>
+              </a:rPr>
+              <a:t>char </a:t>
+            </a:r>
+            <a:r>
+              <a:rPr lang="en-US" i="1" dirty="0">
+                <a:solidFill>
+                  <a:srgbClr val="9876AA"/>
+                </a:solidFill>
+                <a:effectLst/>
+              </a:rPr>
+              <a:t>a</a:t>
+            </a:r>
+            <a:r>
+              <a:rPr lang="en-US" dirty="0">
+                <a:solidFill>
+                  <a:srgbClr val="CC7832"/>
+                </a:solidFill>
+                <a:effectLst/>
+              </a:rPr>
+              <a:t>, int </a:t>
+            </a:r>
+            <a:r>
+              <a:rPr lang="en-US" i="1" dirty="0">
+                <a:solidFill>
+                  <a:srgbClr val="9876AA"/>
+                </a:solidFill>
+                <a:effectLst/>
+              </a:rPr>
+              <a:t>b</a:t>
+            </a:r>
+            <a:r>
+              <a:rPr lang="en-US" dirty="0"/>
+              <a:t>) {</a:t>
+            </a:r>
+            <a:br>
+              <a:rPr lang="en-US" dirty="0"/>
+            </a:br>
+            <a:r>
+              <a:rPr lang="en-US" dirty="0"/>
+              <a:t>    </a:t>
+            </a:r>
+            <a:r>
+              <a:rPr lang="en-US" dirty="0">
+                <a:solidFill>
+                  <a:srgbClr val="CC7832"/>
+                </a:solidFill>
+                <a:effectLst/>
+              </a:rPr>
+              <a:t>return </a:t>
+            </a:r>
+            <a:r>
+              <a:rPr lang="en-US" dirty="0">
+                <a:solidFill>
+                  <a:srgbClr val="FF0000"/>
+                </a:solidFill>
+              </a:rPr>
+              <a:t>(</a:t>
+            </a:r>
+            <a:r>
+              <a:rPr lang="en-US" dirty="0">
+                <a:solidFill>
+                  <a:srgbClr val="FF0000"/>
+                </a:solidFill>
+                <a:effectLst/>
+              </a:rPr>
+              <a:t>char</a:t>
+            </a:r>
+            <a:r>
+              <a:rPr lang="en-US" dirty="0">
+                <a:solidFill>
+                  <a:srgbClr val="FF0000"/>
+                </a:solidFill>
+              </a:rPr>
+              <a:t>) </a:t>
+            </a:r>
+            <a:r>
+              <a:rPr lang="en-US" dirty="0"/>
+              <a:t>(</a:t>
+            </a:r>
+            <a:r>
+              <a:rPr lang="en-US" i="1" dirty="0">
+                <a:solidFill>
+                  <a:srgbClr val="9876AA"/>
+                </a:solidFill>
+                <a:effectLst/>
+              </a:rPr>
+              <a:t>a </a:t>
+            </a:r>
+            <a:r>
+              <a:rPr lang="en-US" dirty="0"/>
+              <a:t>+ </a:t>
+            </a:r>
+            <a:r>
+              <a:rPr lang="en-US" i="1" dirty="0">
+                <a:solidFill>
+                  <a:srgbClr val="9876AA"/>
+                </a:solidFill>
+                <a:effectLst/>
+              </a:rPr>
+              <a:t>b</a:t>
+            </a:r>
+            <a:r>
+              <a:rPr lang="en-US" dirty="0"/>
+              <a:t>)</a:t>
+            </a:r>
+            <a:r>
+              <a:rPr lang="en-US" dirty="0">
+                <a:solidFill>
+                  <a:srgbClr val="CC7832"/>
+                </a:solidFill>
+                <a:effectLst/>
+              </a:rPr>
+              <a:t>;</a:t>
+            </a:r>
+          </a:p>
+          <a:p>
+            <a:r>
+              <a:rPr lang="en-US" dirty="0"/>
+              <a:t>}</a:t>
+            </a:r>
+            <a:br>
+              <a:rPr lang="en-US" dirty="0"/>
+            </a:br>
+            <a:br>
+              <a:rPr lang="en-US" dirty="0"/>
+            </a:br>
+            <a:r>
+              <a:rPr lang="en-US" dirty="0">
+                <a:solidFill>
+                  <a:srgbClr val="CC7832"/>
+                </a:solidFill>
+                <a:effectLst/>
+              </a:rPr>
+              <a:t>public static void </a:t>
+            </a:r>
+            <a:r>
+              <a:rPr lang="en-US" dirty="0">
+                <a:solidFill>
+                  <a:srgbClr val="FFC66D"/>
+                </a:solidFill>
+                <a:effectLst/>
+              </a:rPr>
+              <a:t>main</a:t>
+            </a:r>
+            <a:r>
+              <a:rPr lang="en-US" dirty="0"/>
+              <a:t>(String[] </a:t>
+            </a:r>
+            <a:r>
+              <a:rPr lang="en-US" i="1" dirty="0" err="1">
+                <a:solidFill>
+                  <a:srgbClr val="9876AA"/>
+                </a:solidFill>
+                <a:effectLst/>
+              </a:rPr>
+              <a:t>args</a:t>
+            </a:r>
+            <a:r>
+              <a:rPr lang="en-US" dirty="0"/>
+              <a:t>) {</a:t>
+            </a:r>
+            <a:br>
+              <a:rPr lang="en-US" dirty="0"/>
+            </a:br>
+            <a:r>
+              <a:rPr lang="en-US" dirty="0"/>
+              <a:t>    </a:t>
+            </a:r>
+            <a:r>
+              <a:rPr lang="en-US" dirty="0" err="1"/>
+              <a:t>System.</a:t>
+            </a:r>
+            <a:r>
+              <a:rPr lang="en-US" i="1" dirty="0" err="1">
+                <a:solidFill>
+                  <a:srgbClr val="9876AA"/>
+                </a:solidFill>
+                <a:effectLst/>
+              </a:rPr>
+              <a:t>out</a:t>
+            </a:r>
+            <a:r>
+              <a:rPr lang="en-US" dirty="0" err="1"/>
+              <a:t>.println</a:t>
+            </a:r>
+            <a:r>
+              <a:rPr lang="en-US" dirty="0"/>
+              <a:t>(</a:t>
+            </a:r>
+            <a:r>
+              <a:rPr lang="en-US" i="1" dirty="0" err="1">
+                <a:effectLst/>
+              </a:rPr>
+              <a:t>characterAddition</a:t>
+            </a:r>
+            <a:r>
+              <a:rPr lang="en-US" dirty="0"/>
+              <a:t>(</a:t>
+            </a:r>
+            <a:r>
+              <a:rPr lang="en-US" dirty="0">
+                <a:solidFill>
+                  <a:srgbClr val="6A8759"/>
+                </a:solidFill>
+                <a:effectLst/>
+              </a:rPr>
+              <a:t>'A'</a:t>
+            </a:r>
+            <a:r>
+              <a:rPr lang="en-US" dirty="0">
+                <a:solidFill>
+                  <a:srgbClr val="CC7832"/>
+                </a:solidFill>
+                <a:effectLst/>
+              </a:rPr>
+              <a:t>, </a:t>
+            </a:r>
+            <a:r>
+              <a:rPr lang="en-US" dirty="0">
+                <a:solidFill>
+                  <a:srgbClr val="6897BB"/>
+                </a:solidFill>
+                <a:effectLst/>
+              </a:rPr>
+              <a:t>2</a:t>
+            </a:r>
+            <a:r>
+              <a:rPr lang="en-US" dirty="0"/>
+              <a:t>))</a:t>
+            </a:r>
+            <a:r>
+              <a:rPr lang="en-US" dirty="0">
+                <a:solidFill>
+                  <a:srgbClr val="CC7832"/>
+                </a:solidFill>
+                <a:effectLst/>
+              </a:rPr>
+              <a:t>;</a:t>
+            </a:r>
+            <a:br>
+              <a:rPr lang="en-US" dirty="0">
+                <a:solidFill>
+                  <a:srgbClr val="CC7832"/>
+                </a:solidFill>
+                <a:effectLst/>
+              </a:rPr>
+            </a:br>
+            <a:r>
+              <a:rPr lang="en-US" dirty="0"/>
+              <a:t>}</a:t>
+            </a:r>
+          </a:p>
+        </p:txBody>
+      </p:sp>
+      <p:sp>
+        <p:nvSpPr>
+          <p:cNvPr id="8" name="Rectangle 2"/>
+          <p:cNvSpPr>
+            <a:spLocks noGrp="1" noChangeArrowheads="1"/>
+          </p:cNvSpPr>
+          <p:nvPr>
+            <p:ph type="body" sz="quarter" idx="10"/>
+          </p:nvPr>
+        </p:nvSpPr>
+        <p:spPr bwMode="auto">
+          <a:xfrm>
+            <a:off x="749805" y="1599862"/>
+            <a:ext cx="9195979" cy="892552"/>
+          </a:xfrm>
+          <a:prstGeom prst="rect">
+            <a:avLst/>
+          </a:prstGeom>
+          <a:solidFill>
+            <a:srgbClr val="FFFFFF"/>
+          </a:solidFill>
+          <a:ln>
+            <a:noFill/>
+          </a:ln>
+          <a:effectLst/>
+          <a:extLst>
+            <a:ext uri="{91240B29-F687-4F45-9708-019B960494DF}">
+              <a14:hiddenLine xmlns:a14="http://schemas.microsoft.com/office/drawing/2010/main" w="9525">
+                <a:solidFill>
+                  <a:schemeClr val="tx1"/>
+                </a:solidFill>
+                <a:miter lim="800000"/>
+                <a:headEnd/>
+                <a:tailEnd/>
+              </a14:hiddenLine>
+            </a:ext>
+            <a:ext uri="{AF507438-7753-43E0-B8FC-AC1667EBCBE1}">
+              <a14:hiddenEffects xmlns:a14="http://schemas.microsoft.com/office/drawing/2010/main">
+                <a:effectLst>
+                  <a:outerShdw dist="35921" dir="2700000" algn="ctr" rotWithShape="0">
+                    <a:schemeClr val="bg2"/>
+                  </a:outerShdw>
+                </a:effectLst>
+              </a14:hiddenEffects>
+            </a:ext>
+          </a:extLst>
+        </p:spPr>
+        <p:txBody>
+          <a:bodyPr vert="horz" wrap="none" lIns="91440" tIns="45720" rIns="91440" bIns="45720" numCol="1" anchor="ctr" anchorCtr="0" compatLnSpc="1">
+            <a:prstTxWarp prst="textNoShape">
+              <a:avLst/>
+            </a:prstTxWarp>
+            <a:spAutoFit/>
+          </a:bodyPr>
+          <a:lstStyle>
+            <a:lvl1pPr eaLnBrk="0" fontAlgn="base" hangingPunct="0">
+              <a:spcBef>
+                <a:spcPct val="0"/>
+              </a:spcBef>
+              <a:spcAft>
+                <a:spcPct val="0"/>
+              </a:spcAft>
+              <a:defRPr>
+                <a:solidFill>
+                  <a:schemeClr val="tx1"/>
+                </a:solidFill>
+                <a:latin typeface="Arial" panose="020B0604020202020204" pitchFamily="34" charset="0"/>
+              </a:defRPr>
+            </a:lvl1pPr>
+            <a:lvl2pPr marL="457200" eaLnBrk="0" fontAlgn="base" hangingPunct="0">
+              <a:spcBef>
+                <a:spcPct val="0"/>
+              </a:spcBef>
+              <a:spcAft>
+                <a:spcPct val="0"/>
+              </a:spcAft>
+              <a:defRPr>
+                <a:solidFill>
+                  <a:schemeClr val="tx1"/>
+                </a:solidFill>
+                <a:latin typeface="Arial" panose="020B0604020202020204" pitchFamily="34" charset="0"/>
+              </a:defRPr>
+            </a:lvl2pPr>
+            <a:lvl3pPr marL="914400" eaLnBrk="0" fontAlgn="base" hangingPunct="0">
+              <a:spcBef>
+                <a:spcPct val="0"/>
+              </a:spcBef>
+              <a:spcAft>
+                <a:spcPct val="0"/>
+              </a:spcAft>
+              <a:defRPr>
+                <a:solidFill>
+                  <a:schemeClr val="tx1"/>
+                </a:solidFill>
+                <a:latin typeface="Arial" panose="020B0604020202020204" pitchFamily="34" charset="0"/>
+              </a:defRPr>
+            </a:lvl3pPr>
+            <a:lvl4pPr marL="1371600" eaLnBrk="0" fontAlgn="base" hangingPunct="0">
+              <a:spcBef>
+                <a:spcPct val="0"/>
+              </a:spcBef>
+              <a:spcAft>
+                <a:spcPct val="0"/>
+              </a:spcAft>
+              <a:defRPr>
+                <a:solidFill>
+                  <a:schemeClr val="tx1"/>
+                </a:solidFill>
+                <a:latin typeface="Arial" panose="020B0604020202020204" pitchFamily="34" charset="0"/>
+              </a:defRPr>
+            </a:lvl4pPr>
+            <a:lvl5pPr marL="1828800" eaLnBrk="0" fontAlgn="base" hangingPunct="0">
+              <a:spcBef>
+                <a:spcPct val="0"/>
+              </a:spcBef>
+              <a:spcAft>
+                <a:spcPct val="0"/>
+              </a:spcAft>
+              <a:defRPr>
+                <a:solidFill>
+                  <a:schemeClr val="tx1"/>
+                </a:solidFill>
+                <a:latin typeface="Arial" panose="020B0604020202020204" pitchFamily="34" charset="0"/>
+              </a:defRPr>
+            </a:lvl5pPr>
+            <a:lvl6pPr marL="2286000" eaLnBrk="0" fontAlgn="base" hangingPunct="0">
+              <a:spcBef>
+                <a:spcPct val="0"/>
+              </a:spcBef>
+              <a:spcAft>
+                <a:spcPct val="0"/>
+              </a:spcAft>
+              <a:defRPr>
+                <a:solidFill>
+                  <a:schemeClr val="tx1"/>
+                </a:solidFill>
+                <a:latin typeface="Arial" panose="020B0604020202020204" pitchFamily="34" charset="0"/>
+              </a:defRPr>
+            </a:lvl6pPr>
+            <a:lvl7pPr marL="2743200" eaLnBrk="0" fontAlgn="base" hangingPunct="0">
+              <a:spcBef>
+                <a:spcPct val="0"/>
+              </a:spcBef>
+              <a:spcAft>
+                <a:spcPct val="0"/>
+              </a:spcAft>
+              <a:defRPr>
+                <a:solidFill>
+                  <a:schemeClr val="tx1"/>
+                </a:solidFill>
+                <a:latin typeface="Arial" panose="020B0604020202020204" pitchFamily="34" charset="0"/>
+              </a:defRPr>
+            </a:lvl7pPr>
+            <a:lvl8pPr marL="3200400" eaLnBrk="0" fontAlgn="base" hangingPunct="0">
+              <a:spcBef>
+                <a:spcPct val="0"/>
+              </a:spcBef>
+              <a:spcAft>
+                <a:spcPct val="0"/>
+              </a:spcAft>
+              <a:defRPr>
+                <a:solidFill>
+                  <a:schemeClr val="tx1"/>
+                </a:solidFill>
+                <a:latin typeface="Arial" panose="020B0604020202020204" pitchFamily="34" charset="0"/>
+              </a:defRPr>
+            </a:lvl8pPr>
+            <a:lvl9pPr marL="3657600" eaLnBrk="0" fontAlgn="base" hangingPunct="0">
+              <a:spcBef>
+                <a:spcPct val="0"/>
+              </a:spcBef>
+              <a:spcAft>
+                <a:spcPct val="0"/>
+              </a:spcAft>
+              <a:defRPr>
+                <a:solidFill>
+                  <a:schemeClr val="tx1"/>
+                </a:solidFill>
+                <a:latin typeface="Arial" panose="020B0604020202020204" pitchFamily="34" charset="0"/>
+              </a:defRPr>
+            </a:lvl9pPr>
+          </a:lstStyle>
+          <a:p>
+            <a:pPr defTabSz="914400">
+              <a:lnSpc>
+                <a:spcPct val="100000"/>
+              </a:lnSpc>
+            </a:pPr>
+            <a:r>
+              <a:rPr lang="en-US" altLang="en-US" dirty="0">
+                <a:solidFill>
+                  <a:srgbClr val="092529"/>
+                </a:solidFill>
+                <a:latin typeface="Proxima Nova" charset="0"/>
+              </a:rPr>
+              <a:t>Type casting is when you assign a value of one primitive data type to another type.</a:t>
+            </a:r>
+          </a:p>
+          <a:p>
+            <a:pPr lvl="2" defTabSz="914400">
+              <a:lnSpc>
+                <a:spcPct val="100000"/>
+              </a:lnSpc>
+            </a:pPr>
+            <a:r>
+              <a:rPr lang="en-US" altLang="en-US" dirty="0">
+                <a:solidFill>
+                  <a:srgbClr val="092529"/>
+                </a:solidFill>
+                <a:latin typeface="Proxima Nova" charset="0"/>
+              </a:rPr>
+              <a:t>This allows you to change an int back to a char without an error! </a:t>
+            </a:r>
+          </a:p>
+          <a:p>
+            <a:pPr marL="0" marR="0" lvl="0" indent="0" algn="l" defTabSz="914400" rtl="0" eaLnBrk="0" fontAlgn="base" latinLnBrk="0" hangingPunct="0">
+              <a:lnSpc>
+                <a:spcPct val="100000"/>
+              </a:lnSpc>
+              <a:spcBef>
+                <a:spcPct val="0"/>
+              </a:spcBef>
+              <a:spcAft>
+                <a:spcPct val="0"/>
+              </a:spcAft>
+              <a:buClrTx/>
+              <a:buSzTx/>
+              <a:buFontTx/>
+              <a:buNone/>
+              <a:tabLst/>
+            </a:pPr>
+            <a:endParaRPr kumimoji="0" lang="en-US" altLang="en-US" sz="1800" b="0" i="0" u="none" strike="noStrike" cap="none" normalizeH="0" baseline="0" dirty="0">
+              <a:ln>
+                <a:noFill/>
+              </a:ln>
+              <a:solidFill>
+                <a:schemeClr val="tx1"/>
+              </a:solidFill>
+              <a:effectLst/>
+              <a:latin typeface="Arial" panose="020B0604020202020204" pitchFamily="34" charset="0"/>
+            </a:endParaRPr>
+          </a:p>
+        </p:txBody>
+      </p:sp>
+      <p:sp>
+        <p:nvSpPr>
+          <p:cNvPr id="3" name="TextBox 2">
+            <a:extLst>
+              <a:ext uri="{FF2B5EF4-FFF2-40B4-BE49-F238E27FC236}">
+                <a16:creationId xmlns:a16="http://schemas.microsoft.com/office/drawing/2014/main" id="{596FA30F-AA44-4062-B6C6-EC6E30F2154A}"/>
+              </a:ext>
+            </a:extLst>
+          </p:cNvPr>
+          <p:cNvSpPr txBox="1"/>
+          <p:nvPr/>
+        </p:nvSpPr>
+        <p:spPr>
+          <a:xfrm>
+            <a:off x="7899817" y="3073299"/>
+            <a:ext cx="5606322" cy="1938992"/>
+          </a:xfrm>
+          <a:prstGeom prst="rect">
+            <a:avLst/>
+          </a:prstGeom>
+          <a:noFill/>
+        </p:spPr>
+        <p:txBody>
+          <a:bodyPr wrap="square" rtlCol="0">
+            <a:spAutoFit/>
+          </a:bodyPr>
+          <a:lstStyle/>
+          <a:p>
+            <a:pPr marL="342900" indent="-342900">
+              <a:buFont typeface="Arial" panose="020B0604020202020204" pitchFamily="34" charset="0"/>
+              <a:buChar char="•"/>
+            </a:pPr>
+            <a:r>
+              <a:rPr lang="en-US" dirty="0" err="1"/>
+              <a:t>a+b</a:t>
+            </a:r>
+            <a:r>
+              <a:rPr lang="en-US" dirty="0"/>
+              <a:t> </a:t>
+            </a:r>
+          </a:p>
+          <a:p>
+            <a:pPr marL="852192" lvl="1" indent="-342900">
+              <a:buFont typeface="Arial" panose="020B0604020202020204" pitchFamily="34" charset="0"/>
+              <a:buChar char="•"/>
+            </a:pPr>
+            <a:r>
+              <a:rPr lang="en-US" dirty="0"/>
+              <a:t>Converts </a:t>
+            </a:r>
+            <a:r>
+              <a:rPr lang="en-US" b="1" dirty="0"/>
+              <a:t>a</a:t>
+            </a:r>
+            <a:r>
+              <a:rPr lang="en-US" dirty="0"/>
+              <a:t> to an int (65)</a:t>
+            </a:r>
+          </a:p>
+          <a:p>
+            <a:pPr marL="852192" lvl="1" indent="-342900">
+              <a:buFont typeface="Arial" panose="020B0604020202020204" pitchFamily="34" charset="0"/>
+              <a:buChar char="•"/>
+            </a:pPr>
+            <a:r>
+              <a:rPr lang="en-US" dirty="0"/>
+              <a:t>adds </a:t>
+            </a:r>
+            <a:r>
+              <a:rPr lang="en-US" b="1" dirty="0"/>
+              <a:t>b </a:t>
+            </a:r>
+            <a:r>
+              <a:rPr lang="en-US" dirty="0"/>
+              <a:t> which is 2, so 67 total</a:t>
+            </a:r>
+          </a:p>
+          <a:p>
+            <a:pPr marL="342900" indent="-342900">
+              <a:buFont typeface="Arial" panose="020B0604020202020204" pitchFamily="34" charset="0"/>
+              <a:buChar char="•"/>
+            </a:pPr>
+            <a:r>
+              <a:rPr lang="en-US" b="1" dirty="0"/>
+              <a:t>(char)</a:t>
+            </a:r>
+            <a:r>
+              <a:rPr lang="en-US" dirty="0"/>
+              <a:t> takes 67, and makes it ‘C’, a char</a:t>
+            </a:r>
+          </a:p>
+          <a:p>
+            <a:pPr marL="342900" indent="-342900">
+              <a:buFont typeface="Arial" panose="020B0604020202020204" pitchFamily="34" charset="0"/>
+              <a:buChar char="•"/>
+            </a:pPr>
+            <a:r>
+              <a:rPr lang="en-US" b="1" dirty="0"/>
+              <a:t>‘C’ </a:t>
+            </a:r>
+            <a:r>
+              <a:rPr lang="en-US" dirty="0"/>
+              <a:t>gets returned</a:t>
+            </a:r>
+          </a:p>
+          <a:p>
+            <a:pPr marL="342900" indent="-342900">
+              <a:buFont typeface="Arial" panose="020B0604020202020204" pitchFamily="34" charset="0"/>
+              <a:buChar char="•"/>
+            </a:pPr>
+            <a:endParaRPr lang="en-US" b="1" dirty="0"/>
+          </a:p>
+        </p:txBody>
+      </p:sp>
+    </p:spTree>
+    <p:extLst>
+      <p:ext uri="{BB962C8B-B14F-4D97-AF65-F5344CB8AC3E}">
+        <p14:creationId xmlns:p14="http://schemas.microsoft.com/office/powerpoint/2010/main" val="2322425887"/>
       </p:ext>
     </p:extLst>
   </p:cSld>
@@ -17335,6 +19791,308 @@
       </p:transition>
     </mc:Fallback>
   </mc:AlternateContent>
+  <p:timing>
+    <p:tnLst>
+      <p:par>
+        <p:cTn id="1" dur="indefinite" restart="never" nodeType="tmRoot">
+          <p:childTnLst>
+            <p:seq concurrent="1" nextAc="seek">
+              <p:cTn id="2" dur="indefinite" nodeType="mainSeq">
+                <p:childTnLst>
+                  <p:par>
+                    <p:cTn id="3" fill="hold">
+                      <p:stCondLst>
+                        <p:cond delay="indefinite"/>
+                      </p:stCondLst>
+                      <p:childTnLst>
+                        <p:par>
+                          <p:cTn id="4" fill="hold">
+                            <p:stCondLst>
+                              <p:cond delay="0"/>
+                            </p:stCondLst>
+                            <p:childTnLst>
+                              <p:par>
+                                <p:cTn id="5" presetID="22" presetClass="entr" presetSubtype="1" fill="hold" grpId="0" nodeType="clickEffect">
+                                  <p:stCondLst>
+                                    <p:cond delay="0"/>
+                                  </p:stCondLst>
+                                  <p:childTnLst>
+                                    <p:set>
+                                      <p:cBhvr>
+                                        <p:cTn id="6" dur="1" fill="hold">
+                                          <p:stCondLst>
+                                            <p:cond delay="0"/>
+                                          </p:stCondLst>
+                                        </p:cTn>
+                                        <p:tgtEl>
+                                          <p:spTgt spid="3">
+                                            <p:txEl>
+                                              <p:pRg st="0" end="0"/>
+                                            </p:txEl>
+                                          </p:spTgt>
+                                        </p:tgtEl>
+                                        <p:attrNameLst>
+                                          <p:attrName>style.visibility</p:attrName>
+                                        </p:attrNameLst>
+                                      </p:cBhvr>
+                                      <p:to>
+                                        <p:strVal val="visible"/>
+                                      </p:to>
+                                    </p:set>
+                                    <p:animEffect transition="in" filter="wipe(up)">
+                                      <p:cBhvr>
+                                        <p:cTn id="7" dur="500"/>
+                                        <p:tgtEl>
+                                          <p:spTgt spid="3">
+                                            <p:txEl>
+                                              <p:pRg st="0" end="0"/>
+                                            </p:txEl>
+                                          </p:spTgt>
+                                        </p:tgtEl>
+                                      </p:cBhvr>
+                                    </p:animEffect>
+                                  </p:childTnLst>
+                                </p:cTn>
+                              </p:par>
+                              <p:par>
+                                <p:cTn id="8" presetID="22" presetClass="entr" presetSubtype="1" fill="hold" grpId="0" nodeType="withEffect">
+                                  <p:stCondLst>
+                                    <p:cond delay="0"/>
+                                  </p:stCondLst>
+                                  <p:childTnLst>
+                                    <p:set>
+                                      <p:cBhvr>
+                                        <p:cTn id="9" dur="1" fill="hold">
+                                          <p:stCondLst>
+                                            <p:cond delay="0"/>
+                                          </p:stCondLst>
+                                        </p:cTn>
+                                        <p:tgtEl>
+                                          <p:spTgt spid="3">
+                                            <p:txEl>
+                                              <p:pRg st="1" end="1"/>
+                                            </p:txEl>
+                                          </p:spTgt>
+                                        </p:tgtEl>
+                                        <p:attrNameLst>
+                                          <p:attrName>style.visibility</p:attrName>
+                                        </p:attrNameLst>
+                                      </p:cBhvr>
+                                      <p:to>
+                                        <p:strVal val="visible"/>
+                                      </p:to>
+                                    </p:set>
+                                    <p:animEffect transition="in" filter="wipe(up)">
+                                      <p:cBhvr>
+                                        <p:cTn id="10" dur="500"/>
+                                        <p:tgtEl>
+                                          <p:spTgt spid="3">
+                                            <p:txEl>
+                                              <p:pRg st="1" end="1"/>
+                                            </p:txEl>
+                                          </p:spTgt>
+                                        </p:tgtEl>
+                                      </p:cBhvr>
+                                    </p:animEffect>
+                                  </p:childTnLst>
+                                </p:cTn>
+                              </p:par>
+                              <p:par>
+                                <p:cTn id="11" presetID="22" presetClass="entr" presetSubtype="1" fill="hold" grpId="0" nodeType="withEffect">
+                                  <p:stCondLst>
+                                    <p:cond delay="0"/>
+                                  </p:stCondLst>
+                                  <p:childTnLst>
+                                    <p:set>
+                                      <p:cBhvr>
+                                        <p:cTn id="12" dur="1" fill="hold">
+                                          <p:stCondLst>
+                                            <p:cond delay="0"/>
+                                          </p:stCondLst>
+                                        </p:cTn>
+                                        <p:tgtEl>
+                                          <p:spTgt spid="3">
+                                            <p:txEl>
+                                              <p:pRg st="2" end="2"/>
+                                            </p:txEl>
+                                          </p:spTgt>
+                                        </p:tgtEl>
+                                        <p:attrNameLst>
+                                          <p:attrName>style.visibility</p:attrName>
+                                        </p:attrNameLst>
+                                      </p:cBhvr>
+                                      <p:to>
+                                        <p:strVal val="visible"/>
+                                      </p:to>
+                                    </p:set>
+                                    <p:animEffect transition="in" filter="wipe(up)">
+                                      <p:cBhvr>
+                                        <p:cTn id="13" dur="500"/>
+                                        <p:tgtEl>
+                                          <p:spTgt spid="3">
+                                            <p:txEl>
+                                              <p:pRg st="2" end="2"/>
+                                            </p:txEl>
+                                          </p:spTgt>
+                                        </p:tgtEl>
+                                      </p:cBhvr>
+                                    </p:animEffect>
+                                  </p:childTnLst>
+                                </p:cTn>
+                              </p:par>
+                            </p:childTnLst>
+                          </p:cTn>
+                        </p:par>
+                      </p:childTnLst>
+                    </p:cTn>
+                  </p:par>
+                  <p:par>
+                    <p:cTn id="14" fill="hold">
+                      <p:stCondLst>
+                        <p:cond delay="indefinite"/>
+                      </p:stCondLst>
+                      <p:childTnLst>
+                        <p:par>
+                          <p:cTn id="15" fill="hold">
+                            <p:stCondLst>
+                              <p:cond delay="0"/>
+                            </p:stCondLst>
+                            <p:childTnLst>
+                              <p:par>
+                                <p:cTn id="16" presetID="22" presetClass="entr" presetSubtype="1" fill="hold" grpId="0" nodeType="clickEffect">
+                                  <p:stCondLst>
+                                    <p:cond delay="0"/>
+                                  </p:stCondLst>
+                                  <p:childTnLst>
+                                    <p:set>
+                                      <p:cBhvr>
+                                        <p:cTn id="17" dur="1" fill="hold">
+                                          <p:stCondLst>
+                                            <p:cond delay="0"/>
+                                          </p:stCondLst>
+                                        </p:cTn>
+                                        <p:tgtEl>
+                                          <p:spTgt spid="3">
+                                            <p:txEl>
+                                              <p:pRg st="3" end="3"/>
+                                            </p:txEl>
+                                          </p:spTgt>
+                                        </p:tgtEl>
+                                        <p:attrNameLst>
+                                          <p:attrName>style.visibility</p:attrName>
+                                        </p:attrNameLst>
+                                      </p:cBhvr>
+                                      <p:to>
+                                        <p:strVal val="visible"/>
+                                      </p:to>
+                                    </p:set>
+                                    <p:animEffect transition="in" filter="wipe(up)">
+                                      <p:cBhvr>
+                                        <p:cTn id="18" dur="500"/>
+                                        <p:tgtEl>
+                                          <p:spTgt spid="3">
+                                            <p:txEl>
+                                              <p:pRg st="3" end="3"/>
+                                            </p:txEl>
+                                          </p:spTgt>
+                                        </p:tgtEl>
+                                      </p:cBhvr>
+                                    </p:animEffect>
+                                  </p:childTnLst>
+                                </p:cTn>
+                              </p:par>
+                            </p:childTnLst>
+                          </p:cTn>
+                        </p:par>
+                      </p:childTnLst>
+                    </p:cTn>
+                  </p:par>
+                  <p:par>
+                    <p:cTn id="19" fill="hold">
+                      <p:stCondLst>
+                        <p:cond delay="indefinite"/>
+                      </p:stCondLst>
+                      <p:childTnLst>
+                        <p:par>
+                          <p:cTn id="20" fill="hold">
+                            <p:stCondLst>
+                              <p:cond delay="0"/>
+                            </p:stCondLst>
+                            <p:childTnLst>
+                              <p:par>
+                                <p:cTn id="21" presetID="22" presetClass="entr" presetSubtype="1" fill="hold" grpId="0" nodeType="clickEffect">
+                                  <p:stCondLst>
+                                    <p:cond delay="0"/>
+                                  </p:stCondLst>
+                                  <p:childTnLst>
+                                    <p:set>
+                                      <p:cBhvr>
+                                        <p:cTn id="22" dur="1" fill="hold">
+                                          <p:stCondLst>
+                                            <p:cond delay="0"/>
+                                          </p:stCondLst>
+                                        </p:cTn>
+                                        <p:tgtEl>
+                                          <p:spTgt spid="3">
+                                            <p:txEl>
+                                              <p:pRg st="4" end="4"/>
+                                            </p:txEl>
+                                          </p:spTgt>
+                                        </p:tgtEl>
+                                        <p:attrNameLst>
+                                          <p:attrName>style.visibility</p:attrName>
+                                        </p:attrNameLst>
+                                      </p:cBhvr>
+                                      <p:to>
+                                        <p:strVal val="visible"/>
+                                      </p:to>
+                                    </p:set>
+                                    <p:animEffect transition="in" filter="wipe(up)">
+                                      <p:cBhvr>
+                                        <p:cTn id="23" dur="500"/>
+                                        <p:tgtEl>
+                                          <p:spTgt spid="3">
+                                            <p:txEl>
+                                              <p:pRg st="4" end="4"/>
+                                            </p:txEl>
+                                          </p:spTgt>
+                                        </p:tgtEl>
+                                      </p:cBhvr>
+                                    </p:animEffect>
+                                  </p:childTnLst>
+                                </p:cTn>
+                              </p:par>
+                            </p:childTnLst>
+                          </p:cTn>
+                        </p:par>
+                      </p:childTnLst>
+                    </p:cTn>
+                  </p:par>
+                </p:childTnLst>
+              </p:cTn>
+              <p:prevCondLst>
+                <p:cond evt="onPrev" delay="0">
+                  <p:tgtEl>
+                    <p:sldTgt/>
+                  </p:tgtEl>
+                </p:cond>
+              </p:prevCondLst>
+              <p:nextCondLst>
+                <p:cond evt="onNext" delay="0">
+                  <p:tgtEl>
+                    <p:sldTgt/>
+                  </p:tgtEl>
+                </p:cond>
+              </p:nextCondLst>
+            </p:seq>
+          </p:childTnLst>
+        </p:cTn>
+      </p:par>
+    </p:tnLst>
+    <p:bldLst>
+      <p:bldP spid="3" grpId="0" build="p"/>
+    </p:bldLst>
+  </p:timing>
 </p:sld>
 </file>
 
@@ -17406,7 +20164,7 @@
         <p:spPr>
           <a:xfrm>
             <a:off x="628075" y="1776683"/>
-            <a:ext cx="12561453" cy="4933017"/>
+            <a:ext cx="12561453" cy="5291962"/>
           </a:xfrm>
         </p:spPr>
         <p:txBody>
@@ -17440,7 +20198,14 @@
             <a:pPr lvl="1"/>
             <a:r>
               <a:rPr lang="en-US" dirty="0"/>
-              <a:t>Try multiple word sentences </a:t>
+              <a:t>Try multiple word sentences</a:t>
+            </a:r>
+          </a:p>
+          <a:p>
+            <a:pPr lvl="1"/>
+            <a:r>
+              <a:rPr lang="en-US" dirty="0"/>
+              <a:t>Include the *space* as one of the characters in a multiword sentence </a:t>
             </a:r>
           </a:p>
           <a:p>
@@ -17868,33 +20633,15 @@
                                   </p:childTnLst>
                                 </p:cTn>
                               </p:par>
-                            </p:childTnLst>
-                          </p:cTn>
-                        </p:par>
-                      </p:childTnLst>
-                    </p:cTn>
-                  </p:par>
-                  <p:par>
-                    <p:cTn id="19" fill="hold">
-                      <p:stCondLst>
-                        <p:cond delay="indefinite"/>
-                      </p:stCondLst>
-                      <p:childTnLst>
-                        <p:par>
-                          <p:cTn id="20" fill="hold">
-                            <p:stCondLst>
-                              <p:cond delay="0"/>
-                            </p:stCondLst>
-                            <p:childTnLst>
                               <p:par>
-                                <p:cTn id="21" presetID="9" presetClass="entr" presetSubtype="0" fill="hold" grpId="0" nodeType="clickEffect">
+                                <p:cTn id="19" presetID="9" presetClass="entr" presetSubtype="0" fill="hold" grpId="0" nodeType="withEffect">
                                   <p:stCondLst>
                                     <p:cond delay="0"/>
                                   </p:stCondLst>
                                   <p:childTnLst>
                                     <p:set>
                                       <p:cBhvr>
-                                        <p:cTn id="22" dur="1" fill="hold">
+                                        <p:cTn id="20" dur="1" fill="hold">
                                           <p:stCondLst>
                                             <p:cond delay="0"/>
                                           </p:stCondLst>
@@ -17902,7 +20649,7 @@
                                         <p:tgtEl>
                                           <p:spTgt spid="3">
                                             <p:txEl>
-                                              <p:pRg st="5" end="5"/>
+                                              <p:pRg st="4" end="4"/>
                                             </p:txEl>
                                           </p:spTgt>
                                         </p:tgtEl>
@@ -17916,11 +20663,11 @@
                                     </p:set>
                                     <p:animEffect transition="in" filter="dissolve">
                                       <p:cBhvr>
-                                        <p:cTn id="23" dur="500"/>
+                                        <p:cTn id="21" dur="500"/>
                                         <p:tgtEl>
                                           <p:spTgt spid="3">
                                             <p:txEl>
-                                              <p:pRg st="5" end="5"/>
+                                              <p:pRg st="4" end="4"/>
                                             </p:txEl>
                                           </p:spTgt>
                                         </p:tgtEl>
@@ -17929,8 +20676,26 @@
                                   </p:childTnLst>
                                 </p:cTn>
                               </p:par>
+                            </p:childTnLst>
+                          </p:cTn>
+                        </p:par>
+                      </p:childTnLst>
+                    </p:cTn>
+                  </p:par>
+                  <p:par>
+                    <p:cTn id="22" fill="hold">
+                      <p:stCondLst>
+                        <p:cond delay="indefinite"/>
+                      </p:stCondLst>
+                      <p:childTnLst>
+                        <p:par>
+                          <p:cTn id="23" fill="hold">
+                            <p:stCondLst>
+                              <p:cond delay="0"/>
+                            </p:stCondLst>
+                            <p:childTnLst>
                               <p:par>
-                                <p:cTn id="24" presetID="9" presetClass="entr" presetSubtype="0" fill="hold" grpId="0" nodeType="withEffect">
+                                <p:cTn id="24" presetID="9" presetClass="entr" presetSubtype="0" fill="hold" grpId="0" nodeType="clickEffect">
                                   <p:stCondLst>
                                     <p:cond delay="0"/>
                                   </p:stCondLst>
@@ -18101,33 +20866,15 @@
                                   </p:childTnLst>
                                 </p:cTn>
                               </p:par>
-                            </p:childTnLst>
-                          </p:cTn>
-                        </p:par>
-                      </p:childTnLst>
-                    </p:cTn>
-                  </p:par>
-                  <p:par>
-                    <p:cTn id="36" fill="hold">
-                      <p:stCondLst>
-                        <p:cond delay="indefinite"/>
-                      </p:stCondLst>
-                      <p:childTnLst>
-                        <p:par>
-                          <p:cTn id="37" fill="hold">
-                            <p:stCondLst>
-                              <p:cond delay="0"/>
-                            </p:stCondLst>
-                            <p:childTnLst>
                               <p:par>
-                                <p:cTn id="38" presetID="9" presetClass="entr" presetSubtype="0" fill="hold" grpId="0" nodeType="clickEffect">
+                                <p:cTn id="36" presetID="9" presetClass="entr" presetSubtype="0" fill="hold" grpId="0" nodeType="withEffect">
                                   <p:stCondLst>
                                     <p:cond delay="0"/>
                                   </p:stCondLst>
                                   <p:childTnLst>
                                     <p:set>
                                       <p:cBhvr>
-                                        <p:cTn id="39" dur="1" fill="hold">
+                                        <p:cTn id="37" dur="1" fill="hold">
                                           <p:stCondLst>
                                             <p:cond delay="0"/>
                                           </p:stCondLst>
@@ -18135,7 +20882,7 @@
                                         <p:tgtEl>
                                           <p:spTgt spid="3">
                                             <p:txEl>
-                                              <p:pRg st="11" end="11"/>
+                                              <p:pRg st="10" end="10"/>
                                             </p:txEl>
                                           </p:spTgt>
                                         </p:tgtEl>
@@ -18149,11 +20896,72 @@
                                     </p:set>
                                     <p:animEffect transition="in" filter="dissolve">
                                       <p:cBhvr>
-                                        <p:cTn id="40" dur="500"/>
+                                        <p:cTn id="38" dur="500"/>
                                         <p:tgtEl>
                                           <p:spTgt spid="3">
                                             <p:txEl>
-                                              <p:pRg st="11" end="11"/>
+                                              <p:pRg st="10" end="10"/>
+                                            </p:txEl>
+                                          </p:spTgt>
+                                        </p:tgtEl>
+                                      </p:cBhvr>
+                                    </p:animEffect>
+                                  </p:childTnLst>
+                                </p:cTn>
+                              </p:par>
+                            </p:childTnLst>
+                          </p:cTn>
+                        </p:par>
+                      </p:childTnLst>
+                    </p:cTn>
+                  </p:par>
+                  <p:par>
+                    <p:cTn id="39" fill="hold">
+                      <p:stCondLst>
+                        <p:cond delay="indefinite"/>
+                      </p:stCondLst>
+                      <p:childTnLst>
+                        <p:par>
+                          <p:cTn id="40" fill="hold">
+                            <p:stCondLst>
+                              <p:cond delay="0"/>
+                            </p:stCondLst>
+                            <p:childTnLst>
+                              <p:par>
+                                <p:cTn id="41" presetID="9" presetClass="entr" presetSubtype="0" fill="hold" grpId="0" nodeType="clickEffect">
+                                  <p:stCondLst>
+                                    <p:cond delay="0"/>
+                                  </p:stCondLst>
+                                  <p:childTnLst>
+                                    <p:set>
+                                      <p:cBhvr>
+                                        <p:cTn id="42" dur="1" fill="hold">
+                                          <p:stCondLst>
+                                            <p:cond delay="0"/>
+                                          </p:stCondLst>
+                                        </p:cTn>
+                                        <p:tgtEl>
+                                          <p:spTgt spid="3">
+                                            <p:txEl>
+                                              <p:pRg st="12" end="12"/>
+                                            </p:txEl>
+                                          </p:spTgt>
+                                        </p:tgtEl>
+                                        <p:attrNameLst>
+                                          <p:attrName>style.visibility</p:attrName>
+                                        </p:attrNameLst>
+                                      </p:cBhvr>
+                                      <p:to>
+                                        <p:strVal val="visible"/>
+                                      </p:to>
+                                    </p:set>
+                                    <p:animEffect transition="in" filter="dissolve">
+                                      <p:cBhvr>
+                                        <p:cTn id="43" dur="500"/>
+                                        <p:tgtEl>
+                                          <p:spTgt spid="3">
+                                            <p:txEl>
+                                              <p:pRg st="12" end="12"/>
                                             </p:txEl>
                                           </p:spTgt>
                                         </p:tgtEl>
@@ -18398,6 +21206,18 @@
     </mc:Fallback>
   </mc:AlternateContent>
 </p:sld>
+</file>
+
+<file path=ppt/tags/tag1.xml><?xml version="1.0" encoding="utf-8"?>
+<p:tagLst xmlns:a="http://schemas.openxmlformats.org/drawingml/2006/main" xmlns:r="http://schemas.openxmlformats.org/officeDocument/2006/relationships" xmlns:p="http://schemas.openxmlformats.org/presentationml/2006/main">
+  <p:tag name="TIMING" val="|26.1|7|4.9|12.1|11|15.8|22.2"/>
+</p:tagLst>
+</file>
+
+<file path=ppt/tags/tag2.xml><?xml version="1.0" encoding="utf-8"?>
+<p:tagLst xmlns:a="http://schemas.openxmlformats.org/drawingml/2006/main" xmlns:r="http://schemas.openxmlformats.org/officeDocument/2006/relationships" xmlns:p="http://schemas.openxmlformats.org/presentationml/2006/main">
+  <p:tag name="TIMING" val="|10.8|25"/>
+</p:tagLst>
 </file>
 
 <file path=ppt/theme/theme1.xml><?xml version="1.0" encoding="utf-8"?>

--- a/slides/On-Campus/02_03_CharactersAndStrings.pptx
+++ b/slides/On-Campus/02_03_CharactersAndStrings.pptx
@@ -151,6 +151,35 @@
 </p:presentation>
 </file>
 
+<file path=ppt/changesInfos/changesInfo1.xml><?xml version="1.0" encoding="utf-8"?>
+<pc:chgInfo xmlns:a="http://schemas.openxmlformats.org/drawingml/2006/main" xmlns:r="http://schemas.openxmlformats.org/officeDocument/2006/relationships" xmlns:ac="http://schemas.microsoft.com/office/drawing/2013/main/command" xmlns:pc="http://schemas.microsoft.com/office/powerpoint/2013/main/command">
+  <pc:docChgLst>
+    <pc:chgData name="Moraes,Marcia" userId="c9c67e8a-58e2-4733-9a1c-5d44fec4775b" providerId="ADAL" clId="{AD6F1D8A-AB8C-4717-8290-7F524BE60D97}"/>
+    <pc:docChg chg="custSel modSld">
+      <pc:chgData name="Moraes,Marcia" userId="c9c67e8a-58e2-4733-9a1c-5d44fec4775b" providerId="ADAL" clId="{AD6F1D8A-AB8C-4717-8290-7F524BE60D97}" dt="2022-08-19T01:42:33.624" v="0" actId="478"/>
+      <pc:docMkLst>
+        <pc:docMk/>
+      </pc:docMkLst>
+      <pc:sldChg chg="delSp mod">
+        <pc:chgData name="Moraes,Marcia" userId="c9c67e8a-58e2-4733-9a1c-5d44fec4775b" providerId="ADAL" clId="{AD6F1D8A-AB8C-4717-8290-7F524BE60D97}" dt="2022-08-19T01:42:33.624" v="0" actId="478"/>
+        <pc:sldMkLst>
+          <pc:docMk/>
+          <pc:sldMk cId="876244202" sldId="266"/>
+        </pc:sldMkLst>
+        <pc:spChg chg="del">
+          <ac:chgData name="Moraes,Marcia" userId="c9c67e8a-58e2-4733-9a1c-5d44fec4775b" providerId="ADAL" clId="{AD6F1D8A-AB8C-4717-8290-7F524BE60D97}" dt="2022-08-19T01:42:33.624" v="0" actId="478"/>
+          <ac:spMkLst>
+            <pc:docMk/>
+            <pc:sldMk cId="876244202" sldId="266"/>
+            <ac:spMk id="7" creationId="{CB1D3C32-157D-4AB2-8254-1075DFAB882C}"/>
+          </ac:spMkLst>
+        </pc:spChg>
+      </pc:sldChg>
+    </pc:docChg>
+  </pc:docChgLst>
+</pc:chgInfo>
+</file>
+
 <file path=ppt/handoutMasters/handoutMaster1.xml><?xml version="1.0" encoding="utf-8"?>
 <p:handoutMaster xmlns:a="http://schemas.openxmlformats.org/drawingml/2006/main" xmlns:r="http://schemas.openxmlformats.org/officeDocument/2006/relationships" xmlns:p="http://schemas.openxmlformats.org/presentationml/2006/main">
   <p:cSld>
@@ -233,7 +262,7 @@
           <a:p>
             <a:fld id="{4D7E51A5-B478-1E40-8CBB-0DAA8831E99D}" type="datetimeFigureOut">
               <a:rPr lang="en-US" smtClean="0"/>
-              <a:t>1/27/2022</a:t>
+              <a:t>8/18/2022</a:t>
             </a:fld>
             <a:endParaRPr lang="en-US"/>
           </a:p>
@@ -398,7 +427,7 @@
           <a:p>
             <a:fld id="{D0ED587F-861E-6740-9643-E3DDAE89B8D6}" type="datetimeFigureOut">
               <a:rPr lang="en-US" smtClean="0"/>
-              <a:t>1/27/2022</a:t>
+              <a:t>8/18/2022</a:t>
             </a:fld>
             <a:endParaRPr lang="en-US"/>
           </a:p>
@@ -15438,103 +15467,6 @@
           </a:p>
         </p:txBody>
       </p:sp>
-      <p:sp>
-        <p:nvSpPr>
-          <p:cNvPr id="7" name="TextBox 6">
-            <a:extLst>
-              <a:ext uri="{FF2B5EF4-FFF2-40B4-BE49-F238E27FC236}">
-                <a16:creationId xmlns:a16="http://schemas.microsoft.com/office/drawing/2014/main" id="{CB1D3C32-157D-4AB2-8254-1075DFAB882C}"/>
-              </a:ext>
-            </a:extLst>
-          </p:cNvPr>
-          <p:cNvSpPr txBox="1"/>
-          <p:nvPr/>
-        </p:nvSpPr>
-        <p:spPr>
-          <a:xfrm>
-            <a:off x="7202774" y="299645"/>
-            <a:ext cx="6910464" cy="707886"/>
-          </a:xfrm>
-          <a:prstGeom prst="rect">
-            <a:avLst/>
-          </a:prstGeom>
-          <a:noFill/>
-        </p:spPr>
-        <p:txBody>
-          <a:bodyPr wrap="square">
-            <a:spAutoFit/>
-          </a:bodyPr>
-          <a:lstStyle/>
-          <a:p>
-            <a:pPr marL="0" marR="0">
-              <a:spcBef>
-                <a:spcPts val="0"/>
-              </a:spcBef>
-              <a:spcAft>
-                <a:spcPts val="0"/>
-              </a:spcAft>
-            </a:pPr>
-            <a:r>
-              <a:rPr lang="en-US" sz="2000" dirty="0">
-                <a:effectLst/>
-                <a:latin typeface="Calibri" panose="020F0502020204030204" pitchFamily="34" charset="0"/>
-                <a:ea typeface="Calibri" panose="020F0502020204030204" pitchFamily="34" charset="0"/>
-              </a:rPr>
-              <a:t>February 2</a:t>
-            </a:r>
-            <a:r>
-              <a:rPr lang="en-US" sz="2000" baseline="30000" dirty="0">
-                <a:effectLst/>
-                <a:latin typeface="Calibri" panose="020F0502020204030204" pitchFamily="34" charset="0"/>
-                <a:ea typeface="Calibri" panose="020F0502020204030204" pitchFamily="34" charset="0"/>
-              </a:rPr>
-              <a:t>nd</a:t>
-            </a:r>
-            <a:r>
-              <a:rPr lang="en-US" sz="2000" dirty="0">
-                <a:effectLst/>
-                <a:latin typeface="Calibri" panose="020F0502020204030204" pitchFamily="34" charset="0"/>
-                <a:ea typeface="Calibri" panose="020F0502020204030204" pitchFamily="34" charset="0"/>
-              </a:rPr>
-              <a:t> : ACM – Presentation: Tech Interviews</a:t>
-            </a:r>
-          </a:p>
-          <a:p>
-            <a:pPr marL="0" marR="0">
-              <a:spcBef>
-                <a:spcPts val="0"/>
-              </a:spcBef>
-              <a:spcAft>
-                <a:spcPts val="0"/>
-              </a:spcAft>
-            </a:pPr>
-            <a:r>
-              <a:rPr lang="en-US" sz="2000" dirty="0">
-                <a:effectLst/>
-                <a:latin typeface="Calibri" panose="020F0502020204030204" pitchFamily="34" charset="0"/>
-                <a:ea typeface="Calibri" panose="020F0502020204030204" pitchFamily="34" charset="0"/>
-              </a:rPr>
-              <a:t>February 3</a:t>
-            </a:r>
-            <a:r>
-              <a:rPr lang="en-US" sz="2000" baseline="30000" dirty="0">
-                <a:effectLst/>
-                <a:latin typeface="Calibri" panose="020F0502020204030204" pitchFamily="34" charset="0"/>
-                <a:ea typeface="Calibri" panose="020F0502020204030204" pitchFamily="34" charset="0"/>
-              </a:rPr>
-              <a:t>rd</a:t>
-            </a:r>
-            <a:r>
-              <a:rPr lang="en-US" sz="2000" dirty="0">
-                <a:effectLst/>
-                <a:latin typeface="Calibri" panose="020F0502020204030204" pitchFamily="34" charset="0"/>
-                <a:ea typeface="Calibri" panose="020F0502020204030204" pitchFamily="34" charset="0"/>
-              </a:rPr>
-              <a:t> : ACM-W – Career Fair Prep</a:t>
-            </a:r>
-          </a:p>
-        </p:txBody>
-      </p:sp>
     </p:spTree>
     <p:extLst>
       <p:ext uri="{BB962C8B-B14F-4D97-AF65-F5344CB8AC3E}">
@@ -16263,13 +16195,13 @@
   <p:clrMapOvr>
     <a:masterClrMapping/>
   </p:clrMapOvr>
-  <mc:AlternateContent xmlns:mc="http://schemas.openxmlformats.org/markup-compatibility/2006">
-    <mc:Choice xmlns:p14="http://schemas.microsoft.com/office/powerpoint/2010/main" Requires="p14">
+  <mc:AlternateContent xmlns:mc="http://schemas.openxmlformats.org/markup-compatibility/2006" xmlns:p14="http://schemas.microsoft.com/office/powerpoint/2010/main">
+    <mc:Choice Requires="p14">
       <p:transition p14:dur="300">
         <p:fade/>
       </p:transition>
     </mc:Choice>
-    <mc:Fallback>
+    <mc:Fallback xmlns="">
       <p:transition>
         <p:fade/>
       </p:transition>
@@ -16933,7 +16865,7 @@
                             </p:stCondLst>
                             <p:childTnLst>
                               <p:par>
-                                <p:cTn id="5" presetID="45" presetClass="entr" presetSubtype="0" fill="hold" grpId="1" nodeType="clickEffect">
+                                <p:cTn id="5" presetID="45" presetClass="entr" presetSubtype="0" fill="hold" grpId="0" nodeType="clickEffect">
                                   <p:stCondLst>
                                     <p:cond delay="0"/>
                                   </p:stCondLst>
@@ -17041,7 +16973,7 @@
       </p:par>
     </p:tnLst>
     <p:bldLst>
-      <p:bldP spid="6" grpId="1"/>
+      <p:bldP spid="6" grpId="0"/>
     </p:bldLst>
   </p:timing>
 </p:sld>

--- a/slides/On-Campus/02_03_CharactersAndStrings.pptx
+++ b/slides/On-Campus/02_03_CharactersAndStrings.pptx
@@ -2,35 +2,35 @@
 <file path=ppt/presentation.xml><?xml version="1.0" encoding="utf-8"?>
 <p:presentation xmlns:a="http://schemas.openxmlformats.org/drawingml/2006/main" xmlns:r="http://schemas.openxmlformats.org/officeDocument/2006/relationships" xmlns:p="http://schemas.openxmlformats.org/presentationml/2006/main" saveSubsetFonts="1" autoCompressPictures="0">
   <p:sldMasterIdLst>
-    <p:sldMasterId id="2147483648" r:id="rId1"/>
+    <p:sldMasterId id="2147483648" r:id="rId4"/>
   </p:sldMasterIdLst>
   <p:notesMasterIdLst>
-    <p:notesMasterId r:id="rId22"/>
+    <p:notesMasterId r:id="rId25"/>
   </p:notesMasterIdLst>
   <p:handoutMasterIdLst>
-    <p:handoutMasterId r:id="rId23"/>
+    <p:handoutMasterId r:id="rId26"/>
   </p:handoutMasterIdLst>
   <p:sldIdLst>
-    <p:sldId id="256" r:id="rId2"/>
-    <p:sldId id="266" r:id="rId3"/>
-    <p:sldId id="268" r:id="rId4"/>
-    <p:sldId id="271" r:id="rId5"/>
-    <p:sldId id="272" r:id="rId6"/>
-    <p:sldId id="274" r:id="rId7"/>
-    <p:sldId id="270" r:id="rId8"/>
-    <p:sldId id="267" r:id="rId9"/>
-    <p:sldId id="258" r:id="rId10"/>
-    <p:sldId id="259" r:id="rId11"/>
-    <p:sldId id="260" r:id="rId12"/>
-    <p:sldId id="277" r:id="rId13"/>
-    <p:sldId id="269" r:id="rId14"/>
-    <p:sldId id="257" r:id="rId15"/>
-    <p:sldId id="275" r:id="rId16"/>
-    <p:sldId id="263" r:id="rId17"/>
-    <p:sldId id="276" r:id="rId18"/>
-    <p:sldId id="278" r:id="rId19"/>
-    <p:sldId id="265" r:id="rId20"/>
-    <p:sldId id="273" r:id="rId21"/>
+    <p:sldId id="256" r:id="rId5"/>
+    <p:sldId id="266" r:id="rId6"/>
+    <p:sldId id="268" r:id="rId7"/>
+    <p:sldId id="274" r:id="rId8"/>
+    <p:sldId id="270" r:id="rId9"/>
+    <p:sldId id="271" r:id="rId10"/>
+    <p:sldId id="272" r:id="rId11"/>
+    <p:sldId id="267" r:id="rId12"/>
+    <p:sldId id="258" r:id="rId13"/>
+    <p:sldId id="259" r:id="rId14"/>
+    <p:sldId id="260" r:id="rId15"/>
+    <p:sldId id="277" r:id="rId16"/>
+    <p:sldId id="269" r:id="rId17"/>
+    <p:sldId id="257" r:id="rId18"/>
+    <p:sldId id="275" r:id="rId19"/>
+    <p:sldId id="263" r:id="rId20"/>
+    <p:sldId id="276" r:id="rId21"/>
+    <p:sldId id="265" r:id="rId22"/>
+    <p:sldId id="273" r:id="rId23"/>
+    <p:sldId id="278" r:id="rId24"/>
   </p:sldIdLst>
   <p:sldSz cx="13817600" cy="7772400"/>
   <p:notesSz cx="6858000" cy="9144000"/>
@@ -151,35 +151,6 @@
 </p:presentation>
 </file>
 
-<file path=ppt/changesInfos/changesInfo1.xml><?xml version="1.0" encoding="utf-8"?>
-<pc:chgInfo xmlns:a="http://schemas.openxmlformats.org/drawingml/2006/main" xmlns:r="http://schemas.openxmlformats.org/officeDocument/2006/relationships" xmlns:ac="http://schemas.microsoft.com/office/drawing/2013/main/command" xmlns:pc="http://schemas.microsoft.com/office/powerpoint/2013/main/command">
-  <pc:docChgLst>
-    <pc:chgData name="Moraes,Marcia" userId="c9c67e8a-58e2-4733-9a1c-5d44fec4775b" providerId="ADAL" clId="{AD6F1D8A-AB8C-4717-8290-7F524BE60D97}"/>
-    <pc:docChg chg="custSel modSld">
-      <pc:chgData name="Moraes,Marcia" userId="c9c67e8a-58e2-4733-9a1c-5d44fec4775b" providerId="ADAL" clId="{AD6F1D8A-AB8C-4717-8290-7F524BE60D97}" dt="2022-08-19T01:42:33.624" v="0" actId="478"/>
-      <pc:docMkLst>
-        <pc:docMk/>
-      </pc:docMkLst>
-      <pc:sldChg chg="delSp mod">
-        <pc:chgData name="Moraes,Marcia" userId="c9c67e8a-58e2-4733-9a1c-5d44fec4775b" providerId="ADAL" clId="{AD6F1D8A-AB8C-4717-8290-7F524BE60D97}" dt="2022-08-19T01:42:33.624" v="0" actId="478"/>
-        <pc:sldMkLst>
-          <pc:docMk/>
-          <pc:sldMk cId="876244202" sldId="266"/>
-        </pc:sldMkLst>
-        <pc:spChg chg="del">
-          <ac:chgData name="Moraes,Marcia" userId="c9c67e8a-58e2-4733-9a1c-5d44fec4775b" providerId="ADAL" clId="{AD6F1D8A-AB8C-4717-8290-7F524BE60D97}" dt="2022-08-19T01:42:33.624" v="0" actId="478"/>
-          <ac:spMkLst>
-            <pc:docMk/>
-            <pc:sldMk cId="876244202" sldId="266"/>
-            <ac:spMk id="7" creationId="{CB1D3C32-157D-4AB2-8254-1075DFAB882C}"/>
-          </ac:spMkLst>
-        </pc:spChg>
-      </pc:sldChg>
-    </pc:docChg>
-  </pc:docChgLst>
-</pc:chgInfo>
-</file>
-
 <file path=ppt/handoutMasters/handoutMaster1.xml><?xml version="1.0" encoding="utf-8"?>
 <p:handoutMaster xmlns:a="http://schemas.openxmlformats.org/drawingml/2006/main" xmlns:r="http://schemas.openxmlformats.org/officeDocument/2006/relationships" xmlns:p="http://schemas.openxmlformats.org/presentationml/2006/main">
   <p:cSld>
@@ -262,7 +233,7 @@
           <a:p>
             <a:fld id="{4D7E51A5-B478-1E40-8CBB-0DAA8831E99D}" type="datetimeFigureOut">
               <a:rPr lang="en-US" smtClean="0"/>
-              <a:t>8/18/2022</a:t>
+              <a:t>1/26/2023</a:t>
             </a:fld>
             <a:endParaRPr lang="en-US"/>
           </a:p>
@@ -427,7 +398,7 @@
           <a:p>
             <a:fld id="{D0ED587F-861E-6740-9643-E3DDAE89B8D6}" type="datetimeFigureOut">
               <a:rPr lang="en-US" smtClean="0"/>
-              <a:t>8/18/2022</a:t>
+              <a:t>1/26/2023</a:t>
             </a:fld>
             <a:endParaRPr lang="en-US"/>
           </a:p>
@@ -4101,7 +4072,7 @@
         </p:blipFill>
         <p:spPr>
           <a:xfrm>
-            <a:off x="6937515" y="-1"/>
+            <a:off x="6937515" y="-64140"/>
             <a:ext cx="6880085" cy="7772401"/>
           </a:xfrm>
           <a:prstGeom prst="rect">
@@ -4320,7 +4291,7 @@
         </p:blipFill>
         <p:spPr>
           <a:xfrm>
-            <a:off x="9827882" y="6733969"/>
+            <a:off x="9827881" y="6483920"/>
             <a:ext cx="3520440" cy="787424"/>
           </a:xfrm>
           <a:prstGeom prst="rect">
@@ -4342,7 +4313,7 @@
         </p:nvSpPr>
         <p:spPr>
           <a:xfrm>
-            <a:off x="10549054" y="7264322"/>
+            <a:off x="10549054" y="7094978"/>
             <a:ext cx="2497873" cy="276999"/>
           </a:xfrm>
           <a:prstGeom prst="rect">
@@ -4381,8 +4352,8 @@
         </p:nvSpPr>
         <p:spPr>
           <a:xfrm>
-            <a:off x="9287446" y="7508206"/>
-            <a:ext cx="4601311" cy="246221"/>
+            <a:off x="9216289" y="7340064"/>
+            <a:ext cx="4601311" cy="400110"/>
           </a:xfrm>
           <a:prstGeom prst="rect">
             <a:avLst/>
@@ -4410,27 +4381,7 @@
                 <a:effectLst/>
                 <a:latin typeface="Proxima Nova"/>
               </a:rPr>
-              <a:t>Slides Originally Created by Albert Lionelle (</a:t>
-            </a:r>
-            <a:r>
-              <a:rPr lang="en-US" sz="1000" b="0" i="0" u="none" strike="noStrike" dirty="0" err="1">
-                <a:solidFill>
-                  <a:srgbClr val="7F7F7F"/>
-                </a:solidFill>
-                <a:effectLst/>
-                <a:latin typeface="Proxima Nova"/>
-              </a:rPr>
-              <a:t>Albert.Lionelle@colostate.edu</a:t>
-            </a:r>
-            <a:r>
-              <a:rPr lang="en-US" sz="1000" b="0" i="0" u="none" strike="noStrike" dirty="0">
-                <a:solidFill>
-                  <a:srgbClr val="7F7F7F"/>
-                </a:solidFill>
-                <a:effectLst/>
-                <a:latin typeface="Proxima Nova"/>
-              </a:rPr>
-              <a:t>)</a:t>
+              <a:t>Slides Originally Created by Albert Lionelle (Albert.Lionelle@colostate.edu) , updated by Marcia Moraes (marcia.moraes@colostate.edu)</a:t>
             </a:r>
             <a:endParaRPr lang="en-US" sz="1000" b="0" dirty="0">
               <a:solidFill>
@@ -14752,178 +14703,6 @@
           <p:cNvPr id="2" name="Title 1">
             <a:extLst>
               <a:ext uri="{FF2B5EF4-FFF2-40B4-BE49-F238E27FC236}">
-                <a16:creationId xmlns:a16="http://schemas.microsoft.com/office/drawing/2014/main" id="{837D762F-A08C-4A27-94BB-97FCBD3F8199}"/>
-              </a:ext>
-            </a:extLst>
-          </p:cNvPr>
-          <p:cNvSpPr>
-            <a:spLocks noGrp="1"/>
-          </p:cNvSpPr>
-          <p:nvPr>
-            <p:ph type="title"/>
-          </p:nvPr>
-        </p:nvSpPr>
-        <p:spPr/>
-        <p:txBody>
-          <a:bodyPr/>
-          <a:lstStyle/>
-          <a:p>
-            <a:r>
-              <a:rPr lang="en-US" dirty="0"/>
-              <a:t>In Class Activity: HTML Color Codes</a:t>
-            </a:r>
-          </a:p>
-        </p:txBody>
-      </p:sp>
-      <p:sp>
-        <p:nvSpPr>
-          <p:cNvPr id="3" name="Text Placeholder 2">
-            <a:extLst>
-              <a:ext uri="{FF2B5EF4-FFF2-40B4-BE49-F238E27FC236}">
-                <a16:creationId xmlns:a16="http://schemas.microsoft.com/office/drawing/2014/main" id="{939DBD6E-02AD-4C73-88E8-DF0D6F01EAAA}"/>
-              </a:ext>
-            </a:extLst>
-          </p:cNvPr>
-          <p:cNvSpPr>
-            <a:spLocks noGrp="1"/>
-          </p:cNvSpPr>
-          <p:nvPr>
-            <p:ph type="body" sz="quarter" idx="10"/>
-          </p:nvPr>
-        </p:nvSpPr>
-        <p:spPr>
-          <a:xfrm>
-            <a:off x="628075" y="1776683"/>
-            <a:ext cx="12561453" cy="4134722"/>
-          </a:xfrm>
-        </p:spPr>
-        <p:txBody>
-          <a:bodyPr/>
-          <a:lstStyle/>
-          <a:p>
-            <a:r>
-              <a:rPr lang="en-US" dirty="0"/>
-              <a:t>HTML will use hexadecimal color coding: </a:t>
-            </a:r>
-          </a:p>
-          <a:p>
-            <a:pPr lvl="1"/>
-            <a:r>
-              <a:rPr lang="en-US" dirty="0"/>
-              <a:t>#FFFFFF stands for </a:t>
-            </a:r>
-          </a:p>
-          <a:p>
-            <a:pPr lvl="2"/>
-            <a:r>
-              <a:rPr lang="en-US" dirty="0"/>
-              <a:t>red at 255</a:t>
-            </a:r>
-          </a:p>
-          <a:p>
-            <a:pPr lvl="2"/>
-            <a:r>
-              <a:rPr lang="en-US" dirty="0"/>
-              <a:t>green at 255 </a:t>
-            </a:r>
-          </a:p>
-          <a:p>
-            <a:pPr lvl="2"/>
-            <a:r>
-              <a:rPr lang="en-US" dirty="0"/>
-              <a:t>blue at 255 </a:t>
-            </a:r>
-          </a:p>
-          <a:p>
-            <a:pPr lvl="2"/>
-            <a:r>
-              <a:rPr lang="en-US" dirty="0"/>
-              <a:t>to make white</a:t>
-            </a:r>
-          </a:p>
-          <a:p>
-            <a:r>
-              <a:rPr lang="en-US" dirty="0"/>
-              <a:t>In this activity, you will use </a:t>
-            </a:r>
-            <a:r>
-              <a:rPr lang="en-US" dirty="0" err="1"/>
-              <a:t>String.format</a:t>
-            </a:r>
-            <a:r>
-              <a:rPr lang="en-US" dirty="0"/>
-              <a:t> to convert </a:t>
-            </a:r>
-            <a:r>
-              <a:rPr lang="en-US" dirty="0" err="1"/>
-              <a:t>ints</a:t>
-            </a:r>
-            <a:r>
-              <a:rPr lang="en-US" dirty="0"/>
-              <a:t> to hexadecimal (%X) for displaying both the RGB code and the HTML code in a variety of ways. Most of the methods you write will be short (1 line!). </a:t>
-            </a:r>
-          </a:p>
-          <a:p>
-            <a:r>
-              <a:rPr lang="en-US" dirty="0"/>
-              <a:t>Find the link in canvas</a:t>
-            </a:r>
-          </a:p>
-          <a:p>
-            <a:r>
-              <a:rPr lang="en-US" dirty="0"/>
-              <a:t>The person with the *least* coding experience should be the designated coder </a:t>
-            </a:r>
-          </a:p>
-        </p:txBody>
-      </p:sp>
-    </p:spTree>
-    <p:extLst>
-      <p:ext uri="{BB962C8B-B14F-4D97-AF65-F5344CB8AC3E}">
-        <p14:creationId xmlns:p14="http://schemas.microsoft.com/office/powerpoint/2010/main" val="2552361361"/>
-      </p:ext>
-    </p:extLst>
-  </p:cSld>
-  <p:clrMapOvr>
-    <a:masterClrMapping/>
-  </p:clrMapOvr>
-  <mc:AlternateContent xmlns:mc="http://schemas.openxmlformats.org/markup-compatibility/2006" xmlns:p14="http://schemas.microsoft.com/office/powerpoint/2010/main">
-    <mc:Choice Requires="p14">
-      <p:transition p14:dur="300">
-        <p:fade/>
-      </p:transition>
-    </mc:Choice>
-    <mc:Fallback xmlns="">
-      <p:transition>
-        <p:fade/>
-      </p:transition>
-    </mc:Fallback>
-  </mc:AlternateContent>
-</p:sld>
-</file>
-
-<file path=ppt/slides/slide19.xml><?xml version="1.0" encoding="utf-8"?>
-<p:sld xmlns:a="http://schemas.openxmlformats.org/drawingml/2006/main" xmlns:r="http://schemas.openxmlformats.org/officeDocument/2006/relationships" xmlns:p="http://schemas.openxmlformats.org/presentationml/2006/main">
-  <p:cSld>
-    <p:spTree>
-      <p:nvGrpSpPr>
-        <p:cNvPr id="1" name=""/>
-        <p:cNvGrpSpPr/>
-        <p:nvPr/>
-      </p:nvGrpSpPr>
-      <p:grpSpPr>
-        <a:xfrm>
-          <a:off x="0" y="0"/>
-          <a:ext cx="0" cy="0"/>
-          <a:chOff x="0" y="0"/>
-          <a:chExt cx="0" cy="0"/>
-        </a:xfrm>
-      </p:grpSpPr>
-      <p:sp>
-        <p:nvSpPr>
-          <p:cNvPr id="2" name="Title 1">
-            <a:extLst>
-              <a:ext uri="{FF2B5EF4-FFF2-40B4-BE49-F238E27FC236}">
                 <a16:creationId xmlns:a16="http://schemas.microsoft.com/office/drawing/2014/main" id="{B8867464-94C0-C345-B50C-955B9B42296E}"/>
               </a:ext>
             </a:extLst>
@@ -15223,277 +15002,8 @@
 </p:sld>
 </file>
 
-<file path=ppt/slides/slide2.xml><?xml version="1.0" encoding="utf-8"?>
+<file path=ppt/slides/slide19.xml><?xml version="1.0" encoding="utf-8"?>
 <p:sld xmlns:a="http://schemas.openxmlformats.org/drawingml/2006/main" xmlns:r="http://schemas.openxmlformats.org/officeDocument/2006/relationships" xmlns:p="http://schemas.openxmlformats.org/presentationml/2006/main">
-  <p:cSld>
-    <p:spTree>
-      <p:nvGrpSpPr>
-        <p:cNvPr id="1" name=""/>
-        <p:cNvGrpSpPr/>
-        <p:nvPr/>
-      </p:nvGrpSpPr>
-      <p:grpSpPr>
-        <a:xfrm>
-          <a:off x="0" y="0"/>
-          <a:ext cx="0" cy="0"/>
-          <a:chOff x="0" y="0"/>
-          <a:chExt cx="0" cy="0"/>
-        </a:xfrm>
-      </p:grpSpPr>
-      <p:sp>
-        <p:nvSpPr>
-          <p:cNvPr id="4" name="Title 3">
-            <a:extLst>
-              <a:ext uri="{FF2B5EF4-FFF2-40B4-BE49-F238E27FC236}">
-                <a16:creationId xmlns:a16="http://schemas.microsoft.com/office/drawing/2014/main" id="{11F69212-F891-5844-91B0-396F6B018064}"/>
-              </a:ext>
-            </a:extLst>
-          </p:cNvPr>
-          <p:cNvSpPr>
-            <a:spLocks noGrp="1"/>
-          </p:cNvSpPr>
-          <p:nvPr>
-            <p:ph type="title"/>
-          </p:nvPr>
-        </p:nvSpPr>
-        <p:spPr/>
-        <p:txBody>
-          <a:bodyPr/>
-          <a:lstStyle/>
-          <a:p>
-            <a:r>
-              <a:rPr lang="en-US" dirty="0"/>
-              <a:t>Announcements</a:t>
-            </a:r>
-          </a:p>
-        </p:txBody>
-      </p:sp>
-      <p:sp>
-        <p:nvSpPr>
-          <p:cNvPr id="5" name="Text Placeholder 4">
-            <a:extLst>
-              <a:ext uri="{FF2B5EF4-FFF2-40B4-BE49-F238E27FC236}">
-                <a16:creationId xmlns:a16="http://schemas.microsoft.com/office/drawing/2014/main" id="{D45B7610-981A-7441-A483-AB5BABDA0AB4}"/>
-              </a:ext>
-            </a:extLst>
-          </p:cNvPr>
-          <p:cNvSpPr>
-            <a:spLocks noGrp="1"/>
-          </p:cNvSpPr>
-          <p:nvPr>
-            <p:ph type="body" sz="quarter" idx="10"/>
-          </p:nvPr>
-        </p:nvSpPr>
-        <p:spPr>
-          <a:xfrm>
-            <a:off x="628075" y="1776683"/>
-            <a:ext cx="12561453" cy="4174733"/>
-          </a:xfrm>
-        </p:spPr>
-        <p:txBody>
-          <a:bodyPr/>
-          <a:lstStyle/>
-          <a:p>
-            <a:r>
-              <a:rPr lang="en-US" dirty="0">
-                <a:solidFill>
-                  <a:srgbClr val="092529"/>
-                </a:solidFill>
-              </a:rPr>
-              <a:t>Reminder – readings are due </a:t>
-            </a:r>
-            <a:r>
-              <a:rPr lang="en-US" b="1" dirty="0">
-                <a:solidFill>
-                  <a:srgbClr val="092529"/>
-                </a:solidFill>
-              </a:rPr>
-              <a:t>before</a:t>
-            </a:r>
-            <a:r>
-              <a:rPr lang="en-US" dirty="0">
-                <a:solidFill>
-                  <a:srgbClr val="092529"/>
-                </a:solidFill>
-              </a:rPr>
-              <a:t> lecture</a:t>
-            </a:r>
-          </a:p>
-          <a:p>
-            <a:pPr lvl="1"/>
-            <a:r>
-              <a:rPr lang="en-US" dirty="0">
-                <a:solidFill>
-                  <a:srgbClr val="092529"/>
-                </a:solidFill>
-              </a:rPr>
-              <a:t>You don’t have to do all of it - challenge problems can be challenging…</a:t>
-            </a:r>
-          </a:p>
-          <a:p>
-            <a:pPr lvl="1"/>
-            <a:r>
-              <a:rPr lang="en-US" dirty="0">
-                <a:solidFill>
-                  <a:srgbClr val="092529"/>
-                </a:solidFill>
-              </a:rPr>
-              <a:t>You can return to them. </a:t>
-            </a:r>
-          </a:p>
-          <a:p>
-            <a:pPr lvl="1"/>
-            <a:r>
-              <a:rPr lang="en-US" dirty="0">
-                <a:solidFill>
-                  <a:srgbClr val="092529"/>
-                </a:solidFill>
-              </a:rPr>
-              <a:t>We start off each lecture with a quiz from your reading! </a:t>
-            </a:r>
-          </a:p>
-          <a:p>
-            <a:r>
-              <a:rPr lang="en-US" dirty="0">
-                <a:solidFill>
-                  <a:srgbClr val="092529"/>
-                </a:solidFill>
-              </a:rPr>
-              <a:t>Help Sessions</a:t>
-            </a:r>
-          </a:p>
-          <a:p>
-            <a:pPr lvl="1"/>
-            <a:r>
-              <a:rPr lang="en-US" dirty="0"/>
-              <a:t>Go to them! They make a difference</a:t>
-            </a:r>
-          </a:p>
-          <a:p>
-            <a:pPr lvl="1"/>
-            <a:r>
-              <a:rPr lang="en-US" dirty="0"/>
-              <a:t>Lab teams should be setup</a:t>
-            </a:r>
-          </a:p>
-          <a:p>
-            <a:pPr lvl="2"/>
-            <a:r>
-              <a:rPr lang="en-US" dirty="0">
-                <a:solidFill>
-                  <a:srgbClr val="092529"/>
-                </a:solidFill>
-              </a:rPr>
-              <a:t>If you are not on a private </a:t>
-            </a:r>
-            <a:r>
-              <a:rPr lang="en-US" dirty="0"/>
-              <a:t>channel with your other lab mates, let us know </a:t>
-            </a:r>
-          </a:p>
-          <a:p>
-            <a:r>
-              <a:rPr lang="en-US" dirty="0">
-                <a:solidFill>
-                  <a:srgbClr val="092529"/>
-                </a:solidFill>
-              </a:rPr>
-              <a:t>Thursday </a:t>
-            </a:r>
-            <a:r>
-              <a:rPr lang="en-US" dirty="0"/>
-              <a:t>lab – meant to be done by Tuesday</a:t>
-            </a:r>
-            <a:r>
-              <a:rPr lang="en-US" dirty="0">
-                <a:solidFill>
-                  <a:srgbClr val="092529"/>
-                </a:solidFill>
-              </a:rPr>
-              <a:t> </a:t>
-            </a:r>
-          </a:p>
-          <a:p>
-            <a:endParaRPr lang="en-US" b="1" dirty="0"/>
-          </a:p>
-        </p:txBody>
-      </p:sp>
-      <p:sp>
-        <p:nvSpPr>
-          <p:cNvPr id="6" name="TextBox 5">
-            <a:extLst>
-              <a:ext uri="{FF2B5EF4-FFF2-40B4-BE49-F238E27FC236}">
-                <a16:creationId xmlns:a16="http://schemas.microsoft.com/office/drawing/2014/main" id="{F718367E-9E54-2D4A-803A-95FD697B9F45}"/>
-              </a:ext>
-            </a:extLst>
-          </p:cNvPr>
-          <p:cNvSpPr txBox="1"/>
-          <p:nvPr/>
-        </p:nvSpPr>
-        <p:spPr>
-          <a:xfrm>
-            <a:off x="2632060" y="5844832"/>
-            <a:ext cx="8779968" cy="1015663"/>
-          </a:xfrm>
-          <a:prstGeom prst="rect">
-            <a:avLst/>
-          </a:prstGeom>
-          <a:solidFill>
-            <a:schemeClr val="accent2"/>
-          </a:solidFill>
-        </p:spPr>
-        <p:txBody>
-          <a:bodyPr wrap="none" rtlCol="0">
-            <a:spAutoFit/>
-          </a:bodyPr>
-          <a:lstStyle/>
-          <a:p>
-            <a:r>
-              <a:rPr lang="en-US" b="1" dirty="0"/>
-              <a:t>Opening Question (talk with others in your group *before* class starts)</a:t>
-            </a:r>
-          </a:p>
-          <a:p>
-            <a:r>
-              <a:rPr lang="en-US" dirty="0"/>
-              <a:t>What is your favorite poem or song? Why does it have meaning?</a:t>
-            </a:r>
-          </a:p>
-          <a:p>
-            <a:r>
-              <a:rPr lang="en-US" dirty="0"/>
-              <a:t>Does that meaning have context?</a:t>
-            </a:r>
-          </a:p>
-        </p:txBody>
-      </p:sp>
-    </p:spTree>
-    <p:extLst>
-      <p:ext uri="{BB962C8B-B14F-4D97-AF65-F5344CB8AC3E}">
-        <p14:creationId xmlns:p14="http://schemas.microsoft.com/office/powerpoint/2010/main" val="876244202"/>
-      </p:ext>
-    </p:extLst>
-  </p:cSld>
-  <p:clrMapOvr>
-    <a:masterClrMapping/>
-  </p:clrMapOvr>
-  <mc:AlternateContent xmlns:mc="http://schemas.openxmlformats.org/markup-compatibility/2006" xmlns:p14="http://schemas.microsoft.com/office/powerpoint/2010/main">
-    <mc:Choice Requires="p14">
-      <p:transition p14:dur="300">
-        <p:fade/>
-      </p:transition>
-    </mc:Choice>
-    <mc:Fallback xmlns="">
-      <p:transition>
-        <p:fade/>
-      </p:transition>
-    </mc:Fallback>
-  </mc:AlternateContent>
-</p:sld>
-</file>
-
-<file path=ppt/slides/slide20.xml><?xml version="1.0" encoding="utf-8"?>
-<p:sld xmlns:a="http://schemas.openxmlformats.org/drawingml/2006/main" xmlns:r="http://schemas.openxmlformats.org/officeDocument/2006/relationships" xmlns:p="http://schemas.openxmlformats.org/presentationml/2006/main" show="0">
   <p:cSld>
     <p:spTree>
       <p:nvGrpSpPr>
@@ -16404,6 +15914,445 @@
 </p:sld>
 </file>
 
+<file path=ppt/slides/slide2.xml><?xml version="1.0" encoding="utf-8"?>
+<p:sld xmlns:a="http://schemas.openxmlformats.org/drawingml/2006/main" xmlns:r="http://schemas.openxmlformats.org/officeDocument/2006/relationships" xmlns:p="http://schemas.openxmlformats.org/presentationml/2006/main">
+  <p:cSld>
+    <p:spTree>
+      <p:nvGrpSpPr>
+        <p:cNvPr id="1" name=""/>
+        <p:cNvGrpSpPr/>
+        <p:nvPr/>
+      </p:nvGrpSpPr>
+      <p:grpSpPr>
+        <a:xfrm>
+          <a:off x="0" y="0"/>
+          <a:ext cx="0" cy="0"/>
+          <a:chOff x="0" y="0"/>
+          <a:chExt cx="0" cy="0"/>
+        </a:xfrm>
+      </p:grpSpPr>
+      <p:sp>
+        <p:nvSpPr>
+          <p:cNvPr id="4" name="Title 3">
+            <a:extLst>
+              <a:ext uri="{FF2B5EF4-FFF2-40B4-BE49-F238E27FC236}">
+                <a16:creationId xmlns:a16="http://schemas.microsoft.com/office/drawing/2014/main" id="{11F69212-F891-5844-91B0-396F6B018064}"/>
+              </a:ext>
+            </a:extLst>
+          </p:cNvPr>
+          <p:cNvSpPr>
+            <a:spLocks noGrp="1"/>
+          </p:cNvSpPr>
+          <p:nvPr>
+            <p:ph type="title"/>
+          </p:nvPr>
+        </p:nvSpPr>
+        <p:spPr/>
+        <p:txBody>
+          <a:bodyPr/>
+          <a:lstStyle/>
+          <a:p>
+            <a:r>
+              <a:rPr lang="en-US" dirty="0"/>
+              <a:t>Announcements</a:t>
+            </a:r>
+          </a:p>
+        </p:txBody>
+      </p:sp>
+      <p:sp>
+        <p:nvSpPr>
+          <p:cNvPr id="5" name="Text Placeholder 4">
+            <a:extLst>
+              <a:ext uri="{FF2B5EF4-FFF2-40B4-BE49-F238E27FC236}">
+                <a16:creationId xmlns:a16="http://schemas.microsoft.com/office/drawing/2014/main" id="{D45B7610-981A-7441-A483-AB5BABDA0AB4}"/>
+              </a:ext>
+            </a:extLst>
+          </p:cNvPr>
+          <p:cNvSpPr>
+            <a:spLocks noGrp="1"/>
+          </p:cNvSpPr>
+          <p:nvPr>
+            <p:ph type="body" sz="quarter" idx="10"/>
+          </p:nvPr>
+        </p:nvSpPr>
+        <p:spPr>
+          <a:xfrm>
+            <a:off x="628075" y="1776683"/>
+            <a:ext cx="12561453" cy="4728730"/>
+          </a:xfrm>
+        </p:spPr>
+        <p:txBody>
+          <a:bodyPr/>
+          <a:lstStyle/>
+          <a:p>
+            <a:r>
+              <a:rPr lang="en-US" sz="2000" dirty="0">
+                <a:solidFill>
+                  <a:srgbClr val="092529"/>
+                </a:solidFill>
+              </a:rPr>
+              <a:t>Reminder – readings are due </a:t>
+            </a:r>
+            <a:r>
+              <a:rPr lang="en-US" sz="2000" b="1" dirty="0">
+                <a:solidFill>
+                  <a:srgbClr val="092529"/>
+                </a:solidFill>
+              </a:rPr>
+              <a:t>before</a:t>
+            </a:r>
+            <a:r>
+              <a:rPr lang="en-US" sz="2000" dirty="0">
+                <a:solidFill>
+                  <a:srgbClr val="092529"/>
+                </a:solidFill>
+              </a:rPr>
+              <a:t> lecture</a:t>
+            </a:r>
+          </a:p>
+          <a:p>
+            <a:pPr lvl="1"/>
+            <a:r>
+              <a:rPr lang="en-US" sz="2000" dirty="0">
+                <a:solidFill>
+                  <a:srgbClr val="092529"/>
+                </a:solidFill>
+              </a:rPr>
+              <a:t>You don’t have to do all of it - challenge problems can be challenging…</a:t>
+            </a:r>
+          </a:p>
+          <a:p>
+            <a:pPr lvl="1"/>
+            <a:r>
+              <a:rPr lang="en-US" sz="2000" dirty="0">
+                <a:solidFill>
+                  <a:srgbClr val="092529"/>
+                </a:solidFill>
+              </a:rPr>
+              <a:t>You can return to them. </a:t>
+            </a:r>
+          </a:p>
+          <a:p>
+            <a:pPr lvl="1"/>
+            <a:r>
+              <a:rPr lang="en-US" sz="2000" dirty="0">
+                <a:solidFill>
+                  <a:srgbClr val="092529"/>
+                </a:solidFill>
+              </a:rPr>
+              <a:t>We start off each lecture with a recall activity!</a:t>
+            </a:r>
+          </a:p>
+          <a:p>
+            <a:r>
+              <a:rPr lang="en-US" sz="2000" dirty="0">
+                <a:solidFill>
+                  <a:srgbClr val="092529"/>
+                </a:solidFill>
+              </a:rPr>
+              <a:t>Help Sessions</a:t>
+            </a:r>
+          </a:p>
+          <a:p>
+            <a:pPr lvl="1"/>
+            <a:r>
+              <a:rPr lang="en-US" sz="2000" dirty="0"/>
+              <a:t>Go to them! They make a difference</a:t>
+            </a:r>
+          </a:p>
+          <a:p>
+            <a:pPr lvl="1"/>
+            <a:r>
+              <a:rPr lang="en-US" sz="2000" dirty="0"/>
+              <a:t>Lab teams should be setup</a:t>
+            </a:r>
+          </a:p>
+          <a:p>
+            <a:pPr lvl="2"/>
+            <a:r>
+              <a:rPr lang="en-US" sz="2000" dirty="0">
+                <a:solidFill>
+                  <a:srgbClr val="092529"/>
+                </a:solidFill>
+              </a:rPr>
+              <a:t>If you are not on a private </a:t>
+            </a:r>
+            <a:r>
+              <a:rPr lang="en-US" sz="2000" dirty="0"/>
+              <a:t>channel with your other lab mates, let us know </a:t>
+            </a:r>
+          </a:p>
+          <a:p>
+            <a:r>
+              <a:rPr lang="en-US" sz="2000" dirty="0">
+                <a:solidFill>
+                  <a:srgbClr val="092529"/>
+                </a:solidFill>
+              </a:rPr>
+              <a:t>Thursday </a:t>
+            </a:r>
+            <a:r>
+              <a:rPr lang="en-US" sz="2000" dirty="0"/>
+              <a:t>lab – meant to be done by Monday</a:t>
+            </a:r>
+            <a:r>
+              <a:rPr lang="en-US" sz="2000" dirty="0">
+                <a:solidFill>
+                  <a:srgbClr val="092529"/>
+                </a:solidFill>
+              </a:rPr>
+              <a:t> </a:t>
+            </a:r>
+          </a:p>
+          <a:p>
+            <a:endParaRPr lang="en-US" b="1" dirty="0"/>
+          </a:p>
+        </p:txBody>
+      </p:sp>
+      <p:pic>
+        <p:nvPicPr>
+          <p:cNvPr id="1026" name="Picture 2" descr="We Can Do Hard Things - Abby Off the Record — Abby Off the Record">
+            <a:extLst>
+              <a:ext uri="{FF2B5EF4-FFF2-40B4-BE49-F238E27FC236}">
+                <a16:creationId xmlns:a16="http://schemas.microsoft.com/office/drawing/2014/main" id="{1F717CB0-92E6-4EB8-80C2-70E21F159AED}"/>
+              </a:ext>
+            </a:extLst>
+          </p:cNvPr>
+          <p:cNvPicPr>
+            <a:picLocks noChangeAspect="1" noChangeArrowheads="1"/>
+          </p:cNvPicPr>
+          <p:nvPr/>
+        </p:nvPicPr>
+        <p:blipFill>
+          <a:blip r:embed="rId2">
+            <a:extLst>
+              <a:ext uri="{28A0092B-C50C-407E-A947-70E740481C1C}">
+                <a14:useLocalDpi xmlns:a14="http://schemas.microsoft.com/office/drawing/2010/main" val="0"/>
+              </a:ext>
+            </a:extLst>
+          </a:blip>
+          <a:srcRect/>
+          <a:stretch>
+            <a:fillRect/>
+          </a:stretch>
+        </p:blipFill>
+        <p:spPr bwMode="auto">
+          <a:xfrm>
+            <a:off x="10127117" y="0"/>
+            <a:ext cx="3690483" cy="4428580"/>
+          </a:xfrm>
+          <a:prstGeom prst="rect">
+            <a:avLst/>
+          </a:prstGeom>
+          <a:noFill/>
+          <a:extLst>
+            <a:ext uri="{909E8E84-426E-40DD-AFC4-6F175D3DCCD1}">
+              <a14:hiddenFill xmlns:a14="http://schemas.microsoft.com/office/drawing/2010/main">
+                <a:solidFill>
+                  <a:srgbClr val="FFFFFF"/>
+                </a:solidFill>
+              </a14:hiddenFill>
+            </a:ext>
+          </a:extLst>
+        </p:spPr>
+      </p:pic>
+    </p:spTree>
+    <p:extLst>
+      <p:ext uri="{BB962C8B-B14F-4D97-AF65-F5344CB8AC3E}">
+        <p14:creationId xmlns:p14="http://schemas.microsoft.com/office/powerpoint/2010/main" val="876244202"/>
+      </p:ext>
+    </p:extLst>
+  </p:cSld>
+  <p:clrMapOvr>
+    <a:masterClrMapping/>
+  </p:clrMapOvr>
+  <mc:AlternateContent xmlns:mc="http://schemas.openxmlformats.org/markup-compatibility/2006" xmlns:p14="http://schemas.microsoft.com/office/powerpoint/2010/main">
+    <mc:Choice Requires="p14">
+      <p:transition p14:dur="300">
+        <p:fade/>
+      </p:transition>
+    </mc:Choice>
+    <mc:Fallback xmlns="">
+      <p:transition>
+        <p:fade/>
+      </p:transition>
+    </mc:Fallback>
+  </mc:AlternateContent>
+</p:sld>
+</file>
+
+<file path=ppt/slides/slide20.xml><?xml version="1.0" encoding="utf-8"?>
+<p:sld xmlns:a="http://schemas.openxmlformats.org/drawingml/2006/main" xmlns:r="http://schemas.openxmlformats.org/officeDocument/2006/relationships" xmlns:p="http://schemas.openxmlformats.org/presentationml/2006/main" show="0">
+  <p:cSld>
+    <p:spTree>
+      <p:nvGrpSpPr>
+        <p:cNvPr id="1" name=""/>
+        <p:cNvGrpSpPr/>
+        <p:nvPr/>
+      </p:nvGrpSpPr>
+      <p:grpSpPr>
+        <a:xfrm>
+          <a:off x="0" y="0"/>
+          <a:ext cx="0" cy="0"/>
+          <a:chOff x="0" y="0"/>
+          <a:chExt cx="0" cy="0"/>
+        </a:xfrm>
+      </p:grpSpPr>
+      <p:sp>
+        <p:nvSpPr>
+          <p:cNvPr id="2" name="Title 1">
+            <a:extLst>
+              <a:ext uri="{FF2B5EF4-FFF2-40B4-BE49-F238E27FC236}">
+                <a16:creationId xmlns:a16="http://schemas.microsoft.com/office/drawing/2014/main" id="{837D762F-A08C-4A27-94BB-97FCBD3F8199}"/>
+              </a:ext>
+            </a:extLst>
+          </p:cNvPr>
+          <p:cNvSpPr>
+            <a:spLocks noGrp="1"/>
+          </p:cNvSpPr>
+          <p:nvPr>
+            <p:ph type="title"/>
+          </p:nvPr>
+        </p:nvSpPr>
+        <p:spPr/>
+        <p:txBody>
+          <a:bodyPr/>
+          <a:lstStyle/>
+          <a:p>
+            <a:r>
+              <a:rPr lang="en-US" dirty="0"/>
+              <a:t>In Class Activity: HTML Color Codes</a:t>
+            </a:r>
+          </a:p>
+        </p:txBody>
+      </p:sp>
+      <p:sp>
+        <p:nvSpPr>
+          <p:cNvPr id="3" name="Text Placeholder 2">
+            <a:extLst>
+              <a:ext uri="{FF2B5EF4-FFF2-40B4-BE49-F238E27FC236}">
+                <a16:creationId xmlns:a16="http://schemas.microsoft.com/office/drawing/2014/main" id="{939DBD6E-02AD-4C73-88E8-DF0D6F01EAAA}"/>
+              </a:ext>
+            </a:extLst>
+          </p:cNvPr>
+          <p:cNvSpPr>
+            <a:spLocks noGrp="1"/>
+          </p:cNvSpPr>
+          <p:nvPr>
+            <p:ph type="body" sz="quarter" idx="10"/>
+          </p:nvPr>
+        </p:nvSpPr>
+        <p:spPr>
+          <a:xfrm>
+            <a:off x="628075" y="1776683"/>
+            <a:ext cx="12561453" cy="4134722"/>
+          </a:xfrm>
+        </p:spPr>
+        <p:txBody>
+          <a:bodyPr/>
+          <a:lstStyle/>
+          <a:p>
+            <a:r>
+              <a:rPr lang="en-US" dirty="0"/>
+              <a:t>HTML will use hexadecimal color coding: </a:t>
+            </a:r>
+          </a:p>
+          <a:p>
+            <a:pPr lvl="1"/>
+            <a:r>
+              <a:rPr lang="en-US" dirty="0"/>
+              <a:t>#FFFFFF stands for </a:t>
+            </a:r>
+          </a:p>
+          <a:p>
+            <a:pPr lvl="2"/>
+            <a:r>
+              <a:rPr lang="en-US" dirty="0"/>
+              <a:t>red at 255</a:t>
+            </a:r>
+          </a:p>
+          <a:p>
+            <a:pPr lvl="2"/>
+            <a:r>
+              <a:rPr lang="en-US" dirty="0"/>
+              <a:t>green at 255 </a:t>
+            </a:r>
+          </a:p>
+          <a:p>
+            <a:pPr lvl="2"/>
+            <a:r>
+              <a:rPr lang="en-US" dirty="0"/>
+              <a:t>blue at 255 </a:t>
+            </a:r>
+          </a:p>
+          <a:p>
+            <a:pPr lvl="2"/>
+            <a:r>
+              <a:rPr lang="en-US" dirty="0"/>
+              <a:t>to make white</a:t>
+            </a:r>
+          </a:p>
+          <a:p>
+            <a:r>
+              <a:rPr lang="en-US" dirty="0"/>
+              <a:t>In this activity, you will use </a:t>
+            </a:r>
+            <a:r>
+              <a:rPr lang="en-US" dirty="0" err="1"/>
+              <a:t>String.format</a:t>
+            </a:r>
+            <a:r>
+              <a:rPr lang="en-US" dirty="0"/>
+              <a:t> to convert </a:t>
+            </a:r>
+            <a:r>
+              <a:rPr lang="en-US" dirty="0" err="1"/>
+              <a:t>ints</a:t>
+            </a:r>
+            <a:r>
+              <a:rPr lang="en-US" dirty="0"/>
+              <a:t> to hexadecimal (%X) for displaying both the RGB code and the HTML code in a variety of ways. Most of the methods you write will be short (1 line!). </a:t>
+            </a:r>
+          </a:p>
+          <a:p>
+            <a:r>
+              <a:rPr lang="en-US" dirty="0"/>
+              <a:t>Find the link in canvas</a:t>
+            </a:r>
+          </a:p>
+          <a:p>
+            <a:r>
+              <a:rPr lang="en-US" dirty="0"/>
+              <a:t>The person with the *least* coding experience should be the designated coder </a:t>
+            </a:r>
+          </a:p>
+        </p:txBody>
+      </p:sp>
+    </p:spTree>
+    <p:extLst>
+      <p:ext uri="{BB962C8B-B14F-4D97-AF65-F5344CB8AC3E}">
+        <p14:creationId xmlns:p14="http://schemas.microsoft.com/office/powerpoint/2010/main" val="2552361361"/>
+      </p:ext>
+    </p:extLst>
+  </p:cSld>
+  <p:clrMapOvr>
+    <a:masterClrMapping/>
+  </p:clrMapOvr>
+  <mc:AlternateContent xmlns:mc="http://schemas.openxmlformats.org/markup-compatibility/2006" xmlns:p14="http://schemas.microsoft.com/office/powerpoint/2010/main">
+    <mc:Choice Requires="p14">
+      <p:transition p14:dur="300">
+        <p:fade/>
+      </p:transition>
+    </mc:Choice>
+    <mc:Fallback xmlns="">
+      <p:transition>
+        <p:fade/>
+      </p:transition>
+    </mc:Fallback>
+  </mc:AlternateContent>
+</p:sld>
+</file>
+
 <file path=ppt/slides/slide3.xml><?xml version="1.0" encoding="utf-8"?>
 <p:sld xmlns:a="http://schemas.openxmlformats.org/drawingml/2006/main" xmlns:r="http://schemas.openxmlformats.org/officeDocument/2006/relationships" xmlns:p="http://schemas.openxmlformats.org/presentationml/2006/main">
   <p:cSld>
@@ -16437,14 +16386,19 @@
             <p:ph type="title"/>
           </p:nvPr>
         </p:nvSpPr>
-        <p:spPr/>
+        <p:spPr>
+          <a:xfrm>
+            <a:off x="628075" y="172950"/>
+            <a:ext cx="12561453" cy="1015663"/>
+          </a:xfrm>
+        </p:spPr>
         <p:txBody>
           <a:bodyPr/>
           <a:lstStyle/>
           <a:p>
             <a:r>
               <a:rPr lang="en-US" dirty="0"/>
-              <a:t>Reading Check-in</a:t>
+              <a:t>Recall Activity</a:t>
             </a:r>
           </a:p>
         </p:txBody>
@@ -16467,13 +16421,58 @@
         </p:nvSpPr>
         <p:spPr>
           <a:xfrm>
-            <a:off x="628075" y="1776683"/>
-            <a:ext cx="12561453" cy="494879"/>
+            <a:off x="628073" y="1340201"/>
+            <a:ext cx="12561453" cy="3731534"/>
           </a:xfrm>
         </p:spPr>
         <p:txBody>
           <a:bodyPr/>
           <a:lstStyle/>
+          <a:p>
+            <a:pPr marL="0" indent="0">
+              <a:buNone/>
+            </a:pPr>
+            <a:r>
+              <a:rPr lang="en-US" b="1" dirty="0"/>
+              <a:t>Grab a paper, write your name and your answers to the following questions. Turn this as your attendance for today’s lecture.</a:t>
+            </a:r>
+          </a:p>
+          <a:p>
+            <a:pPr marL="0" indent="0">
+              <a:buNone/>
+            </a:pPr>
+            <a:endParaRPr lang="en-US" b="1" dirty="0"/>
+          </a:p>
+          <a:p>
+            <a:pPr marL="0" indent="0">
+              <a:buNone/>
+            </a:pPr>
+            <a:r>
+              <a:rPr lang="en-US" b="1" dirty="0"/>
+              <a:t>What is an object?</a:t>
+            </a:r>
+          </a:p>
+          <a:p>
+            <a:pPr marL="0" indent="0">
+              <a:buNone/>
+            </a:pPr>
+            <a:endParaRPr lang="en-US" b="1" dirty="0"/>
+          </a:p>
+          <a:p>
+            <a:pPr marL="0" indent="0">
+              <a:buNone/>
+            </a:pPr>
+            <a:r>
+              <a:rPr lang="en-US" b="1" dirty="0"/>
+              <a:t>What is the difference between a char and a String?</a:t>
+            </a:r>
+          </a:p>
+          <a:p>
+            <a:pPr marL="0" indent="0">
+              <a:buNone/>
+            </a:pPr>
+            <a:endParaRPr lang="en-US" b="1" dirty="0"/>
+          </a:p>
           <a:p>
             <a:pPr marL="0" indent="0">
               <a:buNone/>
@@ -16499,7 +16498,7 @@
         </p:nvSpPr>
         <p:spPr>
           <a:xfrm>
-            <a:off x="3454043" y="2916704"/>
+            <a:off x="3454042" y="4954652"/>
             <a:ext cx="6909514" cy="2246769"/>
           </a:xfrm>
           <a:prstGeom prst="rect">
@@ -16797,7 +16796,7 @@
         </p:nvSpPr>
         <p:spPr>
           <a:xfrm>
-            <a:off x="9440214" y="4301544"/>
+            <a:off x="9958305" y="5754872"/>
             <a:ext cx="518091" cy="646331"/>
           </a:xfrm>
           <a:prstGeom prst="rect">
@@ -16980,1354 +16979,6 @@
 </file>
 
 <file path=ppt/slides/slide4.xml><?xml version="1.0" encoding="utf-8"?>
-<p:sld xmlns:a="http://schemas.openxmlformats.org/drawingml/2006/main" xmlns:r="http://schemas.openxmlformats.org/officeDocument/2006/relationships" xmlns:p="http://schemas.openxmlformats.org/presentationml/2006/main" show="0">
-  <p:cSld>
-    <p:spTree>
-      <p:nvGrpSpPr>
-        <p:cNvPr id="1" name=""/>
-        <p:cNvGrpSpPr/>
-        <p:nvPr/>
-      </p:nvGrpSpPr>
-      <p:grpSpPr>
-        <a:xfrm>
-          <a:off x="0" y="0"/>
-          <a:ext cx="0" cy="0"/>
-          <a:chOff x="0" y="0"/>
-          <a:chExt cx="0" cy="0"/>
-        </a:xfrm>
-      </p:grpSpPr>
-      <p:sp>
-        <p:nvSpPr>
-          <p:cNvPr id="2" name="Title 1">
-            <a:extLst>
-              <a:ext uri="{FF2B5EF4-FFF2-40B4-BE49-F238E27FC236}">
-                <a16:creationId xmlns:a16="http://schemas.microsoft.com/office/drawing/2014/main" id="{B536806E-AD3E-AD40-936F-590919B5FCEE}"/>
-              </a:ext>
-            </a:extLst>
-          </p:cNvPr>
-          <p:cNvSpPr>
-            <a:spLocks noGrp="1"/>
-          </p:cNvSpPr>
-          <p:nvPr>
-            <p:ph type="title"/>
-          </p:nvPr>
-        </p:nvSpPr>
-        <p:spPr/>
-        <p:txBody>
-          <a:bodyPr/>
-          <a:lstStyle/>
-          <a:p>
-            <a:r>
-              <a:rPr lang="en-US" dirty="0"/>
-              <a:t>Quick Practice</a:t>
-            </a:r>
-          </a:p>
-        </p:txBody>
-      </p:sp>
-      <p:sp>
-        <p:nvSpPr>
-          <p:cNvPr id="5" name="TextBox 4">
-            <a:extLst>
-              <a:ext uri="{FF2B5EF4-FFF2-40B4-BE49-F238E27FC236}">
-                <a16:creationId xmlns:a16="http://schemas.microsoft.com/office/drawing/2014/main" id="{BC9EEA87-D34D-C34F-8D45-848ED96537EC}"/>
-              </a:ext>
-            </a:extLst>
-          </p:cNvPr>
-          <p:cNvSpPr txBox="1"/>
-          <p:nvPr/>
-        </p:nvSpPr>
-        <p:spPr>
-          <a:xfrm>
-            <a:off x="787961" y="1675865"/>
-            <a:ext cx="9711114" cy="4401205"/>
-          </a:xfrm>
-          <a:prstGeom prst="rect">
-            <a:avLst/>
-          </a:prstGeom>
-          <a:noFill/>
-        </p:spPr>
-        <p:txBody>
-          <a:bodyPr wrap="square">
-            <a:spAutoFit/>
-          </a:bodyPr>
-          <a:lstStyle/>
-          <a:p>
-            <a:r>
-              <a:rPr lang="en-US" dirty="0">
-                <a:latin typeface="Courier New" panose="02070309020205020404" pitchFamily="49" charset="0"/>
-                <a:cs typeface="Courier New" panose="02070309020205020404" pitchFamily="49" charset="0"/>
-              </a:rPr>
-              <a:t>public class </a:t>
-            </a:r>
-            <a:r>
-              <a:rPr lang="en-US" dirty="0" err="1">
-                <a:latin typeface="Courier New" panose="02070309020205020404" pitchFamily="49" charset="0"/>
-                <a:cs typeface="Courier New" panose="02070309020205020404" pitchFamily="49" charset="0"/>
-              </a:rPr>
-              <a:t>CastingProgram</a:t>
-            </a:r>
-            <a:r>
-              <a:rPr lang="en-US" dirty="0">
-                <a:latin typeface="Courier New" panose="02070309020205020404" pitchFamily="49" charset="0"/>
-                <a:cs typeface="Courier New" panose="02070309020205020404" pitchFamily="49" charset="0"/>
-              </a:rPr>
-              <a:t> {</a:t>
-            </a:r>
-          </a:p>
-          <a:p>
-            <a:endParaRPr lang="en-US" dirty="0">
-              <a:latin typeface="Courier New" panose="02070309020205020404" pitchFamily="49" charset="0"/>
-              <a:cs typeface="Courier New" panose="02070309020205020404" pitchFamily="49" charset="0"/>
-            </a:endParaRPr>
-          </a:p>
-          <a:p>
-            <a:r>
-              <a:rPr lang="en-US" dirty="0">
-                <a:latin typeface="Courier New" panose="02070309020205020404" pitchFamily="49" charset="0"/>
-                <a:cs typeface="Courier New" panose="02070309020205020404" pitchFamily="49" charset="0"/>
-              </a:rPr>
-              <a:t>   public static void main(String[] </a:t>
-            </a:r>
-            <a:r>
-              <a:rPr lang="en-US" dirty="0" err="1">
-                <a:latin typeface="Courier New" panose="02070309020205020404" pitchFamily="49" charset="0"/>
-                <a:cs typeface="Courier New" panose="02070309020205020404" pitchFamily="49" charset="0"/>
-              </a:rPr>
-              <a:t>args</a:t>
-            </a:r>
-            <a:r>
-              <a:rPr lang="en-US" dirty="0">
-                <a:latin typeface="Courier New" panose="02070309020205020404" pitchFamily="49" charset="0"/>
-                <a:cs typeface="Courier New" panose="02070309020205020404" pitchFamily="49" charset="0"/>
-              </a:rPr>
-              <a:t>) {</a:t>
-            </a:r>
-          </a:p>
-          <a:p>
-            <a:endParaRPr lang="en-US" dirty="0">
-              <a:latin typeface="Courier New" panose="02070309020205020404" pitchFamily="49" charset="0"/>
-              <a:cs typeface="Courier New" panose="02070309020205020404" pitchFamily="49" charset="0"/>
-            </a:endParaRPr>
-          </a:p>
-          <a:p>
-            <a:r>
-              <a:rPr lang="en-US" dirty="0">
-                <a:latin typeface="Courier New" panose="02070309020205020404" pitchFamily="49" charset="0"/>
-                <a:cs typeface="Courier New" panose="02070309020205020404" pitchFamily="49" charset="0"/>
-              </a:rPr>
-              <a:t>      </a:t>
-            </a:r>
-            <a:r>
-              <a:rPr lang="en-US" dirty="0" err="1">
-                <a:latin typeface="Courier New" panose="02070309020205020404" pitchFamily="49" charset="0"/>
-                <a:cs typeface="Courier New" panose="02070309020205020404" pitchFamily="49" charset="0"/>
-              </a:rPr>
-              <a:t>int</a:t>
-            </a:r>
-            <a:r>
-              <a:rPr lang="en-US" dirty="0">
-                <a:latin typeface="Courier New" panose="02070309020205020404" pitchFamily="49" charset="0"/>
-                <a:cs typeface="Courier New" panose="02070309020205020404" pitchFamily="49" charset="0"/>
-              </a:rPr>
-              <a:t> value1 = 12;</a:t>
-            </a:r>
-          </a:p>
-          <a:p>
-            <a:r>
-              <a:rPr lang="en-US" dirty="0">
-                <a:latin typeface="Courier New" panose="02070309020205020404" pitchFamily="49" charset="0"/>
-                <a:cs typeface="Courier New" panose="02070309020205020404" pitchFamily="49" charset="0"/>
-              </a:rPr>
-              <a:t>      double value2 = 25.75;</a:t>
-            </a:r>
-          </a:p>
-          <a:p>
-            <a:r>
-              <a:rPr lang="en-US" dirty="0">
-                <a:latin typeface="Courier New" panose="02070309020205020404" pitchFamily="49" charset="0"/>
-                <a:cs typeface="Courier New" panose="02070309020205020404" pitchFamily="49" charset="0"/>
-              </a:rPr>
-              <a:t>      double </a:t>
-            </a:r>
-            <a:r>
-              <a:rPr lang="en-US" dirty="0" err="1">
-                <a:latin typeface="Courier New" panose="02070309020205020404" pitchFamily="49" charset="0"/>
-                <a:cs typeface="Courier New" panose="02070309020205020404" pitchFamily="49" charset="0"/>
-              </a:rPr>
-              <a:t>resultDouble</a:t>
-            </a:r>
-            <a:r>
-              <a:rPr lang="en-US" dirty="0">
-                <a:latin typeface="Courier New" panose="02070309020205020404" pitchFamily="49" charset="0"/>
-                <a:cs typeface="Courier New" panose="02070309020205020404" pitchFamily="49" charset="0"/>
-              </a:rPr>
-              <a:t> = value1 + value2;</a:t>
-            </a:r>
-          </a:p>
-          <a:p>
-            <a:r>
-              <a:rPr lang="en-US" dirty="0">
-                <a:latin typeface="Courier New" panose="02070309020205020404" pitchFamily="49" charset="0"/>
-                <a:cs typeface="Courier New" panose="02070309020205020404" pitchFamily="49" charset="0"/>
-              </a:rPr>
-              <a:t>      </a:t>
-            </a:r>
-            <a:r>
-              <a:rPr lang="en-US" dirty="0" err="1">
-                <a:latin typeface="Courier New" panose="02070309020205020404" pitchFamily="49" charset="0"/>
-                <a:cs typeface="Courier New" panose="02070309020205020404" pitchFamily="49" charset="0"/>
-              </a:rPr>
-              <a:t>System.out.print</a:t>
-            </a:r>
-            <a:r>
-              <a:rPr lang="en-US" dirty="0">
-                <a:latin typeface="Courier New" panose="02070309020205020404" pitchFamily="49" charset="0"/>
-                <a:cs typeface="Courier New" panose="02070309020205020404" pitchFamily="49" charset="0"/>
-              </a:rPr>
-              <a:t>(value1 + " + " + value2 + " = ");</a:t>
-            </a:r>
-          </a:p>
-          <a:p>
-            <a:r>
-              <a:rPr lang="en-US" dirty="0">
-                <a:latin typeface="Courier New" panose="02070309020205020404" pitchFamily="49" charset="0"/>
-                <a:cs typeface="Courier New" panose="02070309020205020404" pitchFamily="49" charset="0"/>
-              </a:rPr>
-              <a:t>      </a:t>
-            </a:r>
-            <a:r>
-              <a:rPr lang="en-US" dirty="0" err="1">
-                <a:latin typeface="Courier New" panose="02070309020205020404" pitchFamily="49" charset="0"/>
-                <a:cs typeface="Courier New" panose="02070309020205020404" pitchFamily="49" charset="0"/>
-              </a:rPr>
-              <a:t>System.out.println</a:t>
-            </a:r>
-            <a:r>
-              <a:rPr lang="en-US" dirty="0">
-                <a:latin typeface="Courier New" panose="02070309020205020404" pitchFamily="49" charset="0"/>
-                <a:cs typeface="Courier New" panose="02070309020205020404" pitchFamily="49" charset="0"/>
-              </a:rPr>
-              <a:t>(</a:t>
-            </a:r>
-            <a:r>
-              <a:rPr lang="en-US" dirty="0" err="1">
-                <a:latin typeface="Courier New" panose="02070309020205020404" pitchFamily="49" charset="0"/>
-                <a:cs typeface="Courier New" panose="02070309020205020404" pitchFamily="49" charset="0"/>
-              </a:rPr>
-              <a:t>resultDouble</a:t>
-            </a:r>
-            <a:r>
-              <a:rPr lang="en-US" dirty="0">
-                <a:latin typeface="Courier New" panose="02070309020205020404" pitchFamily="49" charset="0"/>
-                <a:cs typeface="Courier New" panose="02070309020205020404" pitchFamily="49" charset="0"/>
-              </a:rPr>
-              <a:t>);</a:t>
-            </a:r>
-          </a:p>
-          <a:p>
-            <a:r>
-              <a:rPr lang="en-US" dirty="0">
-                <a:latin typeface="Courier New" panose="02070309020205020404" pitchFamily="49" charset="0"/>
-                <a:cs typeface="Courier New" panose="02070309020205020404" pitchFamily="49" charset="0"/>
-              </a:rPr>
-              <a:t>      </a:t>
-            </a:r>
-            <a:r>
-              <a:rPr lang="en-US" dirty="0" err="1">
-                <a:latin typeface="Courier New" panose="02070309020205020404" pitchFamily="49" charset="0"/>
-                <a:cs typeface="Courier New" panose="02070309020205020404" pitchFamily="49" charset="0"/>
-              </a:rPr>
-              <a:t>int</a:t>
-            </a:r>
-            <a:r>
-              <a:rPr lang="en-US" dirty="0">
-                <a:latin typeface="Courier New" panose="02070309020205020404" pitchFamily="49" charset="0"/>
-                <a:cs typeface="Courier New" panose="02070309020205020404" pitchFamily="49" charset="0"/>
-              </a:rPr>
-              <a:t> </a:t>
-            </a:r>
-            <a:r>
-              <a:rPr lang="en-US" dirty="0" err="1">
-                <a:latin typeface="Courier New" panose="02070309020205020404" pitchFamily="49" charset="0"/>
-                <a:cs typeface="Courier New" panose="02070309020205020404" pitchFamily="49" charset="0"/>
-              </a:rPr>
-              <a:t>resultInt</a:t>
-            </a:r>
-            <a:r>
-              <a:rPr lang="en-US" dirty="0">
-                <a:latin typeface="Courier New" panose="02070309020205020404" pitchFamily="49" charset="0"/>
-                <a:cs typeface="Courier New" panose="02070309020205020404" pitchFamily="49" charset="0"/>
-              </a:rPr>
-              <a:t> = value1 +  value2;</a:t>
-            </a:r>
-          </a:p>
-          <a:p>
-            <a:r>
-              <a:rPr lang="en-US" dirty="0">
-                <a:latin typeface="Courier New" panose="02070309020205020404" pitchFamily="49" charset="0"/>
-                <a:cs typeface="Courier New" panose="02070309020205020404" pitchFamily="49" charset="0"/>
-              </a:rPr>
-              <a:t>      </a:t>
-            </a:r>
-            <a:r>
-              <a:rPr lang="en-US" dirty="0" err="1">
-                <a:latin typeface="Courier New" panose="02070309020205020404" pitchFamily="49" charset="0"/>
-                <a:cs typeface="Courier New" panose="02070309020205020404" pitchFamily="49" charset="0"/>
-              </a:rPr>
-              <a:t>System.out.print</a:t>
-            </a:r>
-            <a:r>
-              <a:rPr lang="en-US" dirty="0">
-                <a:latin typeface="Courier New" panose="02070309020205020404" pitchFamily="49" charset="0"/>
-                <a:cs typeface="Courier New" panose="02070309020205020404" pitchFamily="49" charset="0"/>
-              </a:rPr>
-              <a:t>(value1 + " + " + value2 + " = ");</a:t>
-            </a:r>
-          </a:p>
-          <a:p>
-            <a:r>
-              <a:rPr lang="en-US" dirty="0">
-                <a:latin typeface="Courier New" panose="02070309020205020404" pitchFamily="49" charset="0"/>
-                <a:cs typeface="Courier New" panose="02070309020205020404" pitchFamily="49" charset="0"/>
-              </a:rPr>
-              <a:t>      </a:t>
-            </a:r>
-            <a:r>
-              <a:rPr lang="en-US" dirty="0" err="1">
-                <a:latin typeface="Courier New" panose="02070309020205020404" pitchFamily="49" charset="0"/>
-                <a:cs typeface="Courier New" panose="02070309020205020404" pitchFamily="49" charset="0"/>
-              </a:rPr>
-              <a:t>System.out.println</a:t>
-            </a:r>
-            <a:r>
-              <a:rPr lang="en-US" dirty="0">
-                <a:latin typeface="Courier New" panose="02070309020205020404" pitchFamily="49" charset="0"/>
-                <a:cs typeface="Courier New" panose="02070309020205020404" pitchFamily="49" charset="0"/>
-              </a:rPr>
-              <a:t>(</a:t>
-            </a:r>
-            <a:r>
-              <a:rPr lang="en-US" dirty="0" err="1">
-                <a:latin typeface="Courier New" panose="02070309020205020404" pitchFamily="49" charset="0"/>
-                <a:cs typeface="Courier New" panose="02070309020205020404" pitchFamily="49" charset="0"/>
-              </a:rPr>
-              <a:t>resultInt</a:t>
-            </a:r>
-            <a:r>
-              <a:rPr lang="en-US" dirty="0">
-                <a:latin typeface="Courier New" panose="02070309020205020404" pitchFamily="49" charset="0"/>
-                <a:cs typeface="Courier New" panose="02070309020205020404" pitchFamily="49" charset="0"/>
-              </a:rPr>
-              <a:t>);</a:t>
-            </a:r>
-          </a:p>
-          <a:p>
-            <a:r>
-              <a:rPr lang="en-US" dirty="0">
-                <a:latin typeface="Courier New" panose="02070309020205020404" pitchFamily="49" charset="0"/>
-                <a:cs typeface="Courier New" panose="02070309020205020404" pitchFamily="49" charset="0"/>
-              </a:rPr>
-              <a:t>   }</a:t>
-            </a:r>
-          </a:p>
-          <a:p>
-            <a:r>
-              <a:rPr lang="en-US" dirty="0">
-                <a:latin typeface="Courier New" panose="02070309020205020404" pitchFamily="49" charset="0"/>
-                <a:cs typeface="Courier New" panose="02070309020205020404" pitchFamily="49" charset="0"/>
-              </a:rPr>
-              <a:t>}</a:t>
-            </a:r>
-          </a:p>
-        </p:txBody>
-      </p:sp>
-      <p:sp>
-        <p:nvSpPr>
-          <p:cNvPr id="4" name="Rectangle 3">
-            <a:extLst>
-              <a:ext uri="{FF2B5EF4-FFF2-40B4-BE49-F238E27FC236}">
-                <a16:creationId xmlns:a16="http://schemas.microsoft.com/office/drawing/2014/main" id="{F8083C6D-3634-004D-BE41-F84DFC608329}"/>
-              </a:ext>
-            </a:extLst>
-          </p:cNvPr>
-          <p:cNvSpPr/>
-          <p:nvPr/>
-        </p:nvSpPr>
-        <p:spPr>
-          <a:xfrm>
-            <a:off x="9517587" y="1211855"/>
-            <a:ext cx="4165361" cy="979799"/>
-          </a:xfrm>
-          <a:prstGeom prst="rect">
-            <a:avLst/>
-          </a:prstGeom>
-          <a:solidFill>
-            <a:schemeClr val="bg2"/>
-          </a:solidFill>
-          <a:ln>
-            <a:noFill/>
-          </a:ln>
-          <a:effectLst/>
-        </p:spPr>
-        <p:style>
-          <a:lnRef idx="1">
-            <a:schemeClr val="accent1"/>
-          </a:lnRef>
-          <a:fillRef idx="3">
-            <a:schemeClr val="accent1"/>
-          </a:fillRef>
-          <a:effectRef idx="2">
-            <a:schemeClr val="accent1"/>
-          </a:effectRef>
-          <a:fontRef idx="minor">
-            <a:schemeClr val="lt1"/>
-          </a:fontRef>
-        </p:style>
-        <p:txBody>
-          <a:bodyPr lIns="274320" tIns="182880" rIns="274320" bIns="182880" rtlCol="0" anchor="ctr"/>
-          <a:lstStyle/>
-          <a:p>
-            <a:pPr algn="ctr"/>
-            <a:r>
-              <a:rPr lang="en-US" dirty="0">
-                <a:solidFill>
-                  <a:srgbClr val="092529"/>
-                </a:solidFill>
-                <a:latin typeface="Proxima Nova" charset="0"/>
-                <a:ea typeface="Proxima Nova" charset="0"/>
-                <a:cs typeface="Proxima Nova" charset="0"/>
-              </a:rPr>
-              <a:t>What happen when we try to run the program?</a:t>
-            </a:r>
-          </a:p>
-        </p:txBody>
-      </p:sp>
-      <p:sp>
-        <p:nvSpPr>
-          <p:cNvPr id="6" name="Rectangle 5">
-            <a:extLst>
-              <a:ext uri="{FF2B5EF4-FFF2-40B4-BE49-F238E27FC236}">
-                <a16:creationId xmlns:a16="http://schemas.microsoft.com/office/drawing/2014/main" id="{F8083C6D-3634-004D-BE41-F84DFC608329}"/>
-              </a:ext>
-            </a:extLst>
-          </p:cNvPr>
-          <p:cNvSpPr/>
-          <p:nvPr/>
-        </p:nvSpPr>
-        <p:spPr>
-          <a:xfrm>
-            <a:off x="9517587" y="2547826"/>
-            <a:ext cx="4165361" cy="2065703"/>
-          </a:xfrm>
-          <a:prstGeom prst="rect">
-            <a:avLst/>
-          </a:prstGeom>
-          <a:solidFill>
-            <a:schemeClr val="bg2"/>
-          </a:solidFill>
-          <a:ln>
-            <a:noFill/>
-          </a:ln>
-          <a:effectLst/>
-        </p:spPr>
-        <p:style>
-          <a:lnRef idx="1">
-            <a:schemeClr val="accent1"/>
-          </a:lnRef>
-          <a:fillRef idx="3">
-            <a:schemeClr val="accent1"/>
-          </a:fillRef>
-          <a:effectRef idx="2">
-            <a:schemeClr val="accent1"/>
-          </a:effectRef>
-          <a:fontRef idx="minor">
-            <a:schemeClr val="lt1"/>
-          </a:fontRef>
-        </p:style>
-        <p:txBody>
-          <a:bodyPr lIns="274320" tIns="182880" rIns="274320" bIns="182880" rtlCol="0" anchor="ctr"/>
-          <a:lstStyle/>
-          <a:p>
-            <a:pPr lvl="0" defTabSz="914400" eaLnBrk="0" fontAlgn="base" hangingPunct="0">
-              <a:spcBef>
-                <a:spcPct val="0"/>
-              </a:spcBef>
-              <a:spcAft>
-                <a:spcPct val="0"/>
-              </a:spcAft>
-            </a:pPr>
-            <a:r>
-              <a:rPr lang="en-US" altLang="en-US" dirty="0">
-                <a:solidFill>
-                  <a:srgbClr val="092529"/>
-                </a:solidFill>
-                <a:latin typeface="Proxima Nova" charset="0"/>
-                <a:ea typeface="Proxima Nova" charset="0"/>
-                <a:cs typeface="Proxima Nova" charset="0"/>
-              </a:rPr>
-              <a:t>CastingProgram.java:10: error: incompatible types: possible </a:t>
-            </a:r>
-            <a:r>
-              <a:rPr lang="en-US" altLang="en-US" dirty="0" err="1">
-                <a:solidFill>
-                  <a:srgbClr val="092529"/>
-                </a:solidFill>
-                <a:latin typeface="Proxima Nova" charset="0"/>
-                <a:ea typeface="Proxima Nova" charset="0"/>
-                <a:cs typeface="Proxima Nova" charset="0"/>
-              </a:rPr>
-              <a:t>lossy</a:t>
-            </a:r>
-            <a:r>
-              <a:rPr lang="en-US" altLang="en-US" dirty="0">
-                <a:solidFill>
-                  <a:srgbClr val="092529"/>
-                </a:solidFill>
-                <a:latin typeface="Proxima Nova" charset="0"/>
-                <a:ea typeface="Proxima Nova" charset="0"/>
-                <a:cs typeface="Proxima Nova" charset="0"/>
-              </a:rPr>
-              <a:t> conversion from double to </a:t>
-            </a:r>
-            <a:r>
-              <a:rPr lang="en-US" altLang="en-US" dirty="0" err="1">
-                <a:solidFill>
-                  <a:srgbClr val="092529"/>
-                </a:solidFill>
-                <a:latin typeface="Proxima Nova" charset="0"/>
-                <a:ea typeface="Proxima Nova" charset="0"/>
-                <a:cs typeface="Proxima Nova" charset="0"/>
-              </a:rPr>
-              <a:t>int</a:t>
-            </a:r>
-            <a:endParaRPr lang="en-US" altLang="en-US" dirty="0">
-              <a:solidFill>
-                <a:srgbClr val="092529"/>
-              </a:solidFill>
-              <a:latin typeface="Proxima Nova" charset="0"/>
-              <a:ea typeface="Proxima Nova" charset="0"/>
-              <a:cs typeface="Proxima Nova" charset="0"/>
-            </a:endParaRPr>
-          </a:p>
-          <a:p>
-            <a:pPr lvl="0" defTabSz="914400" eaLnBrk="0" fontAlgn="base" hangingPunct="0">
-              <a:spcBef>
-                <a:spcPct val="0"/>
-              </a:spcBef>
-              <a:spcAft>
-                <a:spcPct val="0"/>
-              </a:spcAft>
-            </a:pPr>
-            <a:r>
-              <a:rPr lang="en-US" altLang="en-US" dirty="0">
-                <a:solidFill>
-                  <a:srgbClr val="092529"/>
-                </a:solidFill>
-                <a:latin typeface="Proxima Nova" charset="0"/>
-                <a:ea typeface="Proxima Nova" charset="0"/>
-                <a:cs typeface="Proxima Nova" charset="0"/>
-              </a:rPr>
-              <a:t> </a:t>
-            </a:r>
-            <a:r>
-              <a:rPr lang="en-US" altLang="en-US" dirty="0" err="1">
-                <a:solidFill>
-                  <a:srgbClr val="092529"/>
-                </a:solidFill>
-                <a:latin typeface="Proxima Nova" charset="0"/>
-                <a:ea typeface="Proxima Nova" charset="0"/>
-                <a:cs typeface="Proxima Nova" charset="0"/>
-              </a:rPr>
-              <a:t>int</a:t>
-            </a:r>
-            <a:r>
-              <a:rPr lang="en-US" altLang="en-US" dirty="0">
-                <a:solidFill>
-                  <a:srgbClr val="092529"/>
-                </a:solidFill>
-                <a:latin typeface="Proxima Nova" charset="0"/>
-                <a:ea typeface="Proxima Nova" charset="0"/>
-                <a:cs typeface="Proxima Nova" charset="0"/>
-              </a:rPr>
-              <a:t> </a:t>
-            </a:r>
-            <a:r>
-              <a:rPr lang="en-US" altLang="en-US" dirty="0" err="1">
-                <a:solidFill>
-                  <a:srgbClr val="092529"/>
-                </a:solidFill>
-                <a:latin typeface="Proxima Nova" charset="0"/>
-                <a:ea typeface="Proxima Nova" charset="0"/>
-                <a:cs typeface="Proxima Nova" charset="0"/>
-              </a:rPr>
-              <a:t>resultInt</a:t>
-            </a:r>
-            <a:r>
-              <a:rPr lang="en-US" altLang="en-US" dirty="0">
-                <a:solidFill>
-                  <a:srgbClr val="092529"/>
-                </a:solidFill>
-                <a:latin typeface="Proxima Nova" charset="0"/>
-                <a:ea typeface="Proxima Nova" charset="0"/>
-                <a:cs typeface="Proxima Nova" charset="0"/>
-              </a:rPr>
-              <a:t> = value1 + value2; ^ 1 error </a:t>
-            </a:r>
-          </a:p>
-        </p:txBody>
-      </p:sp>
-      <p:sp>
-        <p:nvSpPr>
-          <p:cNvPr id="7" name="Rectangle 6">
-            <a:extLst>
-              <a:ext uri="{FF2B5EF4-FFF2-40B4-BE49-F238E27FC236}">
-                <a16:creationId xmlns:a16="http://schemas.microsoft.com/office/drawing/2014/main" id="{F8083C6D-3634-004D-BE41-F84DFC608329}"/>
-              </a:ext>
-            </a:extLst>
-          </p:cNvPr>
-          <p:cNvSpPr/>
-          <p:nvPr/>
-        </p:nvSpPr>
-        <p:spPr>
-          <a:xfrm>
-            <a:off x="9517587" y="5095750"/>
-            <a:ext cx="4165361" cy="979799"/>
-          </a:xfrm>
-          <a:prstGeom prst="rect">
-            <a:avLst/>
-          </a:prstGeom>
-          <a:solidFill>
-            <a:schemeClr val="bg2"/>
-          </a:solidFill>
-          <a:ln>
-            <a:noFill/>
-          </a:ln>
-          <a:effectLst/>
-        </p:spPr>
-        <p:style>
-          <a:lnRef idx="1">
-            <a:schemeClr val="accent1"/>
-          </a:lnRef>
-          <a:fillRef idx="3">
-            <a:schemeClr val="accent1"/>
-          </a:fillRef>
-          <a:effectRef idx="2">
-            <a:schemeClr val="accent1"/>
-          </a:effectRef>
-          <a:fontRef idx="minor">
-            <a:schemeClr val="lt1"/>
-          </a:fontRef>
-        </p:style>
-        <p:txBody>
-          <a:bodyPr lIns="274320" tIns="182880" rIns="274320" bIns="182880" rtlCol="0" anchor="ctr"/>
-          <a:lstStyle/>
-          <a:p>
-            <a:pPr algn="ctr"/>
-            <a:r>
-              <a:rPr lang="en-US" dirty="0">
-                <a:solidFill>
-                  <a:srgbClr val="092529"/>
-                </a:solidFill>
-                <a:latin typeface="Proxima Nova" charset="0"/>
-                <a:ea typeface="Proxima Nova" charset="0"/>
-                <a:cs typeface="Proxima Nova" charset="0"/>
-              </a:rPr>
-              <a:t>How to solve that error?</a:t>
-            </a:r>
-          </a:p>
-        </p:txBody>
-      </p:sp>
-    </p:spTree>
-    <p:extLst>
-      <p:ext uri="{BB962C8B-B14F-4D97-AF65-F5344CB8AC3E}">
-        <p14:creationId xmlns:p14="http://schemas.microsoft.com/office/powerpoint/2010/main" val="184236690"/>
-      </p:ext>
-    </p:extLst>
-  </p:cSld>
-  <p:clrMapOvr>
-    <a:masterClrMapping/>
-  </p:clrMapOvr>
-  <mc:AlternateContent xmlns:mc="http://schemas.openxmlformats.org/markup-compatibility/2006" xmlns:p14="http://schemas.microsoft.com/office/powerpoint/2010/main">
-    <mc:Choice Requires="p14">
-      <p:transition p14:dur="300">
-        <p:fade/>
-      </p:transition>
-    </mc:Choice>
-    <mc:Fallback xmlns="">
-      <p:transition>
-        <p:fade/>
-      </p:transition>
-    </mc:Fallback>
-  </mc:AlternateContent>
-  <p:timing>
-    <p:tnLst>
-      <p:par>
-        <p:cTn id="1" dur="indefinite" restart="never" nodeType="tmRoot">
-          <p:childTnLst>
-            <p:seq concurrent="1" nextAc="seek">
-              <p:cTn id="2" dur="indefinite" nodeType="mainSeq">
-                <p:childTnLst>
-                  <p:par>
-                    <p:cTn id="3" fill="hold">
-                      <p:stCondLst>
-                        <p:cond delay="indefinite"/>
-                      </p:stCondLst>
-                      <p:childTnLst>
-                        <p:par>
-                          <p:cTn id="4" fill="hold">
-                            <p:stCondLst>
-                              <p:cond delay="0"/>
-                            </p:stCondLst>
-                            <p:childTnLst>
-                              <p:par>
-                                <p:cTn id="5" presetID="1" presetClass="entr" presetSubtype="0" fill="hold" grpId="0" nodeType="clickEffect">
-                                  <p:stCondLst>
-                                    <p:cond delay="0"/>
-                                  </p:stCondLst>
-                                  <p:childTnLst>
-                                    <p:set>
-                                      <p:cBhvr>
-                                        <p:cTn id="6" dur="1" fill="hold">
-                                          <p:stCondLst>
-                                            <p:cond delay="0"/>
-                                          </p:stCondLst>
-                                        </p:cTn>
-                                        <p:tgtEl>
-                                          <p:spTgt spid="6"/>
-                                        </p:tgtEl>
-                                        <p:attrNameLst>
-                                          <p:attrName>style.visibility</p:attrName>
-                                        </p:attrNameLst>
-                                      </p:cBhvr>
-                                      <p:to>
-                                        <p:strVal val="visible"/>
-                                      </p:to>
-                                    </p:set>
-                                  </p:childTnLst>
-                                </p:cTn>
-                              </p:par>
-                            </p:childTnLst>
-                          </p:cTn>
-                        </p:par>
-                      </p:childTnLst>
-                    </p:cTn>
-                  </p:par>
-                  <p:par>
-                    <p:cTn id="7" fill="hold">
-                      <p:stCondLst>
-                        <p:cond delay="indefinite"/>
-                      </p:stCondLst>
-                      <p:childTnLst>
-                        <p:par>
-                          <p:cTn id="8" fill="hold">
-                            <p:stCondLst>
-                              <p:cond delay="0"/>
-                            </p:stCondLst>
-                            <p:childTnLst>
-                              <p:par>
-                                <p:cTn id="9" presetID="1" presetClass="entr" presetSubtype="0" fill="hold" grpId="0" nodeType="clickEffect">
-                                  <p:stCondLst>
-                                    <p:cond delay="0"/>
-                                  </p:stCondLst>
-                                  <p:childTnLst>
-                                    <p:set>
-                                      <p:cBhvr>
-                                        <p:cTn id="10" dur="1" fill="hold">
-                                          <p:stCondLst>
-                                            <p:cond delay="0"/>
-                                          </p:stCondLst>
-                                        </p:cTn>
-                                        <p:tgtEl>
-                                          <p:spTgt spid="7"/>
-                                        </p:tgtEl>
-                                        <p:attrNameLst>
-                                          <p:attrName>style.visibility</p:attrName>
-                                        </p:attrNameLst>
-                                      </p:cBhvr>
-                                      <p:to>
-                                        <p:strVal val="visible"/>
-                                      </p:to>
-                                    </p:set>
-                                  </p:childTnLst>
-                                </p:cTn>
-                              </p:par>
-                            </p:childTnLst>
-                          </p:cTn>
-                        </p:par>
-                      </p:childTnLst>
-                    </p:cTn>
-                  </p:par>
-                </p:childTnLst>
-              </p:cTn>
-              <p:prevCondLst>
-                <p:cond evt="onPrev" delay="0">
-                  <p:tgtEl>
-                    <p:sldTgt/>
-                  </p:tgtEl>
-                </p:cond>
-              </p:prevCondLst>
-              <p:nextCondLst>
-                <p:cond evt="onNext" delay="0">
-                  <p:tgtEl>
-                    <p:sldTgt/>
-                  </p:tgtEl>
-                </p:cond>
-              </p:nextCondLst>
-            </p:seq>
-          </p:childTnLst>
-        </p:cTn>
-      </p:par>
-    </p:tnLst>
-    <p:bldLst>
-      <p:bldP spid="6" grpId="0" animBg="1"/>
-      <p:bldP spid="7" grpId="0" animBg="1"/>
-    </p:bldLst>
-  </p:timing>
-</p:sld>
-</file>
-
-<file path=ppt/slides/slide5.xml><?xml version="1.0" encoding="utf-8"?>
-<p:sld xmlns:a="http://schemas.openxmlformats.org/drawingml/2006/main" xmlns:r="http://schemas.openxmlformats.org/officeDocument/2006/relationships" xmlns:p="http://schemas.openxmlformats.org/presentationml/2006/main" show="0">
-  <p:cSld>
-    <p:spTree>
-      <p:nvGrpSpPr>
-        <p:cNvPr id="1" name=""/>
-        <p:cNvGrpSpPr/>
-        <p:nvPr/>
-      </p:nvGrpSpPr>
-      <p:grpSpPr>
-        <a:xfrm>
-          <a:off x="0" y="0"/>
-          <a:ext cx="0" cy="0"/>
-          <a:chOff x="0" y="0"/>
-          <a:chExt cx="0" cy="0"/>
-        </a:xfrm>
-      </p:grpSpPr>
-      <p:sp>
-        <p:nvSpPr>
-          <p:cNvPr id="2" name="Title 1">
-            <a:extLst>
-              <a:ext uri="{FF2B5EF4-FFF2-40B4-BE49-F238E27FC236}">
-                <a16:creationId xmlns:a16="http://schemas.microsoft.com/office/drawing/2014/main" id="{B536806E-AD3E-AD40-936F-590919B5FCEE}"/>
-              </a:ext>
-            </a:extLst>
-          </p:cNvPr>
-          <p:cNvSpPr>
-            <a:spLocks noGrp="1"/>
-          </p:cNvSpPr>
-          <p:nvPr>
-            <p:ph type="title"/>
-          </p:nvPr>
-        </p:nvSpPr>
-        <p:spPr/>
-        <p:txBody>
-          <a:bodyPr/>
-          <a:lstStyle/>
-          <a:p>
-            <a:r>
-              <a:rPr lang="en-US" dirty="0"/>
-              <a:t>Quick Practice</a:t>
-            </a:r>
-          </a:p>
-        </p:txBody>
-      </p:sp>
-      <p:sp>
-        <p:nvSpPr>
-          <p:cNvPr id="5" name="TextBox 4">
-            <a:extLst>
-              <a:ext uri="{FF2B5EF4-FFF2-40B4-BE49-F238E27FC236}">
-                <a16:creationId xmlns:a16="http://schemas.microsoft.com/office/drawing/2014/main" id="{BC9EEA87-D34D-C34F-8D45-848ED96537EC}"/>
-              </a:ext>
-            </a:extLst>
-          </p:cNvPr>
-          <p:cNvSpPr txBox="1"/>
-          <p:nvPr/>
-        </p:nvSpPr>
-        <p:spPr>
-          <a:xfrm>
-            <a:off x="787961" y="1675865"/>
-            <a:ext cx="9711114" cy="4401205"/>
-          </a:xfrm>
-          <a:prstGeom prst="rect">
-            <a:avLst/>
-          </a:prstGeom>
-          <a:noFill/>
-        </p:spPr>
-        <p:txBody>
-          <a:bodyPr wrap="square">
-            <a:spAutoFit/>
-          </a:bodyPr>
-          <a:lstStyle/>
-          <a:p>
-            <a:r>
-              <a:rPr lang="en-US" dirty="0">
-                <a:latin typeface="Courier New" panose="02070309020205020404" pitchFamily="49" charset="0"/>
-                <a:cs typeface="Courier New" panose="02070309020205020404" pitchFamily="49" charset="0"/>
-              </a:rPr>
-              <a:t>public class </a:t>
-            </a:r>
-            <a:r>
-              <a:rPr lang="en-US" dirty="0" err="1">
-                <a:latin typeface="Courier New" panose="02070309020205020404" pitchFamily="49" charset="0"/>
-                <a:cs typeface="Courier New" panose="02070309020205020404" pitchFamily="49" charset="0"/>
-              </a:rPr>
-              <a:t>CastingProgram</a:t>
-            </a:r>
-            <a:r>
-              <a:rPr lang="en-US" dirty="0">
-                <a:latin typeface="Courier New" panose="02070309020205020404" pitchFamily="49" charset="0"/>
-                <a:cs typeface="Courier New" panose="02070309020205020404" pitchFamily="49" charset="0"/>
-              </a:rPr>
-              <a:t> {</a:t>
-            </a:r>
-          </a:p>
-          <a:p>
-            <a:endParaRPr lang="en-US" dirty="0">
-              <a:latin typeface="Courier New" panose="02070309020205020404" pitchFamily="49" charset="0"/>
-              <a:cs typeface="Courier New" panose="02070309020205020404" pitchFamily="49" charset="0"/>
-            </a:endParaRPr>
-          </a:p>
-          <a:p>
-            <a:r>
-              <a:rPr lang="en-US" dirty="0">
-                <a:latin typeface="Courier New" panose="02070309020205020404" pitchFamily="49" charset="0"/>
-                <a:cs typeface="Courier New" panose="02070309020205020404" pitchFamily="49" charset="0"/>
-              </a:rPr>
-              <a:t>   public static void main(String[] </a:t>
-            </a:r>
-            <a:r>
-              <a:rPr lang="en-US" dirty="0" err="1">
-                <a:latin typeface="Courier New" panose="02070309020205020404" pitchFamily="49" charset="0"/>
-                <a:cs typeface="Courier New" panose="02070309020205020404" pitchFamily="49" charset="0"/>
-              </a:rPr>
-              <a:t>args</a:t>
-            </a:r>
-            <a:r>
-              <a:rPr lang="en-US" dirty="0">
-                <a:latin typeface="Courier New" panose="02070309020205020404" pitchFamily="49" charset="0"/>
-                <a:cs typeface="Courier New" panose="02070309020205020404" pitchFamily="49" charset="0"/>
-              </a:rPr>
-              <a:t>) {</a:t>
-            </a:r>
-          </a:p>
-          <a:p>
-            <a:endParaRPr lang="en-US" dirty="0">
-              <a:latin typeface="Courier New" panose="02070309020205020404" pitchFamily="49" charset="0"/>
-              <a:cs typeface="Courier New" panose="02070309020205020404" pitchFamily="49" charset="0"/>
-            </a:endParaRPr>
-          </a:p>
-          <a:p>
-            <a:r>
-              <a:rPr lang="en-US" dirty="0">
-                <a:latin typeface="Courier New" panose="02070309020205020404" pitchFamily="49" charset="0"/>
-                <a:cs typeface="Courier New" panose="02070309020205020404" pitchFamily="49" charset="0"/>
-              </a:rPr>
-              <a:t>      </a:t>
-            </a:r>
-            <a:r>
-              <a:rPr lang="en-US" dirty="0" err="1">
-                <a:latin typeface="Courier New" panose="02070309020205020404" pitchFamily="49" charset="0"/>
-                <a:cs typeface="Courier New" panose="02070309020205020404" pitchFamily="49" charset="0"/>
-              </a:rPr>
-              <a:t>int</a:t>
-            </a:r>
-            <a:r>
-              <a:rPr lang="en-US" dirty="0">
-                <a:latin typeface="Courier New" panose="02070309020205020404" pitchFamily="49" charset="0"/>
-                <a:cs typeface="Courier New" panose="02070309020205020404" pitchFamily="49" charset="0"/>
-              </a:rPr>
-              <a:t> value1 = 12;</a:t>
-            </a:r>
-          </a:p>
-          <a:p>
-            <a:r>
-              <a:rPr lang="en-US" dirty="0">
-                <a:latin typeface="Courier New" panose="02070309020205020404" pitchFamily="49" charset="0"/>
-                <a:cs typeface="Courier New" panose="02070309020205020404" pitchFamily="49" charset="0"/>
-              </a:rPr>
-              <a:t>      double value2 = 25.75;</a:t>
-            </a:r>
-          </a:p>
-          <a:p>
-            <a:r>
-              <a:rPr lang="en-US" dirty="0">
-                <a:latin typeface="Courier New" panose="02070309020205020404" pitchFamily="49" charset="0"/>
-                <a:cs typeface="Courier New" panose="02070309020205020404" pitchFamily="49" charset="0"/>
-              </a:rPr>
-              <a:t>      double </a:t>
-            </a:r>
-            <a:r>
-              <a:rPr lang="en-US" dirty="0" err="1">
-                <a:latin typeface="Courier New" panose="02070309020205020404" pitchFamily="49" charset="0"/>
-                <a:cs typeface="Courier New" panose="02070309020205020404" pitchFamily="49" charset="0"/>
-              </a:rPr>
-              <a:t>resultDouble</a:t>
-            </a:r>
-            <a:r>
-              <a:rPr lang="en-US" dirty="0">
-                <a:latin typeface="Courier New" panose="02070309020205020404" pitchFamily="49" charset="0"/>
-                <a:cs typeface="Courier New" panose="02070309020205020404" pitchFamily="49" charset="0"/>
-              </a:rPr>
-              <a:t> = value1 + value2;</a:t>
-            </a:r>
-          </a:p>
-          <a:p>
-            <a:r>
-              <a:rPr lang="en-US" dirty="0">
-                <a:latin typeface="Courier New" panose="02070309020205020404" pitchFamily="49" charset="0"/>
-                <a:cs typeface="Courier New" panose="02070309020205020404" pitchFamily="49" charset="0"/>
-              </a:rPr>
-              <a:t>      </a:t>
-            </a:r>
-            <a:r>
-              <a:rPr lang="en-US" dirty="0" err="1">
-                <a:latin typeface="Courier New" panose="02070309020205020404" pitchFamily="49" charset="0"/>
-                <a:cs typeface="Courier New" panose="02070309020205020404" pitchFamily="49" charset="0"/>
-              </a:rPr>
-              <a:t>System.out.print</a:t>
-            </a:r>
-            <a:r>
-              <a:rPr lang="en-US" dirty="0">
-                <a:latin typeface="Courier New" panose="02070309020205020404" pitchFamily="49" charset="0"/>
-                <a:cs typeface="Courier New" panose="02070309020205020404" pitchFamily="49" charset="0"/>
-              </a:rPr>
-              <a:t>(value1 + " + " + value2 + " = ");</a:t>
-            </a:r>
-          </a:p>
-          <a:p>
-            <a:r>
-              <a:rPr lang="en-US" dirty="0">
-                <a:latin typeface="Courier New" panose="02070309020205020404" pitchFamily="49" charset="0"/>
-                <a:cs typeface="Courier New" panose="02070309020205020404" pitchFamily="49" charset="0"/>
-              </a:rPr>
-              <a:t>      </a:t>
-            </a:r>
-            <a:r>
-              <a:rPr lang="en-US" dirty="0" err="1">
-                <a:latin typeface="Courier New" panose="02070309020205020404" pitchFamily="49" charset="0"/>
-                <a:cs typeface="Courier New" panose="02070309020205020404" pitchFamily="49" charset="0"/>
-              </a:rPr>
-              <a:t>System.out.println</a:t>
-            </a:r>
-            <a:r>
-              <a:rPr lang="en-US" dirty="0">
-                <a:latin typeface="Courier New" panose="02070309020205020404" pitchFamily="49" charset="0"/>
-                <a:cs typeface="Courier New" panose="02070309020205020404" pitchFamily="49" charset="0"/>
-              </a:rPr>
-              <a:t>(</a:t>
-            </a:r>
-            <a:r>
-              <a:rPr lang="en-US" dirty="0" err="1">
-                <a:latin typeface="Courier New" panose="02070309020205020404" pitchFamily="49" charset="0"/>
-                <a:cs typeface="Courier New" panose="02070309020205020404" pitchFamily="49" charset="0"/>
-              </a:rPr>
-              <a:t>resultDouble</a:t>
-            </a:r>
-            <a:r>
-              <a:rPr lang="en-US" dirty="0">
-                <a:latin typeface="Courier New" panose="02070309020205020404" pitchFamily="49" charset="0"/>
-                <a:cs typeface="Courier New" panose="02070309020205020404" pitchFamily="49" charset="0"/>
-              </a:rPr>
-              <a:t>);</a:t>
-            </a:r>
-          </a:p>
-          <a:p>
-            <a:r>
-              <a:rPr lang="en-US" dirty="0">
-                <a:latin typeface="Courier New" panose="02070309020205020404" pitchFamily="49" charset="0"/>
-                <a:cs typeface="Courier New" panose="02070309020205020404" pitchFamily="49" charset="0"/>
-              </a:rPr>
-              <a:t>      </a:t>
-            </a:r>
-            <a:r>
-              <a:rPr lang="en-US" dirty="0" err="1">
-                <a:latin typeface="Courier New" panose="02070309020205020404" pitchFamily="49" charset="0"/>
-                <a:cs typeface="Courier New" panose="02070309020205020404" pitchFamily="49" charset="0"/>
-              </a:rPr>
-              <a:t>int</a:t>
-            </a:r>
-            <a:r>
-              <a:rPr lang="en-US" dirty="0">
-                <a:latin typeface="Courier New" panose="02070309020205020404" pitchFamily="49" charset="0"/>
-                <a:cs typeface="Courier New" panose="02070309020205020404" pitchFamily="49" charset="0"/>
-              </a:rPr>
-              <a:t> </a:t>
-            </a:r>
-            <a:r>
-              <a:rPr lang="en-US" dirty="0" err="1">
-                <a:latin typeface="Courier New" panose="02070309020205020404" pitchFamily="49" charset="0"/>
-                <a:cs typeface="Courier New" panose="02070309020205020404" pitchFamily="49" charset="0"/>
-              </a:rPr>
-              <a:t>resultInt</a:t>
-            </a:r>
-            <a:r>
-              <a:rPr lang="en-US" dirty="0">
-                <a:latin typeface="Courier New" panose="02070309020205020404" pitchFamily="49" charset="0"/>
-                <a:cs typeface="Courier New" panose="02070309020205020404" pitchFamily="49" charset="0"/>
-              </a:rPr>
-              <a:t> = value1 +  </a:t>
-            </a:r>
-            <a:r>
-              <a:rPr lang="en-US" dirty="0">
-                <a:solidFill>
-                  <a:srgbClr val="FF0000"/>
-                </a:solidFill>
-                <a:latin typeface="Courier New" panose="02070309020205020404" pitchFamily="49" charset="0"/>
-                <a:cs typeface="Courier New" panose="02070309020205020404" pitchFamily="49" charset="0"/>
-              </a:rPr>
-              <a:t>(</a:t>
-            </a:r>
-            <a:r>
-              <a:rPr lang="en-US" dirty="0" err="1">
-                <a:solidFill>
-                  <a:srgbClr val="FF0000"/>
-                </a:solidFill>
-                <a:latin typeface="Courier New" panose="02070309020205020404" pitchFamily="49" charset="0"/>
-                <a:cs typeface="Courier New" panose="02070309020205020404" pitchFamily="49" charset="0"/>
-              </a:rPr>
-              <a:t>int</a:t>
-            </a:r>
-            <a:r>
-              <a:rPr lang="en-US" dirty="0">
-                <a:solidFill>
-                  <a:srgbClr val="FF0000"/>
-                </a:solidFill>
-                <a:latin typeface="Courier New" panose="02070309020205020404" pitchFamily="49" charset="0"/>
-                <a:cs typeface="Courier New" panose="02070309020205020404" pitchFamily="49" charset="0"/>
-              </a:rPr>
-              <a:t>)</a:t>
-            </a:r>
-            <a:r>
-              <a:rPr lang="en-US" dirty="0">
-                <a:latin typeface="Courier New" panose="02070309020205020404" pitchFamily="49" charset="0"/>
-                <a:cs typeface="Courier New" panose="02070309020205020404" pitchFamily="49" charset="0"/>
-              </a:rPr>
-              <a:t> value2;</a:t>
-            </a:r>
-          </a:p>
-          <a:p>
-            <a:r>
-              <a:rPr lang="en-US" dirty="0">
-                <a:latin typeface="Courier New" panose="02070309020205020404" pitchFamily="49" charset="0"/>
-                <a:cs typeface="Courier New" panose="02070309020205020404" pitchFamily="49" charset="0"/>
-              </a:rPr>
-              <a:t>      </a:t>
-            </a:r>
-            <a:r>
-              <a:rPr lang="en-US" dirty="0" err="1">
-                <a:latin typeface="Courier New" panose="02070309020205020404" pitchFamily="49" charset="0"/>
-                <a:cs typeface="Courier New" panose="02070309020205020404" pitchFamily="49" charset="0"/>
-              </a:rPr>
-              <a:t>System.out.print</a:t>
-            </a:r>
-            <a:r>
-              <a:rPr lang="en-US" dirty="0">
-                <a:latin typeface="Courier New" panose="02070309020205020404" pitchFamily="49" charset="0"/>
-                <a:cs typeface="Courier New" panose="02070309020205020404" pitchFamily="49" charset="0"/>
-              </a:rPr>
-              <a:t>(value1 + " + " + </a:t>
-            </a:r>
-            <a:r>
-              <a:rPr lang="en-US" dirty="0">
-                <a:solidFill>
-                  <a:srgbClr val="FF0000"/>
-                </a:solidFill>
-                <a:latin typeface="Courier New" panose="02070309020205020404" pitchFamily="49" charset="0"/>
-                <a:cs typeface="Courier New" panose="02070309020205020404" pitchFamily="49" charset="0"/>
-              </a:rPr>
-              <a:t>(</a:t>
-            </a:r>
-            <a:r>
-              <a:rPr lang="en-US" dirty="0" err="1">
-                <a:solidFill>
-                  <a:srgbClr val="FF0000"/>
-                </a:solidFill>
-                <a:latin typeface="Courier New" panose="02070309020205020404" pitchFamily="49" charset="0"/>
-                <a:cs typeface="Courier New" panose="02070309020205020404" pitchFamily="49" charset="0"/>
-              </a:rPr>
-              <a:t>int</a:t>
-            </a:r>
-            <a:r>
-              <a:rPr lang="en-US" dirty="0">
-                <a:solidFill>
-                  <a:srgbClr val="FF0000"/>
-                </a:solidFill>
-                <a:latin typeface="Courier New" panose="02070309020205020404" pitchFamily="49" charset="0"/>
-                <a:cs typeface="Courier New" panose="02070309020205020404" pitchFamily="49" charset="0"/>
-              </a:rPr>
-              <a:t>) </a:t>
-            </a:r>
-            <a:r>
-              <a:rPr lang="en-US" dirty="0">
-                <a:latin typeface="Courier New" panose="02070309020205020404" pitchFamily="49" charset="0"/>
-                <a:cs typeface="Courier New" panose="02070309020205020404" pitchFamily="49" charset="0"/>
-              </a:rPr>
-              <a:t>value2 + " = ");</a:t>
-            </a:r>
-          </a:p>
-          <a:p>
-            <a:r>
-              <a:rPr lang="en-US" dirty="0">
-                <a:latin typeface="Courier New" panose="02070309020205020404" pitchFamily="49" charset="0"/>
-                <a:cs typeface="Courier New" panose="02070309020205020404" pitchFamily="49" charset="0"/>
-              </a:rPr>
-              <a:t>      </a:t>
-            </a:r>
-            <a:r>
-              <a:rPr lang="en-US" dirty="0" err="1">
-                <a:latin typeface="Courier New" panose="02070309020205020404" pitchFamily="49" charset="0"/>
-                <a:cs typeface="Courier New" panose="02070309020205020404" pitchFamily="49" charset="0"/>
-              </a:rPr>
-              <a:t>System.out.println</a:t>
-            </a:r>
-            <a:r>
-              <a:rPr lang="en-US" dirty="0">
-                <a:latin typeface="Courier New" panose="02070309020205020404" pitchFamily="49" charset="0"/>
-                <a:cs typeface="Courier New" panose="02070309020205020404" pitchFamily="49" charset="0"/>
-              </a:rPr>
-              <a:t>(</a:t>
-            </a:r>
-            <a:r>
-              <a:rPr lang="en-US" dirty="0" err="1">
-                <a:latin typeface="Courier New" panose="02070309020205020404" pitchFamily="49" charset="0"/>
-                <a:cs typeface="Courier New" panose="02070309020205020404" pitchFamily="49" charset="0"/>
-              </a:rPr>
-              <a:t>resultInt</a:t>
-            </a:r>
-            <a:r>
-              <a:rPr lang="en-US" dirty="0">
-                <a:latin typeface="Courier New" panose="02070309020205020404" pitchFamily="49" charset="0"/>
-                <a:cs typeface="Courier New" panose="02070309020205020404" pitchFamily="49" charset="0"/>
-              </a:rPr>
-              <a:t>);</a:t>
-            </a:r>
-          </a:p>
-          <a:p>
-            <a:r>
-              <a:rPr lang="en-US" dirty="0">
-                <a:latin typeface="Courier New" panose="02070309020205020404" pitchFamily="49" charset="0"/>
-                <a:cs typeface="Courier New" panose="02070309020205020404" pitchFamily="49" charset="0"/>
-              </a:rPr>
-              <a:t>   }</a:t>
-            </a:r>
-          </a:p>
-          <a:p>
-            <a:r>
-              <a:rPr lang="en-US" dirty="0">
-                <a:latin typeface="Courier New" panose="02070309020205020404" pitchFamily="49" charset="0"/>
-                <a:cs typeface="Courier New" panose="02070309020205020404" pitchFamily="49" charset="0"/>
-              </a:rPr>
-              <a:t>}</a:t>
-            </a:r>
-          </a:p>
-        </p:txBody>
-      </p:sp>
-      <p:sp>
-        <p:nvSpPr>
-          <p:cNvPr id="8" name="Rectangle 7">
-            <a:extLst>
-              <a:ext uri="{FF2B5EF4-FFF2-40B4-BE49-F238E27FC236}">
-                <a16:creationId xmlns:a16="http://schemas.microsoft.com/office/drawing/2014/main" id="{F8083C6D-3634-004D-BE41-F84DFC608329}"/>
-              </a:ext>
-            </a:extLst>
-          </p:cNvPr>
-          <p:cNvSpPr/>
-          <p:nvPr/>
-        </p:nvSpPr>
-        <p:spPr>
-          <a:xfrm>
-            <a:off x="9517587" y="3386567"/>
-            <a:ext cx="4165361" cy="979799"/>
-          </a:xfrm>
-          <a:prstGeom prst="rect">
-            <a:avLst/>
-          </a:prstGeom>
-          <a:solidFill>
-            <a:schemeClr val="bg2"/>
-          </a:solidFill>
-          <a:ln>
-            <a:noFill/>
-          </a:ln>
-          <a:effectLst/>
-        </p:spPr>
-        <p:style>
-          <a:lnRef idx="1">
-            <a:schemeClr val="accent1"/>
-          </a:lnRef>
-          <a:fillRef idx="3">
-            <a:schemeClr val="accent1"/>
-          </a:fillRef>
-          <a:effectRef idx="2">
-            <a:schemeClr val="accent1"/>
-          </a:effectRef>
-          <a:fontRef idx="minor">
-            <a:schemeClr val="lt1"/>
-          </a:fontRef>
-        </p:style>
-        <p:txBody>
-          <a:bodyPr lIns="274320" tIns="182880" rIns="274320" bIns="182880" rtlCol="0" anchor="ctr"/>
-          <a:lstStyle/>
-          <a:p>
-            <a:pPr algn="ctr"/>
-            <a:r>
-              <a:rPr lang="en-US" dirty="0">
-                <a:solidFill>
-                  <a:srgbClr val="092529"/>
-                </a:solidFill>
-                <a:latin typeface="Proxima Nova" charset="0"/>
-                <a:ea typeface="Proxima Nova" charset="0"/>
-                <a:cs typeface="Proxima Nova" charset="0"/>
-              </a:rPr>
-              <a:t>Manually casting the double variable to an </a:t>
-            </a:r>
-            <a:r>
-              <a:rPr lang="en-US" dirty="0" err="1">
-                <a:solidFill>
-                  <a:srgbClr val="092529"/>
-                </a:solidFill>
-                <a:latin typeface="Proxima Nova" charset="0"/>
-                <a:ea typeface="Proxima Nova" charset="0"/>
-                <a:cs typeface="Proxima Nova" charset="0"/>
-              </a:rPr>
-              <a:t>int</a:t>
-            </a:r>
-            <a:endParaRPr lang="en-US" dirty="0">
-              <a:solidFill>
-                <a:srgbClr val="092529"/>
-              </a:solidFill>
-              <a:latin typeface="Proxima Nova" charset="0"/>
-              <a:ea typeface="Proxima Nova" charset="0"/>
-              <a:cs typeface="Proxima Nova" charset="0"/>
-            </a:endParaRPr>
-          </a:p>
-        </p:txBody>
-      </p:sp>
-    </p:spTree>
-    <p:extLst>
-      <p:ext uri="{BB962C8B-B14F-4D97-AF65-F5344CB8AC3E}">
-        <p14:creationId xmlns:p14="http://schemas.microsoft.com/office/powerpoint/2010/main" val="2539974853"/>
-      </p:ext>
-    </p:extLst>
-  </p:cSld>
-  <p:clrMapOvr>
-    <a:masterClrMapping/>
-  </p:clrMapOvr>
-  <mc:AlternateContent xmlns:mc="http://schemas.openxmlformats.org/markup-compatibility/2006" xmlns:p14="http://schemas.microsoft.com/office/powerpoint/2010/main">
-    <mc:Choice Requires="p14">
-      <p:transition p14:dur="300">
-        <p:fade/>
-      </p:transition>
-    </mc:Choice>
-    <mc:Fallback xmlns="">
-      <p:transition>
-        <p:fade/>
-      </p:transition>
-    </mc:Fallback>
-  </mc:AlternateContent>
-</p:sld>
-</file>
-
-<file path=ppt/slides/slide6.xml><?xml version="1.0" encoding="utf-8"?>
 <p:sld xmlns:a="http://schemas.openxmlformats.org/drawingml/2006/main" xmlns:r="http://schemas.openxmlformats.org/officeDocument/2006/relationships" xmlns:p="http://schemas.openxmlformats.org/presentationml/2006/main">
   <p:cSld>
     <p:spTree>
@@ -18983,7 +17634,7 @@
 </p:sld>
 </file>
 
-<file path=ppt/slides/slide7.xml><?xml version="1.0" encoding="utf-8"?>
+<file path=ppt/slides/slide5.xml><?xml version="1.0" encoding="utf-8"?>
 <p:sld xmlns:a="http://schemas.openxmlformats.org/drawingml/2006/main" xmlns:r="http://schemas.openxmlformats.org/officeDocument/2006/relationships" xmlns:p="http://schemas.openxmlformats.org/presentationml/2006/main">
   <p:cSld>
     <p:spTree>
@@ -20025,6 +18676,1354 @@
       <p:bldP spid="3" grpId="0" build="p"/>
     </p:bldLst>
   </p:timing>
+</p:sld>
+</file>
+
+<file path=ppt/slides/slide6.xml><?xml version="1.0" encoding="utf-8"?>
+<p:sld xmlns:a="http://schemas.openxmlformats.org/drawingml/2006/main" xmlns:r="http://schemas.openxmlformats.org/officeDocument/2006/relationships" xmlns:p="http://schemas.openxmlformats.org/presentationml/2006/main">
+  <p:cSld>
+    <p:spTree>
+      <p:nvGrpSpPr>
+        <p:cNvPr id="1" name=""/>
+        <p:cNvGrpSpPr/>
+        <p:nvPr/>
+      </p:nvGrpSpPr>
+      <p:grpSpPr>
+        <a:xfrm>
+          <a:off x="0" y="0"/>
+          <a:ext cx="0" cy="0"/>
+          <a:chOff x="0" y="0"/>
+          <a:chExt cx="0" cy="0"/>
+        </a:xfrm>
+      </p:grpSpPr>
+      <p:sp>
+        <p:nvSpPr>
+          <p:cNvPr id="2" name="Title 1">
+            <a:extLst>
+              <a:ext uri="{FF2B5EF4-FFF2-40B4-BE49-F238E27FC236}">
+                <a16:creationId xmlns:a16="http://schemas.microsoft.com/office/drawing/2014/main" id="{B536806E-AD3E-AD40-936F-590919B5FCEE}"/>
+              </a:ext>
+            </a:extLst>
+          </p:cNvPr>
+          <p:cNvSpPr>
+            <a:spLocks noGrp="1"/>
+          </p:cNvSpPr>
+          <p:nvPr>
+            <p:ph type="title"/>
+          </p:nvPr>
+        </p:nvSpPr>
+        <p:spPr/>
+        <p:txBody>
+          <a:bodyPr/>
+          <a:lstStyle/>
+          <a:p>
+            <a:r>
+              <a:rPr lang="en-US" dirty="0"/>
+              <a:t>Quick Practice</a:t>
+            </a:r>
+          </a:p>
+        </p:txBody>
+      </p:sp>
+      <p:sp>
+        <p:nvSpPr>
+          <p:cNvPr id="5" name="TextBox 4">
+            <a:extLst>
+              <a:ext uri="{FF2B5EF4-FFF2-40B4-BE49-F238E27FC236}">
+                <a16:creationId xmlns:a16="http://schemas.microsoft.com/office/drawing/2014/main" id="{BC9EEA87-D34D-C34F-8D45-848ED96537EC}"/>
+              </a:ext>
+            </a:extLst>
+          </p:cNvPr>
+          <p:cNvSpPr txBox="1"/>
+          <p:nvPr/>
+        </p:nvSpPr>
+        <p:spPr>
+          <a:xfrm>
+            <a:off x="787961" y="1675865"/>
+            <a:ext cx="9711114" cy="4401205"/>
+          </a:xfrm>
+          <a:prstGeom prst="rect">
+            <a:avLst/>
+          </a:prstGeom>
+          <a:noFill/>
+        </p:spPr>
+        <p:txBody>
+          <a:bodyPr wrap="square">
+            <a:spAutoFit/>
+          </a:bodyPr>
+          <a:lstStyle/>
+          <a:p>
+            <a:r>
+              <a:rPr lang="en-US" dirty="0">
+                <a:latin typeface="Courier New" panose="02070309020205020404" pitchFamily="49" charset="0"/>
+                <a:cs typeface="Courier New" panose="02070309020205020404" pitchFamily="49" charset="0"/>
+              </a:rPr>
+              <a:t>public class </a:t>
+            </a:r>
+            <a:r>
+              <a:rPr lang="en-US" dirty="0" err="1">
+                <a:latin typeface="Courier New" panose="02070309020205020404" pitchFamily="49" charset="0"/>
+                <a:cs typeface="Courier New" panose="02070309020205020404" pitchFamily="49" charset="0"/>
+              </a:rPr>
+              <a:t>CastingProgram</a:t>
+            </a:r>
+            <a:r>
+              <a:rPr lang="en-US" dirty="0">
+                <a:latin typeface="Courier New" panose="02070309020205020404" pitchFamily="49" charset="0"/>
+                <a:cs typeface="Courier New" panose="02070309020205020404" pitchFamily="49" charset="0"/>
+              </a:rPr>
+              <a:t> {</a:t>
+            </a:r>
+          </a:p>
+          <a:p>
+            <a:endParaRPr lang="en-US" dirty="0">
+              <a:latin typeface="Courier New" panose="02070309020205020404" pitchFamily="49" charset="0"/>
+              <a:cs typeface="Courier New" panose="02070309020205020404" pitchFamily="49" charset="0"/>
+            </a:endParaRPr>
+          </a:p>
+          <a:p>
+            <a:r>
+              <a:rPr lang="en-US" dirty="0">
+                <a:latin typeface="Courier New" panose="02070309020205020404" pitchFamily="49" charset="0"/>
+                <a:cs typeface="Courier New" panose="02070309020205020404" pitchFamily="49" charset="0"/>
+              </a:rPr>
+              <a:t>   public static void main(String[] </a:t>
+            </a:r>
+            <a:r>
+              <a:rPr lang="en-US" dirty="0" err="1">
+                <a:latin typeface="Courier New" panose="02070309020205020404" pitchFamily="49" charset="0"/>
+                <a:cs typeface="Courier New" panose="02070309020205020404" pitchFamily="49" charset="0"/>
+              </a:rPr>
+              <a:t>args</a:t>
+            </a:r>
+            <a:r>
+              <a:rPr lang="en-US" dirty="0">
+                <a:latin typeface="Courier New" panose="02070309020205020404" pitchFamily="49" charset="0"/>
+                <a:cs typeface="Courier New" panose="02070309020205020404" pitchFamily="49" charset="0"/>
+              </a:rPr>
+              <a:t>) {</a:t>
+            </a:r>
+          </a:p>
+          <a:p>
+            <a:endParaRPr lang="en-US" dirty="0">
+              <a:latin typeface="Courier New" panose="02070309020205020404" pitchFamily="49" charset="0"/>
+              <a:cs typeface="Courier New" panose="02070309020205020404" pitchFamily="49" charset="0"/>
+            </a:endParaRPr>
+          </a:p>
+          <a:p>
+            <a:r>
+              <a:rPr lang="en-US" dirty="0">
+                <a:latin typeface="Courier New" panose="02070309020205020404" pitchFamily="49" charset="0"/>
+                <a:cs typeface="Courier New" panose="02070309020205020404" pitchFamily="49" charset="0"/>
+              </a:rPr>
+              <a:t>      </a:t>
+            </a:r>
+            <a:r>
+              <a:rPr lang="en-US" dirty="0" err="1">
+                <a:latin typeface="Courier New" panose="02070309020205020404" pitchFamily="49" charset="0"/>
+                <a:cs typeface="Courier New" panose="02070309020205020404" pitchFamily="49" charset="0"/>
+              </a:rPr>
+              <a:t>int</a:t>
+            </a:r>
+            <a:r>
+              <a:rPr lang="en-US" dirty="0">
+                <a:latin typeface="Courier New" panose="02070309020205020404" pitchFamily="49" charset="0"/>
+                <a:cs typeface="Courier New" panose="02070309020205020404" pitchFamily="49" charset="0"/>
+              </a:rPr>
+              <a:t> value1 = 12;</a:t>
+            </a:r>
+          </a:p>
+          <a:p>
+            <a:r>
+              <a:rPr lang="en-US" dirty="0">
+                <a:latin typeface="Courier New" panose="02070309020205020404" pitchFamily="49" charset="0"/>
+                <a:cs typeface="Courier New" panose="02070309020205020404" pitchFamily="49" charset="0"/>
+              </a:rPr>
+              <a:t>      double value2 = 25.75;</a:t>
+            </a:r>
+          </a:p>
+          <a:p>
+            <a:r>
+              <a:rPr lang="en-US" dirty="0">
+                <a:latin typeface="Courier New" panose="02070309020205020404" pitchFamily="49" charset="0"/>
+                <a:cs typeface="Courier New" panose="02070309020205020404" pitchFamily="49" charset="0"/>
+              </a:rPr>
+              <a:t>      double </a:t>
+            </a:r>
+            <a:r>
+              <a:rPr lang="en-US" dirty="0" err="1">
+                <a:latin typeface="Courier New" panose="02070309020205020404" pitchFamily="49" charset="0"/>
+                <a:cs typeface="Courier New" panose="02070309020205020404" pitchFamily="49" charset="0"/>
+              </a:rPr>
+              <a:t>resultDouble</a:t>
+            </a:r>
+            <a:r>
+              <a:rPr lang="en-US" dirty="0">
+                <a:latin typeface="Courier New" panose="02070309020205020404" pitchFamily="49" charset="0"/>
+                <a:cs typeface="Courier New" panose="02070309020205020404" pitchFamily="49" charset="0"/>
+              </a:rPr>
+              <a:t> = value1 + value2;</a:t>
+            </a:r>
+          </a:p>
+          <a:p>
+            <a:r>
+              <a:rPr lang="en-US" dirty="0">
+                <a:latin typeface="Courier New" panose="02070309020205020404" pitchFamily="49" charset="0"/>
+                <a:cs typeface="Courier New" panose="02070309020205020404" pitchFamily="49" charset="0"/>
+              </a:rPr>
+              <a:t>      </a:t>
+            </a:r>
+            <a:r>
+              <a:rPr lang="en-US" dirty="0" err="1">
+                <a:latin typeface="Courier New" panose="02070309020205020404" pitchFamily="49" charset="0"/>
+                <a:cs typeface="Courier New" panose="02070309020205020404" pitchFamily="49" charset="0"/>
+              </a:rPr>
+              <a:t>System.out.print</a:t>
+            </a:r>
+            <a:r>
+              <a:rPr lang="en-US" dirty="0">
+                <a:latin typeface="Courier New" panose="02070309020205020404" pitchFamily="49" charset="0"/>
+                <a:cs typeface="Courier New" panose="02070309020205020404" pitchFamily="49" charset="0"/>
+              </a:rPr>
+              <a:t>(value1 + " + " + value2 + " = ");</a:t>
+            </a:r>
+          </a:p>
+          <a:p>
+            <a:r>
+              <a:rPr lang="en-US" dirty="0">
+                <a:latin typeface="Courier New" panose="02070309020205020404" pitchFamily="49" charset="0"/>
+                <a:cs typeface="Courier New" panose="02070309020205020404" pitchFamily="49" charset="0"/>
+              </a:rPr>
+              <a:t>      </a:t>
+            </a:r>
+            <a:r>
+              <a:rPr lang="en-US" dirty="0" err="1">
+                <a:latin typeface="Courier New" panose="02070309020205020404" pitchFamily="49" charset="0"/>
+                <a:cs typeface="Courier New" panose="02070309020205020404" pitchFamily="49" charset="0"/>
+              </a:rPr>
+              <a:t>System.out.println</a:t>
+            </a:r>
+            <a:r>
+              <a:rPr lang="en-US" dirty="0">
+                <a:latin typeface="Courier New" panose="02070309020205020404" pitchFamily="49" charset="0"/>
+                <a:cs typeface="Courier New" panose="02070309020205020404" pitchFamily="49" charset="0"/>
+              </a:rPr>
+              <a:t>(</a:t>
+            </a:r>
+            <a:r>
+              <a:rPr lang="en-US" dirty="0" err="1">
+                <a:latin typeface="Courier New" panose="02070309020205020404" pitchFamily="49" charset="0"/>
+                <a:cs typeface="Courier New" panose="02070309020205020404" pitchFamily="49" charset="0"/>
+              </a:rPr>
+              <a:t>resultDouble</a:t>
+            </a:r>
+            <a:r>
+              <a:rPr lang="en-US" dirty="0">
+                <a:latin typeface="Courier New" panose="02070309020205020404" pitchFamily="49" charset="0"/>
+                <a:cs typeface="Courier New" panose="02070309020205020404" pitchFamily="49" charset="0"/>
+              </a:rPr>
+              <a:t>);</a:t>
+            </a:r>
+          </a:p>
+          <a:p>
+            <a:r>
+              <a:rPr lang="en-US" dirty="0">
+                <a:latin typeface="Courier New" panose="02070309020205020404" pitchFamily="49" charset="0"/>
+                <a:cs typeface="Courier New" panose="02070309020205020404" pitchFamily="49" charset="0"/>
+              </a:rPr>
+              <a:t>      </a:t>
+            </a:r>
+            <a:r>
+              <a:rPr lang="en-US" dirty="0" err="1">
+                <a:latin typeface="Courier New" panose="02070309020205020404" pitchFamily="49" charset="0"/>
+                <a:cs typeface="Courier New" panose="02070309020205020404" pitchFamily="49" charset="0"/>
+              </a:rPr>
+              <a:t>int</a:t>
+            </a:r>
+            <a:r>
+              <a:rPr lang="en-US" dirty="0">
+                <a:latin typeface="Courier New" panose="02070309020205020404" pitchFamily="49" charset="0"/>
+                <a:cs typeface="Courier New" panose="02070309020205020404" pitchFamily="49" charset="0"/>
+              </a:rPr>
+              <a:t> </a:t>
+            </a:r>
+            <a:r>
+              <a:rPr lang="en-US" dirty="0" err="1">
+                <a:latin typeface="Courier New" panose="02070309020205020404" pitchFamily="49" charset="0"/>
+                <a:cs typeface="Courier New" panose="02070309020205020404" pitchFamily="49" charset="0"/>
+              </a:rPr>
+              <a:t>resultInt</a:t>
+            </a:r>
+            <a:r>
+              <a:rPr lang="en-US" dirty="0">
+                <a:latin typeface="Courier New" panose="02070309020205020404" pitchFamily="49" charset="0"/>
+                <a:cs typeface="Courier New" panose="02070309020205020404" pitchFamily="49" charset="0"/>
+              </a:rPr>
+              <a:t> = value1 +  value2;</a:t>
+            </a:r>
+          </a:p>
+          <a:p>
+            <a:r>
+              <a:rPr lang="en-US" dirty="0">
+                <a:latin typeface="Courier New" panose="02070309020205020404" pitchFamily="49" charset="0"/>
+                <a:cs typeface="Courier New" panose="02070309020205020404" pitchFamily="49" charset="0"/>
+              </a:rPr>
+              <a:t>      </a:t>
+            </a:r>
+            <a:r>
+              <a:rPr lang="en-US" dirty="0" err="1">
+                <a:latin typeface="Courier New" panose="02070309020205020404" pitchFamily="49" charset="0"/>
+                <a:cs typeface="Courier New" panose="02070309020205020404" pitchFamily="49" charset="0"/>
+              </a:rPr>
+              <a:t>System.out.print</a:t>
+            </a:r>
+            <a:r>
+              <a:rPr lang="en-US" dirty="0">
+                <a:latin typeface="Courier New" panose="02070309020205020404" pitchFamily="49" charset="0"/>
+                <a:cs typeface="Courier New" panose="02070309020205020404" pitchFamily="49" charset="0"/>
+              </a:rPr>
+              <a:t>(value1 + " + " + value2 + " = ");</a:t>
+            </a:r>
+          </a:p>
+          <a:p>
+            <a:r>
+              <a:rPr lang="en-US" dirty="0">
+                <a:latin typeface="Courier New" panose="02070309020205020404" pitchFamily="49" charset="0"/>
+                <a:cs typeface="Courier New" panose="02070309020205020404" pitchFamily="49" charset="0"/>
+              </a:rPr>
+              <a:t>      </a:t>
+            </a:r>
+            <a:r>
+              <a:rPr lang="en-US" dirty="0" err="1">
+                <a:latin typeface="Courier New" panose="02070309020205020404" pitchFamily="49" charset="0"/>
+                <a:cs typeface="Courier New" panose="02070309020205020404" pitchFamily="49" charset="0"/>
+              </a:rPr>
+              <a:t>System.out.println</a:t>
+            </a:r>
+            <a:r>
+              <a:rPr lang="en-US" dirty="0">
+                <a:latin typeface="Courier New" panose="02070309020205020404" pitchFamily="49" charset="0"/>
+                <a:cs typeface="Courier New" panose="02070309020205020404" pitchFamily="49" charset="0"/>
+              </a:rPr>
+              <a:t>(</a:t>
+            </a:r>
+            <a:r>
+              <a:rPr lang="en-US" dirty="0" err="1">
+                <a:latin typeface="Courier New" panose="02070309020205020404" pitchFamily="49" charset="0"/>
+                <a:cs typeface="Courier New" panose="02070309020205020404" pitchFamily="49" charset="0"/>
+              </a:rPr>
+              <a:t>resultInt</a:t>
+            </a:r>
+            <a:r>
+              <a:rPr lang="en-US" dirty="0">
+                <a:latin typeface="Courier New" panose="02070309020205020404" pitchFamily="49" charset="0"/>
+                <a:cs typeface="Courier New" panose="02070309020205020404" pitchFamily="49" charset="0"/>
+              </a:rPr>
+              <a:t>);</a:t>
+            </a:r>
+          </a:p>
+          <a:p>
+            <a:r>
+              <a:rPr lang="en-US" dirty="0">
+                <a:latin typeface="Courier New" panose="02070309020205020404" pitchFamily="49" charset="0"/>
+                <a:cs typeface="Courier New" panose="02070309020205020404" pitchFamily="49" charset="0"/>
+              </a:rPr>
+              <a:t>   }</a:t>
+            </a:r>
+          </a:p>
+          <a:p>
+            <a:r>
+              <a:rPr lang="en-US" dirty="0">
+                <a:latin typeface="Courier New" panose="02070309020205020404" pitchFamily="49" charset="0"/>
+                <a:cs typeface="Courier New" panose="02070309020205020404" pitchFamily="49" charset="0"/>
+              </a:rPr>
+              <a:t>}</a:t>
+            </a:r>
+          </a:p>
+        </p:txBody>
+      </p:sp>
+      <p:sp>
+        <p:nvSpPr>
+          <p:cNvPr id="4" name="Rectangle 3">
+            <a:extLst>
+              <a:ext uri="{FF2B5EF4-FFF2-40B4-BE49-F238E27FC236}">
+                <a16:creationId xmlns:a16="http://schemas.microsoft.com/office/drawing/2014/main" id="{F8083C6D-3634-004D-BE41-F84DFC608329}"/>
+              </a:ext>
+            </a:extLst>
+          </p:cNvPr>
+          <p:cNvSpPr/>
+          <p:nvPr/>
+        </p:nvSpPr>
+        <p:spPr>
+          <a:xfrm>
+            <a:off x="9517587" y="1211855"/>
+            <a:ext cx="4165361" cy="979799"/>
+          </a:xfrm>
+          <a:prstGeom prst="rect">
+            <a:avLst/>
+          </a:prstGeom>
+          <a:solidFill>
+            <a:schemeClr val="bg2"/>
+          </a:solidFill>
+          <a:ln>
+            <a:noFill/>
+          </a:ln>
+          <a:effectLst/>
+        </p:spPr>
+        <p:style>
+          <a:lnRef idx="1">
+            <a:schemeClr val="accent1"/>
+          </a:lnRef>
+          <a:fillRef idx="3">
+            <a:schemeClr val="accent1"/>
+          </a:fillRef>
+          <a:effectRef idx="2">
+            <a:schemeClr val="accent1"/>
+          </a:effectRef>
+          <a:fontRef idx="minor">
+            <a:schemeClr val="lt1"/>
+          </a:fontRef>
+        </p:style>
+        <p:txBody>
+          <a:bodyPr lIns="274320" tIns="182880" rIns="274320" bIns="182880" rtlCol="0" anchor="ctr"/>
+          <a:lstStyle/>
+          <a:p>
+            <a:pPr algn="ctr"/>
+            <a:r>
+              <a:rPr lang="en-US" dirty="0">
+                <a:solidFill>
+                  <a:srgbClr val="092529"/>
+                </a:solidFill>
+                <a:latin typeface="Proxima Nova" charset="0"/>
+                <a:ea typeface="Proxima Nova" charset="0"/>
+                <a:cs typeface="Proxima Nova" charset="0"/>
+              </a:rPr>
+              <a:t>What happen when we try to run the program?</a:t>
+            </a:r>
+          </a:p>
+        </p:txBody>
+      </p:sp>
+      <p:sp>
+        <p:nvSpPr>
+          <p:cNvPr id="6" name="Rectangle 5">
+            <a:extLst>
+              <a:ext uri="{FF2B5EF4-FFF2-40B4-BE49-F238E27FC236}">
+                <a16:creationId xmlns:a16="http://schemas.microsoft.com/office/drawing/2014/main" id="{F8083C6D-3634-004D-BE41-F84DFC608329}"/>
+              </a:ext>
+            </a:extLst>
+          </p:cNvPr>
+          <p:cNvSpPr/>
+          <p:nvPr/>
+        </p:nvSpPr>
+        <p:spPr>
+          <a:xfrm>
+            <a:off x="9517587" y="2547826"/>
+            <a:ext cx="4165361" cy="2065703"/>
+          </a:xfrm>
+          <a:prstGeom prst="rect">
+            <a:avLst/>
+          </a:prstGeom>
+          <a:solidFill>
+            <a:schemeClr val="bg2"/>
+          </a:solidFill>
+          <a:ln>
+            <a:noFill/>
+          </a:ln>
+          <a:effectLst/>
+        </p:spPr>
+        <p:style>
+          <a:lnRef idx="1">
+            <a:schemeClr val="accent1"/>
+          </a:lnRef>
+          <a:fillRef idx="3">
+            <a:schemeClr val="accent1"/>
+          </a:fillRef>
+          <a:effectRef idx="2">
+            <a:schemeClr val="accent1"/>
+          </a:effectRef>
+          <a:fontRef idx="minor">
+            <a:schemeClr val="lt1"/>
+          </a:fontRef>
+        </p:style>
+        <p:txBody>
+          <a:bodyPr lIns="274320" tIns="182880" rIns="274320" bIns="182880" rtlCol="0" anchor="ctr"/>
+          <a:lstStyle/>
+          <a:p>
+            <a:pPr lvl="0" defTabSz="914400" eaLnBrk="0" fontAlgn="base" hangingPunct="0">
+              <a:spcBef>
+                <a:spcPct val="0"/>
+              </a:spcBef>
+              <a:spcAft>
+                <a:spcPct val="0"/>
+              </a:spcAft>
+            </a:pPr>
+            <a:r>
+              <a:rPr lang="en-US" altLang="en-US" dirty="0">
+                <a:solidFill>
+                  <a:srgbClr val="092529"/>
+                </a:solidFill>
+                <a:latin typeface="Proxima Nova" charset="0"/>
+                <a:ea typeface="Proxima Nova" charset="0"/>
+                <a:cs typeface="Proxima Nova" charset="0"/>
+              </a:rPr>
+              <a:t>CastingProgram.java:10: error: incompatible types: possible </a:t>
+            </a:r>
+            <a:r>
+              <a:rPr lang="en-US" altLang="en-US" dirty="0" err="1">
+                <a:solidFill>
+                  <a:srgbClr val="092529"/>
+                </a:solidFill>
+                <a:latin typeface="Proxima Nova" charset="0"/>
+                <a:ea typeface="Proxima Nova" charset="0"/>
+                <a:cs typeface="Proxima Nova" charset="0"/>
+              </a:rPr>
+              <a:t>lossy</a:t>
+            </a:r>
+            <a:r>
+              <a:rPr lang="en-US" altLang="en-US" dirty="0">
+                <a:solidFill>
+                  <a:srgbClr val="092529"/>
+                </a:solidFill>
+                <a:latin typeface="Proxima Nova" charset="0"/>
+                <a:ea typeface="Proxima Nova" charset="0"/>
+                <a:cs typeface="Proxima Nova" charset="0"/>
+              </a:rPr>
+              <a:t> conversion from double to </a:t>
+            </a:r>
+            <a:r>
+              <a:rPr lang="en-US" altLang="en-US" dirty="0" err="1">
+                <a:solidFill>
+                  <a:srgbClr val="092529"/>
+                </a:solidFill>
+                <a:latin typeface="Proxima Nova" charset="0"/>
+                <a:ea typeface="Proxima Nova" charset="0"/>
+                <a:cs typeface="Proxima Nova" charset="0"/>
+              </a:rPr>
+              <a:t>int</a:t>
+            </a:r>
+            <a:endParaRPr lang="en-US" altLang="en-US" dirty="0">
+              <a:solidFill>
+                <a:srgbClr val="092529"/>
+              </a:solidFill>
+              <a:latin typeface="Proxima Nova" charset="0"/>
+              <a:ea typeface="Proxima Nova" charset="0"/>
+              <a:cs typeface="Proxima Nova" charset="0"/>
+            </a:endParaRPr>
+          </a:p>
+          <a:p>
+            <a:pPr lvl="0" defTabSz="914400" eaLnBrk="0" fontAlgn="base" hangingPunct="0">
+              <a:spcBef>
+                <a:spcPct val="0"/>
+              </a:spcBef>
+              <a:spcAft>
+                <a:spcPct val="0"/>
+              </a:spcAft>
+            </a:pPr>
+            <a:r>
+              <a:rPr lang="en-US" altLang="en-US" dirty="0">
+                <a:solidFill>
+                  <a:srgbClr val="092529"/>
+                </a:solidFill>
+                <a:latin typeface="Proxima Nova" charset="0"/>
+                <a:ea typeface="Proxima Nova" charset="0"/>
+                <a:cs typeface="Proxima Nova" charset="0"/>
+              </a:rPr>
+              <a:t> </a:t>
+            </a:r>
+            <a:r>
+              <a:rPr lang="en-US" altLang="en-US" dirty="0" err="1">
+                <a:solidFill>
+                  <a:srgbClr val="092529"/>
+                </a:solidFill>
+                <a:latin typeface="Proxima Nova" charset="0"/>
+                <a:ea typeface="Proxima Nova" charset="0"/>
+                <a:cs typeface="Proxima Nova" charset="0"/>
+              </a:rPr>
+              <a:t>int</a:t>
+            </a:r>
+            <a:r>
+              <a:rPr lang="en-US" altLang="en-US" dirty="0">
+                <a:solidFill>
+                  <a:srgbClr val="092529"/>
+                </a:solidFill>
+                <a:latin typeface="Proxima Nova" charset="0"/>
+                <a:ea typeface="Proxima Nova" charset="0"/>
+                <a:cs typeface="Proxima Nova" charset="0"/>
+              </a:rPr>
+              <a:t> </a:t>
+            </a:r>
+            <a:r>
+              <a:rPr lang="en-US" altLang="en-US" dirty="0" err="1">
+                <a:solidFill>
+                  <a:srgbClr val="092529"/>
+                </a:solidFill>
+                <a:latin typeface="Proxima Nova" charset="0"/>
+                <a:ea typeface="Proxima Nova" charset="0"/>
+                <a:cs typeface="Proxima Nova" charset="0"/>
+              </a:rPr>
+              <a:t>resultInt</a:t>
+            </a:r>
+            <a:r>
+              <a:rPr lang="en-US" altLang="en-US" dirty="0">
+                <a:solidFill>
+                  <a:srgbClr val="092529"/>
+                </a:solidFill>
+                <a:latin typeface="Proxima Nova" charset="0"/>
+                <a:ea typeface="Proxima Nova" charset="0"/>
+                <a:cs typeface="Proxima Nova" charset="0"/>
+              </a:rPr>
+              <a:t> = value1 + value2; ^ 1 error </a:t>
+            </a:r>
+          </a:p>
+        </p:txBody>
+      </p:sp>
+      <p:sp>
+        <p:nvSpPr>
+          <p:cNvPr id="7" name="Rectangle 6">
+            <a:extLst>
+              <a:ext uri="{FF2B5EF4-FFF2-40B4-BE49-F238E27FC236}">
+                <a16:creationId xmlns:a16="http://schemas.microsoft.com/office/drawing/2014/main" id="{F8083C6D-3634-004D-BE41-F84DFC608329}"/>
+              </a:ext>
+            </a:extLst>
+          </p:cNvPr>
+          <p:cNvSpPr/>
+          <p:nvPr/>
+        </p:nvSpPr>
+        <p:spPr>
+          <a:xfrm>
+            <a:off x="9517587" y="5095750"/>
+            <a:ext cx="4165361" cy="979799"/>
+          </a:xfrm>
+          <a:prstGeom prst="rect">
+            <a:avLst/>
+          </a:prstGeom>
+          <a:solidFill>
+            <a:schemeClr val="bg2"/>
+          </a:solidFill>
+          <a:ln>
+            <a:noFill/>
+          </a:ln>
+          <a:effectLst/>
+        </p:spPr>
+        <p:style>
+          <a:lnRef idx="1">
+            <a:schemeClr val="accent1"/>
+          </a:lnRef>
+          <a:fillRef idx="3">
+            <a:schemeClr val="accent1"/>
+          </a:fillRef>
+          <a:effectRef idx="2">
+            <a:schemeClr val="accent1"/>
+          </a:effectRef>
+          <a:fontRef idx="minor">
+            <a:schemeClr val="lt1"/>
+          </a:fontRef>
+        </p:style>
+        <p:txBody>
+          <a:bodyPr lIns="274320" tIns="182880" rIns="274320" bIns="182880" rtlCol="0" anchor="ctr"/>
+          <a:lstStyle/>
+          <a:p>
+            <a:pPr algn="ctr"/>
+            <a:r>
+              <a:rPr lang="en-US" dirty="0">
+                <a:solidFill>
+                  <a:srgbClr val="092529"/>
+                </a:solidFill>
+                <a:latin typeface="Proxima Nova" charset="0"/>
+                <a:ea typeface="Proxima Nova" charset="0"/>
+                <a:cs typeface="Proxima Nova" charset="0"/>
+              </a:rPr>
+              <a:t>How to solve that error?</a:t>
+            </a:r>
+          </a:p>
+        </p:txBody>
+      </p:sp>
+    </p:spTree>
+    <p:extLst>
+      <p:ext uri="{BB962C8B-B14F-4D97-AF65-F5344CB8AC3E}">
+        <p14:creationId xmlns:p14="http://schemas.microsoft.com/office/powerpoint/2010/main" val="184236690"/>
+      </p:ext>
+    </p:extLst>
+  </p:cSld>
+  <p:clrMapOvr>
+    <a:masterClrMapping/>
+  </p:clrMapOvr>
+  <mc:AlternateContent xmlns:mc="http://schemas.openxmlformats.org/markup-compatibility/2006" xmlns:p14="http://schemas.microsoft.com/office/powerpoint/2010/main">
+    <mc:Choice Requires="p14">
+      <p:transition p14:dur="300">
+        <p:fade/>
+      </p:transition>
+    </mc:Choice>
+    <mc:Fallback xmlns="">
+      <p:transition>
+        <p:fade/>
+      </p:transition>
+    </mc:Fallback>
+  </mc:AlternateContent>
+  <p:timing>
+    <p:tnLst>
+      <p:par>
+        <p:cTn id="1" dur="indefinite" restart="never" nodeType="tmRoot">
+          <p:childTnLst>
+            <p:seq concurrent="1" nextAc="seek">
+              <p:cTn id="2" dur="indefinite" nodeType="mainSeq">
+                <p:childTnLst>
+                  <p:par>
+                    <p:cTn id="3" fill="hold">
+                      <p:stCondLst>
+                        <p:cond delay="indefinite"/>
+                      </p:stCondLst>
+                      <p:childTnLst>
+                        <p:par>
+                          <p:cTn id="4" fill="hold">
+                            <p:stCondLst>
+                              <p:cond delay="0"/>
+                            </p:stCondLst>
+                            <p:childTnLst>
+                              <p:par>
+                                <p:cTn id="5" presetID="1" presetClass="entr" presetSubtype="0" fill="hold" grpId="0" nodeType="clickEffect">
+                                  <p:stCondLst>
+                                    <p:cond delay="0"/>
+                                  </p:stCondLst>
+                                  <p:childTnLst>
+                                    <p:set>
+                                      <p:cBhvr>
+                                        <p:cTn id="6" dur="1" fill="hold">
+                                          <p:stCondLst>
+                                            <p:cond delay="0"/>
+                                          </p:stCondLst>
+                                        </p:cTn>
+                                        <p:tgtEl>
+                                          <p:spTgt spid="6"/>
+                                        </p:tgtEl>
+                                        <p:attrNameLst>
+                                          <p:attrName>style.visibility</p:attrName>
+                                        </p:attrNameLst>
+                                      </p:cBhvr>
+                                      <p:to>
+                                        <p:strVal val="visible"/>
+                                      </p:to>
+                                    </p:set>
+                                  </p:childTnLst>
+                                </p:cTn>
+                              </p:par>
+                            </p:childTnLst>
+                          </p:cTn>
+                        </p:par>
+                      </p:childTnLst>
+                    </p:cTn>
+                  </p:par>
+                  <p:par>
+                    <p:cTn id="7" fill="hold">
+                      <p:stCondLst>
+                        <p:cond delay="indefinite"/>
+                      </p:stCondLst>
+                      <p:childTnLst>
+                        <p:par>
+                          <p:cTn id="8" fill="hold">
+                            <p:stCondLst>
+                              <p:cond delay="0"/>
+                            </p:stCondLst>
+                            <p:childTnLst>
+                              <p:par>
+                                <p:cTn id="9" presetID="1" presetClass="entr" presetSubtype="0" fill="hold" grpId="0" nodeType="clickEffect">
+                                  <p:stCondLst>
+                                    <p:cond delay="0"/>
+                                  </p:stCondLst>
+                                  <p:childTnLst>
+                                    <p:set>
+                                      <p:cBhvr>
+                                        <p:cTn id="10" dur="1" fill="hold">
+                                          <p:stCondLst>
+                                            <p:cond delay="0"/>
+                                          </p:stCondLst>
+                                        </p:cTn>
+                                        <p:tgtEl>
+                                          <p:spTgt spid="7"/>
+                                        </p:tgtEl>
+                                        <p:attrNameLst>
+                                          <p:attrName>style.visibility</p:attrName>
+                                        </p:attrNameLst>
+                                      </p:cBhvr>
+                                      <p:to>
+                                        <p:strVal val="visible"/>
+                                      </p:to>
+                                    </p:set>
+                                  </p:childTnLst>
+                                </p:cTn>
+                              </p:par>
+                            </p:childTnLst>
+                          </p:cTn>
+                        </p:par>
+                      </p:childTnLst>
+                    </p:cTn>
+                  </p:par>
+                </p:childTnLst>
+              </p:cTn>
+              <p:prevCondLst>
+                <p:cond evt="onPrev" delay="0">
+                  <p:tgtEl>
+                    <p:sldTgt/>
+                  </p:tgtEl>
+                </p:cond>
+              </p:prevCondLst>
+              <p:nextCondLst>
+                <p:cond evt="onNext" delay="0">
+                  <p:tgtEl>
+                    <p:sldTgt/>
+                  </p:tgtEl>
+                </p:cond>
+              </p:nextCondLst>
+            </p:seq>
+          </p:childTnLst>
+        </p:cTn>
+      </p:par>
+    </p:tnLst>
+    <p:bldLst>
+      <p:bldP spid="6" grpId="0" animBg="1"/>
+      <p:bldP spid="7" grpId="0" animBg="1"/>
+    </p:bldLst>
+  </p:timing>
+</p:sld>
+</file>
+
+<file path=ppt/slides/slide7.xml><?xml version="1.0" encoding="utf-8"?>
+<p:sld xmlns:a="http://schemas.openxmlformats.org/drawingml/2006/main" xmlns:r="http://schemas.openxmlformats.org/officeDocument/2006/relationships" xmlns:p="http://schemas.openxmlformats.org/presentationml/2006/main">
+  <p:cSld>
+    <p:spTree>
+      <p:nvGrpSpPr>
+        <p:cNvPr id="1" name=""/>
+        <p:cNvGrpSpPr/>
+        <p:nvPr/>
+      </p:nvGrpSpPr>
+      <p:grpSpPr>
+        <a:xfrm>
+          <a:off x="0" y="0"/>
+          <a:ext cx="0" cy="0"/>
+          <a:chOff x="0" y="0"/>
+          <a:chExt cx="0" cy="0"/>
+        </a:xfrm>
+      </p:grpSpPr>
+      <p:sp>
+        <p:nvSpPr>
+          <p:cNvPr id="2" name="Title 1">
+            <a:extLst>
+              <a:ext uri="{FF2B5EF4-FFF2-40B4-BE49-F238E27FC236}">
+                <a16:creationId xmlns:a16="http://schemas.microsoft.com/office/drawing/2014/main" id="{B536806E-AD3E-AD40-936F-590919B5FCEE}"/>
+              </a:ext>
+            </a:extLst>
+          </p:cNvPr>
+          <p:cNvSpPr>
+            <a:spLocks noGrp="1"/>
+          </p:cNvSpPr>
+          <p:nvPr>
+            <p:ph type="title"/>
+          </p:nvPr>
+        </p:nvSpPr>
+        <p:spPr/>
+        <p:txBody>
+          <a:bodyPr/>
+          <a:lstStyle/>
+          <a:p>
+            <a:r>
+              <a:rPr lang="en-US" dirty="0"/>
+              <a:t>Quick Practice</a:t>
+            </a:r>
+          </a:p>
+        </p:txBody>
+      </p:sp>
+      <p:sp>
+        <p:nvSpPr>
+          <p:cNvPr id="5" name="TextBox 4">
+            <a:extLst>
+              <a:ext uri="{FF2B5EF4-FFF2-40B4-BE49-F238E27FC236}">
+                <a16:creationId xmlns:a16="http://schemas.microsoft.com/office/drawing/2014/main" id="{BC9EEA87-D34D-C34F-8D45-848ED96537EC}"/>
+              </a:ext>
+            </a:extLst>
+          </p:cNvPr>
+          <p:cNvSpPr txBox="1"/>
+          <p:nvPr/>
+        </p:nvSpPr>
+        <p:spPr>
+          <a:xfrm>
+            <a:off x="787961" y="1675865"/>
+            <a:ext cx="9711114" cy="4401205"/>
+          </a:xfrm>
+          <a:prstGeom prst="rect">
+            <a:avLst/>
+          </a:prstGeom>
+          <a:noFill/>
+        </p:spPr>
+        <p:txBody>
+          <a:bodyPr wrap="square">
+            <a:spAutoFit/>
+          </a:bodyPr>
+          <a:lstStyle/>
+          <a:p>
+            <a:r>
+              <a:rPr lang="en-US" dirty="0">
+                <a:latin typeface="Courier New" panose="02070309020205020404" pitchFamily="49" charset="0"/>
+                <a:cs typeface="Courier New" panose="02070309020205020404" pitchFamily="49" charset="0"/>
+              </a:rPr>
+              <a:t>public class </a:t>
+            </a:r>
+            <a:r>
+              <a:rPr lang="en-US" dirty="0" err="1">
+                <a:latin typeface="Courier New" panose="02070309020205020404" pitchFamily="49" charset="0"/>
+                <a:cs typeface="Courier New" panose="02070309020205020404" pitchFamily="49" charset="0"/>
+              </a:rPr>
+              <a:t>CastingProgram</a:t>
+            </a:r>
+            <a:r>
+              <a:rPr lang="en-US" dirty="0">
+                <a:latin typeface="Courier New" panose="02070309020205020404" pitchFamily="49" charset="0"/>
+                <a:cs typeface="Courier New" panose="02070309020205020404" pitchFamily="49" charset="0"/>
+              </a:rPr>
+              <a:t> {</a:t>
+            </a:r>
+          </a:p>
+          <a:p>
+            <a:endParaRPr lang="en-US" dirty="0">
+              <a:latin typeface="Courier New" panose="02070309020205020404" pitchFamily="49" charset="0"/>
+              <a:cs typeface="Courier New" panose="02070309020205020404" pitchFamily="49" charset="0"/>
+            </a:endParaRPr>
+          </a:p>
+          <a:p>
+            <a:r>
+              <a:rPr lang="en-US" dirty="0">
+                <a:latin typeface="Courier New" panose="02070309020205020404" pitchFamily="49" charset="0"/>
+                <a:cs typeface="Courier New" panose="02070309020205020404" pitchFamily="49" charset="0"/>
+              </a:rPr>
+              <a:t>   public static void main(String[] </a:t>
+            </a:r>
+            <a:r>
+              <a:rPr lang="en-US" dirty="0" err="1">
+                <a:latin typeface="Courier New" panose="02070309020205020404" pitchFamily="49" charset="0"/>
+                <a:cs typeface="Courier New" panose="02070309020205020404" pitchFamily="49" charset="0"/>
+              </a:rPr>
+              <a:t>args</a:t>
+            </a:r>
+            <a:r>
+              <a:rPr lang="en-US" dirty="0">
+                <a:latin typeface="Courier New" panose="02070309020205020404" pitchFamily="49" charset="0"/>
+                <a:cs typeface="Courier New" panose="02070309020205020404" pitchFamily="49" charset="0"/>
+              </a:rPr>
+              <a:t>) {</a:t>
+            </a:r>
+          </a:p>
+          <a:p>
+            <a:endParaRPr lang="en-US" dirty="0">
+              <a:latin typeface="Courier New" panose="02070309020205020404" pitchFamily="49" charset="0"/>
+              <a:cs typeface="Courier New" panose="02070309020205020404" pitchFamily="49" charset="0"/>
+            </a:endParaRPr>
+          </a:p>
+          <a:p>
+            <a:r>
+              <a:rPr lang="en-US" dirty="0">
+                <a:latin typeface="Courier New" panose="02070309020205020404" pitchFamily="49" charset="0"/>
+                <a:cs typeface="Courier New" panose="02070309020205020404" pitchFamily="49" charset="0"/>
+              </a:rPr>
+              <a:t>      </a:t>
+            </a:r>
+            <a:r>
+              <a:rPr lang="en-US" dirty="0" err="1">
+                <a:latin typeface="Courier New" panose="02070309020205020404" pitchFamily="49" charset="0"/>
+                <a:cs typeface="Courier New" panose="02070309020205020404" pitchFamily="49" charset="0"/>
+              </a:rPr>
+              <a:t>int</a:t>
+            </a:r>
+            <a:r>
+              <a:rPr lang="en-US" dirty="0">
+                <a:latin typeface="Courier New" panose="02070309020205020404" pitchFamily="49" charset="0"/>
+                <a:cs typeface="Courier New" panose="02070309020205020404" pitchFamily="49" charset="0"/>
+              </a:rPr>
+              <a:t> value1 = 12;</a:t>
+            </a:r>
+          </a:p>
+          <a:p>
+            <a:r>
+              <a:rPr lang="en-US" dirty="0">
+                <a:latin typeface="Courier New" panose="02070309020205020404" pitchFamily="49" charset="0"/>
+                <a:cs typeface="Courier New" panose="02070309020205020404" pitchFamily="49" charset="0"/>
+              </a:rPr>
+              <a:t>      double value2 = 25.75;</a:t>
+            </a:r>
+          </a:p>
+          <a:p>
+            <a:r>
+              <a:rPr lang="en-US" dirty="0">
+                <a:latin typeface="Courier New" panose="02070309020205020404" pitchFamily="49" charset="0"/>
+                <a:cs typeface="Courier New" panose="02070309020205020404" pitchFamily="49" charset="0"/>
+              </a:rPr>
+              <a:t>      double </a:t>
+            </a:r>
+            <a:r>
+              <a:rPr lang="en-US" dirty="0" err="1">
+                <a:latin typeface="Courier New" panose="02070309020205020404" pitchFamily="49" charset="0"/>
+                <a:cs typeface="Courier New" panose="02070309020205020404" pitchFamily="49" charset="0"/>
+              </a:rPr>
+              <a:t>resultDouble</a:t>
+            </a:r>
+            <a:r>
+              <a:rPr lang="en-US" dirty="0">
+                <a:latin typeface="Courier New" panose="02070309020205020404" pitchFamily="49" charset="0"/>
+                <a:cs typeface="Courier New" panose="02070309020205020404" pitchFamily="49" charset="0"/>
+              </a:rPr>
+              <a:t> = value1 + value2;</a:t>
+            </a:r>
+          </a:p>
+          <a:p>
+            <a:r>
+              <a:rPr lang="en-US" dirty="0">
+                <a:latin typeface="Courier New" panose="02070309020205020404" pitchFamily="49" charset="0"/>
+                <a:cs typeface="Courier New" panose="02070309020205020404" pitchFamily="49" charset="0"/>
+              </a:rPr>
+              <a:t>      </a:t>
+            </a:r>
+            <a:r>
+              <a:rPr lang="en-US" dirty="0" err="1">
+                <a:latin typeface="Courier New" panose="02070309020205020404" pitchFamily="49" charset="0"/>
+                <a:cs typeface="Courier New" panose="02070309020205020404" pitchFamily="49" charset="0"/>
+              </a:rPr>
+              <a:t>System.out.print</a:t>
+            </a:r>
+            <a:r>
+              <a:rPr lang="en-US" dirty="0">
+                <a:latin typeface="Courier New" panose="02070309020205020404" pitchFamily="49" charset="0"/>
+                <a:cs typeface="Courier New" panose="02070309020205020404" pitchFamily="49" charset="0"/>
+              </a:rPr>
+              <a:t>(value1 + " + " + value2 + " = ");</a:t>
+            </a:r>
+          </a:p>
+          <a:p>
+            <a:r>
+              <a:rPr lang="en-US" dirty="0">
+                <a:latin typeface="Courier New" panose="02070309020205020404" pitchFamily="49" charset="0"/>
+                <a:cs typeface="Courier New" panose="02070309020205020404" pitchFamily="49" charset="0"/>
+              </a:rPr>
+              <a:t>      </a:t>
+            </a:r>
+            <a:r>
+              <a:rPr lang="en-US" dirty="0" err="1">
+                <a:latin typeface="Courier New" panose="02070309020205020404" pitchFamily="49" charset="0"/>
+                <a:cs typeface="Courier New" panose="02070309020205020404" pitchFamily="49" charset="0"/>
+              </a:rPr>
+              <a:t>System.out.println</a:t>
+            </a:r>
+            <a:r>
+              <a:rPr lang="en-US" dirty="0">
+                <a:latin typeface="Courier New" panose="02070309020205020404" pitchFamily="49" charset="0"/>
+                <a:cs typeface="Courier New" panose="02070309020205020404" pitchFamily="49" charset="0"/>
+              </a:rPr>
+              <a:t>(</a:t>
+            </a:r>
+            <a:r>
+              <a:rPr lang="en-US" dirty="0" err="1">
+                <a:latin typeface="Courier New" panose="02070309020205020404" pitchFamily="49" charset="0"/>
+                <a:cs typeface="Courier New" panose="02070309020205020404" pitchFamily="49" charset="0"/>
+              </a:rPr>
+              <a:t>resultDouble</a:t>
+            </a:r>
+            <a:r>
+              <a:rPr lang="en-US" dirty="0">
+                <a:latin typeface="Courier New" panose="02070309020205020404" pitchFamily="49" charset="0"/>
+                <a:cs typeface="Courier New" panose="02070309020205020404" pitchFamily="49" charset="0"/>
+              </a:rPr>
+              <a:t>);</a:t>
+            </a:r>
+          </a:p>
+          <a:p>
+            <a:r>
+              <a:rPr lang="en-US" dirty="0">
+                <a:latin typeface="Courier New" panose="02070309020205020404" pitchFamily="49" charset="0"/>
+                <a:cs typeface="Courier New" panose="02070309020205020404" pitchFamily="49" charset="0"/>
+              </a:rPr>
+              <a:t>      </a:t>
+            </a:r>
+            <a:r>
+              <a:rPr lang="en-US" dirty="0" err="1">
+                <a:latin typeface="Courier New" panose="02070309020205020404" pitchFamily="49" charset="0"/>
+                <a:cs typeface="Courier New" panose="02070309020205020404" pitchFamily="49" charset="0"/>
+              </a:rPr>
+              <a:t>int</a:t>
+            </a:r>
+            <a:r>
+              <a:rPr lang="en-US" dirty="0">
+                <a:latin typeface="Courier New" panose="02070309020205020404" pitchFamily="49" charset="0"/>
+                <a:cs typeface="Courier New" panose="02070309020205020404" pitchFamily="49" charset="0"/>
+              </a:rPr>
+              <a:t> </a:t>
+            </a:r>
+            <a:r>
+              <a:rPr lang="en-US" dirty="0" err="1">
+                <a:latin typeface="Courier New" panose="02070309020205020404" pitchFamily="49" charset="0"/>
+                <a:cs typeface="Courier New" panose="02070309020205020404" pitchFamily="49" charset="0"/>
+              </a:rPr>
+              <a:t>resultInt</a:t>
+            </a:r>
+            <a:r>
+              <a:rPr lang="en-US" dirty="0">
+                <a:latin typeface="Courier New" panose="02070309020205020404" pitchFamily="49" charset="0"/>
+                <a:cs typeface="Courier New" panose="02070309020205020404" pitchFamily="49" charset="0"/>
+              </a:rPr>
+              <a:t> = value1 +  </a:t>
+            </a:r>
+            <a:r>
+              <a:rPr lang="en-US" dirty="0">
+                <a:solidFill>
+                  <a:srgbClr val="FF0000"/>
+                </a:solidFill>
+                <a:latin typeface="Courier New" panose="02070309020205020404" pitchFamily="49" charset="0"/>
+                <a:cs typeface="Courier New" panose="02070309020205020404" pitchFamily="49" charset="0"/>
+              </a:rPr>
+              <a:t>(</a:t>
+            </a:r>
+            <a:r>
+              <a:rPr lang="en-US" dirty="0" err="1">
+                <a:solidFill>
+                  <a:srgbClr val="FF0000"/>
+                </a:solidFill>
+                <a:latin typeface="Courier New" panose="02070309020205020404" pitchFamily="49" charset="0"/>
+                <a:cs typeface="Courier New" panose="02070309020205020404" pitchFamily="49" charset="0"/>
+              </a:rPr>
+              <a:t>int</a:t>
+            </a:r>
+            <a:r>
+              <a:rPr lang="en-US" dirty="0">
+                <a:solidFill>
+                  <a:srgbClr val="FF0000"/>
+                </a:solidFill>
+                <a:latin typeface="Courier New" panose="02070309020205020404" pitchFamily="49" charset="0"/>
+                <a:cs typeface="Courier New" panose="02070309020205020404" pitchFamily="49" charset="0"/>
+              </a:rPr>
+              <a:t>)</a:t>
+            </a:r>
+            <a:r>
+              <a:rPr lang="en-US" dirty="0">
+                <a:latin typeface="Courier New" panose="02070309020205020404" pitchFamily="49" charset="0"/>
+                <a:cs typeface="Courier New" panose="02070309020205020404" pitchFamily="49" charset="0"/>
+              </a:rPr>
+              <a:t> value2;</a:t>
+            </a:r>
+          </a:p>
+          <a:p>
+            <a:r>
+              <a:rPr lang="en-US" dirty="0">
+                <a:latin typeface="Courier New" panose="02070309020205020404" pitchFamily="49" charset="0"/>
+                <a:cs typeface="Courier New" panose="02070309020205020404" pitchFamily="49" charset="0"/>
+              </a:rPr>
+              <a:t>      </a:t>
+            </a:r>
+            <a:r>
+              <a:rPr lang="en-US" dirty="0" err="1">
+                <a:latin typeface="Courier New" panose="02070309020205020404" pitchFamily="49" charset="0"/>
+                <a:cs typeface="Courier New" panose="02070309020205020404" pitchFamily="49" charset="0"/>
+              </a:rPr>
+              <a:t>System.out.print</a:t>
+            </a:r>
+            <a:r>
+              <a:rPr lang="en-US" dirty="0">
+                <a:latin typeface="Courier New" panose="02070309020205020404" pitchFamily="49" charset="0"/>
+                <a:cs typeface="Courier New" panose="02070309020205020404" pitchFamily="49" charset="0"/>
+              </a:rPr>
+              <a:t>(value1 + " + " + </a:t>
+            </a:r>
+            <a:r>
+              <a:rPr lang="en-US" dirty="0">
+                <a:solidFill>
+                  <a:srgbClr val="FF0000"/>
+                </a:solidFill>
+                <a:latin typeface="Courier New" panose="02070309020205020404" pitchFamily="49" charset="0"/>
+                <a:cs typeface="Courier New" panose="02070309020205020404" pitchFamily="49" charset="0"/>
+              </a:rPr>
+              <a:t>(</a:t>
+            </a:r>
+            <a:r>
+              <a:rPr lang="en-US" dirty="0" err="1">
+                <a:solidFill>
+                  <a:srgbClr val="FF0000"/>
+                </a:solidFill>
+                <a:latin typeface="Courier New" panose="02070309020205020404" pitchFamily="49" charset="0"/>
+                <a:cs typeface="Courier New" panose="02070309020205020404" pitchFamily="49" charset="0"/>
+              </a:rPr>
+              <a:t>int</a:t>
+            </a:r>
+            <a:r>
+              <a:rPr lang="en-US" dirty="0">
+                <a:solidFill>
+                  <a:srgbClr val="FF0000"/>
+                </a:solidFill>
+                <a:latin typeface="Courier New" panose="02070309020205020404" pitchFamily="49" charset="0"/>
+                <a:cs typeface="Courier New" panose="02070309020205020404" pitchFamily="49" charset="0"/>
+              </a:rPr>
+              <a:t>) </a:t>
+            </a:r>
+            <a:r>
+              <a:rPr lang="en-US" dirty="0">
+                <a:latin typeface="Courier New" panose="02070309020205020404" pitchFamily="49" charset="0"/>
+                <a:cs typeface="Courier New" panose="02070309020205020404" pitchFamily="49" charset="0"/>
+              </a:rPr>
+              <a:t>value2 + " = ");</a:t>
+            </a:r>
+          </a:p>
+          <a:p>
+            <a:r>
+              <a:rPr lang="en-US" dirty="0">
+                <a:latin typeface="Courier New" panose="02070309020205020404" pitchFamily="49" charset="0"/>
+                <a:cs typeface="Courier New" panose="02070309020205020404" pitchFamily="49" charset="0"/>
+              </a:rPr>
+              <a:t>      </a:t>
+            </a:r>
+            <a:r>
+              <a:rPr lang="en-US" dirty="0" err="1">
+                <a:latin typeface="Courier New" panose="02070309020205020404" pitchFamily="49" charset="0"/>
+                <a:cs typeface="Courier New" panose="02070309020205020404" pitchFamily="49" charset="0"/>
+              </a:rPr>
+              <a:t>System.out.println</a:t>
+            </a:r>
+            <a:r>
+              <a:rPr lang="en-US" dirty="0">
+                <a:latin typeface="Courier New" panose="02070309020205020404" pitchFamily="49" charset="0"/>
+                <a:cs typeface="Courier New" panose="02070309020205020404" pitchFamily="49" charset="0"/>
+              </a:rPr>
+              <a:t>(</a:t>
+            </a:r>
+            <a:r>
+              <a:rPr lang="en-US" dirty="0" err="1">
+                <a:latin typeface="Courier New" panose="02070309020205020404" pitchFamily="49" charset="0"/>
+                <a:cs typeface="Courier New" panose="02070309020205020404" pitchFamily="49" charset="0"/>
+              </a:rPr>
+              <a:t>resultInt</a:t>
+            </a:r>
+            <a:r>
+              <a:rPr lang="en-US" dirty="0">
+                <a:latin typeface="Courier New" panose="02070309020205020404" pitchFamily="49" charset="0"/>
+                <a:cs typeface="Courier New" panose="02070309020205020404" pitchFamily="49" charset="0"/>
+              </a:rPr>
+              <a:t>);</a:t>
+            </a:r>
+          </a:p>
+          <a:p>
+            <a:r>
+              <a:rPr lang="en-US" dirty="0">
+                <a:latin typeface="Courier New" panose="02070309020205020404" pitchFamily="49" charset="0"/>
+                <a:cs typeface="Courier New" panose="02070309020205020404" pitchFamily="49" charset="0"/>
+              </a:rPr>
+              <a:t>   }</a:t>
+            </a:r>
+          </a:p>
+          <a:p>
+            <a:r>
+              <a:rPr lang="en-US" dirty="0">
+                <a:latin typeface="Courier New" panose="02070309020205020404" pitchFamily="49" charset="0"/>
+                <a:cs typeface="Courier New" panose="02070309020205020404" pitchFamily="49" charset="0"/>
+              </a:rPr>
+              <a:t>}</a:t>
+            </a:r>
+          </a:p>
+        </p:txBody>
+      </p:sp>
+      <p:sp>
+        <p:nvSpPr>
+          <p:cNvPr id="8" name="Rectangle 7">
+            <a:extLst>
+              <a:ext uri="{FF2B5EF4-FFF2-40B4-BE49-F238E27FC236}">
+                <a16:creationId xmlns:a16="http://schemas.microsoft.com/office/drawing/2014/main" id="{F8083C6D-3634-004D-BE41-F84DFC608329}"/>
+              </a:ext>
+            </a:extLst>
+          </p:cNvPr>
+          <p:cNvSpPr/>
+          <p:nvPr/>
+        </p:nvSpPr>
+        <p:spPr>
+          <a:xfrm>
+            <a:off x="9517587" y="3386567"/>
+            <a:ext cx="4165361" cy="979799"/>
+          </a:xfrm>
+          <a:prstGeom prst="rect">
+            <a:avLst/>
+          </a:prstGeom>
+          <a:solidFill>
+            <a:schemeClr val="bg2"/>
+          </a:solidFill>
+          <a:ln>
+            <a:noFill/>
+          </a:ln>
+          <a:effectLst/>
+        </p:spPr>
+        <p:style>
+          <a:lnRef idx="1">
+            <a:schemeClr val="accent1"/>
+          </a:lnRef>
+          <a:fillRef idx="3">
+            <a:schemeClr val="accent1"/>
+          </a:fillRef>
+          <a:effectRef idx="2">
+            <a:schemeClr val="accent1"/>
+          </a:effectRef>
+          <a:fontRef idx="minor">
+            <a:schemeClr val="lt1"/>
+          </a:fontRef>
+        </p:style>
+        <p:txBody>
+          <a:bodyPr lIns="274320" tIns="182880" rIns="274320" bIns="182880" rtlCol="0" anchor="ctr"/>
+          <a:lstStyle/>
+          <a:p>
+            <a:pPr algn="ctr"/>
+            <a:r>
+              <a:rPr lang="en-US" dirty="0">
+                <a:solidFill>
+                  <a:srgbClr val="092529"/>
+                </a:solidFill>
+                <a:latin typeface="Proxima Nova" charset="0"/>
+                <a:ea typeface="Proxima Nova" charset="0"/>
+                <a:cs typeface="Proxima Nova" charset="0"/>
+              </a:rPr>
+              <a:t>Manually casting the double variable to an </a:t>
+            </a:r>
+            <a:r>
+              <a:rPr lang="en-US" dirty="0" err="1">
+                <a:solidFill>
+                  <a:srgbClr val="092529"/>
+                </a:solidFill>
+                <a:latin typeface="Proxima Nova" charset="0"/>
+                <a:ea typeface="Proxima Nova" charset="0"/>
+                <a:cs typeface="Proxima Nova" charset="0"/>
+              </a:rPr>
+              <a:t>int</a:t>
+            </a:r>
+            <a:endParaRPr lang="en-US" dirty="0">
+              <a:solidFill>
+                <a:srgbClr val="092529"/>
+              </a:solidFill>
+              <a:latin typeface="Proxima Nova" charset="0"/>
+              <a:ea typeface="Proxima Nova" charset="0"/>
+              <a:cs typeface="Proxima Nova" charset="0"/>
+            </a:endParaRPr>
+          </a:p>
+        </p:txBody>
+      </p:sp>
+    </p:spTree>
+    <p:extLst>
+      <p:ext uri="{BB962C8B-B14F-4D97-AF65-F5344CB8AC3E}">
+        <p14:creationId xmlns:p14="http://schemas.microsoft.com/office/powerpoint/2010/main" val="2539974853"/>
+      </p:ext>
+    </p:extLst>
+  </p:cSld>
+  <p:clrMapOvr>
+    <a:masterClrMapping/>
+  </p:clrMapOvr>
+  <mc:AlternateContent xmlns:mc="http://schemas.openxmlformats.org/markup-compatibility/2006" xmlns:p14="http://schemas.microsoft.com/office/powerpoint/2010/main">
+    <mc:Choice Requires="p14">
+      <p:transition p14:dur="300">
+        <p:fade/>
+      </p:transition>
+    </mc:Choice>
+    <mc:Fallback xmlns="">
+      <p:transition>
+        <p:fade/>
+      </p:transition>
+    </mc:Fallback>
+  </mc:AlternateContent>
 </p:sld>
 </file>
 
@@ -22072,4 +22071,300 @@
   </a:objectDefaults>
   <a:extraClrSchemeLst/>
 </a:theme>
+</file>
+
+<file path=customXml/item1.xml><?xml version="1.0" encoding="utf-8"?>
+<ct:contentTypeSchema xmlns:ct="http://schemas.microsoft.com/office/2006/metadata/contentType" xmlns:ma="http://schemas.microsoft.com/office/2006/metadata/properties/metaAttributes" ct:_="" ma:_="" ma:contentTypeName="Document" ma:contentTypeID="0x010100074387D78AC76C4289401EF66FB51FCC" ma:contentTypeVersion="15" ma:contentTypeDescription="Create a new document." ma:contentTypeScope="" ma:versionID="d3659bec8b8330148a03d82a9d99f412">
+  <xsd:schema xmlns:xsd="http://www.w3.org/2001/XMLSchema" xmlns:xs="http://www.w3.org/2001/XMLSchema" xmlns:p="http://schemas.microsoft.com/office/2006/metadata/properties" xmlns:ns3="92c41bee-f0ee-4aa6-9399-a35fbb883510" xmlns:ns4="e06ed288-fd75-4b50-bbed-f5a5df88c31c" targetNamespace="http://schemas.microsoft.com/office/2006/metadata/properties" ma:root="true" ma:fieldsID="1a21d371127b63848c9a2290f5945250" ns3:_="" ns4:_="">
+    <xsd:import namespace="92c41bee-f0ee-4aa6-9399-a35fbb883510"/>
+    <xsd:import namespace="e06ed288-fd75-4b50-bbed-f5a5df88c31c"/>
+    <xsd:element name="properties">
+      <xsd:complexType>
+        <xsd:sequence>
+          <xsd:element name="documentManagement">
+            <xsd:complexType>
+              <xsd:all>
+                <xsd:element ref="ns3:MediaServiceMetadata" minOccurs="0"/>
+                <xsd:element ref="ns3:MediaServiceFastMetadata" minOccurs="0"/>
+                <xsd:element ref="ns4:SharedWithUsers" minOccurs="0"/>
+                <xsd:element ref="ns4:SharedWithDetails" minOccurs="0"/>
+                <xsd:element ref="ns4:SharingHintHash" minOccurs="0"/>
+                <xsd:element ref="ns3:MediaServiceAutoKeyPoints" minOccurs="0"/>
+                <xsd:element ref="ns3:MediaServiceKeyPoints" minOccurs="0"/>
+                <xsd:element ref="ns3:MediaServiceAutoTags" minOccurs="0"/>
+                <xsd:element ref="ns3:MediaServiceOCR" minOccurs="0"/>
+                <xsd:element ref="ns3:MediaServiceGenerationTime" minOccurs="0"/>
+                <xsd:element ref="ns3:MediaServiceEventHashCode" minOccurs="0"/>
+                <xsd:element ref="ns3:MediaServiceDateTaken" minOccurs="0"/>
+                <xsd:element ref="ns3:MediaLengthInSeconds" minOccurs="0"/>
+                <xsd:element ref="ns3:MediaServiceLocation" minOccurs="0"/>
+                <xsd:element ref="ns3:_activity" minOccurs="0"/>
+              </xsd:all>
+            </xsd:complexType>
+          </xsd:element>
+        </xsd:sequence>
+      </xsd:complexType>
+    </xsd:element>
+  </xsd:schema>
+  <xsd:schema xmlns:xsd="http://www.w3.org/2001/XMLSchema" xmlns:xs="http://www.w3.org/2001/XMLSchema" xmlns:dms="http://schemas.microsoft.com/office/2006/documentManagement/types" xmlns:pc="http://schemas.microsoft.com/office/infopath/2007/PartnerControls" targetNamespace="92c41bee-f0ee-4aa6-9399-a35fbb883510" elementFormDefault="qualified">
+    <xsd:import namespace="http://schemas.microsoft.com/office/2006/documentManagement/types"/>
+    <xsd:import namespace="http://schemas.microsoft.com/office/infopath/2007/PartnerControls"/>
+    <xsd:element name="MediaServiceMetadata" ma:index="8" nillable="true" ma:displayName="MediaServiceMetadata" ma:hidden="true" ma:internalName="MediaServiceMetadata" ma:readOnly="true">
+      <xsd:simpleType>
+        <xsd:restriction base="dms:Note"/>
+      </xsd:simpleType>
+    </xsd:element>
+    <xsd:element name="MediaServiceFastMetadata" ma:index="9" nillable="true" ma:displayName="MediaServiceFastMetadata" ma:hidden="true" ma:internalName="MediaServiceFastMetadata" ma:readOnly="true">
+      <xsd:simpleType>
+        <xsd:restriction base="dms:Note"/>
+      </xsd:simpleType>
+    </xsd:element>
+    <xsd:element name="MediaServiceAutoKeyPoints" ma:index="13" nillable="true" ma:displayName="MediaServiceAutoKeyPoints" ma:hidden="true" ma:internalName="MediaServiceAutoKeyPoints" ma:readOnly="true">
+      <xsd:simpleType>
+        <xsd:restriction base="dms:Note"/>
+      </xsd:simpleType>
+    </xsd:element>
+    <xsd:element name="MediaServiceKeyPoints" ma:index="14" nillable="true" ma:displayName="KeyPoints" ma:internalName="MediaServiceKeyPoints" ma:readOnly="true">
+      <xsd:simpleType>
+        <xsd:restriction base="dms:Note">
+          <xsd:maxLength value="255"/>
+        </xsd:restriction>
+      </xsd:simpleType>
+    </xsd:element>
+    <xsd:element name="MediaServiceAutoTags" ma:index="15" nillable="true" ma:displayName="Tags" ma:internalName="MediaServiceAutoTags" ma:readOnly="true">
+      <xsd:simpleType>
+        <xsd:restriction base="dms:Text"/>
+      </xsd:simpleType>
+    </xsd:element>
+    <xsd:element name="MediaServiceOCR" ma:index="16" nillable="true" ma:displayName="Extracted Text" ma:internalName="MediaServiceOCR" ma:readOnly="true">
+      <xsd:simpleType>
+        <xsd:restriction base="dms:Note">
+          <xsd:maxLength value="255"/>
+        </xsd:restriction>
+      </xsd:simpleType>
+    </xsd:element>
+    <xsd:element name="MediaServiceGenerationTime" ma:index="17" nillable="true" ma:displayName="MediaServiceGenerationTime" ma:hidden="true" ma:internalName="MediaServiceGenerationTime" ma:readOnly="true">
+      <xsd:simpleType>
+        <xsd:restriction base="dms:Text"/>
+      </xsd:simpleType>
+    </xsd:element>
+    <xsd:element name="MediaServiceEventHashCode" ma:index="18" nillable="true" ma:displayName="MediaServiceEventHashCode" ma:hidden="true" ma:internalName="MediaServiceEventHashCode" ma:readOnly="true">
+      <xsd:simpleType>
+        <xsd:restriction base="dms:Text"/>
+      </xsd:simpleType>
+    </xsd:element>
+    <xsd:element name="MediaServiceDateTaken" ma:index="19" nillable="true" ma:displayName="MediaServiceDateTaken" ma:hidden="true" ma:internalName="MediaServiceDateTaken" ma:readOnly="true">
+      <xsd:simpleType>
+        <xsd:restriction base="dms:Text"/>
+      </xsd:simpleType>
+    </xsd:element>
+    <xsd:element name="MediaLengthInSeconds" ma:index="20" nillable="true" ma:displayName="Length (seconds)" ma:internalName="MediaLengthInSeconds" ma:readOnly="true">
+      <xsd:simpleType>
+        <xsd:restriction base="dms:Unknown"/>
+      </xsd:simpleType>
+    </xsd:element>
+    <xsd:element name="MediaServiceLocation" ma:index="21" nillable="true" ma:displayName="Location" ma:internalName="MediaServiceLocation" ma:readOnly="true">
+      <xsd:simpleType>
+        <xsd:restriction base="dms:Text"/>
+      </xsd:simpleType>
+    </xsd:element>
+    <xsd:element name="_activity" ma:index="22" nillable="true" ma:displayName="_activity" ma:hidden="true" ma:internalName="_activity">
+      <xsd:simpleType>
+        <xsd:restriction base="dms:Note"/>
+      </xsd:simpleType>
+    </xsd:element>
+  </xsd:schema>
+  <xsd:schema xmlns:xsd="http://www.w3.org/2001/XMLSchema" xmlns:xs="http://www.w3.org/2001/XMLSchema" xmlns:dms="http://schemas.microsoft.com/office/2006/documentManagement/types" xmlns:pc="http://schemas.microsoft.com/office/infopath/2007/PartnerControls" targetNamespace="e06ed288-fd75-4b50-bbed-f5a5df88c31c" elementFormDefault="qualified">
+    <xsd:import namespace="http://schemas.microsoft.com/office/2006/documentManagement/types"/>
+    <xsd:import namespace="http://schemas.microsoft.com/office/infopath/2007/PartnerControls"/>
+    <xsd:element name="SharedWithUsers" ma:index="10" nillable="true" ma:displayName="Shared With" ma:internalName="SharedWithUsers" ma:readOnly="true">
+      <xsd:complexType>
+        <xsd:complexContent>
+          <xsd:extension base="dms:UserMulti">
+            <xsd:sequence>
+              <xsd:element name="UserInfo" minOccurs="0" maxOccurs="unbounded">
+                <xsd:complexType>
+                  <xsd:sequence>
+                    <xsd:element name="DisplayName" type="xsd:string" minOccurs="0"/>
+                    <xsd:element name="AccountId" type="dms:UserId" minOccurs="0" nillable="true"/>
+                    <xsd:element name="AccountType" type="xsd:string" minOccurs="0"/>
+                  </xsd:sequence>
+                </xsd:complexType>
+              </xsd:element>
+            </xsd:sequence>
+          </xsd:extension>
+        </xsd:complexContent>
+      </xsd:complexType>
+    </xsd:element>
+    <xsd:element name="SharedWithDetails" ma:index="11" nillable="true" ma:displayName="Shared With Details" ma:internalName="SharedWithDetails" ma:readOnly="true">
+      <xsd:simpleType>
+        <xsd:restriction base="dms:Note">
+          <xsd:maxLength value="255"/>
+        </xsd:restriction>
+      </xsd:simpleType>
+    </xsd:element>
+    <xsd:element name="SharingHintHash" ma:index="12" nillable="true" ma:displayName="Sharing Hint Hash" ma:hidden="true" ma:internalName="SharingHintHash" ma:readOnly="true">
+      <xsd:simpleType>
+        <xsd:restriction base="dms:Text"/>
+      </xsd:simpleType>
+    </xsd:element>
+  </xsd:schema>
+  <xsd:schema xmlns="http://schemas.openxmlformats.org/package/2006/metadata/core-properties" xmlns:xsd="http://www.w3.org/2001/XMLSchema" xmlns:xsi="http://www.w3.org/2001/XMLSchema-instance" xmlns:dc="http://purl.org/dc/elements/1.1/" xmlns:dcterms="http://purl.org/dc/terms/" xmlns:odoc="http://schemas.microsoft.com/internal/obd" targetNamespace="http://schemas.openxmlformats.org/package/2006/metadata/core-properties" elementFormDefault="qualified" attributeFormDefault="unqualified" blockDefault="#all">
+    <xsd:import namespace="http://purl.org/dc/elements/1.1/" schemaLocation="http://dublincore.org/schemas/xmls/qdc/2003/04/02/dc.xsd"/>
+    <xsd:import namespace="http://purl.org/dc/terms/" schemaLocation="http://dublincore.org/schemas/xmls/qdc/2003/04/02/dcterms.xsd"/>
+    <xsd:element name="coreProperties" type="CT_coreProperties"/>
+    <xsd:complexType name="CT_coreProperties">
+      <xsd:all>
+        <xsd:element ref="dc:creator" minOccurs="0" maxOccurs="1"/>
+        <xsd:element ref="dcterms:created" minOccurs="0" maxOccurs="1"/>
+        <xsd:element ref="dc:identifier" minOccurs="0" maxOccurs="1"/>
+        <xsd:element name="contentType" minOccurs="0" maxOccurs="1" type="xsd:string" ma:index="0" ma:displayName="Content Type"/>
+        <xsd:element ref="dc:title" minOccurs="0" maxOccurs="1" ma:index="4" ma:displayName="Title"/>
+        <xsd:element ref="dc:subject" minOccurs="0" maxOccurs="1"/>
+        <xsd:element ref="dc:description" minOccurs="0" maxOccurs="1"/>
+        <xsd:element name="keywords" minOccurs="0" maxOccurs="1" type="xsd:string"/>
+        <xsd:element ref="dc:language" minOccurs="0" maxOccurs="1"/>
+        <xsd:element name="category" minOccurs="0" maxOccurs="1" type="xsd:string"/>
+        <xsd:element name="version" minOccurs="0" maxOccurs="1" type="xsd:string"/>
+        <xsd:element name="revision" minOccurs="0" maxOccurs="1" type="xsd:string">
+          <xsd:annotation>
+            <xsd:documentation>
+                        This value indicates the number of saves or revisions. The application is responsible for updating this value after each revision.
+                    </xsd:documentation>
+          </xsd:annotation>
+        </xsd:element>
+        <xsd:element name="lastModifiedBy" minOccurs="0" maxOccurs="1" type="xsd:string"/>
+        <xsd:element ref="dcterms:modified" minOccurs="0" maxOccurs="1"/>
+        <xsd:element name="contentStatus" minOccurs="0" maxOccurs="1" type="xsd:string"/>
+      </xsd:all>
+    </xsd:complexType>
+  </xsd:schema>
+  <xs:schema xmlns:pc="http://schemas.microsoft.com/office/infopath/2007/PartnerControls" xmlns:xs="http://www.w3.org/2001/XMLSchema" targetNamespace="http://schemas.microsoft.com/office/infopath/2007/PartnerControls" elementFormDefault="qualified" attributeFormDefault="unqualified">
+    <xs:element name="Person">
+      <xs:complexType>
+        <xs:sequence>
+          <xs:element ref="pc:DisplayName" minOccurs="0"/>
+          <xs:element ref="pc:AccountId" minOccurs="0"/>
+          <xs:element ref="pc:AccountType" minOccurs="0"/>
+        </xs:sequence>
+      </xs:complexType>
+    </xs:element>
+    <xs:element name="DisplayName" type="xs:string"/>
+    <xs:element name="AccountId" type="xs:string"/>
+    <xs:element name="AccountType" type="xs:string"/>
+    <xs:element name="BDCAssociatedEntity">
+      <xs:complexType>
+        <xs:sequence>
+          <xs:element ref="pc:BDCEntity" minOccurs="0" maxOccurs="unbounded"/>
+        </xs:sequence>
+        <xs:attribute ref="pc:EntityNamespace"/>
+        <xs:attribute ref="pc:EntityName"/>
+        <xs:attribute ref="pc:SystemInstanceName"/>
+        <xs:attribute ref="pc:AssociationName"/>
+      </xs:complexType>
+    </xs:element>
+    <xs:attribute name="EntityNamespace" type="xs:string"/>
+    <xs:attribute name="EntityName" type="xs:string"/>
+    <xs:attribute name="SystemInstanceName" type="xs:string"/>
+    <xs:attribute name="AssociationName" type="xs:string"/>
+    <xs:element name="BDCEntity">
+      <xs:complexType>
+        <xs:sequence>
+          <xs:element ref="pc:EntityDisplayName" minOccurs="0"/>
+          <xs:element ref="pc:EntityInstanceReference" minOccurs="0"/>
+          <xs:element ref="pc:EntityId1" minOccurs="0"/>
+          <xs:element ref="pc:EntityId2" minOccurs="0"/>
+          <xs:element ref="pc:EntityId3" minOccurs="0"/>
+          <xs:element ref="pc:EntityId4" minOccurs="0"/>
+          <xs:element ref="pc:EntityId5" minOccurs="0"/>
+        </xs:sequence>
+      </xs:complexType>
+    </xs:element>
+    <xs:element name="EntityDisplayName" type="xs:string"/>
+    <xs:element name="EntityInstanceReference" type="xs:string"/>
+    <xs:element name="EntityId1" type="xs:string"/>
+    <xs:element name="EntityId2" type="xs:string"/>
+    <xs:element name="EntityId3" type="xs:string"/>
+    <xs:element name="EntityId4" type="xs:string"/>
+    <xs:element name="EntityId5" type="xs:string"/>
+    <xs:element name="Terms">
+      <xs:complexType>
+        <xs:sequence>
+          <xs:element ref="pc:TermInfo" minOccurs="0" maxOccurs="unbounded"/>
+        </xs:sequence>
+      </xs:complexType>
+    </xs:element>
+    <xs:element name="TermInfo">
+      <xs:complexType>
+        <xs:sequence>
+          <xs:element ref="pc:TermName" minOccurs="0"/>
+          <xs:element ref="pc:TermId" minOccurs="0"/>
+        </xs:sequence>
+      </xs:complexType>
+    </xs:element>
+    <xs:element name="TermName" type="xs:string"/>
+    <xs:element name="TermId" type="xs:string"/>
+  </xs:schema>
+</ct:contentTypeSchema>
+</file>
+
+<file path=customXml/item2.xml><?xml version="1.0" encoding="utf-8"?>
+<?mso-contentType ?>
+<FormTemplates xmlns="http://schemas.microsoft.com/sharepoint/v3/contenttype/forms">
+  <Display>DocumentLibraryForm</Display>
+  <Edit>DocumentLibraryForm</Edit>
+  <New>DocumentLibraryForm</New>
+</FormTemplates>
+</file>
+
+<file path=customXml/item3.xml><?xml version="1.0" encoding="utf-8"?>
+<p:properties xmlns:p="http://schemas.microsoft.com/office/2006/metadata/properties" xmlns:xsi="http://www.w3.org/2001/XMLSchema-instance" xmlns:pc="http://schemas.microsoft.com/office/infopath/2007/PartnerControls">
+  <documentManagement>
+    <_activity xmlns="92c41bee-f0ee-4aa6-9399-a35fbb883510" xsi:nil="true"/>
+  </documentManagement>
+</p:properties>
+</file>
+
+<file path=customXml/itemProps1.xml><?xml version="1.0" encoding="utf-8"?>
+<ds:datastoreItem xmlns:ds="http://schemas.openxmlformats.org/officeDocument/2006/customXml" ds:itemID="{0A5081FA-6D35-4CCE-9A66-B873D5C98160}">
+  <ds:schemaRefs>
+    <ds:schemaRef ds:uri="http://schemas.microsoft.com/office/2006/metadata/contentType"/>
+    <ds:schemaRef ds:uri="http://schemas.microsoft.com/office/2006/metadata/properties/metaAttributes"/>
+    <ds:schemaRef ds:uri="http://www.w3.org/2001/XMLSchema"/>
+    <ds:schemaRef ds:uri="http://schemas.microsoft.com/office/2006/metadata/properties"/>
+    <ds:schemaRef ds:uri="92c41bee-f0ee-4aa6-9399-a35fbb883510"/>
+    <ds:schemaRef ds:uri="e06ed288-fd75-4b50-bbed-f5a5df88c31c"/>
+    <ds:schemaRef ds:uri="http://schemas.microsoft.com/office/2006/documentManagement/types"/>
+    <ds:schemaRef ds:uri="http://schemas.microsoft.com/office/infopath/2007/PartnerControls"/>
+    <ds:schemaRef ds:uri="http://schemas.openxmlformats.org/package/2006/metadata/core-properties"/>
+    <ds:schemaRef ds:uri="http://purl.org/dc/elements/1.1/"/>
+    <ds:schemaRef ds:uri="http://purl.org/dc/terms/"/>
+    <ds:schemaRef ds:uri="http://schemas.microsoft.com/internal/obd"/>
+  </ds:schemaRefs>
+</ds:datastoreItem>
+</file>
+
+<file path=customXml/itemProps2.xml><?xml version="1.0" encoding="utf-8"?>
+<ds:datastoreItem xmlns:ds="http://schemas.openxmlformats.org/officeDocument/2006/customXml" ds:itemID="{4B903E96-C6E2-40D8-A3A3-05875AEE91EA}">
+  <ds:schemaRefs>
+    <ds:schemaRef ds:uri="http://schemas.microsoft.com/sharepoint/v3/contenttype/forms"/>
+  </ds:schemaRefs>
+</ds:datastoreItem>
+</file>
+
+<file path=customXml/itemProps3.xml><?xml version="1.0" encoding="utf-8"?>
+<ds:datastoreItem xmlns:ds="http://schemas.openxmlformats.org/officeDocument/2006/customXml" ds:itemID="{C0E5B609-0234-4A99-86EA-1E109F589FEC}">
+  <ds:schemaRefs>
+    <ds:schemaRef ds:uri="http://schemas.microsoft.com/office/2006/metadata/properties"/>
+    <ds:schemaRef ds:uri="http://www.w3.org/XML/1998/namespace"/>
+    <ds:schemaRef ds:uri="e06ed288-fd75-4b50-bbed-f5a5df88c31c"/>
+    <ds:schemaRef ds:uri="http://schemas.openxmlformats.org/package/2006/metadata/core-properties"/>
+    <ds:schemaRef ds:uri="92c41bee-f0ee-4aa6-9399-a35fbb883510"/>
+    <ds:schemaRef ds:uri="http://schemas.microsoft.com/office/2006/documentManagement/types"/>
+    <ds:schemaRef ds:uri="http://purl.org/dc/terms/"/>
+    <ds:schemaRef ds:uri="http://schemas.microsoft.com/office/infopath/2007/PartnerControls"/>
+    <ds:schemaRef ds:uri="http://purl.org/dc/dcmitype/"/>
+    <ds:schemaRef ds:uri="http://purl.org/dc/elements/1.1/"/>
+  </ds:schemaRefs>
+</ds:datastoreItem>
 </file>
--- a/slides/On-Campus/02_03_CharactersAndStrings.pptx
+++ b/slides/On-Campus/02_03_CharactersAndStrings.pptx
@@ -5,10 +5,10 @@
     <p:sldMasterId id="2147483648" r:id="rId4"/>
   </p:sldMasterIdLst>
   <p:notesMasterIdLst>
-    <p:notesMasterId r:id="rId25"/>
+    <p:notesMasterId r:id="rId30"/>
   </p:notesMasterIdLst>
   <p:handoutMasterIdLst>
-    <p:handoutMasterId r:id="rId26"/>
+    <p:handoutMasterId r:id="rId31"/>
   </p:handoutMasterIdLst>
   <p:sldIdLst>
     <p:sldId id="256" r:id="rId5"/>
@@ -19,18 +19,23 @@
     <p:sldId id="271" r:id="rId10"/>
     <p:sldId id="272" r:id="rId11"/>
     <p:sldId id="267" r:id="rId12"/>
-    <p:sldId id="258" r:id="rId13"/>
-    <p:sldId id="259" r:id="rId14"/>
-    <p:sldId id="260" r:id="rId15"/>
+    <p:sldId id="279" r:id="rId13"/>
+    <p:sldId id="280" r:id="rId14"/>
+    <p:sldId id="281" r:id="rId15"/>
     <p:sldId id="277" r:id="rId16"/>
     <p:sldId id="269" r:id="rId17"/>
     <p:sldId id="257" r:id="rId18"/>
     <p:sldId id="275" r:id="rId19"/>
-    <p:sldId id="263" r:id="rId20"/>
-    <p:sldId id="276" r:id="rId21"/>
-    <p:sldId id="265" r:id="rId22"/>
-    <p:sldId id="273" r:id="rId23"/>
-    <p:sldId id="278" r:id="rId24"/>
+    <p:sldId id="282" r:id="rId20"/>
+    <p:sldId id="283" r:id="rId21"/>
+    <p:sldId id="263" r:id="rId22"/>
+    <p:sldId id="276" r:id="rId23"/>
+    <p:sldId id="265" r:id="rId24"/>
+    <p:sldId id="273" r:id="rId25"/>
+    <p:sldId id="285" r:id="rId26"/>
+    <p:sldId id="284" r:id="rId27"/>
+    <p:sldId id="286" r:id="rId28"/>
+    <p:sldId id="278" r:id="rId29"/>
   </p:sldIdLst>
   <p:sldSz cx="13817600" cy="7772400"/>
   <p:notesSz cx="6858000" cy="9144000"/>
@@ -151,6 +156,379 @@
 </p:presentation>
 </file>
 
+<file path=ppt/changesInfos/changesInfo1.xml><?xml version="1.0" encoding="utf-8"?>
+<pc:chgInfo xmlns:a="http://schemas.openxmlformats.org/drawingml/2006/main" xmlns:r="http://schemas.openxmlformats.org/officeDocument/2006/relationships" xmlns:ac="http://schemas.microsoft.com/office/drawing/2013/main/command" xmlns:pc="http://schemas.microsoft.com/office/powerpoint/2013/main/command">
+  <pc:docChgLst>
+    <pc:chgData name="Marcia Moraes" userId="c9c67e8a-58e2-4733-9a1c-5d44fec4775b" providerId="ADAL" clId="{782DD80B-8497-4C78-88BF-7159EC0EB292}"/>
+    <pc:docChg chg="custSel addSld delSld modSld sldOrd">
+      <pc:chgData name="Marcia Moraes" userId="c9c67e8a-58e2-4733-9a1c-5d44fec4775b" providerId="ADAL" clId="{782DD80B-8497-4C78-88BF-7159EC0EB292}" dt="2023-08-10T21:09:24.931" v="146"/>
+      <pc:docMkLst>
+        <pc:docMk/>
+      </pc:docMkLst>
+      <pc:sldChg chg="delSp">
+        <pc:chgData name="Marcia Moraes" userId="c9c67e8a-58e2-4733-9a1c-5d44fec4775b" providerId="ADAL" clId="{782DD80B-8497-4C78-88BF-7159EC0EB292}" dt="2023-08-10T17:03:12.043" v="46" actId="478"/>
+        <pc:sldMkLst>
+          <pc:docMk/>
+          <pc:sldMk cId="482869905" sldId="257"/>
+        </pc:sldMkLst>
+        <pc:picChg chg="del">
+          <ac:chgData name="Marcia Moraes" userId="c9c67e8a-58e2-4733-9a1c-5d44fec4775b" providerId="ADAL" clId="{782DD80B-8497-4C78-88BF-7159EC0EB292}" dt="2023-08-10T17:03:12.043" v="46" actId="478"/>
+          <ac:picMkLst>
+            <pc:docMk/>
+            <pc:sldMk cId="482869905" sldId="257"/>
+            <ac:picMk id="1026" creationId="{BD4EDBCB-50BF-A44E-9ACE-664BDDA0ADF6}"/>
+          </ac:picMkLst>
+        </pc:picChg>
+      </pc:sldChg>
+      <pc:sldChg chg="modSp add del">
+        <pc:chgData name="Marcia Moraes" userId="c9c67e8a-58e2-4733-9a1c-5d44fec4775b" providerId="ADAL" clId="{782DD80B-8497-4C78-88BF-7159EC0EB292}" dt="2023-08-10T16:59:03.098" v="41" actId="2696"/>
+        <pc:sldMkLst>
+          <pc:docMk/>
+          <pc:sldMk cId="3146645207" sldId="258"/>
+        </pc:sldMkLst>
+        <pc:spChg chg="mod">
+          <ac:chgData name="Marcia Moraes" userId="c9c67e8a-58e2-4733-9a1c-5d44fec4775b" providerId="ADAL" clId="{782DD80B-8497-4C78-88BF-7159EC0EB292}" dt="2023-08-10T16:57:57.022" v="37" actId="20577"/>
+          <ac:spMkLst>
+            <pc:docMk/>
+            <pc:sldMk cId="3146645207" sldId="258"/>
+            <ac:spMk id="3" creationId="{BE65F122-2B5E-194D-8CC7-FF10DD3264C1}"/>
+          </ac:spMkLst>
+        </pc:spChg>
+      </pc:sldChg>
+      <pc:sldChg chg="del">
+        <pc:chgData name="Marcia Moraes" userId="c9c67e8a-58e2-4733-9a1c-5d44fec4775b" providerId="ADAL" clId="{782DD80B-8497-4C78-88BF-7159EC0EB292}" dt="2023-08-10T16:59:26.398" v="42" actId="2696"/>
+        <pc:sldMkLst>
+          <pc:docMk/>
+          <pc:sldMk cId="1168442721" sldId="259"/>
+        </pc:sldMkLst>
+      </pc:sldChg>
+      <pc:sldChg chg="del">
+        <pc:chgData name="Marcia Moraes" userId="c9c67e8a-58e2-4733-9a1c-5d44fec4775b" providerId="ADAL" clId="{782DD80B-8497-4C78-88BF-7159EC0EB292}" dt="2023-08-10T17:00:22.846" v="45" actId="2696"/>
+        <pc:sldMkLst>
+          <pc:docMk/>
+          <pc:sldMk cId="709799232" sldId="260"/>
+        </pc:sldMkLst>
+      </pc:sldChg>
+      <pc:sldChg chg="modSp">
+        <pc:chgData name="Marcia Moraes" userId="c9c67e8a-58e2-4733-9a1c-5d44fec4775b" providerId="ADAL" clId="{782DD80B-8497-4C78-88BF-7159EC0EB292}" dt="2023-08-10T16:44:42.944" v="3" actId="14100"/>
+        <pc:sldMkLst>
+          <pc:docMk/>
+          <pc:sldMk cId="876244202" sldId="266"/>
+        </pc:sldMkLst>
+        <pc:spChg chg="mod">
+          <ac:chgData name="Marcia Moraes" userId="c9c67e8a-58e2-4733-9a1c-5d44fec4775b" providerId="ADAL" clId="{782DD80B-8497-4C78-88BF-7159EC0EB292}" dt="2023-08-10T16:44:37.002" v="2" actId="14"/>
+          <ac:spMkLst>
+            <pc:docMk/>
+            <pc:sldMk cId="876244202" sldId="266"/>
+            <ac:spMk id="5" creationId="{D45B7610-981A-7441-A483-AB5BABDA0AB4}"/>
+          </ac:spMkLst>
+        </pc:spChg>
+        <pc:picChg chg="mod">
+          <ac:chgData name="Marcia Moraes" userId="c9c67e8a-58e2-4733-9a1c-5d44fec4775b" providerId="ADAL" clId="{782DD80B-8497-4C78-88BF-7159EC0EB292}" dt="2023-08-10T16:44:42.944" v="3" actId="14100"/>
+          <ac:picMkLst>
+            <pc:docMk/>
+            <pc:sldMk cId="876244202" sldId="266"/>
+            <ac:picMk id="1026" creationId="{1F717CB0-92E6-4EB8-80C2-70E21F159AED}"/>
+          </ac:picMkLst>
+        </pc:picChg>
+      </pc:sldChg>
+      <pc:sldChg chg="modSp">
+        <pc:chgData name="Marcia Moraes" userId="c9c67e8a-58e2-4733-9a1c-5d44fec4775b" providerId="ADAL" clId="{782DD80B-8497-4C78-88BF-7159EC0EB292}" dt="2023-08-10T16:45:10.742" v="24" actId="20577"/>
+        <pc:sldMkLst>
+          <pc:docMk/>
+          <pc:sldMk cId="2614426722" sldId="268"/>
+        </pc:sldMkLst>
+        <pc:spChg chg="mod">
+          <ac:chgData name="Marcia Moraes" userId="c9c67e8a-58e2-4733-9a1c-5d44fec4775b" providerId="ADAL" clId="{782DD80B-8497-4C78-88BF-7159EC0EB292}" dt="2023-08-10T16:45:10.742" v="24" actId="20577"/>
+          <ac:spMkLst>
+            <pc:docMk/>
+            <pc:sldMk cId="2614426722" sldId="268"/>
+            <ac:spMk id="3" creationId="{BF92A239-A7CC-0648-A509-B3B45DB8F5FA}"/>
+          </ac:spMkLst>
+        </pc:spChg>
+      </pc:sldChg>
+      <pc:sldChg chg="modSp">
+        <pc:chgData name="Marcia Moraes" userId="c9c67e8a-58e2-4733-9a1c-5d44fec4775b" providerId="ADAL" clId="{782DD80B-8497-4C78-88BF-7159EC0EB292}" dt="2023-08-10T16:53:53.714" v="32" actId="255"/>
+        <pc:sldMkLst>
+          <pc:docMk/>
+          <pc:sldMk cId="2322425887" sldId="270"/>
+        </pc:sldMkLst>
+        <pc:spChg chg="mod">
+          <ac:chgData name="Marcia Moraes" userId="c9c67e8a-58e2-4733-9a1c-5d44fec4775b" providerId="ADAL" clId="{782DD80B-8497-4C78-88BF-7159EC0EB292}" dt="2023-08-10T16:53:53.714" v="32" actId="255"/>
+          <ac:spMkLst>
+            <pc:docMk/>
+            <pc:sldMk cId="2322425887" sldId="270"/>
+            <ac:spMk id="8" creationId="{00000000-0000-0000-0000-000000000000}"/>
+          </ac:spMkLst>
+        </pc:spChg>
+      </pc:sldChg>
+      <pc:sldChg chg="addSp delSp modSp delAnim modAnim">
+        <pc:chgData name="Marcia Moraes" userId="c9c67e8a-58e2-4733-9a1c-5d44fec4775b" providerId="ADAL" clId="{782DD80B-8497-4C78-88BF-7159EC0EB292}" dt="2023-08-10T21:09:24.931" v="146"/>
+        <pc:sldMkLst>
+          <pc:docMk/>
+          <pc:sldMk cId="2264662996" sldId="273"/>
+        </pc:sldMkLst>
+        <pc:spChg chg="mod">
+          <ac:chgData name="Marcia Moraes" userId="c9c67e8a-58e2-4733-9a1c-5d44fec4775b" providerId="ADAL" clId="{782DD80B-8497-4C78-88BF-7159EC0EB292}" dt="2023-08-10T21:09:21.334" v="145" actId="20577"/>
+          <ac:spMkLst>
+            <pc:docMk/>
+            <pc:sldMk cId="2264662996" sldId="273"/>
+            <ac:spMk id="6" creationId="{61A47B75-5CF5-8148-89FC-032FCDA5013B}"/>
+          </ac:spMkLst>
+        </pc:spChg>
+        <pc:spChg chg="del">
+          <ac:chgData name="Marcia Moraes" userId="c9c67e8a-58e2-4733-9a1c-5d44fec4775b" providerId="ADAL" clId="{782DD80B-8497-4C78-88BF-7159EC0EB292}" dt="2023-08-10T20:56:29.322" v="96" actId="478"/>
+          <ac:spMkLst>
+            <pc:docMk/>
+            <pc:sldMk cId="2264662996" sldId="273"/>
+            <ac:spMk id="7" creationId="{61A47B75-5CF5-8148-89FC-032FCDA5013B}"/>
+          </ac:spMkLst>
+        </pc:spChg>
+        <pc:spChg chg="del">
+          <ac:chgData name="Marcia Moraes" userId="c9c67e8a-58e2-4733-9a1c-5d44fec4775b" providerId="ADAL" clId="{782DD80B-8497-4C78-88BF-7159EC0EB292}" dt="2023-08-10T20:56:30.934" v="97" actId="478"/>
+          <ac:spMkLst>
+            <pc:docMk/>
+            <pc:sldMk cId="2264662996" sldId="273"/>
+            <ac:spMk id="8" creationId="{61A47B75-5CF5-8148-89FC-032FCDA5013B}"/>
+          </ac:spMkLst>
+        </pc:spChg>
+        <pc:picChg chg="add mod modCrop">
+          <ac:chgData name="Marcia Moraes" userId="c9c67e8a-58e2-4733-9a1c-5d44fec4775b" providerId="ADAL" clId="{782DD80B-8497-4C78-88BF-7159EC0EB292}" dt="2023-08-10T20:57:24.693" v="104" actId="1076"/>
+          <ac:picMkLst>
+            <pc:docMk/>
+            <pc:sldMk cId="2264662996" sldId="273"/>
+            <ac:picMk id="3" creationId="{86A5ECAB-7AB0-420D-B935-6E9DB4268B7B}"/>
+          </ac:picMkLst>
+        </pc:picChg>
+      </pc:sldChg>
+      <pc:sldChg chg="modSp">
+        <pc:chgData name="Marcia Moraes" userId="c9c67e8a-58e2-4733-9a1c-5d44fec4775b" providerId="ADAL" clId="{782DD80B-8497-4C78-88BF-7159EC0EB292}" dt="2023-08-10T16:53:29.208" v="31" actId="6549"/>
+        <pc:sldMkLst>
+          <pc:docMk/>
+          <pc:sldMk cId="160463758" sldId="274"/>
+        </pc:sldMkLst>
+        <pc:spChg chg="mod">
+          <ac:chgData name="Marcia Moraes" userId="c9c67e8a-58e2-4733-9a1c-5d44fec4775b" providerId="ADAL" clId="{782DD80B-8497-4C78-88BF-7159EC0EB292}" dt="2023-08-10T16:53:29.208" v="31" actId="6549"/>
+          <ac:spMkLst>
+            <pc:docMk/>
+            <pc:sldMk cId="160463758" sldId="274"/>
+            <ac:spMk id="5" creationId="{B660E42F-A030-8247-8A16-084F302E6354}"/>
+          </ac:spMkLst>
+        </pc:spChg>
+        <pc:spChg chg="mod">
+          <ac:chgData name="Marcia Moraes" userId="c9c67e8a-58e2-4733-9a1c-5d44fec4775b" providerId="ADAL" clId="{782DD80B-8497-4C78-88BF-7159EC0EB292}" dt="2023-08-10T16:52:58.010" v="28" actId="1076"/>
+          <ac:spMkLst>
+            <pc:docMk/>
+            <pc:sldMk cId="160463758" sldId="274"/>
+            <ac:spMk id="6" creationId="{0D646D64-CCCE-4C18-BF92-92BEA82B8BC9}"/>
+          </ac:spMkLst>
+        </pc:spChg>
+      </pc:sldChg>
+      <pc:sldChg chg="modTransition">
+        <pc:chgData name="Marcia Moraes" userId="c9c67e8a-58e2-4733-9a1c-5d44fec4775b" providerId="ADAL" clId="{782DD80B-8497-4C78-88BF-7159EC0EB292}" dt="2023-08-10T20:58:30.087" v="107"/>
+        <pc:sldMkLst>
+          <pc:docMk/>
+          <pc:sldMk cId="2552361361" sldId="278"/>
+        </pc:sldMkLst>
+      </pc:sldChg>
+      <pc:sldChg chg="add">
+        <pc:chgData name="Marcia Moraes" userId="c9c67e8a-58e2-4733-9a1c-5d44fec4775b" providerId="ADAL" clId="{782DD80B-8497-4C78-88BF-7159EC0EB292}" dt="2023-08-10T16:58:30.572" v="38"/>
+        <pc:sldMkLst>
+          <pc:docMk/>
+          <pc:sldMk cId="1175657051" sldId="279"/>
+        </pc:sldMkLst>
+      </pc:sldChg>
+      <pc:sldChg chg="modSp add">
+        <pc:chgData name="Marcia Moraes" userId="c9c67e8a-58e2-4733-9a1c-5d44fec4775b" providerId="ADAL" clId="{782DD80B-8497-4C78-88BF-7159EC0EB292}" dt="2023-08-10T17:00:14.821" v="44" actId="14100"/>
+        <pc:sldMkLst>
+          <pc:docMk/>
+          <pc:sldMk cId="3534300162" sldId="281"/>
+        </pc:sldMkLst>
+        <pc:spChg chg="mod">
+          <ac:chgData name="Marcia Moraes" userId="c9c67e8a-58e2-4733-9a1c-5d44fec4775b" providerId="ADAL" clId="{782DD80B-8497-4C78-88BF-7159EC0EB292}" dt="2023-08-10T17:00:14.821" v="44" actId="14100"/>
+          <ac:spMkLst>
+            <pc:docMk/>
+            <pc:sldMk cId="3534300162" sldId="281"/>
+            <ac:spMk id="3" creationId="{5917E1AE-69D5-6C45-B867-FE376B246A13}"/>
+          </ac:spMkLst>
+        </pc:spChg>
+      </pc:sldChg>
+      <pc:sldChg chg="addSp delSp modSp add">
+        <pc:chgData name="Marcia Moraes" userId="c9c67e8a-58e2-4733-9a1c-5d44fec4775b" providerId="ADAL" clId="{782DD80B-8497-4C78-88BF-7159EC0EB292}" dt="2023-08-10T17:11:38.657" v="56" actId="1076"/>
+        <pc:sldMkLst>
+          <pc:docMk/>
+          <pc:sldMk cId="1614057216" sldId="282"/>
+        </pc:sldMkLst>
+        <pc:spChg chg="del">
+          <ac:chgData name="Marcia Moraes" userId="c9c67e8a-58e2-4733-9a1c-5d44fec4775b" providerId="ADAL" clId="{782DD80B-8497-4C78-88BF-7159EC0EB292}" dt="2023-08-10T17:10:50.610" v="48" actId="478"/>
+          <ac:spMkLst>
+            <pc:docMk/>
+            <pc:sldMk cId="1614057216" sldId="282"/>
+            <ac:spMk id="3" creationId="{E94F0243-6D59-E442-BBF0-CCD40CD0F3CA}"/>
+          </ac:spMkLst>
+        </pc:spChg>
+        <pc:spChg chg="add del mod">
+          <ac:chgData name="Marcia Moraes" userId="c9c67e8a-58e2-4733-9a1c-5d44fec4775b" providerId="ADAL" clId="{782DD80B-8497-4C78-88BF-7159EC0EB292}" dt="2023-08-10T17:10:53.185" v="49" actId="478"/>
+          <ac:spMkLst>
+            <pc:docMk/>
+            <pc:sldMk cId="1614057216" sldId="282"/>
+            <ac:spMk id="5" creationId="{8139A48B-9655-4BAC-B311-F2A869A03220}"/>
+          </ac:spMkLst>
+        </pc:spChg>
+        <pc:picChg chg="add mod modCrop">
+          <ac:chgData name="Marcia Moraes" userId="c9c67e8a-58e2-4733-9a1c-5d44fec4775b" providerId="ADAL" clId="{782DD80B-8497-4C78-88BF-7159EC0EB292}" dt="2023-08-10T17:11:38.657" v="56" actId="1076"/>
+          <ac:picMkLst>
+            <pc:docMk/>
+            <pc:sldMk cId="1614057216" sldId="282"/>
+            <ac:picMk id="6" creationId="{36AC8121-D986-4F38-BBCF-5BF6C8B5DFEF}"/>
+          </ac:picMkLst>
+        </pc:picChg>
+      </pc:sldChg>
+      <pc:sldChg chg="addSp delSp modSp add">
+        <pc:chgData name="Marcia Moraes" userId="c9c67e8a-58e2-4733-9a1c-5d44fec4775b" providerId="ADAL" clId="{782DD80B-8497-4C78-88BF-7159EC0EB292}" dt="2023-08-10T20:08:31.584" v="94" actId="1076"/>
+        <pc:sldMkLst>
+          <pc:docMk/>
+          <pc:sldMk cId="2136151688" sldId="283"/>
+        </pc:sldMkLst>
+        <pc:spChg chg="mod">
+          <ac:chgData name="Marcia Moraes" userId="c9c67e8a-58e2-4733-9a1c-5d44fec4775b" providerId="ADAL" clId="{782DD80B-8497-4C78-88BF-7159EC0EB292}" dt="2023-08-10T20:00:51.183" v="79" actId="20577"/>
+          <ac:spMkLst>
+            <pc:docMk/>
+            <pc:sldMk cId="2136151688" sldId="283"/>
+            <ac:spMk id="2" creationId="{26C4DA0D-6620-6F49-A65E-18A9237B730E}"/>
+          </ac:spMkLst>
+        </pc:spChg>
+        <pc:picChg chg="add mod modCrop">
+          <ac:chgData name="Marcia Moraes" userId="c9c67e8a-58e2-4733-9a1c-5d44fec4775b" providerId="ADAL" clId="{782DD80B-8497-4C78-88BF-7159EC0EB292}" dt="2023-08-10T20:07:18.198" v="88" actId="1076"/>
+          <ac:picMkLst>
+            <pc:docMk/>
+            <pc:sldMk cId="2136151688" sldId="283"/>
+            <ac:picMk id="3" creationId="{3A433226-BB30-4EA3-B4B8-4C2C59D3DA50}"/>
+          </ac:picMkLst>
+        </pc:picChg>
+        <pc:picChg chg="add mod modCrop">
+          <ac:chgData name="Marcia Moraes" userId="c9c67e8a-58e2-4733-9a1c-5d44fec4775b" providerId="ADAL" clId="{782DD80B-8497-4C78-88BF-7159EC0EB292}" dt="2023-08-10T20:08:31.584" v="94" actId="1076"/>
+          <ac:picMkLst>
+            <pc:docMk/>
+            <pc:sldMk cId="2136151688" sldId="283"/>
+            <ac:picMk id="4" creationId="{5EDEC5B4-4AAD-4208-955F-106124E443E3}"/>
+          </ac:picMkLst>
+        </pc:picChg>
+        <pc:picChg chg="del">
+          <ac:chgData name="Marcia Moraes" userId="c9c67e8a-58e2-4733-9a1c-5d44fec4775b" providerId="ADAL" clId="{782DD80B-8497-4C78-88BF-7159EC0EB292}" dt="2023-08-10T19:54:49.939" v="58" actId="478"/>
+          <ac:picMkLst>
+            <pc:docMk/>
+            <pc:sldMk cId="2136151688" sldId="283"/>
+            <ac:picMk id="6" creationId="{36AC8121-D986-4F38-BBCF-5BF6C8B5DFEF}"/>
+          </ac:picMkLst>
+        </pc:picChg>
+      </pc:sldChg>
+      <pc:sldChg chg="addSp delSp modSp add delAnim">
+        <pc:chgData name="Marcia Moraes" userId="c9c67e8a-58e2-4733-9a1c-5d44fec4775b" providerId="ADAL" clId="{782DD80B-8497-4C78-88BF-7159EC0EB292}" dt="2023-08-10T21:06:45.415" v="133" actId="113"/>
+        <pc:sldMkLst>
+          <pc:docMk/>
+          <pc:sldMk cId="2866524206" sldId="284"/>
+        </pc:sldMkLst>
+        <pc:spChg chg="add mod">
+          <ac:chgData name="Marcia Moraes" userId="c9c67e8a-58e2-4733-9a1c-5d44fec4775b" providerId="ADAL" clId="{782DD80B-8497-4C78-88BF-7159EC0EB292}" dt="2023-08-10T21:04:53.268" v="116" actId="113"/>
+          <ac:spMkLst>
+            <pc:docMk/>
+            <pc:sldMk cId="2866524206" sldId="284"/>
+            <ac:spMk id="3" creationId="{0899DD9E-B5F8-4D99-98F7-7C57134C173A}"/>
+          </ac:spMkLst>
+        </pc:spChg>
+        <pc:spChg chg="mod">
+          <ac:chgData name="Marcia Moraes" userId="c9c67e8a-58e2-4733-9a1c-5d44fec4775b" providerId="ADAL" clId="{782DD80B-8497-4C78-88BF-7159EC0EB292}" dt="2023-08-10T21:05:03.719" v="125" actId="20577"/>
+          <ac:spMkLst>
+            <pc:docMk/>
+            <pc:sldMk cId="2866524206" sldId="284"/>
+            <ac:spMk id="4" creationId="{00000000-0000-0000-0000-000000000000}"/>
+          </ac:spMkLst>
+        </pc:spChg>
+        <pc:spChg chg="del">
+          <ac:chgData name="Marcia Moraes" userId="c9c67e8a-58e2-4733-9a1c-5d44fec4775b" providerId="ADAL" clId="{782DD80B-8497-4C78-88BF-7159EC0EB292}" dt="2023-08-10T20:57:50.754" v="106" actId="478"/>
+          <ac:spMkLst>
+            <pc:docMk/>
+            <pc:sldMk cId="2866524206" sldId="284"/>
+            <ac:spMk id="6" creationId="{61A47B75-5CF5-8148-89FC-032FCDA5013B}"/>
+          </ac:spMkLst>
+        </pc:spChg>
+        <pc:spChg chg="del">
+          <ac:chgData name="Marcia Moraes" userId="c9c67e8a-58e2-4733-9a1c-5d44fec4775b" providerId="ADAL" clId="{782DD80B-8497-4C78-88BF-7159EC0EB292}" dt="2023-08-10T21:04:09.905" v="110" actId="478"/>
+          <ac:spMkLst>
+            <pc:docMk/>
+            <pc:sldMk cId="2866524206" sldId="284"/>
+            <ac:spMk id="7" creationId="{61A47B75-5CF5-8148-89FC-032FCDA5013B}"/>
+          </ac:spMkLst>
+        </pc:spChg>
+        <pc:spChg chg="del">
+          <ac:chgData name="Marcia Moraes" userId="c9c67e8a-58e2-4733-9a1c-5d44fec4775b" providerId="ADAL" clId="{782DD80B-8497-4C78-88BF-7159EC0EB292}" dt="2023-08-10T21:04:04.960" v="109" actId="478"/>
+          <ac:spMkLst>
+            <pc:docMk/>
+            <pc:sldMk cId="2866524206" sldId="284"/>
+            <ac:spMk id="8" creationId="{61A47B75-5CF5-8148-89FC-032FCDA5013B}"/>
+          </ac:spMkLst>
+        </pc:spChg>
+        <pc:spChg chg="add mod">
+          <ac:chgData name="Marcia Moraes" userId="c9c67e8a-58e2-4733-9a1c-5d44fec4775b" providerId="ADAL" clId="{782DD80B-8497-4C78-88BF-7159EC0EB292}" dt="2023-08-10T21:06:45.415" v="133" actId="113"/>
+          <ac:spMkLst>
+            <pc:docMk/>
+            <pc:sldMk cId="2866524206" sldId="284"/>
+            <ac:spMk id="9" creationId="{0F7B3CF4-D174-41F3-B4D8-F2F47B10E6C8}"/>
+          </ac:spMkLst>
+        </pc:spChg>
+      </pc:sldChg>
+      <pc:sldChg chg="delSp add ord delAnim modAnim">
+        <pc:chgData name="Marcia Moraes" userId="c9c67e8a-58e2-4733-9a1c-5d44fec4775b" providerId="ADAL" clId="{782DD80B-8497-4C78-88BF-7159EC0EB292}" dt="2023-08-10T21:09:07.941" v="143"/>
+        <pc:sldMkLst>
+          <pc:docMk/>
+          <pc:sldMk cId="4151940406" sldId="285"/>
+        </pc:sldMkLst>
+        <pc:spChg chg="del">
+          <ac:chgData name="Marcia Moraes" userId="c9c67e8a-58e2-4733-9a1c-5d44fec4775b" providerId="ADAL" clId="{782DD80B-8497-4C78-88BF-7159EC0EB292}" dt="2023-08-10T21:05:28.168" v="128" actId="478"/>
+          <ac:spMkLst>
+            <pc:docMk/>
+            <pc:sldMk cId="4151940406" sldId="285"/>
+            <ac:spMk id="8" creationId="{61A47B75-5CF5-8148-89FC-032FCDA5013B}"/>
+          </ac:spMkLst>
+        </pc:spChg>
+      </pc:sldChg>
+      <pc:sldChg chg="addSp delSp modSp add delAnim modAnim">
+        <pc:chgData name="Marcia Moraes" userId="c9c67e8a-58e2-4733-9a1c-5d44fec4775b" providerId="ADAL" clId="{782DD80B-8497-4C78-88BF-7159EC0EB292}" dt="2023-08-10T21:08:44.994" v="142"/>
+        <pc:sldMkLst>
+          <pc:docMk/>
+          <pc:sldMk cId="2125741387" sldId="286"/>
+        </pc:sldMkLst>
+        <pc:spChg chg="add mod">
+          <ac:chgData name="Marcia Moraes" userId="c9c67e8a-58e2-4733-9a1c-5d44fec4775b" providerId="ADAL" clId="{782DD80B-8497-4C78-88BF-7159EC0EB292}" dt="2023-08-10T21:08:24.361" v="140" actId="113"/>
+          <ac:spMkLst>
+            <pc:docMk/>
+            <pc:sldMk cId="2125741387" sldId="286"/>
+            <ac:spMk id="3" creationId="{1F0F88B9-C8CF-4880-8C8A-4164D23B7F2B}"/>
+          </ac:spMkLst>
+        </pc:spChg>
+        <pc:spChg chg="mod">
+          <ac:chgData name="Marcia Moraes" userId="c9c67e8a-58e2-4733-9a1c-5d44fec4775b" providerId="ADAL" clId="{782DD80B-8497-4C78-88BF-7159EC0EB292}" dt="2023-08-10T21:07:22.522" v="135" actId="20577"/>
+          <ac:spMkLst>
+            <pc:docMk/>
+            <pc:sldMk cId="2125741387" sldId="286"/>
+            <ac:spMk id="4" creationId="{00000000-0000-0000-0000-000000000000}"/>
+          </ac:spMkLst>
+        </pc:spChg>
+        <pc:spChg chg="del">
+          <ac:chgData name="Marcia Moraes" userId="c9c67e8a-58e2-4733-9a1c-5d44fec4775b" providerId="ADAL" clId="{782DD80B-8497-4C78-88BF-7159EC0EB292}" dt="2023-08-10T21:07:07.104" v="134" actId="478"/>
+          <ac:spMkLst>
+            <pc:docMk/>
+            <pc:sldMk cId="2125741387" sldId="286"/>
+            <ac:spMk id="7" creationId="{61A47B75-5CF5-8148-89FC-032FCDA5013B}"/>
+          </ac:spMkLst>
+        </pc:spChg>
+      </pc:sldChg>
+    </pc:docChg>
+  </pc:docChgLst>
+</pc:chgInfo>
+</file>
+
 <file path=ppt/handoutMasters/handoutMaster1.xml><?xml version="1.0" encoding="utf-8"?>
 <p:handoutMaster xmlns:a="http://schemas.openxmlformats.org/drawingml/2006/main" xmlns:r="http://schemas.openxmlformats.org/officeDocument/2006/relationships" xmlns:p="http://schemas.openxmlformats.org/presentationml/2006/main">
   <p:cSld>
@@ -233,7 +611,7 @@
           <a:p>
             <a:fld id="{4D7E51A5-B478-1E40-8CBB-0DAA8831E99D}" type="datetimeFigureOut">
               <a:rPr lang="en-US" smtClean="0"/>
-              <a:t>1/26/2023</a:t>
+              <a:t>8/10/2023</a:t>
             </a:fld>
             <a:endParaRPr lang="en-US"/>
           </a:p>
@@ -398,7 +776,7 @@
           <a:p>
             <a:fld id="{D0ED587F-861E-6740-9643-E3DDAE89B8D6}" type="datetimeFigureOut">
               <a:rPr lang="en-US" smtClean="0"/>
-              <a:t>1/26/2023</a:t>
+              <a:t>8/10/2023</a:t>
             </a:fld>
             <a:endParaRPr lang="en-US"/>
           </a:p>
@@ -7303,7 +7681,7 @@
         <p:spPr>
           <a:xfrm>
             <a:off x="6908800" y="1776683"/>
-            <a:ext cx="6280728" cy="4186659"/>
+            <a:ext cx="6280728" cy="4698017"/>
           </a:xfrm>
         </p:spPr>
         <p:txBody>
@@ -7311,41 +7689,41 @@
           <a:lstStyle/>
           <a:p>
             <a:r>
-              <a:rPr lang="en-US" dirty="0"/>
+              <a:rPr lang="en-US" sz="2000" dirty="0"/>
               <a:t>Storing variables in memory</a:t>
             </a:r>
           </a:p>
           <a:p>
             <a:pPr lvl="1"/>
             <a:r>
-              <a:rPr lang="en-US" dirty="0"/>
+              <a:rPr lang="en-US" sz="2000" dirty="0"/>
               <a:t>Wherever the computer decides</a:t>
             </a:r>
           </a:p>
           <a:p>
             <a:pPr lvl="1"/>
             <a:r>
-              <a:rPr lang="en-US" dirty="0"/>
+              <a:rPr lang="en-US" sz="2000" dirty="0"/>
               <a:t>Value stored in the location</a:t>
             </a:r>
           </a:p>
           <a:p>
             <a:pPr lvl="1"/>
             <a:r>
-              <a:rPr lang="en-US" dirty="0"/>
+              <a:rPr lang="en-US" sz="2000" dirty="0"/>
               <a:t>Variable name points towards location</a:t>
             </a:r>
           </a:p>
           <a:p>
             <a:r>
-              <a:rPr lang="en-US" dirty="0"/>
+              <a:rPr lang="en-US" sz="2000" dirty="0"/>
               <a:t>Example</a:t>
             </a:r>
           </a:p>
           <a:p>
             <a:pPr lvl="1"/>
             <a:r>
-              <a:rPr lang="en-US" dirty="0">
+              <a:rPr lang="en-US" sz="2000" dirty="0">
                 <a:latin typeface="Consolas" panose="020B0609020204030204" pitchFamily="49" charset="0"/>
                 <a:cs typeface="Consolas" panose="020B0609020204030204" pitchFamily="49" charset="0"/>
               </a:rPr>
@@ -7355,7 +7733,7 @@
           <a:p>
             <a:pPr lvl="1"/>
             <a:r>
-              <a:rPr lang="en-US" dirty="0">
+              <a:rPr lang="en-US" sz="2000" dirty="0">
                 <a:latin typeface="Consolas" panose="020B0609020204030204" pitchFamily="49" charset="0"/>
                 <a:cs typeface="Consolas" panose="020B0609020204030204" pitchFamily="49" charset="0"/>
               </a:rPr>
@@ -7364,14 +7742,14 @@
           </a:p>
           <a:p>
             <a:pPr lvl="1"/>
-            <a:endParaRPr lang="en-US" dirty="0">
+            <a:endParaRPr lang="en-US" sz="2000" dirty="0">
               <a:latin typeface="Consolas" panose="020B0609020204030204" pitchFamily="49" charset="0"/>
               <a:cs typeface="Consolas" panose="020B0609020204030204" pitchFamily="49" charset="0"/>
             </a:endParaRPr>
           </a:p>
           <a:p>
             <a:r>
-              <a:rPr lang="en-US" dirty="0">
+              <a:rPr lang="en-US" sz="2000" dirty="0">
                 <a:latin typeface="Consolas" panose="020B0609020204030204" pitchFamily="49" charset="0"/>
                 <a:cs typeface="Consolas" panose="020B0609020204030204" pitchFamily="49" charset="0"/>
               </a:rPr>
@@ -7381,23 +7759,12 @@
           <a:p>
             <a:pPr lvl="1"/>
             <a:r>
-              <a:rPr lang="en-US" dirty="0">
+              <a:rPr lang="en-US" sz="2000" dirty="0">
                 <a:latin typeface="Consolas" panose="020B0609020204030204" pitchFamily="49" charset="0"/>
                 <a:cs typeface="Consolas" panose="020B0609020204030204" pitchFamily="49" charset="0"/>
               </a:rPr>
-              <a:t>String mascot = </a:t>
-            </a:r>
-            <a:r>
-              <a:rPr lang="en-US">
-                <a:latin typeface="Consolas" panose="020B0609020204030204" pitchFamily="49" charset="0"/>
-                <a:cs typeface="Consolas" panose="020B0609020204030204" pitchFamily="49" charset="0"/>
-              </a:rPr>
-              <a:t>“CAM”;</a:t>
-            </a:r>
-            <a:endParaRPr lang="en-US" dirty="0">
-              <a:latin typeface="Consolas" panose="020B0609020204030204" pitchFamily="49" charset="0"/>
-              <a:cs typeface="Consolas" panose="020B0609020204030204" pitchFamily="49" charset="0"/>
-            </a:endParaRPr>
+              <a:t>String mascot = “CAM”;</a:t>
+            </a:r>
           </a:p>
         </p:txBody>
       </p:sp>
@@ -7967,7 +8334,7 @@
     </p:spTree>
     <p:extLst>
       <p:ext uri="{BB962C8B-B14F-4D97-AF65-F5344CB8AC3E}">
-        <p14:creationId xmlns:p14="http://schemas.microsoft.com/office/powerpoint/2010/main" val="1168442721"/>
+        <p14:creationId xmlns:p14="http://schemas.microsoft.com/office/powerpoint/2010/main" val="1072400253"/>
       </p:ext>
     </p:extLst>
   </p:cSld>
@@ -8549,8 +8916,8 @@
         </p:nvSpPr>
         <p:spPr>
           <a:xfrm>
-            <a:off x="7305627" y="1766200"/>
-            <a:ext cx="5280770" cy="5047985"/>
+            <a:off x="7305627" y="218957"/>
+            <a:ext cx="6149116" cy="6775509"/>
           </a:xfrm>
         </p:spPr>
         <p:txBody>
@@ -8558,48 +8925,48 @@
           <a:lstStyle/>
           <a:p>
             <a:r>
-              <a:rPr lang="en-US" dirty="0"/>
+              <a:rPr lang="en-US" sz="2000" dirty="0"/>
               <a:t>Ordered Collection of characters </a:t>
             </a:r>
           </a:p>
           <a:p>
             <a:pPr lvl="1"/>
             <a:r>
-              <a:rPr lang="en-US" dirty="0"/>
+              <a:rPr lang="en-US" sz="2000" dirty="0"/>
               <a:t>Indexed – starting at 0</a:t>
             </a:r>
           </a:p>
           <a:p>
             <a:pPr lvl="1"/>
             <a:r>
-              <a:rPr lang="en-US" dirty="0"/>
+              <a:rPr lang="en-US" sz="2000" dirty="0"/>
               <a:t>‘C’ is at index 0</a:t>
             </a:r>
           </a:p>
           <a:p>
             <a:pPr lvl="1"/>
             <a:r>
-              <a:rPr lang="en-US" dirty="0"/>
+              <a:rPr lang="en-US" sz="2000" dirty="0"/>
               <a:t>‘A’ is at index 1</a:t>
             </a:r>
           </a:p>
           <a:p>
             <a:r>
-              <a:rPr lang="en-US" b="1" dirty="0">
+              <a:rPr lang="en-US" sz="2000" b="1" dirty="0">
                 <a:latin typeface="Consolas" panose="020B0609020204030204" pitchFamily="49" charset="0"/>
                 <a:cs typeface="Consolas" panose="020B0609020204030204" pitchFamily="49" charset="0"/>
               </a:rPr>
               <a:t>char character = </a:t>
             </a:r>
             <a:r>
-              <a:rPr lang="en-US" b="1" dirty="0" err="1">
+              <a:rPr lang="en-US" sz="2000" b="1" dirty="0" err="1">
                 <a:latin typeface="Consolas" panose="020B0609020204030204" pitchFamily="49" charset="0"/>
                 <a:cs typeface="Consolas" panose="020B0609020204030204" pitchFamily="49" charset="0"/>
               </a:rPr>
               <a:t>mascot.charAt</a:t>
             </a:r>
             <a:r>
-              <a:rPr lang="en-US" b="1" dirty="0">
+              <a:rPr lang="en-US" sz="2000" b="1" dirty="0">
                 <a:latin typeface="Consolas" panose="020B0609020204030204" pitchFamily="49" charset="0"/>
                 <a:cs typeface="Consolas" panose="020B0609020204030204" pitchFamily="49" charset="0"/>
               </a:rPr>
@@ -8609,55 +8976,55 @@
           <a:p>
             <a:pPr lvl="1"/>
             <a:r>
-              <a:rPr lang="en-US" dirty="0"/>
+              <a:rPr lang="en-US" sz="2000" dirty="0"/>
               <a:t>returns ’M’ (character)</a:t>
             </a:r>
           </a:p>
           <a:p>
             <a:r>
-              <a:rPr lang="en-US" dirty="0"/>
+              <a:rPr lang="en-US" sz="2000" dirty="0"/>
               <a:t>How many  characters?</a:t>
             </a:r>
           </a:p>
           <a:p>
             <a:pPr lvl="1"/>
             <a:r>
-              <a:rPr lang="en-US" b="1" dirty="0">
+              <a:rPr lang="en-US" sz="2000" b="1" dirty="0">
                 <a:latin typeface="Consolas" panose="020B0609020204030204" pitchFamily="49" charset="0"/>
                 <a:cs typeface="Consolas" panose="020B0609020204030204" pitchFamily="49" charset="0"/>
               </a:rPr>
               <a:t>int </a:t>
             </a:r>
             <a:r>
-              <a:rPr lang="en-US" b="1" dirty="0" err="1">
+              <a:rPr lang="en-US" sz="2000" b="1" dirty="0" err="1">
                 <a:latin typeface="Consolas" panose="020B0609020204030204" pitchFamily="49" charset="0"/>
                 <a:cs typeface="Consolas" panose="020B0609020204030204" pitchFamily="49" charset="0"/>
               </a:rPr>
               <a:t>len</a:t>
             </a:r>
             <a:r>
-              <a:rPr lang="en-US" b="1" dirty="0">
+              <a:rPr lang="en-US" sz="2000" b="1" dirty="0">
                 <a:latin typeface="Consolas" panose="020B0609020204030204" pitchFamily="49" charset="0"/>
                 <a:cs typeface="Consolas" panose="020B0609020204030204" pitchFamily="49" charset="0"/>
               </a:rPr>
               <a:t> = </a:t>
             </a:r>
             <a:r>
-              <a:rPr lang="en-US" b="1" dirty="0" err="1">
+              <a:rPr lang="en-US" sz="2000" b="1" dirty="0" err="1">
                 <a:latin typeface="Consolas" panose="020B0609020204030204" pitchFamily="49" charset="0"/>
                 <a:cs typeface="Consolas" panose="020B0609020204030204" pitchFamily="49" charset="0"/>
               </a:rPr>
               <a:t>mascot.length</a:t>
             </a:r>
             <a:r>
-              <a:rPr lang="en-US" b="1" dirty="0">
+              <a:rPr lang="en-US" sz="2000" b="1" dirty="0">
                 <a:latin typeface="Consolas" panose="020B0609020204030204" pitchFamily="49" charset="0"/>
                 <a:cs typeface="Consolas" panose="020B0609020204030204" pitchFamily="49" charset="0"/>
               </a:rPr>
               <a:t>(); </a:t>
             </a:r>
             <a:r>
-              <a:rPr lang="en-US" dirty="0">
+              <a:rPr lang="en-US" sz="2000" dirty="0">
                 <a:latin typeface="Consolas" panose="020B0609020204030204" pitchFamily="49" charset="0"/>
                 <a:cs typeface="Consolas" panose="020B0609020204030204" pitchFamily="49" charset="0"/>
               </a:rPr>
@@ -8666,7 +9033,7 @@
           </a:p>
           <a:p>
             <a:r>
-              <a:rPr lang="en-US" dirty="0">
+              <a:rPr lang="en-US" sz="2000" dirty="0">
                 <a:latin typeface="Consolas" panose="020B0609020204030204" pitchFamily="49" charset="0"/>
                 <a:cs typeface="Consolas" panose="020B0609020204030204" pitchFamily="49" charset="0"/>
               </a:rPr>
@@ -8676,7 +9043,7 @@
           <a:p>
             <a:pPr lvl="1"/>
             <a:r>
-              <a:rPr lang="en-US" dirty="0">
+              <a:rPr lang="en-US" sz="2000" dirty="0">
                 <a:latin typeface="Consolas" panose="020B0609020204030204" pitchFamily="49" charset="0"/>
                 <a:cs typeface="Consolas" panose="020B0609020204030204" pitchFamily="49" charset="0"/>
               </a:rPr>
@@ -8686,7 +9053,7 @@
           <a:p>
             <a:pPr lvl="1"/>
             <a:r>
-              <a:rPr lang="en-US" dirty="0">
+              <a:rPr lang="en-US" sz="2000" dirty="0">
                 <a:latin typeface="Consolas" panose="020B0609020204030204" pitchFamily="49" charset="0"/>
                 <a:cs typeface="Consolas" panose="020B0609020204030204" pitchFamily="49" charset="0"/>
               </a:rPr>
@@ -8696,7 +9063,7 @@
           <a:p>
             <a:pPr lvl="1"/>
             <a:r>
-              <a:rPr lang="en-US" dirty="0">
+              <a:rPr lang="en-US" sz="2000" dirty="0">
                 <a:latin typeface="Consolas" panose="020B0609020204030204" pitchFamily="49" charset="0"/>
                 <a:cs typeface="Consolas" panose="020B0609020204030204" pitchFamily="49" charset="0"/>
               </a:rPr>
@@ -9275,7 +9642,7 @@
     </p:spTree>
     <p:extLst>
       <p:ext uri="{BB962C8B-B14F-4D97-AF65-F5344CB8AC3E}">
-        <p14:creationId xmlns:p14="http://schemas.microsoft.com/office/powerpoint/2010/main" val="709799232"/>
+        <p14:creationId xmlns:p14="http://schemas.microsoft.com/office/powerpoint/2010/main" val="3534300162"/>
       </p:ext>
     </p:extLst>
   </p:cSld>
@@ -10052,53 +10419,6 @@
           </a:p>
         </p:txBody>
       </p:sp>
-      <p:pic>
-        <p:nvPicPr>
-          <p:cNvPr id="1026" name="Picture 2">
-            <a:extLst>
-              <a:ext uri="{FF2B5EF4-FFF2-40B4-BE49-F238E27FC236}">
-                <a16:creationId xmlns:a16="http://schemas.microsoft.com/office/drawing/2014/main" id="{BD4EDBCB-50BF-A44E-9ACE-664BDDA0ADF6}"/>
-              </a:ext>
-            </a:extLst>
-          </p:cNvPr>
-          <p:cNvPicPr>
-            <a:picLocks noChangeAspect="1" noChangeArrowheads="1"/>
-          </p:cNvPicPr>
-          <p:nvPr/>
-        </p:nvPicPr>
-        <p:blipFill>
-          <a:blip r:embed="rId3">
-            <a:extLst>
-              <a:ext uri="{28A0092B-C50C-407E-A947-70E740481C1C}">
-                <a14:useLocalDpi xmlns:a14="http://schemas.microsoft.com/office/drawing/2010/main" val="0"/>
-              </a:ext>
-            </a:extLst>
-          </a:blip>
-          <a:srcRect/>
-          <a:stretch>
-            <a:fillRect/>
-          </a:stretch>
-        </p:blipFill>
-        <p:spPr bwMode="auto">
-          <a:xfrm>
-            <a:off x="11391900" y="-1"/>
-            <a:ext cx="2425701" cy="2425701"/>
-          </a:xfrm>
-          <a:prstGeom prst="rect">
-            <a:avLst/>
-          </a:prstGeom>
-          <a:noFill/>
-          <a:extLst>
-            <a:ext uri="{909E8E84-426E-40DD-AFC4-6F175D3DCCD1}">
-              <a14:hiddenFill xmlns:a14="http://schemas.microsoft.com/office/drawing/2010/main">
-                <a:solidFill>
-                  <a:srgbClr val="FFFFFF"/>
-                </a:solidFill>
-              </a14:hiddenFill>
-            </a:ext>
-          </a:extLst>
-        </p:spPr>
-      </p:pic>
       <p:sp>
         <p:nvSpPr>
           <p:cNvPr id="6" name="Rectangle 5">
@@ -12374,6 +12694,255 @@
 </file>
 
 <file path=ppt/slides/slide16.xml><?xml version="1.0" encoding="utf-8"?>
+<p:sld xmlns:a="http://schemas.openxmlformats.org/drawingml/2006/main" xmlns:r="http://schemas.openxmlformats.org/officeDocument/2006/relationships" xmlns:p="http://schemas.openxmlformats.org/presentationml/2006/main">
+  <p:cSld>
+    <p:spTree>
+      <p:nvGrpSpPr>
+        <p:cNvPr id="1" name=""/>
+        <p:cNvGrpSpPr/>
+        <p:nvPr/>
+      </p:nvGrpSpPr>
+      <p:grpSpPr>
+        <a:xfrm>
+          <a:off x="0" y="0"/>
+          <a:ext cx="0" cy="0"/>
+          <a:chOff x="0" y="0"/>
+          <a:chExt cx="0" cy="0"/>
+        </a:xfrm>
+      </p:grpSpPr>
+      <p:sp>
+        <p:nvSpPr>
+          <p:cNvPr id="2" name="Title 1">
+            <a:extLst>
+              <a:ext uri="{FF2B5EF4-FFF2-40B4-BE49-F238E27FC236}">
+                <a16:creationId xmlns:a16="http://schemas.microsoft.com/office/drawing/2014/main" id="{26C4DA0D-6620-6F49-A65E-18A9237B730E}"/>
+              </a:ext>
+            </a:extLst>
+          </p:cNvPr>
+          <p:cNvSpPr>
+            <a:spLocks noGrp="1"/>
+          </p:cNvSpPr>
+          <p:nvPr>
+            <p:ph type="title"/>
+          </p:nvPr>
+        </p:nvSpPr>
+        <p:spPr>
+          <a:xfrm>
+            <a:off x="628075" y="448059"/>
+            <a:ext cx="12561453" cy="1015663"/>
+          </a:xfrm>
+        </p:spPr>
+        <p:txBody>
+          <a:bodyPr/>
+          <a:lstStyle/>
+          <a:p>
+            <a:r>
+              <a:rPr lang="en-US" dirty="0" err="1"/>
+              <a:t>String.format</a:t>
+            </a:r>
+            <a:r>
+              <a:rPr lang="en-US" dirty="0"/>
+              <a:t>/</a:t>
+            </a:r>
+            <a:r>
+              <a:rPr lang="en-US" dirty="0" err="1"/>
+              <a:t>printf</a:t>
+            </a:r>
+            <a:r>
+              <a:rPr lang="en-US" dirty="0"/>
+              <a:t> </a:t>
+            </a:r>
+          </a:p>
+        </p:txBody>
+      </p:sp>
+      <p:pic>
+        <p:nvPicPr>
+          <p:cNvPr id="6" name="Picture 5">
+            <a:extLst>
+              <a:ext uri="{FF2B5EF4-FFF2-40B4-BE49-F238E27FC236}">
+                <a16:creationId xmlns:a16="http://schemas.microsoft.com/office/drawing/2014/main" id="{36AC8121-D986-4F38-BBCF-5BF6C8B5DFEF}"/>
+              </a:ext>
+            </a:extLst>
+          </p:cNvPr>
+          <p:cNvPicPr>
+            <a:picLocks noChangeAspect="1"/>
+          </p:cNvPicPr>
+          <p:nvPr/>
+        </p:nvPicPr>
+        <p:blipFill rotWithShape="1">
+          <a:blip r:embed="rId2"/>
+          <a:srcRect l="20483" t="21288" r="25393" b="15546"/>
+          <a:stretch/>
+        </p:blipFill>
+        <p:spPr>
+          <a:xfrm>
+            <a:off x="1672206" y="1463722"/>
+            <a:ext cx="8636566" cy="5669712"/>
+          </a:xfrm>
+          <a:prstGeom prst="rect">
+            <a:avLst/>
+          </a:prstGeom>
+        </p:spPr>
+      </p:pic>
+    </p:spTree>
+    <p:extLst>
+      <p:ext uri="{BB962C8B-B14F-4D97-AF65-F5344CB8AC3E}">
+        <p14:creationId xmlns:p14="http://schemas.microsoft.com/office/powerpoint/2010/main" val="1614057216"/>
+      </p:ext>
+    </p:extLst>
+  </p:cSld>
+  <p:clrMapOvr>
+    <a:masterClrMapping/>
+  </p:clrMapOvr>
+  <mc:AlternateContent xmlns:mc="http://schemas.openxmlformats.org/markup-compatibility/2006" xmlns:p14="http://schemas.microsoft.com/office/powerpoint/2010/main">
+    <mc:Choice Requires="p14">
+      <p:transition p14:dur="300" advTm="109816">
+        <p:fade/>
+      </p:transition>
+    </mc:Choice>
+    <mc:Fallback xmlns="">
+      <p:transition advTm="109816">
+        <p:fade/>
+      </p:transition>
+    </mc:Fallback>
+  </mc:AlternateContent>
+</p:sld>
+</file>
+
+<file path=ppt/slides/slide17.xml><?xml version="1.0" encoding="utf-8"?>
+<p:sld xmlns:a="http://schemas.openxmlformats.org/drawingml/2006/main" xmlns:r="http://schemas.openxmlformats.org/officeDocument/2006/relationships" xmlns:p="http://schemas.openxmlformats.org/presentationml/2006/main">
+  <p:cSld>
+    <p:spTree>
+      <p:nvGrpSpPr>
+        <p:cNvPr id="1" name=""/>
+        <p:cNvGrpSpPr/>
+        <p:nvPr/>
+      </p:nvGrpSpPr>
+      <p:grpSpPr>
+        <a:xfrm>
+          <a:off x="0" y="0"/>
+          <a:ext cx="0" cy="0"/>
+          <a:chOff x="0" y="0"/>
+          <a:chExt cx="0" cy="0"/>
+        </a:xfrm>
+      </p:grpSpPr>
+      <p:sp>
+        <p:nvSpPr>
+          <p:cNvPr id="2" name="Title 1">
+            <a:extLst>
+              <a:ext uri="{FF2B5EF4-FFF2-40B4-BE49-F238E27FC236}">
+                <a16:creationId xmlns:a16="http://schemas.microsoft.com/office/drawing/2014/main" id="{26C4DA0D-6620-6F49-A65E-18A9237B730E}"/>
+              </a:ext>
+            </a:extLst>
+          </p:cNvPr>
+          <p:cNvSpPr>
+            <a:spLocks noGrp="1"/>
+          </p:cNvSpPr>
+          <p:nvPr>
+            <p:ph type="title"/>
+          </p:nvPr>
+        </p:nvSpPr>
+        <p:spPr>
+          <a:xfrm>
+            <a:off x="628075" y="448059"/>
+            <a:ext cx="12561453" cy="1015663"/>
+          </a:xfrm>
+        </p:spPr>
+        <p:txBody>
+          <a:bodyPr/>
+          <a:lstStyle/>
+          <a:p>
+            <a:r>
+              <a:rPr lang="en-US" dirty="0"/>
+              <a:t>Floating point values </a:t>
+            </a:r>
+          </a:p>
+        </p:txBody>
+      </p:sp>
+      <p:pic>
+        <p:nvPicPr>
+          <p:cNvPr id="3" name="Picture 2">
+            <a:extLst>
+              <a:ext uri="{FF2B5EF4-FFF2-40B4-BE49-F238E27FC236}">
+                <a16:creationId xmlns:a16="http://schemas.microsoft.com/office/drawing/2014/main" id="{3A433226-BB30-4EA3-B4B8-4C2C59D3DA50}"/>
+              </a:ext>
+            </a:extLst>
+          </p:cNvPr>
+          <p:cNvPicPr>
+            <a:picLocks noChangeAspect="1"/>
+          </p:cNvPicPr>
+          <p:nvPr/>
+        </p:nvPicPr>
+        <p:blipFill rotWithShape="1">
+          <a:blip r:embed="rId2"/>
+          <a:srcRect l="23714" t="22269" r="38077" b="62605"/>
+          <a:stretch/>
+        </p:blipFill>
+        <p:spPr>
+          <a:xfrm>
+            <a:off x="7184571" y="442210"/>
+            <a:ext cx="6332415" cy="1410106"/>
+          </a:xfrm>
+          <a:prstGeom prst="rect">
+            <a:avLst/>
+          </a:prstGeom>
+        </p:spPr>
+      </p:pic>
+      <p:pic>
+        <p:nvPicPr>
+          <p:cNvPr id="4" name="Picture 3">
+            <a:extLst>
+              <a:ext uri="{FF2B5EF4-FFF2-40B4-BE49-F238E27FC236}">
+                <a16:creationId xmlns:a16="http://schemas.microsoft.com/office/drawing/2014/main" id="{5EDEC5B4-4AAD-4208-955F-106124E443E3}"/>
+              </a:ext>
+            </a:extLst>
+          </p:cNvPr>
+          <p:cNvPicPr>
+            <a:picLocks noChangeAspect="1"/>
+          </p:cNvPicPr>
+          <p:nvPr/>
+        </p:nvPicPr>
+        <p:blipFill rotWithShape="1">
+          <a:blip r:embed="rId3"/>
+          <a:srcRect l="11818" t="18832" r="13419" b="10364"/>
+          <a:stretch/>
+        </p:blipFill>
+        <p:spPr>
+          <a:xfrm>
+            <a:off x="628075" y="1594350"/>
+            <a:ext cx="10330543" cy="5503135"/>
+          </a:xfrm>
+          <a:prstGeom prst="rect">
+            <a:avLst/>
+          </a:prstGeom>
+        </p:spPr>
+      </p:pic>
+    </p:spTree>
+    <p:extLst>
+      <p:ext uri="{BB962C8B-B14F-4D97-AF65-F5344CB8AC3E}">
+        <p14:creationId xmlns:p14="http://schemas.microsoft.com/office/powerpoint/2010/main" val="2136151688"/>
+      </p:ext>
+    </p:extLst>
+  </p:cSld>
+  <p:clrMapOvr>
+    <a:masterClrMapping/>
+  </p:clrMapOvr>
+  <mc:AlternateContent xmlns:mc="http://schemas.openxmlformats.org/markup-compatibility/2006" xmlns:p14="http://schemas.microsoft.com/office/powerpoint/2010/main">
+    <mc:Choice Requires="p14">
+      <p:transition p14:dur="300" advTm="109816">
+        <p:fade/>
+      </p:transition>
+    </mc:Choice>
+    <mc:Fallback xmlns="">
+      <p:transition advTm="109816">
+        <p:fade/>
+      </p:transition>
+    </mc:Fallback>
+  </mc:AlternateContent>
+</p:sld>
+</file>
+
+<file path=ppt/slides/slide18.xml><?xml version="1.0" encoding="utf-8"?>
 <p:sld xmlns:a="http://schemas.openxmlformats.org/drawingml/2006/main" xmlns:r="http://schemas.openxmlformats.org/officeDocument/2006/relationships" xmlns:p="http://schemas.openxmlformats.org/presentationml/2006/main">
   <p:cSld>
     <p:spTree>
@@ -13827,7 +14396,7 @@
 </p:sld>
 </file>
 
-<file path=ppt/slides/slide17.xml><?xml version="1.0" encoding="utf-8"?>
+<file path=ppt/slides/slide19.xml><?xml version="1.0" encoding="utf-8"?>
 <p:sld xmlns:a="http://schemas.openxmlformats.org/drawingml/2006/main" xmlns:r="http://schemas.openxmlformats.org/officeDocument/2006/relationships" xmlns:p="http://schemas.openxmlformats.org/presentationml/2006/main">
   <p:cSld>
     <p:spTree>
@@ -14681,7 +15250,256 @@
 </p:sld>
 </file>
 
-<file path=ppt/slides/slide18.xml><?xml version="1.0" encoding="utf-8"?>
+<file path=ppt/slides/slide2.xml><?xml version="1.0" encoding="utf-8"?>
+<p:sld xmlns:a="http://schemas.openxmlformats.org/drawingml/2006/main" xmlns:r="http://schemas.openxmlformats.org/officeDocument/2006/relationships" xmlns:p="http://schemas.openxmlformats.org/presentationml/2006/main">
+  <p:cSld>
+    <p:spTree>
+      <p:nvGrpSpPr>
+        <p:cNvPr id="1" name=""/>
+        <p:cNvGrpSpPr/>
+        <p:nvPr/>
+      </p:nvGrpSpPr>
+      <p:grpSpPr>
+        <a:xfrm>
+          <a:off x="0" y="0"/>
+          <a:ext cx="0" cy="0"/>
+          <a:chOff x="0" y="0"/>
+          <a:chExt cx="0" cy="0"/>
+        </a:xfrm>
+      </p:grpSpPr>
+      <p:sp>
+        <p:nvSpPr>
+          <p:cNvPr id="4" name="Title 3">
+            <a:extLst>
+              <a:ext uri="{FF2B5EF4-FFF2-40B4-BE49-F238E27FC236}">
+                <a16:creationId xmlns:a16="http://schemas.microsoft.com/office/drawing/2014/main" id="{11F69212-F891-5844-91B0-396F6B018064}"/>
+              </a:ext>
+            </a:extLst>
+          </p:cNvPr>
+          <p:cNvSpPr>
+            <a:spLocks noGrp="1"/>
+          </p:cNvSpPr>
+          <p:nvPr>
+            <p:ph type="title"/>
+          </p:nvPr>
+        </p:nvSpPr>
+        <p:spPr/>
+        <p:txBody>
+          <a:bodyPr/>
+          <a:lstStyle/>
+          <a:p>
+            <a:r>
+              <a:rPr lang="en-US" dirty="0"/>
+              <a:t>Announcements</a:t>
+            </a:r>
+          </a:p>
+        </p:txBody>
+      </p:sp>
+      <p:sp>
+        <p:nvSpPr>
+          <p:cNvPr id="5" name="Text Placeholder 4">
+            <a:extLst>
+              <a:ext uri="{FF2B5EF4-FFF2-40B4-BE49-F238E27FC236}">
+                <a16:creationId xmlns:a16="http://schemas.microsoft.com/office/drawing/2014/main" id="{D45B7610-981A-7441-A483-AB5BABDA0AB4}"/>
+              </a:ext>
+            </a:extLst>
+          </p:cNvPr>
+          <p:cNvSpPr>
+            <a:spLocks noGrp="1"/>
+          </p:cNvSpPr>
+          <p:nvPr>
+            <p:ph type="body" sz="quarter" idx="10"/>
+          </p:nvPr>
+        </p:nvSpPr>
+        <p:spPr>
+          <a:xfrm>
+            <a:off x="628075" y="1776683"/>
+            <a:ext cx="12561453" cy="3836178"/>
+          </a:xfrm>
+        </p:spPr>
+        <p:txBody>
+          <a:bodyPr/>
+          <a:lstStyle/>
+          <a:p>
+            <a:r>
+              <a:rPr lang="en-US" sz="2000" dirty="0">
+                <a:solidFill>
+                  <a:srgbClr val="092529"/>
+                </a:solidFill>
+              </a:rPr>
+              <a:t>Reminder – readings are due </a:t>
+            </a:r>
+            <a:r>
+              <a:rPr lang="en-US" sz="2000" b="1" dirty="0">
+                <a:solidFill>
+                  <a:srgbClr val="092529"/>
+                </a:solidFill>
+              </a:rPr>
+              <a:t>before</a:t>
+            </a:r>
+            <a:r>
+              <a:rPr lang="en-US" sz="2000" dirty="0">
+                <a:solidFill>
+                  <a:srgbClr val="092529"/>
+                </a:solidFill>
+              </a:rPr>
+              <a:t> lecture</a:t>
+            </a:r>
+          </a:p>
+          <a:p>
+            <a:pPr lvl="1"/>
+            <a:r>
+              <a:rPr lang="en-US" sz="2000" dirty="0">
+                <a:solidFill>
+                  <a:srgbClr val="092529"/>
+                </a:solidFill>
+              </a:rPr>
+              <a:t>You don’t have to do all of it - challenge problems can be challenging…</a:t>
+            </a:r>
+          </a:p>
+          <a:p>
+            <a:pPr lvl="1"/>
+            <a:r>
+              <a:rPr lang="en-US" sz="2000" dirty="0">
+                <a:solidFill>
+                  <a:srgbClr val="092529"/>
+                </a:solidFill>
+              </a:rPr>
+              <a:t>You can return to them. </a:t>
+            </a:r>
+          </a:p>
+          <a:p>
+            <a:pPr lvl="1"/>
+            <a:r>
+              <a:rPr lang="en-US" sz="2000" dirty="0">
+                <a:solidFill>
+                  <a:srgbClr val="092529"/>
+                </a:solidFill>
+              </a:rPr>
+              <a:t>We start off each lecture with a recall activity!</a:t>
+            </a:r>
+          </a:p>
+          <a:p>
+            <a:r>
+              <a:rPr lang="en-US" sz="2200" dirty="0"/>
+              <a:t>Lab teams should be setup</a:t>
+            </a:r>
+          </a:p>
+          <a:p>
+            <a:pPr lvl="1"/>
+            <a:r>
+              <a:rPr lang="en-US" sz="2000" dirty="0">
+                <a:solidFill>
+                  <a:srgbClr val="092529"/>
+                </a:solidFill>
+              </a:rPr>
+              <a:t>If you are not on a private </a:t>
+            </a:r>
+            <a:r>
+              <a:rPr lang="en-US" sz="2000" dirty="0"/>
+              <a:t>channel with your other lab mates, let us know </a:t>
+            </a:r>
+          </a:p>
+          <a:p>
+            <a:r>
+              <a:rPr lang="en-US" sz="2000" dirty="0">
+                <a:solidFill>
+                  <a:srgbClr val="092529"/>
+                </a:solidFill>
+              </a:rPr>
+              <a:t>Thursday </a:t>
+            </a:r>
+            <a:r>
+              <a:rPr lang="en-US" sz="2000" dirty="0"/>
+              <a:t>lab – meant to be done by Monday</a:t>
+            </a:r>
+            <a:r>
+              <a:rPr lang="en-US" sz="2000" dirty="0">
+                <a:solidFill>
+                  <a:srgbClr val="092529"/>
+                </a:solidFill>
+              </a:rPr>
+              <a:t> </a:t>
+            </a:r>
+          </a:p>
+          <a:p>
+            <a:endParaRPr lang="en-US" b="1" dirty="0"/>
+          </a:p>
+        </p:txBody>
+      </p:sp>
+      <p:pic>
+        <p:nvPicPr>
+          <p:cNvPr id="1026" name="Picture 2" descr="We Can Do Hard Things - Abby Off the Record — Abby Off the Record">
+            <a:extLst>
+              <a:ext uri="{FF2B5EF4-FFF2-40B4-BE49-F238E27FC236}">
+                <a16:creationId xmlns:a16="http://schemas.microsoft.com/office/drawing/2014/main" id="{1F717CB0-92E6-4EB8-80C2-70E21F159AED}"/>
+              </a:ext>
+            </a:extLst>
+          </p:cNvPr>
+          <p:cNvPicPr>
+            <a:picLocks noChangeAspect="1" noChangeArrowheads="1"/>
+          </p:cNvPicPr>
+          <p:nvPr/>
+        </p:nvPicPr>
+        <p:blipFill>
+          <a:blip r:embed="rId2">
+            <a:extLst>
+              <a:ext uri="{28A0092B-C50C-407E-A947-70E740481C1C}">
+                <a14:useLocalDpi xmlns:a14="http://schemas.microsoft.com/office/drawing/2010/main" val="0"/>
+              </a:ext>
+            </a:extLst>
+          </a:blip>
+          <a:srcRect/>
+          <a:stretch>
+            <a:fillRect/>
+          </a:stretch>
+        </p:blipFill>
+        <p:spPr bwMode="auto">
+          <a:xfrm>
+            <a:off x="10334172" y="0"/>
+            <a:ext cx="3483428" cy="4180114"/>
+          </a:xfrm>
+          <a:prstGeom prst="rect">
+            <a:avLst/>
+          </a:prstGeom>
+          <a:noFill/>
+          <a:extLst>
+            <a:ext uri="{909E8E84-426E-40DD-AFC4-6F175D3DCCD1}">
+              <a14:hiddenFill xmlns:a14="http://schemas.microsoft.com/office/drawing/2010/main">
+                <a:solidFill>
+                  <a:srgbClr val="FFFFFF"/>
+                </a:solidFill>
+              </a14:hiddenFill>
+            </a:ext>
+          </a:extLst>
+        </p:spPr>
+      </p:pic>
+    </p:spTree>
+    <p:extLst>
+      <p:ext uri="{BB962C8B-B14F-4D97-AF65-F5344CB8AC3E}">
+        <p14:creationId xmlns:p14="http://schemas.microsoft.com/office/powerpoint/2010/main" val="876244202"/>
+      </p:ext>
+    </p:extLst>
+  </p:cSld>
+  <p:clrMapOvr>
+    <a:masterClrMapping/>
+  </p:clrMapOvr>
+  <mc:AlternateContent xmlns:mc="http://schemas.openxmlformats.org/markup-compatibility/2006" xmlns:p14="http://schemas.microsoft.com/office/powerpoint/2010/main">
+    <mc:Choice Requires="p14">
+      <p:transition p14:dur="300">
+        <p:fade/>
+      </p:transition>
+    </mc:Choice>
+    <mc:Fallback xmlns="">
+      <p:transition>
+        <p:fade/>
+      </p:transition>
+    </mc:Fallback>
+  </mc:AlternateContent>
+</p:sld>
+</file>
+
+<file path=ppt/slides/slide20.xml><?xml version="1.0" encoding="utf-8"?>
 <p:sld xmlns:a="http://schemas.openxmlformats.org/drawingml/2006/main" xmlns:r="http://schemas.openxmlformats.org/officeDocument/2006/relationships" xmlns:p="http://schemas.openxmlformats.org/presentationml/2006/main">
   <p:cSld>
     <p:spTree>
@@ -15002,7 +15820,7 @@
 </p:sld>
 </file>
 
-<file path=ppt/slides/slide19.xml><?xml version="1.0" encoding="utf-8"?>
+<file path=ppt/slides/slide21.xml><?xml version="1.0" encoding="utf-8"?>
 <p:sld xmlns:a="http://schemas.openxmlformats.org/drawingml/2006/main" xmlns:r="http://schemas.openxmlformats.org/officeDocument/2006/relationships" xmlns:p="http://schemas.openxmlformats.org/presentationml/2006/main">
   <p:cSld>
     <p:spTree>
@@ -15510,6 +16328,587 @@
           </a:p>
         </p:txBody>
       </p:sp>
+      <p:pic>
+        <p:nvPicPr>
+          <p:cNvPr id="3" name="Picture 2">
+            <a:extLst>
+              <a:ext uri="{FF2B5EF4-FFF2-40B4-BE49-F238E27FC236}">
+                <a16:creationId xmlns:a16="http://schemas.microsoft.com/office/drawing/2014/main" id="{86A5ECAB-7AB0-420D-B935-6E9DB4268B7B}"/>
+              </a:ext>
+            </a:extLst>
+          </p:cNvPr>
+          <p:cNvPicPr>
+            <a:picLocks noChangeAspect="1"/>
+          </p:cNvPicPr>
+          <p:nvPr/>
+        </p:nvPicPr>
+        <p:blipFill rotWithShape="1">
+          <a:blip r:embed="rId2"/>
+          <a:srcRect l="6381" t="36148" r="63997" b="24930"/>
+          <a:stretch/>
+        </p:blipFill>
+        <p:spPr>
+          <a:xfrm>
+            <a:off x="9427028" y="4299152"/>
+            <a:ext cx="4093029" cy="3025189"/>
+          </a:xfrm>
+          <a:prstGeom prst="rect">
+            <a:avLst/>
+          </a:prstGeom>
+          <a:ln>
+            <a:solidFill>
+              <a:schemeClr val="accent1"/>
+            </a:solidFill>
+          </a:ln>
+        </p:spPr>
+      </p:pic>
+    </p:spTree>
+    <p:extLst>
+      <p:ext uri="{BB962C8B-B14F-4D97-AF65-F5344CB8AC3E}">
+        <p14:creationId xmlns:p14="http://schemas.microsoft.com/office/powerpoint/2010/main" val="2264662996"/>
+      </p:ext>
+    </p:extLst>
+  </p:cSld>
+  <p:clrMapOvr>
+    <a:masterClrMapping/>
+  </p:clrMapOvr>
+  <mc:AlternateContent xmlns:mc="http://schemas.openxmlformats.org/markup-compatibility/2006" xmlns:p14="http://schemas.microsoft.com/office/powerpoint/2010/main">
+    <mc:Choice Requires="p14">
+      <p:transition p14:dur="300">
+        <p:fade/>
+      </p:transition>
+    </mc:Choice>
+    <mc:Fallback xmlns="">
+      <p:transition>
+        <p:fade/>
+      </p:transition>
+    </mc:Fallback>
+  </mc:AlternateContent>
+  <p:timing>
+    <p:tnLst>
+      <p:par>
+        <p:cTn id="1" dur="indefinite" restart="never" nodeType="tmRoot">
+          <p:childTnLst>
+            <p:seq concurrent="1" nextAc="seek">
+              <p:cTn id="2" dur="indefinite" nodeType="mainSeq">
+                <p:childTnLst>
+                  <p:par>
+                    <p:cTn id="3" fill="hold">
+                      <p:stCondLst>
+                        <p:cond delay="indefinite"/>
+                      </p:stCondLst>
+                      <p:childTnLst>
+                        <p:par>
+                          <p:cTn id="4" fill="hold">
+                            <p:stCondLst>
+                              <p:cond delay="0"/>
+                            </p:stCondLst>
+                            <p:childTnLst>
+                              <p:par>
+                                <p:cTn id="5" presetID="1" presetClass="entr" presetSubtype="0" fill="hold" nodeType="clickEffect">
+                                  <p:stCondLst>
+                                    <p:cond delay="0"/>
+                                  </p:stCondLst>
+                                  <p:childTnLst>
+                                    <p:set>
+                                      <p:cBhvr>
+                                        <p:cTn id="6" dur="1" fill="hold">
+                                          <p:stCondLst>
+                                            <p:cond delay="0"/>
+                                          </p:stCondLst>
+                                        </p:cTn>
+                                        <p:tgtEl>
+                                          <p:spTgt spid="3"/>
+                                        </p:tgtEl>
+                                        <p:attrNameLst>
+                                          <p:attrName>style.visibility</p:attrName>
+                                        </p:attrNameLst>
+                                      </p:cBhvr>
+                                      <p:to>
+                                        <p:strVal val="visible"/>
+                                      </p:to>
+                                    </p:set>
+                                  </p:childTnLst>
+                                </p:cTn>
+                              </p:par>
+                            </p:childTnLst>
+                          </p:cTn>
+                        </p:par>
+                      </p:childTnLst>
+                    </p:cTn>
+                  </p:par>
+                </p:childTnLst>
+              </p:cTn>
+              <p:prevCondLst>
+                <p:cond evt="onPrev" delay="0">
+                  <p:tgtEl>
+                    <p:sldTgt/>
+                  </p:tgtEl>
+                </p:cond>
+              </p:prevCondLst>
+              <p:nextCondLst>
+                <p:cond evt="onNext" delay="0">
+                  <p:tgtEl>
+                    <p:sldTgt/>
+                  </p:tgtEl>
+                </p:cond>
+              </p:nextCondLst>
+            </p:seq>
+          </p:childTnLst>
+        </p:cTn>
+      </p:par>
+    </p:tnLst>
+  </p:timing>
+</p:sld>
+</file>
+
+<file path=ppt/slides/slide22.xml><?xml version="1.0" encoding="utf-8"?>
+<p:sld xmlns:a="http://schemas.openxmlformats.org/drawingml/2006/main" xmlns:r="http://schemas.openxmlformats.org/officeDocument/2006/relationships" xmlns:p="http://schemas.openxmlformats.org/presentationml/2006/main">
+  <p:cSld>
+    <p:spTree>
+      <p:nvGrpSpPr>
+        <p:cNvPr id="1" name=""/>
+        <p:cNvGrpSpPr/>
+        <p:nvPr/>
+      </p:nvGrpSpPr>
+      <p:grpSpPr>
+        <a:xfrm>
+          <a:off x="0" y="0"/>
+          <a:ext cx="0" cy="0"/>
+          <a:chOff x="0" y="0"/>
+          <a:chExt cx="0" cy="0"/>
+        </a:xfrm>
+      </p:grpSpPr>
+      <p:sp>
+        <p:nvSpPr>
+          <p:cNvPr id="2" name="Title 1">
+            <a:extLst>
+              <a:ext uri="{FF2B5EF4-FFF2-40B4-BE49-F238E27FC236}">
+                <a16:creationId xmlns:a16="http://schemas.microsoft.com/office/drawing/2014/main" id="{B536806E-AD3E-AD40-936F-590919B5FCEE}"/>
+              </a:ext>
+            </a:extLst>
+          </p:cNvPr>
+          <p:cNvSpPr>
+            <a:spLocks noGrp="1"/>
+          </p:cNvSpPr>
+          <p:nvPr>
+            <p:ph type="title"/>
+          </p:nvPr>
+        </p:nvSpPr>
+        <p:spPr/>
+        <p:txBody>
+          <a:bodyPr/>
+          <a:lstStyle/>
+          <a:p>
+            <a:r>
+              <a:rPr lang="en-US" dirty="0"/>
+              <a:t>Quick Practice</a:t>
+            </a:r>
+          </a:p>
+        </p:txBody>
+      </p:sp>
+      <p:sp>
+        <p:nvSpPr>
+          <p:cNvPr id="5" name="TextBox 4">
+            <a:extLst>
+              <a:ext uri="{FF2B5EF4-FFF2-40B4-BE49-F238E27FC236}">
+                <a16:creationId xmlns:a16="http://schemas.microsoft.com/office/drawing/2014/main" id="{BC9EEA87-D34D-C34F-8D45-848ED96537EC}"/>
+              </a:ext>
+            </a:extLst>
+          </p:cNvPr>
+          <p:cNvSpPr txBox="1"/>
+          <p:nvPr/>
+        </p:nvSpPr>
+        <p:spPr>
+          <a:xfrm>
+            <a:off x="787960" y="1675865"/>
+            <a:ext cx="11506863" cy="400110"/>
+          </a:xfrm>
+          <a:prstGeom prst="rect">
+            <a:avLst/>
+          </a:prstGeom>
+          <a:noFill/>
+        </p:spPr>
+        <p:txBody>
+          <a:bodyPr wrap="square">
+            <a:spAutoFit/>
+          </a:bodyPr>
+          <a:lstStyle/>
+          <a:p>
+            <a:endParaRPr lang="en-US" dirty="0">
+              <a:latin typeface="Courier New" panose="02070309020205020404" pitchFamily="49" charset="0"/>
+              <a:cs typeface="Courier New" panose="02070309020205020404" pitchFamily="49" charset="0"/>
+            </a:endParaRPr>
+          </a:p>
+        </p:txBody>
+      </p:sp>
+      <p:sp>
+        <p:nvSpPr>
+          <p:cNvPr id="4" name="Rectangle 3"/>
+          <p:cNvSpPr/>
+          <p:nvPr/>
+        </p:nvSpPr>
+        <p:spPr>
+          <a:xfrm>
+            <a:off x="628075" y="1783924"/>
+            <a:ext cx="11209051" cy="4708981"/>
+          </a:xfrm>
+          <a:prstGeom prst="rect">
+            <a:avLst/>
+          </a:prstGeom>
+        </p:spPr>
+        <p:txBody>
+          <a:bodyPr wrap="square">
+            <a:spAutoFit/>
+          </a:bodyPr>
+          <a:lstStyle/>
+          <a:p>
+            <a:r>
+              <a:rPr lang="en-US" dirty="0">
+                <a:latin typeface="Courier New" panose="02070309020205020404" pitchFamily="49" charset="0"/>
+                <a:cs typeface="Courier New" panose="02070309020205020404" pitchFamily="49" charset="0"/>
+              </a:rPr>
+              <a:t>public class </a:t>
+            </a:r>
+            <a:r>
+              <a:rPr lang="en-US" dirty="0" err="1">
+                <a:latin typeface="Courier New" panose="02070309020205020404" pitchFamily="49" charset="0"/>
+                <a:cs typeface="Courier New" panose="02070309020205020404" pitchFamily="49" charset="0"/>
+              </a:rPr>
+              <a:t>StringFormatProgram</a:t>
+            </a:r>
+            <a:r>
+              <a:rPr lang="en-US" dirty="0">
+                <a:latin typeface="Courier New" panose="02070309020205020404" pitchFamily="49" charset="0"/>
+                <a:cs typeface="Courier New" panose="02070309020205020404" pitchFamily="49" charset="0"/>
+              </a:rPr>
+              <a:t> {</a:t>
+            </a:r>
+          </a:p>
+          <a:p>
+            <a:r>
+              <a:rPr lang="en-US" dirty="0">
+                <a:latin typeface="Courier New" panose="02070309020205020404" pitchFamily="49" charset="0"/>
+                <a:cs typeface="Courier New" panose="02070309020205020404" pitchFamily="49" charset="0"/>
+              </a:rPr>
+              <a:t>   public static void main(String[] </a:t>
+            </a:r>
+            <a:r>
+              <a:rPr lang="en-US" dirty="0" err="1">
+                <a:latin typeface="Courier New" panose="02070309020205020404" pitchFamily="49" charset="0"/>
+                <a:cs typeface="Courier New" panose="02070309020205020404" pitchFamily="49" charset="0"/>
+              </a:rPr>
+              <a:t>args</a:t>
+            </a:r>
+            <a:r>
+              <a:rPr lang="en-US" dirty="0">
+                <a:latin typeface="Courier New" panose="02070309020205020404" pitchFamily="49" charset="0"/>
+                <a:cs typeface="Courier New" panose="02070309020205020404" pitchFamily="49" charset="0"/>
+              </a:rPr>
+              <a:t>) {</a:t>
+            </a:r>
+          </a:p>
+          <a:p>
+            <a:r>
+              <a:rPr lang="en-US" dirty="0">
+                <a:latin typeface="Courier New" panose="02070309020205020404" pitchFamily="49" charset="0"/>
+                <a:cs typeface="Courier New" panose="02070309020205020404" pitchFamily="49" charset="0"/>
+              </a:rPr>
+              <a:t>      </a:t>
+            </a:r>
+            <a:r>
+              <a:rPr lang="en-US" dirty="0" err="1">
+                <a:latin typeface="Courier New" panose="02070309020205020404" pitchFamily="49" charset="0"/>
+                <a:cs typeface="Courier New" panose="02070309020205020404" pitchFamily="49" charset="0"/>
+              </a:rPr>
+              <a:t>int</a:t>
+            </a:r>
+            <a:r>
+              <a:rPr lang="en-US" dirty="0">
+                <a:latin typeface="Courier New" panose="02070309020205020404" pitchFamily="49" charset="0"/>
+                <a:cs typeface="Courier New" panose="02070309020205020404" pitchFamily="49" charset="0"/>
+              </a:rPr>
+              <a:t> value1 = 12;</a:t>
+            </a:r>
+          </a:p>
+          <a:p>
+            <a:r>
+              <a:rPr lang="en-US" dirty="0">
+                <a:latin typeface="Courier New" panose="02070309020205020404" pitchFamily="49" charset="0"/>
+                <a:cs typeface="Courier New" panose="02070309020205020404" pitchFamily="49" charset="0"/>
+              </a:rPr>
+              <a:t>      double value2 = 25.75986;</a:t>
+            </a:r>
+          </a:p>
+          <a:p>
+            <a:r>
+              <a:rPr lang="en-US" dirty="0">
+                <a:latin typeface="Courier New" panose="02070309020205020404" pitchFamily="49" charset="0"/>
+                <a:cs typeface="Courier New" panose="02070309020205020404" pitchFamily="49" charset="0"/>
+              </a:rPr>
+              <a:t>      String color = "red";</a:t>
+            </a:r>
+          </a:p>
+          <a:p>
+            <a:r>
+              <a:rPr lang="en-US" dirty="0">
+                <a:latin typeface="Courier New" panose="02070309020205020404" pitchFamily="49" charset="0"/>
+                <a:cs typeface="Courier New" panose="02070309020205020404" pitchFamily="49" charset="0"/>
+              </a:rPr>
+              <a:t>      </a:t>
+            </a:r>
+            <a:r>
+              <a:rPr lang="en-US" dirty="0" err="1">
+                <a:latin typeface="Courier New" panose="02070309020205020404" pitchFamily="49" charset="0"/>
+                <a:cs typeface="Courier New" panose="02070309020205020404" pitchFamily="49" charset="0"/>
+              </a:rPr>
+              <a:t>int</a:t>
+            </a:r>
+            <a:r>
+              <a:rPr lang="en-US" dirty="0">
+                <a:latin typeface="Courier New" panose="02070309020205020404" pitchFamily="49" charset="0"/>
+                <a:cs typeface="Courier New" panose="02070309020205020404" pitchFamily="49" charset="0"/>
+              </a:rPr>
+              <a:t> </a:t>
+            </a:r>
+            <a:r>
+              <a:rPr lang="en-US" dirty="0" err="1">
+                <a:latin typeface="Courier New" panose="02070309020205020404" pitchFamily="49" charset="0"/>
+                <a:cs typeface="Courier New" panose="02070309020205020404" pitchFamily="49" charset="0"/>
+              </a:rPr>
+              <a:t>len</a:t>
+            </a:r>
+            <a:r>
+              <a:rPr lang="en-US" dirty="0">
+                <a:latin typeface="Courier New" panose="02070309020205020404" pitchFamily="49" charset="0"/>
+                <a:cs typeface="Courier New" panose="02070309020205020404" pitchFamily="49" charset="0"/>
+              </a:rPr>
+              <a:t> = </a:t>
+            </a:r>
+            <a:r>
+              <a:rPr lang="en-US" dirty="0" err="1">
+                <a:latin typeface="Courier New" panose="02070309020205020404" pitchFamily="49" charset="0"/>
+                <a:cs typeface="Courier New" panose="02070309020205020404" pitchFamily="49" charset="0"/>
+              </a:rPr>
+              <a:t>color.length</a:t>
+            </a:r>
+            <a:r>
+              <a:rPr lang="en-US" dirty="0">
+                <a:latin typeface="Courier New" panose="02070309020205020404" pitchFamily="49" charset="0"/>
+                <a:cs typeface="Courier New" panose="02070309020205020404" pitchFamily="49" charset="0"/>
+              </a:rPr>
+              <a:t>();</a:t>
+            </a:r>
+          </a:p>
+          <a:p>
+            <a:r>
+              <a:rPr lang="en-US" dirty="0">
+                <a:latin typeface="Courier New" panose="02070309020205020404" pitchFamily="49" charset="0"/>
+                <a:cs typeface="Courier New" panose="02070309020205020404" pitchFamily="49" charset="0"/>
+              </a:rPr>
+              <a:t>      </a:t>
+            </a:r>
+            <a:r>
+              <a:rPr lang="en-US" dirty="0" err="1">
+                <a:latin typeface="Courier New" panose="02070309020205020404" pitchFamily="49" charset="0"/>
+                <a:cs typeface="Courier New" panose="02070309020205020404" pitchFamily="49" charset="0"/>
+              </a:rPr>
+              <a:t>System.out.println</a:t>
+            </a:r>
+            <a:r>
+              <a:rPr lang="en-US" dirty="0">
+                <a:latin typeface="Courier New" panose="02070309020205020404" pitchFamily="49" charset="0"/>
+                <a:cs typeface="Courier New" panose="02070309020205020404" pitchFamily="49" charset="0"/>
+              </a:rPr>
+              <a:t>("Length of color: " + </a:t>
+            </a:r>
+            <a:r>
+              <a:rPr lang="en-US" dirty="0" err="1">
+                <a:latin typeface="Courier New" panose="02070309020205020404" pitchFamily="49" charset="0"/>
+                <a:cs typeface="Courier New" panose="02070309020205020404" pitchFamily="49" charset="0"/>
+              </a:rPr>
+              <a:t>len</a:t>
+            </a:r>
+            <a:r>
+              <a:rPr lang="en-US" dirty="0">
+                <a:latin typeface="Courier New" panose="02070309020205020404" pitchFamily="49" charset="0"/>
+                <a:cs typeface="Courier New" panose="02070309020205020404" pitchFamily="49" charset="0"/>
+              </a:rPr>
+              <a:t>);</a:t>
+            </a:r>
+          </a:p>
+          <a:p>
+            <a:r>
+              <a:rPr lang="en-US" dirty="0">
+                <a:latin typeface="Courier New" panose="02070309020205020404" pitchFamily="49" charset="0"/>
+                <a:cs typeface="Courier New" panose="02070309020205020404" pitchFamily="49" charset="0"/>
+              </a:rPr>
+              <a:t>      </a:t>
+            </a:r>
+            <a:r>
+              <a:rPr lang="en-US" dirty="0" err="1">
+                <a:latin typeface="Courier New" panose="02070309020205020404" pitchFamily="49" charset="0"/>
+                <a:cs typeface="Courier New" panose="02070309020205020404" pitchFamily="49" charset="0"/>
+              </a:rPr>
+              <a:t>System.out.println</a:t>
+            </a:r>
+            <a:r>
+              <a:rPr lang="en-US" dirty="0">
+                <a:latin typeface="Courier New" panose="02070309020205020404" pitchFamily="49" charset="0"/>
+                <a:cs typeface="Courier New" panose="02070309020205020404" pitchFamily="49" charset="0"/>
+              </a:rPr>
+              <a:t>("First letter of color: " + </a:t>
+            </a:r>
+            <a:r>
+              <a:rPr lang="en-US" dirty="0" err="1">
+                <a:latin typeface="Courier New" panose="02070309020205020404" pitchFamily="49" charset="0"/>
+                <a:cs typeface="Courier New" panose="02070309020205020404" pitchFamily="49" charset="0"/>
+              </a:rPr>
+              <a:t>color.charAt</a:t>
+            </a:r>
+            <a:r>
+              <a:rPr lang="en-US" dirty="0">
+                <a:latin typeface="Courier New" panose="02070309020205020404" pitchFamily="49" charset="0"/>
+                <a:cs typeface="Courier New" panose="02070309020205020404" pitchFamily="49" charset="0"/>
+              </a:rPr>
+              <a:t>(0));</a:t>
+            </a:r>
+          </a:p>
+          <a:p>
+            <a:r>
+              <a:rPr lang="en-US" dirty="0">
+                <a:latin typeface="Courier New" panose="02070309020205020404" pitchFamily="49" charset="0"/>
+                <a:cs typeface="Courier New" panose="02070309020205020404" pitchFamily="49" charset="0"/>
+              </a:rPr>
+              <a:t>      </a:t>
+            </a:r>
+            <a:r>
+              <a:rPr lang="en-US" dirty="0" err="1">
+                <a:latin typeface="Courier New" panose="02070309020205020404" pitchFamily="49" charset="0"/>
+                <a:cs typeface="Courier New" panose="02070309020205020404" pitchFamily="49" charset="0"/>
+              </a:rPr>
+              <a:t>System.out.printf</a:t>
+            </a:r>
+            <a:r>
+              <a:rPr lang="en-US" dirty="0">
+                <a:latin typeface="Courier New" panose="02070309020205020404" pitchFamily="49" charset="0"/>
+                <a:cs typeface="Courier New" panose="02070309020205020404" pitchFamily="49" charset="0"/>
+              </a:rPr>
+              <a:t>("%d\n", value1);</a:t>
+            </a:r>
+          </a:p>
+          <a:p>
+            <a:r>
+              <a:rPr lang="en-US" dirty="0">
+                <a:latin typeface="Courier New" panose="02070309020205020404" pitchFamily="49" charset="0"/>
+                <a:cs typeface="Courier New" panose="02070309020205020404" pitchFamily="49" charset="0"/>
+              </a:rPr>
+              <a:t>      </a:t>
+            </a:r>
+            <a:r>
+              <a:rPr lang="en-US" dirty="0" err="1">
+                <a:latin typeface="Courier New" panose="02070309020205020404" pitchFamily="49" charset="0"/>
+                <a:cs typeface="Courier New" panose="02070309020205020404" pitchFamily="49" charset="0"/>
+              </a:rPr>
+              <a:t>System.out.printf</a:t>
+            </a:r>
+            <a:r>
+              <a:rPr lang="en-US" dirty="0">
+                <a:latin typeface="Courier New" panose="02070309020205020404" pitchFamily="49" charset="0"/>
+                <a:cs typeface="Courier New" panose="02070309020205020404" pitchFamily="49" charset="0"/>
+              </a:rPr>
+              <a:t>("%.2f\n", value2);</a:t>
+            </a:r>
+          </a:p>
+          <a:p>
+            <a:r>
+              <a:rPr lang="en-US" dirty="0">
+                <a:latin typeface="Courier New" panose="02070309020205020404" pitchFamily="49" charset="0"/>
+                <a:cs typeface="Courier New" panose="02070309020205020404" pitchFamily="49" charset="0"/>
+              </a:rPr>
+              <a:t>      </a:t>
+            </a:r>
+            <a:r>
+              <a:rPr lang="en-US" dirty="0" err="1">
+                <a:latin typeface="Courier New" panose="02070309020205020404" pitchFamily="49" charset="0"/>
+                <a:cs typeface="Courier New" panose="02070309020205020404" pitchFamily="49" charset="0"/>
+              </a:rPr>
+              <a:t>System.out.printf</a:t>
+            </a:r>
+            <a:r>
+              <a:rPr lang="en-US" dirty="0">
+                <a:latin typeface="Courier New" panose="02070309020205020404" pitchFamily="49" charset="0"/>
+                <a:cs typeface="Courier New" panose="02070309020205020404" pitchFamily="49" charset="0"/>
+              </a:rPr>
+              <a:t>("%20.2f\n", value2);</a:t>
+            </a:r>
+          </a:p>
+          <a:p>
+            <a:r>
+              <a:rPr lang="en-US" dirty="0">
+                <a:latin typeface="Courier New" panose="02070309020205020404" pitchFamily="49" charset="0"/>
+                <a:cs typeface="Courier New" panose="02070309020205020404" pitchFamily="49" charset="0"/>
+              </a:rPr>
+              <a:t>      </a:t>
+            </a:r>
+            <a:r>
+              <a:rPr lang="en-US" dirty="0" err="1">
+                <a:latin typeface="Courier New" panose="02070309020205020404" pitchFamily="49" charset="0"/>
+                <a:cs typeface="Courier New" panose="02070309020205020404" pitchFamily="49" charset="0"/>
+              </a:rPr>
+              <a:t>System.out.printf</a:t>
+            </a:r>
+            <a:r>
+              <a:rPr lang="en-US" dirty="0">
+                <a:latin typeface="Courier New" panose="02070309020205020404" pitchFamily="49" charset="0"/>
+                <a:cs typeface="Courier New" panose="02070309020205020404" pitchFamily="49" charset="0"/>
+              </a:rPr>
+              <a:t>("%s\n", color);</a:t>
+            </a:r>
+          </a:p>
+          <a:p>
+            <a:r>
+              <a:rPr lang="en-US" dirty="0">
+                <a:latin typeface="Courier New" panose="02070309020205020404" pitchFamily="49" charset="0"/>
+                <a:cs typeface="Courier New" panose="02070309020205020404" pitchFamily="49" charset="0"/>
+              </a:rPr>
+              <a:t>      </a:t>
+            </a:r>
+            <a:r>
+              <a:rPr lang="en-US" dirty="0" err="1">
+                <a:latin typeface="Courier New" panose="02070309020205020404" pitchFamily="49" charset="0"/>
+                <a:cs typeface="Courier New" panose="02070309020205020404" pitchFamily="49" charset="0"/>
+              </a:rPr>
+              <a:t>System.out.printf</a:t>
+            </a:r>
+            <a:r>
+              <a:rPr lang="en-US" dirty="0">
+                <a:latin typeface="Courier New" panose="02070309020205020404" pitchFamily="49" charset="0"/>
+                <a:cs typeface="Courier New" panose="02070309020205020404" pitchFamily="49" charset="0"/>
+              </a:rPr>
+              <a:t>("%S\n", color);</a:t>
+            </a:r>
+          </a:p>
+          <a:p>
+            <a:r>
+              <a:rPr lang="en-US" dirty="0">
+                <a:latin typeface="Courier New" panose="02070309020205020404" pitchFamily="49" charset="0"/>
+                <a:cs typeface="Courier New" panose="02070309020205020404" pitchFamily="49" charset="0"/>
+              </a:rPr>
+              <a:t>   }  </a:t>
+            </a:r>
+          </a:p>
+          <a:p>
+            <a:r>
+              <a:rPr lang="en-US" dirty="0">
+                <a:latin typeface="Courier New" panose="02070309020205020404" pitchFamily="49" charset="0"/>
+                <a:cs typeface="Courier New" panose="02070309020205020404" pitchFamily="49" charset="0"/>
+              </a:rPr>
+              <a:t>}</a:t>
+            </a:r>
+          </a:p>
+        </p:txBody>
+      </p:sp>
       <p:sp>
         <p:nvSpPr>
           <p:cNvPr id="7" name="Rectangle 6">
@@ -15609,6 +17008,1430 @@
               <a:ea typeface="Proxima Nova" charset="0"/>
               <a:cs typeface="Proxima Nova" charset="0"/>
             </a:endParaRPr>
+          </a:p>
+        </p:txBody>
+      </p:sp>
+    </p:spTree>
+    <p:extLst>
+      <p:ext uri="{BB962C8B-B14F-4D97-AF65-F5344CB8AC3E}">
+        <p14:creationId xmlns:p14="http://schemas.microsoft.com/office/powerpoint/2010/main" val="4151940406"/>
+      </p:ext>
+    </p:extLst>
+  </p:cSld>
+  <p:clrMapOvr>
+    <a:masterClrMapping/>
+  </p:clrMapOvr>
+  <mc:AlternateContent xmlns:mc="http://schemas.openxmlformats.org/markup-compatibility/2006" xmlns:p14="http://schemas.microsoft.com/office/powerpoint/2010/main">
+    <mc:Choice Requires="p14">
+      <p:transition p14:dur="300">
+        <p:fade/>
+      </p:transition>
+    </mc:Choice>
+    <mc:Fallback xmlns="">
+      <p:transition>
+        <p:fade/>
+      </p:transition>
+    </mc:Fallback>
+  </mc:AlternateContent>
+</p:sld>
+</file>
+
+<file path=ppt/slides/slide23.xml><?xml version="1.0" encoding="utf-8"?>
+<p:sld xmlns:a="http://schemas.openxmlformats.org/drawingml/2006/main" xmlns:r="http://schemas.openxmlformats.org/officeDocument/2006/relationships" xmlns:p="http://schemas.openxmlformats.org/presentationml/2006/main">
+  <p:cSld>
+    <p:spTree>
+      <p:nvGrpSpPr>
+        <p:cNvPr id="1" name=""/>
+        <p:cNvGrpSpPr/>
+        <p:nvPr/>
+      </p:nvGrpSpPr>
+      <p:grpSpPr>
+        <a:xfrm>
+          <a:off x="0" y="0"/>
+          <a:ext cx="0" cy="0"/>
+          <a:chOff x="0" y="0"/>
+          <a:chExt cx="0" cy="0"/>
+        </a:xfrm>
+      </p:grpSpPr>
+      <p:sp>
+        <p:nvSpPr>
+          <p:cNvPr id="2" name="Title 1">
+            <a:extLst>
+              <a:ext uri="{FF2B5EF4-FFF2-40B4-BE49-F238E27FC236}">
+                <a16:creationId xmlns:a16="http://schemas.microsoft.com/office/drawing/2014/main" id="{B536806E-AD3E-AD40-936F-590919B5FCEE}"/>
+              </a:ext>
+            </a:extLst>
+          </p:cNvPr>
+          <p:cNvSpPr>
+            <a:spLocks noGrp="1"/>
+          </p:cNvSpPr>
+          <p:nvPr>
+            <p:ph type="title"/>
+          </p:nvPr>
+        </p:nvSpPr>
+        <p:spPr/>
+        <p:txBody>
+          <a:bodyPr/>
+          <a:lstStyle/>
+          <a:p>
+            <a:r>
+              <a:rPr lang="en-US" dirty="0"/>
+              <a:t>Quick Practice</a:t>
+            </a:r>
+          </a:p>
+        </p:txBody>
+      </p:sp>
+      <p:sp>
+        <p:nvSpPr>
+          <p:cNvPr id="5" name="TextBox 4">
+            <a:extLst>
+              <a:ext uri="{FF2B5EF4-FFF2-40B4-BE49-F238E27FC236}">
+                <a16:creationId xmlns:a16="http://schemas.microsoft.com/office/drawing/2014/main" id="{BC9EEA87-D34D-C34F-8D45-848ED96537EC}"/>
+              </a:ext>
+            </a:extLst>
+          </p:cNvPr>
+          <p:cNvSpPr txBox="1"/>
+          <p:nvPr/>
+        </p:nvSpPr>
+        <p:spPr>
+          <a:xfrm>
+            <a:off x="787960" y="1675865"/>
+            <a:ext cx="11506863" cy="400110"/>
+          </a:xfrm>
+          <a:prstGeom prst="rect">
+            <a:avLst/>
+          </a:prstGeom>
+          <a:noFill/>
+        </p:spPr>
+        <p:txBody>
+          <a:bodyPr wrap="square">
+            <a:spAutoFit/>
+          </a:bodyPr>
+          <a:lstStyle/>
+          <a:p>
+            <a:endParaRPr lang="en-US" dirty="0">
+              <a:latin typeface="Courier New" panose="02070309020205020404" pitchFamily="49" charset="0"/>
+              <a:cs typeface="Courier New" panose="02070309020205020404" pitchFamily="49" charset="0"/>
+            </a:endParaRPr>
+          </a:p>
+        </p:txBody>
+      </p:sp>
+      <p:sp>
+        <p:nvSpPr>
+          <p:cNvPr id="4" name="Rectangle 3"/>
+          <p:cNvSpPr/>
+          <p:nvPr/>
+        </p:nvSpPr>
+        <p:spPr>
+          <a:xfrm>
+            <a:off x="628075" y="1783924"/>
+            <a:ext cx="11209051" cy="4708981"/>
+          </a:xfrm>
+          <a:prstGeom prst="rect">
+            <a:avLst/>
+          </a:prstGeom>
+        </p:spPr>
+        <p:txBody>
+          <a:bodyPr wrap="square">
+            <a:spAutoFit/>
+          </a:bodyPr>
+          <a:lstStyle/>
+          <a:p>
+            <a:r>
+              <a:rPr lang="en-US" dirty="0">
+                <a:latin typeface="Courier New" panose="02070309020205020404" pitchFamily="49" charset="0"/>
+                <a:cs typeface="Courier New" panose="02070309020205020404" pitchFamily="49" charset="0"/>
+              </a:rPr>
+              <a:t>public class </a:t>
+            </a:r>
+            <a:r>
+              <a:rPr lang="en-US" dirty="0" err="1">
+                <a:latin typeface="Courier New" panose="02070309020205020404" pitchFamily="49" charset="0"/>
+                <a:cs typeface="Courier New" panose="02070309020205020404" pitchFamily="49" charset="0"/>
+              </a:rPr>
+              <a:t>StringFormatProgram</a:t>
+            </a:r>
+            <a:r>
+              <a:rPr lang="en-US" dirty="0">
+                <a:latin typeface="Courier New" panose="02070309020205020404" pitchFamily="49" charset="0"/>
+                <a:cs typeface="Courier New" panose="02070309020205020404" pitchFamily="49" charset="0"/>
+              </a:rPr>
+              <a:t> {</a:t>
+            </a:r>
+          </a:p>
+          <a:p>
+            <a:r>
+              <a:rPr lang="en-US" dirty="0">
+                <a:latin typeface="Courier New" panose="02070309020205020404" pitchFamily="49" charset="0"/>
+                <a:cs typeface="Courier New" panose="02070309020205020404" pitchFamily="49" charset="0"/>
+              </a:rPr>
+              <a:t>   public static void main(String[] </a:t>
+            </a:r>
+            <a:r>
+              <a:rPr lang="en-US" dirty="0" err="1">
+                <a:latin typeface="Courier New" panose="02070309020205020404" pitchFamily="49" charset="0"/>
+                <a:cs typeface="Courier New" panose="02070309020205020404" pitchFamily="49" charset="0"/>
+              </a:rPr>
+              <a:t>args</a:t>
+            </a:r>
+            <a:r>
+              <a:rPr lang="en-US" dirty="0">
+                <a:latin typeface="Courier New" panose="02070309020205020404" pitchFamily="49" charset="0"/>
+                <a:cs typeface="Courier New" panose="02070309020205020404" pitchFamily="49" charset="0"/>
+              </a:rPr>
+              <a:t>) {</a:t>
+            </a:r>
+          </a:p>
+          <a:p>
+            <a:r>
+              <a:rPr lang="en-US" dirty="0">
+                <a:latin typeface="Courier New" panose="02070309020205020404" pitchFamily="49" charset="0"/>
+                <a:cs typeface="Courier New" panose="02070309020205020404" pitchFamily="49" charset="0"/>
+              </a:rPr>
+              <a:t>      </a:t>
+            </a:r>
+            <a:r>
+              <a:rPr lang="en-US" dirty="0" err="1">
+                <a:latin typeface="Courier New" panose="02070309020205020404" pitchFamily="49" charset="0"/>
+                <a:cs typeface="Courier New" panose="02070309020205020404" pitchFamily="49" charset="0"/>
+              </a:rPr>
+              <a:t>int</a:t>
+            </a:r>
+            <a:r>
+              <a:rPr lang="en-US" dirty="0">
+                <a:latin typeface="Courier New" panose="02070309020205020404" pitchFamily="49" charset="0"/>
+                <a:cs typeface="Courier New" panose="02070309020205020404" pitchFamily="49" charset="0"/>
+              </a:rPr>
+              <a:t> value1 = 12;</a:t>
+            </a:r>
+          </a:p>
+          <a:p>
+            <a:r>
+              <a:rPr lang="en-US" dirty="0">
+                <a:latin typeface="Courier New" panose="02070309020205020404" pitchFamily="49" charset="0"/>
+                <a:cs typeface="Courier New" panose="02070309020205020404" pitchFamily="49" charset="0"/>
+              </a:rPr>
+              <a:t>      double value2 = 25.75986;</a:t>
+            </a:r>
+          </a:p>
+          <a:p>
+            <a:r>
+              <a:rPr lang="en-US" dirty="0">
+                <a:latin typeface="Courier New" panose="02070309020205020404" pitchFamily="49" charset="0"/>
+                <a:cs typeface="Courier New" panose="02070309020205020404" pitchFamily="49" charset="0"/>
+              </a:rPr>
+              <a:t>      String color = "red";</a:t>
+            </a:r>
+          </a:p>
+          <a:p>
+            <a:r>
+              <a:rPr lang="en-US" dirty="0">
+                <a:latin typeface="Courier New" panose="02070309020205020404" pitchFamily="49" charset="0"/>
+                <a:cs typeface="Courier New" panose="02070309020205020404" pitchFamily="49" charset="0"/>
+              </a:rPr>
+              <a:t>      </a:t>
+            </a:r>
+            <a:r>
+              <a:rPr lang="en-US" dirty="0" err="1">
+                <a:latin typeface="Courier New" panose="02070309020205020404" pitchFamily="49" charset="0"/>
+                <a:cs typeface="Courier New" panose="02070309020205020404" pitchFamily="49" charset="0"/>
+              </a:rPr>
+              <a:t>int</a:t>
+            </a:r>
+            <a:r>
+              <a:rPr lang="en-US" dirty="0">
+                <a:latin typeface="Courier New" panose="02070309020205020404" pitchFamily="49" charset="0"/>
+                <a:cs typeface="Courier New" panose="02070309020205020404" pitchFamily="49" charset="0"/>
+              </a:rPr>
+              <a:t> </a:t>
+            </a:r>
+            <a:r>
+              <a:rPr lang="en-US" dirty="0" err="1">
+                <a:latin typeface="Courier New" panose="02070309020205020404" pitchFamily="49" charset="0"/>
+                <a:cs typeface="Courier New" panose="02070309020205020404" pitchFamily="49" charset="0"/>
+              </a:rPr>
+              <a:t>len</a:t>
+            </a:r>
+            <a:r>
+              <a:rPr lang="en-US" dirty="0">
+                <a:latin typeface="Courier New" panose="02070309020205020404" pitchFamily="49" charset="0"/>
+                <a:cs typeface="Courier New" panose="02070309020205020404" pitchFamily="49" charset="0"/>
+              </a:rPr>
+              <a:t> = </a:t>
+            </a:r>
+            <a:r>
+              <a:rPr lang="en-US" dirty="0" err="1">
+                <a:latin typeface="Courier New" panose="02070309020205020404" pitchFamily="49" charset="0"/>
+                <a:cs typeface="Courier New" panose="02070309020205020404" pitchFamily="49" charset="0"/>
+              </a:rPr>
+              <a:t>color.length</a:t>
+            </a:r>
+            <a:r>
+              <a:rPr lang="en-US" dirty="0">
+                <a:latin typeface="Courier New" panose="02070309020205020404" pitchFamily="49" charset="0"/>
+                <a:cs typeface="Courier New" panose="02070309020205020404" pitchFamily="49" charset="0"/>
+              </a:rPr>
+              <a:t>();</a:t>
+            </a:r>
+          </a:p>
+          <a:p>
+            <a:r>
+              <a:rPr lang="en-US" dirty="0">
+                <a:latin typeface="Courier New" panose="02070309020205020404" pitchFamily="49" charset="0"/>
+                <a:cs typeface="Courier New" panose="02070309020205020404" pitchFamily="49" charset="0"/>
+              </a:rPr>
+              <a:t>      </a:t>
+            </a:r>
+          </a:p>
+          <a:p>
+            <a:r>
+              <a:rPr lang="en-US" dirty="0">
+                <a:latin typeface="Courier New" panose="02070309020205020404" pitchFamily="49" charset="0"/>
+                <a:cs typeface="Courier New" panose="02070309020205020404" pitchFamily="49" charset="0"/>
+              </a:rPr>
+              <a:t>	</a:t>
+            </a:r>
+          </a:p>
+          <a:p>
+            <a:r>
+              <a:rPr lang="en-US" dirty="0">
+                <a:latin typeface="Courier New" panose="02070309020205020404" pitchFamily="49" charset="0"/>
+                <a:cs typeface="Courier New" panose="02070309020205020404" pitchFamily="49" charset="0"/>
+              </a:rPr>
+              <a:t>      </a:t>
+            </a:r>
+            <a:r>
+              <a:rPr lang="en-US" dirty="0" err="1">
+                <a:latin typeface="Courier New" panose="02070309020205020404" pitchFamily="49" charset="0"/>
+                <a:cs typeface="Courier New" panose="02070309020205020404" pitchFamily="49" charset="0"/>
+              </a:rPr>
+              <a:t>System.out.printf</a:t>
+            </a:r>
+            <a:r>
+              <a:rPr lang="en-US" dirty="0">
+                <a:latin typeface="Courier New" panose="02070309020205020404" pitchFamily="49" charset="0"/>
+                <a:cs typeface="Courier New" panose="02070309020205020404" pitchFamily="49" charset="0"/>
+              </a:rPr>
+              <a:t>("%d\n", value1);</a:t>
+            </a:r>
+          </a:p>
+          <a:p>
+            <a:r>
+              <a:rPr lang="en-US" dirty="0">
+                <a:latin typeface="Courier New" panose="02070309020205020404" pitchFamily="49" charset="0"/>
+                <a:cs typeface="Courier New" panose="02070309020205020404" pitchFamily="49" charset="0"/>
+              </a:rPr>
+              <a:t>      </a:t>
+            </a:r>
+            <a:r>
+              <a:rPr lang="en-US" dirty="0" err="1">
+                <a:latin typeface="Courier New" panose="02070309020205020404" pitchFamily="49" charset="0"/>
+                <a:cs typeface="Courier New" panose="02070309020205020404" pitchFamily="49" charset="0"/>
+              </a:rPr>
+              <a:t>System.out.printf</a:t>
+            </a:r>
+            <a:r>
+              <a:rPr lang="en-US" dirty="0">
+                <a:latin typeface="Courier New" panose="02070309020205020404" pitchFamily="49" charset="0"/>
+                <a:cs typeface="Courier New" panose="02070309020205020404" pitchFamily="49" charset="0"/>
+              </a:rPr>
+              <a:t>("%.2f\n", value2);</a:t>
+            </a:r>
+          </a:p>
+          <a:p>
+            <a:r>
+              <a:rPr lang="en-US" dirty="0">
+                <a:latin typeface="Courier New" panose="02070309020205020404" pitchFamily="49" charset="0"/>
+                <a:cs typeface="Courier New" panose="02070309020205020404" pitchFamily="49" charset="0"/>
+              </a:rPr>
+              <a:t>      </a:t>
+            </a:r>
+            <a:r>
+              <a:rPr lang="en-US" dirty="0" err="1">
+                <a:latin typeface="Courier New" panose="02070309020205020404" pitchFamily="49" charset="0"/>
+                <a:cs typeface="Courier New" panose="02070309020205020404" pitchFamily="49" charset="0"/>
+              </a:rPr>
+              <a:t>System.out.printf</a:t>
+            </a:r>
+            <a:r>
+              <a:rPr lang="en-US" dirty="0">
+                <a:latin typeface="Courier New" panose="02070309020205020404" pitchFamily="49" charset="0"/>
+                <a:cs typeface="Courier New" panose="02070309020205020404" pitchFamily="49" charset="0"/>
+              </a:rPr>
+              <a:t>("%20.2f\n", value2);</a:t>
+            </a:r>
+          </a:p>
+          <a:p>
+            <a:r>
+              <a:rPr lang="en-US" dirty="0">
+                <a:latin typeface="Courier New" panose="02070309020205020404" pitchFamily="49" charset="0"/>
+                <a:cs typeface="Courier New" panose="02070309020205020404" pitchFamily="49" charset="0"/>
+              </a:rPr>
+              <a:t>      </a:t>
+            </a:r>
+            <a:r>
+              <a:rPr lang="en-US" dirty="0" err="1">
+                <a:latin typeface="Courier New" panose="02070309020205020404" pitchFamily="49" charset="0"/>
+                <a:cs typeface="Courier New" panose="02070309020205020404" pitchFamily="49" charset="0"/>
+              </a:rPr>
+              <a:t>System.out.printf</a:t>
+            </a:r>
+            <a:r>
+              <a:rPr lang="en-US" dirty="0">
+                <a:latin typeface="Courier New" panose="02070309020205020404" pitchFamily="49" charset="0"/>
+                <a:cs typeface="Courier New" panose="02070309020205020404" pitchFamily="49" charset="0"/>
+              </a:rPr>
+              <a:t>("%s\n", color);</a:t>
+            </a:r>
+          </a:p>
+          <a:p>
+            <a:r>
+              <a:rPr lang="en-US" dirty="0">
+                <a:latin typeface="Courier New" panose="02070309020205020404" pitchFamily="49" charset="0"/>
+                <a:cs typeface="Courier New" panose="02070309020205020404" pitchFamily="49" charset="0"/>
+              </a:rPr>
+              <a:t>      </a:t>
+            </a:r>
+            <a:r>
+              <a:rPr lang="en-US" dirty="0" err="1">
+                <a:latin typeface="Courier New" panose="02070309020205020404" pitchFamily="49" charset="0"/>
+                <a:cs typeface="Courier New" panose="02070309020205020404" pitchFamily="49" charset="0"/>
+              </a:rPr>
+              <a:t>System.out.printf</a:t>
+            </a:r>
+            <a:r>
+              <a:rPr lang="en-US" dirty="0">
+                <a:latin typeface="Courier New" panose="02070309020205020404" pitchFamily="49" charset="0"/>
+                <a:cs typeface="Courier New" panose="02070309020205020404" pitchFamily="49" charset="0"/>
+              </a:rPr>
+              <a:t>("%S\n", color);</a:t>
+            </a:r>
+          </a:p>
+          <a:p>
+            <a:r>
+              <a:rPr lang="en-US" dirty="0">
+                <a:latin typeface="Courier New" panose="02070309020205020404" pitchFamily="49" charset="0"/>
+                <a:cs typeface="Courier New" panose="02070309020205020404" pitchFamily="49" charset="0"/>
+              </a:rPr>
+              <a:t>   }  </a:t>
+            </a:r>
+          </a:p>
+          <a:p>
+            <a:r>
+              <a:rPr lang="en-US" dirty="0">
+                <a:latin typeface="Courier New" panose="02070309020205020404" pitchFamily="49" charset="0"/>
+                <a:cs typeface="Courier New" panose="02070309020205020404" pitchFamily="49" charset="0"/>
+              </a:rPr>
+              <a:t>}</a:t>
+            </a:r>
+          </a:p>
+        </p:txBody>
+      </p:sp>
+      <p:sp>
+        <p:nvSpPr>
+          <p:cNvPr id="3" name="Rectangle 1">
+            <a:extLst>
+              <a:ext uri="{FF2B5EF4-FFF2-40B4-BE49-F238E27FC236}">
+                <a16:creationId xmlns:a16="http://schemas.microsoft.com/office/drawing/2014/main" id="{0899DD9E-B5F8-4D99-98F7-7C57134C173A}"/>
+              </a:ext>
+            </a:extLst>
+          </p:cNvPr>
+          <p:cNvSpPr>
+            <a:spLocks noChangeArrowheads="1"/>
+          </p:cNvSpPr>
+          <p:nvPr/>
+        </p:nvSpPr>
+        <p:spPr bwMode="auto">
+          <a:xfrm>
+            <a:off x="1524000" y="3628930"/>
+            <a:ext cx="7571303" cy="400110"/>
+          </a:xfrm>
+          <a:prstGeom prst="rect">
+            <a:avLst/>
+          </a:prstGeom>
+          <a:solidFill>
+            <a:srgbClr val="FFFFFF"/>
+          </a:solidFill>
+          <a:ln>
+            <a:noFill/>
+          </a:ln>
+          <a:effectLst/>
+          <a:extLst>
+            <a:ext uri="{91240B29-F687-4F45-9708-019B960494DF}">
+              <a14:hiddenLine xmlns:a14="http://schemas.microsoft.com/office/drawing/2010/main" w="9525">
+                <a:solidFill>
+                  <a:schemeClr val="tx1"/>
+                </a:solidFill>
+                <a:miter lim="800000"/>
+                <a:headEnd/>
+                <a:tailEnd/>
+              </a14:hiddenLine>
+            </a:ext>
+            <a:ext uri="{AF507438-7753-43E0-B8FC-AC1667EBCBE1}">
+              <a14:hiddenEffects xmlns:a14="http://schemas.microsoft.com/office/drawing/2010/main">
+                <a:effectLst>
+                  <a:outerShdw dist="35921" dir="2700000" algn="ctr" rotWithShape="0">
+                    <a:schemeClr val="bg2"/>
+                  </a:outerShdw>
+                </a:effectLst>
+              </a14:hiddenEffects>
+            </a:ext>
+          </a:extLst>
+        </p:spPr>
+        <p:txBody>
+          <a:bodyPr vert="horz" wrap="none" lIns="91440" tIns="45720" rIns="91440" bIns="45720" numCol="1" anchor="ctr" anchorCtr="0" compatLnSpc="1">
+            <a:prstTxWarp prst="textNoShape">
+              <a:avLst/>
+            </a:prstTxWarp>
+            <a:spAutoFit/>
+          </a:bodyPr>
+          <a:lstStyle/>
+          <a:p>
+            <a:pPr marL="0" marR="0" lvl="0" indent="0" algn="l" defTabSz="914400" rtl="0" eaLnBrk="0" fontAlgn="base" latinLnBrk="0" hangingPunct="0">
+              <a:lnSpc>
+                <a:spcPct val="100000"/>
+              </a:lnSpc>
+              <a:spcBef>
+                <a:spcPct val="0"/>
+              </a:spcBef>
+              <a:spcAft>
+                <a:spcPct val="0"/>
+              </a:spcAft>
+              <a:buClrTx/>
+              <a:buSzTx/>
+              <a:buFontTx/>
+              <a:buNone/>
+              <a:tabLst/>
+            </a:pPr>
+            <a:r>
+              <a:rPr kumimoji="0" lang="en-US" altLang="en-US" b="1" i="0" u="none" strike="noStrike" cap="none" normalizeH="0" baseline="0" dirty="0" err="1">
+                <a:ln>
+                  <a:noFill/>
+                </a:ln>
+                <a:solidFill>
+                  <a:srgbClr val="000000"/>
+                </a:solidFill>
+                <a:effectLst/>
+                <a:latin typeface="Courier New" panose="02070309020205020404" pitchFamily="49" charset="0"/>
+                <a:cs typeface="Courier New" panose="02070309020205020404" pitchFamily="49" charset="0"/>
+              </a:rPr>
+              <a:t>System</a:t>
+            </a:r>
+            <a:r>
+              <a:rPr kumimoji="0" lang="en-US" altLang="en-US" b="1" i="0" u="none" strike="noStrike" cap="none" normalizeH="0" baseline="0" dirty="0" err="1">
+                <a:ln>
+                  <a:noFill/>
+                </a:ln>
+                <a:solidFill>
+                  <a:srgbClr val="080808"/>
+                </a:solidFill>
+                <a:effectLst/>
+                <a:latin typeface="Courier New" panose="02070309020205020404" pitchFamily="49" charset="0"/>
+                <a:cs typeface="Courier New" panose="02070309020205020404" pitchFamily="49" charset="0"/>
+              </a:rPr>
+              <a:t>.</a:t>
+            </a:r>
+            <a:r>
+              <a:rPr kumimoji="0" lang="en-US" altLang="en-US" b="1" i="1" u="none" strike="noStrike" cap="none" normalizeH="0" baseline="0" dirty="0" err="1">
+                <a:ln>
+                  <a:noFill/>
+                </a:ln>
+                <a:solidFill>
+                  <a:srgbClr val="871094"/>
+                </a:solidFill>
+                <a:effectLst/>
+                <a:latin typeface="Courier New" panose="02070309020205020404" pitchFamily="49" charset="0"/>
+                <a:cs typeface="Courier New" panose="02070309020205020404" pitchFamily="49" charset="0"/>
+              </a:rPr>
+              <a:t>out</a:t>
+            </a:r>
+            <a:r>
+              <a:rPr kumimoji="0" lang="en-US" altLang="en-US" b="1" i="0" u="none" strike="noStrike" cap="none" normalizeH="0" baseline="0" dirty="0" err="1">
+                <a:ln>
+                  <a:noFill/>
+                </a:ln>
+                <a:solidFill>
+                  <a:srgbClr val="080808"/>
+                </a:solidFill>
+                <a:effectLst/>
+                <a:latin typeface="Courier New" panose="02070309020205020404" pitchFamily="49" charset="0"/>
+                <a:cs typeface="Courier New" panose="02070309020205020404" pitchFamily="49" charset="0"/>
+              </a:rPr>
+              <a:t>.printf</a:t>
+            </a:r>
+            <a:r>
+              <a:rPr kumimoji="0" lang="en-US" altLang="en-US" b="1" i="0" u="none" strike="noStrike" cap="none" normalizeH="0" baseline="0" dirty="0">
+                <a:ln>
+                  <a:noFill/>
+                </a:ln>
+                <a:solidFill>
+                  <a:srgbClr val="080808"/>
+                </a:solidFill>
+                <a:effectLst/>
+                <a:latin typeface="Courier New" panose="02070309020205020404" pitchFamily="49" charset="0"/>
+                <a:cs typeface="Courier New" panose="02070309020205020404" pitchFamily="49" charset="0"/>
+              </a:rPr>
+              <a:t>(</a:t>
+            </a:r>
+            <a:r>
+              <a:rPr kumimoji="0" lang="en-US" altLang="en-US" b="1" i="0" u="none" strike="noStrike" cap="none" normalizeH="0" baseline="0" dirty="0">
+                <a:ln>
+                  <a:noFill/>
+                </a:ln>
+                <a:solidFill>
+                  <a:srgbClr val="067D17"/>
+                </a:solidFill>
+                <a:effectLst/>
+                <a:latin typeface="Courier New" panose="02070309020205020404" pitchFamily="49" charset="0"/>
+                <a:cs typeface="Courier New" panose="02070309020205020404" pitchFamily="49" charset="0"/>
+              </a:rPr>
+              <a:t>"Length of color: %d</a:t>
+            </a:r>
+            <a:r>
+              <a:rPr kumimoji="0" lang="en-US" altLang="en-US" b="1" i="0" u="none" strike="noStrike" cap="none" normalizeH="0" baseline="0" dirty="0">
+                <a:ln>
+                  <a:noFill/>
+                </a:ln>
+                <a:solidFill>
+                  <a:srgbClr val="0037A6"/>
+                </a:solidFill>
+                <a:effectLst/>
+                <a:latin typeface="Courier New" panose="02070309020205020404" pitchFamily="49" charset="0"/>
+                <a:cs typeface="Courier New" panose="02070309020205020404" pitchFamily="49" charset="0"/>
+              </a:rPr>
+              <a:t>\n</a:t>
+            </a:r>
+            <a:r>
+              <a:rPr kumimoji="0" lang="en-US" altLang="en-US" b="1" i="0" u="none" strike="noStrike" cap="none" normalizeH="0" baseline="0" dirty="0">
+                <a:ln>
+                  <a:noFill/>
+                </a:ln>
+                <a:solidFill>
+                  <a:srgbClr val="067D17"/>
+                </a:solidFill>
+                <a:effectLst/>
+                <a:latin typeface="Courier New" panose="02070309020205020404" pitchFamily="49" charset="0"/>
+                <a:cs typeface="Courier New" panose="02070309020205020404" pitchFamily="49" charset="0"/>
+              </a:rPr>
+              <a:t>"</a:t>
+            </a:r>
+            <a:r>
+              <a:rPr kumimoji="0" lang="en-US" altLang="en-US" b="1" i="0" u="none" strike="noStrike" cap="none" normalizeH="0" baseline="0" dirty="0">
+                <a:ln>
+                  <a:noFill/>
+                </a:ln>
+                <a:solidFill>
+                  <a:srgbClr val="080808"/>
+                </a:solidFill>
+                <a:effectLst/>
+                <a:latin typeface="Courier New" panose="02070309020205020404" pitchFamily="49" charset="0"/>
+                <a:cs typeface="Courier New" panose="02070309020205020404" pitchFamily="49" charset="0"/>
+              </a:rPr>
+              <a:t>, </a:t>
+            </a:r>
+            <a:r>
+              <a:rPr kumimoji="0" lang="en-US" altLang="en-US" b="1" i="0" u="none" strike="noStrike" cap="none" normalizeH="0" baseline="0" dirty="0" err="1">
+                <a:ln>
+                  <a:noFill/>
+                </a:ln>
+                <a:solidFill>
+                  <a:srgbClr val="000000"/>
+                </a:solidFill>
+                <a:effectLst/>
+                <a:latin typeface="Courier New" panose="02070309020205020404" pitchFamily="49" charset="0"/>
+                <a:cs typeface="Courier New" panose="02070309020205020404" pitchFamily="49" charset="0"/>
+              </a:rPr>
+              <a:t>len</a:t>
+            </a:r>
+            <a:r>
+              <a:rPr kumimoji="0" lang="en-US" altLang="en-US" b="1" i="0" u="none" strike="noStrike" cap="none" normalizeH="0" baseline="0" dirty="0">
+                <a:ln>
+                  <a:noFill/>
+                </a:ln>
+                <a:solidFill>
+                  <a:srgbClr val="080808"/>
+                </a:solidFill>
+                <a:effectLst/>
+                <a:latin typeface="Courier New" panose="02070309020205020404" pitchFamily="49" charset="0"/>
+                <a:cs typeface="Courier New" panose="02070309020205020404" pitchFamily="49" charset="0"/>
+              </a:rPr>
+              <a:t>);</a:t>
+            </a:r>
+            <a:endParaRPr kumimoji="0" lang="en-US" altLang="en-US" b="1" i="0" u="none" strike="noStrike" cap="none" normalizeH="0" baseline="0" dirty="0">
+              <a:ln>
+                <a:noFill/>
+              </a:ln>
+              <a:solidFill>
+                <a:schemeClr val="tx1"/>
+              </a:solidFill>
+              <a:effectLst/>
+              <a:latin typeface="Courier New" panose="02070309020205020404" pitchFamily="49" charset="0"/>
+              <a:cs typeface="Courier New" panose="02070309020205020404" pitchFamily="49" charset="0"/>
+            </a:endParaRPr>
+          </a:p>
+        </p:txBody>
+      </p:sp>
+      <p:sp>
+        <p:nvSpPr>
+          <p:cNvPr id="9" name="Rectangle 2">
+            <a:extLst>
+              <a:ext uri="{FF2B5EF4-FFF2-40B4-BE49-F238E27FC236}">
+                <a16:creationId xmlns:a16="http://schemas.microsoft.com/office/drawing/2014/main" id="{0F7B3CF4-D174-41F3-B4D8-F2F47B10E6C8}"/>
+              </a:ext>
+            </a:extLst>
+          </p:cNvPr>
+          <p:cNvSpPr>
+            <a:spLocks noChangeArrowheads="1"/>
+          </p:cNvSpPr>
+          <p:nvPr/>
+        </p:nvSpPr>
+        <p:spPr bwMode="auto">
+          <a:xfrm>
+            <a:off x="1524000" y="3954989"/>
+            <a:ext cx="10341293" cy="400110"/>
+          </a:xfrm>
+          <a:prstGeom prst="rect">
+            <a:avLst/>
+          </a:prstGeom>
+          <a:solidFill>
+            <a:srgbClr val="FFFFFF"/>
+          </a:solidFill>
+          <a:ln>
+            <a:noFill/>
+          </a:ln>
+          <a:effectLst/>
+          <a:extLst>
+            <a:ext uri="{91240B29-F687-4F45-9708-019B960494DF}">
+              <a14:hiddenLine xmlns:a14="http://schemas.microsoft.com/office/drawing/2010/main" w="9525">
+                <a:solidFill>
+                  <a:schemeClr val="tx1"/>
+                </a:solidFill>
+                <a:miter lim="800000"/>
+                <a:headEnd/>
+                <a:tailEnd/>
+              </a14:hiddenLine>
+            </a:ext>
+            <a:ext uri="{AF507438-7753-43E0-B8FC-AC1667EBCBE1}">
+              <a14:hiddenEffects xmlns:a14="http://schemas.microsoft.com/office/drawing/2010/main">
+                <a:effectLst>
+                  <a:outerShdw dist="35921" dir="2700000" algn="ctr" rotWithShape="0">
+                    <a:schemeClr val="bg2"/>
+                  </a:outerShdw>
+                </a:effectLst>
+              </a14:hiddenEffects>
+            </a:ext>
+          </a:extLst>
+        </p:spPr>
+        <p:txBody>
+          <a:bodyPr vert="horz" wrap="none" lIns="91440" tIns="45720" rIns="91440" bIns="45720" numCol="1" anchor="ctr" anchorCtr="0" compatLnSpc="1">
+            <a:prstTxWarp prst="textNoShape">
+              <a:avLst/>
+            </a:prstTxWarp>
+            <a:spAutoFit/>
+          </a:bodyPr>
+          <a:lstStyle/>
+          <a:p>
+            <a:pPr marL="0" marR="0" lvl="0" indent="0" algn="l" defTabSz="914400" rtl="0" eaLnBrk="0" fontAlgn="base" latinLnBrk="0" hangingPunct="0">
+              <a:lnSpc>
+                <a:spcPct val="100000"/>
+              </a:lnSpc>
+              <a:spcBef>
+                <a:spcPct val="0"/>
+              </a:spcBef>
+              <a:spcAft>
+                <a:spcPct val="0"/>
+              </a:spcAft>
+              <a:buClrTx/>
+              <a:buSzTx/>
+              <a:buFontTx/>
+              <a:buNone/>
+              <a:tabLst/>
+            </a:pPr>
+            <a:r>
+              <a:rPr kumimoji="0" lang="en-US" altLang="en-US" b="1" i="0" u="none" strike="noStrike" cap="none" normalizeH="0" baseline="0" dirty="0" err="1">
+                <a:ln>
+                  <a:noFill/>
+                </a:ln>
+                <a:solidFill>
+                  <a:srgbClr val="000000"/>
+                </a:solidFill>
+                <a:effectLst/>
+                <a:latin typeface="Courier New" panose="02070309020205020404" pitchFamily="49" charset="0"/>
+                <a:cs typeface="Courier New" panose="02070309020205020404" pitchFamily="49" charset="0"/>
+              </a:rPr>
+              <a:t>System</a:t>
+            </a:r>
+            <a:r>
+              <a:rPr kumimoji="0" lang="en-US" altLang="en-US" b="1" i="0" u="none" strike="noStrike" cap="none" normalizeH="0" baseline="0" dirty="0" err="1">
+                <a:ln>
+                  <a:noFill/>
+                </a:ln>
+                <a:solidFill>
+                  <a:srgbClr val="080808"/>
+                </a:solidFill>
+                <a:effectLst/>
+                <a:latin typeface="Courier New" panose="02070309020205020404" pitchFamily="49" charset="0"/>
+                <a:cs typeface="Courier New" panose="02070309020205020404" pitchFamily="49" charset="0"/>
+              </a:rPr>
+              <a:t>.</a:t>
+            </a:r>
+            <a:r>
+              <a:rPr kumimoji="0" lang="en-US" altLang="en-US" b="1" i="1" u="none" strike="noStrike" cap="none" normalizeH="0" baseline="0" dirty="0" err="1">
+                <a:ln>
+                  <a:noFill/>
+                </a:ln>
+                <a:solidFill>
+                  <a:srgbClr val="871094"/>
+                </a:solidFill>
+                <a:effectLst/>
+                <a:latin typeface="Courier New" panose="02070309020205020404" pitchFamily="49" charset="0"/>
+                <a:cs typeface="Courier New" panose="02070309020205020404" pitchFamily="49" charset="0"/>
+              </a:rPr>
+              <a:t>out</a:t>
+            </a:r>
+            <a:r>
+              <a:rPr kumimoji="0" lang="en-US" altLang="en-US" b="1" i="0" u="none" strike="noStrike" cap="none" normalizeH="0" baseline="0" dirty="0" err="1">
+                <a:ln>
+                  <a:noFill/>
+                </a:ln>
+                <a:solidFill>
+                  <a:srgbClr val="080808"/>
+                </a:solidFill>
+                <a:effectLst/>
+                <a:latin typeface="Courier New" panose="02070309020205020404" pitchFamily="49" charset="0"/>
+                <a:cs typeface="Courier New" panose="02070309020205020404" pitchFamily="49" charset="0"/>
+              </a:rPr>
+              <a:t>.printf</a:t>
+            </a:r>
+            <a:r>
+              <a:rPr kumimoji="0" lang="en-US" altLang="en-US" b="1" i="0" u="none" strike="noStrike" cap="none" normalizeH="0" baseline="0" dirty="0">
+                <a:ln>
+                  <a:noFill/>
+                </a:ln>
+                <a:solidFill>
+                  <a:srgbClr val="080808"/>
+                </a:solidFill>
+                <a:effectLst/>
+                <a:latin typeface="Courier New" panose="02070309020205020404" pitchFamily="49" charset="0"/>
+                <a:cs typeface="Courier New" panose="02070309020205020404" pitchFamily="49" charset="0"/>
+              </a:rPr>
+              <a:t>(</a:t>
+            </a:r>
+            <a:r>
+              <a:rPr kumimoji="0" lang="en-US" altLang="en-US" b="1" i="0" u="none" strike="noStrike" cap="none" normalizeH="0" baseline="0" dirty="0">
+                <a:ln>
+                  <a:noFill/>
+                </a:ln>
+                <a:solidFill>
+                  <a:srgbClr val="067D17"/>
+                </a:solidFill>
+                <a:effectLst/>
+                <a:latin typeface="Courier New" panose="02070309020205020404" pitchFamily="49" charset="0"/>
+                <a:cs typeface="Courier New" panose="02070309020205020404" pitchFamily="49" charset="0"/>
+              </a:rPr>
+              <a:t>"First letter of color: %c</a:t>
+            </a:r>
+            <a:r>
+              <a:rPr kumimoji="0" lang="en-US" altLang="en-US" b="1" i="0" u="none" strike="noStrike" cap="none" normalizeH="0" baseline="0" dirty="0">
+                <a:ln>
+                  <a:noFill/>
+                </a:ln>
+                <a:solidFill>
+                  <a:srgbClr val="0037A6"/>
+                </a:solidFill>
+                <a:effectLst/>
+                <a:latin typeface="Courier New" panose="02070309020205020404" pitchFamily="49" charset="0"/>
+                <a:cs typeface="Courier New" panose="02070309020205020404" pitchFamily="49" charset="0"/>
+              </a:rPr>
+              <a:t>\n</a:t>
+            </a:r>
+            <a:r>
+              <a:rPr kumimoji="0" lang="en-US" altLang="en-US" b="1" i="0" u="none" strike="noStrike" cap="none" normalizeH="0" baseline="0" dirty="0">
+                <a:ln>
+                  <a:noFill/>
+                </a:ln>
+                <a:solidFill>
+                  <a:srgbClr val="067D17"/>
+                </a:solidFill>
+                <a:effectLst/>
+                <a:latin typeface="Courier New" panose="02070309020205020404" pitchFamily="49" charset="0"/>
+                <a:cs typeface="Courier New" panose="02070309020205020404" pitchFamily="49" charset="0"/>
+              </a:rPr>
+              <a:t>"</a:t>
+            </a:r>
+            <a:r>
+              <a:rPr kumimoji="0" lang="en-US" altLang="en-US" b="1" i="0" u="none" strike="noStrike" cap="none" normalizeH="0" baseline="0" dirty="0">
+                <a:ln>
+                  <a:noFill/>
+                </a:ln>
+                <a:solidFill>
+                  <a:srgbClr val="080808"/>
+                </a:solidFill>
+                <a:effectLst/>
+                <a:latin typeface="Courier New" panose="02070309020205020404" pitchFamily="49" charset="0"/>
+                <a:cs typeface="Courier New" panose="02070309020205020404" pitchFamily="49" charset="0"/>
+              </a:rPr>
+              <a:t>, </a:t>
+            </a:r>
+            <a:r>
+              <a:rPr kumimoji="0" lang="en-US" altLang="en-US" b="1" i="0" u="none" strike="noStrike" cap="none" normalizeH="0" baseline="0" dirty="0" err="1">
+                <a:ln>
+                  <a:noFill/>
+                </a:ln>
+                <a:solidFill>
+                  <a:srgbClr val="000000"/>
+                </a:solidFill>
+                <a:effectLst/>
+                <a:latin typeface="Courier New" panose="02070309020205020404" pitchFamily="49" charset="0"/>
+                <a:cs typeface="Courier New" panose="02070309020205020404" pitchFamily="49" charset="0"/>
+              </a:rPr>
+              <a:t>color</a:t>
+            </a:r>
+            <a:r>
+              <a:rPr kumimoji="0" lang="en-US" altLang="en-US" b="1" i="0" u="none" strike="noStrike" cap="none" normalizeH="0" baseline="0" dirty="0" err="1">
+                <a:ln>
+                  <a:noFill/>
+                </a:ln>
+                <a:solidFill>
+                  <a:srgbClr val="080808"/>
+                </a:solidFill>
+                <a:effectLst/>
+                <a:latin typeface="Courier New" panose="02070309020205020404" pitchFamily="49" charset="0"/>
+                <a:cs typeface="Courier New" panose="02070309020205020404" pitchFamily="49" charset="0"/>
+              </a:rPr>
+              <a:t>.charAt</a:t>
+            </a:r>
+            <a:r>
+              <a:rPr kumimoji="0" lang="en-US" altLang="en-US" b="1" i="0" u="none" strike="noStrike" cap="none" normalizeH="0" baseline="0" dirty="0">
+                <a:ln>
+                  <a:noFill/>
+                </a:ln>
+                <a:solidFill>
+                  <a:srgbClr val="080808"/>
+                </a:solidFill>
+                <a:effectLst/>
+                <a:latin typeface="Courier New" panose="02070309020205020404" pitchFamily="49" charset="0"/>
+                <a:cs typeface="Courier New" panose="02070309020205020404" pitchFamily="49" charset="0"/>
+              </a:rPr>
+              <a:t>(</a:t>
+            </a:r>
+            <a:r>
+              <a:rPr kumimoji="0" lang="en-US" altLang="en-US" b="1" i="0" u="none" strike="noStrike" cap="none" normalizeH="0" baseline="0" dirty="0">
+                <a:ln>
+                  <a:noFill/>
+                </a:ln>
+                <a:solidFill>
+                  <a:srgbClr val="1750EB"/>
+                </a:solidFill>
+                <a:effectLst/>
+                <a:latin typeface="Courier New" panose="02070309020205020404" pitchFamily="49" charset="0"/>
+                <a:cs typeface="Courier New" panose="02070309020205020404" pitchFamily="49" charset="0"/>
+              </a:rPr>
+              <a:t>0</a:t>
+            </a:r>
+            <a:r>
+              <a:rPr kumimoji="0" lang="en-US" altLang="en-US" b="1" i="0" u="none" strike="noStrike" cap="none" normalizeH="0" baseline="0" dirty="0">
+                <a:ln>
+                  <a:noFill/>
+                </a:ln>
+                <a:solidFill>
+                  <a:srgbClr val="080808"/>
+                </a:solidFill>
+                <a:effectLst/>
+                <a:latin typeface="Courier New" panose="02070309020205020404" pitchFamily="49" charset="0"/>
+                <a:cs typeface="Courier New" panose="02070309020205020404" pitchFamily="49" charset="0"/>
+              </a:rPr>
+              <a:t>));</a:t>
+            </a:r>
+            <a:endParaRPr kumimoji="0" lang="en-US" altLang="en-US" b="1" i="0" u="none" strike="noStrike" cap="none" normalizeH="0" baseline="0" dirty="0">
+              <a:ln>
+                <a:noFill/>
+              </a:ln>
+              <a:solidFill>
+                <a:schemeClr val="tx1"/>
+              </a:solidFill>
+              <a:effectLst/>
+              <a:latin typeface="Courier New" panose="02070309020205020404" pitchFamily="49" charset="0"/>
+              <a:cs typeface="Courier New" panose="02070309020205020404" pitchFamily="49" charset="0"/>
+            </a:endParaRPr>
+          </a:p>
+        </p:txBody>
+      </p:sp>
+    </p:spTree>
+    <p:extLst>
+      <p:ext uri="{BB962C8B-B14F-4D97-AF65-F5344CB8AC3E}">
+        <p14:creationId xmlns:p14="http://schemas.microsoft.com/office/powerpoint/2010/main" val="2866524206"/>
+      </p:ext>
+    </p:extLst>
+  </p:cSld>
+  <p:clrMapOvr>
+    <a:masterClrMapping/>
+  </p:clrMapOvr>
+  <mc:AlternateContent xmlns:mc="http://schemas.openxmlformats.org/markup-compatibility/2006" xmlns:p14="http://schemas.microsoft.com/office/powerpoint/2010/main">
+    <mc:Choice Requires="p14">
+      <p:transition p14:dur="300">
+        <p:fade/>
+      </p:transition>
+    </mc:Choice>
+    <mc:Fallback xmlns="">
+      <p:transition>
+        <p:fade/>
+      </p:transition>
+    </mc:Fallback>
+  </mc:AlternateContent>
+</p:sld>
+</file>
+
+<file path=ppt/slides/slide24.xml><?xml version="1.0" encoding="utf-8"?>
+<p:sld xmlns:a="http://schemas.openxmlformats.org/drawingml/2006/main" xmlns:r="http://schemas.openxmlformats.org/officeDocument/2006/relationships" xmlns:p="http://schemas.openxmlformats.org/presentationml/2006/main">
+  <p:cSld>
+    <p:spTree>
+      <p:nvGrpSpPr>
+        <p:cNvPr id="1" name=""/>
+        <p:cNvGrpSpPr/>
+        <p:nvPr/>
+      </p:nvGrpSpPr>
+      <p:grpSpPr>
+        <a:xfrm>
+          <a:off x="0" y="0"/>
+          <a:ext cx="0" cy="0"/>
+          <a:chOff x="0" y="0"/>
+          <a:chExt cx="0" cy="0"/>
+        </a:xfrm>
+      </p:grpSpPr>
+      <p:sp>
+        <p:nvSpPr>
+          <p:cNvPr id="2" name="Title 1">
+            <a:extLst>
+              <a:ext uri="{FF2B5EF4-FFF2-40B4-BE49-F238E27FC236}">
+                <a16:creationId xmlns:a16="http://schemas.microsoft.com/office/drawing/2014/main" id="{B536806E-AD3E-AD40-936F-590919B5FCEE}"/>
+              </a:ext>
+            </a:extLst>
+          </p:cNvPr>
+          <p:cNvSpPr>
+            <a:spLocks noGrp="1"/>
+          </p:cNvSpPr>
+          <p:nvPr>
+            <p:ph type="title"/>
+          </p:nvPr>
+        </p:nvSpPr>
+        <p:spPr/>
+        <p:txBody>
+          <a:bodyPr/>
+          <a:lstStyle/>
+          <a:p>
+            <a:r>
+              <a:rPr lang="en-US" dirty="0"/>
+              <a:t>Quick Practice</a:t>
+            </a:r>
+          </a:p>
+        </p:txBody>
+      </p:sp>
+      <p:sp>
+        <p:nvSpPr>
+          <p:cNvPr id="5" name="TextBox 4">
+            <a:extLst>
+              <a:ext uri="{FF2B5EF4-FFF2-40B4-BE49-F238E27FC236}">
+                <a16:creationId xmlns:a16="http://schemas.microsoft.com/office/drawing/2014/main" id="{BC9EEA87-D34D-C34F-8D45-848ED96537EC}"/>
+              </a:ext>
+            </a:extLst>
+          </p:cNvPr>
+          <p:cNvSpPr txBox="1"/>
+          <p:nvPr/>
+        </p:nvSpPr>
+        <p:spPr>
+          <a:xfrm>
+            <a:off x="787960" y="1675865"/>
+            <a:ext cx="11506863" cy="400110"/>
+          </a:xfrm>
+          <a:prstGeom prst="rect">
+            <a:avLst/>
+          </a:prstGeom>
+          <a:noFill/>
+        </p:spPr>
+        <p:txBody>
+          <a:bodyPr wrap="square">
+            <a:spAutoFit/>
+          </a:bodyPr>
+          <a:lstStyle/>
+          <a:p>
+            <a:endParaRPr lang="en-US" dirty="0">
+              <a:latin typeface="Courier New" panose="02070309020205020404" pitchFamily="49" charset="0"/>
+              <a:cs typeface="Courier New" panose="02070309020205020404" pitchFamily="49" charset="0"/>
+            </a:endParaRPr>
+          </a:p>
+        </p:txBody>
+      </p:sp>
+      <p:sp>
+        <p:nvSpPr>
+          <p:cNvPr id="4" name="Rectangle 3"/>
+          <p:cNvSpPr/>
+          <p:nvPr/>
+        </p:nvSpPr>
+        <p:spPr>
+          <a:xfrm>
+            <a:off x="628075" y="1783924"/>
+            <a:ext cx="11209051" cy="5016758"/>
+          </a:xfrm>
+          <a:prstGeom prst="rect">
+            <a:avLst/>
+          </a:prstGeom>
+        </p:spPr>
+        <p:txBody>
+          <a:bodyPr wrap="square">
+            <a:spAutoFit/>
+          </a:bodyPr>
+          <a:lstStyle/>
+          <a:p>
+            <a:r>
+              <a:rPr lang="en-US" dirty="0">
+                <a:latin typeface="Courier New" panose="02070309020205020404" pitchFamily="49" charset="0"/>
+                <a:cs typeface="Courier New" panose="02070309020205020404" pitchFamily="49" charset="0"/>
+              </a:rPr>
+              <a:t>public class </a:t>
+            </a:r>
+            <a:r>
+              <a:rPr lang="en-US" dirty="0" err="1">
+                <a:latin typeface="Courier New" panose="02070309020205020404" pitchFamily="49" charset="0"/>
+                <a:cs typeface="Courier New" panose="02070309020205020404" pitchFamily="49" charset="0"/>
+              </a:rPr>
+              <a:t>StringFormatProgram</a:t>
+            </a:r>
+            <a:r>
+              <a:rPr lang="en-US" dirty="0">
+                <a:latin typeface="Courier New" panose="02070309020205020404" pitchFamily="49" charset="0"/>
+                <a:cs typeface="Courier New" panose="02070309020205020404" pitchFamily="49" charset="0"/>
+              </a:rPr>
+              <a:t> {</a:t>
+            </a:r>
+          </a:p>
+          <a:p>
+            <a:r>
+              <a:rPr lang="en-US" dirty="0">
+                <a:latin typeface="Courier New" panose="02070309020205020404" pitchFamily="49" charset="0"/>
+                <a:cs typeface="Courier New" panose="02070309020205020404" pitchFamily="49" charset="0"/>
+              </a:rPr>
+              <a:t>   public static void main(String[] </a:t>
+            </a:r>
+            <a:r>
+              <a:rPr lang="en-US" dirty="0" err="1">
+                <a:latin typeface="Courier New" panose="02070309020205020404" pitchFamily="49" charset="0"/>
+                <a:cs typeface="Courier New" panose="02070309020205020404" pitchFamily="49" charset="0"/>
+              </a:rPr>
+              <a:t>args</a:t>
+            </a:r>
+            <a:r>
+              <a:rPr lang="en-US" dirty="0">
+                <a:latin typeface="Courier New" panose="02070309020205020404" pitchFamily="49" charset="0"/>
+                <a:cs typeface="Courier New" panose="02070309020205020404" pitchFamily="49" charset="0"/>
+              </a:rPr>
+              <a:t>) {</a:t>
+            </a:r>
+          </a:p>
+          <a:p>
+            <a:r>
+              <a:rPr lang="en-US" dirty="0">
+                <a:latin typeface="Courier New" panose="02070309020205020404" pitchFamily="49" charset="0"/>
+                <a:cs typeface="Courier New" panose="02070309020205020404" pitchFamily="49" charset="0"/>
+              </a:rPr>
+              <a:t>      </a:t>
+            </a:r>
+            <a:r>
+              <a:rPr lang="en-US" dirty="0" err="1">
+                <a:latin typeface="Courier New" panose="02070309020205020404" pitchFamily="49" charset="0"/>
+                <a:cs typeface="Courier New" panose="02070309020205020404" pitchFamily="49" charset="0"/>
+              </a:rPr>
+              <a:t>int</a:t>
+            </a:r>
+            <a:r>
+              <a:rPr lang="en-US" dirty="0">
+                <a:latin typeface="Courier New" panose="02070309020205020404" pitchFamily="49" charset="0"/>
+                <a:cs typeface="Courier New" panose="02070309020205020404" pitchFamily="49" charset="0"/>
+              </a:rPr>
+              <a:t> value1 = 12;</a:t>
+            </a:r>
+          </a:p>
+          <a:p>
+            <a:r>
+              <a:rPr lang="en-US" dirty="0">
+                <a:latin typeface="Courier New" panose="02070309020205020404" pitchFamily="49" charset="0"/>
+                <a:cs typeface="Courier New" panose="02070309020205020404" pitchFamily="49" charset="0"/>
+              </a:rPr>
+              <a:t>      double value2 = 25.75986;</a:t>
+            </a:r>
+          </a:p>
+          <a:p>
+            <a:r>
+              <a:rPr lang="en-US" dirty="0">
+                <a:latin typeface="Courier New" panose="02070309020205020404" pitchFamily="49" charset="0"/>
+                <a:cs typeface="Courier New" panose="02070309020205020404" pitchFamily="49" charset="0"/>
+              </a:rPr>
+              <a:t>      String color = "red";</a:t>
+            </a:r>
+          </a:p>
+          <a:p>
+            <a:r>
+              <a:rPr lang="en-US" dirty="0">
+                <a:latin typeface="Courier New" panose="02070309020205020404" pitchFamily="49" charset="0"/>
+                <a:cs typeface="Courier New" panose="02070309020205020404" pitchFamily="49" charset="0"/>
+              </a:rPr>
+              <a:t>      </a:t>
+            </a:r>
+            <a:r>
+              <a:rPr lang="en-US" dirty="0" err="1">
+                <a:latin typeface="Courier New" panose="02070309020205020404" pitchFamily="49" charset="0"/>
+                <a:cs typeface="Courier New" panose="02070309020205020404" pitchFamily="49" charset="0"/>
+              </a:rPr>
+              <a:t>int</a:t>
+            </a:r>
+            <a:r>
+              <a:rPr lang="en-US" dirty="0">
+                <a:latin typeface="Courier New" panose="02070309020205020404" pitchFamily="49" charset="0"/>
+                <a:cs typeface="Courier New" panose="02070309020205020404" pitchFamily="49" charset="0"/>
+              </a:rPr>
+              <a:t> </a:t>
+            </a:r>
+            <a:r>
+              <a:rPr lang="en-US" dirty="0" err="1">
+                <a:latin typeface="Courier New" panose="02070309020205020404" pitchFamily="49" charset="0"/>
+                <a:cs typeface="Courier New" panose="02070309020205020404" pitchFamily="49" charset="0"/>
+              </a:rPr>
+              <a:t>len</a:t>
+            </a:r>
+            <a:r>
+              <a:rPr lang="en-US" dirty="0">
+                <a:latin typeface="Courier New" panose="02070309020205020404" pitchFamily="49" charset="0"/>
+                <a:cs typeface="Courier New" panose="02070309020205020404" pitchFamily="49" charset="0"/>
+              </a:rPr>
+              <a:t> = </a:t>
+            </a:r>
+            <a:r>
+              <a:rPr lang="en-US" dirty="0" err="1">
+                <a:latin typeface="Courier New" panose="02070309020205020404" pitchFamily="49" charset="0"/>
+                <a:cs typeface="Courier New" panose="02070309020205020404" pitchFamily="49" charset="0"/>
+              </a:rPr>
+              <a:t>color.length</a:t>
+            </a:r>
+            <a:r>
+              <a:rPr lang="en-US" dirty="0">
+                <a:latin typeface="Courier New" panose="02070309020205020404" pitchFamily="49" charset="0"/>
+                <a:cs typeface="Courier New" panose="02070309020205020404" pitchFamily="49" charset="0"/>
+              </a:rPr>
+              <a:t>();</a:t>
+            </a:r>
+          </a:p>
+          <a:p>
+            <a:r>
+              <a:rPr lang="en-US" dirty="0">
+                <a:latin typeface="Courier New" panose="02070309020205020404" pitchFamily="49" charset="0"/>
+                <a:cs typeface="Courier New" panose="02070309020205020404" pitchFamily="49" charset="0"/>
+              </a:rPr>
+              <a:t>      </a:t>
+            </a:r>
+            <a:r>
+              <a:rPr lang="en-US" dirty="0" err="1">
+                <a:latin typeface="Courier New" panose="02070309020205020404" pitchFamily="49" charset="0"/>
+                <a:cs typeface="Courier New" panose="02070309020205020404" pitchFamily="49" charset="0"/>
+              </a:rPr>
+              <a:t>System.out.println</a:t>
+            </a:r>
+            <a:r>
+              <a:rPr lang="en-US" dirty="0">
+                <a:latin typeface="Courier New" panose="02070309020205020404" pitchFamily="49" charset="0"/>
+                <a:cs typeface="Courier New" panose="02070309020205020404" pitchFamily="49" charset="0"/>
+              </a:rPr>
+              <a:t>("Length of color: " + </a:t>
+            </a:r>
+            <a:r>
+              <a:rPr lang="en-US" dirty="0" err="1">
+                <a:latin typeface="Courier New" panose="02070309020205020404" pitchFamily="49" charset="0"/>
+                <a:cs typeface="Courier New" panose="02070309020205020404" pitchFamily="49" charset="0"/>
+              </a:rPr>
+              <a:t>len</a:t>
+            </a:r>
+            <a:r>
+              <a:rPr lang="en-US" dirty="0">
+                <a:latin typeface="Courier New" panose="02070309020205020404" pitchFamily="49" charset="0"/>
+                <a:cs typeface="Courier New" panose="02070309020205020404" pitchFamily="49" charset="0"/>
+              </a:rPr>
+              <a:t>);</a:t>
+            </a:r>
+          </a:p>
+          <a:p>
+            <a:r>
+              <a:rPr lang="en-US" dirty="0">
+                <a:latin typeface="Courier New" panose="02070309020205020404" pitchFamily="49" charset="0"/>
+                <a:cs typeface="Courier New" panose="02070309020205020404" pitchFamily="49" charset="0"/>
+              </a:rPr>
+              <a:t>      </a:t>
+            </a:r>
+            <a:r>
+              <a:rPr lang="en-US" dirty="0" err="1">
+                <a:latin typeface="Courier New" panose="02070309020205020404" pitchFamily="49" charset="0"/>
+                <a:cs typeface="Courier New" panose="02070309020205020404" pitchFamily="49" charset="0"/>
+              </a:rPr>
+              <a:t>System.out.println</a:t>
+            </a:r>
+            <a:r>
+              <a:rPr lang="en-US" dirty="0">
+                <a:latin typeface="Courier New" panose="02070309020205020404" pitchFamily="49" charset="0"/>
+                <a:cs typeface="Courier New" panose="02070309020205020404" pitchFamily="49" charset="0"/>
+              </a:rPr>
+              <a:t>("First letter of color: " + </a:t>
+            </a:r>
+            <a:r>
+              <a:rPr lang="en-US" dirty="0" err="1">
+                <a:latin typeface="Courier New" panose="02070309020205020404" pitchFamily="49" charset="0"/>
+                <a:cs typeface="Courier New" panose="02070309020205020404" pitchFamily="49" charset="0"/>
+              </a:rPr>
+              <a:t>color.charAt</a:t>
+            </a:r>
+            <a:r>
+              <a:rPr lang="en-US" dirty="0">
+                <a:latin typeface="Courier New" panose="02070309020205020404" pitchFamily="49" charset="0"/>
+                <a:cs typeface="Courier New" panose="02070309020205020404" pitchFamily="49" charset="0"/>
+              </a:rPr>
+              <a:t>(0));</a:t>
+            </a:r>
+          </a:p>
+          <a:p>
+            <a:r>
+              <a:rPr lang="en-US" dirty="0">
+                <a:latin typeface="Courier New" panose="02070309020205020404" pitchFamily="49" charset="0"/>
+                <a:cs typeface="Courier New" panose="02070309020205020404" pitchFamily="49" charset="0"/>
+              </a:rPr>
+              <a:t>      </a:t>
+            </a:r>
+            <a:r>
+              <a:rPr lang="en-US" dirty="0" err="1">
+                <a:latin typeface="Courier New" panose="02070309020205020404" pitchFamily="49" charset="0"/>
+                <a:cs typeface="Courier New" panose="02070309020205020404" pitchFamily="49" charset="0"/>
+              </a:rPr>
+              <a:t>System.out.printf</a:t>
+            </a:r>
+            <a:r>
+              <a:rPr lang="en-US" dirty="0">
+                <a:latin typeface="Courier New" panose="02070309020205020404" pitchFamily="49" charset="0"/>
+                <a:cs typeface="Courier New" panose="02070309020205020404" pitchFamily="49" charset="0"/>
+              </a:rPr>
+              <a:t>("%d\n", value1);</a:t>
+            </a:r>
+          </a:p>
+          <a:p>
+            <a:r>
+              <a:rPr lang="en-US" dirty="0">
+                <a:latin typeface="Courier New" panose="02070309020205020404" pitchFamily="49" charset="0"/>
+                <a:cs typeface="Courier New" panose="02070309020205020404" pitchFamily="49" charset="0"/>
+              </a:rPr>
+              <a:t>      </a:t>
+            </a:r>
+            <a:r>
+              <a:rPr lang="en-US" dirty="0" err="1">
+                <a:latin typeface="Courier New" panose="02070309020205020404" pitchFamily="49" charset="0"/>
+                <a:cs typeface="Courier New" panose="02070309020205020404" pitchFamily="49" charset="0"/>
+              </a:rPr>
+              <a:t>System.out.printf</a:t>
+            </a:r>
+            <a:r>
+              <a:rPr lang="en-US" dirty="0">
+                <a:latin typeface="Courier New" panose="02070309020205020404" pitchFamily="49" charset="0"/>
+                <a:cs typeface="Courier New" panose="02070309020205020404" pitchFamily="49" charset="0"/>
+              </a:rPr>
+              <a:t>("%.2f\n", value2);</a:t>
+            </a:r>
+          </a:p>
+          <a:p>
+            <a:r>
+              <a:rPr lang="en-US" dirty="0">
+                <a:latin typeface="Courier New" panose="02070309020205020404" pitchFamily="49" charset="0"/>
+                <a:cs typeface="Courier New" panose="02070309020205020404" pitchFamily="49" charset="0"/>
+              </a:rPr>
+              <a:t>      </a:t>
+            </a:r>
+            <a:r>
+              <a:rPr lang="en-US" dirty="0" err="1">
+                <a:latin typeface="Courier New" panose="02070309020205020404" pitchFamily="49" charset="0"/>
+                <a:cs typeface="Courier New" panose="02070309020205020404" pitchFamily="49" charset="0"/>
+              </a:rPr>
+              <a:t>System.out.printf</a:t>
+            </a:r>
+            <a:r>
+              <a:rPr lang="en-US" dirty="0">
+                <a:latin typeface="Courier New" panose="02070309020205020404" pitchFamily="49" charset="0"/>
+                <a:cs typeface="Courier New" panose="02070309020205020404" pitchFamily="49" charset="0"/>
+              </a:rPr>
+              <a:t>("%20.2f\n", value2);</a:t>
+            </a:r>
+          </a:p>
+          <a:p>
+            <a:r>
+              <a:rPr lang="en-US" dirty="0">
+                <a:latin typeface="Courier New" panose="02070309020205020404" pitchFamily="49" charset="0"/>
+                <a:cs typeface="Courier New" panose="02070309020205020404" pitchFamily="49" charset="0"/>
+              </a:rPr>
+              <a:t>      </a:t>
+            </a:r>
+            <a:r>
+              <a:rPr lang="en-US" dirty="0" err="1">
+                <a:latin typeface="Courier New" panose="02070309020205020404" pitchFamily="49" charset="0"/>
+                <a:cs typeface="Courier New" panose="02070309020205020404" pitchFamily="49" charset="0"/>
+              </a:rPr>
+              <a:t>System.out.printf</a:t>
+            </a:r>
+            <a:r>
+              <a:rPr lang="en-US" dirty="0">
+                <a:latin typeface="Courier New" panose="02070309020205020404" pitchFamily="49" charset="0"/>
+                <a:cs typeface="Courier New" panose="02070309020205020404" pitchFamily="49" charset="0"/>
+              </a:rPr>
+              <a:t>("%s\n", color);</a:t>
+            </a:r>
+          </a:p>
+          <a:p>
+            <a:r>
+              <a:rPr lang="en-US" dirty="0">
+                <a:latin typeface="Courier New" panose="02070309020205020404" pitchFamily="49" charset="0"/>
+                <a:cs typeface="Courier New" panose="02070309020205020404" pitchFamily="49" charset="0"/>
+              </a:rPr>
+              <a:t>      </a:t>
+            </a:r>
+            <a:r>
+              <a:rPr lang="en-US" dirty="0" err="1">
+                <a:latin typeface="Courier New" panose="02070309020205020404" pitchFamily="49" charset="0"/>
+                <a:cs typeface="Courier New" panose="02070309020205020404" pitchFamily="49" charset="0"/>
+              </a:rPr>
+              <a:t>System.out.printf</a:t>
+            </a:r>
+            <a:r>
+              <a:rPr lang="en-US" dirty="0">
+                <a:latin typeface="Courier New" panose="02070309020205020404" pitchFamily="49" charset="0"/>
+                <a:cs typeface="Courier New" panose="02070309020205020404" pitchFamily="49" charset="0"/>
+              </a:rPr>
+              <a:t>("%S\n", color);</a:t>
+            </a:r>
+          </a:p>
+          <a:p>
+            <a:endParaRPr lang="en-US" dirty="0">
+              <a:latin typeface="Courier New" panose="02070309020205020404" pitchFamily="49" charset="0"/>
+              <a:cs typeface="Courier New" panose="02070309020205020404" pitchFamily="49" charset="0"/>
+            </a:endParaRPr>
+          </a:p>
+          <a:p>
+            <a:r>
+              <a:rPr lang="en-US" dirty="0">
+                <a:latin typeface="Courier New" panose="02070309020205020404" pitchFamily="49" charset="0"/>
+                <a:cs typeface="Courier New" panose="02070309020205020404" pitchFamily="49" charset="0"/>
+              </a:rPr>
+              <a:t>   }  </a:t>
+            </a:r>
+          </a:p>
+          <a:p>
+            <a:r>
+              <a:rPr lang="en-US" dirty="0">
+                <a:latin typeface="Courier New" panose="02070309020205020404" pitchFamily="49" charset="0"/>
+                <a:cs typeface="Courier New" panose="02070309020205020404" pitchFamily="49" charset="0"/>
+              </a:rPr>
+              <a:t>}</a:t>
+            </a:r>
           </a:p>
         </p:txBody>
       </p:sp>
@@ -15695,10 +18518,324 @@
           </a:p>
         </p:txBody>
       </p:sp>
+      <p:sp>
+        <p:nvSpPr>
+          <p:cNvPr id="3" name="Rectangle 1">
+            <a:extLst>
+              <a:ext uri="{FF2B5EF4-FFF2-40B4-BE49-F238E27FC236}">
+                <a16:creationId xmlns:a16="http://schemas.microsoft.com/office/drawing/2014/main" id="{1F0F88B9-C8CF-4880-8C8A-4164D23B7F2B}"/>
+              </a:ext>
+            </a:extLst>
+          </p:cNvPr>
+          <p:cNvSpPr>
+            <a:spLocks noChangeArrowheads="1"/>
+          </p:cNvSpPr>
+          <p:nvPr/>
+        </p:nvSpPr>
+        <p:spPr bwMode="auto">
+          <a:xfrm>
+            <a:off x="1513114" y="5847088"/>
+            <a:ext cx="7417415" cy="400110"/>
+          </a:xfrm>
+          <a:prstGeom prst="rect">
+            <a:avLst/>
+          </a:prstGeom>
+          <a:solidFill>
+            <a:srgbClr val="FFFFFF"/>
+          </a:solidFill>
+          <a:ln>
+            <a:noFill/>
+          </a:ln>
+          <a:effectLst/>
+          <a:extLst>
+            <a:ext uri="{91240B29-F687-4F45-9708-019B960494DF}">
+              <a14:hiddenLine xmlns:a14="http://schemas.microsoft.com/office/drawing/2010/main" w="9525">
+                <a:solidFill>
+                  <a:schemeClr val="tx1"/>
+                </a:solidFill>
+                <a:miter lim="800000"/>
+                <a:headEnd/>
+                <a:tailEnd/>
+              </a14:hiddenLine>
+            </a:ext>
+            <a:ext uri="{AF507438-7753-43E0-B8FC-AC1667EBCBE1}">
+              <a14:hiddenEffects xmlns:a14="http://schemas.microsoft.com/office/drawing/2010/main">
+                <a:effectLst>
+                  <a:outerShdw dist="35921" dir="2700000" algn="ctr" rotWithShape="0">
+                    <a:schemeClr val="bg2"/>
+                  </a:outerShdw>
+                </a:effectLst>
+              </a14:hiddenEffects>
+            </a:ext>
+          </a:extLst>
+        </p:spPr>
+        <p:txBody>
+          <a:bodyPr vert="horz" wrap="none" lIns="91440" tIns="45720" rIns="91440" bIns="45720" numCol="1" anchor="ctr" anchorCtr="0" compatLnSpc="1">
+            <a:prstTxWarp prst="textNoShape">
+              <a:avLst/>
+            </a:prstTxWarp>
+            <a:spAutoFit/>
+          </a:bodyPr>
+          <a:lstStyle/>
+          <a:p>
+            <a:pPr marL="0" marR="0" lvl="0" indent="0" algn="l" defTabSz="914400" rtl="0" eaLnBrk="0" fontAlgn="base" latinLnBrk="0" hangingPunct="0">
+              <a:lnSpc>
+                <a:spcPct val="100000"/>
+              </a:lnSpc>
+              <a:spcBef>
+                <a:spcPct val="0"/>
+              </a:spcBef>
+              <a:spcAft>
+                <a:spcPct val="0"/>
+              </a:spcAft>
+              <a:buClrTx/>
+              <a:buSzTx/>
+              <a:buFontTx/>
+              <a:buNone/>
+              <a:tabLst/>
+            </a:pPr>
+            <a:r>
+              <a:rPr kumimoji="0" lang="en-US" altLang="en-US" b="1" i="0" u="none" strike="noStrike" cap="none" normalizeH="0" baseline="0" dirty="0" err="1">
+                <a:ln>
+                  <a:noFill/>
+                </a:ln>
+                <a:solidFill>
+                  <a:srgbClr val="000000"/>
+                </a:solidFill>
+                <a:effectLst/>
+                <a:latin typeface="Courier New" panose="02070309020205020404" pitchFamily="49" charset="0"/>
+                <a:cs typeface="Courier New" panose="02070309020205020404" pitchFamily="49" charset="0"/>
+              </a:rPr>
+              <a:t>System</a:t>
+            </a:r>
+            <a:r>
+              <a:rPr kumimoji="0" lang="en-US" altLang="en-US" b="1" i="0" u="none" strike="noStrike" cap="none" normalizeH="0" baseline="0" dirty="0" err="1">
+                <a:ln>
+                  <a:noFill/>
+                </a:ln>
+                <a:solidFill>
+                  <a:srgbClr val="080808"/>
+                </a:solidFill>
+                <a:effectLst/>
+                <a:latin typeface="Courier New" panose="02070309020205020404" pitchFamily="49" charset="0"/>
+                <a:cs typeface="Courier New" panose="02070309020205020404" pitchFamily="49" charset="0"/>
+              </a:rPr>
+              <a:t>.</a:t>
+            </a:r>
+            <a:r>
+              <a:rPr kumimoji="0" lang="en-US" altLang="en-US" b="1" i="1" u="none" strike="noStrike" cap="none" normalizeH="0" baseline="0" dirty="0" err="1">
+                <a:ln>
+                  <a:noFill/>
+                </a:ln>
+                <a:solidFill>
+                  <a:srgbClr val="871094"/>
+                </a:solidFill>
+                <a:effectLst/>
+                <a:latin typeface="Courier New" panose="02070309020205020404" pitchFamily="49" charset="0"/>
+                <a:cs typeface="Courier New" panose="02070309020205020404" pitchFamily="49" charset="0"/>
+              </a:rPr>
+              <a:t>out</a:t>
+            </a:r>
+            <a:r>
+              <a:rPr kumimoji="0" lang="en-US" altLang="en-US" b="1" i="0" u="none" strike="noStrike" cap="none" normalizeH="0" baseline="0" dirty="0" err="1">
+                <a:ln>
+                  <a:noFill/>
+                </a:ln>
+                <a:solidFill>
+                  <a:srgbClr val="080808"/>
+                </a:solidFill>
+                <a:effectLst/>
+                <a:latin typeface="Courier New" panose="02070309020205020404" pitchFamily="49" charset="0"/>
+                <a:cs typeface="Courier New" panose="02070309020205020404" pitchFamily="49" charset="0"/>
+              </a:rPr>
+              <a:t>.printf</a:t>
+            </a:r>
+            <a:r>
+              <a:rPr kumimoji="0" lang="en-US" altLang="en-US" b="1" i="0" u="none" strike="noStrike" cap="none" normalizeH="0" baseline="0" dirty="0">
+                <a:ln>
+                  <a:noFill/>
+                </a:ln>
+                <a:solidFill>
+                  <a:srgbClr val="080808"/>
+                </a:solidFill>
+                <a:effectLst/>
+                <a:latin typeface="Courier New" panose="02070309020205020404" pitchFamily="49" charset="0"/>
+                <a:cs typeface="Courier New" panose="02070309020205020404" pitchFamily="49" charset="0"/>
+              </a:rPr>
+              <a:t>(</a:t>
+            </a:r>
+            <a:r>
+              <a:rPr kumimoji="0" lang="en-US" altLang="en-US" b="1" i="0" u="none" strike="noStrike" cap="none" normalizeH="0" baseline="0" dirty="0">
+                <a:ln>
+                  <a:noFill/>
+                </a:ln>
+                <a:solidFill>
+                  <a:srgbClr val="067D17"/>
+                </a:solidFill>
+                <a:effectLst/>
+                <a:latin typeface="Courier New" panose="02070309020205020404" pitchFamily="49" charset="0"/>
+                <a:cs typeface="Courier New" panose="02070309020205020404" pitchFamily="49" charset="0"/>
+              </a:rPr>
+              <a:t>"%c</a:t>
+            </a:r>
+            <a:r>
+              <a:rPr kumimoji="0" lang="en-US" altLang="en-US" b="1" i="0" u="none" strike="noStrike" cap="none" normalizeH="0" baseline="0" dirty="0">
+                <a:ln>
+                  <a:noFill/>
+                </a:ln>
+                <a:solidFill>
+                  <a:srgbClr val="0037A6"/>
+                </a:solidFill>
+                <a:effectLst/>
+                <a:latin typeface="Courier New" panose="02070309020205020404" pitchFamily="49" charset="0"/>
+                <a:cs typeface="Courier New" panose="02070309020205020404" pitchFamily="49" charset="0"/>
+              </a:rPr>
+              <a:t>\n</a:t>
+            </a:r>
+            <a:r>
+              <a:rPr kumimoji="0" lang="en-US" altLang="en-US" b="1" i="0" u="none" strike="noStrike" cap="none" normalizeH="0" baseline="0" dirty="0">
+                <a:ln>
+                  <a:noFill/>
+                </a:ln>
+                <a:solidFill>
+                  <a:srgbClr val="067D17"/>
+                </a:solidFill>
+                <a:effectLst/>
+                <a:latin typeface="Courier New" panose="02070309020205020404" pitchFamily="49" charset="0"/>
+                <a:cs typeface="Courier New" panose="02070309020205020404" pitchFamily="49" charset="0"/>
+              </a:rPr>
+              <a:t>"</a:t>
+            </a:r>
+            <a:r>
+              <a:rPr kumimoji="0" lang="en-US" altLang="en-US" b="1" i="0" u="none" strike="noStrike" cap="none" normalizeH="0" baseline="0" dirty="0">
+                <a:ln>
+                  <a:noFill/>
+                </a:ln>
+                <a:solidFill>
+                  <a:srgbClr val="080808"/>
+                </a:solidFill>
+                <a:effectLst/>
+                <a:latin typeface="Courier New" panose="02070309020205020404" pitchFamily="49" charset="0"/>
+                <a:cs typeface="Courier New" panose="02070309020205020404" pitchFamily="49" charset="0"/>
+              </a:rPr>
+              <a:t>, </a:t>
+            </a:r>
+            <a:r>
+              <a:rPr kumimoji="0" lang="en-US" altLang="en-US" b="1" i="0" u="none" strike="noStrike" cap="none" normalizeH="0" baseline="0" dirty="0" err="1">
+                <a:ln>
+                  <a:noFill/>
+                </a:ln>
+                <a:solidFill>
+                  <a:srgbClr val="000000"/>
+                </a:solidFill>
+                <a:effectLst/>
+                <a:latin typeface="Courier New" panose="02070309020205020404" pitchFamily="49" charset="0"/>
+                <a:cs typeface="Courier New" panose="02070309020205020404" pitchFamily="49" charset="0"/>
+              </a:rPr>
+              <a:t>color</a:t>
+            </a:r>
+            <a:r>
+              <a:rPr kumimoji="0" lang="en-US" altLang="en-US" b="1" i="0" u="none" strike="noStrike" cap="none" normalizeH="0" baseline="0" dirty="0" err="1">
+                <a:ln>
+                  <a:noFill/>
+                </a:ln>
+                <a:solidFill>
+                  <a:srgbClr val="080808"/>
+                </a:solidFill>
+                <a:effectLst/>
+                <a:latin typeface="Courier New" panose="02070309020205020404" pitchFamily="49" charset="0"/>
+                <a:cs typeface="Courier New" panose="02070309020205020404" pitchFamily="49" charset="0"/>
+              </a:rPr>
+              <a:t>.charAt</a:t>
+            </a:r>
+            <a:r>
+              <a:rPr kumimoji="0" lang="en-US" altLang="en-US" b="1" i="0" u="none" strike="noStrike" cap="none" normalizeH="0" baseline="0" dirty="0">
+                <a:ln>
+                  <a:noFill/>
+                </a:ln>
+                <a:solidFill>
+                  <a:srgbClr val="080808"/>
+                </a:solidFill>
+                <a:effectLst/>
+                <a:latin typeface="Courier New" panose="02070309020205020404" pitchFamily="49" charset="0"/>
+                <a:cs typeface="Courier New" panose="02070309020205020404" pitchFamily="49" charset="0"/>
+              </a:rPr>
+              <a:t>(</a:t>
+            </a:r>
+            <a:r>
+              <a:rPr kumimoji="0" lang="en-US" altLang="en-US" b="1" i="0" u="none" strike="noStrike" cap="none" normalizeH="0" baseline="0" dirty="0">
+                <a:ln>
+                  <a:noFill/>
+                </a:ln>
+                <a:solidFill>
+                  <a:srgbClr val="000000"/>
+                </a:solidFill>
+                <a:effectLst/>
+                <a:latin typeface="Courier New" panose="02070309020205020404" pitchFamily="49" charset="0"/>
+                <a:cs typeface="Courier New" panose="02070309020205020404" pitchFamily="49" charset="0"/>
+              </a:rPr>
+              <a:t>len</a:t>
+            </a:r>
+            <a:r>
+              <a:rPr kumimoji="0" lang="en-US" altLang="en-US" b="1" i="0" u="none" strike="noStrike" cap="none" normalizeH="0" baseline="0" dirty="0">
+                <a:ln>
+                  <a:noFill/>
+                </a:ln>
+                <a:solidFill>
+                  <a:srgbClr val="080808"/>
+                </a:solidFill>
+                <a:effectLst/>
+                <a:latin typeface="Courier New" panose="02070309020205020404" pitchFamily="49" charset="0"/>
+                <a:cs typeface="Courier New" panose="02070309020205020404" pitchFamily="49" charset="0"/>
+              </a:rPr>
+              <a:t>-</a:t>
+            </a:r>
+            <a:r>
+              <a:rPr kumimoji="0" lang="en-US" altLang="en-US" b="1" i="0" u="none" strike="noStrike" cap="none" normalizeH="0" baseline="0" dirty="0">
+                <a:ln>
+                  <a:noFill/>
+                </a:ln>
+                <a:solidFill>
+                  <a:srgbClr val="1750EB"/>
+                </a:solidFill>
+                <a:effectLst/>
+                <a:latin typeface="Courier New" panose="02070309020205020404" pitchFamily="49" charset="0"/>
+                <a:cs typeface="Courier New" panose="02070309020205020404" pitchFamily="49" charset="0"/>
+              </a:rPr>
+              <a:t>1</a:t>
+            </a:r>
+            <a:r>
+              <a:rPr kumimoji="0" lang="en-US" altLang="en-US" b="1" i="0" u="none" strike="noStrike" cap="none" normalizeH="0" baseline="0" dirty="0">
+                <a:ln>
+                  <a:noFill/>
+                </a:ln>
+                <a:solidFill>
+                  <a:srgbClr val="080808"/>
+                </a:solidFill>
+                <a:effectLst/>
+                <a:latin typeface="Courier New" panose="02070309020205020404" pitchFamily="49" charset="0"/>
+                <a:cs typeface="Courier New" panose="02070309020205020404" pitchFamily="49" charset="0"/>
+              </a:rPr>
+              <a:t>));</a:t>
+            </a:r>
+            <a:endParaRPr kumimoji="0" lang="en-US" altLang="en-US" b="1" i="0" u="none" strike="noStrike" cap="none" normalizeH="0" baseline="0" dirty="0">
+              <a:ln>
+                <a:noFill/>
+              </a:ln>
+              <a:solidFill>
+                <a:schemeClr val="tx1"/>
+              </a:solidFill>
+              <a:effectLst/>
+              <a:latin typeface="Courier New" panose="02070309020205020404" pitchFamily="49" charset="0"/>
+              <a:cs typeface="Courier New" panose="02070309020205020404" pitchFamily="49" charset="0"/>
+            </a:endParaRPr>
+          </a:p>
+        </p:txBody>
+      </p:sp>
     </p:spTree>
     <p:extLst>
       <p:ext uri="{BB962C8B-B14F-4D97-AF65-F5344CB8AC3E}">
-        <p14:creationId xmlns:p14="http://schemas.microsoft.com/office/powerpoint/2010/main" val="2264662996"/>
+        <p14:creationId xmlns:p14="http://schemas.microsoft.com/office/powerpoint/2010/main" val="2125741387"/>
       </p:ext>
     </p:extLst>
   </p:cSld>
@@ -15738,7 +18875,7 @@
                             </p:stCondLst>
                             <p:childTnLst>
                               <p:par>
-                                <p:cTn id="5" presetID="9" presetClass="entr" presetSubtype="0" fill="hold" grpId="0" nodeType="clickEffect">
+                                <p:cTn id="5" presetID="1" presetClass="entr" presetSubtype="0" fill="hold" grpId="0" nodeType="clickEffect">
                                   <p:stCondLst>
                                     <p:cond delay="0"/>
                                   </p:stCondLst>
@@ -15751,7 +18888,7 @@
                                           </p:stCondLst>
                                         </p:cTn>
                                         <p:tgtEl>
-                                          <p:spTgt spid="6"/>
+                                          <p:spTgt spid="3"/>
                                         </p:tgtEl>
                                         <p:attrNameLst>
                                           <p:attrName>style.visibility</p:attrName>
@@ -15761,120 +18898,6 @@
                                         <p:strVal val="visible"/>
                                       </p:to>
                                     </p:set>
-                                    <p:animEffect transition="in" filter="dissolve">
-                                      <p:cBhvr>
-                                        <p:cTn id="7" dur="500"/>
-                                        <p:tgtEl>
-                                          <p:spTgt spid="6"/>
-                                        </p:tgtEl>
-                                      </p:cBhvr>
-                                    </p:animEffect>
-                                  </p:childTnLst>
-                                </p:cTn>
-                              </p:par>
-                            </p:childTnLst>
-                          </p:cTn>
-                        </p:par>
-                      </p:childTnLst>
-                    </p:cTn>
-                  </p:par>
-                  <p:par>
-                    <p:cTn id="8" fill="hold">
-                      <p:stCondLst>
-                        <p:cond delay="indefinite"/>
-                      </p:stCondLst>
-                      <p:childTnLst>
-                        <p:par>
-                          <p:cTn id="9" fill="hold">
-                            <p:stCondLst>
-                              <p:cond delay="0"/>
-                            </p:stCondLst>
-                            <p:childTnLst>
-                              <p:par>
-                                <p:cTn id="10" presetID="9" presetClass="entr" presetSubtype="0" fill="hold" grpId="0" nodeType="clickEffect">
-                                  <p:stCondLst>
-                                    <p:cond delay="0"/>
-                                  </p:stCondLst>
-                                  <p:childTnLst>
-                                    <p:set>
-                                      <p:cBhvr>
-                                        <p:cTn id="11" dur="1" fill="hold">
-                                          <p:stCondLst>
-                                            <p:cond delay="0"/>
-                                          </p:stCondLst>
-                                        </p:cTn>
-                                        <p:tgtEl>
-                                          <p:spTgt spid="7"/>
-                                        </p:tgtEl>
-                                        <p:attrNameLst>
-                                          <p:attrName>style.visibility</p:attrName>
-                                        </p:attrNameLst>
-                                      </p:cBhvr>
-                                      <p:to>
-                                        <p:strVal val="visible"/>
-                                      </p:to>
-                                    </p:set>
-                                    <p:animEffect transition="in" filter="dissolve">
-                                      <p:cBhvr>
-                                        <p:cTn id="12" dur="500"/>
-                                        <p:tgtEl>
-                                          <p:spTgt spid="7"/>
-                                        </p:tgtEl>
-                                      </p:cBhvr>
-                                    </p:animEffect>
-                                  </p:childTnLst>
-                                </p:cTn>
-                              </p:par>
-                            </p:childTnLst>
-                          </p:cTn>
-                        </p:par>
-                      </p:childTnLst>
-                    </p:cTn>
-                  </p:par>
-                  <p:par>
-                    <p:cTn id="13" fill="hold">
-                      <p:stCondLst>
-                        <p:cond delay="indefinite"/>
-                      </p:stCondLst>
-                      <p:childTnLst>
-                        <p:par>
-                          <p:cTn id="14" fill="hold">
-                            <p:stCondLst>
-                              <p:cond delay="0"/>
-                            </p:stCondLst>
-                            <p:childTnLst>
-                              <p:par>
-                                <p:cTn id="15" presetID="9" presetClass="entr" presetSubtype="0" fill="hold" grpId="0" nodeType="clickEffect">
-                                  <p:stCondLst>
-                                    <p:cond delay="0"/>
-                                  </p:stCondLst>
-                                  <p:childTnLst>
-                                    <p:set>
-                                      <p:cBhvr>
-                                        <p:cTn id="16" dur="1" fill="hold">
-                                          <p:stCondLst>
-                                            <p:cond delay="0"/>
-                                          </p:stCondLst>
-                                        </p:cTn>
-                                        <p:tgtEl>
-                                          <p:spTgt spid="8"/>
-                                        </p:tgtEl>
-                                        <p:attrNameLst>
-                                          <p:attrName>style.visibility</p:attrName>
-                                        </p:attrNameLst>
-                                      </p:cBhvr>
-                                      <p:to>
-                                        <p:strVal val="visible"/>
-                                      </p:to>
-                                    </p:set>
-                                    <p:animEffect transition="in" filter="dissolve">
-                                      <p:cBhvr>
-                                        <p:cTn id="17" dur="500"/>
-                                        <p:tgtEl>
-                                          <p:spTgt spid="8"/>
-                                        </p:tgtEl>
-                                      </p:cBhvr>
-                                    </p:animEffect>
                                   </p:childTnLst>
                                 </p:cTn>
                               </p:par>
@@ -15906,283 +18929,14 @@
       </p:par>
     </p:tnLst>
     <p:bldLst>
-      <p:bldP spid="6" grpId="0" animBg="1"/>
-      <p:bldP spid="7" grpId="0" animBg="1"/>
-      <p:bldP spid="8" grpId="0" animBg="1"/>
+      <p:bldP spid="3" grpId="0" animBg="1"/>
     </p:bldLst>
   </p:timing>
 </p:sld>
 </file>
 
-<file path=ppt/slides/slide2.xml><?xml version="1.0" encoding="utf-8"?>
+<file path=ppt/slides/slide25.xml><?xml version="1.0" encoding="utf-8"?>
 <p:sld xmlns:a="http://schemas.openxmlformats.org/drawingml/2006/main" xmlns:r="http://schemas.openxmlformats.org/officeDocument/2006/relationships" xmlns:p="http://schemas.openxmlformats.org/presentationml/2006/main">
-  <p:cSld>
-    <p:spTree>
-      <p:nvGrpSpPr>
-        <p:cNvPr id="1" name=""/>
-        <p:cNvGrpSpPr/>
-        <p:nvPr/>
-      </p:nvGrpSpPr>
-      <p:grpSpPr>
-        <a:xfrm>
-          <a:off x="0" y="0"/>
-          <a:ext cx="0" cy="0"/>
-          <a:chOff x="0" y="0"/>
-          <a:chExt cx="0" cy="0"/>
-        </a:xfrm>
-      </p:grpSpPr>
-      <p:sp>
-        <p:nvSpPr>
-          <p:cNvPr id="4" name="Title 3">
-            <a:extLst>
-              <a:ext uri="{FF2B5EF4-FFF2-40B4-BE49-F238E27FC236}">
-                <a16:creationId xmlns:a16="http://schemas.microsoft.com/office/drawing/2014/main" id="{11F69212-F891-5844-91B0-396F6B018064}"/>
-              </a:ext>
-            </a:extLst>
-          </p:cNvPr>
-          <p:cNvSpPr>
-            <a:spLocks noGrp="1"/>
-          </p:cNvSpPr>
-          <p:nvPr>
-            <p:ph type="title"/>
-          </p:nvPr>
-        </p:nvSpPr>
-        <p:spPr/>
-        <p:txBody>
-          <a:bodyPr/>
-          <a:lstStyle/>
-          <a:p>
-            <a:r>
-              <a:rPr lang="en-US" dirty="0"/>
-              <a:t>Announcements</a:t>
-            </a:r>
-          </a:p>
-        </p:txBody>
-      </p:sp>
-      <p:sp>
-        <p:nvSpPr>
-          <p:cNvPr id="5" name="Text Placeholder 4">
-            <a:extLst>
-              <a:ext uri="{FF2B5EF4-FFF2-40B4-BE49-F238E27FC236}">
-                <a16:creationId xmlns:a16="http://schemas.microsoft.com/office/drawing/2014/main" id="{D45B7610-981A-7441-A483-AB5BABDA0AB4}"/>
-              </a:ext>
-            </a:extLst>
-          </p:cNvPr>
-          <p:cNvSpPr>
-            <a:spLocks noGrp="1"/>
-          </p:cNvSpPr>
-          <p:nvPr>
-            <p:ph type="body" sz="quarter" idx="10"/>
-          </p:nvPr>
-        </p:nvSpPr>
-        <p:spPr>
-          <a:xfrm>
-            <a:off x="628075" y="1776683"/>
-            <a:ext cx="12561453" cy="4728730"/>
-          </a:xfrm>
-        </p:spPr>
-        <p:txBody>
-          <a:bodyPr/>
-          <a:lstStyle/>
-          <a:p>
-            <a:r>
-              <a:rPr lang="en-US" sz="2000" dirty="0">
-                <a:solidFill>
-                  <a:srgbClr val="092529"/>
-                </a:solidFill>
-              </a:rPr>
-              <a:t>Reminder – readings are due </a:t>
-            </a:r>
-            <a:r>
-              <a:rPr lang="en-US" sz="2000" b="1" dirty="0">
-                <a:solidFill>
-                  <a:srgbClr val="092529"/>
-                </a:solidFill>
-              </a:rPr>
-              <a:t>before</a:t>
-            </a:r>
-            <a:r>
-              <a:rPr lang="en-US" sz="2000" dirty="0">
-                <a:solidFill>
-                  <a:srgbClr val="092529"/>
-                </a:solidFill>
-              </a:rPr>
-              <a:t> lecture</a:t>
-            </a:r>
-          </a:p>
-          <a:p>
-            <a:pPr lvl="1"/>
-            <a:r>
-              <a:rPr lang="en-US" sz="2000" dirty="0">
-                <a:solidFill>
-                  <a:srgbClr val="092529"/>
-                </a:solidFill>
-              </a:rPr>
-              <a:t>You don’t have to do all of it - challenge problems can be challenging…</a:t>
-            </a:r>
-          </a:p>
-          <a:p>
-            <a:pPr lvl="1"/>
-            <a:r>
-              <a:rPr lang="en-US" sz="2000" dirty="0">
-                <a:solidFill>
-                  <a:srgbClr val="092529"/>
-                </a:solidFill>
-              </a:rPr>
-              <a:t>You can return to them. </a:t>
-            </a:r>
-          </a:p>
-          <a:p>
-            <a:pPr lvl="1"/>
-            <a:r>
-              <a:rPr lang="en-US" sz="2000" dirty="0">
-                <a:solidFill>
-                  <a:srgbClr val="092529"/>
-                </a:solidFill>
-              </a:rPr>
-              <a:t>We start off each lecture with a recall activity!</a:t>
-            </a:r>
-          </a:p>
-          <a:p>
-            <a:r>
-              <a:rPr lang="en-US" sz="2000" dirty="0">
-                <a:solidFill>
-                  <a:srgbClr val="092529"/>
-                </a:solidFill>
-              </a:rPr>
-              <a:t>Help Sessions</a:t>
-            </a:r>
-          </a:p>
-          <a:p>
-            <a:pPr lvl="1"/>
-            <a:r>
-              <a:rPr lang="en-US" sz="2000" dirty="0"/>
-              <a:t>Go to them! They make a difference</a:t>
-            </a:r>
-          </a:p>
-          <a:p>
-            <a:pPr lvl="1"/>
-            <a:r>
-              <a:rPr lang="en-US" sz="2000" dirty="0"/>
-              <a:t>Lab teams should be setup</a:t>
-            </a:r>
-          </a:p>
-          <a:p>
-            <a:pPr lvl="2"/>
-            <a:r>
-              <a:rPr lang="en-US" sz="2000" dirty="0">
-                <a:solidFill>
-                  <a:srgbClr val="092529"/>
-                </a:solidFill>
-              </a:rPr>
-              <a:t>If you are not on a private </a:t>
-            </a:r>
-            <a:r>
-              <a:rPr lang="en-US" sz="2000" dirty="0"/>
-              <a:t>channel with your other lab mates, let us know </a:t>
-            </a:r>
-          </a:p>
-          <a:p>
-            <a:r>
-              <a:rPr lang="en-US" sz="2000" dirty="0">
-                <a:solidFill>
-                  <a:srgbClr val="092529"/>
-                </a:solidFill>
-              </a:rPr>
-              <a:t>Thursday </a:t>
-            </a:r>
-            <a:r>
-              <a:rPr lang="en-US" sz="2000" dirty="0"/>
-              <a:t>lab – meant to be done by Monday</a:t>
-            </a:r>
-            <a:r>
-              <a:rPr lang="en-US" sz="2000" dirty="0">
-                <a:solidFill>
-                  <a:srgbClr val="092529"/>
-                </a:solidFill>
-              </a:rPr>
-              <a:t> </a:t>
-            </a:r>
-          </a:p>
-          <a:p>
-            <a:endParaRPr lang="en-US" b="1" dirty="0"/>
-          </a:p>
-        </p:txBody>
-      </p:sp>
-      <p:pic>
-        <p:nvPicPr>
-          <p:cNvPr id="1026" name="Picture 2" descr="We Can Do Hard Things - Abby Off the Record — Abby Off the Record">
-            <a:extLst>
-              <a:ext uri="{FF2B5EF4-FFF2-40B4-BE49-F238E27FC236}">
-                <a16:creationId xmlns:a16="http://schemas.microsoft.com/office/drawing/2014/main" id="{1F717CB0-92E6-4EB8-80C2-70E21F159AED}"/>
-              </a:ext>
-            </a:extLst>
-          </p:cNvPr>
-          <p:cNvPicPr>
-            <a:picLocks noChangeAspect="1" noChangeArrowheads="1"/>
-          </p:cNvPicPr>
-          <p:nvPr/>
-        </p:nvPicPr>
-        <p:blipFill>
-          <a:blip r:embed="rId2">
-            <a:extLst>
-              <a:ext uri="{28A0092B-C50C-407E-A947-70E740481C1C}">
-                <a14:useLocalDpi xmlns:a14="http://schemas.microsoft.com/office/drawing/2010/main" val="0"/>
-              </a:ext>
-            </a:extLst>
-          </a:blip>
-          <a:srcRect/>
-          <a:stretch>
-            <a:fillRect/>
-          </a:stretch>
-        </p:blipFill>
-        <p:spPr bwMode="auto">
-          <a:xfrm>
-            <a:off x="10127117" y="0"/>
-            <a:ext cx="3690483" cy="4428580"/>
-          </a:xfrm>
-          <a:prstGeom prst="rect">
-            <a:avLst/>
-          </a:prstGeom>
-          <a:noFill/>
-          <a:extLst>
-            <a:ext uri="{909E8E84-426E-40DD-AFC4-6F175D3DCCD1}">
-              <a14:hiddenFill xmlns:a14="http://schemas.microsoft.com/office/drawing/2010/main">
-                <a:solidFill>
-                  <a:srgbClr val="FFFFFF"/>
-                </a:solidFill>
-              </a14:hiddenFill>
-            </a:ext>
-          </a:extLst>
-        </p:spPr>
-      </p:pic>
-    </p:spTree>
-    <p:extLst>
-      <p:ext uri="{BB962C8B-B14F-4D97-AF65-F5344CB8AC3E}">
-        <p14:creationId xmlns:p14="http://schemas.microsoft.com/office/powerpoint/2010/main" val="876244202"/>
-      </p:ext>
-    </p:extLst>
-  </p:cSld>
-  <p:clrMapOvr>
-    <a:masterClrMapping/>
-  </p:clrMapOvr>
-  <mc:AlternateContent xmlns:mc="http://schemas.openxmlformats.org/markup-compatibility/2006" xmlns:p14="http://schemas.microsoft.com/office/powerpoint/2010/main">
-    <mc:Choice Requires="p14">
-      <p:transition p14:dur="300">
-        <p:fade/>
-      </p:transition>
-    </mc:Choice>
-    <mc:Fallback xmlns="">
-      <p:transition>
-        <p:fade/>
-      </p:transition>
-    </mc:Fallback>
-  </mc:AlternateContent>
-</p:sld>
-</file>
-
-<file path=ppt/slides/slide20.xml><?xml version="1.0" encoding="utf-8"?>
-<p:sld xmlns:a="http://schemas.openxmlformats.org/drawingml/2006/main" xmlns:r="http://schemas.openxmlformats.org/officeDocument/2006/relationships" xmlns:p="http://schemas.openxmlformats.org/presentationml/2006/main" show="0">
   <p:cSld>
     <p:spTree>
       <p:nvGrpSpPr>
@@ -16338,13 +19092,13 @@
   <p:clrMapOvr>
     <a:masterClrMapping/>
   </p:clrMapOvr>
-  <mc:AlternateContent xmlns:mc="http://schemas.openxmlformats.org/markup-compatibility/2006" xmlns:p14="http://schemas.microsoft.com/office/powerpoint/2010/main">
-    <mc:Choice Requires="p14">
+  <mc:AlternateContent xmlns:mc="http://schemas.openxmlformats.org/markup-compatibility/2006">
+    <mc:Choice xmlns:p14="http://schemas.microsoft.com/office/powerpoint/2010/main" Requires="p14">
       <p:transition p14:dur="300">
         <p:fade/>
       </p:transition>
     </mc:Choice>
-    <mc:Fallback xmlns="">
+    <mc:Fallback>
       <p:transition>
         <p:fade/>
       </p:transition>
@@ -16434,7 +19188,7 @@
             </a:pPr>
             <a:r>
               <a:rPr lang="en-US" b="1" dirty="0"/>
-              <a:t>Grab a paper, write your name and your answers to the following questions. Turn this as your attendance for today’s lecture.</a:t>
+              <a:t>Grab a paper, write your name, as it is on Canvas, and your answers to the following questions. Turn this as your attendance for today’s lecture.</a:t>
             </a:r>
           </a:p>
           <a:p>
@@ -17042,7 +19796,7 @@
         <p:spPr>
           <a:xfrm>
             <a:off x="628075" y="1776682"/>
-            <a:ext cx="12561453" cy="3399136"/>
+            <a:ext cx="12561453" cy="5147307"/>
           </a:xfrm>
         </p:spPr>
         <p:txBody>
@@ -17051,22 +19805,22 @@
           <a:p>
             <a:pPr fontAlgn="base"/>
             <a:r>
-              <a:rPr lang="en-US" dirty="0"/>
-              <a:t>primitive - stores </a:t>
-            </a:r>
-            <a:r>
-              <a:rPr lang="en-US" b="1" dirty="0"/>
+              <a:rPr lang="en-US" sz="2400" dirty="0"/>
+              <a:t>Primitive - stores </a:t>
+            </a:r>
+            <a:r>
+              <a:rPr lang="en-US" sz="2400" b="1" dirty="0"/>
               <a:t>values</a:t>
             </a:r>
             <a:r>
-              <a:rPr lang="en-US" dirty="0"/>
+              <a:rPr lang="en-US" sz="2400" dirty="0"/>
               <a:t> only</a:t>
             </a:r>
           </a:p>
           <a:p>
             <a:pPr fontAlgn="base"/>
             <a:r>
-              <a:rPr lang="en-US" dirty="0"/>
+              <a:rPr lang="en-US" sz="2400" dirty="0"/>
               <a:t>Example declarations:</a:t>
             </a:r>
           </a:p>
@@ -17084,18 +19838,26 @@
           </a:p>
           <a:p>
             <a:pPr fontAlgn="base"/>
-            <a:r>
-              <a:rPr lang="en-US" dirty="0"/>
+            <a:endParaRPr lang="en-US" dirty="0"/>
+          </a:p>
+          <a:p>
+            <a:pPr fontAlgn="base"/>
+            <a:endParaRPr lang="en-US" dirty="0"/>
+          </a:p>
+          <a:p>
+            <a:pPr fontAlgn="base"/>
+            <a:r>
+              <a:rPr lang="en-US" sz="2400" dirty="0"/>
               <a:t>A char is an int behind the scenes - and java uses the </a:t>
             </a:r>
             <a:r>
-              <a:rPr lang="en-US" u="sng" dirty="0">
+              <a:rPr lang="en-US" sz="2400" u="sng" dirty="0">
                 <a:hlinkClick r:id="rId2"/>
               </a:rPr>
               <a:t>ASCII Table</a:t>
             </a:r>
             <a:r>
-              <a:rPr lang="en-US" dirty="0"/>
+              <a:rPr lang="en-US" sz="2400" dirty="0"/>
               <a:t> to figure out the character value</a:t>
             </a:r>
           </a:p>
@@ -17118,7 +19880,7 @@
         </p:nvSpPr>
         <p:spPr>
           <a:xfrm>
-            <a:off x="382249" y="2814530"/>
+            <a:off x="948306" y="3304387"/>
             <a:ext cx="13053102" cy="1323439"/>
           </a:xfrm>
           <a:prstGeom prst="rect">
@@ -18006,8 +20768,8 @@
         </p:nvSpPr>
         <p:spPr bwMode="auto">
           <a:xfrm>
-            <a:off x="749805" y="1599862"/>
-            <a:ext cx="9195979" cy="892552"/>
+            <a:off x="749805" y="1492140"/>
+            <a:ext cx="12015662" cy="1107996"/>
           </a:xfrm>
           <a:prstGeom prst="rect">
             <a:avLst/>
@@ -18183,7 +20945,7 @@
               </a:lnSpc>
             </a:pPr>
             <a:r>
-              <a:rPr lang="en-US" altLang="en-US" dirty="0">
+              <a:rPr lang="en-US" altLang="en-US" sz="2400" dirty="0">
                 <a:solidFill>
                   <a:srgbClr val="092529"/>
                 </a:solidFill>
@@ -18199,7 +20961,7 @@
               </a:lnSpc>
             </a:pPr>
             <a:r>
-              <a:rPr lang="en-US" altLang="en-US" dirty="0">
+              <a:rPr lang="en-US" altLang="en-US" sz="2400" dirty="0">
                 <a:solidFill>
                   <a:srgbClr val="092529"/>
                 </a:solidFill>
@@ -20999,7 +23761,7 @@
         <p:spPr>
           <a:xfrm>
             <a:off x="628075" y="1776683"/>
-            <a:ext cx="12561453" cy="3316036"/>
+            <a:ext cx="12561453" cy="4276299"/>
           </a:xfrm>
         </p:spPr>
         <p:txBody>
@@ -21008,57 +23770,57 @@
           <a:p>
             <a:pPr fontAlgn="base"/>
             <a:r>
-              <a:rPr lang="en-US" dirty="0"/>
+              <a:rPr lang="en-US" sz="2400" dirty="0"/>
               <a:t>A String is a collection of ordered characters</a:t>
             </a:r>
           </a:p>
           <a:p>
             <a:pPr lvl="1" fontAlgn="base"/>
             <a:r>
-              <a:rPr lang="en-US" dirty="0"/>
+              <a:rPr lang="en-US" sz="2400" dirty="0"/>
               <a:t>It has data</a:t>
             </a:r>
           </a:p>
           <a:p>
             <a:pPr lvl="1" fontAlgn="base"/>
             <a:r>
-              <a:rPr lang="en-US" dirty="0"/>
+              <a:rPr lang="en-US" sz="2400" dirty="0"/>
               <a:t>It has functionality (methods)</a:t>
             </a:r>
           </a:p>
           <a:p>
             <a:pPr lvl="1" fontAlgn="base"/>
             <a:r>
-              <a:rPr lang="en-US" dirty="0"/>
+              <a:rPr lang="en-US" sz="2400" dirty="0"/>
               <a:t>It is also </a:t>
             </a:r>
             <a:r>
-              <a:rPr lang="en-US" b="1" dirty="0"/>
+              <a:rPr lang="en-US" sz="2400" b="1" dirty="0"/>
               <a:t>immutable</a:t>
             </a:r>
             <a:r>
-              <a:rPr lang="en-US" dirty="0"/>
+              <a:rPr lang="en-US" sz="2400" dirty="0"/>
               <a:t> ( can’t be directly modified)</a:t>
             </a:r>
           </a:p>
           <a:p>
             <a:pPr lvl="2" fontAlgn="base"/>
             <a:r>
-              <a:rPr lang="en-US" dirty="0"/>
+              <a:rPr lang="en-US" sz="2400" dirty="0"/>
               <a:t>Every method that builds a String, returns a copy</a:t>
             </a:r>
           </a:p>
           <a:p>
             <a:pPr lvl="2" fontAlgn="base"/>
             <a:r>
-              <a:rPr lang="en-US" dirty="0"/>
+              <a:rPr lang="en-US" sz="2400" dirty="0"/>
               <a:t>Will cover this more in the future</a:t>
             </a:r>
           </a:p>
           <a:p>
             <a:pPr fontAlgn="base"/>
             <a:r>
-              <a:rPr lang="en-US" dirty="0"/>
+              <a:rPr lang="en-US" sz="2400" dirty="0"/>
               <a:t>But what does a String really look like?</a:t>
             </a:r>
           </a:p>
@@ -21117,7 +23879,7 @@
     </p:spTree>
     <p:extLst>
       <p:ext uri="{BB962C8B-B14F-4D97-AF65-F5344CB8AC3E}">
-        <p14:creationId xmlns:p14="http://schemas.microsoft.com/office/powerpoint/2010/main" val="3146645207"/>
+        <p14:creationId xmlns:p14="http://schemas.microsoft.com/office/powerpoint/2010/main" val="1175657051"/>
       </p:ext>
     </p:extLst>
   </p:cSld>
@@ -22074,6 +24836,15 @@
 </file>
 
 <file path=customXml/item1.xml><?xml version="1.0" encoding="utf-8"?>
+<?mso-contentType ?>
+<FormTemplates xmlns="http://schemas.microsoft.com/sharepoint/v3/contenttype/forms">
+  <Display>DocumentLibraryForm</Display>
+  <Edit>DocumentLibraryForm</Edit>
+  <New>DocumentLibraryForm</New>
+</FormTemplates>
+</file>
+
+<file path=customXml/item2.xml><?xml version="1.0" encoding="utf-8"?>
 <ct:contentTypeSchema xmlns:ct="http://schemas.microsoft.com/office/2006/metadata/contentType" xmlns:ma="http://schemas.microsoft.com/office/2006/metadata/properties/metaAttributes" ct:_="" ma:_="" ma:contentTypeName="Document" ma:contentTypeID="0x010100074387D78AC76C4289401EF66FB51FCC" ma:contentTypeVersion="15" ma:contentTypeDescription="Create a new document." ma:contentTypeScope="" ma:versionID="d3659bec8b8330148a03d82a9d99f412">
   <xsd:schema xmlns:xsd="http://www.w3.org/2001/XMLSchema" xmlns:xs="http://www.w3.org/2001/XMLSchema" xmlns:p="http://schemas.microsoft.com/office/2006/metadata/properties" xmlns:ns3="92c41bee-f0ee-4aa6-9399-a35fbb883510" xmlns:ns4="e06ed288-fd75-4b50-bbed-f5a5df88c31c" targetNamespace="http://schemas.microsoft.com/office/2006/metadata/properties" ma:root="true" ma:fieldsID="1a21d371127b63848c9a2290f5945250" ns3:_="" ns4:_="">
     <xsd:import namespace="92c41bee-f0ee-4aa6-9399-a35fbb883510"/>
@@ -22308,15 +25079,6 @@
 </ct:contentTypeSchema>
 </file>
 
-<file path=customXml/item2.xml><?xml version="1.0" encoding="utf-8"?>
-<?mso-contentType ?>
-<FormTemplates xmlns="http://schemas.microsoft.com/sharepoint/v3/contenttype/forms">
-  <Display>DocumentLibraryForm</Display>
-  <Edit>DocumentLibraryForm</Edit>
-  <New>DocumentLibraryForm</New>
-</FormTemplates>
-</file>
-
 <file path=customXml/item3.xml><?xml version="1.0" encoding="utf-8"?>
 <p:properties xmlns:p="http://schemas.microsoft.com/office/2006/metadata/properties" xmlns:xsi="http://www.w3.org/2001/XMLSchema-instance" xmlns:pc="http://schemas.microsoft.com/office/infopath/2007/PartnerControls">
   <documentManagement>
@@ -22326,6 +25088,14 @@
 </file>
 
 <file path=customXml/itemProps1.xml><?xml version="1.0" encoding="utf-8"?>
+<ds:datastoreItem xmlns:ds="http://schemas.openxmlformats.org/officeDocument/2006/customXml" ds:itemID="{4B903E96-C6E2-40D8-A3A3-05875AEE91EA}">
+  <ds:schemaRefs>
+    <ds:schemaRef ds:uri="http://schemas.microsoft.com/sharepoint/v3/contenttype/forms"/>
+  </ds:schemaRefs>
+</ds:datastoreItem>
+</file>
+
+<file path=customXml/itemProps2.xml><?xml version="1.0" encoding="utf-8"?>
 <ds:datastoreItem xmlns:ds="http://schemas.openxmlformats.org/officeDocument/2006/customXml" ds:itemID="{0A5081FA-6D35-4CCE-9A66-B873D5C98160}">
   <ds:schemaRefs>
     <ds:schemaRef ds:uri="http://schemas.microsoft.com/office/2006/metadata/contentType"/>
@@ -22344,27 +25114,19 @@
 </ds:datastoreItem>
 </file>
 
-<file path=customXml/itemProps2.xml><?xml version="1.0" encoding="utf-8"?>
-<ds:datastoreItem xmlns:ds="http://schemas.openxmlformats.org/officeDocument/2006/customXml" ds:itemID="{4B903E96-C6E2-40D8-A3A3-05875AEE91EA}">
-  <ds:schemaRefs>
-    <ds:schemaRef ds:uri="http://schemas.microsoft.com/sharepoint/v3/contenttype/forms"/>
-  </ds:schemaRefs>
-</ds:datastoreItem>
-</file>
-
 <file path=customXml/itemProps3.xml><?xml version="1.0" encoding="utf-8"?>
 <ds:datastoreItem xmlns:ds="http://schemas.openxmlformats.org/officeDocument/2006/customXml" ds:itemID="{C0E5B609-0234-4A99-86EA-1E109F589FEC}">
   <ds:schemaRefs>
+    <ds:schemaRef ds:uri="http://purl.org/dc/elements/1.1/"/>
+    <ds:schemaRef ds:uri="http://purl.org/dc/terms/"/>
+    <ds:schemaRef ds:uri="92c41bee-f0ee-4aa6-9399-a35fbb883510"/>
+    <ds:schemaRef ds:uri="http://www.w3.org/XML/1998/namespace"/>
+    <ds:schemaRef ds:uri="http://schemas.microsoft.com/office/2006/documentManagement/types"/>
     <ds:schemaRef ds:uri="http://schemas.microsoft.com/office/2006/metadata/properties"/>
-    <ds:schemaRef ds:uri="http://www.w3.org/XML/1998/namespace"/>
+    <ds:schemaRef ds:uri="http://purl.org/dc/dcmitype/"/>
+    <ds:schemaRef ds:uri="http://schemas.microsoft.com/office/infopath/2007/PartnerControls"/>
+    <ds:schemaRef ds:uri="http://schemas.openxmlformats.org/package/2006/metadata/core-properties"/>
     <ds:schemaRef ds:uri="e06ed288-fd75-4b50-bbed-f5a5df88c31c"/>
-    <ds:schemaRef ds:uri="http://schemas.openxmlformats.org/package/2006/metadata/core-properties"/>
-    <ds:schemaRef ds:uri="92c41bee-f0ee-4aa6-9399-a35fbb883510"/>
-    <ds:schemaRef ds:uri="http://schemas.microsoft.com/office/2006/documentManagement/types"/>
-    <ds:schemaRef ds:uri="http://purl.org/dc/terms/"/>
-    <ds:schemaRef ds:uri="http://schemas.microsoft.com/office/infopath/2007/PartnerControls"/>
-    <ds:schemaRef ds:uri="http://purl.org/dc/dcmitype/"/>
-    <ds:schemaRef ds:uri="http://purl.org/dc/elements/1.1/"/>
   </ds:schemaRefs>
 </ds:datastoreItem>
 </file>